--- a/Presentazione/Valerio Desiati - Presentazione Discussione.pptx
+++ b/Presentazione/Valerio Desiati - Presentazione Discussione.pptx
@@ -5,7 +5,7 @@
     <p:sldMasterId id="2147483648" r:id="rId1"/>
   </p:sldMasterIdLst>
   <p:notesMasterIdLst>
-    <p:notesMasterId r:id="rId26"/>
+    <p:notesMasterId r:id="rId33"/>
   </p:notesMasterIdLst>
   <p:sldIdLst>
     <p:sldId id="256" r:id="rId2"/>
@@ -22,16 +22,23 @@
     <p:sldId id="323" r:id="rId13"/>
     <p:sldId id="322" r:id="rId14"/>
     <p:sldId id="257" r:id="rId15"/>
-    <p:sldId id="324" r:id="rId16"/>
-    <p:sldId id="329" r:id="rId17"/>
-    <p:sldId id="327" r:id="rId18"/>
-    <p:sldId id="328" r:id="rId19"/>
-    <p:sldId id="326" r:id="rId20"/>
-    <p:sldId id="304" r:id="rId21"/>
-    <p:sldId id="330" r:id="rId22"/>
-    <p:sldId id="331" r:id="rId23"/>
-    <p:sldId id="332" r:id="rId24"/>
-    <p:sldId id="325" r:id="rId25"/>
+    <p:sldId id="333" r:id="rId16"/>
+    <p:sldId id="334" r:id="rId17"/>
+    <p:sldId id="335" r:id="rId18"/>
+    <p:sldId id="336" r:id="rId19"/>
+    <p:sldId id="324" r:id="rId20"/>
+    <p:sldId id="329" r:id="rId21"/>
+    <p:sldId id="337" r:id="rId22"/>
+    <p:sldId id="338" r:id="rId23"/>
+    <p:sldId id="339" r:id="rId24"/>
+    <p:sldId id="327" r:id="rId25"/>
+    <p:sldId id="328" r:id="rId26"/>
+    <p:sldId id="326" r:id="rId27"/>
+    <p:sldId id="304" r:id="rId28"/>
+    <p:sldId id="330" r:id="rId29"/>
+    <p:sldId id="331" r:id="rId30"/>
+    <p:sldId id="332" r:id="rId31"/>
+    <p:sldId id="325" r:id="rId32"/>
   </p:sldIdLst>
   <p:sldSz cx="12192000" cy="6858000"/>
   <p:notesSz cx="6858000" cy="9144000"/>
@@ -226,7 +233,7 @@
           <a:p>
             <a:fld id="{5F7409E6-EED8-8745-B232-DBEF601ABB7A}" type="datetimeFigureOut">
               <a:rPr lang="it-IT" smtClean="0"/>
-              <a:t>19/06/2023</a:t>
+              <a:t>20/06/2023</a:t>
             </a:fld>
             <a:endParaRPr lang="it-IT" dirty="0"/>
           </a:p>
@@ -1071,7 +1078,7 @@
     </p:spTree>
     <p:extLst>
       <p:ext uri="{BB962C8B-B14F-4D97-AF65-F5344CB8AC3E}">
-        <p14:creationId xmlns:p14="http://schemas.microsoft.com/office/powerpoint/2010/main" val="2163639335"/>
+        <p14:creationId xmlns:p14="http://schemas.microsoft.com/office/powerpoint/2010/main" val="3707488486"/>
       </p:ext>
     </p:extLst>
   </p:cSld>
@@ -1155,7 +1162,7 @@
     </p:spTree>
     <p:extLst>
       <p:ext uri="{BB962C8B-B14F-4D97-AF65-F5344CB8AC3E}">
-        <p14:creationId xmlns:p14="http://schemas.microsoft.com/office/powerpoint/2010/main" val="2742640439"/>
+        <p14:creationId xmlns:p14="http://schemas.microsoft.com/office/powerpoint/2010/main" val="810854072"/>
       </p:ext>
     </p:extLst>
   </p:cSld>
@@ -1239,7 +1246,7 @@
     </p:spTree>
     <p:extLst>
       <p:ext uri="{BB962C8B-B14F-4D97-AF65-F5344CB8AC3E}">
-        <p14:creationId xmlns:p14="http://schemas.microsoft.com/office/powerpoint/2010/main" val="3472760610"/>
+        <p14:creationId xmlns:p14="http://schemas.microsoft.com/office/powerpoint/2010/main" val="3862764196"/>
       </p:ext>
     </p:extLst>
   </p:cSld>
@@ -1323,7 +1330,7 @@
     </p:spTree>
     <p:extLst>
       <p:ext uri="{BB962C8B-B14F-4D97-AF65-F5344CB8AC3E}">
-        <p14:creationId xmlns:p14="http://schemas.microsoft.com/office/powerpoint/2010/main" val="3265085799"/>
+        <p14:creationId xmlns:p14="http://schemas.microsoft.com/office/powerpoint/2010/main" val="3019642967"/>
       </p:ext>
     </p:extLst>
   </p:cSld>
@@ -1407,7 +1414,7 @@
     </p:spTree>
     <p:extLst>
       <p:ext uri="{BB962C8B-B14F-4D97-AF65-F5344CB8AC3E}">
-        <p14:creationId xmlns:p14="http://schemas.microsoft.com/office/powerpoint/2010/main" val="3829759184"/>
+        <p14:creationId xmlns:p14="http://schemas.microsoft.com/office/powerpoint/2010/main" val="2163639335"/>
       </p:ext>
     </p:extLst>
   </p:cSld>
@@ -1566,7 +1573,595 @@
           <a:p>
             <a:fld id="{4C1F9E36-1FE2-5648-8A6D-D903E424B1AF}" type="slidenum">
               <a:rPr lang="it-IT" smtClean="0"/>
+              <a:t>20</a:t>
+            </a:fld>
+            <a:endParaRPr lang="it-IT" dirty="0"/>
+          </a:p>
+        </p:txBody>
+      </p:sp>
+    </p:spTree>
+    <p:extLst>
+      <p:ext uri="{BB962C8B-B14F-4D97-AF65-F5344CB8AC3E}">
+        <p14:creationId xmlns:p14="http://schemas.microsoft.com/office/powerpoint/2010/main" val="2742640439"/>
+      </p:ext>
+    </p:extLst>
+  </p:cSld>
+  <p:clrMapOvr>
+    <a:masterClrMapping/>
+  </p:clrMapOvr>
+</p:notes>
+</file>
+
+<file path=ppt/notesSlides/notesSlide21.xml><?xml version="1.0" encoding="utf-8"?>
+<p:notes xmlns:a="http://schemas.openxmlformats.org/drawingml/2006/main" xmlns:r="http://schemas.openxmlformats.org/officeDocument/2006/relationships" xmlns:p="http://schemas.openxmlformats.org/presentationml/2006/main">
+  <p:cSld>
+    <p:spTree>
+      <p:nvGrpSpPr>
+        <p:cNvPr id="1" name=""/>
+        <p:cNvGrpSpPr/>
+        <p:nvPr/>
+      </p:nvGrpSpPr>
+      <p:grpSpPr>
+        <a:xfrm>
+          <a:off x="0" y="0"/>
+          <a:ext cx="0" cy="0"/>
+          <a:chOff x="0" y="0"/>
+          <a:chExt cx="0" cy="0"/>
+        </a:xfrm>
+      </p:grpSpPr>
+      <p:sp>
+        <p:nvSpPr>
+          <p:cNvPr id="2" name="Segnaposto immagine diapositiva 1"/>
+          <p:cNvSpPr>
+            <a:spLocks noGrp="1" noRot="1" noChangeAspect="1"/>
+          </p:cNvSpPr>
+          <p:nvPr>
+            <p:ph type="sldImg"/>
+          </p:nvPr>
+        </p:nvSpPr>
+        <p:spPr/>
+      </p:sp>
+      <p:sp>
+        <p:nvSpPr>
+          <p:cNvPr id="3" name="Segnaposto note 2"/>
+          <p:cNvSpPr>
+            <a:spLocks noGrp="1"/>
+          </p:cNvSpPr>
+          <p:nvPr>
+            <p:ph type="body" idx="1"/>
+          </p:nvPr>
+        </p:nvSpPr>
+        <p:spPr/>
+        <p:txBody>
+          <a:bodyPr/>
+          <a:lstStyle/>
+          <a:p>
+            <a:endParaRPr lang="it-IT" dirty="0"/>
+          </a:p>
+        </p:txBody>
+      </p:sp>
+      <p:sp>
+        <p:nvSpPr>
+          <p:cNvPr id="4" name="Segnaposto numero diapositiva 3"/>
+          <p:cNvSpPr>
+            <a:spLocks noGrp="1"/>
+          </p:cNvSpPr>
+          <p:nvPr>
+            <p:ph type="sldNum" sz="quarter" idx="5"/>
+          </p:nvPr>
+        </p:nvSpPr>
+        <p:spPr/>
+        <p:txBody>
+          <a:bodyPr/>
+          <a:lstStyle/>
+          <a:p>
+            <a:fld id="{4C1F9E36-1FE2-5648-8A6D-D903E424B1AF}" type="slidenum">
+              <a:rPr lang="it-IT" smtClean="0"/>
+              <a:t>21</a:t>
+            </a:fld>
+            <a:endParaRPr lang="it-IT" dirty="0"/>
+          </a:p>
+        </p:txBody>
+      </p:sp>
+    </p:spTree>
+    <p:extLst>
+      <p:ext uri="{BB962C8B-B14F-4D97-AF65-F5344CB8AC3E}">
+        <p14:creationId xmlns:p14="http://schemas.microsoft.com/office/powerpoint/2010/main" val="195886760"/>
+      </p:ext>
+    </p:extLst>
+  </p:cSld>
+  <p:clrMapOvr>
+    <a:masterClrMapping/>
+  </p:clrMapOvr>
+</p:notes>
+</file>
+
+<file path=ppt/notesSlides/notesSlide22.xml><?xml version="1.0" encoding="utf-8"?>
+<p:notes xmlns:a="http://schemas.openxmlformats.org/drawingml/2006/main" xmlns:r="http://schemas.openxmlformats.org/officeDocument/2006/relationships" xmlns:p="http://schemas.openxmlformats.org/presentationml/2006/main">
+  <p:cSld>
+    <p:spTree>
+      <p:nvGrpSpPr>
+        <p:cNvPr id="1" name=""/>
+        <p:cNvGrpSpPr/>
+        <p:nvPr/>
+      </p:nvGrpSpPr>
+      <p:grpSpPr>
+        <a:xfrm>
+          <a:off x="0" y="0"/>
+          <a:ext cx="0" cy="0"/>
+          <a:chOff x="0" y="0"/>
+          <a:chExt cx="0" cy="0"/>
+        </a:xfrm>
+      </p:grpSpPr>
+      <p:sp>
+        <p:nvSpPr>
+          <p:cNvPr id="2" name="Segnaposto immagine diapositiva 1"/>
+          <p:cNvSpPr>
+            <a:spLocks noGrp="1" noRot="1" noChangeAspect="1"/>
+          </p:cNvSpPr>
+          <p:nvPr>
+            <p:ph type="sldImg"/>
+          </p:nvPr>
+        </p:nvSpPr>
+        <p:spPr/>
+      </p:sp>
+      <p:sp>
+        <p:nvSpPr>
+          <p:cNvPr id="3" name="Segnaposto note 2"/>
+          <p:cNvSpPr>
+            <a:spLocks noGrp="1"/>
+          </p:cNvSpPr>
+          <p:nvPr>
+            <p:ph type="body" idx="1"/>
+          </p:nvPr>
+        </p:nvSpPr>
+        <p:spPr/>
+        <p:txBody>
+          <a:bodyPr/>
+          <a:lstStyle/>
+          <a:p>
+            <a:endParaRPr lang="it-IT" dirty="0"/>
+          </a:p>
+        </p:txBody>
+      </p:sp>
+      <p:sp>
+        <p:nvSpPr>
+          <p:cNvPr id="4" name="Segnaposto numero diapositiva 3"/>
+          <p:cNvSpPr>
+            <a:spLocks noGrp="1"/>
+          </p:cNvSpPr>
+          <p:nvPr>
+            <p:ph type="sldNum" sz="quarter" idx="5"/>
+          </p:nvPr>
+        </p:nvSpPr>
+        <p:spPr/>
+        <p:txBody>
+          <a:bodyPr/>
+          <a:lstStyle/>
+          <a:p>
+            <a:fld id="{4C1F9E36-1FE2-5648-8A6D-D903E424B1AF}" type="slidenum">
+              <a:rPr lang="it-IT" smtClean="0"/>
+              <a:t>22</a:t>
+            </a:fld>
+            <a:endParaRPr lang="it-IT" dirty="0"/>
+          </a:p>
+        </p:txBody>
+      </p:sp>
+    </p:spTree>
+    <p:extLst>
+      <p:ext uri="{BB962C8B-B14F-4D97-AF65-F5344CB8AC3E}">
+        <p14:creationId xmlns:p14="http://schemas.microsoft.com/office/powerpoint/2010/main" val="3559657501"/>
+      </p:ext>
+    </p:extLst>
+  </p:cSld>
+  <p:clrMapOvr>
+    <a:masterClrMapping/>
+  </p:clrMapOvr>
+</p:notes>
+</file>
+
+<file path=ppt/notesSlides/notesSlide23.xml><?xml version="1.0" encoding="utf-8"?>
+<p:notes xmlns:a="http://schemas.openxmlformats.org/drawingml/2006/main" xmlns:r="http://schemas.openxmlformats.org/officeDocument/2006/relationships" xmlns:p="http://schemas.openxmlformats.org/presentationml/2006/main">
+  <p:cSld>
+    <p:spTree>
+      <p:nvGrpSpPr>
+        <p:cNvPr id="1" name=""/>
+        <p:cNvGrpSpPr/>
+        <p:nvPr/>
+      </p:nvGrpSpPr>
+      <p:grpSpPr>
+        <a:xfrm>
+          <a:off x="0" y="0"/>
+          <a:ext cx="0" cy="0"/>
+          <a:chOff x="0" y="0"/>
+          <a:chExt cx="0" cy="0"/>
+        </a:xfrm>
+      </p:grpSpPr>
+      <p:sp>
+        <p:nvSpPr>
+          <p:cNvPr id="2" name="Segnaposto immagine diapositiva 1"/>
+          <p:cNvSpPr>
+            <a:spLocks noGrp="1" noRot="1" noChangeAspect="1"/>
+          </p:cNvSpPr>
+          <p:nvPr>
+            <p:ph type="sldImg"/>
+          </p:nvPr>
+        </p:nvSpPr>
+        <p:spPr/>
+      </p:sp>
+      <p:sp>
+        <p:nvSpPr>
+          <p:cNvPr id="3" name="Segnaposto note 2"/>
+          <p:cNvSpPr>
+            <a:spLocks noGrp="1"/>
+          </p:cNvSpPr>
+          <p:nvPr>
+            <p:ph type="body" idx="1"/>
+          </p:nvPr>
+        </p:nvSpPr>
+        <p:spPr/>
+        <p:txBody>
+          <a:bodyPr/>
+          <a:lstStyle/>
+          <a:p>
+            <a:endParaRPr lang="it-IT" dirty="0"/>
+          </a:p>
+        </p:txBody>
+      </p:sp>
+      <p:sp>
+        <p:nvSpPr>
+          <p:cNvPr id="4" name="Segnaposto numero diapositiva 3"/>
+          <p:cNvSpPr>
+            <a:spLocks noGrp="1"/>
+          </p:cNvSpPr>
+          <p:nvPr>
+            <p:ph type="sldNum" sz="quarter" idx="5"/>
+          </p:nvPr>
+        </p:nvSpPr>
+        <p:spPr/>
+        <p:txBody>
+          <a:bodyPr/>
+          <a:lstStyle/>
+          <a:p>
+            <a:fld id="{4C1F9E36-1FE2-5648-8A6D-D903E424B1AF}" type="slidenum">
+              <a:rPr lang="it-IT" smtClean="0"/>
+              <a:t>23</a:t>
+            </a:fld>
+            <a:endParaRPr lang="it-IT" dirty="0"/>
+          </a:p>
+        </p:txBody>
+      </p:sp>
+    </p:spTree>
+    <p:extLst>
+      <p:ext uri="{BB962C8B-B14F-4D97-AF65-F5344CB8AC3E}">
+        <p14:creationId xmlns:p14="http://schemas.microsoft.com/office/powerpoint/2010/main" val="1103938170"/>
+      </p:ext>
+    </p:extLst>
+  </p:cSld>
+  <p:clrMapOvr>
+    <a:masterClrMapping/>
+  </p:clrMapOvr>
+</p:notes>
+</file>
+
+<file path=ppt/notesSlides/notesSlide24.xml><?xml version="1.0" encoding="utf-8"?>
+<p:notes xmlns:a="http://schemas.openxmlformats.org/drawingml/2006/main" xmlns:r="http://schemas.openxmlformats.org/officeDocument/2006/relationships" xmlns:p="http://schemas.openxmlformats.org/presentationml/2006/main">
+  <p:cSld>
+    <p:spTree>
+      <p:nvGrpSpPr>
+        <p:cNvPr id="1" name=""/>
+        <p:cNvGrpSpPr/>
+        <p:nvPr/>
+      </p:nvGrpSpPr>
+      <p:grpSpPr>
+        <a:xfrm>
+          <a:off x="0" y="0"/>
+          <a:ext cx="0" cy="0"/>
+          <a:chOff x="0" y="0"/>
+          <a:chExt cx="0" cy="0"/>
+        </a:xfrm>
+      </p:grpSpPr>
+      <p:sp>
+        <p:nvSpPr>
+          <p:cNvPr id="2" name="Segnaposto immagine diapositiva 1"/>
+          <p:cNvSpPr>
+            <a:spLocks noGrp="1" noRot="1" noChangeAspect="1"/>
+          </p:cNvSpPr>
+          <p:nvPr>
+            <p:ph type="sldImg"/>
+          </p:nvPr>
+        </p:nvSpPr>
+        <p:spPr/>
+      </p:sp>
+      <p:sp>
+        <p:nvSpPr>
+          <p:cNvPr id="3" name="Segnaposto note 2"/>
+          <p:cNvSpPr>
+            <a:spLocks noGrp="1"/>
+          </p:cNvSpPr>
+          <p:nvPr>
+            <p:ph type="body" idx="1"/>
+          </p:nvPr>
+        </p:nvSpPr>
+        <p:spPr/>
+        <p:txBody>
+          <a:bodyPr/>
+          <a:lstStyle/>
+          <a:p>
+            <a:endParaRPr lang="it-IT" dirty="0"/>
+          </a:p>
+        </p:txBody>
+      </p:sp>
+      <p:sp>
+        <p:nvSpPr>
+          <p:cNvPr id="4" name="Segnaposto numero diapositiva 3"/>
+          <p:cNvSpPr>
+            <a:spLocks noGrp="1"/>
+          </p:cNvSpPr>
+          <p:nvPr>
+            <p:ph type="sldNum" sz="quarter" idx="5"/>
+          </p:nvPr>
+        </p:nvSpPr>
+        <p:spPr/>
+        <p:txBody>
+          <a:bodyPr/>
+          <a:lstStyle/>
+          <a:p>
+            <a:fld id="{4C1F9E36-1FE2-5648-8A6D-D903E424B1AF}" type="slidenum">
+              <a:rPr lang="it-IT" smtClean="0"/>
               <a:t>24</a:t>
+            </a:fld>
+            <a:endParaRPr lang="it-IT" dirty="0"/>
+          </a:p>
+        </p:txBody>
+      </p:sp>
+    </p:spTree>
+    <p:extLst>
+      <p:ext uri="{BB962C8B-B14F-4D97-AF65-F5344CB8AC3E}">
+        <p14:creationId xmlns:p14="http://schemas.microsoft.com/office/powerpoint/2010/main" val="3472760610"/>
+      </p:ext>
+    </p:extLst>
+  </p:cSld>
+  <p:clrMapOvr>
+    <a:masterClrMapping/>
+  </p:clrMapOvr>
+</p:notes>
+</file>
+
+<file path=ppt/notesSlides/notesSlide25.xml><?xml version="1.0" encoding="utf-8"?>
+<p:notes xmlns:a="http://schemas.openxmlformats.org/drawingml/2006/main" xmlns:r="http://schemas.openxmlformats.org/officeDocument/2006/relationships" xmlns:p="http://schemas.openxmlformats.org/presentationml/2006/main">
+  <p:cSld>
+    <p:spTree>
+      <p:nvGrpSpPr>
+        <p:cNvPr id="1" name=""/>
+        <p:cNvGrpSpPr/>
+        <p:nvPr/>
+      </p:nvGrpSpPr>
+      <p:grpSpPr>
+        <a:xfrm>
+          <a:off x="0" y="0"/>
+          <a:ext cx="0" cy="0"/>
+          <a:chOff x="0" y="0"/>
+          <a:chExt cx="0" cy="0"/>
+        </a:xfrm>
+      </p:grpSpPr>
+      <p:sp>
+        <p:nvSpPr>
+          <p:cNvPr id="2" name="Segnaposto immagine diapositiva 1"/>
+          <p:cNvSpPr>
+            <a:spLocks noGrp="1" noRot="1" noChangeAspect="1"/>
+          </p:cNvSpPr>
+          <p:nvPr>
+            <p:ph type="sldImg"/>
+          </p:nvPr>
+        </p:nvSpPr>
+        <p:spPr/>
+      </p:sp>
+      <p:sp>
+        <p:nvSpPr>
+          <p:cNvPr id="3" name="Segnaposto note 2"/>
+          <p:cNvSpPr>
+            <a:spLocks noGrp="1"/>
+          </p:cNvSpPr>
+          <p:nvPr>
+            <p:ph type="body" idx="1"/>
+          </p:nvPr>
+        </p:nvSpPr>
+        <p:spPr/>
+        <p:txBody>
+          <a:bodyPr/>
+          <a:lstStyle/>
+          <a:p>
+            <a:endParaRPr lang="it-IT" dirty="0"/>
+          </a:p>
+        </p:txBody>
+      </p:sp>
+      <p:sp>
+        <p:nvSpPr>
+          <p:cNvPr id="4" name="Segnaposto numero diapositiva 3"/>
+          <p:cNvSpPr>
+            <a:spLocks noGrp="1"/>
+          </p:cNvSpPr>
+          <p:nvPr>
+            <p:ph type="sldNum" sz="quarter" idx="5"/>
+          </p:nvPr>
+        </p:nvSpPr>
+        <p:spPr/>
+        <p:txBody>
+          <a:bodyPr/>
+          <a:lstStyle/>
+          <a:p>
+            <a:fld id="{4C1F9E36-1FE2-5648-8A6D-D903E424B1AF}" type="slidenum">
+              <a:rPr lang="it-IT" smtClean="0"/>
+              <a:t>25</a:t>
+            </a:fld>
+            <a:endParaRPr lang="it-IT" dirty="0"/>
+          </a:p>
+        </p:txBody>
+      </p:sp>
+    </p:spTree>
+    <p:extLst>
+      <p:ext uri="{BB962C8B-B14F-4D97-AF65-F5344CB8AC3E}">
+        <p14:creationId xmlns:p14="http://schemas.microsoft.com/office/powerpoint/2010/main" val="3265085799"/>
+      </p:ext>
+    </p:extLst>
+  </p:cSld>
+  <p:clrMapOvr>
+    <a:masterClrMapping/>
+  </p:clrMapOvr>
+</p:notes>
+</file>
+
+<file path=ppt/notesSlides/notesSlide26.xml><?xml version="1.0" encoding="utf-8"?>
+<p:notes xmlns:a="http://schemas.openxmlformats.org/drawingml/2006/main" xmlns:r="http://schemas.openxmlformats.org/officeDocument/2006/relationships" xmlns:p="http://schemas.openxmlformats.org/presentationml/2006/main">
+  <p:cSld>
+    <p:spTree>
+      <p:nvGrpSpPr>
+        <p:cNvPr id="1" name=""/>
+        <p:cNvGrpSpPr/>
+        <p:nvPr/>
+      </p:nvGrpSpPr>
+      <p:grpSpPr>
+        <a:xfrm>
+          <a:off x="0" y="0"/>
+          <a:ext cx="0" cy="0"/>
+          <a:chOff x="0" y="0"/>
+          <a:chExt cx="0" cy="0"/>
+        </a:xfrm>
+      </p:grpSpPr>
+      <p:sp>
+        <p:nvSpPr>
+          <p:cNvPr id="2" name="Segnaposto immagine diapositiva 1"/>
+          <p:cNvSpPr>
+            <a:spLocks noGrp="1" noRot="1" noChangeAspect="1"/>
+          </p:cNvSpPr>
+          <p:nvPr>
+            <p:ph type="sldImg"/>
+          </p:nvPr>
+        </p:nvSpPr>
+        <p:spPr/>
+      </p:sp>
+      <p:sp>
+        <p:nvSpPr>
+          <p:cNvPr id="3" name="Segnaposto note 2"/>
+          <p:cNvSpPr>
+            <a:spLocks noGrp="1"/>
+          </p:cNvSpPr>
+          <p:nvPr>
+            <p:ph type="body" idx="1"/>
+          </p:nvPr>
+        </p:nvSpPr>
+        <p:spPr/>
+        <p:txBody>
+          <a:bodyPr/>
+          <a:lstStyle/>
+          <a:p>
+            <a:endParaRPr lang="it-IT" dirty="0"/>
+          </a:p>
+        </p:txBody>
+      </p:sp>
+      <p:sp>
+        <p:nvSpPr>
+          <p:cNvPr id="4" name="Segnaposto numero diapositiva 3"/>
+          <p:cNvSpPr>
+            <a:spLocks noGrp="1"/>
+          </p:cNvSpPr>
+          <p:nvPr>
+            <p:ph type="sldNum" sz="quarter" idx="5"/>
+          </p:nvPr>
+        </p:nvSpPr>
+        <p:spPr/>
+        <p:txBody>
+          <a:bodyPr/>
+          <a:lstStyle/>
+          <a:p>
+            <a:fld id="{4C1F9E36-1FE2-5648-8A6D-D903E424B1AF}" type="slidenum">
+              <a:rPr lang="it-IT" smtClean="0"/>
+              <a:t>26</a:t>
+            </a:fld>
+            <a:endParaRPr lang="it-IT" dirty="0"/>
+          </a:p>
+        </p:txBody>
+      </p:sp>
+    </p:spTree>
+    <p:extLst>
+      <p:ext uri="{BB962C8B-B14F-4D97-AF65-F5344CB8AC3E}">
+        <p14:creationId xmlns:p14="http://schemas.microsoft.com/office/powerpoint/2010/main" val="3829759184"/>
+      </p:ext>
+    </p:extLst>
+  </p:cSld>
+  <p:clrMapOvr>
+    <a:masterClrMapping/>
+  </p:clrMapOvr>
+</p:notes>
+</file>
+
+<file path=ppt/notesSlides/notesSlide27.xml><?xml version="1.0" encoding="utf-8"?>
+<p:notes xmlns:a="http://schemas.openxmlformats.org/drawingml/2006/main" xmlns:r="http://schemas.openxmlformats.org/officeDocument/2006/relationships" xmlns:p="http://schemas.openxmlformats.org/presentationml/2006/main">
+  <p:cSld>
+    <p:spTree>
+      <p:nvGrpSpPr>
+        <p:cNvPr id="1" name=""/>
+        <p:cNvGrpSpPr/>
+        <p:nvPr/>
+      </p:nvGrpSpPr>
+      <p:grpSpPr>
+        <a:xfrm>
+          <a:off x="0" y="0"/>
+          <a:ext cx="0" cy="0"/>
+          <a:chOff x="0" y="0"/>
+          <a:chExt cx="0" cy="0"/>
+        </a:xfrm>
+      </p:grpSpPr>
+      <p:sp>
+        <p:nvSpPr>
+          <p:cNvPr id="2" name="Segnaposto immagine diapositiva 1"/>
+          <p:cNvSpPr>
+            <a:spLocks noGrp="1" noRot="1" noChangeAspect="1"/>
+          </p:cNvSpPr>
+          <p:nvPr>
+            <p:ph type="sldImg"/>
+          </p:nvPr>
+        </p:nvSpPr>
+        <p:spPr/>
+      </p:sp>
+      <p:sp>
+        <p:nvSpPr>
+          <p:cNvPr id="3" name="Segnaposto note 2"/>
+          <p:cNvSpPr>
+            <a:spLocks noGrp="1"/>
+          </p:cNvSpPr>
+          <p:nvPr>
+            <p:ph type="body" idx="1"/>
+          </p:nvPr>
+        </p:nvSpPr>
+        <p:spPr/>
+        <p:txBody>
+          <a:bodyPr/>
+          <a:lstStyle/>
+          <a:p>
+            <a:endParaRPr lang="it-IT" dirty="0"/>
+          </a:p>
+        </p:txBody>
+      </p:sp>
+      <p:sp>
+        <p:nvSpPr>
+          <p:cNvPr id="4" name="Segnaposto numero diapositiva 3"/>
+          <p:cNvSpPr>
+            <a:spLocks noGrp="1"/>
+          </p:cNvSpPr>
+          <p:nvPr>
+            <p:ph type="sldNum" sz="quarter" idx="5"/>
+          </p:nvPr>
+        </p:nvSpPr>
+        <p:spPr/>
+        <p:txBody>
+          <a:bodyPr/>
+          <a:lstStyle/>
+          <a:p>
+            <a:fld id="{4C1F9E36-1FE2-5648-8A6D-D903E424B1AF}" type="slidenum">
+              <a:rPr lang="it-IT" smtClean="0"/>
+              <a:t>31</a:t>
             </a:fld>
             <a:endParaRPr lang="it-IT" dirty="0"/>
           </a:p>
@@ -2320,7 +2915,7 @@
           <a:p>
             <a:fld id="{FECD8529-05FA-4643-B720-2EA2E48117F4}" type="datetime1">
               <a:rPr lang="it-IT" smtClean="0"/>
-              <a:t>19/06/2023</a:t>
+              <a:t>20/06/2023</a:t>
             </a:fld>
             <a:endParaRPr lang="it-IT" dirty="0"/>
           </a:p>
@@ -2518,7 +3113,7 @@
           <a:p>
             <a:fld id="{63EFCFB1-60F0-5744-8F82-405AFE408E7C}" type="datetime1">
               <a:rPr lang="it-IT" smtClean="0"/>
-              <a:t>19/06/2023</a:t>
+              <a:t>20/06/2023</a:t>
             </a:fld>
             <a:endParaRPr lang="it-IT" dirty="0"/>
           </a:p>
@@ -2726,7 +3321,7 @@
           <a:p>
             <a:fld id="{D594D1BC-4595-374D-9A6C-D62313477D45}" type="datetime1">
               <a:rPr lang="it-IT" smtClean="0"/>
-              <a:t>19/06/2023</a:t>
+              <a:t>20/06/2023</a:t>
             </a:fld>
             <a:endParaRPr lang="it-IT" dirty="0"/>
           </a:p>
@@ -2924,7 +3519,7 @@
           <a:p>
             <a:fld id="{2A3556A1-1290-7E41-9698-BDF32A4643C7}" type="datetime1">
               <a:rPr lang="it-IT" smtClean="0"/>
-              <a:t>19/06/2023</a:t>
+              <a:t>20/06/2023</a:t>
             </a:fld>
             <a:endParaRPr lang="it-IT" dirty="0"/>
           </a:p>
@@ -3199,7 +3794,7 @@
           <a:p>
             <a:fld id="{453D6EF6-EAEF-8441-A1C8-FA5BA58DF336}" type="datetime1">
               <a:rPr lang="it-IT" smtClean="0"/>
-              <a:t>19/06/2023</a:t>
+              <a:t>20/06/2023</a:t>
             </a:fld>
             <a:endParaRPr lang="it-IT" dirty="0"/>
           </a:p>
@@ -3464,7 +4059,7 @@
           <a:p>
             <a:fld id="{67B081B3-A9A3-824B-9262-F74A31FB76DC}" type="datetime1">
               <a:rPr lang="it-IT" smtClean="0"/>
-              <a:t>19/06/2023</a:t>
+              <a:t>20/06/2023</a:t>
             </a:fld>
             <a:endParaRPr lang="it-IT" dirty="0"/>
           </a:p>
@@ -3876,7 +4471,7 @@
           <a:p>
             <a:fld id="{6C96453B-2FA4-E342-8E1A-84A1A9B3F75F}" type="datetime1">
               <a:rPr lang="it-IT" smtClean="0"/>
-              <a:t>19/06/2023</a:t>
+              <a:t>20/06/2023</a:t>
             </a:fld>
             <a:endParaRPr lang="it-IT" dirty="0"/>
           </a:p>
@@ -4017,7 +4612,7 @@
           <a:p>
             <a:fld id="{1E4DD496-A03C-3C45-92F3-E74BF400C225}" type="datetime1">
               <a:rPr lang="it-IT" smtClean="0"/>
-              <a:t>19/06/2023</a:t>
+              <a:t>20/06/2023</a:t>
             </a:fld>
             <a:endParaRPr lang="it-IT" dirty="0"/>
           </a:p>
@@ -4130,7 +4725,7 @@
           <a:p>
             <a:fld id="{BDEC223D-F6F9-4F4D-87AE-7A5837ED6E77}" type="datetime1">
               <a:rPr lang="it-IT" smtClean="0"/>
-              <a:t>19/06/2023</a:t>
+              <a:t>20/06/2023</a:t>
             </a:fld>
             <a:endParaRPr lang="it-IT" dirty="0"/>
           </a:p>
@@ -4441,7 +5036,7 @@
           <a:p>
             <a:fld id="{EBF8F1EF-51D2-B64E-B375-F598E0F15E07}" type="datetime1">
               <a:rPr lang="it-IT" smtClean="0"/>
-              <a:t>19/06/2023</a:t>
+              <a:t>20/06/2023</a:t>
             </a:fld>
             <a:endParaRPr lang="it-IT" dirty="0"/>
           </a:p>
@@ -4729,7 +5324,7 @@
           <a:p>
             <a:fld id="{DE207030-58F3-FC44-91BB-2B4E4798FE1E}" type="datetime1">
               <a:rPr lang="it-IT" smtClean="0"/>
-              <a:t>19/06/2023</a:t>
+              <a:t>20/06/2023</a:t>
             </a:fld>
             <a:endParaRPr lang="it-IT" dirty="0"/>
           </a:p>
@@ -4970,7 +5565,7 @@
           <a:p>
             <a:fld id="{DA6E310D-410C-F94A-9E6B-1D0924BCDA6B}" type="datetime1">
               <a:rPr lang="it-IT" smtClean="0"/>
-              <a:t>19/06/2023</a:t>
+              <a:t>20/06/2023</a:t>
             </a:fld>
             <a:endParaRPr lang="it-IT" dirty="0"/>
           </a:p>
@@ -6460,13 +7055,13 @@
   <p:clrMapOvr>
     <a:masterClrMapping/>
   </p:clrMapOvr>
-  <mc:AlternateContent xmlns:mc="http://schemas.openxmlformats.org/markup-compatibility/2006">
-    <mc:Choice xmlns:p159="http://schemas.microsoft.com/office/powerpoint/2015/09/main" Requires="p159">
+  <mc:AlternateContent xmlns:mc="http://schemas.openxmlformats.org/markup-compatibility/2006" xmlns:p159="http://schemas.microsoft.com/office/powerpoint/2015/09/main">
+    <mc:Choice Requires="p159">
       <p:transition spd="slow">
         <p159:morph option="byObject"/>
       </p:transition>
     </mc:Choice>
-    <mc:Fallback>
+    <mc:Fallback xmlns="">
       <p:transition spd="slow">
         <p:fade/>
       </p:transition>
@@ -6517,194 +7112,7 @@
               <a:rPr lang="it-IT" dirty="0">
                 <a:latin typeface="Century Gothic" panose="020B0502020202020204" pitchFamily="34" charset="0"/>
               </a:rPr>
-              <a:t>Microsoft Azure DevOps</a:t>
-            </a:r>
-          </a:p>
-        </p:txBody>
-      </p:sp>
-      <p:pic>
-        <p:nvPicPr>
-          <p:cNvPr id="3" name="Immagine 2">
-            <a:extLst>
-              <a:ext uri="{FF2B5EF4-FFF2-40B4-BE49-F238E27FC236}">
-                <a16:creationId xmlns:a16="http://schemas.microsoft.com/office/drawing/2014/main" id="{4334E3B8-3C82-72A9-07B7-222AA5EA4F21}"/>
-              </a:ext>
-            </a:extLst>
-          </p:cNvPr>
-          <p:cNvPicPr>
-            <a:picLocks noChangeAspect="1"/>
-          </p:cNvPicPr>
-          <p:nvPr/>
-        </p:nvPicPr>
-        <p:blipFill>
-          <a:blip r:embed="rId3"/>
-          <a:stretch>
-            <a:fillRect/>
-          </a:stretch>
-        </p:blipFill>
-        <p:spPr>
-          <a:xfrm>
-            <a:off x="3743728" y="4231075"/>
-            <a:ext cx="1576429" cy="1868068"/>
-          </a:xfrm>
-          <a:prstGeom prst="rect">
-            <a:avLst/>
-          </a:prstGeom>
-        </p:spPr>
-      </p:pic>
-      <p:pic>
-        <p:nvPicPr>
-          <p:cNvPr id="4" name="Immagine 3">
-            <a:extLst>
-              <a:ext uri="{FF2B5EF4-FFF2-40B4-BE49-F238E27FC236}">
-                <a16:creationId xmlns:a16="http://schemas.microsoft.com/office/drawing/2014/main" id="{38674238-B1EA-AA10-8330-35DF1F118BDF}"/>
-              </a:ext>
-            </a:extLst>
-          </p:cNvPr>
-          <p:cNvPicPr>
-            <a:picLocks noChangeAspect="1"/>
-          </p:cNvPicPr>
-          <p:nvPr/>
-        </p:nvPicPr>
-        <p:blipFill>
-          <a:blip r:embed="rId4"/>
-          <a:stretch>
-            <a:fillRect/>
-          </a:stretch>
-        </p:blipFill>
-        <p:spPr>
-          <a:xfrm>
-            <a:off x="5553037" y="4231075"/>
-            <a:ext cx="1576429" cy="1868068"/>
-          </a:xfrm>
-          <a:prstGeom prst="rect">
-            <a:avLst/>
-          </a:prstGeom>
-        </p:spPr>
-      </p:pic>
-      <p:pic>
-        <p:nvPicPr>
-          <p:cNvPr id="5" name="Immagine 4">
-            <a:extLst>
-              <a:ext uri="{FF2B5EF4-FFF2-40B4-BE49-F238E27FC236}">
-                <a16:creationId xmlns:a16="http://schemas.microsoft.com/office/drawing/2014/main" id="{EC9E1A5B-4A8F-4D12-2843-195331DFDB0F}"/>
-              </a:ext>
-            </a:extLst>
-          </p:cNvPr>
-          <p:cNvPicPr>
-            <a:picLocks noChangeAspect="1"/>
-          </p:cNvPicPr>
-          <p:nvPr/>
-        </p:nvPicPr>
-        <p:blipFill>
-          <a:blip r:embed="rId5"/>
-          <a:stretch>
-            <a:fillRect/>
-          </a:stretch>
-        </p:blipFill>
-        <p:spPr>
-          <a:xfrm>
-            <a:off x="7362346" y="4231075"/>
-            <a:ext cx="1576429" cy="1868068"/>
-          </a:xfrm>
-          <a:prstGeom prst="rect">
-            <a:avLst/>
-          </a:prstGeom>
-        </p:spPr>
-      </p:pic>
-      <p:pic>
-        <p:nvPicPr>
-          <p:cNvPr id="6" name="Immagine 5">
-            <a:extLst>
-              <a:ext uri="{FF2B5EF4-FFF2-40B4-BE49-F238E27FC236}">
-                <a16:creationId xmlns:a16="http://schemas.microsoft.com/office/drawing/2014/main" id="{6DB33E2E-A622-72F3-8E27-6CE9A0FD6A06}"/>
-              </a:ext>
-            </a:extLst>
-          </p:cNvPr>
-          <p:cNvPicPr>
-            <a:picLocks noChangeAspect="1"/>
-          </p:cNvPicPr>
-          <p:nvPr/>
-        </p:nvPicPr>
-        <p:blipFill>
-          <a:blip r:embed="rId6"/>
-          <a:stretch>
-            <a:fillRect/>
-          </a:stretch>
-        </p:blipFill>
-        <p:spPr>
-          <a:xfrm>
-            <a:off x="9171655" y="4231074"/>
-            <a:ext cx="1576429" cy="1868068"/>
-          </a:xfrm>
-          <a:prstGeom prst="rect">
-            <a:avLst/>
-          </a:prstGeom>
-        </p:spPr>
-      </p:pic>
-      <p:pic>
-        <p:nvPicPr>
-          <p:cNvPr id="7" name="Immagine 6">
-            <a:extLst>
-              <a:ext uri="{FF2B5EF4-FFF2-40B4-BE49-F238E27FC236}">
-                <a16:creationId xmlns:a16="http://schemas.microsoft.com/office/drawing/2014/main" id="{828B1BF3-4434-CDAA-DAFB-D005FD2F7A69}"/>
-              </a:ext>
-            </a:extLst>
-          </p:cNvPr>
-          <p:cNvPicPr>
-            <a:picLocks noChangeAspect="1"/>
-          </p:cNvPicPr>
-          <p:nvPr/>
-        </p:nvPicPr>
-        <p:blipFill>
-          <a:blip r:embed="rId7"/>
-          <a:stretch>
-            <a:fillRect/>
-          </a:stretch>
-        </p:blipFill>
-        <p:spPr>
-          <a:xfrm>
-            <a:off x="1934419" y="4231075"/>
-            <a:ext cx="1576429" cy="1868068"/>
-          </a:xfrm>
-          <a:prstGeom prst="rect">
-            <a:avLst/>
-          </a:prstGeom>
-        </p:spPr>
-      </p:pic>
-      <p:sp>
-        <p:nvSpPr>
-          <p:cNvPr id="9" name="CasellaDiTesto 8">
-            <a:extLst>
-              <a:ext uri="{FF2B5EF4-FFF2-40B4-BE49-F238E27FC236}">
-                <a16:creationId xmlns:a16="http://schemas.microsoft.com/office/drawing/2014/main" id="{8E402CED-CFBF-C684-F215-2B562A158DA9}"/>
-              </a:ext>
-            </a:extLst>
-          </p:cNvPr>
-          <p:cNvSpPr txBox="1"/>
-          <p:nvPr/>
-        </p:nvSpPr>
-        <p:spPr>
-          <a:xfrm>
-            <a:off x="838200" y="3393561"/>
-            <a:ext cx="4400372" cy="369332"/>
-          </a:xfrm>
-          <a:prstGeom prst="rect">
-            <a:avLst/>
-          </a:prstGeom>
-          <a:noFill/>
-        </p:spPr>
-        <p:txBody>
-          <a:bodyPr wrap="square">
-            <a:spAutoFit/>
-          </a:bodyPr>
-          <a:lstStyle/>
-          <a:p>
-            <a:r>
-              <a:rPr lang="it-IT" dirty="0">
-                <a:latin typeface="Century Gothic" panose="020B0502020202020204" pitchFamily="34" charset="0"/>
-              </a:rPr>
-              <a:t>I servizi che Azure DevOps offre sono:</a:t>
+              <a:t>Obiettivi del microservizio</a:t>
             </a:r>
           </a:p>
         </p:txBody>
@@ -6804,8 +7212,8 @@
         </p:nvSpPr>
         <p:spPr>
           <a:xfrm>
-            <a:off x="719647" y="1596317"/>
-            <a:ext cx="6889821" cy="1811896"/>
+            <a:off x="719648" y="1596317"/>
+            <a:ext cx="4137488" cy="4532620"/>
           </a:xfrm>
           <a:prstGeom prst="rect">
             <a:avLst/>
@@ -6829,54 +7237,300 @@
           </a:fontRef>
         </p:style>
         <p:txBody>
-          <a:bodyPr rtlCol="0" anchor="ctr"/>
-          <a:lstStyle/>
-          <a:p>
-            <a:pPr algn="ctr"/>
-            <a:endParaRPr lang="it-IT" dirty="0"/>
-          </a:p>
-        </p:txBody>
-      </p:sp>
-      <p:sp>
-        <p:nvSpPr>
-          <p:cNvPr id="25" name="Segnaposto contenuto 2">
-            <a:extLst>
-              <a:ext uri="{FF2B5EF4-FFF2-40B4-BE49-F238E27FC236}">
-                <a16:creationId xmlns:a16="http://schemas.microsoft.com/office/drawing/2014/main" id="{406C0203-233E-FEC2-B340-1DE5263F6DE4}"/>
-              </a:ext>
-            </a:extLst>
-          </p:cNvPr>
-          <p:cNvSpPr>
-            <a:spLocks noGrp="1"/>
-          </p:cNvSpPr>
-          <p:nvPr>
-            <p:ph idx="1"/>
-          </p:nvPr>
-        </p:nvSpPr>
-        <p:spPr>
-          <a:xfrm>
-            <a:off x="838200" y="2152976"/>
-            <a:ext cx="6889821" cy="863276"/>
-          </a:xfrm>
-        </p:spPr>
-        <p:txBody>
-          <a:bodyPr>
-            <a:normAutofit fontScale="92500"/>
-          </a:bodyPr>
-          <a:lstStyle/>
-          <a:p>
-            <a:pPr marL="0" indent="0">
-              <a:buNone/>
-            </a:pPr>
-            <a:r>
-              <a:rPr lang="it-IT" dirty="0">
-                <a:latin typeface="Century Gothic" panose="020B0502020202020204" pitchFamily="34" charset="0"/>
-              </a:rPr>
-              <a:t>Azure DevOps offre servizi per consentire ai team di sfruttare l’approccio DevOps</a:t>
-            </a:r>
-          </a:p>
-        </p:txBody>
-      </p:sp>
+          <a:bodyPr rtlCol="0" anchor="t"/>
+          <a:lstStyle/>
+          <a:p>
+            <a:r>
+              <a:rPr lang="it-IT" sz="1800" b="0" i="0" u="none" strike="noStrike" baseline="0" dirty="0">
+                <a:latin typeface="+mj-lt"/>
+              </a:rPr>
+              <a:t>Lo scopo principale del microservizio è quello di ricevere una richiesta HTTP con all’interno del body un indirizzo e-mail.</a:t>
+            </a:r>
+          </a:p>
+          <a:p>
+            <a:endParaRPr lang="it-IT" sz="1800" b="0" i="0" u="none" strike="noStrike" baseline="0" dirty="0">
+              <a:latin typeface="+mj-lt"/>
+            </a:endParaRPr>
+          </a:p>
+          <a:p>
+            <a:r>
+              <a:rPr lang="it-IT" sz="1800" b="0" i="0" u="none" strike="noStrike" baseline="0" dirty="0">
+                <a:latin typeface="+mj-lt"/>
+              </a:rPr>
+              <a:t>Una volta estratto l’indirizzo e-mail si effettua una query all’interno del Database per controllare che l’indirizzo sia presente nella tabella degli utenti abilitati all’utilizzo di un determinato servizio.</a:t>
+            </a:r>
+          </a:p>
+          <a:p>
+            <a:endParaRPr lang="it-IT" sz="1800" b="0" i="0" u="none" strike="noStrike" baseline="0" dirty="0">
+              <a:latin typeface="+mj-lt"/>
+            </a:endParaRPr>
+          </a:p>
+          <a:p>
+            <a:r>
+              <a:rPr lang="it-IT" sz="1800" b="0" i="0" u="none" strike="noStrike" baseline="0" dirty="0">
+                <a:latin typeface="+mj-lt"/>
+              </a:rPr>
+              <a:t>In base al risultato della query si restituisce un codice HTTP come risposta alla richiesta.</a:t>
+            </a:r>
+            <a:endParaRPr lang="it-IT" dirty="0">
+              <a:latin typeface="+mj-lt"/>
+            </a:endParaRPr>
+          </a:p>
+        </p:txBody>
+      </p:sp>
+      <p:graphicFrame>
+        <p:nvGraphicFramePr>
+          <p:cNvPr id="17" name="Tabella 17">
+            <a:extLst>
+              <a:ext uri="{FF2B5EF4-FFF2-40B4-BE49-F238E27FC236}">
+                <a16:creationId xmlns:a16="http://schemas.microsoft.com/office/drawing/2014/main" id="{1163CE27-E5A1-77F4-0604-B8CB4F2AD2F9}"/>
+              </a:ext>
+            </a:extLst>
+          </p:cNvPr>
+          <p:cNvGraphicFramePr>
+            <a:graphicFrameLocks noGrp="1"/>
+          </p:cNvGraphicFramePr>
+          <p:nvPr>
+            <p:extLst>
+              <p:ext uri="{D42A27DB-BD31-4B8C-83A1-F6EECF244321}">
+                <p14:modId xmlns:p14="http://schemas.microsoft.com/office/powerpoint/2010/main" val="1476341637"/>
+              </p:ext>
+            </p:extLst>
+          </p:nvPr>
+        </p:nvGraphicFramePr>
+        <p:xfrm>
+          <a:off x="5997677" y="2479659"/>
+          <a:ext cx="4916129" cy="2387600"/>
+        </p:xfrm>
+        <a:graphic>
+          <a:graphicData uri="http://schemas.openxmlformats.org/drawingml/2006/table">
+            <a:tbl>
+              <a:tblPr firstRow="1" bandRow="1">
+                <a:tableStyleId>{5C22544A-7EE6-4342-B048-85BDC9FD1C3A}</a:tableStyleId>
+              </a:tblPr>
+              <a:tblGrid>
+                <a:gridCol w="2458794">
+                  <a:extLst>
+                    <a:ext uri="{9D8B030D-6E8A-4147-A177-3AD203B41FA5}">
+                      <a16:colId xmlns:a16="http://schemas.microsoft.com/office/drawing/2014/main" val="3191799462"/>
+                    </a:ext>
+                  </a:extLst>
+                </a:gridCol>
+                <a:gridCol w="2457335">
+                  <a:extLst>
+                    <a:ext uri="{9D8B030D-6E8A-4147-A177-3AD203B41FA5}">
+                      <a16:colId xmlns:a16="http://schemas.microsoft.com/office/drawing/2014/main" val="971248140"/>
+                    </a:ext>
+                  </a:extLst>
+                </a:gridCol>
+              </a:tblGrid>
+              <a:tr h="0">
+                <a:tc>
+                  <a:txBody>
+                    <a:bodyPr/>
+                    <a:lstStyle/>
+                    <a:p>
+                      <a:pPr algn="ctr"/>
+                      <a:r>
+                        <a:rPr lang="it-IT" dirty="0">
+                          <a:latin typeface="+mj-lt"/>
+                        </a:rPr>
+                        <a:t>Codice HTTP</a:t>
+                      </a:r>
+                    </a:p>
+                  </a:txBody>
+                  <a:tcPr anchor="ctr">
+                    <a:solidFill>
+                      <a:srgbClr val="0080E0"/>
+                    </a:solidFill>
+                  </a:tcPr>
+                </a:tc>
+                <a:tc>
+                  <a:txBody>
+                    <a:bodyPr/>
+                    <a:lstStyle/>
+                    <a:p>
+                      <a:pPr algn="ctr"/>
+                      <a:r>
+                        <a:rPr lang="it-IT" dirty="0">
+                          <a:latin typeface="+mj-lt"/>
+                        </a:rPr>
+                        <a:t>Significato</a:t>
+                      </a:r>
+                    </a:p>
+                  </a:txBody>
+                  <a:tcPr anchor="ctr">
+                    <a:solidFill>
+                      <a:srgbClr val="0080E0"/>
+                    </a:solidFill>
+                  </a:tcPr>
+                </a:tc>
+                <a:extLst>
+                  <a:ext uri="{0D108BD9-81ED-4DB2-BD59-A6C34878D82A}">
+                    <a16:rowId xmlns:a16="http://schemas.microsoft.com/office/drawing/2014/main" val="1667613711"/>
+                  </a:ext>
+                </a:extLst>
+              </a:tr>
+              <a:tr h="370840">
+                <a:tc>
+                  <a:txBody>
+                    <a:bodyPr/>
+                    <a:lstStyle/>
+                    <a:p>
+                      <a:pPr algn="ctr"/>
+                      <a:r>
+                        <a:rPr lang="it-IT" dirty="0">
+                          <a:latin typeface="+mj-lt"/>
+                        </a:rPr>
+                        <a:t>200</a:t>
+                      </a:r>
+                    </a:p>
+                  </a:txBody>
+                  <a:tcPr anchor="ctr"/>
+                </a:tc>
+                <a:tc>
+                  <a:txBody>
+                    <a:bodyPr/>
+                    <a:lstStyle/>
+                    <a:p>
+                      <a:pPr algn="ctr"/>
+                      <a:r>
+                        <a:rPr lang="it-IT" dirty="0">
+                          <a:latin typeface="+mj-lt"/>
+                        </a:rPr>
+                        <a:t>OK</a:t>
+                      </a:r>
+                    </a:p>
+                  </a:txBody>
+                  <a:tcPr anchor="ctr"/>
+                </a:tc>
+                <a:extLst>
+                  <a:ext uri="{0D108BD9-81ED-4DB2-BD59-A6C34878D82A}">
+                    <a16:rowId xmlns:a16="http://schemas.microsoft.com/office/drawing/2014/main" val="3040995244"/>
+                  </a:ext>
+                </a:extLst>
+              </a:tr>
+              <a:tr h="370840">
+                <a:tc>
+                  <a:txBody>
+                    <a:bodyPr/>
+                    <a:lstStyle/>
+                    <a:p>
+                      <a:pPr algn="ctr"/>
+                      <a:r>
+                        <a:rPr lang="it-IT" dirty="0">
+                          <a:latin typeface="+mj-lt"/>
+                        </a:rPr>
+                        <a:t>402</a:t>
+                      </a:r>
+                    </a:p>
+                  </a:txBody>
+                  <a:tcPr anchor="ctr"/>
+                </a:tc>
+                <a:tc>
+                  <a:txBody>
+                    <a:bodyPr/>
+                    <a:lstStyle/>
+                    <a:p>
+                      <a:pPr algn="ctr"/>
+                      <a:r>
+                        <a:rPr lang="it-IT" dirty="0">
+                          <a:latin typeface="+mj-lt"/>
+                        </a:rPr>
+                        <a:t>PAYMENT REQUIRED</a:t>
+                      </a:r>
+                    </a:p>
+                  </a:txBody>
+                  <a:tcPr anchor="ctr"/>
+                </a:tc>
+                <a:extLst>
+                  <a:ext uri="{0D108BD9-81ED-4DB2-BD59-A6C34878D82A}">
+                    <a16:rowId xmlns:a16="http://schemas.microsoft.com/office/drawing/2014/main" val="3409640210"/>
+                  </a:ext>
+                </a:extLst>
+              </a:tr>
+              <a:tr h="370840">
+                <a:tc>
+                  <a:txBody>
+                    <a:bodyPr/>
+                    <a:lstStyle/>
+                    <a:p>
+                      <a:pPr algn="ctr"/>
+                      <a:r>
+                        <a:rPr lang="it-IT" dirty="0">
+                          <a:latin typeface="+mj-lt"/>
+                        </a:rPr>
+                        <a:t>500</a:t>
+                      </a:r>
+                    </a:p>
+                  </a:txBody>
+                  <a:tcPr anchor="ctr"/>
+                </a:tc>
+                <a:tc>
+                  <a:txBody>
+                    <a:bodyPr/>
+                    <a:lstStyle/>
+                    <a:p>
+                      <a:pPr algn="ctr"/>
+                      <a:r>
+                        <a:rPr lang="it-IT" dirty="0">
+                          <a:latin typeface="+mj-lt"/>
+                        </a:rPr>
+                        <a:t>INTERNAL SERVER ERROR</a:t>
+                      </a:r>
+                    </a:p>
+                  </a:txBody>
+                  <a:tcPr anchor="ctr"/>
+                </a:tc>
+                <a:extLst>
+                  <a:ext uri="{0D108BD9-81ED-4DB2-BD59-A6C34878D82A}">
+                    <a16:rowId xmlns:a16="http://schemas.microsoft.com/office/drawing/2014/main" val="2303201476"/>
+                  </a:ext>
+                </a:extLst>
+              </a:tr>
+              <a:tr h="370840">
+                <a:tc>
+                  <a:txBody>
+                    <a:bodyPr/>
+                    <a:lstStyle/>
+                    <a:p>
+                      <a:pPr algn="ctr"/>
+                      <a:r>
+                        <a:rPr lang="it-IT" dirty="0">
+                          <a:latin typeface="+mj-lt"/>
+                        </a:rPr>
+                        <a:t>503</a:t>
+                      </a:r>
+                    </a:p>
+                  </a:txBody>
+                  <a:tcPr anchor="ctr"/>
+                </a:tc>
+                <a:tc>
+                  <a:txBody>
+                    <a:bodyPr/>
+                    <a:lstStyle/>
+                    <a:p>
+                      <a:pPr algn="ctr"/>
+                      <a:r>
+                        <a:rPr lang="it-IT" dirty="0">
+                          <a:latin typeface="+mj-lt"/>
+                        </a:rPr>
+                        <a:t>SERVICE UNAVAILABLE</a:t>
+                      </a:r>
+                    </a:p>
+                  </a:txBody>
+                  <a:tcPr anchor="ctr"/>
+                </a:tc>
+                <a:extLst>
+                  <a:ext uri="{0D108BD9-81ED-4DB2-BD59-A6C34878D82A}">
+                    <a16:rowId xmlns:a16="http://schemas.microsoft.com/office/drawing/2014/main" val="2723899129"/>
+                  </a:ext>
+                </a:extLst>
+              </a:tr>
+            </a:tbl>
+          </a:graphicData>
+        </a:graphic>
+      </p:graphicFrame>
     </p:spTree>
     <p:extLst>
       <p:ext uri="{BB962C8B-B14F-4D97-AF65-F5344CB8AC3E}">
@@ -6899,453 +7553,6 @@
       </p:transition>
     </mc:Fallback>
   </mc:AlternateContent>
-  <p:timing>
-    <p:tnLst>
-      <p:par>
-        <p:cTn id="1" dur="indefinite" restart="never" nodeType="tmRoot">
-          <p:childTnLst>
-            <p:seq concurrent="1" nextAc="seek">
-              <p:cTn id="2" dur="indefinite" nodeType="mainSeq">
-                <p:childTnLst>
-                  <p:par>
-                    <p:cTn id="3" fill="hold">
-                      <p:stCondLst>
-                        <p:cond delay="indefinite"/>
-                        <p:cond evt="onBegin" delay="0">
-                          <p:tn val="2"/>
-                        </p:cond>
-                      </p:stCondLst>
-                      <p:childTnLst>
-                        <p:par>
-                          <p:cTn id="4" fill="hold">
-                            <p:stCondLst>
-                              <p:cond delay="0"/>
-                            </p:stCondLst>
-                            <p:childTnLst>
-                              <p:par>
-                                <p:cTn id="5" presetID="12" presetClass="entr" presetSubtype="4" fill="hold" grpId="0" nodeType="afterEffect">
-                                  <p:stCondLst>
-                                    <p:cond delay="0"/>
-                                  </p:stCondLst>
-                                  <p:childTnLst>
-                                    <p:set>
-                                      <p:cBhvr>
-                                        <p:cTn id="6" dur="1" fill="hold">
-                                          <p:stCondLst>
-                                            <p:cond delay="0"/>
-                                          </p:stCondLst>
-                                        </p:cTn>
-                                        <p:tgtEl>
-                                          <p:spTgt spid="9"/>
-                                        </p:tgtEl>
-                                        <p:attrNameLst>
-                                          <p:attrName>style.visibility</p:attrName>
-                                        </p:attrNameLst>
-                                      </p:cBhvr>
-                                      <p:to>
-                                        <p:strVal val="visible"/>
-                                      </p:to>
-                                    </p:set>
-                                    <p:anim calcmode="lin" valueType="num">
-                                      <p:cBhvr additive="base">
-                                        <p:cTn id="7" dur="500"/>
-                                        <p:tgtEl>
-                                          <p:spTgt spid="9"/>
-                                        </p:tgtEl>
-                                        <p:attrNameLst>
-                                          <p:attrName>ppt_y</p:attrName>
-                                        </p:attrNameLst>
-                                      </p:cBhvr>
-                                      <p:tavLst>
-                                        <p:tav tm="0">
-                                          <p:val>
-                                            <p:strVal val="#ppt_y+#ppt_h*1.125000"/>
-                                          </p:val>
-                                        </p:tav>
-                                        <p:tav tm="100000">
-                                          <p:val>
-                                            <p:strVal val="#ppt_y"/>
-                                          </p:val>
-                                        </p:tav>
-                                      </p:tavLst>
-                                    </p:anim>
-                                    <p:animEffect transition="in" filter="wipe(up)">
-                                      <p:cBhvr>
-                                        <p:cTn id="8" dur="500"/>
-                                        <p:tgtEl>
-                                          <p:spTgt spid="9"/>
-                                        </p:tgtEl>
-                                      </p:cBhvr>
-                                    </p:animEffect>
-                                  </p:childTnLst>
-                                </p:cTn>
-                              </p:par>
-                            </p:childTnLst>
-                          </p:cTn>
-                        </p:par>
-                        <p:par>
-                          <p:cTn id="9" fill="hold">
-                            <p:stCondLst>
-                              <p:cond delay="500"/>
-                            </p:stCondLst>
-                            <p:childTnLst>
-                              <p:par>
-                                <p:cTn id="10" presetID="12" presetClass="entr" presetSubtype="4" fill="hold" nodeType="afterEffect">
-                                  <p:stCondLst>
-                                    <p:cond delay="0"/>
-                                  </p:stCondLst>
-                                  <p:childTnLst>
-                                    <p:set>
-                                      <p:cBhvr>
-                                        <p:cTn id="11" dur="1" fill="hold">
-                                          <p:stCondLst>
-                                            <p:cond delay="0"/>
-                                          </p:stCondLst>
-                                        </p:cTn>
-                                        <p:tgtEl>
-                                          <p:spTgt spid="7"/>
-                                        </p:tgtEl>
-                                        <p:attrNameLst>
-                                          <p:attrName>style.visibility</p:attrName>
-                                        </p:attrNameLst>
-                                      </p:cBhvr>
-                                      <p:to>
-                                        <p:strVal val="visible"/>
-                                      </p:to>
-                                    </p:set>
-                                    <p:anim calcmode="lin" valueType="num">
-                                      <p:cBhvr additive="base">
-                                        <p:cTn id="12" dur="500"/>
-                                        <p:tgtEl>
-                                          <p:spTgt spid="7"/>
-                                        </p:tgtEl>
-                                        <p:attrNameLst>
-                                          <p:attrName>ppt_y</p:attrName>
-                                        </p:attrNameLst>
-                                      </p:cBhvr>
-                                      <p:tavLst>
-                                        <p:tav tm="0">
-                                          <p:val>
-                                            <p:strVal val="#ppt_y+#ppt_h*1.125000"/>
-                                          </p:val>
-                                        </p:tav>
-                                        <p:tav tm="100000">
-                                          <p:val>
-                                            <p:strVal val="#ppt_y"/>
-                                          </p:val>
-                                        </p:tav>
-                                      </p:tavLst>
-                                    </p:anim>
-                                    <p:animEffect transition="in" filter="wipe(up)">
-                                      <p:cBhvr>
-                                        <p:cTn id="13" dur="500"/>
-                                        <p:tgtEl>
-                                          <p:spTgt spid="7"/>
-                                        </p:tgtEl>
-                                      </p:cBhvr>
-                                    </p:animEffect>
-                                  </p:childTnLst>
-                                </p:cTn>
-                              </p:par>
-                            </p:childTnLst>
-                          </p:cTn>
-                        </p:par>
-                        <p:par>
-                          <p:cTn id="14" fill="hold">
-                            <p:stCondLst>
-                              <p:cond delay="1000"/>
-                            </p:stCondLst>
-                            <p:childTnLst>
-                              <p:par>
-                                <p:cTn id="15" presetID="12" presetClass="entr" presetSubtype="4" fill="hold" nodeType="afterEffect">
-                                  <p:stCondLst>
-                                    <p:cond delay="0"/>
-                                  </p:stCondLst>
-                                  <p:childTnLst>
-                                    <p:set>
-                                      <p:cBhvr>
-                                        <p:cTn id="16" dur="1" fill="hold">
-                                          <p:stCondLst>
-                                            <p:cond delay="0"/>
-                                          </p:stCondLst>
-                                        </p:cTn>
-                                        <p:tgtEl>
-                                          <p:spTgt spid="3"/>
-                                        </p:tgtEl>
-                                        <p:attrNameLst>
-                                          <p:attrName>style.visibility</p:attrName>
-                                        </p:attrNameLst>
-                                      </p:cBhvr>
-                                      <p:to>
-                                        <p:strVal val="visible"/>
-                                      </p:to>
-                                    </p:set>
-                                    <p:anim calcmode="lin" valueType="num">
-                                      <p:cBhvr additive="base">
-                                        <p:cTn id="17" dur="500"/>
-                                        <p:tgtEl>
-                                          <p:spTgt spid="3"/>
-                                        </p:tgtEl>
-                                        <p:attrNameLst>
-                                          <p:attrName>ppt_y</p:attrName>
-                                        </p:attrNameLst>
-                                      </p:cBhvr>
-                                      <p:tavLst>
-                                        <p:tav tm="0">
-                                          <p:val>
-                                            <p:strVal val="#ppt_y+#ppt_h*1.125000"/>
-                                          </p:val>
-                                        </p:tav>
-                                        <p:tav tm="100000">
-                                          <p:val>
-                                            <p:strVal val="#ppt_y"/>
-                                          </p:val>
-                                        </p:tav>
-                                      </p:tavLst>
-                                    </p:anim>
-                                    <p:animEffect transition="in" filter="wipe(up)">
-                                      <p:cBhvr>
-                                        <p:cTn id="18" dur="500"/>
-                                        <p:tgtEl>
-                                          <p:spTgt spid="3"/>
-                                        </p:tgtEl>
-                                      </p:cBhvr>
-                                    </p:animEffect>
-                                  </p:childTnLst>
-                                </p:cTn>
-                              </p:par>
-                            </p:childTnLst>
-                          </p:cTn>
-                        </p:par>
-                        <p:par>
-                          <p:cTn id="19" fill="hold">
-                            <p:stCondLst>
-                              <p:cond delay="1500"/>
-                            </p:stCondLst>
-                            <p:childTnLst>
-                              <p:par>
-                                <p:cTn id="20" presetID="12" presetClass="entr" presetSubtype="4" fill="hold" nodeType="afterEffect">
-                                  <p:stCondLst>
-                                    <p:cond delay="0"/>
-                                  </p:stCondLst>
-                                  <p:childTnLst>
-                                    <p:set>
-                                      <p:cBhvr>
-                                        <p:cTn id="21" dur="1" fill="hold">
-                                          <p:stCondLst>
-                                            <p:cond delay="0"/>
-                                          </p:stCondLst>
-                                        </p:cTn>
-                                        <p:tgtEl>
-                                          <p:spTgt spid="4"/>
-                                        </p:tgtEl>
-                                        <p:attrNameLst>
-                                          <p:attrName>style.visibility</p:attrName>
-                                        </p:attrNameLst>
-                                      </p:cBhvr>
-                                      <p:to>
-                                        <p:strVal val="visible"/>
-                                      </p:to>
-                                    </p:set>
-                                    <p:anim calcmode="lin" valueType="num">
-                                      <p:cBhvr additive="base">
-                                        <p:cTn id="22" dur="500"/>
-                                        <p:tgtEl>
-                                          <p:spTgt spid="4"/>
-                                        </p:tgtEl>
-                                        <p:attrNameLst>
-                                          <p:attrName>ppt_y</p:attrName>
-                                        </p:attrNameLst>
-                                      </p:cBhvr>
-                                      <p:tavLst>
-                                        <p:tav tm="0">
-                                          <p:val>
-                                            <p:strVal val="#ppt_y+#ppt_h*1.125000"/>
-                                          </p:val>
-                                        </p:tav>
-                                        <p:tav tm="100000">
-                                          <p:val>
-                                            <p:strVal val="#ppt_y"/>
-                                          </p:val>
-                                        </p:tav>
-                                      </p:tavLst>
-                                    </p:anim>
-                                    <p:animEffect transition="in" filter="wipe(up)">
-                                      <p:cBhvr>
-                                        <p:cTn id="23" dur="500"/>
-                                        <p:tgtEl>
-                                          <p:spTgt spid="4"/>
-                                        </p:tgtEl>
-                                      </p:cBhvr>
-                                    </p:animEffect>
-                                  </p:childTnLst>
-                                </p:cTn>
-                              </p:par>
-                            </p:childTnLst>
-                          </p:cTn>
-                        </p:par>
-                        <p:par>
-                          <p:cTn id="24" fill="hold">
-                            <p:stCondLst>
-                              <p:cond delay="2000"/>
-                            </p:stCondLst>
-                            <p:childTnLst>
-                              <p:par>
-                                <p:cTn id="25" presetID="12" presetClass="entr" presetSubtype="4" fill="hold" nodeType="afterEffect">
-                                  <p:stCondLst>
-                                    <p:cond delay="0"/>
-                                  </p:stCondLst>
-                                  <p:childTnLst>
-                                    <p:set>
-                                      <p:cBhvr>
-                                        <p:cTn id="26" dur="1" fill="hold">
-                                          <p:stCondLst>
-                                            <p:cond delay="0"/>
-                                          </p:stCondLst>
-                                        </p:cTn>
-                                        <p:tgtEl>
-                                          <p:spTgt spid="5"/>
-                                        </p:tgtEl>
-                                        <p:attrNameLst>
-                                          <p:attrName>style.visibility</p:attrName>
-                                        </p:attrNameLst>
-                                      </p:cBhvr>
-                                      <p:to>
-                                        <p:strVal val="visible"/>
-                                      </p:to>
-                                    </p:set>
-                                    <p:anim calcmode="lin" valueType="num">
-                                      <p:cBhvr additive="base">
-                                        <p:cTn id="27" dur="500"/>
-                                        <p:tgtEl>
-                                          <p:spTgt spid="5"/>
-                                        </p:tgtEl>
-                                        <p:attrNameLst>
-                                          <p:attrName>ppt_y</p:attrName>
-                                        </p:attrNameLst>
-                                      </p:cBhvr>
-                                      <p:tavLst>
-                                        <p:tav tm="0">
-                                          <p:val>
-                                            <p:strVal val="#ppt_y+#ppt_h*1.125000"/>
-                                          </p:val>
-                                        </p:tav>
-                                        <p:tav tm="100000">
-                                          <p:val>
-                                            <p:strVal val="#ppt_y"/>
-                                          </p:val>
-                                        </p:tav>
-                                      </p:tavLst>
-                                    </p:anim>
-                                    <p:animEffect transition="in" filter="wipe(up)">
-                                      <p:cBhvr>
-                                        <p:cTn id="28" dur="500"/>
-                                        <p:tgtEl>
-                                          <p:spTgt spid="5"/>
-                                        </p:tgtEl>
-                                      </p:cBhvr>
-                                    </p:animEffect>
-                                  </p:childTnLst>
-                                </p:cTn>
-                              </p:par>
-                            </p:childTnLst>
-                          </p:cTn>
-                        </p:par>
-                        <p:par>
-                          <p:cTn id="29" fill="hold">
-                            <p:stCondLst>
-                              <p:cond delay="2500"/>
-                            </p:stCondLst>
-                            <p:childTnLst>
-                              <p:par>
-                                <p:cTn id="30" presetID="12" presetClass="entr" presetSubtype="4" fill="hold" nodeType="afterEffect">
-                                  <p:stCondLst>
-                                    <p:cond delay="0"/>
-                                  </p:stCondLst>
-                                  <p:childTnLst>
-                                    <p:set>
-                                      <p:cBhvr>
-                                        <p:cTn id="31" dur="1" fill="hold">
-                                          <p:stCondLst>
-                                            <p:cond delay="0"/>
-                                          </p:stCondLst>
-                                        </p:cTn>
-                                        <p:tgtEl>
-                                          <p:spTgt spid="6"/>
-                                        </p:tgtEl>
-                                        <p:attrNameLst>
-                                          <p:attrName>style.visibility</p:attrName>
-                                        </p:attrNameLst>
-                                      </p:cBhvr>
-                                      <p:to>
-                                        <p:strVal val="visible"/>
-                                      </p:to>
-                                    </p:set>
-                                    <p:anim calcmode="lin" valueType="num">
-                                      <p:cBhvr additive="base">
-                                        <p:cTn id="32" dur="500"/>
-                                        <p:tgtEl>
-                                          <p:spTgt spid="6"/>
-                                        </p:tgtEl>
-                                        <p:attrNameLst>
-                                          <p:attrName>ppt_y</p:attrName>
-                                        </p:attrNameLst>
-                                      </p:cBhvr>
-                                      <p:tavLst>
-                                        <p:tav tm="0">
-                                          <p:val>
-                                            <p:strVal val="#ppt_y+#ppt_h*1.125000"/>
-                                          </p:val>
-                                        </p:tav>
-                                        <p:tav tm="100000">
-                                          <p:val>
-                                            <p:strVal val="#ppt_y"/>
-                                          </p:val>
-                                        </p:tav>
-                                      </p:tavLst>
-                                    </p:anim>
-                                    <p:animEffect transition="in" filter="wipe(up)">
-                                      <p:cBhvr>
-                                        <p:cTn id="33" dur="500"/>
-                                        <p:tgtEl>
-                                          <p:spTgt spid="6"/>
-                                        </p:tgtEl>
-                                      </p:cBhvr>
-                                    </p:animEffect>
-                                  </p:childTnLst>
-                                </p:cTn>
-                              </p:par>
-                            </p:childTnLst>
-                          </p:cTn>
-                        </p:par>
-                      </p:childTnLst>
-                    </p:cTn>
-                  </p:par>
-                </p:childTnLst>
-              </p:cTn>
-              <p:prevCondLst>
-                <p:cond evt="onPrev" delay="0">
-                  <p:tgtEl>
-                    <p:sldTgt/>
-                  </p:tgtEl>
-                </p:cond>
-              </p:prevCondLst>
-              <p:nextCondLst>
-                <p:cond evt="onNext" delay="0">
-                  <p:tgtEl>
-                    <p:sldTgt/>
-                  </p:tgtEl>
-                </p:cond>
-              </p:nextCondLst>
-            </p:seq>
-          </p:childTnLst>
-        </p:cTn>
-      </p:par>
-    </p:tnLst>
-    <p:bldLst>
-      <p:bldP spid="9" grpId="0"/>
-    </p:bldLst>
-  </p:timing>
 </p:sld>
 </file>
 
@@ -7368,133 +7575,266 @@
       </p:grpSpPr>
       <p:sp>
         <p:nvSpPr>
-          <p:cNvPr id="4" name="Titolo 1">
-            <a:extLst>
-              <a:ext uri="{FF2B5EF4-FFF2-40B4-BE49-F238E27FC236}">
-                <a16:creationId xmlns:a16="http://schemas.microsoft.com/office/drawing/2014/main" id="{A3224411-147C-D930-C92D-559CCA95B0C1}"/>
-              </a:ext>
-            </a:extLst>
-          </p:cNvPr>
-          <p:cNvSpPr txBox="1">
-            <a:spLocks/>
-          </p:cNvSpPr>
+          <p:cNvPr id="2" name="Titolo 1">
+            <a:extLst>
+              <a:ext uri="{FF2B5EF4-FFF2-40B4-BE49-F238E27FC236}">
+                <a16:creationId xmlns:a16="http://schemas.microsoft.com/office/drawing/2014/main" id="{C52A84B7-7A0C-AF76-CB3E-CAC0F7B18247}"/>
+              </a:ext>
+            </a:extLst>
+          </p:cNvPr>
+          <p:cNvSpPr>
+            <a:spLocks noGrp="1"/>
+          </p:cNvSpPr>
+          <p:nvPr>
+            <p:ph type="title"/>
+          </p:nvPr>
+        </p:nvSpPr>
+        <p:spPr/>
+        <p:txBody>
+          <a:bodyPr/>
+          <a:lstStyle/>
+          <a:p>
+            <a:pPr algn="ctr"/>
+            <a:r>
+              <a:rPr lang="it-IT" dirty="0">
+                <a:latin typeface="Century Gothic" panose="020B0502020202020204" pitchFamily="34" charset="0"/>
+              </a:rPr>
+              <a:t>La classe </a:t>
+            </a:r>
+            <a:r>
+              <a:rPr lang="it-IT" dirty="0" err="1">
+                <a:latin typeface="Consolas" panose="020B0609020204030204" pitchFamily="49" charset="0"/>
+              </a:rPr>
+              <a:t>main</a:t>
+            </a:r>
+            <a:endParaRPr lang="it-IT" dirty="0">
+              <a:latin typeface="Consolas" panose="020B0609020204030204" pitchFamily="49" charset="0"/>
+            </a:endParaRPr>
+          </a:p>
+        </p:txBody>
+      </p:sp>
+      <p:sp>
+        <p:nvSpPr>
+          <p:cNvPr id="10" name="Segnaposto numero diapositiva 9">
+            <a:extLst>
+              <a:ext uri="{FF2B5EF4-FFF2-40B4-BE49-F238E27FC236}">
+                <a16:creationId xmlns:a16="http://schemas.microsoft.com/office/drawing/2014/main" id="{063A5202-1C0C-814D-E781-009F8BC52CFC}"/>
+              </a:ext>
+            </a:extLst>
+          </p:cNvPr>
+          <p:cNvSpPr>
+            <a:spLocks noGrp="1"/>
+          </p:cNvSpPr>
+          <p:nvPr>
+            <p:ph type="sldNum" sz="quarter" idx="12"/>
+          </p:nvPr>
+        </p:nvSpPr>
+        <p:spPr/>
+        <p:txBody>
+          <a:bodyPr/>
+          <a:lstStyle/>
+          <a:p>
+            <a:fld id="{3F24ED9F-0AD1-BB4C-9842-01F95E80AFCD}" type="slidenum">
+              <a:rPr lang="it-IT" smtClean="0"/>
+              <a:t>15</a:t>
+            </a:fld>
+            <a:endParaRPr lang="it-IT" dirty="0"/>
+          </a:p>
+        </p:txBody>
+      </p:sp>
+      <p:sp>
+        <p:nvSpPr>
+          <p:cNvPr id="12" name="Rettangolo 11">
+            <a:extLst>
+              <a:ext uri="{FF2B5EF4-FFF2-40B4-BE49-F238E27FC236}">
+                <a16:creationId xmlns:a16="http://schemas.microsoft.com/office/drawing/2014/main" id="{16114131-5C77-D323-91F2-4E977519BCC3}"/>
+              </a:ext>
+            </a:extLst>
+          </p:cNvPr>
+          <p:cNvSpPr/>
           <p:nvPr/>
         </p:nvSpPr>
         <p:spPr>
-          <a:xfrm>
-            <a:off x="1524000" y="2914990"/>
-            <a:ext cx="9144000" cy="1028020"/>
+          <a:xfrm rot="5400000" flipH="1">
+            <a:off x="6073140" y="-3836435"/>
+            <a:ext cx="45719" cy="10515602"/>
           </a:xfrm>
           <a:prstGeom prst="rect">
             <a:avLst/>
           </a:prstGeom>
           <a:solidFill>
-            <a:srgbClr val="FF0000"/>
+            <a:srgbClr val="0080E0"/>
           </a:solidFill>
+          <a:ln>
+            <a:noFill/>
+          </a:ln>
         </p:spPr>
-        <p:txBody>
-          <a:bodyPr vert="horz" lIns="91440" tIns="45720" rIns="91440" bIns="45720" rtlCol="0" anchor="ctr">
-            <a:normAutofit/>
-          </a:bodyPr>
-          <a:lstStyle>
-            <a:lvl1pPr algn="ctr" defTabSz="914400" rtl="0" eaLnBrk="1" latinLnBrk="0" hangingPunct="1">
-              <a:lnSpc>
-                <a:spcPct val="90000"/>
-              </a:lnSpc>
-              <a:spcBef>
-                <a:spcPct val="0"/>
-              </a:spcBef>
-              <a:buNone/>
-              <a:defRPr sz="6000" kern="1200">
-                <a:solidFill>
-                  <a:schemeClr val="tx1"/>
-                </a:solidFill>
+        <p:style>
+          <a:lnRef idx="2">
+            <a:schemeClr val="accent1">
+              <a:shade val="50000"/>
+            </a:schemeClr>
+          </a:lnRef>
+          <a:fillRef idx="1">
+            <a:schemeClr val="accent1"/>
+          </a:fillRef>
+          <a:effectRef idx="0">
+            <a:schemeClr val="accent1"/>
+          </a:effectRef>
+          <a:fontRef idx="minor">
+            <a:schemeClr val="lt1"/>
+          </a:fontRef>
+        </p:style>
+        <p:txBody>
+          <a:bodyPr rtlCol="0" anchor="ctr"/>
+          <a:lstStyle/>
+          <a:p>
+            <a:pPr algn="ctr"/>
+            <a:endParaRPr lang="it-IT" dirty="0"/>
+          </a:p>
+        </p:txBody>
+      </p:sp>
+      <p:sp>
+        <p:nvSpPr>
+          <p:cNvPr id="8" name="Rettangolo 7">
+            <a:extLst>
+              <a:ext uri="{FF2B5EF4-FFF2-40B4-BE49-F238E27FC236}">
+                <a16:creationId xmlns:a16="http://schemas.microsoft.com/office/drawing/2014/main" id="{5E58F222-329C-C851-CF7F-26BD0E84C622}"/>
+              </a:ext>
+            </a:extLst>
+          </p:cNvPr>
+          <p:cNvSpPr/>
+          <p:nvPr/>
+        </p:nvSpPr>
+        <p:spPr>
+          <a:xfrm>
+            <a:off x="741205" y="1596317"/>
+            <a:ext cx="10280755" cy="1325563"/>
+          </a:xfrm>
+          <a:prstGeom prst="rect">
+            <a:avLst/>
+          </a:prstGeom>
+          <a:ln>
+            <a:noFill/>
+          </a:ln>
+        </p:spPr>
+        <p:style>
+          <a:lnRef idx="2">
+            <a:schemeClr val="accent6"/>
+          </a:lnRef>
+          <a:fillRef idx="1">
+            <a:schemeClr val="lt1"/>
+          </a:fillRef>
+          <a:effectRef idx="0">
+            <a:schemeClr val="accent6"/>
+          </a:effectRef>
+          <a:fontRef idx="minor">
+            <a:schemeClr val="dk1"/>
+          </a:fontRef>
+        </p:style>
+        <p:txBody>
+          <a:bodyPr rtlCol="0" anchor="t"/>
+          <a:lstStyle/>
+          <a:p>
+            <a:pPr algn="l"/>
+            <a:r>
+              <a:rPr lang="it-IT" sz="1800" b="0" i="0" u="none" strike="noStrike" baseline="0" dirty="0">
                 <a:latin typeface="+mj-lt"/>
-                <a:ea typeface="+mj-ea"/>
-                <a:cs typeface="+mj-cs"/>
-              </a:defRPr>
-            </a:lvl1pPr>
-          </a:lstStyle>
-          <a:p>
+              </a:rPr>
+              <a:t>La classe principale del progetto è composta da un solo comando, che si occupa di avviare l’applicazione.</a:t>
+            </a:r>
+          </a:p>
+          <a:p>
+            <a:pPr algn="l"/>
+            <a:r>
+              <a:rPr lang="it-IT" sz="1800" b="0" i="0" u="none" strike="noStrike" baseline="0" dirty="0">
+                <a:latin typeface="+mj-lt"/>
+              </a:rPr>
+              <a:t>Il metodo </a:t>
+            </a:r>
+            <a:r>
+              <a:rPr lang="it-IT" sz="1800" b="0" i="0" u="none" strike="noStrike" baseline="0" dirty="0" err="1">
+                <a:latin typeface="Consolas" panose="020B0609020204030204" pitchFamily="49" charset="0"/>
+              </a:rPr>
+              <a:t>run</a:t>
+            </a:r>
+            <a:r>
+              <a:rPr lang="it-IT" sz="1800" b="0" i="0" u="none" strike="noStrike" baseline="0" dirty="0">
+                <a:latin typeface="Consolas" panose="020B0609020204030204" pitchFamily="49" charset="0"/>
+              </a:rPr>
+              <a:t>()</a:t>
+            </a:r>
+            <a:r>
+              <a:rPr lang="it-IT" sz="1800" b="0" i="0" u="none" strike="noStrike" baseline="0" dirty="0">
+                <a:latin typeface="+mj-lt"/>
+              </a:rPr>
+              <a:t> </a:t>
+            </a:r>
             <a:r>
               <a:rPr lang="it-IT" dirty="0">
-                <a:ln>
-                  <a:solidFill>
-                    <a:schemeClr val="bg1"/>
-                  </a:solidFill>
-                </a:ln>
-                <a:solidFill>
-                  <a:schemeClr val="bg1"/>
-                </a:solidFill>
-                <a:effectLst>
-                  <a:outerShdw blurRad="50800" dist="38100" dir="5400000" algn="t" rotWithShape="0">
-                    <a:prstClr val="black">
-                      <a:alpha val="40000"/>
-                    </a:prstClr>
-                  </a:outerShdw>
-                </a:effectLst>
-              </a:rPr>
-              <a:t>PLUGIN </a:t>
-            </a:r>
-            <a:r>
-              <a:rPr lang="it-IT" dirty="0" err="1">
-                <a:ln>
-                  <a:solidFill>
-                    <a:schemeClr val="bg1"/>
-                  </a:solidFill>
-                </a:ln>
-                <a:solidFill>
-                  <a:schemeClr val="bg1"/>
-                </a:solidFill>
-                <a:effectLst>
-                  <a:outerShdw blurRad="50800" dist="38100" dir="5400000" algn="t" rotWithShape="0">
-                    <a:prstClr val="black">
-                      <a:alpha val="40000"/>
-                    </a:prstClr>
-                  </a:outerShdw>
-                </a:effectLst>
-                <a:latin typeface="Consolas" panose="020B0609020204030204" pitchFamily="49" charset="0"/>
-              </a:rPr>
-              <a:t>checkemail</a:t>
+                <a:latin typeface="+mj-lt"/>
+              </a:rPr>
+              <a:t>è </a:t>
+            </a:r>
+            <a:r>
+              <a:rPr lang="it-IT" sz="1800" b="0" i="0" u="none" strike="noStrike" baseline="0" dirty="0">
+                <a:latin typeface="+mj-lt"/>
+              </a:rPr>
+              <a:t>il metodo principale di Spring Framework, serve ad avviare tutti i processi necessari per l’esecuzione dell’applicazione.</a:t>
             </a:r>
             <a:endParaRPr lang="it-IT" dirty="0">
-              <a:ln>
-                <a:solidFill>
-                  <a:schemeClr val="bg1"/>
-                </a:solidFill>
-              </a:ln>
-              <a:solidFill>
-                <a:schemeClr val="bg1"/>
-              </a:solidFill>
-              <a:effectLst>
-                <a:outerShdw blurRad="50800" dist="38100" dir="5400000" algn="t" rotWithShape="0">
-                  <a:prstClr val="black">
-                    <a:alpha val="40000"/>
-                  </a:prstClr>
-                </a:outerShdw>
-              </a:effectLst>
-              <a:latin typeface="Consolas" panose="020B0609020204030204" pitchFamily="49" charset="0"/>
+              <a:latin typeface="+mj-lt"/>
             </a:endParaRPr>
           </a:p>
         </p:txBody>
       </p:sp>
+      <p:pic>
+        <p:nvPicPr>
+          <p:cNvPr id="4" name="Immagine 3">
+            <a:extLst>
+              <a:ext uri="{FF2B5EF4-FFF2-40B4-BE49-F238E27FC236}">
+                <a16:creationId xmlns:a16="http://schemas.microsoft.com/office/drawing/2014/main" id="{40A6DCB2-728E-71F2-A9A6-C51479C3963A}"/>
+              </a:ext>
+            </a:extLst>
+          </p:cNvPr>
+          <p:cNvPicPr>
+            <a:picLocks noChangeAspect="1"/>
+          </p:cNvPicPr>
+          <p:nvPr/>
+        </p:nvPicPr>
+        <p:blipFill>
+          <a:blip r:embed="rId3"/>
+          <a:stretch>
+            <a:fillRect/>
+          </a:stretch>
+        </p:blipFill>
+        <p:spPr>
+          <a:xfrm>
+            <a:off x="2666702" y="2921880"/>
+            <a:ext cx="6858594" cy="2888230"/>
+          </a:xfrm>
+          <a:prstGeom prst="rect">
+            <a:avLst/>
+          </a:prstGeom>
+        </p:spPr>
+      </p:pic>
     </p:spTree>
     <p:extLst>
       <p:ext uri="{BB962C8B-B14F-4D97-AF65-F5344CB8AC3E}">
-        <p14:creationId xmlns:p14="http://schemas.microsoft.com/office/powerpoint/2010/main" val="1909142328"/>
+        <p14:creationId xmlns:p14="http://schemas.microsoft.com/office/powerpoint/2010/main" val="1013925589"/>
       </p:ext>
     </p:extLst>
   </p:cSld>
   <p:clrMapOvr>
     <a:masterClrMapping/>
   </p:clrMapOvr>
-  <mc:AlternateContent xmlns:mc="http://schemas.openxmlformats.org/markup-compatibility/2006">
-    <mc:Choice xmlns:p159="http://schemas.microsoft.com/office/powerpoint/2015/09/main" Requires="p159">
+  <mc:AlternateContent xmlns:mc="http://schemas.openxmlformats.org/markup-compatibility/2006" xmlns:p159="http://schemas.microsoft.com/office/powerpoint/2015/09/main">
+    <mc:Choice Requires="p159">
       <p:transition spd="slow">
         <p159:morph option="byObject"/>
       </p:transition>
     </mc:Choice>
-    <mc:Fallback>
+    <mc:Fallback xmlns="">
       <p:transition spd="slow">
         <p:fade/>
       </p:transition>
@@ -7541,21 +7881,233 @@
           <a:bodyPr/>
           <a:lstStyle/>
           <a:p>
+            <a:pPr algn="ctr"/>
             <a:r>
               <a:rPr lang="it-IT" dirty="0">
                 <a:latin typeface="Century Gothic" panose="020B0502020202020204" pitchFamily="34" charset="0"/>
               </a:rPr>
-              <a:t>Microsoft Azure DevOps</a:t>
-            </a:r>
+              <a:t>Le classi </a:t>
+            </a:r>
+            <a:r>
+              <a:rPr lang="it-IT" dirty="0">
+                <a:latin typeface="Consolas" panose="020B0609020204030204" pitchFamily="49" charset="0"/>
+              </a:rPr>
+              <a:t>@Entity</a:t>
+            </a:r>
+          </a:p>
+        </p:txBody>
+      </p:sp>
+      <p:sp>
+        <p:nvSpPr>
+          <p:cNvPr id="10" name="Segnaposto numero diapositiva 9">
+            <a:extLst>
+              <a:ext uri="{FF2B5EF4-FFF2-40B4-BE49-F238E27FC236}">
+                <a16:creationId xmlns:a16="http://schemas.microsoft.com/office/drawing/2014/main" id="{063A5202-1C0C-814D-E781-009F8BC52CFC}"/>
+              </a:ext>
+            </a:extLst>
+          </p:cNvPr>
+          <p:cNvSpPr>
+            <a:spLocks noGrp="1"/>
+          </p:cNvSpPr>
+          <p:nvPr>
+            <p:ph type="sldNum" sz="quarter" idx="12"/>
+          </p:nvPr>
+        </p:nvSpPr>
+        <p:spPr/>
+        <p:txBody>
+          <a:bodyPr/>
+          <a:lstStyle/>
+          <a:p>
+            <a:fld id="{3F24ED9F-0AD1-BB4C-9842-01F95E80AFCD}" type="slidenum">
+              <a:rPr lang="it-IT" smtClean="0"/>
+              <a:t>16</a:t>
+            </a:fld>
+            <a:endParaRPr lang="it-IT" dirty="0"/>
+          </a:p>
+        </p:txBody>
+      </p:sp>
+      <p:sp>
+        <p:nvSpPr>
+          <p:cNvPr id="12" name="Rettangolo 11">
+            <a:extLst>
+              <a:ext uri="{FF2B5EF4-FFF2-40B4-BE49-F238E27FC236}">
+                <a16:creationId xmlns:a16="http://schemas.microsoft.com/office/drawing/2014/main" id="{16114131-5C77-D323-91F2-4E977519BCC3}"/>
+              </a:ext>
+            </a:extLst>
+          </p:cNvPr>
+          <p:cNvSpPr/>
+          <p:nvPr/>
+        </p:nvSpPr>
+        <p:spPr>
+          <a:xfrm rot="5400000" flipH="1">
+            <a:off x="6073140" y="-3836435"/>
+            <a:ext cx="45719" cy="10515602"/>
+          </a:xfrm>
+          <a:prstGeom prst="rect">
+            <a:avLst/>
+          </a:prstGeom>
+          <a:solidFill>
+            <a:srgbClr val="0080E0"/>
+          </a:solidFill>
+          <a:ln>
+            <a:noFill/>
+          </a:ln>
+        </p:spPr>
+        <p:style>
+          <a:lnRef idx="2">
+            <a:schemeClr val="accent1">
+              <a:shade val="50000"/>
+            </a:schemeClr>
+          </a:lnRef>
+          <a:fillRef idx="1">
+            <a:schemeClr val="accent1"/>
+          </a:fillRef>
+          <a:effectRef idx="0">
+            <a:schemeClr val="accent1"/>
+          </a:effectRef>
+          <a:fontRef idx="minor">
+            <a:schemeClr val="lt1"/>
+          </a:fontRef>
+        </p:style>
+        <p:txBody>
+          <a:bodyPr rtlCol="0" anchor="ctr"/>
+          <a:lstStyle/>
+          <a:p>
+            <a:pPr algn="ctr"/>
+            <a:endParaRPr lang="it-IT" dirty="0"/>
+          </a:p>
+        </p:txBody>
+      </p:sp>
+      <p:sp>
+        <p:nvSpPr>
+          <p:cNvPr id="8" name="Rettangolo 7">
+            <a:extLst>
+              <a:ext uri="{FF2B5EF4-FFF2-40B4-BE49-F238E27FC236}">
+                <a16:creationId xmlns:a16="http://schemas.microsoft.com/office/drawing/2014/main" id="{5E58F222-329C-C851-CF7F-26BD0E84C622}"/>
+              </a:ext>
+            </a:extLst>
+          </p:cNvPr>
+          <p:cNvSpPr/>
+          <p:nvPr/>
+        </p:nvSpPr>
+        <p:spPr>
+          <a:xfrm>
+            <a:off x="741205" y="1596317"/>
+            <a:ext cx="5000834" cy="4598006"/>
+          </a:xfrm>
+          <a:prstGeom prst="rect">
+            <a:avLst/>
+          </a:prstGeom>
+          <a:ln>
+            <a:noFill/>
+          </a:ln>
+        </p:spPr>
+        <p:style>
+          <a:lnRef idx="2">
+            <a:schemeClr val="accent6"/>
+          </a:lnRef>
+          <a:fillRef idx="1">
+            <a:schemeClr val="lt1"/>
+          </a:fillRef>
+          <a:effectRef idx="0">
+            <a:schemeClr val="accent6"/>
+          </a:effectRef>
+          <a:fontRef idx="minor">
+            <a:schemeClr val="dk1"/>
+          </a:fontRef>
+        </p:style>
+        <p:txBody>
+          <a:bodyPr rtlCol="0" anchor="t"/>
+          <a:lstStyle/>
+          <a:p>
+            <a:pPr algn="l"/>
+            <a:r>
+              <a:rPr lang="it-IT" sz="1800" b="0" i="0" u="none" strike="noStrike" baseline="0" dirty="0">
+                <a:latin typeface="+mj-lt"/>
+              </a:rPr>
+              <a:t>Una classe annotata come @Entity indica che questa servirà per la creazione di una tabella all’interno del Database specificato, utilizzando come campi gli attributi della classe.</a:t>
+            </a:r>
+          </a:p>
+          <a:p>
+            <a:pPr algn="l"/>
+            <a:r>
+              <a:rPr lang="it-IT" sz="1800" b="0" i="0" u="none" strike="noStrike" baseline="0" dirty="0">
+                <a:latin typeface="+mj-lt"/>
+              </a:rPr>
+              <a:t>Si noti come ad una normale classe Java siano aggiunte solo le annotazioni Spring:</a:t>
+            </a:r>
+          </a:p>
+          <a:p>
+            <a:pPr algn="l"/>
+            <a:endParaRPr lang="it-IT" sz="1800" b="0" i="0" u="none" strike="noStrike" baseline="0" dirty="0">
+              <a:latin typeface="+mj-lt"/>
+            </a:endParaRPr>
+          </a:p>
+          <a:p>
+            <a:pPr marL="285750" indent="-285750" algn="l">
+              <a:buFont typeface="Arial" panose="020B0604020202020204" pitchFamily="34" charset="0"/>
+              <a:buChar char="•"/>
+            </a:pPr>
+            <a:r>
+              <a:rPr lang="it-IT" sz="1800" b="0" i="0" u="none" strike="noStrike" baseline="0" dirty="0">
+                <a:latin typeface="Consolas" panose="020B0609020204030204" pitchFamily="49" charset="0"/>
+              </a:rPr>
+              <a:t>@Id </a:t>
+            </a:r>
+            <a:r>
+              <a:rPr lang="it-IT" sz="1800" b="0" i="0" u="none" strike="noStrike" baseline="0" dirty="0">
+                <a:latin typeface="+mj-lt"/>
+              </a:rPr>
+              <a:t>e </a:t>
+            </a:r>
+            <a:r>
+              <a:rPr lang="it-IT" sz="1800" b="0" i="0" u="none" strike="noStrike" baseline="0" dirty="0">
+                <a:latin typeface="Consolas" panose="020B0609020204030204" pitchFamily="49" charset="0"/>
+              </a:rPr>
+              <a:t>@GeneratedValue()</a:t>
+            </a:r>
+            <a:r>
+              <a:rPr lang="it-IT" sz="1800" b="0" i="0" u="none" strike="noStrike" baseline="0" dirty="0">
+                <a:latin typeface="+mj-lt"/>
+              </a:rPr>
+              <a:t> per definire l’attributo come id autogenerato</a:t>
+            </a:r>
+          </a:p>
+          <a:p>
+            <a:pPr algn="l"/>
+            <a:endParaRPr lang="it-IT" sz="1800" b="0" i="0" u="none" strike="noStrike" baseline="0" dirty="0">
+              <a:latin typeface="+mj-lt"/>
+            </a:endParaRPr>
+          </a:p>
+          <a:p>
+            <a:pPr marL="285750" indent="-285750" algn="l">
+              <a:buFont typeface="Arial" panose="020B0604020202020204" pitchFamily="34" charset="0"/>
+              <a:buChar char="•"/>
+            </a:pPr>
+            <a:r>
+              <a:rPr lang="it-IT" dirty="0">
+                <a:latin typeface="Consolas" panose="020B0609020204030204" pitchFamily="49" charset="0"/>
+              </a:rPr>
+              <a:t>@Column()</a:t>
+            </a:r>
+            <a:r>
+              <a:rPr lang="it-IT" sz="1800" b="0" i="0" u="none" strike="noStrike" baseline="0" dirty="0">
+                <a:latin typeface="+mj-lt"/>
+              </a:rPr>
+              <a:t> per definire il nome di un campo (colonna) della tabella ed eventuali altre proprietà</a:t>
+            </a:r>
+            <a:endParaRPr lang="it-IT" dirty="0">
+              <a:latin typeface="+mj-lt"/>
+            </a:endParaRPr>
           </a:p>
         </p:txBody>
       </p:sp>
       <p:pic>
         <p:nvPicPr>
-          <p:cNvPr id="3" name="Immagine 2">
-            <a:extLst>
-              <a:ext uri="{FF2B5EF4-FFF2-40B4-BE49-F238E27FC236}">
-                <a16:creationId xmlns:a16="http://schemas.microsoft.com/office/drawing/2014/main" id="{4334E3B8-3C82-72A9-07B7-222AA5EA4F21}"/>
+          <p:cNvPr id="5" name="Immagine 4">
+            <a:extLst>
+              <a:ext uri="{FF2B5EF4-FFF2-40B4-BE49-F238E27FC236}">
+                <a16:creationId xmlns:a16="http://schemas.microsoft.com/office/drawing/2014/main" id="{31E9ECE9-BF68-3E8E-2944-F11F11D7D76A}"/>
               </a:ext>
             </a:extLst>
           </p:cNvPr>
@@ -7572,20 +8124,482 @@
         </p:blipFill>
         <p:spPr>
           <a:xfrm>
-            <a:off x="3743728" y="4231075"/>
-            <a:ext cx="1576429" cy="1868068"/>
+            <a:off x="5675662" y="1643020"/>
+            <a:ext cx="5675847" cy="4551303"/>
           </a:xfrm>
           <a:prstGeom prst="rect">
             <a:avLst/>
           </a:prstGeom>
         </p:spPr>
       </p:pic>
+    </p:spTree>
+    <p:extLst>
+      <p:ext uri="{BB962C8B-B14F-4D97-AF65-F5344CB8AC3E}">
+        <p14:creationId xmlns:p14="http://schemas.microsoft.com/office/powerpoint/2010/main" val="526267268"/>
+      </p:ext>
+    </p:extLst>
+  </p:cSld>
+  <p:clrMapOvr>
+    <a:masterClrMapping/>
+  </p:clrMapOvr>
+  <mc:AlternateContent xmlns:mc="http://schemas.openxmlformats.org/markup-compatibility/2006" xmlns:p159="http://schemas.microsoft.com/office/powerpoint/2015/09/main">
+    <mc:Choice Requires="p159">
+      <p:transition spd="slow">
+        <p159:morph option="byObject"/>
+      </p:transition>
+    </mc:Choice>
+    <mc:Fallback xmlns="">
+      <p:transition spd="slow">
+        <p:fade/>
+      </p:transition>
+    </mc:Fallback>
+  </mc:AlternateContent>
+</p:sld>
+</file>
+
+<file path=ppt/slides/slide17.xml><?xml version="1.0" encoding="utf-8"?>
+<p:sld xmlns:a="http://schemas.openxmlformats.org/drawingml/2006/main" xmlns:r="http://schemas.openxmlformats.org/officeDocument/2006/relationships" xmlns:p="http://schemas.openxmlformats.org/presentationml/2006/main">
+  <p:cSld>
+    <p:spTree>
+      <p:nvGrpSpPr>
+        <p:cNvPr id="1" name=""/>
+        <p:cNvGrpSpPr/>
+        <p:nvPr/>
+      </p:nvGrpSpPr>
+      <p:grpSpPr>
+        <a:xfrm>
+          <a:off x="0" y="0"/>
+          <a:ext cx="0" cy="0"/>
+          <a:chOff x="0" y="0"/>
+          <a:chExt cx="0" cy="0"/>
+        </a:xfrm>
+      </p:grpSpPr>
+      <p:sp>
+        <p:nvSpPr>
+          <p:cNvPr id="2" name="Titolo 1">
+            <a:extLst>
+              <a:ext uri="{FF2B5EF4-FFF2-40B4-BE49-F238E27FC236}">
+                <a16:creationId xmlns:a16="http://schemas.microsoft.com/office/drawing/2014/main" id="{C52A84B7-7A0C-AF76-CB3E-CAC0F7B18247}"/>
+              </a:ext>
+            </a:extLst>
+          </p:cNvPr>
+          <p:cNvSpPr>
+            <a:spLocks noGrp="1"/>
+          </p:cNvSpPr>
+          <p:nvPr>
+            <p:ph type="title"/>
+          </p:nvPr>
+        </p:nvSpPr>
+        <p:spPr/>
+        <p:txBody>
+          <a:bodyPr/>
+          <a:lstStyle/>
+          <a:p>
+            <a:pPr algn="ctr"/>
+            <a:r>
+              <a:rPr lang="it-IT" dirty="0">
+                <a:latin typeface="Century Gothic" panose="020B0502020202020204" pitchFamily="34" charset="0"/>
+              </a:rPr>
+              <a:t>Le classi </a:t>
+            </a:r>
+            <a:r>
+              <a:rPr lang="it-IT" dirty="0">
+                <a:latin typeface="Consolas" panose="020B0609020204030204" pitchFamily="49" charset="0"/>
+              </a:rPr>
+              <a:t>@Controller</a:t>
+            </a:r>
+          </a:p>
+        </p:txBody>
+      </p:sp>
+      <p:sp>
+        <p:nvSpPr>
+          <p:cNvPr id="10" name="Segnaposto numero diapositiva 9">
+            <a:extLst>
+              <a:ext uri="{FF2B5EF4-FFF2-40B4-BE49-F238E27FC236}">
+                <a16:creationId xmlns:a16="http://schemas.microsoft.com/office/drawing/2014/main" id="{063A5202-1C0C-814D-E781-009F8BC52CFC}"/>
+              </a:ext>
+            </a:extLst>
+          </p:cNvPr>
+          <p:cNvSpPr>
+            <a:spLocks noGrp="1"/>
+          </p:cNvSpPr>
+          <p:nvPr>
+            <p:ph type="sldNum" sz="quarter" idx="12"/>
+          </p:nvPr>
+        </p:nvSpPr>
+        <p:spPr/>
+        <p:txBody>
+          <a:bodyPr/>
+          <a:lstStyle/>
+          <a:p>
+            <a:fld id="{3F24ED9F-0AD1-BB4C-9842-01F95E80AFCD}" type="slidenum">
+              <a:rPr lang="it-IT" smtClean="0"/>
+              <a:t>17</a:t>
+            </a:fld>
+            <a:endParaRPr lang="it-IT" dirty="0"/>
+          </a:p>
+        </p:txBody>
+      </p:sp>
+      <p:sp>
+        <p:nvSpPr>
+          <p:cNvPr id="12" name="Rettangolo 11">
+            <a:extLst>
+              <a:ext uri="{FF2B5EF4-FFF2-40B4-BE49-F238E27FC236}">
+                <a16:creationId xmlns:a16="http://schemas.microsoft.com/office/drawing/2014/main" id="{16114131-5C77-D323-91F2-4E977519BCC3}"/>
+              </a:ext>
+            </a:extLst>
+          </p:cNvPr>
+          <p:cNvSpPr/>
+          <p:nvPr/>
+        </p:nvSpPr>
+        <p:spPr>
+          <a:xfrm rot="5400000" flipH="1">
+            <a:off x="6073140" y="-3836435"/>
+            <a:ext cx="45719" cy="10515602"/>
+          </a:xfrm>
+          <a:prstGeom prst="rect">
+            <a:avLst/>
+          </a:prstGeom>
+          <a:solidFill>
+            <a:srgbClr val="0080E0"/>
+          </a:solidFill>
+          <a:ln>
+            <a:noFill/>
+          </a:ln>
+        </p:spPr>
+        <p:style>
+          <a:lnRef idx="2">
+            <a:schemeClr val="accent1">
+              <a:shade val="50000"/>
+            </a:schemeClr>
+          </a:lnRef>
+          <a:fillRef idx="1">
+            <a:schemeClr val="accent1"/>
+          </a:fillRef>
+          <a:effectRef idx="0">
+            <a:schemeClr val="accent1"/>
+          </a:effectRef>
+          <a:fontRef idx="minor">
+            <a:schemeClr val="lt1"/>
+          </a:fontRef>
+        </p:style>
+        <p:txBody>
+          <a:bodyPr rtlCol="0" anchor="ctr"/>
+          <a:lstStyle/>
+          <a:p>
+            <a:pPr algn="ctr"/>
+            <a:endParaRPr lang="it-IT" dirty="0"/>
+          </a:p>
+        </p:txBody>
+      </p:sp>
+      <p:sp>
+        <p:nvSpPr>
+          <p:cNvPr id="16" name="CasellaDiTesto 15">
+            <a:extLst>
+              <a:ext uri="{FF2B5EF4-FFF2-40B4-BE49-F238E27FC236}">
+                <a16:creationId xmlns:a16="http://schemas.microsoft.com/office/drawing/2014/main" id="{699A673E-A5FE-8171-D898-6D88584096F3}"/>
+              </a:ext>
+            </a:extLst>
+          </p:cNvPr>
+          <p:cNvSpPr txBox="1"/>
+          <p:nvPr/>
+        </p:nvSpPr>
+        <p:spPr>
+          <a:xfrm>
+            <a:off x="838198" y="2551837"/>
+            <a:ext cx="10515601" cy="2031325"/>
+          </a:xfrm>
+          <a:prstGeom prst="rect">
+            <a:avLst/>
+          </a:prstGeom>
+          <a:noFill/>
+        </p:spPr>
+        <p:txBody>
+          <a:bodyPr wrap="square">
+            <a:spAutoFit/>
+          </a:bodyPr>
+          <a:lstStyle/>
+          <a:p>
+            <a:r>
+              <a:rPr lang="it-IT" dirty="0">
+                <a:latin typeface="+mj-lt"/>
+              </a:rPr>
+              <a:t>Una classe annotata come </a:t>
+            </a:r>
+            <a:r>
+              <a:rPr lang="it-IT" dirty="0">
+                <a:latin typeface="Consolas" panose="020B0609020204030204" pitchFamily="49" charset="0"/>
+              </a:rPr>
+              <a:t>@RestController</a:t>
+            </a:r>
+            <a:r>
+              <a:rPr lang="it-IT" dirty="0">
+                <a:latin typeface="+mj-lt"/>
+              </a:rPr>
+              <a:t> è utilizzata per la gestione di richieste HTTP.</a:t>
+            </a:r>
+          </a:p>
+          <a:p>
+            <a:r>
+              <a:rPr lang="it-IT" dirty="0">
+                <a:latin typeface="+mj-lt"/>
+              </a:rPr>
+              <a:t>I metodi che possono essere utilizzati con questa tipologia di Controller sono </a:t>
+            </a:r>
+            <a:r>
+              <a:rPr lang="it-IT" dirty="0">
+                <a:latin typeface="Consolas" panose="020B0609020204030204" pitchFamily="49" charset="0"/>
+              </a:rPr>
+              <a:t>@RequestMapping</a:t>
+            </a:r>
+            <a:r>
+              <a:rPr lang="it-IT" dirty="0">
+                <a:latin typeface="+mj-lt"/>
+              </a:rPr>
+              <a:t>, </a:t>
+            </a:r>
+            <a:r>
+              <a:rPr lang="it-IT" dirty="0">
+                <a:latin typeface="Consolas" panose="020B0609020204030204" pitchFamily="49" charset="0"/>
+              </a:rPr>
+              <a:t>@GetMapping</a:t>
+            </a:r>
+            <a:r>
+              <a:rPr lang="it-IT" dirty="0">
+                <a:latin typeface="+mj-lt"/>
+              </a:rPr>
+              <a:t>, </a:t>
+            </a:r>
+            <a:r>
+              <a:rPr lang="it-IT" dirty="0">
+                <a:latin typeface="Consolas" panose="020B0609020204030204" pitchFamily="49" charset="0"/>
+              </a:rPr>
+              <a:t>@PostMapping</a:t>
+            </a:r>
+            <a:r>
+              <a:rPr lang="it-IT" dirty="0">
+                <a:latin typeface="+mj-lt"/>
+              </a:rPr>
+              <a:t>, </a:t>
+            </a:r>
+            <a:r>
+              <a:rPr lang="it-IT" dirty="0">
+                <a:latin typeface="Consolas" panose="020B0609020204030204" pitchFamily="49" charset="0"/>
+              </a:rPr>
+              <a:t>@PutMapping</a:t>
+            </a:r>
+            <a:r>
+              <a:rPr lang="it-IT" dirty="0">
+                <a:latin typeface="+mj-lt"/>
+              </a:rPr>
+              <a:t>, </a:t>
+            </a:r>
+            <a:r>
+              <a:rPr lang="it-IT" dirty="0">
+                <a:latin typeface="Consolas" panose="020B0609020204030204" pitchFamily="49" charset="0"/>
+              </a:rPr>
+              <a:t>@DeleteMapping </a:t>
+            </a:r>
+            <a:r>
+              <a:rPr lang="it-IT" dirty="0">
+                <a:latin typeface="+mj-lt"/>
+              </a:rPr>
+              <a:t>ecc., si devono sempre specificare l’URL e il tipo di richiesta da gestire.</a:t>
+            </a:r>
+          </a:p>
+          <a:p>
+            <a:endParaRPr lang="it-IT" dirty="0">
+              <a:latin typeface="+mj-lt"/>
+            </a:endParaRPr>
+          </a:p>
+          <a:p>
+            <a:r>
+              <a:rPr lang="it-IT" dirty="0">
+                <a:latin typeface="+mj-lt"/>
+              </a:rPr>
+              <a:t>In un’architettura REST le risorse sono rappresentate in modo da essere compatibili con le operazioni </a:t>
+            </a:r>
+            <a:r>
+              <a:rPr lang="it-IT" b="1" dirty="0">
+                <a:latin typeface="+mj-lt"/>
+              </a:rPr>
+              <a:t>CRUD</a:t>
+            </a:r>
+            <a:r>
+              <a:rPr lang="it-IT" dirty="0">
+                <a:latin typeface="+mj-lt"/>
+              </a:rPr>
+              <a:t> (Create, Read, Update, Delete).</a:t>
+            </a:r>
+          </a:p>
+        </p:txBody>
+      </p:sp>
+    </p:spTree>
+    <p:extLst>
+      <p:ext uri="{BB962C8B-B14F-4D97-AF65-F5344CB8AC3E}">
+        <p14:creationId xmlns:p14="http://schemas.microsoft.com/office/powerpoint/2010/main" val="2386887324"/>
+      </p:ext>
+    </p:extLst>
+  </p:cSld>
+  <p:clrMapOvr>
+    <a:masterClrMapping/>
+  </p:clrMapOvr>
+  <mc:AlternateContent xmlns:mc="http://schemas.openxmlformats.org/markup-compatibility/2006" xmlns:p159="http://schemas.microsoft.com/office/powerpoint/2015/09/main">
+    <mc:Choice Requires="p159">
+      <p:transition spd="slow">
+        <p159:morph option="byObject"/>
+      </p:transition>
+    </mc:Choice>
+    <mc:Fallback xmlns="">
+      <p:transition spd="slow">
+        <p:fade/>
+      </p:transition>
+    </mc:Fallback>
+  </mc:AlternateContent>
+</p:sld>
+</file>
+
+<file path=ppt/slides/slide18.xml><?xml version="1.0" encoding="utf-8"?>
+<p:sld xmlns:a="http://schemas.openxmlformats.org/drawingml/2006/main" xmlns:r="http://schemas.openxmlformats.org/officeDocument/2006/relationships" xmlns:p="http://schemas.openxmlformats.org/presentationml/2006/main">
+  <p:cSld>
+    <p:spTree>
+      <p:nvGrpSpPr>
+        <p:cNvPr id="1" name=""/>
+        <p:cNvGrpSpPr/>
+        <p:nvPr/>
+      </p:nvGrpSpPr>
+      <p:grpSpPr>
+        <a:xfrm>
+          <a:off x="0" y="0"/>
+          <a:ext cx="0" cy="0"/>
+          <a:chOff x="0" y="0"/>
+          <a:chExt cx="0" cy="0"/>
+        </a:xfrm>
+      </p:grpSpPr>
+      <p:sp>
+        <p:nvSpPr>
+          <p:cNvPr id="2" name="Titolo 1">
+            <a:extLst>
+              <a:ext uri="{FF2B5EF4-FFF2-40B4-BE49-F238E27FC236}">
+                <a16:creationId xmlns:a16="http://schemas.microsoft.com/office/drawing/2014/main" id="{C52A84B7-7A0C-AF76-CB3E-CAC0F7B18247}"/>
+              </a:ext>
+            </a:extLst>
+          </p:cNvPr>
+          <p:cNvSpPr>
+            <a:spLocks noGrp="1"/>
+          </p:cNvSpPr>
+          <p:nvPr>
+            <p:ph type="title"/>
+          </p:nvPr>
+        </p:nvSpPr>
+        <p:spPr/>
+        <p:txBody>
+          <a:bodyPr/>
+          <a:lstStyle/>
+          <a:p>
+            <a:pPr algn="ctr"/>
+            <a:r>
+              <a:rPr lang="it-IT" dirty="0">
+                <a:latin typeface="Century Gothic" panose="020B0502020202020204" pitchFamily="34" charset="0"/>
+              </a:rPr>
+              <a:t>La classe </a:t>
+            </a:r>
+            <a:r>
+              <a:rPr lang="it-IT" dirty="0">
+                <a:latin typeface="Consolas" panose="020B0609020204030204" pitchFamily="49" charset="0"/>
+              </a:rPr>
+              <a:t>JoinController.java</a:t>
+            </a:r>
+          </a:p>
+        </p:txBody>
+      </p:sp>
+      <p:sp>
+        <p:nvSpPr>
+          <p:cNvPr id="10" name="Segnaposto numero diapositiva 9">
+            <a:extLst>
+              <a:ext uri="{FF2B5EF4-FFF2-40B4-BE49-F238E27FC236}">
+                <a16:creationId xmlns:a16="http://schemas.microsoft.com/office/drawing/2014/main" id="{063A5202-1C0C-814D-E781-009F8BC52CFC}"/>
+              </a:ext>
+            </a:extLst>
+          </p:cNvPr>
+          <p:cNvSpPr>
+            <a:spLocks noGrp="1"/>
+          </p:cNvSpPr>
+          <p:nvPr>
+            <p:ph type="sldNum" sz="quarter" idx="12"/>
+          </p:nvPr>
+        </p:nvSpPr>
+        <p:spPr/>
+        <p:txBody>
+          <a:bodyPr/>
+          <a:lstStyle/>
+          <a:p>
+            <a:fld id="{3F24ED9F-0AD1-BB4C-9842-01F95E80AFCD}" type="slidenum">
+              <a:rPr lang="it-IT" smtClean="0"/>
+              <a:t>18</a:t>
+            </a:fld>
+            <a:endParaRPr lang="it-IT" dirty="0"/>
+          </a:p>
+        </p:txBody>
+      </p:sp>
+      <p:sp>
+        <p:nvSpPr>
+          <p:cNvPr id="12" name="Rettangolo 11">
+            <a:extLst>
+              <a:ext uri="{FF2B5EF4-FFF2-40B4-BE49-F238E27FC236}">
+                <a16:creationId xmlns:a16="http://schemas.microsoft.com/office/drawing/2014/main" id="{16114131-5C77-D323-91F2-4E977519BCC3}"/>
+              </a:ext>
+            </a:extLst>
+          </p:cNvPr>
+          <p:cNvSpPr/>
+          <p:nvPr/>
+        </p:nvSpPr>
+        <p:spPr>
+          <a:xfrm rot="5400000" flipH="1">
+            <a:off x="6073140" y="-3836435"/>
+            <a:ext cx="45719" cy="10515602"/>
+          </a:xfrm>
+          <a:prstGeom prst="rect">
+            <a:avLst/>
+          </a:prstGeom>
+          <a:solidFill>
+            <a:srgbClr val="0080E0"/>
+          </a:solidFill>
+          <a:ln>
+            <a:noFill/>
+          </a:ln>
+        </p:spPr>
+        <p:style>
+          <a:lnRef idx="2">
+            <a:schemeClr val="accent1">
+              <a:shade val="50000"/>
+            </a:schemeClr>
+          </a:lnRef>
+          <a:fillRef idx="1">
+            <a:schemeClr val="accent1"/>
+          </a:fillRef>
+          <a:effectRef idx="0">
+            <a:schemeClr val="accent1"/>
+          </a:effectRef>
+          <a:fontRef idx="minor">
+            <a:schemeClr val="lt1"/>
+          </a:fontRef>
+        </p:style>
+        <p:txBody>
+          <a:bodyPr rtlCol="0" anchor="ctr"/>
+          <a:lstStyle/>
+          <a:p>
+            <a:pPr algn="ctr"/>
+            <a:endParaRPr lang="it-IT" dirty="0"/>
+          </a:p>
+        </p:txBody>
+      </p:sp>
       <p:pic>
         <p:nvPicPr>
-          <p:cNvPr id="4" name="Immagine 3">
-            <a:extLst>
-              <a:ext uri="{FF2B5EF4-FFF2-40B4-BE49-F238E27FC236}">
-                <a16:creationId xmlns:a16="http://schemas.microsoft.com/office/drawing/2014/main" id="{38674238-B1EA-AA10-8330-35DF1F118BDF}"/>
+          <p:cNvPr id="6" name="Immagine 5">
+            <a:extLst>
+              <a:ext uri="{FF2B5EF4-FFF2-40B4-BE49-F238E27FC236}">
+                <a16:creationId xmlns:a16="http://schemas.microsoft.com/office/drawing/2014/main" id="{8E73092B-63A3-BEB3-9067-788834B8E480}"/>
               </a:ext>
             </a:extLst>
           </p:cNvPr>
@@ -7595,145 +8609,337 @@
           <p:nvPr/>
         </p:nvPicPr>
         <p:blipFill>
-          <a:blip r:embed="rId4"/>
+          <a:blip r:embed="rId3"/>
           <a:stretch>
             <a:fillRect/>
           </a:stretch>
         </p:blipFill>
         <p:spPr>
           <a:xfrm>
-            <a:off x="5553037" y="4231075"/>
-            <a:ext cx="1576429" cy="1868068"/>
+            <a:off x="1312057" y="1690688"/>
+            <a:ext cx="9567884" cy="4025184"/>
           </a:xfrm>
           <a:prstGeom prst="rect">
             <a:avLst/>
           </a:prstGeom>
         </p:spPr>
       </p:pic>
-      <p:pic>
-        <p:nvPicPr>
-          <p:cNvPr id="5" name="Immagine 4">
-            <a:extLst>
-              <a:ext uri="{FF2B5EF4-FFF2-40B4-BE49-F238E27FC236}">
-                <a16:creationId xmlns:a16="http://schemas.microsoft.com/office/drawing/2014/main" id="{EC9E1A5B-4A8F-4D12-2843-195331DFDB0F}"/>
-              </a:ext>
-            </a:extLst>
-          </p:cNvPr>
-          <p:cNvPicPr>
-            <a:picLocks noChangeAspect="1"/>
-          </p:cNvPicPr>
+    </p:spTree>
+    <p:extLst>
+      <p:ext uri="{BB962C8B-B14F-4D97-AF65-F5344CB8AC3E}">
+        <p14:creationId xmlns:p14="http://schemas.microsoft.com/office/powerpoint/2010/main" val="3609852211"/>
+      </p:ext>
+    </p:extLst>
+  </p:cSld>
+  <p:clrMapOvr>
+    <a:masterClrMapping/>
+  </p:clrMapOvr>
+  <mc:AlternateContent xmlns:mc="http://schemas.openxmlformats.org/markup-compatibility/2006" xmlns:p159="http://schemas.microsoft.com/office/powerpoint/2015/09/main">
+    <mc:Choice Requires="p159">
+      <p:transition spd="slow">
+        <p159:morph option="byObject"/>
+      </p:transition>
+    </mc:Choice>
+    <mc:Fallback xmlns="">
+      <p:transition spd="slow">
+        <p:fade/>
+      </p:transition>
+    </mc:Fallback>
+  </mc:AlternateContent>
+</p:sld>
+</file>
+
+<file path=ppt/slides/slide19.xml><?xml version="1.0" encoding="utf-8"?>
+<p:sld xmlns:a="http://schemas.openxmlformats.org/drawingml/2006/main" xmlns:r="http://schemas.openxmlformats.org/officeDocument/2006/relationships" xmlns:p="http://schemas.openxmlformats.org/presentationml/2006/main">
+  <p:cSld>
+    <p:spTree>
+      <p:nvGrpSpPr>
+        <p:cNvPr id="1" name=""/>
+        <p:cNvGrpSpPr/>
+        <p:nvPr/>
+      </p:nvGrpSpPr>
+      <p:grpSpPr>
+        <a:xfrm>
+          <a:off x="0" y="0"/>
+          <a:ext cx="0" cy="0"/>
+          <a:chOff x="0" y="0"/>
+          <a:chExt cx="0" cy="0"/>
+        </a:xfrm>
+      </p:grpSpPr>
+      <p:sp>
+        <p:nvSpPr>
+          <p:cNvPr id="4" name="Titolo 1">
+            <a:extLst>
+              <a:ext uri="{FF2B5EF4-FFF2-40B4-BE49-F238E27FC236}">
+                <a16:creationId xmlns:a16="http://schemas.microsoft.com/office/drawing/2014/main" id="{A3224411-147C-D930-C92D-559CCA95B0C1}"/>
+              </a:ext>
+            </a:extLst>
+          </p:cNvPr>
+          <p:cNvSpPr txBox="1">
+            <a:spLocks/>
+          </p:cNvSpPr>
           <p:nvPr/>
-        </p:nvPicPr>
-        <p:blipFill>
-          <a:blip r:embed="rId5"/>
-          <a:stretch>
-            <a:fillRect/>
-          </a:stretch>
-        </p:blipFill>
+        </p:nvSpPr>
         <p:spPr>
           <a:xfrm>
-            <a:off x="7362346" y="4231075"/>
-            <a:ext cx="1576429" cy="1868068"/>
+            <a:off x="1524000" y="2914990"/>
+            <a:ext cx="9144000" cy="1028020"/>
           </a:xfrm>
           <a:prstGeom prst="rect">
             <a:avLst/>
           </a:prstGeom>
+          <a:solidFill>
+            <a:srgbClr val="FF0000"/>
+          </a:solidFill>
         </p:spPr>
-      </p:pic>
-      <p:pic>
-        <p:nvPicPr>
-          <p:cNvPr id="6" name="Immagine 5">
-            <a:extLst>
-              <a:ext uri="{FF2B5EF4-FFF2-40B4-BE49-F238E27FC236}">
-                <a16:creationId xmlns:a16="http://schemas.microsoft.com/office/drawing/2014/main" id="{6DB33E2E-A622-72F3-8E27-6CE9A0FD6A06}"/>
-              </a:ext>
-            </a:extLst>
-          </p:cNvPr>
-          <p:cNvPicPr>
-            <a:picLocks noChangeAspect="1"/>
-          </p:cNvPicPr>
-          <p:nvPr/>
-        </p:nvPicPr>
-        <p:blipFill>
-          <a:blip r:embed="rId6"/>
-          <a:stretch>
-            <a:fillRect/>
-          </a:stretch>
-        </p:blipFill>
+        <p:txBody>
+          <a:bodyPr vert="horz" lIns="91440" tIns="45720" rIns="91440" bIns="45720" rtlCol="0" anchor="ctr">
+            <a:normAutofit/>
+          </a:bodyPr>
+          <a:lstStyle>
+            <a:lvl1pPr algn="ctr" defTabSz="914400" rtl="0" eaLnBrk="1" latinLnBrk="0" hangingPunct="1">
+              <a:lnSpc>
+                <a:spcPct val="90000"/>
+              </a:lnSpc>
+              <a:spcBef>
+                <a:spcPct val="0"/>
+              </a:spcBef>
+              <a:buNone/>
+              <a:defRPr sz="6000" kern="1200">
+                <a:solidFill>
+                  <a:schemeClr val="tx1"/>
+                </a:solidFill>
+                <a:latin typeface="+mj-lt"/>
+                <a:ea typeface="+mj-ea"/>
+                <a:cs typeface="+mj-cs"/>
+              </a:defRPr>
+            </a:lvl1pPr>
+          </a:lstStyle>
+          <a:p>
+            <a:r>
+              <a:rPr lang="it-IT" dirty="0">
+                <a:ln>
+                  <a:solidFill>
+                    <a:schemeClr val="bg1"/>
+                  </a:solidFill>
+                </a:ln>
+                <a:solidFill>
+                  <a:schemeClr val="bg1"/>
+                </a:solidFill>
+                <a:effectLst>
+                  <a:outerShdw blurRad="50800" dist="38100" dir="5400000" algn="t" rotWithShape="0">
+                    <a:prstClr val="black">
+                      <a:alpha val="40000"/>
+                    </a:prstClr>
+                  </a:outerShdw>
+                </a:effectLst>
+              </a:rPr>
+              <a:t>PLUGIN </a:t>
+            </a:r>
+            <a:r>
+              <a:rPr lang="it-IT" dirty="0" err="1">
+                <a:ln>
+                  <a:solidFill>
+                    <a:schemeClr val="bg1"/>
+                  </a:solidFill>
+                </a:ln>
+                <a:solidFill>
+                  <a:schemeClr val="bg1"/>
+                </a:solidFill>
+                <a:effectLst>
+                  <a:outerShdw blurRad="50800" dist="38100" dir="5400000" algn="t" rotWithShape="0">
+                    <a:prstClr val="black">
+                      <a:alpha val="40000"/>
+                    </a:prstClr>
+                  </a:outerShdw>
+                </a:effectLst>
+                <a:latin typeface="Consolas" panose="020B0609020204030204" pitchFamily="49" charset="0"/>
+              </a:rPr>
+              <a:t>checkemail</a:t>
+            </a:r>
+            <a:endParaRPr lang="it-IT" dirty="0">
+              <a:ln>
+                <a:solidFill>
+                  <a:schemeClr val="bg1"/>
+                </a:solidFill>
+              </a:ln>
+              <a:solidFill>
+                <a:schemeClr val="bg1"/>
+              </a:solidFill>
+              <a:effectLst>
+                <a:outerShdw blurRad="50800" dist="38100" dir="5400000" algn="t" rotWithShape="0">
+                  <a:prstClr val="black">
+                    <a:alpha val="40000"/>
+                  </a:prstClr>
+                </a:outerShdw>
+              </a:effectLst>
+              <a:latin typeface="Consolas" panose="020B0609020204030204" pitchFamily="49" charset="0"/>
+            </a:endParaRPr>
+          </a:p>
+        </p:txBody>
+      </p:sp>
+    </p:spTree>
+    <p:extLst>
+      <p:ext uri="{BB962C8B-B14F-4D97-AF65-F5344CB8AC3E}">
+        <p14:creationId xmlns:p14="http://schemas.microsoft.com/office/powerpoint/2010/main" val="1909142328"/>
+      </p:ext>
+    </p:extLst>
+  </p:cSld>
+  <p:clrMapOvr>
+    <a:masterClrMapping/>
+  </p:clrMapOvr>
+  <mc:AlternateContent xmlns:mc="http://schemas.openxmlformats.org/markup-compatibility/2006" xmlns:p159="http://schemas.microsoft.com/office/powerpoint/2015/09/main">
+    <mc:Choice Requires="p159">
+      <p:transition spd="slow">
+        <p159:morph option="byObject"/>
+      </p:transition>
+    </mc:Choice>
+    <mc:Fallback xmlns="">
+      <p:transition spd="slow">
+        <p:fade/>
+      </p:transition>
+    </mc:Fallback>
+  </mc:AlternateContent>
+</p:sld>
+</file>
+
+<file path=ppt/slides/slide2.xml><?xml version="1.0" encoding="utf-8"?>
+<p:sld xmlns:a="http://schemas.openxmlformats.org/drawingml/2006/main" xmlns:r="http://schemas.openxmlformats.org/officeDocument/2006/relationships" xmlns:p="http://schemas.openxmlformats.org/presentationml/2006/main">
+  <p:cSld>
+    <p:spTree>
+      <p:nvGrpSpPr>
+        <p:cNvPr id="1" name=""/>
+        <p:cNvGrpSpPr/>
+        <p:nvPr/>
+      </p:nvGrpSpPr>
+      <p:grpSpPr>
+        <a:xfrm>
+          <a:off x="0" y="0"/>
+          <a:ext cx="0" cy="0"/>
+          <a:chOff x="0" y="0"/>
+          <a:chExt cx="0" cy="0"/>
+        </a:xfrm>
+      </p:grpSpPr>
+      <p:sp>
+        <p:nvSpPr>
+          <p:cNvPr id="2" name="Titolo 1">
+            <a:extLst>
+              <a:ext uri="{FF2B5EF4-FFF2-40B4-BE49-F238E27FC236}">
+                <a16:creationId xmlns:a16="http://schemas.microsoft.com/office/drawing/2014/main" id="{160DA25F-9158-EBF8-CE3E-DFEC7B048EAB}"/>
+              </a:ext>
+            </a:extLst>
+          </p:cNvPr>
+          <p:cNvSpPr>
+            <a:spLocks noGrp="1"/>
+          </p:cNvSpPr>
+          <p:nvPr>
+            <p:ph type="ctrTitle"/>
+          </p:nvPr>
+        </p:nvSpPr>
         <p:spPr>
           <a:xfrm>
-            <a:off x="9171655" y="4231074"/>
-            <a:ext cx="1576429" cy="1868068"/>
+            <a:off x="1524000" y="2914990"/>
+            <a:ext cx="9144000" cy="1028020"/>
           </a:xfrm>
-          <a:prstGeom prst="rect">
-            <a:avLst/>
-          </a:prstGeom>
+          <a:solidFill>
+            <a:srgbClr val="FFAB91"/>
+          </a:solidFill>
         </p:spPr>
-      </p:pic>
-      <p:pic>
-        <p:nvPicPr>
-          <p:cNvPr id="7" name="Immagine 6">
-            <a:extLst>
-              <a:ext uri="{FF2B5EF4-FFF2-40B4-BE49-F238E27FC236}">
-                <a16:creationId xmlns:a16="http://schemas.microsoft.com/office/drawing/2014/main" id="{828B1BF3-4434-CDAA-DAFB-D005FD2F7A69}"/>
-              </a:ext>
-            </a:extLst>
-          </p:cNvPr>
-          <p:cNvPicPr>
-            <a:picLocks noChangeAspect="1"/>
-          </p:cNvPicPr>
-          <p:nvPr/>
-        </p:nvPicPr>
-        <p:blipFill>
-          <a:blip r:embed="rId7"/>
-          <a:stretch>
-            <a:fillRect/>
-          </a:stretch>
-        </p:blipFill>
-        <p:spPr>
-          <a:xfrm>
-            <a:off x="1934419" y="4231075"/>
-            <a:ext cx="1576429" cy="1868068"/>
-          </a:xfrm>
-          <a:prstGeom prst="rect">
-            <a:avLst/>
-          </a:prstGeom>
-        </p:spPr>
-      </p:pic>
-      <p:sp>
-        <p:nvSpPr>
-          <p:cNvPr id="9" name="CasellaDiTesto 8">
-            <a:extLst>
-              <a:ext uri="{FF2B5EF4-FFF2-40B4-BE49-F238E27FC236}">
-                <a16:creationId xmlns:a16="http://schemas.microsoft.com/office/drawing/2014/main" id="{8E402CED-CFBF-C684-F215-2B562A158DA9}"/>
-              </a:ext>
-            </a:extLst>
-          </p:cNvPr>
-          <p:cNvSpPr txBox="1"/>
-          <p:nvPr/>
-        </p:nvSpPr>
-        <p:spPr>
-          <a:xfrm>
-            <a:off x="838200" y="3393561"/>
-            <a:ext cx="4400372" cy="369332"/>
-          </a:xfrm>
-          <a:prstGeom prst="rect">
-            <a:avLst/>
-          </a:prstGeom>
-          <a:noFill/>
-        </p:spPr>
-        <p:txBody>
-          <a:bodyPr wrap="square">
-            <a:spAutoFit/>
-          </a:bodyPr>
-          <a:lstStyle/>
-          <a:p>
+        <p:txBody>
+          <a:bodyPr/>
+          <a:lstStyle/>
+          <a:p>
+            <a:r>
+              <a:rPr lang="it-IT" dirty="0">
+                <a:ln>
+                  <a:solidFill>
+                    <a:schemeClr val="bg1"/>
+                  </a:solidFill>
+                </a:ln>
+                <a:solidFill>
+                  <a:schemeClr val="bg1"/>
+                </a:solidFill>
+                <a:effectLst>
+                  <a:outerShdw blurRad="50800" dist="38100" dir="5400000" algn="t" rotWithShape="0">
+                    <a:prstClr val="black">
+                      <a:alpha val="40000"/>
+                    </a:prstClr>
+                  </a:outerShdw>
+                </a:effectLst>
+              </a:rPr>
+              <a:t>MICROSERVIZI</a:t>
+            </a:r>
+          </a:p>
+        </p:txBody>
+      </p:sp>
+    </p:spTree>
+    <p:extLst>
+      <p:ext uri="{BB962C8B-B14F-4D97-AF65-F5344CB8AC3E}">
+        <p14:creationId xmlns:p14="http://schemas.microsoft.com/office/powerpoint/2010/main" val="3325030984"/>
+      </p:ext>
+    </p:extLst>
+  </p:cSld>
+  <p:clrMapOvr>
+    <a:masterClrMapping/>
+  </p:clrMapOvr>
+  <p:transition spd="slow"/>
+</p:sld>
+</file>
+
+<file path=ppt/slides/slide20.xml><?xml version="1.0" encoding="utf-8"?>
+<p:sld xmlns:a="http://schemas.openxmlformats.org/drawingml/2006/main" xmlns:r="http://schemas.openxmlformats.org/officeDocument/2006/relationships" xmlns:p="http://schemas.openxmlformats.org/presentationml/2006/main">
+  <p:cSld>
+    <p:spTree>
+      <p:nvGrpSpPr>
+        <p:cNvPr id="1" name=""/>
+        <p:cNvGrpSpPr/>
+        <p:nvPr/>
+      </p:nvGrpSpPr>
+      <p:grpSpPr>
+        <a:xfrm>
+          <a:off x="0" y="0"/>
+          <a:ext cx="0" cy="0"/>
+          <a:chOff x="0" y="0"/>
+          <a:chExt cx="0" cy="0"/>
+        </a:xfrm>
+      </p:grpSpPr>
+      <p:sp>
+        <p:nvSpPr>
+          <p:cNvPr id="2" name="Titolo 1">
+            <a:extLst>
+              <a:ext uri="{FF2B5EF4-FFF2-40B4-BE49-F238E27FC236}">
+                <a16:creationId xmlns:a16="http://schemas.microsoft.com/office/drawing/2014/main" id="{C52A84B7-7A0C-AF76-CB3E-CAC0F7B18247}"/>
+              </a:ext>
+            </a:extLst>
+          </p:cNvPr>
+          <p:cNvSpPr>
+            <a:spLocks noGrp="1"/>
+          </p:cNvSpPr>
+          <p:nvPr>
+            <p:ph type="title"/>
+          </p:nvPr>
+        </p:nvSpPr>
+        <p:spPr/>
+        <p:txBody>
+          <a:bodyPr/>
+          <a:lstStyle/>
+          <a:p>
+            <a:pPr algn="ctr"/>
             <a:r>
               <a:rPr lang="it-IT" dirty="0">
                 <a:latin typeface="Century Gothic" panose="020B0502020202020204" pitchFamily="34" charset="0"/>
               </a:rPr>
-              <a:t>I servizi che Azure DevOps offre sono:</a:t>
-            </a:r>
+              <a:t>Obiettivi del plugin </a:t>
+            </a:r>
+            <a:r>
+              <a:rPr lang="it-IT" dirty="0" err="1">
+                <a:latin typeface="Century Gothic" panose="020B0502020202020204" pitchFamily="34" charset="0"/>
+              </a:rPr>
+              <a:t>Lua</a:t>
+            </a:r>
+            <a:endParaRPr lang="it-IT" dirty="0">
+              <a:latin typeface="Century Gothic" panose="020B0502020202020204" pitchFamily="34" charset="0"/>
+            </a:endParaRPr>
           </a:p>
         </p:txBody>
       </p:sp>
@@ -7760,7 +8966,7 @@
           <a:p>
             <a:fld id="{3F24ED9F-0AD1-BB4C-9842-01F95E80AFCD}" type="slidenum">
               <a:rPr lang="it-IT" smtClean="0"/>
-              <a:t>16</a:t>
+              <a:t>20</a:t>
             </a:fld>
             <a:endParaRPr lang="it-IT" dirty="0"/>
           </a:p>
@@ -7876,48 +9082,538 @@
       </p:sp>
       <p:sp>
         <p:nvSpPr>
-          <p:cNvPr id="25" name="Segnaposto contenuto 2">
-            <a:extLst>
-              <a:ext uri="{FF2B5EF4-FFF2-40B4-BE49-F238E27FC236}">
-                <a16:creationId xmlns:a16="http://schemas.microsoft.com/office/drawing/2014/main" id="{406C0203-233E-FEC2-B340-1DE5263F6DE4}"/>
-              </a:ext>
-            </a:extLst>
-          </p:cNvPr>
-          <p:cNvSpPr>
-            <a:spLocks noGrp="1"/>
-          </p:cNvSpPr>
-          <p:nvPr>
-            <p:ph idx="1"/>
-          </p:nvPr>
+          <p:cNvPr id="4" name="CasellaDiTesto 3">
+            <a:extLst>
+              <a:ext uri="{FF2B5EF4-FFF2-40B4-BE49-F238E27FC236}">
+                <a16:creationId xmlns:a16="http://schemas.microsoft.com/office/drawing/2014/main" id="{0D002019-1B39-8FB7-0753-EF320662377A}"/>
+              </a:ext>
+            </a:extLst>
+          </p:cNvPr>
+          <p:cNvSpPr txBox="1"/>
+          <p:nvPr/>
         </p:nvSpPr>
         <p:spPr>
           <a:xfrm>
-            <a:off x="838200" y="2152976"/>
-            <a:ext cx="6889821" cy="863276"/>
+            <a:off x="838198" y="1690688"/>
+            <a:ext cx="7334250" cy="1477328"/>
           </a:xfrm>
+          <a:prstGeom prst="rect">
+            <a:avLst/>
+          </a:prstGeom>
+          <a:noFill/>
         </p:spPr>
         <p:txBody>
-          <a:bodyPr>
-            <a:normAutofit fontScale="92500"/>
+          <a:bodyPr wrap="square">
+            <a:spAutoFit/>
           </a:bodyPr>
           <a:lstStyle/>
           <a:p>
-            <a:pPr marL="0" indent="0">
-              <a:buNone/>
+            <a:pPr algn="l"/>
+            <a:r>
+              <a:rPr lang="it-IT" sz="1800" b="0" i="0" u="none" strike="noStrike" baseline="0" dirty="0">
+                <a:latin typeface="+mj-lt"/>
+              </a:rPr>
+              <a:t>È richiesto il seguente comportamento dal plugin:</a:t>
+            </a:r>
+          </a:p>
+          <a:p>
+            <a:pPr marL="342900" indent="-342900" algn="l">
+              <a:buFont typeface="+mj-lt"/>
+              <a:buAutoNum type="arabicPeriod"/>
             </a:pPr>
             <a:r>
-              <a:rPr lang="it-IT" dirty="0">
-                <a:latin typeface="Century Gothic" panose="020B0502020202020204" pitchFamily="34" charset="0"/>
-              </a:rPr>
-              <a:t>Azure DevOps offre servizi per consentire ai team di sfruttare l’approccio DevOps</a:t>
-            </a:r>
-          </a:p>
-        </p:txBody>
-      </p:sp>
+              <a:rPr lang="it-IT" sz="1800" b="0" i="0" u="none" strike="noStrike" baseline="0" dirty="0">
+                <a:latin typeface="+mj-lt"/>
+              </a:rPr>
+              <a:t>Analizzare il token ricevuto</a:t>
+            </a:r>
+          </a:p>
+          <a:p>
+            <a:pPr marL="342900" indent="-342900" algn="l">
+              <a:buFont typeface="+mj-lt"/>
+              <a:buAutoNum type="arabicPeriod"/>
+            </a:pPr>
+            <a:r>
+              <a:rPr lang="it-IT" sz="1800" b="0" i="0" u="none" strike="noStrike" baseline="0" dirty="0">
+                <a:solidFill>
+                  <a:schemeClr val="bg1">
+                    <a:lumMod val="85000"/>
+                  </a:schemeClr>
+                </a:solidFill>
+                <a:latin typeface="+mj-lt"/>
+              </a:rPr>
+              <a:t>Parse del token</a:t>
+            </a:r>
+          </a:p>
+          <a:p>
+            <a:pPr marL="342900" indent="-342900" algn="l">
+              <a:buFont typeface="+mj-lt"/>
+              <a:buAutoNum type="arabicPeriod"/>
+            </a:pPr>
+            <a:r>
+              <a:rPr lang="it-IT" sz="1800" b="0" i="0" u="none" strike="noStrike" baseline="0" dirty="0">
+                <a:solidFill>
+                  <a:schemeClr val="bg1">
+                    <a:lumMod val="85000"/>
+                  </a:schemeClr>
+                </a:solidFill>
+                <a:latin typeface="+mj-lt"/>
+              </a:rPr>
+              <a:t>Inviare una richiesta HTTP al microservizio </a:t>
+            </a:r>
+            <a:r>
+              <a:rPr lang="it-IT" sz="1800" b="0" i="0" u="none" strike="noStrike" baseline="0" dirty="0" err="1">
+                <a:solidFill>
+                  <a:schemeClr val="bg1">
+                    <a:lumMod val="85000"/>
+                  </a:schemeClr>
+                </a:solidFill>
+                <a:latin typeface="+mj-lt"/>
+              </a:rPr>
+              <a:t>CheckEmail</a:t>
+            </a:r>
+            <a:endParaRPr lang="it-IT" sz="1800" b="0" i="0" u="none" strike="noStrike" baseline="0" dirty="0">
+              <a:solidFill>
+                <a:schemeClr val="bg1">
+                  <a:lumMod val="85000"/>
+                </a:schemeClr>
+              </a:solidFill>
+              <a:latin typeface="+mj-lt"/>
+            </a:endParaRPr>
+          </a:p>
+          <a:p>
+            <a:pPr marL="342900" indent="-342900" algn="l">
+              <a:buFont typeface="+mj-lt"/>
+              <a:buAutoNum type="arabicPeriod"/>
+            </a:pPr>
+            <a:r>
+              <a:rPr lang="it-IT" sz="1800" b="0" i="0" u="none" strike="noStrike" baseline="0" dirty="0">
+                <a:solidFill>
+                  <a:schemeClr val="bg1">
+                    <a:lumMod val="85000"/>
+                  </a:schemeClr>
+                </a:solidFill>
+                <a:latin typeface="+mj-lt"/>
+              </a:rPr>
+              <a:t>Ottenere risposta dal microservizio e inoltrarla al Gateway</a:t>
+            </a:r>
+            <a:endParaRPr lang="it-IT" dirty="0">
+              <a:solidFill>
+                <a:schemeClr val="bg1">
+                  <a:lumMod val="85000"/>
+                </a:schemeClr>
+              </a:solidFill>
+              <a:latin typeface="+mj-lt"/>
+            </a:endParaRPr>
+          </a:p>
+        </p:txBody>
+      </p:sp>
+      <p:pic>
+        <p:nvPicPr>
+          <p:cNvPr id="6" name="Immagine 5">
+            <a:extLst>
+              <a:ext uri="{FF2B5EF4-FFF2-40B4-BE49-F238E27FC236}">
+                <a16:creationId xmlns:a16="http://schemas.microsoft.com/office/drawing/2014/main" id="{21BAB7EF-77A5-B54F-57A9-801B04A62BD2}"/>
+              </a:ext>
+            </a:extLst>
+          </p:cNvPr>
+          <p:cNvPicPr>
+            <a:picLocks noChangeAspect="1"/>
+          </p:cNvPicPr>
+          <p:nvPr/>
+        </p:nvPicPr>
+        <p:blipFill>
+          <a:blip r:embed="rId3"/>
+          <a:stretch>
+            <a:fillRect/>
+          </a:stretch>
+        </p:blipFill>
+        <p:spPr>
+          <a:xfrm>
+            <a:off x="3352561" y="3935362"/>
+            <a:ext cx="5486875" cy="1524132"/>
+          </a:xfrm>
+          <a:prstGeom prst="rect">
+            <a:avLst/>
+          </a:prstGeom>
+        </p:spPr>
+      </p:pic>
     </p:spTree>
     <p:extLst>
       <p:ext uri="{BB962C8B-B14F-4D97-AF65-F5344CB8AC3E}">
         <p14:creationId xmlns:p14="http://schemas.microsoft.com/office/powerpoint/2010/main" val="2974291360"/>
+      </p:ext>
+    </p:extLst>
+  </p:cSld>
+  <p:clrMapOvr>
+    <a:masterClrMapping/>
+  </p:clrMapOvr>
+  <mc:AlternateContent xmlns:mc="http://schemas.openxmlformats.org/markup-compatibility/2006" xmlns:p159="http://schemas.microsoft.com/office/powerpoint/2015/09/main">
+    <mc:Choice Requires="p159">
+      <p:transition spd="slow">
+        <p159:morph option="byObject"/>
+      </p:transition>
+    </mc:Choice>
+    <mc:Fallback xmlns="">
+      <p:transition spd="slow">
+        <p:fade/>
+      </p:transition>
+    </mc:Fallback>
+  </mc:AlternateContent>
+</p:sld>
+</file>
+
+<file path=ppt/slides/slide21.xml><?xml version="1.0" encoding="utf-8"?>
+<p:sld xmlns:a="http://schemas.openxmlformats.org/drawingml/2006/main" xmlns:r="http://schemas.openxmlformats.org/officeDocument/2006/relationships" xmlns:p="http://schemas.openxmlformats.org/presentationml/2006/main">
+  <p:cSld>
+    <p:spTree>
+      <p:nvGrpSpPr>
+        <p:cNvPr id="1" name=""/>
+        <p:cNvGrpSpPr/>
+        <p:nvPr/>
+      </p:nvGrpSpPr>
+      <p:grpSpPr>
+        <a:xfrm>
+          <a:off x="0" y="0"/>
+          <a:ext cx="0" cy="0"/>
+          <a:chOff x="0" y="0"/>
+          <a:chExt cx="0" cy="0"/>
+        </a:xfrm>
+      </p:grpSpPr>
+      <p:sp>
+        <p:nvSpPr>
+          <p:cNvPr id="2" name="Titolo 1">
+            <a:extLst>
+              <a:ext uri="{FF2B5EF4-FFF2-40B4-BE49-F238E27FC236}">
+                <a16:creationId xmlns:a16="http://schemas.microsoft.com/office/drawing/2014/main" id="{C52A84B7-7A0C-AF76-CB3E-CAC0F7B18247}"/>
+              </a:ext>
+            </a:extLst>
+          </p:cNvPr>
+          <p:cNvSpPr>
+            <a:spLocks noGrp="1"/>
+          </p:cNvSpPr>
+          <p:nvPr>
+            <p:ph type="title"/>
+          </p:nvPr>
+        </p:nvSpPr>
+        <p:spPr/>
+        <p:txBody>
+          <a:bodyPr/>
+          <a:lstStyle/>
+          <a:p>
+            <a:pPr algn="ctr"/>
+            <a:r>
+              <a:rPr lang="it-IT" dirty="0">
+                <a:latin typeface="Century Gothic" panose="020B0502020202020204" pitchFamily="34" charset="0"/>
+              </a:rPr>
+              <a:t>Obiettivi del plugin </a:t>
+            </a:r>
+            <a:r>
+              <a:rPr lang="it-IT" dirty="0" err="1">
+                <a:latin typeface="Century Gothic" panose="020B0502020202020204" pitchFamily="34" charset="0"/>
+              </a:rPr>
+              <a:t>Lua</a:t>
+            </a:r>
+            <a:endParaRPr lang="it-IT" dirty="0">
+              <a:latin typeface="Century Gothic" panose="020B0502020202020204" pitchFamily="34" charset="0"/>
+            </a:endParaRPr>
+          </a:p>
+        </p:txBody>
+      </p:sp>
+      <p:sp>
+        <p:nvSpPr>
+          <p:cNvPr id="10" name="Segnaposto numero diapositiva 9">
+            <a:extLst>
+              <a:ext uri="{FF2B5EF4-FFF2-40B4-BE49-F238E27FC236}">
+                <a16:creationId xmlns:a16="http://schemas.microsoft.com/office/drawing/2014/main" id="{063A5202-1C0C-814D-E781-009F8BC52CFC}"/>
+              </a:ext>
+            </a:extLst>
+          </p:cNvPr>
+          <p:cNvSpPr>
+            <a:spLocks noGrp="1"/>
+          </p:cNvSpPr>
+          <p:nvPr>
+            <p:ph type="sldNum" sz="quarter" idx="12"/>
+          </p:nvPr>
+        </p:nvSpPr>
+        <p:spPr/>
+        <p:txBody>
+          <a:bodyPr/>
+          <a:lstStyle/>
+          <a:p>
+            <a:fld id="{3F24ED9F-0AD1-BB4C-9842-01F95E80AFCD}" type="slidenum">
+              <a:rPr lang="it-IT" smtClean="0"/>
+              <a:t>21</a:t>
+            </a:fld>
+            <a:endParaRPr lang="it-IT" dirty="0"/>
+          </a:p>
+        </p:txBody>
+      </p:sp>
+      <p:sp>
+        <p:nvSpPr>
+          <p:cNvPr id="12" name="Rettangolo 11">
+            <a:extLst>
+              <a:ext uri="{FF2B5EF4-FFF2-40B4-BE49-F238E27FC236}">
+                <a16:creationId xmlns:a16="http://schemas.microsoft.com/office/drawing/2014/main" id="{16114131-5C77-D323-91F2-4E977519BCC3}"/>
+              </a:ext>
+            </a:extLst>
+          </p:cNvPr>
+          <p:cNvSpPr/>
+          <p:nvPr/>
+        </p:nvSpPr>
+        <p:spPr>
+          <a:xfrm rot="5400000" flipH="1">
+            <a:off x="6073140" y="-3836435"/>
+            <a:ext cx="45719" cy="10515602"/>
+          </a:xfrm>
+          <a:prstGeom prst="rect">
+            <a:avLst/>
+          </a:prstGeom>
+          <a:solidFill>
+            <a:srgbClr val="FF0000"/>
+          </a:solidFill>
+        </p:spPr>
+        <p:txBody>
+          <a:bodyPr vert="horz" lIns="91440" tIns="45720" rIns="91440" bIns="45720" rtlCol="0" anchor="ctr">
+            <a:normAutofit/>
+          </a:bodyPr>
+          <a:lstStyle/>
+          <a:p>
+            <a:pPr algn="ctr">
+              <a:lnSpc>
+                <a:spcPct val="90000"/>
+              </a:lnSpc>
+              <a:spcBef>
+                <a:spcPct val="0"/>
+              </a:spcBef>
+            </a:pPr>
+            <a:endParaRPr lang="it-IT" sz="6000" dirty="0">
+              <a:ln>
+                <a:solidFill>
+                  <a:schemeClr val="bg1"/>
+                </a:solidFill>
+              </a:ln>
+              <a:solidFill>
+                <a:schemeClr val="bg1"/>
+              </a:solidFill>
+              <a:effectLst>
+                <a:outerShdw blurRad="50800" dist="38100" dir="5400000" algn="t" rotWithShape="0">
+                  <a:prstClr val="black">
+                    <a:alpha val="40000"/>
+                  </a:prstClr>
+                </a:outerShdw>
+              </a:effectLst>
+              <a:latin typeface="+mj-lt"/>
+              <a:ea typeface="+mj-ea"/>
+              <a:cs typeface="+mj-cs"/>
+            </a:endParaRPr>
+          </a:p>
+        </p:txBody>
+      </p:sp>
+      <p:sp>
+        <p:nvSpPr>
+          <p:cNvPr id="8" name="Rettangolo 7">
+            <a:extLst>
+              <a:ext uri="{FF2B5EF4-FFF2-40B4-BE49-F238E27FC236}">
+                <a16:creationId xmlns:a16="http://schemas.microsoft.com/office/drawing/2014/main" id="{5E58F222-329C-C851-CF7F-26BD0E84C622}"/>
+              </a:ext>
+            </a:extLst>
+          </p:cNvPr>
+          <p:cNvSpPr/>
+          <p:nvPr/>
+        </p:nvSpPr>
+        <p:spPr>
+          <a:xfrm>
+            <a:off x="719647" y="1596317"/>
+            <a:ext cx="6889821" cy="1811896"/>
+          </a:xfrm>
+          <a:prstGeom prst="rect">
+            <a:avLst/>
+          </a:prstGeom>
+          <a:ln>
+            <a:noFill/>
+          </a:ln>
+        </p:spPr>
+        <p:style>
+          <a:lnRef idx="2">
+            <a:schemeClr val="accent6"/>
+          </a:lnRef>
+          <a:fillRef idx="1">
+            <a:schemeClr val="lt1"/>
+          </a:fillRef>
+          <a:effectRef idx="0">
+            <a:schemeClr val="accent6"/>
+          </a:effectRef>
+          <a:fontRef idx="minor">
+            <a:schemeClr val="dk1"/>
+          </a:fontRef>
+        </p:style>
+        <p:txBody>
+          <a:bodyPr rtlCol="0" anchor="ctr"/>
+          <a:lstStyle/>
+          <a:p>
+            <a:pPr algn="ctr"/>
+            <a:endParaRPr lang="it-IT" dirty="0"/>
+          </a:p>
+        </p:txBody>
+      </p:sp>
+      <p:sp>
+        <p:nvSpPr>
+          <p:cNvPr id="4" name="CasellaDiTesto 3">
+            <a:extLst>
+              <a:ext uri="{FF2B5EF4-FFF2-40B4-BE49-F238E27FC236}">
+                <a16:creationId xmlns:a16="http://schemas.microsoft.com/office/drawing/2014/main" id="{0D002019-1B39-8FB7-0753-EF320662377A}"/>
+              </a:ext>
+            </a:extLst>
+          </p:cNvPr>
+          <p:cNvSpPr txBox="1"/>
+          <p:nvPr/>
+        </p:nvSpPr>
+        <p:spPr>
+          <a:xfrm>
+            <a:off x="838198" y="1690688"/>
+            <a:ext cx="7334250" cy="1477328"/>
+          </a:xfrm>
+          <a:prstGeom prst="rect">
+            <a:avLst/>
+          </a:prstGeom>
+          <a:noFill/>
+        </p:spPr>
+        <p:txBody>
+          <a:bodyPr wrap="square">
+            <a:spAutoFit/>
+          </a:bodyPr>
+          <a:lstStyle/>
+          <a:p>
+            <a:pPr algn="l"/>
+            <a:r>
+              <a:rPr lang="it-IT" sz="1800" b="0" i="0" u="none" strike="noStrike" baseline="0" dirty="0">
+                <a:latin typeface="+mj-lt"/>
+              </a:rPr>
+              <a:t>È richiesto il seguente comportamento dal plugin:</a:t>
+            </a:r>
+          </a:p>
+          <a:p>
+            <a:pPr marL="342900" indent="-342900" algn="l">
+              <a:buFont typeface="+mj-lt"/>
+              <a:buAutoNum type="arabicPeriod"/>
+            </a:pPr>
+            <a:r>
+              <a:rPr lang="it-IT" sz="1800" b="0" i="0" u="none" strike="noStrike" baseline="0" dirty="0">
+                <a:latin typeface="+mj-lt"/>
+              </a:rPr>
+              <a:t>Analizzare il token ricevuto</a:t>
+            </a:r>
+          </a:p>
+          <a:p>
+            <a:pPr marL="342900" indent="-342900" algn="l">
+              <a:buFont typeface="+mj-lt"/>
+              <a:buAutoNum type="arabicPeriod"/>
+            </a:pPr>
+            <a:r>
+              <a:rPr lang="it-IT" sz="1800" b="0" i="0" u="none" strike="noStrike" baseline="0" dirty="0">
+                <a:latin typeface="+mj-lt"/>
+              </a:rPr>
+              <a:t>Parse del token</a:t>
+            </a:r>
+          </a:p>
+          <a:p>
+            <a:pPr marL="342900" indent="-342900" algn="l">
+              <a:buFont typeface="+mj-lt"/>
+              <a:buAutoNum type="arabicPeriod"/>
+            </a:pPr>
+            <a:r>
+              <a:rPr lang="it-IT" sz="1800" b="0" i="0" u="none" strike="noStrike" baseline="0" dirty="0">
+                <a:solidFill>
+                  <a:schemeClr val="bg1">
+                    <a:lumMod val="85000"/>
+                  </a:schemeClr>
+                </a:solidFill>
+                <a:latin typeface="+mj-lt"/>
+              </a:rPr>
+              <a:t>Inviare una richiesta HTTP al microservizio </a:t>
+            </a:r>
+            <a:r>
+              <a:rPr lang="it-IT" sz="1800" b="0" i="0" u="none" strike="noStrike" baseline="0" dirty="0" err="1">
+                <a:solidFill>
+                  <a:schemeClr val="bg1">
+                    <a:lumMod val="85000"/>
+                  </a:schemeClr>
+                </a:solidFill>
+                <a:latin typeface="+mj-lt"/>
+              </a:rPr>
+              <a:t>CheckEmail</a:t>
+            </a:r>
+            <a:endParaRPr lang="it-IT" sz="1800" b="0" i="0" u="none" strike="noStrike" baseline="0" dirty="0">
+              <a:solidFill>
+                <a:schemeClr val="bg1">
+                  <a:lumMod val="85000"/>
+                </a:schemeClr>
+              </a:solidFill>
+              <a:latin typeface="+mj-lt"/>
+            </a:endParaRPr>
+          </a:p>
+          <a:p>
+            <a:pPr marL="342900" indent="-342900" algn="l">
+              <a:buFont typeface="+mj-lt"/>
+              <a:buAutoNum type="arabicPeriod"/>
+            </a:pPr>
+            <a:r>
+              <a:rPr lang="it-IT" sz="1800" b="0" i="0" u="none" strike="noStrike" baseline="0" dirty="0">
+                <a:solidFill>
+                  <a:schemeClr val="bg1">
+                    <a:lumMod val="85000"/>
+                  </a:schemeClr>
+                </a:solidFill>
+                <a:latin typeface="+mj-lt"/>
+              </a:rPr>
+              <a:t>Ottenere risposta dal microservizio e inoltrarla al Gateway</a:t>
+            </a:r>
+            <a:endParaRPr lang="it-IT" dirty="0">
+              <a:solidFill>
+                <a:schemeClr val="bg1">
+                  <a:lumMod val="85000"/>
+                </a:schemeClr>
+              </a:solidFill>
+              <a:latin typeface="+mj-lt"/>
+            </a:endParaRPr>
+          </a:p>
+        </p:txBody>
+      </p:sp>
+      <p:pic>
+        <p:nvPicPr>
+          <p:cNvPr id="5" name="Immagine 4">
+            <a:extLst>
+              <a:ext uri="{FF2B5EF4-FFF2-40B4-BE49-F238E27FC236}">
+                <a16:creationId xmlns:a16="http://schemas.microsoft.com/office/drawing/2014/main" id="{ACDBE620-892C-C0CF-D03E-1989599DC126}"/>
+              </a:ext>
+            </a:extLst>
+          </p:cNvPr>
+          <p:cNvPicPr>
+            <a:picLocks noChangeAspect="1"/>
+          </p:cNvPicPr>
+          <p:nvPr/>
+        </p:nvPicPr>
+        <p:blipFill>
+          <a:blip r:embed="rId3"/>
+          <a:stretch>
+            <a:fillRect/>
+          </a:stretch>
+        </p:blipFill>
+        <p:spPr>
+          <a:xfrm>
+            <a:off x="3678388" y="3168016"/>
+            <a:ext cx="4835222" cy="3226692"/>
+          </a:xfrm>
+          <a:prstGeom prst="rect">
+            <a:avLst/>
+          </a:prstGeom>
+        </p:spPr>
+      </p:pic>
+    </p:spTree>
+    <p:extLst>
+      <p:ext uri="{BB962C8B-B14F-4D97-AF65-F5344CB8AC3E}">
+        <p14:creationId xmlns:p14="http://schemas.microsoft.com/office/powerpoint/2010/main" val="304822351"/>
       </p:ext>
     </p:extLst>
   </p:cSld>
@@ -7936,457 +9632,714 @@
       </p:transition>
     </mc:Fallback>
   </mc:AlternateContent>
-  <p:timing>
-    <p:tnLst>
-      <p:par>
-        <p:cTn id="1" dur="indefinite" restart="never" nodeType="tmRoot">
-          <p:childTnLst>
-            <p:seq concurrent="1" nextAc="seek">
-              <p:cTn id="2" dur="indefinite" nodeType="mainSeq">
-                <p:childTnLst>
-                  <p:par>
-                    <p:cTn id="3" fill="hold">
-                      <p:stCondLst>
-                        <p:cond delay="indefinite"/>
-                        <p:cond evt="onBegin" delay="0">
-                          <p:tn val="2"/>
-                        </p:cond>
-                      </p:stCondLst>
-                      <p:childTnLst>
-                        <p:par>
-                          <p:cTn id="4" fill="hold">
-                            <p:stCondLst>
-                              <p:cond delay="0"/>
-                            </p:stCondLst>
-                            <p:childTnLst>
-                              <p:par>
-                                <p:cTn id="5" presetID="12" presetClass="entr" presetSubtype="4" fill="hold" grpId="0" nodeType="afterEffect">
-                                  <p:stCondLst>
-                                    <p:cond delay="0"/>
-                                  </p:stCondLst>
-                                  <p:childTnLst>
-                                    <p:set>
-                                      <p:cBhvr>
-                                        <p:cTn id="6" dur="1" fill="hold">
-                                          <p:stCondLst>
-                                            <p:cond delay="0"/>
-                                          </p:stCondLst>
-                                        </p:cTn>
-                                        <p:tgtEl>
-                                          <p:spTgt spid="9"/>
-                                        </p:tgtEl>
-                                        <p:attrNameLst>
-                                          <p:attrName>style.visibility</p:attrName>
-                                        </p:attrNameLst>
-                                      </p:cBhvr>
-                                      <p:to>
-                                        <p:strVal val="visible"/>
-                                      </p:to>
-                                    </p:set>
-                                    <p:anim calcmode="lin" valueType="num">
-                                      <p:cBhvr additive="base">
-                                        <p:cTn id="7" dur="500"/>
-                                        <p:tgtEl>
-                                          <p:spTgt spid="9"/>
-                                        </p:tgtEl>
-                                        <p:attrNameLst>
-                                          <p:attrName>ppt_y</p:attrName>
-                                        </p:attrNameLst>
-                                      </p:cBhvr>
-                                      <p:tavLst>
-                                        <p:tav tm="0">
-                                          <p:val>
-                                            <p:strVal val="#ppt_y+#ppt_h*1.125000"/>
-                                          </p:val>
-                                        </p:tav>
-                                        <p:tav tm="100000">
-                                          <p:val>
-                                            <p:strVal val="#ppt_y"/>
-                                          </p:val>
-                                        </p:tav>
-                                      </p:tavLst>
-                                    </p:anim>
-                                    <p:animEffect transition="in" filter="wipe(up)">
-                                      <p:cBhvr>
-                                        <p:cTn id="8" dur="500"/>
-                                        <p:tgtEl>
-                                          <p:spTgt spid="9"/>
-                                        </p:tgtEl>
-                                      </p:cBhvr>
-                                    </p:animEffect>
-                                  </p:childTnLst>
-                                </p:cTn>
-                              </p:par>
-                            </p:childTnLst>
-                          </p:cTn>
-                        </p:par>
-                        <p:par>
-                          <p:cTn id="9" fill="hold">
-                            <p:stCondLst>
-                              <p:cond delay="500"/>
-                            </p:stCondLst>
-                            <p:childTnLst>
-                              <p:par>
-                                <p:cTn id="10" presetID="12" presetClass="entr" presetSubtype="4" fill="hold" nodeType="afterEffect">
-                                  <p:stCondLst>
-                                    <p:cond delay="0"/>
-                                  </p:stCondLst>
-                                  <p:childTnLst>
-                                    <p:set>
-                                      <p:cBhvr>
-                                        <p:cTn id="11" dur="1" fill="hold">
-                                          <p:stCondLst>
-                                            <p:cond delay="0"/>
-                                          </p:stCondLst>
-                                        </p:cTn>
-                                        <p:tgtEl>
-                                          <p:spTgt spid="7"/>
-                                        </p:tgtEl>
-                                        <p:attrNameLst>
-                                          <p:attrName>style.visibility</p:attrName>
-                                        </p:attrNameLst>
-                                      </p:cBhvr>
-                                      <p:to>
-                                        <p:strVal val="visible"/>
-                                      </p:to>
-                                    </p:set>
-                                    <p:anim calcmode="lin" valueType="num">
-                                      <p:cBhvr additive="base">
-                                        <p:cTn id="12" dur="500"/>
-                                        <p:tgtEl>
-                                          <p:spTgt spid="7"/>
-                                        </p:tgtEl>
-                                        <p:attrNameLst>
-                                          <p:attrName>ppt_y</p:attrName>
-                                        </p:attrNameLst>
-                                      </p:cBhvr>
-                                      <p:tavLst>
-                                        <p:tav tm="0">
-                                          <p:val>
-                                            <p:strVal val="#ppt_y+#ppt_h*1.125000"/>
-                                          </p:val>
-                                        </p:tav>
-                                        <p:tav tm="100000">
-                                          <p:val>
-                                            <p:strVal val="#ppt_y"/>
-                                          </p:val>
-                                        </p:tav>
-                                      </p:tavLst>
-                                    </p:anim>
-                                    <p:animEffect transition="in" filter="wipe(up)">
-                                      <p:cBhvr>
-                                        <p:cTn id="13" dur="500"/>
-                                        <p:tgtEl>
-                                          <p:spTgt spid="7"/>
-                                        </p:tgtEl>
-                                      </p:cBhvr>
-                                    </p:animEffect>
-                                  </p:childTnLst>
-                                </p:cTn>
-                              </p:par>
-                            </p:childTnLst>
-                          </p:cTn>
-                        </p:par>
-                        <p:par>
-                          <p:cTn id="14" fill="hold">
-                            <p:stCondLst>
-                              <p:cond delay="1000"/>
-                            </p:stCondLst>
-                            <p:childTnLst>
-                              <p:par>
-                                <p:cTn id="15" presetID="12" presetClass="entr" presetSubtype="4" fill="hold" nodeType="afterEffect">
-                                  <p:stCondLst>
-                                    <p:cond delay="0"/>
-                                  </p:stCondLst>
-                                  <p:childTnLst>
-                                    <p:set>
-                                      <p:cBhvr>
-                                        <p:cTn id="16" dur="1" fill="hold">
-                                          <p:stCondLst>
-                                            <p:cond delay="0"/>
-                                          </p:stCondLst>
-                                        </p:cTn>
-                                        <p:tgtEl>
-                                          <p:spTgt spid="3"/>
-                                        </p:tgtEl>
-                                        <p:attrNameLst>
-                                          <p:attrName>style.visibility</p:attrName>
-                                        </p:attrNameLst>
-                                      </p:cBhvr>
-                                      <p:to>
-                                        <p:strVal val="visible"/>
-                                      </p:to>
-                                    </p:set>
-                                    <p:anim calcmode="lin" valueType="num">
-                                      <p:cBhvr additive="base">
-                                        <p:cTn id="17" dur="500"/>
-                                        <p:tgtEl>
-                                          <p:spTgt spid="3"/>
-                                        </p:tgtEl>
-                                        <p:attrNameLst>
-                                          <p:attrName>ppt_y</p:attrName>
-                                        </p:attrNameLst>
-                                      </p:cBhvr>
-                                      <p:tavLst>
-                                        <p:tav tm="0">
-                                          <p:val>
-                                            <p:strVal val="#ppt_y+#ppt_h*1.125000"/>
-                                          </p:val>
-                                        </p:tav>
-                                        <p:tav tm="100000">
-                                          <p:val>
-                                            <p:strVal val="#ppt_y"/>
-                                          </p:val>
-                                        </p:tav>
-                                      </p:tavLst>
-                                    </p:anim>
-                                    <p:animEffect transition="in" filter="wipe(up)">
-                                      <p:cBhvr>
-                                        <p:cTn id="18" dur="500"/>
-                                        <p:tgtEl>
-                                          <p:spTgt spid="3"/>
-                                        </p:tgtEl>
-                                      </p:cBhvr>
-                                    </p:animEffect>
-                                  </p:childTnLst>
-                                </p:cTn>
-                              </p:par>
-                            </p:childTnLst>
-                          </p:cTn>
-                        </p:par>
-                        <p:par>
-                          <p:cTn id="19" fill="hold">
-                            <p:stCondLst>
-                              <p:cond delay="1500"/>
-                            </p:stCondLst>
-                            <p:childTnLst>
-                              <p:par>
-                                <p:cTn id="20" presetID="12" presetClass="entr" presetSubtype="4" fill="hold" nodeType="afterEffect">
-                                  <p:stCondLst>
-                                    <p:cond delay="0"/>
-                                  </p:stCondLst>
-                                  <p:childTnLst>
-                                    <p:set>
-                                      <p:cBhvr>
-                                        <p:cTn id="21" dur="1" fill="hold">
-                                          <p:stCondLst>
-                                            <p:cond delay="0"/>
-                                          </p:stCondLst>
-                                        </p:cTn>
-                                        <p:tgtEl>
-                                          <p:spTgt spid="4"/>
-                                        </p:tgtEl>
-                                        <p:attrNameLst>
-                                          <p:attrName>style.visibility</p:attrName>
-                                        </p:attrNameLst>
-                                      </p:cBhvr>
-                                      <p:to>
-                                        <p:strVal val="visible"/>
-                                      </p:to>
-                                    </p:set>
-                                    <p:anim calcmode="lin" valueType="num">
-                                      <p:cBhvr additive="base">
-                                        <p:cTn id="22" dur="500"/>
-                                        <p:tgtEl>
-                                          <p:spTgt spid="4"/>
-                                        </p:tgtEl>
-                                        <p:attrNameLst>
-                                          <p:attrName>ppt_y</p:attrName>
-                                        </p:attrNameLst>
-                                      </p:cBhvr>
-                                      <p:tavLst>
-                                        <p:tav tm="0">
-                                          <p:val>
-                                            <p:strVal val="#ppt_y+#ppt_h*1.125000"/>
-                                          </p:val>
-                                        </p:tav>
-                                        <p:tav tm="100000">
-                                          <p:val>
-                                            <p:strVal val="#ppt_y"/>
-                                          </p:val>
-                                        </p:tav>
-                                      </p:tavLst>
-                                    </p:anim>
-                                    <p:animEffect transition="in" filter="wipe(up)">
-                                      <p:cBhvr>
-                                        <p:cTn id="23" dur="500"/>
-                                        <p:tgtEl>
-                                          <p:spTgt spid="4"/>
-                                        </p:tgtEl>
-                                      </p:cBhvr>
-                                    </p:animEffect>
-                                  </p:childTnLst>
-                                </p:cTn>
-                              </p:par>
-                            </p:childTnLst>
-                          </p:cTn>
-                        </p:par>
-                        <p:par>
-                          <p:cTn id="24" fill="hold">
-                            <p:stCondLst>
-                              <p:cond delay="2000"/>
-                            </p:stCondLst>
-                            <p:childTnLst>
-                              <p:par>
-                                <p:cTn id="25" presetID="12" presetClass="entr" presetSubtype="4" fill="hold" nodeType="afterEffect">
-                                  <p:stCondLst>
-                                    <p:cond delay="0"/>
-                                  </p:stCondLst>
-                                  <p:childTnLst>
-                                    <p:set>
-                                      <p:cBhvr>
-                                        <p:cTn id="26" dur="1" fill="hold">
-                                          <p:stCondLst>
-                                            <p:cond delay="0"/>
-                                          </p:stCondLst>
-                                        </p:cTn>
-                                        <p:tgtEl>
-                                          <p:spTgt spid="5"/>
-                                        </p:tgtEl>
-                                        <p:attrNameLst>
-                                          <p:attrName>style.visibility</p:attrName>
-                                        </p:attrNameLst>
-                                      </p:cBhvr>
-                                      <p:to>
-                                        <p:strVal val="visible"/>
-                                      </p:to>
-                                    </p:set>
-                                    <p:anim calcmode="lin" valueType="num">
-                                      <p:cBhvr additive="base">
-                                        <p:cTn id="27" dur="500"/>
-                                        <p:tgtEl>
-                                          <p:spTgt spid="5"/>
-                                        </p:tgtEl>
-                                        <p:attrNameLst>
-                                          <p:attrName>ppt_y</p:attrName>
-                                        </p:attrNameLst>
-                                      </p:cBhvr>
-                                      <p:tavLst>
-                                        <p:tav tm="0">
-                                          <p:val>
-                                            <p:strVal val="#ppt_y+#ppt_h*1.125000"/>
-                                          </p:val>
-                                        </p:tav>
-                                        <p:tav tm="100000">
-                                          <p:val>
-                                            <p:strVal val="#ppt_y"/>
-                                          </p:val>
-                                        </p:tav>
-                                      </p:tavLst>
-                                    </p:anim>
-                                    <p:animEffect transition="in" filter="wipe(up)">
-                                      <p:cBhvr>
-                                        <p:cTn id="28" dur="500"/>
-                                        <p:tgtEl>
-                                          <p:spTgt spid="5"/>
-                                        </p:tgtEl>
-                                      </p:cBhvr>
-                                    </p:animEffect>
-                                  </p:childTnLst>
-                                </p:cTn>
-                              </p:par>
-                            </p:childTnLst>
-                          </p:cTn>
-                        </p:par>
-                        <p:par>
-                          <p:cTn id="29" fill="hold">
-                            <p:stCondLst>
-                              <p:cond delay="2500"/>
-                            </p:stCondLst>
-                            <p:childTnLst>
-                              <p:par>
-                                <p:cTn id="30" presetID="12" presetClass="entr" presetSubtype="4" fill="hold" nodeType="afterEffect">
-                                  <p:stCondLst>
-                                    <p:cond delay="0"/>
-                                  </p:stCondLst>
-                                  <p:childTnLst>
-                                    <p:set>
-                                      <p:cBhvr>
-                                        <p:cTn id="31" dur="1" fill="hold">
-                                          <p:stCondLst>
-                                            <p:cond delay="0"/>
-                                          </p:stCondLst>
-                                        </p:cTn>
-                                        <p:tgtEl>
-                                          <p:spTgt spid="6"/>
-                                        </p:tgtEl>
-                                        <p:attrNameLst>
-                                          <p:attrName>style.visibility</p:attrName>
-                                        </p:attrNameLst>
-                                      </p:cBhvr>
-                                      <p:to>
-                                        <p:strVal val="visible"/>
-                                      </p:to>
-                                    </p:set>
-                                    <p:anim calcmode="lin" valueType="num">
-                                      <p:cBhvr additive="base">
-                                        <p:cTn id="32" dur="500"/>
-                                        <p:tgtEl>
-                                          <p:spTgt spid="6"/>
-                                        </p:tgtEl>
-                                        <p:attrNameLst>
-                                          <p:attrName>ppt_y</p:attrName>
-                                        </p:attrNameLst>
-                                      </p:cBhvr>
-                                      <p:tavLst>
-                                        <p:tav tm="0">
-                                          <p:val>
-                                            <p:strVal val="#ppt_y+#ppt_h*1.125000"/>
-                                          </p:val>
-                                        </p:tav>
-                                        <p:tav tm="100000">
-                                          <p:val>
-                                            <p:strVal val="#ppt_y"/>
-                                          </p:val>
-                                        </p:tav>
-                                      </p:tavLst>
-                                    </p:anim>
-                                    <p:animEffect transition="in" filter="wipe(up)">
-                                      <p:cBhvr>
-                                        <p:cTn id="33" dur="500"/>
-                                        <p:tgtEl>
-                                          <p:spTgt spid="6"/>
-                                        </p:tgtEl>
-                                      </p:cBhvr>
-                                    </p:animEffect>
-                                  </p:childTnLst>
-                                </p:cTn>
-                              </p:par>
-                            </p:childTnLst>
-                          </p:cTn>
-                        </p:par>
-                      </p:childTnLst>
-                    </p:cTn>
-                  </p:par>
-                </p:childTnLst>
-              </p:cTn>
-              <p:prevCondLst>
-                <p:cond evt="onPrev" delay="0">
-                  <p:tgtEl>
-                    <p:sldTgt/>
-                  </p:tgtEl>
-                </p:cond>
-              </p:prevCondLst>
-              <p:nextCondLst>
-                <p:cond evt="onNext" delay="0">
-                  <p:tgtEl>
-                    <p:sldTgt/>
-                  </p:tgtEl>
-                </p:cond>
-              </p:nextCondLst>
-            </p:seq>
-          </p:childTnLst>
-        </p:cTn>
-      </p:par>
-    </p:tnLst>
-    <p:bldLst>
-      <p:bldP spid="9" grpId="0"/>
-    </p:bldLst>
-  </p:timing>
 </p:sld>
 </file>
 
-<file path=ppt/slides/slide17.xml><?xml version="1.0" encoding="utf-8"?>
+<file path=ppt/slides/slide22.xml><?xml version="1.0" encoding="utf-8"?>
+<p:sld xmlns:a="http://schemas.openxmlformats.org/drawingml/2006/main" xmlns:r="http://schemas.openxmlformats.org/officeDocument/2006/relationships" xmlns:p="http://schemas.openxmlformats.org/presentationml/2006/main">
+  <p:cSld>
+    <p:spTree>
+      <p:nvGrpSpPr>
+        <p:cNvPr id="1" name=""/>
+        <p:cNvGrpSpPr/>
+        <p:nvPr/>
+      </p:nvGrpSpPr>
+      <p:grpSpPr>
+        <a:xfrm>
+          <a:off x="0" y="0"/>
+          <a:ext cx="0" cy="0"/>
+          <a:chOff x="0" y="0"/>
+          <a:chExt cx="0" cy="0"/>
+        </a:xfrm>
+      </p:grpSpPr>
+      <p:sp>
+        <p:nvSpPr>
+          <p:cNvPr id="2" name="Titolo 1">
+            <a:extLst>
+              <a:ext uri="{FF2B5EF4-FFF2-40B4-BE49-F238E27FC236}">
+                <a16:creationId xmlns:a16="http://schemas.microsoft.com/office/drawing/2014/main" id="{C52A84B7-7A0C-AF76-CB3E-CAC0F7B18247}"/>
+              </a:ext>
+            </a:extLst>
+          </p:cNvPr>
+          <p:cNvSpPr>
+            <a:spLocks noGrp="1"/>
+          </p:cNvSpPr>
+          <p:nvPr>
+            <p:ph type="title"/>
+          </p:nvPr>
+        </p:nvSpPr>
+        <p:spPr/>
+        <p:txBody>
+          <a:bodyPr/>
+          <a:lstStyle/>
+          <a:p>
+            <a:pPr algn="ctr"/>
+            <a:r>
+              <a:rPr lang="it-IT" dirty="0">
+                <a:latin typeface="Century Gothic" panose="020B0502020202020204" pitchFamily="34" charset="0"/>
+              </a:rPr>
+              <a:t>Obiettivi del plugin </a:t>
+            </a:r>
+            <a:r>
+              <a:rPr lang="it-IT" dirty="0" err="1">
+                <a:latin typeface="Century Gothic" panose="020B0502020202020204" pitchFamily="34" charset="0"/>
+              </a:rPr>
+              <a:t>Lua</a:t>
+            </a:r>
+            <a:endParaRPr lang="it-IT" dirty="0">
+              <a:latin typeface="Century Gothic" panose="020B0502020202020204" pitchFamily="34" charset="0"/>
+            </a:endParaRPr>
+          </a:p>
+        </p:txBody>
+      </p:sp>
+      <p:sp>
+        <p:nvSpPr>
+          <p:cNvPr id="10" name="Segnaposto numero diapositiva 9">
+            <a:extLst>
+              <a:ext uri="{FF2B5EF4-FFF2-40B4-BE49-F238E27FC236}">
+                <a16:creationId xmlns:a16="http://schemas.microsoft.com/office/drawing/2014/main" id="{063A5202-1C0C-814D-E781-009F8BC52CFC}"/>
+              </a:ext>
+            </a:extLst>
+          </p:cNvPr>
+          <p:cNvSpPr>
+            <a:spLocks noGrp="1"/>
+          </p:cNvSpPr>
+          <p:nvPr>
+            <p:ph type="sldNum" sz="quarter" idx="12"/>
+          </p:nvPr>
+        </p:nvSpPr>
+        <p:spPr/>
+        <p:txBody>
+          <a:bodyPr/>
+          <a:lstStyle/>
+          <a:p>
+            <a:fld id="{3F24ED9F-0AD1-BB4C-9842-01F95E80AFCD}" type="slidenum">
+              <a:rPr lang="it-IT" smtClean="0"/>
+              <a:t>22</a:t>
+            </a:fld>
+            <a:endParaRPr lang="it-IT" dirty="0"/>
+          </a:p>
+        </p:txBody>
+      </p:sp>
+      <p:sp>
+        <p:nvSpPr>
+          <p:cNvPr id="12" name="Rettangolo 11">
+            <a:extLst>
+              <a:ext uri="{FF2B5EF4-FFF2-40B4-BE49-F238E27FC236}">
+                <a16:creationId xmlns:a16="http://schemas.microsoft.com/office/drawing/2014/main" id="{16114131-5C77-D323-91F2-4E977519BCC3}"/>
+              </a:ext>
+            </a:extLst>
+          </p:cNvPr>
+          <p:cNvSpPr/>
+          <p:nvPr/>
+        </p:nvSpPr>
+        <p:spPr>
+          <a:xfrm rot="5400000" flipH="1">
+            <a:off x="6073140" y="-3836435"/>
+            <a:ext cx="45719" cy="10515602"/>
+          </a:xfrm>
+          <a:prstGeom prst="rect">
+            <a:avLst/>
+          </a:prstGeom>
+          <a:solidFill>
+            <a:srgbClr val="FF0000"/>
+          </a:solidFill>
+        </p:spPr>
+        <p:txBody>
+          <a:bodyPr vert="horz" lIns="91440" tIns="45720" rIns="91440" bIns="45720" rtlCol="0" anchor="ctr">
+            <a:normAutofit/>
+          </a:bodyPr>
+          <a:lstStyle/>
+          <a:p>
+            <a:pPr algn="ctr">
+              <a:lnSpc>
+                <a:spcPct val="90000"/>
+              </a:lnSpc>
+              <a:spcBef>
+                <a:spcPct val="0"/>
+              </a:spcBef>
+            </a:pPr>
+            <a:endParaRPr lang="it-IT" sz="6000" dirty="0">
+              <a:ln>
+                <a:solidFill>
+                  <a:schemeClr val="bg1"/>
+                </a:solidFill>
+              </a:ln>
+              <a:solidFill>
+                <a:schemeClr val="bg1"/>
+              </a:solidFill>
+              <a:effectLst>
+                <a:outerShdw blurRad="50800" dist="38100" dir="5400000" algn="t" rotWithShape="0">
+                  <a:prstClr val="black">
+                    <a:alpha val="40000"/>
+                  </a:prstClr>
+                </a:outerShdw>
+              </a:effectLst>
+              <a:latin typeface="+mj-lt"/>
+              <a:ea typeface="+mj-ea"/>
+              <a:cs typeface="+mj-cs"/>
+            </a:endParaRPr>
+          </a:p>
+        </p:txBody>
+      </p:sp>
+      <p:sp>
+        <p:nvSpPr>
+          <p:cNvPr id="8" name="Rettangolo 7">
+            <a:extLst>
+              <a:ext uri="{FF2B5EF4-FFF2-40B4-BE49-F238E27FC236}">
+                <a16:creationId xmlns:a16="http://schemas.microsoft.com/office/drawing/2014/main" id="{5E58F222-329C-C851-CF7F-26BD0E84C622}"/>
+              </a:ext>
+            </a:extLst>
+          </p:cNvPr>
+          <p:cNvSpPr/>
+          <p:nvPr/>
+        </p:nvSpPr>
+        <p:spPr>
+          <a:xfrm>
+            <a:off x="719647" y="1596317"/>
+            <a:ext cx="6889821" cy="1811896"/>
+          </a:xfrm>
+          <a:prstGeom prst="rect">
+            <a:avLst/>
+          </a:prstGeom>
+          <a:ln>
+            <a:noFill/>
+          </a:ln>
+        </p:spPr>
+        <p:style>
+          <a:lnRef idx="2">
+            <a:schemeClr val="accent6"/>
+          </a:lnRef>
+          <a:fillRef idx="1">
+            <a:schemeClr val="lt1"/>
+          </a:fillRef>
+          <a:effectRef idx="0">
+            <a:schemeClr val="accent6"/>
+          </a:effectRef>
+          <a:fontRef idx="minor">
+            <a:schemeClr val="dk1"/>
+          </a:fontRef>
+        </p:style>
+        <p:txBody>
+          <a:bodyPr rtlCol="0" anchor="ctr"/>
+          <a:lstStyle/>
+          <a:p>
+            <a:pPr algn="ctr"/>
+            <a:endParaRPr lang="it-IT" dirty="0"/>
+          </a:p>
+        </p:txBody>
+      </p:sp>
+      <p:sp>
+        <p:nvSpPr>
+          <p:cNvPr id="4" name="CasellaDiTesto 3">
+            <a:extLst>
+              <a:ext uri="{FF2B5EF4-FFF2-40B4-BE49-F238E27FC236}">
+                <a16:creationId xmlns:a16="http://schemas.microsoft.com/office/drawing/2014/main" id="{0D002019-1B39-8FB7-0753-EF320662377A}"/>
+              </a:ext>
+            </a:extLst>
+          </p:cNvPr>
+          <p:cNvSpPr txBox="1"/>
+          <p:nvPr/>
+        </p:nvSpPr>
+        <p:spPr>
+          <a:xfrm>
+            <a:off x="838198" y="1690688"/>
+            <a:ext cx="7334250" cy="1477328"/>
+          </a:xfrm>
+          <a:prstGeom prst="rect">
+            <a:avLst/>
+          </a:prstGeom>
+          <a:noFill/>
+        </p:spPr>
+        <p:txBody>
+          <a:bodyPr wrap="square">
+            <a:spAutoFit/>
+          </a:bodyPr>
+          <a:lstStyle/>
+          <a:p>
+            <a:pPr algn="l"/>
+            <a:r>
+              <a:rPr lang="it-IT" sz="1800" b="0" i="0" u="none" strike="noStrike" baseline="0" dirty="0">
+                <a:latin typeface="+mj-lt"/>
+              </a:rPr>
+              <a:t>È richiesto il seguente comportamento dal plugin:</a:t>
+            </a:r>
+          </a:p>
+          <a:p>
+            <a:pPr marL="342900" indent="-342900" algn="l">
+              <a:buFont typeface="+mj-lt"/>
+              <a:buAutoNum type="arabicPeriod"/>
+            </a:pPr>
+            <a:r>
+              <a:rPr lang="it-IT" sz="1800" b="0" i="0" u="none" strike="noStrike" baseline="0" dirty="0">
+                <a:latin typeface="+mj-lt"/>
+              </a:rPr>
+              <a:t>Analizzare il token ricevuto</a:t>
+            </a:r>
+          </a:p>
+          <a:p>
+            <a:pPr marL="342900" indent="-342900" algn="l">
+              <a:buFont typeface="+mj-lt"/>
+              <a:buAutoNum type="arabicPeriod"/>
+            </a:pPr>
+            <a:r>
+              <a:rPr lang="it-IT" sz="1800" b="0" i="0" u="none" strike="noStrike" baseline="0" dirty="0">
+                <a:latin typeface="+mj-lt"/>
+              </a:rPr>
+              <a:t>Parse del token</a:t>
+            </a:r>
+          </a:p>
+          <a:p>
+            <a:pPr marL="342900" indent="-342900" algn="l">
+              <a:buFont typeface="+mj-lt"/>
+              <a:buAutoNum type="arabicPeriod"/>
+            </a:pPr>
+            <a:r>
+              <a:rPr lang="it-IT" dirty="0">
+                <a:latin typeface="+mj-lt"/>
+              </a:rPr>
+              <a:t>Inviare una richiesta HTTP al microservizio </a:t>
+            </a:r>
+            <a:r>
+              <a:rPr lang="it-IT" dirty="0" err="1">
+                <a:latin typeface="+mj-lt"/>
+              </a:rPr>
+              <a:t>CheckEmail</a:t>
+            </a:r>
+            <a:endParaRPr lang="it-IT" dirty="0">
+              <a:latin typeface="+mj-lt"/>
+            </a:endParaRPr>
+          </a:p>
+          <a:p>
+            <a:pPr marL="342900" indent="-342900" algn="l">
+              <a:buFont typeface="+mj-lt"/>
+              <a:buAutoNum type="arabicPeriod"/>
+            </a:pPr>
+            <a:r>
+              <a:rPr lang="it-IT" sz="1800" b="0" i="0" u="none" strike="noStrike" baseline="0" dirty="0">
+                <a:solidFill>
+                  <a:schemeClr val="bg1">
+                    <a:lumMod val="85000"/>
+                  </a:schemeClr>
+                </a:solidFill>
+                <a:latin typeface="+mj-lt"/>
+              </a:rPr>
+              <a:t>Ottenere risposta dal microservizio e inoltrarla al Gateway</a:t>
+            </a:r>
+            <a:endParaRPr lang="it-IT" dirty="0">
+              <a:solidFill>
+                <a:schemeClr val="bg1">
+                  <a:lumMod val="85000"/>
+                </a:schemeClr>
+              </a:solidFill>
+              <a:latin typeface="+mj-lt"/>
+            </a:endParaRPr>
+          </a:p>
+        </p:txBody>
+      </p:sp>
+      <p:pic>
+        <p:nvPicPr>
+          <p:cNvPr id="6" name="Immagine 5">
+            <a:extLst>
+              <a:ext uri="{FF2B5EF4-FFF2-40B4-BE49-F238E27FC236}">
+                <a16:creationId xmlns:a16="http://schemas.microsoft.com/office/drawing/2014/main" id="{389593EB-55B7-3255-DDA3-58E0E5C2EB4E}"/>
+              </a:ext>
+            </a:extLst>
+          </p:cNvPr>
+          <p:cNvPicPr>
+            <a:picLocks noChangeAspect="1"/>
+          </p:cNvPicPr>
+          <p:nvPr/>
+        </p:nvPicPr>
+        <p:blipFill>
+          <a:blip r:embed="rId3"/>
+          <a:stretch>
+            <a:fillRect/>
+          </a:stretch>
+        </p:blipFill>
+        <p:spPr>
+          <a:xfrm>
+            <a:off x="2121825" y="3815747"/>
+            <a:ext cx="7948349" cy="754445"/>
+          </a:xfrm>
+          <a:prstGeom prst="rect">
+            <a:avLst/>
+          </a:prstGeom>
+        </p:spPr>
+      </p:pic>
+    </p:spTree>
+    <p:extLst>
+      <p:ext uri="{BB962C8B-B14F-4D97-AF65-F5344CB8AC3E}">
+        <p14:creationId xmlns:p14="http://schemas.microsoft.com/office/powerpoint/2010/main" val="2101276241"/>
+      </p:ext>
+    </p:extLst>
+  </p:cSld>
+  <p:clrMapOvr>
+    <a:masterClrMapping/>
+  </p:clrMapOvr>
+  <mc:AlternateContent xmlns:mc="http://schemas.openxmlformats.org/markup-compatibility/2006">
+    <mc:Choice xmlns:p159="http://schemas.microsoft.com/office/powerpoint/2015/09/main" Requires="p159">
+      <p:transition spd="slow">
+        <p159:morph option="byObject"/>
+      </p:transition>
+    </mc:Choice>
+    <mc:Fallback>
+      <p:transition spd="slow">
+        <p:fade/>
+      </p:transition>
+    </mc:Fallback>
+  </mc:AlternateContent>
+</p:sld>
+</file>
+
+<file path=ppt/slides/slide23.xml><?xml version="1.0" encoding="utf-8"?>
+<p:sld xmlns:a="http://schemas.openxmlformats.org/drawingml/2006/main" xmlns:r="http://schemas.openxmlformats.org/officeDocument/2006/relationships" xmlns:p="http://schemas.openxmlformats.org/presentationml/2006/main">
+  <p:cSld>
+    <p:spTree>
+      <p:nvGrpSpPr>
+        <p:cNvPr id="1" name=""/>
+        <p:cNvGrpSpPr/>
+        <p:nvPr/>
+      </p:nvGrpSpPr>
+      <p:grpSpPr>
+        <a:xfrm>
+          <a:off x="0" y="0"/>
+          <a:ext cx="0" cy="0"/>
+          <a:chOff x="0" y="0"/>
+          <a:chExt cx="0" cy="0"/>
+        </a:xfrm>
+      </p:grpSpPr>
+      <p:sp>
+        <p:nvSpPr>
+          <p:cNvPr id="2" name="Titolo 1">
+            <a:extLst>
+              <a:ext uri="{FF2B5EF4-FFF2-40B4-BE49-F238E27FC236}">
+                <a16:creationId xmlns:a16="http://schemas.microsoft.com/office/drawing/2014/main" id="{C52A84B7-7A0C-AF76-CB3E-CAC0F7B18247}"/>
+              </a:ext>
+            </a:extLst>
+          </p:cNvPr>
+          <p:cNvSpPr>
+            <a:spLocks noGrp="1"/>
+          </p:cNvSpPr>
+          <p:nvPr>
+            <p:ph type="title"/>
+          </p:nvPr>
+        </p:nvSpPr>
+        <p:spPr/>
+        <p:txBody>
+          <a:bodyPr/>
+          <a:lstStyle/>
+          <a:p>
+            <a:pPr algn="ctr"/>
+            <a:r>
+              <a:rPr lang="it-IT" dirty="0">
+                <a:latin typeface="Century Gothic" panose="020B0502020202020204" pitchFamily="34" charset="0"/>
+              </a:rPr>
+              <a:t>Obiettivi del plugin </a:t>
+            </a:r>
+            <a:r>
+              <a:rPr lang="it-IT" dirty="0" err="1">
+                <a:latin typeface="Century Gothic" panose="020B0502020202020204" pitchFamily="34" charset="0"/>
+              </a:rPr>
+              <a:t>Lua</a:t>
+            </a:r>
+            <a:endParaRPr lang="it-IT" dirty="0">
+              <a:latin typeface="Century Gothic" panose="020B0502020202020204" pitchFamily="34" charset="0"/>
+            </a:endParaRPr>
+          </a:p>
+        </p:txBody>
+      </p:sp>
+      <p:sp>
+        <p:nvSpPr>
+          <p:cNvPr id="10" name="Segnaposto numero diapositiva 9">
+            <a:extLst>
+              <a:ext uri="{FF2B5EF4-FFF2-40B4-BE49-F238E27FC236}">
+                <a16:creationId xmlns:a16="http://schemas.microsoft.com/office/drawing/2014/main" id="{063A5202-1C0C-814D-E781-009F8BC52CFC}"/>
+              </a:ext>
+            </a:extLst>
+          </p:cNvPr>
+          <p:cNvSpPr>
+            <a:spLocks noGrp="1"/>
+          </p:cNvSpPr>
+          <p:nvPr>
+            <p:ph type="sldNum" sz="quarter" idx="12"/>
+          </p:nvPr>
+        </p:nvSpPr>
+        <p:spPr/>
+        <p:txBody>
+          <a:bodyPr/>
+          <a:lstStyle/>
+          <a:p>
+            <a:fld id="{3F24ED9F-0AD1-BB4C-9842-01F95E80AFCD}" type="slidenum">
+              <a:rPr lang="it-IT" smtClean="0"/>
+              <a:t>23</a:t>
+            </a:fld>
+            <a:endParaRPr lang="it-IT" dirty="0"/>
+          </a:p>
+        </p:txBody>
+      </p:sp>
+      <p:sp>
+        <p:nvSpPr>
+          <p:cNvPr id="12" name="Rettangolo 11">
+            <a:extLst>
+              <a:ext uri="{FF2B5EF4-FFF2-40B4-BE49-F238E27FC236}">
+                <a16:creationId xmlns:a16="http://schemas.microsoft.com/office/drawing/2014/main" id="{16114131-5C77-D323-91F2-4E977519BCC3}"/>
+              </a:ext>
+            </a:extLst>
+          </p:cNvPr>
+          <p:cNvSpPr/>
+          <p:nvPr/>
+        </p:nvSpPr>
+        <p:spPr>
+          <a:xfrm rot="5400000" flipH="1">
+            <a:off x="6073140" y="-3836435"/>
+            <a:ext cx="45719" cy="10515602"/>
+          </a:xfrm>
+          <a:prstGeom prst="rect">
+            <a:avLst/>
+          </a:prstGeom>
+          <a:solidFill>
+            <a:srgbClr val="FF0000"/>
+          </a:solidFill>
+        </p:spPr>
+        <p:txBody>
+          <a:bodyPr vert="horz" lIns="91440" tIns="45720" rIns="91440" bIns="45720" rtlCol="0" anchor="ctr">
+            <a:normAutofit/>
+          </a:bodyPr>
+          <a:lstStyle/>
+          <a:p>
+            <a:pPr algn="ctr">
+              <a:lnSpc>
+                <a:spcPct val="90000"/>
+              </a:lnSpc>
+              <a:spcBef>
+                <a:spcPct val="0"/>
+              </a:spcBef>
+            </a:pPr>
+            <a:endParaRPr lang="it-IT" sz="6000" dirty="0">
+              <a:ln>
+                <a:solidFill>
+                  <a:schemeClr val="bg1"/>
+                </a:solidFill>
+              </a:ln>
+              <a:solidFill>
+                <a:schemeClr val="bg1"/>
+              </a:solidFill>
+              <a:effectLst>
+                <a:outerShdw blurRad="50800" dist="38100" dir="5400000" algn="t" rotWithShape="0">
+                  <a:prstClr val="black">
+                    <a:alpha val="40000"/>
+                  </a:prstClr>
+                </a:outerShdw>
+              </a:effectLst>
+              <a:latin typeface="+mj-lt"/>
+              <a:ea typeface="+mj-ea"/>
+              <a:cs typeface="+mj-cs"/>
+            </a:endParaRPr>
+          </a:p>
+        </p:txBody>
+      </p:sp>
+      <p:sp>
+        <p:nvSpPr>
+          <p:cNvPr id="8" name="Rettangolo 7">
+            <a:extLst>
+              <a:ext uri="{FF2B5EF4-FFF2-40B4-BE49-F238E27FC236}">
+                <a16:creationId xmlns:a16="http://schemas.microsoft.com/office/drawing/2014/main" id="{5E58F222-329C-C851-CF7F-26BD0E84C622}"/>
+              </a:ext>
+            </a:extLst>
+          </p:cNvPr>
+          <p:cNvSpPr/>
+          <p:nvPr/>
+        </p:nvSpPr>
+        <p:spPr>
+          <a:xfrm>
+            <a:off x="719647" y="1596317"/>
+            <a:ext cx="6889821" cy="1811896"/>
+          </a:xfrm>
+          <a:prstGeom prst="rect">
+            <a:avLst/>
+          </a:prstGeom>
+          <a:ln>
+            <a:noFill/>
+          </a:ln>
+        </p:spPr>
+        <p:style>
+          <a:lnRef idx="2">
+            <a:schemeClr val="accent6"/>
+          </a:lnRef>
+          <a:fillRef idx="1">
+            <a:schemeClr val="lt1"/>
+          </a:fillRef>
+          <a:effectRef idx="0">
+            <a:schemeClr val="accent6"/>
+          </a:effectRef>
+          <a:fontRef idx="minor">
+            <a:schemeClr val="dk1"/>
+          </a:fontRef>
+        </p:style>
+        <p:txBody>
+          <a:bodyPr rtlCol="0" anchor="ctr"/>
+          <a:lstStyle/>
+          <a:p>
+            <a:pPr algn="ctr"/>
+            <a:endParaRPr lang="it-IT" dirty="0"/>
+          </a:p>
+        </p:txBody>
+      </p:sp>
+      <p:sp>
+        <p:nvSpPr>
+          <p:cNvPr id="4" name="CasellaDiTesto 3">
+            <a:extLst>
+              <a:ext uri="{FF2B5EF4-FFF2-40B4-BE49-F238E27FC236}">
+                <a16:creationId xmlns:a16="http://schemas.microsoft.com/office/drawing/2014/main" id="{0D002019-1B39-8FB7-0753-EF320662377A}"/>
+              </a:ext>
+            </a:extLst>
+          </p:cNvPr>
+          <p:cNvSpPr txBox="1"/>
+          <p:nvPr/>
+        </p:nvSpPr>
+        <p:spPr>
+          <a:xfrm>
+            <a:off x="838198" y="1690688"/>
+            <a:ext cx="7334250" cy="1477328"/>
+          </a:xfrm>
+          <a:prstGeom prst="rect">
+            <a:avLst/>
+          </a:prstGeom>
+          <a:noFill/>
+        </p:spPr>
+        <p:txBody>
+          <a:bodyPr wrap="square">
+            <a:spAutoFit/>
+          </a:bodyPr>
+          <a:lstStyle/>
+          <a:p>
+            <a:pPr algn="l"/>
+            <a:r>
+              <a:rPr lang="it-IT" sz="1800" b="0" i="0" u="none" strike="noStrike" baseline="0" dirty="0">
+                <a:latin typeface="+mj-lt"/>
+              </a:rPr>
+              <a:t>È richiesto il seguente comportamento dal plugin:</a:t>
+            </a:r>
+          </a:p>
+          <a:p>
+            <a:pPr marL="342900" indent="-342900" algn="l">
+              <a:buFont typeface="+mj-lt"/>
+              <a:buAutoNum type="arabicPeriod"/>
+            </a:pPr>
+            <a:r>
+              <a:rPr lang="it-IT" sz="1800" b="0" i="0" u="none" strike="noStrike" baseline="0" dirty="0">
+                <a:latin typeface="+mj-lt"/>
+              </a:rPr>
+              <a:t>Analizzare il token ricevuto</a:t>
+            </a:r>
+          </a:p>
+          <a:p>
+            <a:pPr marL="342900" indent="-342900" algn="l">
+              <a:buFont typeface="+mj-lt"/>
+              <a:buAutoNum type="arabicPeriod"/>
+            </a:pPr>
+            <a:r>
+              <a:rPr lang="it-IT" sz="1800" b="0" i="0" u="none" strike="noStrike" baseline="0" dirty="0">
+                <a:latin typeface="+mj-lt"/>
+              </a:rPr>
+              <a:t>Parse del token</a:t>
+            </a:r>
+          </a:p>
+          <a:p>
+            <a:pPr marL="342900" indent="-342900" algn="l">
+              <a:buFont typeface="+mj-lt"/>
+              <a:buAutoNum type="arabicPeriod"/>
+            </a:pPr>
+            <a:r>
+              <a:rPr lang="it-IT" dirty="0">
+                <a:latin typeface="+mj-lt"/>
+              </a:rPr>
+              <a:t>Inviare una richiesta HTTP al microservizio </a:t>
+            </a:r>
+            <a:r>
+              <a:rPr lang="it-IT" dirty="0" err="1">
+                <a:latin typeface="+mj-lt"/>
+              </a:rPr>
+              <a:t>CheckEmail</a:t>
+            </a:r>
+            <a:endParaRPr lang="it-IT" dirty="0">
+              <a:latin typeface="+mj-lt"/>
+            </a:endParaRPr>
+          </a:p>
+          <a:p>
+            <a:pPr marL="342900" indent="-342900" algn="l">
+              <a:buFont typeface="+mj-lt"/>
+              <a:buAutoNum type="arabicPeriod"/>
+            </a:pPr>
+            <a:r>
+              <a:rPr lang="it-IT" sz="1800" b="0" i="0" u="none" strike="noStrike" baseline="0" dirty="0">
+                <a:latin typeface="+mj-lt"/>
+              </a:rPr>
+              <a:t>Ottenere risposta dal microservizio e inoltrarla al Gateway</a:t>
+            </a:r>
+            <a:endParaRPr lang="it-IT" dirty="0">
+              <a:latin typeface="+mj-lt"/>
+            </a:endParaRPr>
+          </a:p>
+        </p:txBody>
+      </p:sp>
+      <p:pic>
+        <p:nvPicPr>
+          <p:cNvPr id="5" name="Immagine 4">
+            <a:extLst>
+              <a:ext uri="{FF2B5EF4-FFF2-40B4-BE49-F238E27FC236}">
+                <a16:creationId xmlns:a16="http://schemas.microsoft.com/office/drawing/2014/main" id="{136CC9B4-B120-8708-CF80-0A284CC6C9C2}"/>
+              </a:ext>
+            </a:extLst>
+          </p:cNvPr>
+          <p:cNvPicPr>
+            <a:picLocks noChangeAspect="1"/>
+          </p:cNvPicPr>
+          <p:nvPr/>
+        </p:nvPicPr>
+        <p:blipFill>
+          <a:blip r:embed="rId3"/>
+          <a:stretch>
+            <a:fillRect/>
+          </a:stretch>
+        </p:blipFill>
+        <p:spPr>
+          <a:xfrm>
+            <a:off x="3242062" y="3428999"/>
+            <a:ext cx="5707875" cy="1996613"/>
+          </a:xfrm>
+          <a:prstGeom prst="rect">
+            <a:avLst/>
+          </a:prstGeom>
+        </p:spPr>
+      </p:pic>
+    </p:spTree>
+    <p:extLst>
+      <p:ext uri="{BB962C8B-B14F-4D97-AF65-F5344CB8AC3E}">
+        <p14:creationId xmlns:p14="http://schemas.microsoft.com/office/powerpoint/2010/main" val="1291989907"/>
+      </p:ext>
+    </p:extLst>
+  </p:cSld>
+  <p:clrMapOvr>
+    <a:masterClrMapping/>
+  </p:clrMapOvr>
+  <mc:AlternateContent xmlns:mc="http://schemas.openxmlformats.org/markup-compatibility/2006">
+    <mc:Choice xmlns:p159="http://schemas.microsoft.com/office/powerpoint/2015/09/main" Requires="p159">
+      <p:transition spd="slow">
+        <p159:morph option="byObject"/>
+      </p:transition>
+    </mc:Choice>
+    <mc:Fallback>
+      <p:transition spd="slow">
+        <p:fade/>
+      </p:transition>
+    </mc:Fallback>
+  </mc:AlternateContent>
+</p:sld>
+</file>
+
+<file path=ppt/slides/slide24.xml><?xml version="1.0" encoding="utf-8"?>
 <p:sld xmlns:a="http://schemas.openxmlformats.org/drawingml/2006/main" xmlns:r="http://schemas.openxmlformats.org/officeDocument/2006/relationships" xmlns:p="http://schemas.openxmlformats.org/presentationml/2006/main">
   <p:cSld>
     <p:spTree>
@@ -8504,13 +10457,13 @@
   <p:clrMapOvr>
     <a:masterClrMapping/>
   </p:clrMapOvr>
-  <mc:AlternateContent xmlns:mc="http://schemas.openxmlformats.org/markup-compatibility/2006">
-    <mc:Choice xmlns:p159="http://schemas.microsoft.com/office/powerpoint/2015/09/main" Requires="p159">
+  <mc:AlternateContent xmlns:mc="http://schemas.openxmlformats.org/markup-compatibility/2006" xmlns:p159="http://schemas.microsoft.com/office/powerpoint/2015/09/main">
+    <mc:Choice Requires="p159">
       <p:transition spd="slow">
         <p159:morph option="byObject"/>
       </p:transition>
     </mc:Choice>
-    <mc:Fallback>
+    <mc:Fallback xmlns="">
       <p:transition spd="slow">
         <p:fade/>
       </p:transition>
@@ -8519,7 +10472,7 @@
 </p:sld>
 </file>
 
-<file path=ppt/slides/slide18.xml><?xml version="1.0" encoding="utf-8"?>
+<file path=ppt/slides/slide25.xml><?xml version="1.0" encoding="utf-8"?>
 <p:sld xmlns:a="http://schemas.openxmlformats.org/drawingml/2006/main" xmlns:r="http://schemas.openxmlformats.org/officeDocument/2006/relationships" xmlns:p="http://schemas.openxmlformats.org/presentationml/2006/main">
   <p:cSld>
     <p:spTree>
@@ -8557,198 +10510,12 @@
           <a:bodyPr/>
           <a:lstStyle/>
           <a:p>
+            <a:pPr algn="ctr"/>
             <a:r>
               <a:rPr lang="it-IT" dirty="0">
                 <a:latin typeface="Century Gothic" panose="020B0502020202020204" pitchFamily="34" charset="0"/>
               </a:rPr>
-              <a:t>Microsoft Azure DevOps</a:t>
-            </a:r>
-          </a:p>
-        </p:txBody>
-      </p:sp>
-      <p:pic>
-        <p:nvPicPr>
-          <p:cNvPr id="3" name="Immagine 2">
-            <a:extLst>
-              <a:ext uri="{FF2B5EF4-FFF2-40B4-BE49-F238E27FC236}">
-                <a16:creationId xmlns:a16="http://schemas.microsoft.com/office/drawing/2014/main" id="{4334E3B8-3C82-72A9-07B7-222AA5EA4F21}"/>
-              </a:ext>
-            </a:extLst>
-          </p:cNvPr>
-          <p:cNvPicPr>
-            <a:picLocks noChangeAspect="1"/>
-          </p:cNvPicPr>
-          <p:nvPr/>
-        </p:nvPicPr>
-        <p:blipFill>
-          <a:blip r:embed="rId3"/>
-          <a:stretch>
-            <a:fillRect/>
-          </a:stretch>
-        </p:blipFill>
-        <p:spPr>
-          <a:xfrm>
-            <a:off x="3743728" y="4231075"/>
-            <a:ext cx="1576429" cy="1868068"/>
-          </a:xfrm>
-          <a:prstGeom prst="rect">
-            <a:avLst/>
-          </a:prstGeom>
-        </p:spPr>
-      </p:pic>
-      <p:pic>
-        <p:nvPicPr>
-          <p:cNvPr id="4" name="Immagine 3">
-            <a:extLst>
-              <a:ext uri="{FF2B5EF4-FFF2-40B4-BE49-F238E27FC236}">
-                <a16:creationId xmlns:a16="http://schemas.microsoft.com/office/drawing/2014/main" id="{38674238-B1EA-AA10-8330-35DF1F118BDF}"/>
-              </a:ext>
-            </a:extLst>
-          </p:cNvPr>
-          <p:cNvPicPr>
-            <a:picLocks noChangeAspect="1"/>
-          </p:cNvPicPr>
-          <p:nvPr/>
-        </p:nvPicPr>
-        <p:blipFill>
-          <a:blip r:embed="rId4"/>
-          <a:stretch>
-            <a:fillRect/>
-          </a:stretch>
-        </p:blipFill>
-        <p:spPr>
-          <a:xfrm>
-            <a:off x="5553037" y="4231075"/>
-            <a:ext cx="1576429" cy="1868068"/>
-          </a:xfrm>
-          <a:prstGeom prst="rect">
-            <a:avLst/>
-          </a:prstGeom>
-        </p:spPr>
-      </p:pic>
-      <p:pic>
-        <p:nvPicPr>
-          <p:cNvPr id="5" name="Immagine 4">
-            <a:extLst>
-              <a:ext uri="{FF2B5EF4-FFF2-40B4-BE49-F238E27FC236}">
-                <a16:creationId xmlns:a16="http://schemas.microsoft.com/office/drawing/2014/main" id="{EC9E1A5B-4A8F-4D12-2843-195331DFDB0F}"/>
-              </a:ext>
-            </a:extLst>
-          </p:cNvPr>
-          <p:cNvPicPr>
-            <a:picLocks noChangeAspect="1"/>
-          </p:cNvPicPr>
-          <p:nvPr/>
-        </p:nvPicPr>
-        <p:blipFill>
-          <a:blip r:embed="rId5"/>
-          <a:stretch>
-            <a:fillRect/>
-          </a:stretch>
-        </p:blipFill>
-        <p:spPr>
-          <a:xfrm>
-            <a:off x="7362346" y="4231075"/>
-            <a:ext cx="1576429" cy="1868068"/>
-          </a:xfrm>
-          <a:prstGeom prst="rect">
-            <a:avLst/>
-          </a:prstGeom>
-        </p:spPr>
-      </p:pic>
-      <p:pic>
-        <p:nvPicPr>
-          <p:cNvPr id="6" name="Immagine 5">
-            <a:extLst>
-              <a:ext uri="{FF2B5EF4-FFF2-40B4-BE49-F238E27FC236}">
-                <a16:creationId xmlns:a16="http://schemas.microsoft.com/office/drawing/2014/main" id="{6DB33E2E-A622-72F3-8E27-6CE9A0FD6A06}"/>
-              </a:ext>
-            </a:extLst>
-          </p:cNvPr>
-          <p:cNvPicPr>
-            <a:picLocks noChangeAspect="1"/>
-          </p:cNvPicPr>
-          <p:nvPr/>
-        </p:nvPicPr>
-        <p:blipFill>
-          <a:blip r:embed="rId6"/>
-          <a:stretch>
-            <a:fillRect/>
-          </a:stretch>
-        </p:blipFill>
-        <p:spPr>
-          <a:xfrm>
-            <a:off x="9171655" y="4231074"/>
-            <a:ext cx="1576429" cy="1868068"/>
-          </a:xfrm>
-          <a:prstGeom prst="rect">
-            <a:avLst/>
-          </a:prstGeom>
-        </p:spPr>
-      </p:pic>
-      <p:pic>
-        <p:nvPicPr>
-          <p:cNvPr id="7" name="Immagine 6">
-            <a:extLst>
-              <a:ext uri="{FF2B5EF4-FFF2-40B4-BE49-F238E27FC236}">
-                <a16:creationId xmlns:a16="http://schemas.microsoft.com/office/drawing/2014/main" id="{828B1BF3-4434-CDAA-DAFB-D005FD2F7A69}"/>
-              </a:ext>
-            </a:extLst>
-          </p:cNvPr>
-          <p:cNvPicPr>
-            <a:picLocks noChangeAspect="1"/>
-          </p:cNvPicPr>
-          <p:nvPr/>
-        </p:nvPicPr>
-        <p:blipFill>
-          <a:blip r:embed="rId7"/>
-          <a:stretch>
-            <a:fillRect/>
-          </a:stretch>
-        </p:blipFill>
-        <p:spPr>
-          <a:xfrm>
-            <a:off x="1934419" y="4231075"/>
-            <a:ext cx="1576429" cy="1868068"/>
-          </a:xfrm>
-          <a:prstGeom prst="rect">
-            <a:avLst/>
-          </a:prstGeom>
-        </p:spPr>
-      </p:pic>
-      <p:sp>
-        <p:nvSpPr>
-          <p:cNvPr id="9" name="CasellaDiTesto 8">
-            <a:extLst>
-              <a:ext uri="{FF2B5EF4-FFF2-40B4-BE49-F238E27FC236}">
-                <a16:creationId xmlns:a16="http://schemas.microsoft.com/office/drawing/2014/main" id="{8E402CED-CFBF-C684-F215-2B562A158DA9}"/>
-              </a:ext>
-            </a:extLst>
-          </p:cNvPr>
-          <p:cNvSpPr txBox="1"/>
-          <p:nvPr/>
-        </p:nvSpPr>
-        <p:spPr>
-          <a:xfrm>
-            <a:off x="838200" y="3393561"/>
-            <a:ext cx="4400372" cy="369332"/>
-          </a:xfrm>
-          <a:prstGeom prst="rect">
-            <a:avLst/>
-          </a:prstGeom>
-          <a:noFill/>
-        </p:spPr>
-        <p:txBody>
-          <a:bodyPr wrap="square">
-            <a:spAutoFit/>
-          </a:bodyPr>
-          <a:lstStyle/>
-          <a:p>
-            <a:r>
-              <a:rPr lang="it-IT" dirty="0">
-                <a:latin typeface="Century Gothic" panose="020B0502020202020204" pitchFamily="34" charset="0"/>
-              </a:rPr>
-              <a:t>I servizi che Azure DevOps offre sono:</a:t>
+              <a:t>Script di configurazione</a:t>
             </a:r>
           </a:p>
         </p:txBody>
@@ -8776,7 +10543,7 @@
           <a:p>
             <a:fld id="{3F24ED9F-0AD1-BB4C-9842-01F95E80AFCD}" type="slidenum">
               <a:rPr lang="it-IT" smtClean="0"/>
-              <a:t>18</a:t>
+              <a:t>25</a:t>
             </a:fld>
             <a:endParaRPr lang="it-IT" dirty="0"/>
           </a:p>
@@ -8857,8 +10624,8 @@
         </p:nvSpPr>
         <p:spPr>
           <a:xfrm>
-            <a:off x="719647" y="1596317"/>
-            <a:ext cx="6889821" cy="1811896"/>
+            <a:off x="838199" y="1596317"/>
+            <a:ext cx="10515601" cy="2318458"/>
           </a:xfrm>
           <a:prstGeom prst="rect">
             <a:avLst/>
@@ -8885,51 +10652,142 @@
           <a:bodyPr rtlCol="0" anchor="ctr"/>
           <a:lstStyle/>
           <a:p>
-            <a:pPr algn="ctr"/>
-            <a:endParaRPr lang="it-IT" dirty="0"/>
-          </a:p>
-        </p:txBody>
-      </p:sp>
-      <p:sp>
-        <p:nvSpPr>
-          <p:cNvPr id="25" name="Segnaposto contenuto 2">
-            <a:extLst>
-              <a:ext uri="{FF2B5EF4-FFF2-40B4-BE49-F238E27FC236}">
-                <a16:creationId xmlns:a16="http://schemas.microsoft.com/office/drawing/2014/main" id="{406C0203-233E-FEC2-B340-1DE5263F6DE4}"/>
-              </a:ext>
-            </a:extLst>
-          </p:cNvPr>
-          <p:cNvSpPr>
-            <a:spLocks noGrp="1"/>
-          </p:cNvSpPr>
-          <p:nvPr>
-            <p:ph idx="1"/>
-          </p:nvPr>
-        </p:nvSpPr>
+            <a:pPr algn="l"/>
+            <a:r>
+              <a:rPr lang="it-IT" sz="1800" b="0" i="0" u="none" strike="noStrike" baseline="0" dirty="0">
+                <a:latin typeface="+mj-lt"/>
+              </a:rPr>
+              <a:t>Tutta la configurazione è effettuata tramite lo script </a:t>
+            </a:r>
+            <a:r>
+              <a:rPr lang="it-IT" sz="1800" b="0" i="0" u="none" strike="noStrike" baseline="0" dirty="0" err="1">
+                <a:latin typeface="+mj-lt"/>
+              </a:rPr>
+              <a:t>bash</a:t>
+            </a:r>
+            <a:r>
+              <a:rPr lang="it-IT" sz="1800" b="0" i="0" u="none" strike="noStrike" baseline="0" dirty="0">
+                <a:latin typeface="+mj-lt"/>
+              </a:rPr>
+              <a:t> </a:t>
+            </a:r>
+            <a:r>
+              <a:rPr lang="it-IT" sz="1800" b="0" i="0" u="none" strike="noStrike" baseline="0" dirty="0" err="1">
+                <a:latin typeface="Consolas" panose="020B0609020204030204" pitchFamily="49" charset="0"/>
+              </a:rPr>
+              <a:t>addplugin</a:t>
+            </a:r>
+            <a:r>
+              <a:rPr lang="it-IT" sz="1800" b="0" i="0" u="none" strike="noStrike" baseline="0" dirty="0">
+                <a:latin typeface="+mj-lt"/>
+              </a:rPr>
+              <a:t> che</a:t>
+            </a:r>
+          </a:p>
+          <a:p>
+            <a:pPr algn="l"/>
+            <a:r>
+              <a:rPr lang="it-IT" sz="1800" b="0" i="0" u="none" strike="noStrike" baseline="0" dirty="0">
+                <a:latin typeface="+mj-lt"/>
+              </a:rPr>
+              <a:t>ha i seguenti compiti:</a:t>
+            </a:r>
+          </a:p>
+          <a:p>
+            <a:pPr marL="342900" indent="-342900" algn="l">
+              <a:buFont typeface="+mj-lt"/>
+              <a:buAutoNum type="arabicPeriod"/>
+            </a:pPr>
+            <a:r>
+              <a:rPr lang="it-IT" sz="1800" b="0" i="0" u="none" strike="noStrike" baseline="0" dirty="0">
+                <a:latin typeface="+mj-lt"/>
+              </a:rPr>
+              <a:t>Avviare il container</a:t>
+            </a:r>
+          </a:p>
+          <a:p>
+            <a:pPr marL="342900" indent="-342900" algn="l">
+              <a:buFont typeface="+mj-lt"/>
+              <a:buAutoNum type="arabicPeriod"/>
+            </a:pPr>
+            <a:r>
+              <a:rPr lang="it-IT" sz="1800" b="0" i="0" u="none" strike="noStrike" baseline="0" dirty="0">
+                <a:latin typeface="+mj-lt"/>
+              </a:rPr>
+              <a:t>Copiare al suo interno i file relativi ai plugin custom</a:t>
+            </a:r>
+          </a:p>
+          <a:p>
+            <a:pPr marL="342900" indent="-342900" algn="l">
+              <a:buFont typeface="+mj-lt"/>
+              <a:buAutoNum type="arabicPeriod"/>
+            </a:pPr>
+            <a:r>
+              <a:rPr lang="it-IT" sz="1800" b="0" i="0" u="none" strike="noStrike" baseline="0" dirty="0">
+                <a:latin typeface="+mj-lt"/>
+              </a:rPr>
+              <a:t>Riavviare il container (per consentire la lettura dei file dei plugin caricati)</a:t>
+            </a:r>
+          </a:p>
+          <a:p>
+            <a:pPr marL="342900" indent="-342900" algn="l">
+              <a:buFont typeface="+mj-lt"/>
+              <a:buAutoNum type="arabicPeriod"/>
+            </a:pPr>
+            <a:r>
+              <a:rPr lang="it-IT" sz="1800" b="0" i="0" u="none" strike="noStrike" baseline="0" dirty="0">
+                <a:latin typeface="+mj-lt"/>
+              </a:rPr>
+              <a:t>Eseguire il comando </a:t>
+            </a:r>
+            <a:r>
+              <a:rPr lang="it-IT" sz="1800" b="0" i="0" u="none" strike="noStrike" baseline="0" dirty="0" err="1">
+                <a:latin typeface="Consolas" panose="020B0609020204030204" pitchFamily="49" charset="0"/>
+              </a:rPr>
+              <a:t>curl</a:t>
+            </a:r>
+            <a:r>
+              <a:rPr lang="it-IT" sz="1800" b="0" i="0" u="none" strike="noStrike" baseline="0" dirty="0">
+                <a:latin typeface="+mj-lt"/>
+              </a:rPr>
+              <a:t> per tutti i file JSON presenti relativi a tutte le altre configurazioni necessarie</a:t>
+            </a:r>
+            <a:endParaRPr lang="it-IT" dirty="0">
+              <a:latin typeface="+mj-lt"/>
+            </a:endParaRPr>
+          </a:p>
+        </p:txBody>
+      </p:sp>
+      <p:pic>
+        <p:nvPicPr>
+          <p:cNvPr id="15" name="Immagine 14">
+            <a:extLst>
+              <a:ext uri="{FF2B5EF4-FFF2-40B4-BE49-F238E27FC236}">
+                <a16:creationId xmlns:a16="http://schemas.microsoft.com/office/drawing/2014/main" id="{6A2010CF-A8E2-C11C-7327-D65CD892E5C6}"/>
+              </a:ext>
+            </a:extLst>
+          </p:cNvPr>
+          <p:cNvPicPr>
+            <a:picLocks noChangeAspect="1"/>
+          </p:cNvPicPr>
+          <p:nvPr/>
+        </p:nvPicPr>
+        <p:blipFill>
+          <a:blip r:embed="rId3"/>
+          <a:stretch>
+            <a:fillRect/>
+          </a:stretch>
+        </p:blipFill>
         <p:spPr>
           <a:xfrm>
-            <a:off x="838200" y="2152976"/>
-            <a:ext cx="6889821" cy="863276"/>
+            <a:off x="2247565" y="4040426"/>
+            <a:ext cx="7696867" cy="1806097"/>
           </a:xfrm>
+          <a:prstGeom prst="rect">
+            <a:avLst/>
+          </a:prstGeom>
         </p:spPr>
-        <p:txBody>
-          <a:bodyPr>
-            <a:normAutofit fontScale="92500"/>
-          </a:bodyPr>
-          <a:lstStyle/>
-          <a:p>
-            <a:pPr marL="0" indent="0">
-              <a:buNone/>
-            </a:pPr>
-            <a:r>
-              <a:rPr lang="it-IT" dirty="0">
-                <a:latin typeface="Century Gothic" panose="020B0502020202020204" pitchFamily="34" charset="0"/>
-              </a:rPr>
-              <a:t>Azure DevOps offre servizi per consentire ai team di sfruttare l’approccio DevOps</a:t>
-            </a:r>
-          </a:p>
-        </p:txBody>
-      </p:sp>
+      </p:pic>
     </p:spTree>
     <p:extLst>
       <p:ext uri="{BB962C8B-B14F-4D97-AF65-F5344CB8AC3E}">
@@ -8940,469 +10798,22 @@
   <p:clrMapOvr>
     <a:masterClrMapping/>
   </p:clrMapOvr>
-  <mc:AlternateContent xmlns:mc="http://schemas.openxmlformats.org/markup-compatibility/2006">
-    <mc:Choice xmlns:p159="http://schemas.microsoft.com/office/powerpoint/2015/09/main" Requires="p159">
+  <mc:AlternateContent xmlns:mc="http://schemas.openxmlformats.org/markup-compatibility/2006" xmlns:p159="http://schemas.microsoft.com/office/powerpoint/2015/09/main">
+    <mc:Choice Requires="p159">
       <p:transition spd="slow">
         <p159:morph option="byObject"/>
       </p:transition>
     </mc:Choice>
-    <mc:Fallback>
+    <mc:Fallback xmlns="">
       <p:transition spd="slow">
         <p:fade/>
       </p:transition>
     </mc:Fallback>
   </mc:AlternateContent>
-  <p:timing>
-    <p:tnLst>
-      <p:par>
-        <p:cTn id="1" dur="indefinite" restart="never" nodeType="tmRoot">
-          <p:childTnLst>
-            <p:seq concurrent="1" nextAc="seek">
-              <p:cTn id="2" dur="indefinite" nodeType="mainSeq">
-                <p:childTnLst>
-                  <p:par>
-                    <p:cTn id="3" fill="hold">
-                      <p:stCondLst>
-                        <p:cond delay="indefinite"/>
-                        <p:cond evt="onBegin" delay="0">
-                          <p:tn val="2"/>
-                        </p:cond>
-                      </p:stCondLst>
-                      <p:childTnLst>
-                        <p:par>
-                          <p:cTn id="4" fill="hold">
-                            <p:stCondLst>
-                              <p:cond delay="0"/>
-                            </p:stCondLst>
-                            <p:childTnLst>
-                              <p:par>
-                                <p:cTn id="5" presetID="12" presetClass="entr" presetSubtype="4" fill="hold" grpId="0" nodeType="afterEffect">
-                                  <p:stCondLst>
-                                    <p:cond delay="0"/>
-                                  </p:stCondLst>
-                                  <p:childTnLst>
-                                    <p:set>
-                                      <p:cBhvr>
-                                        <p:cTn id="6" dur="1" fill="hold">
-                                          <p:stCondLst>
-                                            <p:cond delay="0"/>
-                                          </p:stCondLst>
-                                        </p:cTn>
-                                        <p:tgtEl>
-                                          <p:spTgt spid="9"/>
-                                        </p:tgtEl>
-                                        <p:attrNameLst>
-                                          <p:attrName>style.visibility</p:attrName>
-                                        </p:attrNameLst>
-                                      </p:cBhvr>
-                                      <p:to>
-                                        <p:strVal val="visible"/>
-                                      </p:to>
-                                    </p:set>
-                                    <p:anim calcmode="lin" valueType="num">
-                                      <p:cBhvr additive="base">
-                                        <p:cTn id="7" dur="500"/>
-                                        <p:tgtEl>
-                                          <p:spTgt spid="9"/>
-                                        </p:tgtEl>
-                                        <p:attrNameLst>
-                                          <p:attrName>ppt_y</p:attrName>
-                                        </p:attrNameLst>
-                                      </p:cBhvr>
-                                      <p:tavLst>
-                                        <p:tav tm="0">
-                                          <p:val>
-                                            <p:strVal val="#ppt_y+#ppt_h*1.125000"/>
-                                          </p:val>
-                                        </p:tav>
-                                        <p:tav tm="100000">
-                                          <p:val>
-                                            <p:strVal val="#ppt_y"/>
-                                          </p:val>
-                                        </p:tav>
-                                      </p:tavLst>
-                                    </p:anim>
-                                    <p:animEffect transition="in" filter="wipe(up)">
-                                      <p:cBhvr>
-                                        <p:cTn id="8" dur="500"/>
-                                        <p:tgtEl>
-                                          <p:spTgt spid="9"/>
-                                        </p:tgtEl>
-                                      </p:cBhvr>
-                                    </p:animEffect>
-                                  </p:childTnLst>
-                                </p:cTn>
-                              </p:par>
-                            </p:childTnLst>
-                          </p:cTn>
-                        </p:par>
-                        <p:par>
-                          <p:cTn id="9" fill="hold">
-                            <p:stCondLst>
-                              <p:cond delay="500"/>
-                            </p:stCondLst>
-                            <p:childTnLst>
-                              <p:par>
-                                <p:cTn id="10" presetID="12" presetClass="entr" presetSubtype="4" fill="hold" nodeType="afterEffect">
-                                  <p:stCondLst>
-                                    <p:cond delay="0"/>
-                                  </p:stCondLst>
-                                  <p:childTnLst>
-                                    <p:set>
-                                      <p:cBhvr>
-                                        <p:cTn id="11" dur="1" fill="hold">
-                                          <p:stCondLst>
-                                            <p:cond delay="0"/>
-                                          </p:stCondLst>
-                                        </p:cTn>
-                                        <p:tgtEl>
-                                          <p:spTgt spid="7"/>
-                                        </p:tgtEl>
-                                        <p:attrNameLst>
-                                          <p:attrName>style.visibility</p:attrName>
-                                        </p:attrNameLst>
-                                      </p:cBhvr>
-                                      <p:to>
-                                        <p:strVal val="visible"/>
-                                      </p:to>
-                                    </p:set>
-                                    <p:anim calcmode="lin" valueType="num">
-                                      <p:cBhvr additive="base">
-                                        <p:cTn id="12" dur="500"/>
-                                        <p:tgtEl>
-                                          <p:spTgt spid="7"/>
-                                        </p:tgtEl>
-                                        <p:attrNameLst>
-                                          <p:attrName>ppt_y</p:attrName>
-                                        </p:attrNameLst>
-                                      </p:cBhvr>
-                                      <p:tavLst>
-                                        <p:tav tm="0">
-                                          <p:val>
-                                            <p:strVal val="#ppt_y+#ppt_h*1.125000"/>
-                                          </p:val>
-                                        </p:tav>
-                                        <p:tav tm="100000">
-                                          <p:val>
-                                            <p:strVal val="#ppt_y"/>
-                                          </p:val>
-                                        </p:tav>
-                                      </p:tavLst>
-                                    </p:anim>
-                                    <p:animEffect transition="in" filter="wipe(up)">
-                                      <p:cBhvr>
-                                        <p:cTn id="13" dur="500"/>
-                                        <p:tgtEl>
-                                          <p:spTgt spid="7"/>
-                                        </p:tgtEl>
-                                      </p:cBhvr>
-                                    </p:animEffect>
-                                  </p:childTnLst>
-                                </p:cTn>
-                              </p:par>
-                            </p:childTnLst>
-                          </p:cTn>
-                        </p:par>
-                        <p:par>
-                          <p:cTn id="14" fill="hold">
-                            <p:stCondLst>
-                              <p:cond delay="1000"/>
-                            </p:stCondLst>
-                            <p:childTnLst>
-                              <p:par>
-                                <p:cTn id="15" presetID="12" presetClass="entr" presetSubtype="4" fill="hold" nodeType="afterEffect">
-                                  <p:stCondLst>
-                                    <p:cond delay="0"/>
-                                  </p:stCondLst>
-                                  <p:childTnLst>
-                                    <p:set>
-                                      <p:cBhvr>
-                                        <p:cTn id="16" dur="1" fill="hold">
-                                          <p:stCondLst>
-                                            <p:cond delay="0"/>
-                                          </p:stCondLst>
-                                        </p:cTn>
-                                        <p:tgtEl>
-                                          <p:spTgt spid="3"/>
-                                        </p:tgtEl>
-                                        <p:attrNameLst>
-                                          <p:attrName>style.visibility</p:attrName>
-                                        </p:attrNameLst>
-                                      </p:cBhvr>
-                                      <p:to>
-                                        <p:strVal val="visible"/>
-                                      </p:to>
-                                    </p:set>
-                                    <p:anim calcmode="lin" valueType="num">
-                                      <p:cBhvr additive="base">
-                                        <p:cTn id="17" dur="500"/>
-                                        <p:tgtEl>
-                                          <p:spTgt spid="3"/>
-                                        </p:tgtEl>
-                                        <p:attrNameLst>
-                                          <p:attrName>ppt_y</p:attrName>
-                                        </p:attrNameLst>
-                                      </p:cBhvr>
-                                      <p:tavLst>
-                                        <p:tav tm="0">
-                                          <p:val>
-                                            <p:strVal val="#ppt_y+#ppt_h*1.125000"/>
-                                          </p:val>
-                                        </p:tav>
-                                        <p:tav tm="100000">
-                                          <p:val>
-                                            <p:strVal val="#ppt_y"/>
-                                          </p:val>
-                                        </p:tav>
-                                      </p:tavLst>
-                                    </p:anim>
-                                    <p:animEffect transition="in" filter="wipe(up)">
-                                      <p:cBhvr>
-                                        <p:cTn id="18" dur="500"/>
-                                        <p:tgtEl>
-                                          <p:spTgt spid="3"/>
-                                        </p:tgtEl>
-                                      </p:cBhvr>
-                                    </p:animEffect>
-                                  </p:childTnLst>
-                                </p:cTn>
-                              </p:par>
-                            </p:childTnLst>
-                          </p:cTn>
-                        </p:par>
-                        <p:par>
-                          <p:cTn id="19" fill="hold">
-                            <p:stCondLst>
-                              <p:cond delay="1500"/>
-                            </p:stCondLst>
-                            <p:childTnLst>
-                              <p:par>
-                                <p:cTn id="20" presetID="12" presetClass="entr" presetSubtype="4" fill="hold" nodeType="afterEffect">
-                                  <p:stCondLst>
-                                    <p:cond delay="0"/>
-                                  </p:stCondLst>
-                                  <p:childTnLst>
-                                    <p:set>
-                                      <p:cBhvr>
-                                        <p:cTn id="21" dur="1" fill="hold">
-                                          <p:stCondLst>
-                                            <p:cond delay="0"/>
-                                          </p:stCondLst>
-                                        </p:cTn>
-                                        <p:tgtEl>
-                                          <p:spTgt spid="4"/>
-                                        </p:tgtEl>
-                                        <p:attrNameLst>
-                                          <p:attrName>style.visibility</p:attrName>
-                                        </p:attrNameLst>
-                                      </p:cBhvr>
-                                      <p:to>
-                                        <p:strVal val="visible"/>
-                                      </p:to>
-                                    </p:set>
-                                    <p:anim calcmode="lin" valueType="num">
-                                      <p:cBhvr additive="base">
-                                        <p:cTn id="22" dur="500"/>
-                                        <p:tgtEl>
-                                          <p:spTgt spid="4"/>
-                                        </p:tgtEl>
-                                        <p:attrNameLst>
-                                          <p:attrName>ppt_y</p:attrName>
-                                        </p:attrNameLst>
-                                      </p:cBhvr>
-                                      <p:tavLst>
-                                        <p:tav tm="0">
-                                          <p:val>
-                                            <p:strVal val="#ppt_y+#ppt_h*1.125000"/>
-                                          </p:val>
-                                        </p:tav>
-                                        <p:tav tm="100000">
-                                          <p:val>
-                                            <p:strVal val="#ppt_y"/>
-                                          </p:val>
-                                        </p:tav>
-                                      </p:tavLst>
-                                    </p:anim>
-                                    <p:animEffect transition="in" filter="wipe(up)">
-                                      <p:cBhvr>
-                                        <p:cTn id="23" dur="500"/>
-                                        <p:tgtEl>
-                                          <p:spTgt spid="4"/>
-                                        </p:tgtEl>
-                                      </p:cBhvr>
-                                    </p:animEffect>
-                                  </p:childTnLst>
-                                </p:cTn>
-                              </p:par>
-                            </p:childTnLst>
-                          </p:cTn>
-                        </p:par>
-                        <p:par>
-                          <p:cTn id="24" fill="hold">
-                            <p:stCondLst>
-                              <p:cond delay="2000"/>
-                            </p:stCondLst>
-                            <p:childTnLst>
-                              <p:par>
-                                <p:cTn id="25" presetID="12" presetClass="entr" presetSubtype="4" fill="hold" nodeType="afterEffect">
-                                  <p:stCondLst>
-                                    <p:cond delay="0"/>
-                                  </p:stCondLst>
-                                  <p:childTnLst>
-                                    <p:set>
-                                      <p:cBhvr>
-                                        <p:cTn id="26" dur="1" fill="hold">
-                                          <p:stCondLst>
-                                            <p:cond delay="0"/>
-                                          </p:stCondLst>
-                                        </p:cTn>
-                                        <p:tgtEl>
-                                          <p:spTgt spid="5"/>
-                                        </p:tgtEl>
-                                        <p:attrNameLst>
-                                          <p:attrName>style.visibility</p:attrName>
-                                        </p:attrNameLst>
-                                      </p:cBhvr>
-                                      <p:to>
-                                        <p:strVal val="visible"/>
-                                      </p:to>
-                                    </p:set>
-                                    <p:anim calcmode="lin" valueType="num">
-                                      <p:cBhvr additive="base">
-                                        <p:cTn id="27" dur="500"/>
-                                        <p:tgtEl>
-                                          <p:spTgt spid="5"/>
-                                        </p:tgtEl>
-                                        <p:attrNameLst>
-                                          <p:attrName>ppt_y</p:attrName>
-                                        </p:attrNameLst>
-                                      </p:cBhvr>
-                                      <p:tavLst>
-                                        <p:tav tm="0">
-                                          <p:val>
-                                            <p:strVal val="#ppt_y+#ppt_h*1.125000"/>
-                                          </p:val>
-                                        </p:tav>
-                                        <p:tav tm="100000">
-                                          <p:val>
-                                            <p:strVal val="#ppt_y"/>
-                                          </p:val>
-                                        </p:tav>
-                                      </p:tavLst>
-                                    </p:anim>
-                                    <p:animEffect transition="in" filter="wipe(up)">
-                                      <p:cBhvr>
-                                        <p:cTn id="28" dur="500"/>
-                                        <p:tgtEl>
-                                          <p:spTgt spid="5"/>
-                                        </p:tgtEl>
-                                      </p:cBhvr>
-                                    </p:animEffect>
-                                  </p:childTnLst>
-                                </p:cTn>
-                              </p:par>
-                            </p:childTnLst>
-                          </p:cTn>
-                        </p:par>
-                        <p:par>
-                          <p:cTn id="29" fill="hold">
-                            <p:stCondLst>
-                              <p:cond delay="2500"/>
-                            </p:stCondLst>
-                            <p:childTnLst>
-                              <p:par>
-                                <p:cTn id="30" presetID="12" presetClass="entr" presetSubtype="4" fill="hold" nodeType="afterEffect">
-                                  <p:stCondLst>
-                                    <p:cond delay="0"/>
-                                  </p:stCondLst>
-                                  <p:childTnLst>
-                                    <p:set>
-                                      <p:cBhvr>
-                                        <p:cTn id="31" dur="1" fill="hold">
-                                          <p:stCondLst>
-                                            <p:cond delay="0"/>
-                                          </p:stCondLst>
-                                        </p:cTn>
-                                        <p:tgtEl>
-                                          <p:spTgt spid="6"/>
-                                        </p:tgtEl>
-                                        <p:attrNameLst>
-                                          <p:attrName>style.visibility</p:attrName>
-                                        </p:attrNameLst>
-                                      </p:cBhvr>
-                                      <p:to>
-                                        <p:strVal val="visible"/>
-                                      </p:to>
-                                    </p:set>
-                                    <p:anim calcmode="lin" valueType="num">
-                                      <p:cBhvr additive="base">
-                                        <p:cTn id="32" dur="500"/>
-                                        <p:tgtEl>
-                                          <p:spTgt spid="6"/>
-                                        </p:tgtEl>
-                                        <p:attrNameLst>
-                                          <p:attrName>ppt_y</p:attrName>
-                                        </p:attrNameLst>
-                                      </p:cBhvr>
-                                      <p:tavLst>
-                                        <p:tav tm="0">
-                                          <p:val>
-                                            <p:strVal val="#ppt_y+#ppt_h*1.125000"/>
-                                          </p:val>
-                                        </p:tav>
-                                        <p:tav tm="100000">
-                                          <p:val>
-                                            <p:strVal val="#ppt_y"/>
-                                          </p:val>
-                                        </p:tav>
-                                      </p:tavLst>
-                                    </p:anim>
-                                    <p:animEffect transition="in" filter="wipe(up)">
-                                      <p:cBhvr>
-                                        <p:cTn id="33" dur="500"/>
-                                        <p:tgtEl>
-                                          <p:spTgt spid="6"/>
-                                        </p:tgtEl>
-                                      </p:cBhvr>
-                                    </p:animEffect>
-                                  </p:childTnLst>
-                                </p:cTn>
-                              </p:par>
-                            </p:childTnLst>
-                          </p:cTn>
-                        </p:par>
-                      </p:childTnLst>
-                    </p:cTn>
-                  </p:par>
-                </p:childTnLst>
-              </p:cTn>
-              <p:prevCondLst>
-                <p:cond evt="onPrev" delay="0">
-                  <p:tgtEl>
-                    <p:sldTgt/>
-                  </p:tgtEl>
-                </p:cond>
-              </p:prevCondLst>
-              <p:nextCondLst>
-                <p:cond evt="onNext" delay="0">
-                  <p:tgtEl>
-                    <p:sldTgt/>
-                  </p:tgtEl>
-                </p:cond>
-              </p:nextCondLst>
-            </p:seq>
-          </p:childTnLst>
-        </p:cTn>
-      </p:par>
-    </p:tnLst>
-    <p:bldLst>
-      <p:bldP spid="9" grpId="0"/>
-    </p:bldLst>
-  </p:timing>
 </p:sld>
 </file>
 
-<file path=ppt/slides/slide19.xml><?xml version="1.0" encoding="utf-8"?>
+<file path=ppt/slides/slide26.xml><?xml version="1.0" encoding="utf-8"?>
 <p:sld xmlns:a="http://schemas.openxmlformats.org/drawingml/2006/main" xmlns:r="http://schemas.openxmlformats.org/officeDocument/2006/relationships" xmlns:p="http://schemas.openxmlformats.org/presentationml/2006/main">
   <p:cSld>
     <p:spTree>
@@ -9554,13 +10965,13 @@
   <p:clrMapOvr>
     <a:masterClrMapping/>
   </p:clrMapOvr>
-  <mc:AlternateContent xmlns:mc="http://schemas.openxmlformats.org/markup-compatibility/2006">
-    <mc:Choice xmlns:p159="http://schemas.microsoft.com/office/powerpoint/2015/09/main" Requires="p159">
+  <mc:AlternateContent xmlns:mc="http://schemas.openxmlformats.org/markup-compatibility/2006" xmlns:p159="http://schemas.microsoft.com/office/powerpoint/2015/09/main">
+    <mc:Choice Requires="p159">
       <p:transition spd="slow">
         <p159:morph option="byObject"/>
       </p:transition>
     </mc:Choice>
-    <mc:Fallback>
+    <mc:Fallback xmlns="">
       <p:transition spd="slow">
         <p:fade/>
       </p:transition>
@@ -9569,7 +10980,7 @@
 </p:sld>
 </file>
 
-<file path=ppt/slides/slide2.xml><?xml version="1.0" encoding="utf-8"?>
+<file path=ppt/slides/slide27.xml><?xml version="1.0" encoding="utf-8"?>
 <p:sld xmlns:a="http://schemas.openxmlformats.org/drawingml/2006/main" xmlns:r="http://schemas.openxmlformats.org/officeDocument/2006/relationships" xmlns:p="http://schemas.openxmlformats.org/presentationml/2006/main">
   <p:cSld>
     <p:spTree>
@@ -9591,89 +11002,6 @@
           <p:cNvPr id="2" name="Titolo 1">
             <a:extLst>
               <a:ext uri="{FF2B5EF4-FFF2-40B4-BE49-F238E27FC236}">
-                <a16:creationId xmlns:a16="http://schemas.microsoft.com/office/drawing/2014/main" id="{160DA25F-9158-EBF8-CE3E-DFEC7B048EAB}"/>
-              </a:ext>
-            </a:extLst>
-          </p:cNvPr>
-          <p:cNvSpPr>
-            <a:spLocks noGrp="1"/>
-          </p:cNvSpPr>
-          <p:nvPr>
-            <p:ph type="ctrTitle"/>
-          </p:nvPr>
-        </p:nvSpPr>
-        <p:spPr>
-          <a:xfrm>
-            <a:off x="1524000" y="2914990"/>
-            <a:ext cx="9144000" cy="1028020"/>
-          </a:xfrm>
-          <a:solidFill>
-            <a:srgbClr val="FFAB91"/>
-          </a:solidFill>
-        </p:spPr>
-        <p:txBody>
-          <a:bodyPr/>
-          <a:lstStyle/>
-          <a:p>
-            <a:r>
-              <a:rPr lang="it-IT" dirty="0">
-                <a:ln>
-                  <a:solidFill>
-                    <a:schemeClr val="bg1"/>
-                  </a:solidFill>
-                </a:ln>
-                <a:solidFill>
-                  <a:schemeClr val="bg1"/>
-                </a:solidFill>
-                <a:effectLst>
-                  <a:outerShdw blurRad="50800" dist="38100" dir="5400000" algn="t" rotWithShape="0">
-                    <a:prstClr val="black">
-                      <a:alpha val="40000"/>
-                    </a:prstClr>
-                  </a:outerShdw>
-                </a:effectLst>
-              </a:rPr>
-              <a:t>MICROSERVIZI</a:t>
-            </a:r>
-          </a:p>
-        </p:txBody>
-      </p:sp>
-    </p:spTree>
-    <p:extLst>
-      <p:ext uri="{BB962C8B-B14F-4D97-AF65-F5344CB8AC3E}">
-        <p14:creationId xmlns:p14="http://schemas.microsoft.com/office/powerpoint/2010/main" val="3325030984"/>
-      </p:ext>
-    </p:extLst>
-  </p:cSld>
-  <p:clrMapOvr>
-    <a:masterClrMapping/>
-  </p:clrMapOvr>
-  <p:transition spd="slow"/>
-</p:sld>
-</file>
-
-<file path=ppt/slides/slide20.xml><?xml version="1.0" encoding="utf-8"?>
-<p:sld xmlns:a="http://schemas.openxmlformats.org/drawingml/2006/main" xmlns:r="http://schemas.openxmlformats.org/officeDocument/2006/relationships" xmlns:p="http://schemas.openxmlformats.org/presentationml/2006/main">
-  <p:cSld>
-    <p:spTree>
-      <p:nvGrpSpPr>
-        <p:cNvPr id="1" name=""/>
-        <p:cNvGrpSpPr/>
-        <p:nvPr/>
-      </p:nvGrpSpPr>
-      <p:grpSpPr>
-        <a:xfrm>
-          <a:off x="0" y="0"/>
-          <a:ext cx="0" cy="0"/>
-          <a:chOff x="0" y="0"/>
-          <a:chExt cx="0" cy="0"/>
-        </a:xfrm>
-      </p:grpSpPr>
-      <p:sp>
-        <p:nvSpPr>
-          <p:cNvPr id="2" name="Titolo 1">
-            <a:extLst>
-              <a:ext uri="{FF2B5EF4-FFF2-40B4-BE49-F238E27FC236}">
                 <a16:creationId xmlns:a16="http://schemas.microsoft.com/office/drawing/2014/main" id="{62BB0F74-3363-AF42-709E-E93953B193AF}"/>
               </a:ext>
             </a:extLst>
@@ -9725,7 +11053,7 @@
           <a:p>
             <a:fld id="{3F24ED9F-0AD1-BB4C-9842-01F95E80AFCD}" type="slidenum">
               <a:rPr lang="it-IT" smtClean="0"/>
-              <a:t>20</a:t>
+              <a:t>27</a:t>
             </a:fld>
             <a:endParaRPr lang="it-IT" dirty="0"/>
           </a:p>
@@ -10130,7 +11458,7 @@
         </p:blipFill>
         <p:spPr>
           <a:xfrm>
-            <a:off x="9348290" y="2527469"/>
+            <a:off x="8610600" y="2527469"/>
             <a:ext cx="2005510" cy="1803061"/>
           </a:xfrm>
           <a:prstGeom prst="rect">
@@ -10163,7 +11491,7 @@
 </p:sld>
 </file>
 
-<file path=ppt/slides/slide21.xml><?xml version="1.0" encoding="utf-8"?>
+<file path=ppt/slides/slide28.xml><?xml version="1.0" encoding="utf-8"?>
 <p:sld xmlns:a="http://schemas.openxmlformats.org/drawingml/2006/main" xmlns:r="http://schemas.openxmlformats.org/officeDocument/2006/relationships" xmlns:p="http://schemas.openxmlformats.org/presentationml/2006/main">
   <p:cSld>
     <p:spTree>
@@ -10232,7 +11560,7 @@
           <a:p>
             <a:fld id="{3F24ED9F-0AD1-BB4C-9842-01F95E80AFCD}" type="slidenum">
               <a:rPr lang="it-IT" smtClean="0"/>
-              <a:t>21</a:t>
+              <a:t>28</a:t>
             </a:fld>
             <a:endParaRPr lang="it-IT" dirty="0"/>
           </a:p>
@@ -10358,13 +11686,13 @@
   <p:clrMapOvr>
     <a:masterClrMapping/>
   </p:clrMapOvr>
-  <mc:AlternateContent xmlns:mc="http://schemas.openxmlformats.org/markup-compatibility/2006">
-    <mc:Choice xmlns:p159="http://schemas.microsoft.com/office/powerpoint/2015/09/main" Requires="p159">
+  <mc:AlternateContent xmlns:mc="http://schemas.openxmlformats.org/markup-compatibility/2006" xmlns:p159="http://schemas.microsoft.com/office/powerpoint/2015/09/main">
+    <mc:Choice Requires="p159">
       <p:transition spd="slow">
         <p159:morph option="byObject"/>
       </p:transition>
     </mc:Choice>
-    <mc:Fallback>
+    <mc:Fallback xmlns="">
       <p:transition spd="slow">
         <p:fade/>
       </p:transition>
@@ -10373,7 +11701,7 @@
 </p:sld>
 </file>
 
-<file path=ppt/slides/slide22.xml><?xml version="1.0" encoding="utf-8"?>
+<file path=ppt/slides/slide29.xml><?xml version="1.0" encoding="utf-8"?>
 <p:sld xmlns:a="http://schemas.openxmlformats.org/drawingml/2006/main" xmlns:r="http://schemas.openxmlformats.org/officeDocument/2006/relationships" xmlns:p="http://schemas.openxmlformats.org/presentationml/2006/main">
   <p:cSld>
     <p:spTree>
@@ -10447,7 +11775,7 @@
           <a:p>
             <a:fld id="{3F24ED9F-0AD1-BB4C-9842-01F95E80AFCD}" type="slidenum">
               <a:rPr lang="it-IT" smtClean="0"/>
-              <a:t>22</a:t>
+              <a:t>29</a:t>
             </a:fld>
             <a:endParaRPr lang="it-IT" dirty="0"/>
           </a:p>
@@ -10545,13 +11873,13 @@
   <p:clrMapOvr>
     <a:masterClrMapping/>
   </p:clrMapOvr>
-  <mc:AlternateContent xmlns:mc="http://schemas.openxmlformats.org/markup-compatibility/2006">
-    <mc:Choice xmlns:p159="http://schemas.microsoft.com/office/powerpoint/2015/09/main" Requires="p159">
+  <mc:AlternateContent xmlns:mc="http://schemas.openxmlformats.org/markup-compatibility/2006" xmlns:p159="http://schemas.microsoft.com/office/powerpoint/2015/09/main">
+    <mc:Choice Requires="p159">
       <p:transition spd="slow">
         <p159:morph option="byObject"/>
       </p:transition>
     </mc:Choice>
-    <mc:Fallback>
+    <mc:Fallback xmlns="">
       <p:transition spd="slow">
         <p:fade/>
       </p:transition>
@@ -10560,7 +11888,7 @@
 </p:sld>
 </file>
 
-<file path=ppt/slides/slide23.xml><?xml version="1.0" encoding="utf-8"?>
+<file path=ppt/slides/slide3.xml><?xml version="1.0" encoding="utf-8"?>
 <p:sld xmlns:a="http://schemas.openxmlformats.org/drawingml/2006/main" xmlns:r="http://schemas.openxmlformats.org/officeDocument/2006/relationships" xmlns:p="http://schemas.openxmlformats.org/presentationml/2006/main">
   <p:cSld>
     <p:spTree>
@@ -10582,6 +11910,324 @@
           <p:cNvPr id="2" name="Titolo 1">
             <a:extLst>
               <a:ext uri="{FF2B5EF4-FFF2-40B4-BE49-F238E27FC236}">
+                <a16:creationId xmlns:a16="http://schemas.microsoft.com/office/drawing/2014/main" id="{B564A2E6-5C11-98D0-9229-D11F6A804AA5}"/>
+              </a:ext>
+            </a:extLst>
+          </p:cNvPr>
+          <p:cNvSpPr>
+            <a:spLocks noGrp="1"/>
+          </p:cNvSpPr>
+          <p:nvPr>
+            <p:ph type="title"/>
+          </p:nvPr>
+        </p:nvSpPr>
+        <p:spPr/>
+        <p:txBody>
+          <a:bodyPr/>
+          <a:lstStyle/>
+          <a:p>
+            <a:pPr algn="ctr"/>
+            <a:r>
+              <a:rPr lang="it-IT" dirty="0"/>
+              <a:t>Cosa sono i microservizi</a:t>
+            </a:r>
+          </a:p>
+        </p:txBody>
+      </p:sp>
+      <p:sp>
+        <p:nvSpPr>
+          <p:cNvPr id="7" name="Segnaposto numero diapositiva 6">
+            <a:extLst>
+              <a:ext uri="{FF2B5EF4-FFF2-40B4-BE49-F238E27FC236}">
+                <a16:creationId xmlns:a16="http://schemas.microsoft.com/office/drawing/2014/main" id="{D4EE48D8-167B-F756-5677-B27E83EBC476}"/>
+              </a:ext>
+            </a:extLst>
+          </p:cNvPr>
+          <p:cNvSpPr>
+            <a:spLocks noGrp="1"/>
+          </p:cNvSpPr>
+          <p:nvPr>
+            <p:ph type="sldNum" sz="quarter" idx="12"/>
+          </p:nvPr>
+        </p:nvSpPr>
+        <p:spPr/>
+        <p:txBody>
+          <a:bodyPr/>
+          <a:lstStyle/>
+          <a:p>
+            <a:fld id="{3F24ED9F-0AD1-BB4C-9842-01F95E80AFCD}" type="slidenum">
+              <a:rPr lang="it-IT" smtClean="0"/>
+              <a:t>3</a:t>
+            </a:fld>
+            <a:endParaRPr lang="it-IT" dirty="0"/>
+          </a:p>
+        </p:txBody>
+      </p:sp>
+      <p:sp>
+        <p:nvSpPr>
+          <p:cNvPr id="20" name="Rettangolo 19">
+            <a:extLst>
+              <a:ext uri="{FF2B5EF4-FFF2-40B4-BE49-F238E27FC236}">
+                <a16:creationId xmlns:a16="http://schemas.microsoft.com/office/drawing/2014/main" id="{A7EE5209-549D-9938-3DC5-C415F687D528}"/>
+              </a:ext>
+            </a:extLst>
+          </p:cNvPr>
+          <p:cNvSpPr/>
+          <p:nvPr/>
+        </p:nvSpPr>
+        <p:spPr>
+          <a:xfrm rot="5400000" flipH="1">
+            <a:off x="6073140" y="-3836435"/>
+            <a:ext cx="45719" cy="10515602"/>
+          </a:xfrm>
+          <a:prstGeom prst="rect">
+            <a:avLst/>
+          </a:prstGeom>
+          <a:solidFill>
+            <a:srgbClr val="FFAB91"/>
+          </a:solidFill>
+          <a:ln>
+            <a:noFill/>
+          </a:ln>
+        </p:spPr>
+        <p:style>
+          <a:lnRef idx="2">
+            <a:schemeClr val="accent1">
+              <a:shade val="50000"/>
+            </a:schemeClr>
+          </a:lnRef>
+          <a:fillRef idx="1">
+            <a:schemeClr val="accent1"/>
+          </a:fillRef>
+          <a:effectRef idx="0">
+            <a:schemeClr val="accent1"/>
+          </a:effectRef>
+          <a:fontRef idx="minor">
+            <a:schemeClr val="lt1"/>
+          </a:fontRef>
+        </p:style>
+        <p:txBody>
+          <a:bodyPr rtlCol="0" anchor="ctr"/>
+          <a:lstStyle/>
+          <a:p>
+            <a:pPr algn="ctr"/>
+            <a:endParaRPr lang="it-IT" dirty="0"/>
+          </a:p>
+        </p:txBody>
+      </p:sp>
+      <p:sp>
+        <p:nvSpPr>
+          <p:cNvPr id="12" name="CasellaDiTesto 11">
+            <a:extLst>
+              <a:ext uri="{FF2B5EF4-FFF2-40B4-BE49-F238E27FC236}">
+                <a16:creationId xmlns:a16="http://schemas.microsoft.com/office/drawing/2014/main" id="{30267495-EA41-5B28-45A0-B7C7028EFF7C}"/>
+              </a:ext>
+            </a:extLst>
+          </p:cNvPr>
+          <p:cNvSpPr txBox="1"/>
+          <p:nvPr/>
+        </p:nvSpPr>
+        <p:spPr>
+          <a:xfrm>
+            <a:off x="838197" y="1673667"/>
+            <a:ext cx="10515599" cy="1323439"/>
+          </a:xfrm>
+          <a:prstGeom prst="rect">
+            <a:avLst/>
+          </a:prstGeom>
+          <a:noFill/>
+        </p:spPr>
+        <p:txBody>
+          <a:bodyPr wrap="square">
+            <a:spAutoFit/>
+          </a:bodyPr>
+          <a:lstStyle/>
+          <a:p>
+            <a:pPr algn="l"/>
+            <a:r>
+              <a:rPr lang="it-IT" sz="2000" dirty="0">
+                <a:latin typeface="Century Gothic" panose="020B0502020202020204" pitchFamily="34" charset="0"/>
+              </a:rPr>
+              <a:t>Nelle architetture a microservizi l’obiettivo è quello di </a:t>
+            </a:r>
+            <a:r>
+              <a:rPr lang="it-IT" sz="2000" b="1" dirty="0">
+                <a:latin typeface="Century Gothic" panose="020B0502020202020204" pitchFamily="34" charset="0"/>
+              </a:rPr>
+              <a:t>scomporre l’applicazione </a:t>
+            </a:r>
+            <a:r>
+              <a:rPr lang="it-IT" sz="2000" dirty="0">
+                <a:latin typeface="Century Gothic" panose="020B0502020202020204" pitchFamily="34" charset="0"/>
+              </a:rPr>
+              <a:t>da realizzare nelle sue funzioni (</a:t>
+            </a:r>
+            <a:r>
+              <a:rPr lang="it-IT" sz="2000" b="1" dirty="0">
+                <a:latin typeface="Century Gothic" panose="020B0502020202020204" pitchFamily="34" charset="0"/>
+              </a:rPr>
+              <a:t>servizi</a:t>
+            </a:r>
+            <a:r>
+              <a:rPr lang="it-IT" sz="2000" dirty="0">
+                <a:latin typeface="Century Gothic" panose="020B0502020202020204" pitchFamily="34" charset="0"/>
+              </a:rPr>
+              <a:t>) di base.</a:t>
+            </a:r>
+          </a:p>
+          <a:p>
+            <a:pPr algn="l"/>
+            <a:r>
+              <a:rPr lang="it-IT" sz="2000" dirty="0">
+                <a:latin typeface="Century Gothic" panose="020B0502020202020204" pitchFamily="34" charset="0"/>
+              </a:rPr>
+              <a:t>Ogni servizio può essere compilato e distribuito in modo </a:t>
+            </a:r>
+            <a:r>
+              <a:rPr lang="it-IT" sz="2000" b="1" dirty="0">
+                <a:latin typeface="Century Gothic" panose="020B0502020202020204" pitchFamily="34" charset="0"/>
+              </a:rPr>
+              <a:t>indipendente</a:t>
+            </a:r>
+            <a:r>
+              <a:rPr lang="it-IT" sz="2000" dirty="0">
+                <a:latin typeface="Century Gothic" panose="020B0502020202020204" pitchFamily="34" charset="0"/>
+              </a:rPr>
+              <a:t>; quindi i singoli servizi possono funzionare o non funzionare senza compromettere gli altri.</a:t>
+            </a:r>
+          </a:p>
+        </p:txBody>
+      </p:sp>
+      <p:pic>
+        <p:nvPicPr>
+          <p:cNvPr id="1026" name="Picture 2" descr="Microservices vs. Monolithic Architectures | SUSE Communities">
+            <a:extLst>
+              <a:ext uri="{FF2B5EF4-FFF2-40B4-BE49-F238E27FC236}">
+                <a16:creationId xmlns:a16="http://schemas.microsoft.com/office/drawing/2014/main" id="{98F922C0-79E3-AA25-9489-64337803A20F}"/>
+              </a:ext>
+            </a:extLst>
+          </p:cNvPr>
+          <p:cNvPicPr>
+            <a:picLocks noChangeAspect="1" noChangeArrowheads="1"/>
+          </p:cNvPicPr>
+          <p:nvPr/>
+        </p:nvPicPr>
+        <p:blipFill rotWithShape="1">
+          <a:blip r:embed="rId3">
+            <a:extLst>
+              <a:ext uri="{28A0092B-C50C-407E-A947-70E740481C1C}">
+                <a14:useLocalDpi xmlns:a14="http://schemas.microsoft.com/office/drawing/2010/main" val="0"/>
+              </a:ext>
+            </a:extLst>
+          </a:blip>
+          <a:srcRect t="11869"/>
+          <a:stretch/>
+        </p:blipFill>
+        <p:spPr bwMode="auto">
+          <a:xfrm>
+            <a:off x="2969628" y="3062136"/>
+            <a:ext cx="6252743" cy="2664153"/>
+          </a:xfrm>
+          <a:prstGeom prst="rect">
+            <a:avLst/>
+          </a:prstGeom>
+          <a:noFill/>
+          <a:extLst>
+            <a:ext uri="{909E8E84-426E-40DD-AFC4-6F175D3DCCD1}">
+              <a14:hiddenFill xmlns:a14="http://schemas.microsoft.com/office/drawing/2010/main">
+                <a:solidFill>
+                  <a:srgbClr val="FFFFFF"/>
+                </a:solidFill>
+              </a14:hiddenFill>
+            </a:ext>
+          </a:extLst>
+        </p:spPr>
+      </p:pic>
+      <p:sp>
+        <p:nvSpPr>
+          <p:cNvPr id="8" name="CasellaDiTesto 7">
+            <a:extLst>
+              <a:ext uri="{FF2B5EF4-FFF2-40B4-BE49-F238E27FC236}">
+                <a16:creationId xmlns:a16="http://schemas.microsoft.com/office/drawing/2014/main" id="{BD2F7E22-F673-1226-5997-3DEA08E6FF11}"/>
+              </a:ext>
+            </a:extLst>
+          </p:cNvPr>
+          <p:cNvSpPr txBox="1"/>
+          <p:nvPr/>
+        </p:nvSpPr>
+        <p:spPr>
+          <a:xfrm>
+            <a:off x="3553127" y="5726289"/>
+            <a:ext cx="5085738" cy="323165"/>
+          </a:xfrm>
+          <a:prstGeom prst="rect">
+            <a:avLst/>
+          </a:prstGeom>
+          <a:noFill/>
+        </p:spPr>
+        <p:txBody>
+          <a:bodyPr wrap="square">
+            <a:spAutoFit/>
+          </a:bodyPr>
+          <a:lstStyle/>
+          <a:p>
+            <a:pPr algn="l"/>
+            <a:r>
+              <a:rPr lang="it-IT" sz="1500" dirty="0">
+                <a:latin typeface="Century Gothic" panose="020B0502020202020204" pitchFamily="34" charset="0"/>
+              </a:rPr>
+              <a:t>Confronto tra architettura monolitica e a microservizi</a:t>
+            </a:r>
+          </a:p>
+        </p:txBody>
+      </p:sp>
+    </p:spTree>
+    <p:extLst>
+      <p:ext uri="{BB962C8B-B14F-4D97-AF65-F5344CB8AC3E}">
+        <p14:creationId xmlns:p14="http://schemas.microsoft.com/office/powerpoint/2010/main" val="1505730514"/>
+      </p:ext>
+    </p:extLst>
+  </p:cSld>
+  <p:clrMapOvr>
+    <a:masterClrMapping/>
+  </p:clrMapOvr>
+  <mc:AlternateContent xmlns:mc="http://schemas.openxmlformats.org/markup-compatibility/2006" xmlns:p159="http://schemas.microsoft.com/office/powerpoint/2015/09/main">
+    <mc:Choice Requires="p159">
+      <p:transition spd="slow">
+        <p159:morph option="byObject"/>
+      </p:transition>
+    </mc:Choice>
+    <mc:Fallback xmlns="">
+      <p:transition spd="slow">
+        <p:fade/>
+      </p:transition>
+    </mc:Fallback>
+  </mc:AlternateContent>
+</p:sld>
+</file>
+
+<file path=ppt/slides/slide30.xml><?xml version="1.0" encoding="utf-8"?>
+<p:sld xmlns:a="http://schemas.openxmlformats.org/drawingml/2006/main" xmlns:r="http://schemas.openxmlformats.org/officeDocument/2006/relationships" xmlns:p="http://schemas.openxmlformats.org/presentationml/2006/main">
+  <p:cSld>
+    <p:spTree>
+      <p:nvGrpSpPr>
+        <p:cNvPr id="1" name=""/>
+        <p:cNvGrpSpPr/>
+        <p:nvPr/>
+      </p:nvGrpSpPr>
+      <p:grpSpPr>
+        <a:xfrm>
+          <a:off x="0" y="0"/>
+          <a:ext cx="0" cy="0"/>
+          <a:chOff x="0" y="0"/>
+          <a:chExt cx="0" cy="0"/>
+        </a:xfrm>
+      </p:grpSpPr>
+      <p:sp>
+        <p:nvSpPr>
+          <p:cNvPr id="2" name="Titolo 1">
+            <a:extLst>
+              <a:ext uri="{FF2B5EF4-FFF2-40B4-BE49-F238E27FC236}">
                 <a16:creationId xmlns:a16="http://schemas.microsoft.com/office/drawing/2014/main" id="{62BB0F74-3363-AF42-709E-E93953B193AF}"/>
               </a:ext>
             </a:extLst>
@@ -10634,7 +12280,7 @@
           <a:p>
             <a:fld id="{3F24ED9F-0AD1-BB4C-9842-01F95E80AFCD}" type="slidenum">
               <a:rPr lang="it-IT" smtClean="0"/>
-              <a:t>23</a:t>
+              <a:t>30</a:t>
             </a:fld>
             <a:endParaRPr lang="it-IT" dirty="0"/>
           </a:p>
@@ -10732,13 +12378,13 @@
   <p:clrMapOvr>
     <a:masterClrMapping/>
   </p:clrMapOvr>
-  <mc:AlternateContent xmlns:mc="http://schemas.openxmlformats.org/markup-compatibility/2006">
-    <mc:Choice xmlns:p159="http://schemas.microsoft.com/office/powerpoint/2015/09/main" Requires="p159">
+  <mc:AlternateContent xmlns:mc="http://schemas.openxmlformats.org/markup-compatibility/2006" xmlns:p159="http://schemas.microsoft.com/office/powerpoint/2015/09/main">
+    <mc:Choice Requires="p159">
       <p:transition spd="slow">
         <p159:morph option="byObject"/>
       </p:transition>
     </mc:Choice>
-    <mc:Fallback>
+    <mc:Fallback xmlns="">
       <p:transition spd="slow">
         <p:fade/>
       </p:transition>
@@ -10747,7 +12393,7 @@
 </p:sld>
 </file>
 
-<file path=ppt/slides/slide24.xml><?xml version="1.0" encoding="utf-8"?>
+<file path=ppt/slides/slide31.xml><?xml version="1.0" encoding="utf-8"?>
 <p:sld xmlns:a="http://schemas.openxmlformats.org/drawingml/2006/main" xmlns:r="http://schemas.openxmlformats.org/officeDocument/2006/relationships" xmlns:p="http://schemas.openxmlformats.org/presentationml/2006/main">
   <p:cSld>
     <p:spTree>
@@ -10899,324 +12545,6 @@
   <p:clrMapOvr>
     <a:masterClrMapping/>
   </p:clrMapOvr>
-</p:sld>
-</file>
-
-<file path=ppt/slides/slide3.xml><?xml version="1.0" encoding="utf-8"?>
-<p:sld xmlns:a="http://schemas.openxmlformats.org/drawingml/2006/main" xmlns:r="http://schemas.openxmlformats.org/officeDocument/2006/relationships" xmlns:p="http://schemas.openxmlformats.org/presentationml/2006/main">
-  <p:cSld>
-    <p:spTree>
-      <p:nvGrpSpPr>
-        <p:cNvPr id="1" name=""/>
-        <p:cNvGrpSpPr/>
-        <p:nvPr/>
-      </p:nvGrpSpPr>
-      <p:grpSpPr>
-        <a:xfrm>
-          <a:off x="0" y="0"/>
-          <a:ext cx="0" cy="0"/>
-          <a:chOff x="0" y="0"/>
-          <a:chExt cx="0" cy="0"/>
-        </a:xfrm>
-      </p:grpSpPr>
-      <p:sp>
-        <p:nvSpPr>
-          <p:cNvPr id="2" name="Titolo 1">
-            <a:extLst>
-              <a:ext uri="{FF2B5EF4-FFF2-40B4-BE49-F238E27FC236}">
-                <a16:creationId xmlns:a16="http://schemas.microsoft.com/office/drawing/2014/main" id="{B564A2E6-5C11-98D0-9229-D11F6A804AA5}"/>
-              </a:ext>
-            </a:extLst>
-          </p:cNvPr>
-          <p:cNvSpPr>
-            <a:spLocks noGrp="1"/>
-          </p:cNvSpPr>
-          <p:nvPr>
-            <p:ph type="title"/>
-          </p:nvPr>
-        </p:nvSpPr>
-        <p:spPr/>
-        <p:txBody>
-          <a:bodyPr/>
-          <a:lstStyle/>
-          <a:p>
-            <a:pPr algn="ctr"/>
-            <a:r>
-              <a:rPr lang="it-IT" dirty="0"/>
-              <a:t>Cosa sono i microservizi</a:t>
-            </a:r>
-          </a:p>
-        </p:txBody>
-      </p:sp>
-      <p:sp>
-        <p:nvSpPr>
-          <p:cNvPr id="7" name="Segnaposto numero diapositiva 6">
-            <a:extLst>
-              <a:ext uri="{FF2B5EF4-FFF2-40B4-BE49-F238E27FC236}">
-                <a16:creationId xmlns:a16="http://schemas.microsoft.com/office/drawing/2014/main" id="{D4EE48D8-167B-F756-5677-B27E83EBC476}"/>
-              </a:ext>
-            </a:extLst>
-          </p:cNvPr>
-          <p:cNvSpPr>
-            <a:spLocks noGrp="1"/>
-          </p:cNvSpPr>
-          <p:nvPr>
-            <p:ph type="sldNum" sz="quarter" idx="12"/>
-          </p:nvPr>
-        </p:nvSpPr>
-        <p:spPr/>
-        <p:txBody>
-          <a:bodyPr/>
-          <a:lstStyle/>
-          <a:p>
-            <a:fld id="{3F24ED9F-0AD1-BB4C-9842-01F95E80AFCD}" type="slidenum">
-              <a:rPr lang="it-IT" smtClean="0"/>
-              <a:t>3</a:t>
-            </a:fld>
-            <a:endParaRPr lang="it-IT" dirty="0"/>
-          </a:p>
-        </p:txBody>
-      </p:sp>
-      <p:sp>
-        <p:nvSpPr>
-          <p:cNvPr id="20" name="Rettangolo 19">
-            <a:extLst>
-              <a:ext uri="{FF2B5EF4-FFF2-40B4-BE49-F238E27FC236}">
-                <a16:creationId xmlns:a16="http://schemas.microsoft.com/office/drawing/2014/main" id="{A7EE5209-549D-9938-3DC5-C415F687D528}"/>
-              </a:ext>
-            </a:extLst>
-          </p:cNvPr>
-          <p:cNvSpPr/>
-          <p:nvPr/>
-        </p:nvSpPr>
-        <p:spPr>
-          <a:xfrm rot="5400000" flipH="1">
-            <a:off x="6073140" y="-3836435"/>
-            <a:ext cx="45719" cy="10515602"/>
-          </a:xfrm>
-          <a:prstGeom prst="rect">
-            <a:avLst/>
-          </a:prstGeom>
-          <a:solidFill>
-            <a:srgbClr val="FFAB91"/>
-          </a:solidFill>
-          <a:ln>
-            <a:noFill/>
-          </a:ln>
-        </p:spPr>
-        <p:style>
-          <a:lnRef idx="2">
-            <a:schemeClr val="accent1">
-              <a:shade val="50000"/>
-            </a:schemeClr>
-          </a:lnRef>
-          <a:fillRef idx="1">
-            <a:schemeClr val="accent1"/>
-          </a:fillRef>
-          <a:effectRef idx="0">
-            <a:schemeClr val="accent1"/>
-          </a:effectRef>
-          <a:fontRef idx="minor">
-            <a:schemeClr val="lt1"/>
-          </a:fontRef>
-        </p:style>
-        <p:txBody>
-          <a:bodyPr rtlCol="0" anchor="ctr"/>
-          <a:lstStyle/>
-          <a:p>
-            <a:pPr algn="ctr"/>
-            <a:endParaRPr lang="it-IT" dirty="0"/>
-          </a:p>
-        </p:txBody>
-      </p:sp>
-      <p:sp>
-        <p:nvSpPr>
-          <p:cNvPr id="12" name="CasellaDiTesto 11">
-            <a:extLst>
-              <a:ext uri="{FF2B5EF4-FFF2-40B4-BE49-F238E27FC236}">
-                <a16:creationId xmlns:a16="http://schemas.microsoft.com/office/drawing/2014/main" id="{30267495-EA41-5B28-45A0-B7C7028EFF7C}"/>
-              </a:ext>
-            </a:extLst>
-          </p:cNvPr>
-          <p:cNvSpPr txBox="1"/>
-          <p:nvPr/>
-        </p:nvSpPr>
-        <p:spPr>
-          <a:xfrm>
-            <a:off x="838197" y="1673667"/>
-            <a:ext cx="10515599" cy="1323439"/>
-          </a:xfrm>
-          <a:prstGeom prst="rect">
-            <a:avLst/>
-          </a:prstGeom>
-          <a:noFill/>
-        </p:spPr>
-        <p:txBody>
-          <a:bodyPr wrap="square">
-            <a:spAutoFit/>
-          </a:bodyPr>
-          <a:lstStyle/>
-          <a:p>
-            <a:pPr algn="l"/>
-            <a:r>
-              <a:rPr lang="it-IT" sz="2000" dirty="0">
-                <a:latin typeface="Century Gothic" panose="020B0502020202020204" pitchFamily="34" charset="0"/>
-              </a:rPr>
-              <a:t>Nelle architetture a microservizi l’obiettivo è quello di </a:t>
-            </a:r>
-            <a:r>
-              <a:rPr lang="it-IT" sz="2000" b="1" dirty="0">
-                <a:latin typeface="Century Gothic" panose="020B0502020202020204" pitchFamily="34" charset="0"/>
-              </a:rPr>
-              <a:t>scomporre l’applicazione </a:t>
-            </a:r>
-            <a:r>
-              <a:rPr lang="it-IT" sz="2000" dirty="0">
-                <a:latin typeface="Century Gothic" panose="020B0502020202020204" pitchFamily="34" charset="0"/>
-              </a:rPr>
-              <a:t>da realizzare nelle sue funzioni (</a:t>
-            </a:r>
-            <a:r>
-              <a:rPr lang="it-IT" sz="2000" b="1" dirty="0">
-                <a:latin typeface="Century Gothic" panose="020B0502020202020204" pitchFamily="34" charset="0"/>
-              </a:rPr>
-              <a:t>servizi</a:t>
-            </a:r>
-            <a:r>
-              <a:rPr lang="it-IT" sz="2000" dirty="0">
-                <a:latin typeface="Century Gothic" panose="020B0502020202020204" pitchFamily="34" charset="0"/>
-              </a:rPr>
-              <a:t>) di base.</a:t>
-            </a:r>
-          </a:p>
-          <a:p>
-            <a:pPr algn="l"/>
-            <a:r>
-              <a:rPr lang="it-IT" sz="2000" dirty="0">
-                <a:latin typeface="Century Gothic" panose="020B0502020202020204" pitchFamily="34" charset="0"/>
-              </a:rPr>
-              <a:t>Ogni servizio può essere compilato e distribuito in modo </a:t>
-            </a:r>
-            <a:r>
-              <a:rPr lang="it-IT" sz="2000" b="1" dirty="0">
-                <a:latin typeface="Century Gothic" panose="020B0502020202020204" pitchFamily="34" charset="0"/>
-              </a:rPr>
-              <a:t>indipendente</a:t>
-            </a:r>
-            <a:r>
-              <a:rPr lang="it-IT" sz="2000" dirty="0">
-                <a:latin typeface="Century Gothic" panose="020B0502020202020204" pitchFamily="34" charset="0"/>
-              </a:rPr>
-              <a:t>; quindi i singoli servizi possono funzionare o non funzionare senza compromettere gli altri.</a:t>
-            </a:r>
-          </a:p>
-        </p:txBody>
-      </p:sp>
-      <p:pic>
-        <p:nvPicPr>
-          <p:cNvPr id="1026" name="Picture 2" descr="Microservices vs. Monolithic Architectures | SUSE Communities">
-            <a:extLst>
-              <a:ext uri="{FF2B5EF4-FFF2-40B4-BE49-F238E27FC236}">
-                <a16:creationId xmlns:a16="http://schemas.microsoft.com/office/drawing/2014/main" id="{98F922C0-79E3-AA25-9489-64337803A20F}"/>
-              </a:ext>
-            </a:extLst>
-          </p:cNvPr>
-          <p:cNvPicPr>
-            <a:picLocks noChangeAspect="1" noChangeArrowheads="1"/>
-          </p:cNvPicPr>
-          <p:nvPr/>
-        </p:nvPicPr>
-        <p:blipFill rotWithShape="1">
-          <a:blip r:embed="rId3">
-            <a:extLst>
-              <a:ext uri="{28A0092B-C50C-407E-A947-70E740481C1C}">
-                <a14:useLocalDpi xmlns:a14="http://schemas.microsoft.com/office/drawing/2010/main" val="0"/>
-              </a:ext>
-            </a:extLst>
-          </a:blip>
-          <a:srcRect t="11869"/>
-          <a:stretch/>
-        </p:blipFill>
-        <p:spPr bwMode="auto">
-          <a:xfrm>
-            <a:off x="2969628" y="3062136"/>
-            <a:ext cx="6252743" cy="2664153"/>
-          </a:xfrm>
-          <a:prstGeom prst="rect">
-            <a:avLst/>
-          </a:prstGeom>
-          <a:noFill/>
-          <a:extLst>
-            <a:ext uri="{909E8E84-426E-40DD-AFC4-6F175D3DCCD1}">
-              <a14:hiddenFill xmlns:a14="http://schemas.microsoft.com/office/drawing/2010/main">
-                <a:solidFill>
-                  <a:srgbClr val="FFFFFF"/>
-                </a:solidFill>
-              </a14:hiddenFill>
-            </a:ext>
-          </a:extLst>
-        </p:spPr>
-      </p:pic>
-      <p:sp>
-        <p:nvSpPr>
-          <p:cNvPr id="8" name="CasellaDiTesto 7">
-            <a:extLst>
-              <a:ext uri="{FF2B5EF4-FFF2-40B4-BE49-F238E27FC236}">
-                <a16:creationId xmlns:a16="http://schemas.microsoft.com/office/drawing/2014/main" id="{BD2F7E22-F673-1226-5997-3DEA08E6FF11}"/>
-              </a:ext>
-            </a:extLst>
-          </p:cNvPr>
-          <p:cNvSpPr txBox="1"/>
-          <p:nvPr/>
-        </p:nvSpPr>
-        <p:spPr>
-          <a:xfrm>
-            <a:off x="3553127" y="5726289"/>
-            <a:ext cx="5085738" cy="323165"/>
-          </a:xfrm>
-          <a:prstGeom prst="rect">
-            <a:avLst/>
-          </a:prstGeom>
-          <a:noFill/>
-        </p:spPr>
-        <p:txBody>
-          <a:bodyPr wrap="square">
-            <a:spAutoFit/>
-          </a:bodyPr>
-          <a:lstStyle/>
-          <a:p>
-            <a:pPr algn="l"/>
-            <a:r>
-              <a:rPr lang="it-IT" sz="1500" dirty="0">
-                <a:latin typeface="Century Gothic" panose="020B0502020202020204" pitchFamily="34" charset="0"/>
-              </a:rPr>
-              <a:t>Confronto tra architettura monolitica e a microservizi</a:t>
-            </a:r>
-          </a:p>
-        </p:txBody>
-      </p:sp>
-    </p:spTree>
-    <p:extLst>
-      <p:ext uri="{BB962C8B-B14F-4D97-AF65-F5344CB8AC3E}">
-        <p14:creationId xmlns:p14="http://schemas.microsoft.com/office/powerpoint/2010/main" val="1505730514"/>
-      </p:ext>
-    </p:extLst>
-  </p:cSld>
-  <p:clrMapOvr>
-    <a:masterClrMapping/>
-  </p:clrMapOvr>
-  <mc:AlternateContent xmlns:mc="http://schemas.openxmlformats.org/markup-compatibility/2006" xmlns:p159="http://schemas.microsoft.com/office/powerpoint/2015/09/main">
-    <mc:Choice Requires="p159">
-      <p:transition spd="slow">
-        <p159:morph option="byObject"/>
-      </p:transition>
-    </mc:Choice>
-    <mc:Fallback xmlns="">
-      <p:transition spd="slow">
-        <p:fade/>
-      </p:transition>
-    </mc:Fallback>
-  </mc:AlternateContent>
 </p:sld>
 </file>
 
@@ -13020,13 +14348,13 @@
   <p:clrMapOvr>
     <a:masterClrMapping/>
   </p:clrMapOvr>
-  <mc:AlternateContent xmlns:mc="http://schemas.openxmlformats.org/markup-compatibility/2006">
-    <mc:Choice xmlns:p159="http://schemas.microsoft.com/office/powerpoint/2015/09/main" Requires="p159">
+  <mc:AlternateContent xmlns:mc="http://schemas.openxmlformats.org/markup-compatibility/2006" xmlns:p159="http://schemas.microsoft.com/office/powerpoint/2015/09/main">
+    <mc:Choice Requires="p159">
       <p:transition spd="slow">
         <p159:morph option="byObject"/>
       </p:transition>
     </mc:Choice>
-    <mc:Fallback>
+    <mc:Fallback xmlns="">
       <p:transition spd="slow">
         <p:fade/>
       </p:transition>
@@ -13203,7 +14531,7 @@
               <a:rPr lang="it-IT" sz="2200" dirty="0">
                 <a:latin typeface="Century Gothic" panose="020B0502020202020204" pitchFamily="34" charset="0"/>
               </a:rPr>
-              <a:t>L’obiettivo è realizzare il controllo degli accessi ad una piattaforma generica di un utente, identificato tramite token.</a:t>
+              <a:t>L’obiettivo è implementare il controllo degli accessi ad una piattaforma generica di un utente, identificato tramite token.</a:t>
             </a:r>
           </a:p>
           <a:p>
@@ -13221,7 +14549,7 @@
               <a:rPr lang="it-IT" sz="2200" dirty="0">
                 <a:latin typeface="Century Gothic" panose="020B0502020202020204" pitchFamily="34" charset="0"/>
               </a:rPr>
-              <a:t>Il progetto è composto da 4 macro – componenti:</a:t>
+              <a:t>Il progetto è strutturato in 4 macro – componenti:</a:t>
             </a:r>
           </a:p>
           <a:p>
@@ -13245,7 +14573,7 @@
               <a:rPr lang="it-IT" sz="2200" dirty="0">
                 <a:latin typeface="Century Gothic" panose="020B0502020202020204" pitchFamily="34" charset="0"/>
               </a:rPr>
-              <a:t>Microservizio</a:t>
+              <a:t>Microservizio in Java utilizzando Spring Framework</a:t>
             </a:r>
           </a:p>
           <a:p>
@@ -13269,8 +14597,17 @@
               <a:rPr lang="it-IT" sz="2200" dirty="0">
                 <a:latin typeface="Century Gothic" panose="020B0502020202020204" pitchFamily="34" charset="0"/>
               </a:rPr>
-              <a:t>Plugin custom per Kong Gateway</a:t>
-            </a:r>
+              <a:t>Plugin custom per Kong Gateway in </a:t>
+            </a:r>
+            <a:r>
+              <a:rPr lang="it-IT" sz="2200" dirty="0" err="1">
+                <a:latin typeface="Century Gothic" panose="020B0502020202020204" pitchFamily="34" charset="0"/>
+              </a:rPr>
+              <a:t>Lua</a:t>
+            </a:r>
+            <a:endParaRPr lang="it-IT" sz="2200" dirty="0">
+              <a:latin typeface="Century Gothic" panose="020B0502020202020204" pitchFamily="34" charset="0"/>
+            </a:endParaRPr>
           </a:p>
           <a:p>
             <a:pPr marL="285750" indent="-285750">

--- a/Presentazione/Valerio Desiati - Presentazione Discussione.pptx
+++ b/Presentazione/Valerio Desiati - Presentazione Discussione.pptx
@@ -5,7 +5,7 @@
     <p:sldMasterId id="2147483648" r:id="rId1"/>
   </p:sldMasterIdLst>
   <p:notesMasterIdLst>
-    <p:notesMasterId r:id="rId33"/>
+    <p:notesMasterId r:id="rId32"/>
   </p:notesMasterIdLst>
   <p:sldIdLst>
     <p:sldId id="256" r:id="rId2"/>
@@ -14,31 +14,30 @@
     <p:sldId id="320" r:id="rId5"/>
     <p:sldId id="292" r:id="rId6"/>
     <p:sldId id="298" r:id="rId7"/>
-    <p:sldId id="319" r:id="rId8"/>
-    <p:sldId id="321" r:id="rId9"/>
-    <p:sldId id="283" r:id="rId10"/>
-    <p:sldId id="300" r:id="rId11"/>
-    <p:sldId id="294" r:id="rId12"/>
-    <p:sldId id="323" r:id="rId13"/>
-    <p:sldId id="322" r:id="rId14"/>
-    <p:sldId id="257" r:id="rId15"/>
-    <p:sldId id="333" r:id="rId16"/>
-    <p:sldId id="334" r:id="rId17"/>
-    <p:sldId id="335" r:id="rId18"/>
-    <p:sldId id="336" r:id="rId19"/>
-    <p:sldId id="324" r:id="rId20"/>
-    <p:sldId id="329" r:id="rId21"/>
-    <p:sldId id="337" r:id="rId22"/>
-    <p:sldId id="338" r:id="rId23"/>
-    <p:sldId id="339" r:id="rId24"/>
-    <p:sldId id="327" r:id="rId25"/>
-    <p:sldId id="328" r:id="rId26"/>
-    <p:sldId id="326" r:id="rId27"/>
-    <p:sldId id="304" r:id="rId28"/>
-    <p:sldId id="330" r:id="rId29"/>
-    <p:sldId id="331" r:id="rId30"/>
-    <p:sldId id="332" r:id="rId31"/>
-    <p:sldId id="325" r:id="rId32"/>
+    <p:sldId id="321" r:id="rId8"/>
+    <p:sldId id="283" r:id="rId9"/>
+    <p:sldId id="300" r:id="rId10"/>
+    <p:sldId id="294" r:id="rId11"/>
+    <p:sldId id="323" r:id="rId12"/>
+    <p:sldId id="322" r:id="rId13"/>
+    <p:sldId id="257" r:id="rId14"/>
+    <p:sldId id="333" r:id="rId15"/>
+    <p:sldId id="334" r:id="rId16"/>
+    <p:sldId id="335" r:id="rId17"/>
+    <p:sldId id="336" r:id="rId18"/>
+    <p:sldId id="324" r:id="rId19"/>
+    <p:sldId id="340" r:id="rId20"/>
+    <p:sldId id="341" r:id="rId21"/>
+    <p:sldId id="342" r:id="rId22"/>
+    <p:sldId id="343" r:id="rId23"/>
+    <p:sldId id="327" r:id="rId24"/>
+    <p:sldId id="328" r:id="rId25"/>
+    <p:sldId id="326" r:id="rId26"/>
+    <p:sldId id="304" r:id="rId27"/>
+    <p:sldId id="330" r:id="rId28"/>
+    <p:sldId id="331" r:id="rId29"/>
+    <p:sldId id="332" r:id="rId30"/>
+    <p:sldId id="325" r:id="rId31"/>
   </p:sldIdLst>
   <p:sldSz cx="12192000" cy="6858000"/>
   <p:notesSz cx="6858000" cy="9144000"/>
@@ -658,7 +657,7 @@
     </p:spTree>
     <p:extLst>
       <p:ext uri="{BB962C8B-B14F-4D97-AF65-F5344CB8AC3E}">
-        <p14:creationId xmlns:p14="http://schemas.microsoft.com/office/powerpoint/2010/main" val="795852460"/>
+        <p14:creationId xmlns:p14="http://schemas.microsoft.com/office/powerpoint/2010/main" val="3219719255"/>
       </p:ext>
     </p:extLst>
   </p:cSld>
@@ -742,7 +741,7 @@
     </p:spTree>
     <p:extLst>
       <p:ext uri="{BB962C8B-B14F-4D97-AF65-F5344CB8AC3E}">
-        <p14:creationId xmlns:p14="http://schemas.microsoft.com/office/powerpoint/2010/main" val="3219719255"/>
+        <p14:creationId xmlns:p14="http://schemas.microsoft.com/office/powerpoint/2010/main" val="1379262800"/>
       </p:ext>
     </p:extLst>
   </p:cSld>
@@ -826,7 +825,7 @@
     </p:spTree>
     <p:extLst>
       <p:ext uri="{BB962C8B-B14F-4D97-AF65-F5344CB8AC3E}">
-        <p14:creationId xmlns:p14="http://schemas.microsoft.com/office/powerpoint/2010/main" val="1379262800"/>
+        <p14:creationId xmlns:p14="http://schemas.microsoft.com/office/powerpoint/2010/main" val="620015635"/>
       </p:ext>
     </p:extLst>
   </p:cSld>
@@ -910,7 +909,7 @@
     </p:spTree>
     <p:extLst>
       <p:ext uri="{BB962C8B-B14F-4D97-AF65-F5344CB8AC3E}">
-        <p14:creationId xmlns:p14="http://schemas.microsoft.com/office/powerpoint/2010/main" val="620015635"/>
+        <p14:creationId xmlns:p14="http://schemas.microsoft.com/office/powerpoint/2010/main" val="2954105688"/>
       </p:ext>
     </p:extLst>
   </p:cSld>
@@ -994,7 +993,7 @@
     </p:spTree>
     <p:extLst>
       <p:ext uri="{BB962C8B-B14F-4D97-AF65-F5344CB8AC3E}">
-        <p14:creationId xmlns:p14="http://schemas.microsoft.com/office/powerpoint/2010/main" val="2954105688"/>
+        <p14:creationId xmlns:p14="http://schemas.microsoft.com/office/powerpoint/2010/main" val="3707488486"/>
       </p:ext>
     </p:extLst>
   </p:cSld>
@@ -1078,7 +1077,7 @@
     </p:spTree>
     <p:extLst>
       <p:ext uri="{BB962C8B-B14F-4D97-AF65-F5344CB8AC3E}">
-        <p14:creationId xmlns:p14="http://schemas.microsoft.com/office/powerpoint/2010/main" val="3707488486"/>
+        <p14:creationId xmlns:p14="http://schemas.microsoft.com/office/powerpoint/2010/main" val="810854072"/>
       </p:ext>
     </p:extLst>
   </p:cSld>
@@ -1162,7 +1161,7 @@
     </p:spTree>
     <p:extLst>
       <p:ext uri="{BB962C8B-B14F-4D97-AF65-F5344CB8AC3E}">
-        <p14:creationId xmlns:p14="http://schemas.microsoft.com/office/powerpoint/2010/main" val="810854072"/>
+        <p14:creationId xmlns:p14="http://schemas.microsoft.com/office/powerpoint/2010/main" val="3862764196"/>
       </p:ext>
     </p:extLst>
   </p:cSld>
@@ -1246,7 +1245,7 @@
     </p:spTree>
     <p:extLst>
       <p:ext uri="{BB962C8B-B14F-4D97-AF65-F5344CB8AC3E}">
-        <p14:creationId xmlns:p14="http://schemas.microsoft.com/office/powerpoint/2010/main" val="3862764196"/>
+        <p14:creationId xmlns:p14="http://schemas.microsoft.com/office/powerpoint/2010/main" val="3019642967"/>
       </p:ext>
     </p:extLst>
   </p:cSld>
@@ -1330,7 +1329,7 @@
     </p:spTree>
     <p:extLst>
       <p:ext uri="{BB962C8B-B14F-4D97-AF65-F5344CB8AC3E}">
-        <p14:creationId xmlns:p14="http://schemas.microsoft.com/office/powerpoint/2010/main" val="3019642967"/>
+        <p14:creationId xmlns:p14="http://schemas.microsoft.com/office/powerpoint/2010/main" val="2163639335"/>
       </p:ext>
     </p:extLst>
   </p:cSld>
@@ -1414,7 +1413,7 @@
     </p:spTree>
     <p:extLst>
       <p:ext uri="{BB962C8B-B14F-4D97-AF65-F5344CB8AC3E}">
-        <p14:creationId xmlns:p14="http://schemas.microsoft.com/office/powerpoint/2010/main" val="2163639335"/>
+        <p14:creationId xmlns:p14="http://schemas.microsoft.com/office/powerpoint/2010/main" val="2742640439"/>
       </p:ext>
     </p:extLst>
   </p:cSld>
@@ -1582,7 +1581,7 @@
     </p:spTree>
     <p:extLst>
       <p:ext uri="{BB962C8B-B14F-4D97-AF65-F5344CB8AC3E}">
-        <p14:creationId xmlns:p14="http://schemas.microsoft.com/office/powerpoint/2010/main" val="2742640439"/>
+        <p14:creationId xmlns:p14="http://schemas.microsoft.com/office/powerpoint/2010/main" val="195886760"/>
       </p:ext>
     </p:extLst>
   </p:cSld>
@@ -1666,7 +1665,7 @@
     </p:spTree>
     <p:extLst>
       <p:ext uri="{BB962C8B-B14F-4D97-AF65-F5344CB8AC3E}">
-        <p14:creationId xmlns:p14="http://schemas.microsoft.com/office/powerpoint/2010/main" val="195886760"/>
+        <p14:creationId xmlns:p14="http://schemas.microsoft.com/office/powerpoint/2010/main" val="3559657501"/>
       </p:ext>
     </p:extLst>
   </p:cSld>
@@ -1750,7 +1749,7 @@
     </p:spTree>
     <p:extLst>
       <p:ext uri="{BB962C8B-B14F-4D97-AF65-F5344CB8AC3E}">
-        <p14:creationId xmlns:p14="http://schemas.microsoft.com/office/powerpoint/2010/main" val="3559657501"/>
+        <p14:creationId xmlns:p14="http://schemas.microsoft.com/office/powerpoint/2010/main" val="1103938170"/>
       </p:ext>
     </p:extLst>
   </p:cSld>
@@ -1834,7 +1833,7 @@
     </p:spTree>
     <p:extLst>
       <p:ext uri="{BB962C8B-B14F-4D97-AF65-F5344CB8AC3E}">
-        <p14:creationId xmlns:p14="http://schemas.microsoft.com/office/powerpoint/2010/main" val="1103938170"/>
+        <p14:creationId xmlns:p14="http://schemas.microsoft.com/office/powerpoint/2010/main" val="3472760610"/>
       </p:ext>
     </p:extLst>
   </p:cSld>
@@ -1918,7 +1917,7 @@
     </p:spTree>
     <p:extLst>
       <p:ext uri="{BB962C8B-B14F-4D97-AF65-F5344CB8AC3E}">
-        <p14:creationId xmlns:p14="http://schemas.microsoft.com/office/powerpoint/2010/main" val="3472760610"/>
+        <p14:creationId xmlns:p14="http://schemas.microsoft.com/office/powerpoint/2010/main" val="3265085799"/>
       </p:ext>
     </p:extLst>
   </p:cSld>
@@ -2002,7 +2001,7 @@
     </p:spTree>
     <p:extLst>
       <p:ext uri="{BB962C8B-B14F-4D97-AF65-F5344CB8AC3E}">
-        <p14:creationId xmlns:p14="http://schemas.microsoft.com/office/powerpoint/2010/main" val="3265085799"/>
+        <p14:creationId xmlns:p14="http://schemas.microsoft.com/office/powerpoint/2010/main" val="3829759184"/>
       </p:ext>
     </p:extLst>
   </p:cSld>
@@ -2077,91 +2076,7 @@
           <a:p>
             <a:fld id="{4C1F9E36-1FE2-5648-8A6D-D903E424B1AF}" type="slidenum">
               <a:rPr lang="it-IT" smtClean="0"/>
-              <a:t>26</a:t>
-            </a:fld>
-            <a:endParaRPr lang="it-IT" dirty="0"/>
-          </a:p>
-        </p:txBody>
-      </p:sp>
-    </p:spTree>
-    <p:extLst>
-      <p:ext uri="{BB962C8B-B14F-4D97-AF65-F5344CB8AC3E}">
-        <p14:creationId xmlns:p14="http://schemas.microsoft.com/office/powerpoint/2010/main" val="3829759184"/>
-      </p:ext>
-    </p:extLst>
-  </p:cSld>
-  <p:clrMapOvr>
-    <a:masterClrMapping/>
-  </p:clrMapOvr>
-</p:notes>
-</file>
-
-<file path=ppt/notesSlides/notesSlide27.xml><?xml version="1.0" encoding="utf-8"?>
-<p:notes xmlns:a="http://schemas.openxmlformats.org/drawingml/2006/main" xmlns:r="http://schemas.openxmlformats.org/officeDocument/2006/relationships" xmlns:p="http://schemas.openxmlformats.org/presentationml/2006/main">
-  <p:cSld>
-    <p:spTree>
-      <p:nvGrpSpPr>
-        <p:cNvPr id="1" name=""/>
-        <p:cNvGrpSpPr/>
-        <p:nvPr/>
-      </p:nvGrpSpPr>
-      <p:grpSpPr>
-        <a:xfrm>
-          <a:off x="0" y="0"/>
-          <a:ext cx="0" cy="0"/>
-          <a:chOff x="0" y="0"/>
-          <a:chExt cx="0" cy="0"/>
-        </a:xfrm>
-      </p:grpSpPr>
-      <p:sp>
-        <p:nvSpPr>
-          <p:cNvPr id="2" name="Segnaposto immagine diapositiva 1"/>
-          <p:cNvSpPr>
-            <a:spLocks noGrp="1" noRot="1" noChangeAspect="1"/>
-          </p:cNvSpPr>
-          <p:nvPr>
-            <p:ph type="sldImg"/>
-          </p:nvPr>
-        </p:nvSpPr>
-        <p:spPr/>
-      </p:sp>
-      <p:sp>
-        <p:nvSpPr>
-          <p:cNvPr id="3" name="Segnaposto note 2"/>
-          <p:cNvSpPr>
-            <a:spLocks noGrp="1"/>
-          </p:cNvSpPr>
-          <p:nvPr>
-            <p:ph type="body" idx="1"/>
-          </p:nvPr>
-        </p:nvSpPr>
-        <p:spPr/>
-        <p:txBody>
-          <a:bodyPr/>
-          <a:lstStyle/>
-          <a:p>
-            <a:endParaRPr lang="it-IT" dirty="0"/>
-          </a:p>
-        </p:txBody>
-      </p:sp>
-      <p:sp>
-        <p:nvSpPr>
-          <p:cNvPr id="4" name="Segnaposto numero diapositiva 3"/>
-          <p:cNvSpPr>
-            <a:spLocks noGrp="1"/>
-          </p:cNvSpPr>
-          <p:nvPr>
-            <p:ph type="sldNum" sz="quarter" idx="5"/>
-          </p:nvPr>
-        </p:nvSpPr>
-        <p:spPr/>
-        <p:txBody>
-          <a:bodyPr/>
-          <a:lstStyle/>
-          <a:p>
-            <a:fld id="{4C1F9E36-1FE2-5648-8A6D-D903E424B1AF}" type="slidenum">
-              <a:rPr lang="it-IT" smtClean="0"/>
-              <a:t>31</a:t>
+              <a:t>30</a:t>
             </a:fld>
             <a:endParaRPr lang="it-IT" dirty="0"/>
           </a:p>
@@ -2590,7 +2505,7 @@
     </p:spTree>
     <p:extLst>
       <p:ext uri="{BB962C8B-B14F-4D97-AF65-F5344CB8AC3E}">
-        <p14:creationId xmlns:p14="http://schemas.microsoft.com/office/powerpoint/2010/main" val="3215530659"/>
+        <p14:creationId xmlns:p14="http://schemas.microsoft.com/office/powerpoint/2010/main" val="1166679850"/>
       </p:ext>
     </p:extLst>
   </p:cSld>
@@ -2674,7 +2589,7 @@
     </p:spTree>
     <p:extLst>
       <p:ext uri="{BB962C8B-B14F-4D97-AF65-F5344CB8AC3E}">
-        <p14:creationId xmlns:p14="http://schemas.microsoft.com/office/powerpoint/2010/main" val="1166679850"/>
+        <p14:creationId xmlns:p14="http://schemas.microsoft.com/office/powerpoint/2010/main" val="3953867288"/>
       </p:ext>
     </p:extLst>
   </p:cSld>
@@ -2758,7 +2673,7 @@
     </p:spTree>
     <p:extLst>
       <p:ext uri="{BB962C8B-B14F-4D97-AF65-F5344CB8AC3E}">
-        <p14:creationId xmlns:p14="http://schemas.microsoft.com/office/powerpoint/2010/main" val="3953867288"/>
+        <p14:creationId xmlns:p14="http://schemas.microsoft.com/office/powerpoint/2010/main" val="795852460"/>
       </p:ext>
     </p:extLst>
   </p:cSld>
@@ -2985,6 +2900,18 @@
   <p:clrMapOvr>
     <a:masterClrMapping/>
   </p:clrMapOvr>
+  <mc:AlternateContent xmlns:mc="http://schemas.openxmlformats.org/markup-compatibility/2006">
+    <mc:Choice xmlns:p159="http://schemas.microsoft.com/office/powerpoint/2015/09/main" Requires="p159">
+      <p:transition>
+        <p159:morph option="byObject"/>
+      </p:transition>
+    </mc:Choice>
+    <mc:Fallback>
+      <p:transition>
+        <p:fade/>
+      </p:transition>
+    </mc:Fallback>
+  </mc:AlternateContent>
 </p:sldLayout>
 </file>
 
@@ -3183,6 +3110,18 @@
   <p:clrMapOvr>
     <a:masterClrMapping/>
   </p:clrMapOvr>
+  <mc:AlternateContent xmlns:mc="http://schemas.openxmlformats.org/markup-compatibility/2006">
+    <mc:Choice xmlns:p159="http://schemas.microsoft.com/office/powerpoint/2015/09/main" Requires="p159">
+      <p:transition>
+        <p159:morph option="byObject"/>
+      </p:transition>
+    </mc:Choice>
+    <mc:Fallback>
+      <p:transition>
+        <p:fade/>
+      </p:transition>
+    </mc:Fallback>
+  </mc:AlternateContent>
 </p:sldLayout>
 </file>
 
@@ -3391,6 +3330,18 @@
   <p:clrMapOvr>
     <a:masterClrMapping/>
   </p:clrMapOvr>
+  <mc:AlternateContent xmlns:mc="http://schemas.openxmlformats.org/markup-compatibility/2006">
+    <mc:Choice xmlns:p159="http://schemas.microsoft.com/office/powerpoint/2015/09/main" Requires="p159">
+      <p:transition>
+        <p159:morph option="byObject"/>
+      </p:transition>
+    </mc:Choice>
+    <mc:Fallback>
+      <p:transition>
+        <p:fade/>
+      </p:transition>
+    </mc:Fallback>
+  </mc:AlternateContent>
 </p:sldLayout>
 </file>
 
@@ -3589,6 +3540,18 @@
   <p:clrMapOvr>
     <a:masterClrMapping/>
   </p:clrMapOvr>
+  <mc:AlternateContent xmlns:mc="http://schemas.openxmlformats.org/markup-compatibility/2006">
+    <mc:Choice xmlns:p159="http://schemas.microsoft.com/office/powerpoint/2015/09/main" Requires="p159">
+      <p:transition>
+        <p159:morph option="byObject"/>
+      </p:transition>
+    </mc:Choice>
+    <mc:Fallback>
+      <p:transition>
+        <p:fade/>
+      </p:transition>
+    </mc:Fallback>
+  </mc:AlternateContent>
 </p:sldLayout>
 </file>
 
@@ -3864,6 +3827,18 @@
   <p:clrMapOvr>
     <a:masterClrMapping/>
   </p:clrMapOvr>
+  <mc:AlternateContent xmlns:mc="http://schemas.openxmlformats.org/markup-compatibility/2006">
+    <mc:Choice xmlns:p159="http://schemas.microsoft.com/office/powerpoint/2015/09/main" Requires="p159">
+      <p:transition>
+        <p159:morph option="byObject"/>
+      </p:transition>
+    </mc:Choice>
+    <mc:Fallback>
+      <p:transition>
+        <p:fade/>
+      </p:transition>
+    </mc:Fallback>
+  </mc:AlternateContent>
 </p:sldLayout>
 </file>
 
@@ -4129,6 +4104,18 @@
   <p:clrMapOvr>
     <a:masterClrMapping/>
   </p:clrMapOvr>
+  <mc:AlternateContent xmlns:mc="http://schemas.openxmlformats.org/markup-compatibility/2006">
+    <mc:Choice xmlns:p159="http://schemas.microsoft.com/office/powerpoint/2015/09/main" Requires="p159">
+      <p:transition>
+        <p159:morph option="byObject"/>
+      </p:transition>
+    </mc:Choice>
+    <mc:Fallback>
+      <p:transition>
+        <p:fade/>
+      </p:transition>
+    </mc:Fallback>
+  </mc:AlternateContent>
 </p:sldLayout>
 </file>
 
@@ -4541,6 +4528,18 @@
   <p:clrMapOvr>
     <a:masterClrMapping/>
   </p:clrMapOvr>
+  <mc:AlternateContent xmlns:mc="http://schemas.openxmlformats.org/markup-compatibility/2006">
+    <mc:Choice xmlns:p159="http://schemas.microsoft.com/office/powerpoint/2015/09/main" Requires="p159">
+      <p:transition>
+        <p159:morph option="byObject"/>
+      </p:transition>
+    </mc:Choice>
+    <mc:Fallback>
+      <p:transition>
+        <p:fade/>
+      </p:transition>
+    </mc:Fallback>
+  </mc:AlternateContent>
 </p:sldLayout>
 </file>
 
@@ -4682,6 +4681,18 @@
   <p:clrMapOvr>
     <a:masterClrMapping/>
   </p:clrMapOvr>
+  <mc:AlternateContent xmlns:mc="http://schemas.openxmlformats.org/markup-compatibility/2006">
+    <mc:Choice xmlns:p159="http://schemas.microsoft.com/office/powerpoint/2015/09/main" Requires="p159">
+      <p:transition>
+        <p159:morph option="byObject"/>
+      </p:transition>
+    </mc:Choice>
+    <mc:Fallback>
+      <p:transition>
+        <p:fade/>
+      </p:transition>
+    </mc:Fallback>
+  </mc:AlternateContent>
 </p:sldLayout>
 </file>
 
@@ -4795,6 +4806,18 @@
   <p:clrMapOvr>
     <a:masterClrMapping/>
   </p:clrMapOvr>
+  <mc:AlternateContent xmlns:mc="http://schemas.openxmlformats.org/markup-compatibility/2006">
+    <mc:Choice xmlns:p159="http://schemas.microsoft.com/office/powerpoint/2015/09/main" Requires="p159">
+      <p:transition>
+        <p159:morph option="byObject"/>
+      </p:transition>
+    </mc:Choice>
+    <mc:Fallback>
+      <p:transition>
+        <p:fade/>
+      </p:transition>
+    </mc:Fallback>
+  </mc:AlternateContent>
 </p:sldLayout>
 </file>
 
@@ -5106,6 +5129,18 @@
   <p:clrMapOvr>
     <a:masterClrMapping/>
   </p:clrMapOvr>
+  <mc:AlternateContent xmlns:mc="http://schemas.openxmlformats.org/markup-compatibility/2006">
+    <mc:Choice xmlns:p159="http://schemas.microsoft.com/office/powerpoint/2015/09/main" Requires="p159">
+      <p:transition>
+        <p159:morph option="byObject"/>
+      </p:transition>
+    </mc:Choice>
+    <mc:Fallback>
+      <p:transition>
+        <p:fade/>
+      </p:transition>
+    </mc:Fallback>
+  </mc:AlternateContent>
 </p:sldLayout>
 </file>
 
@@ -5394,6 +5429,18 @@
   <p:clrMapOvr>
     <a:masterClrMapping/>
   </p:clrMapOvr>
+  <mc:AlternateContent xmlns:mc="http://schemas.openxmlformats.org/markup-compatibility/2006">
+    <mc:Choice xmlns:p159="http://schemas.microsoft.com/office/powerpoint/2015/09/main" Requires="p159">
+      <p:transition>
+        <p159:morph option="byObject"/>
+      </p:transition>
+    </mc:Choice>
+    <mc:Fallback>
+      <p:transition>
+        <p:fade/>
+      </p:transition>
+    </mc:Fallback>
+  </mc:AlternateContent>
 </p:sldLayout>
 </file>
 
@@ -5682,6 +5729,18 @@
     <p:sldLayoutId id="2147483658" r:id="rId10"/>
     <p:sldLayoutId id="2147483659" r:id="rId11"/>
   </p:sldLayoutIdLst>
+  <mc:AlternateContent xmlns:mc="http://schemas.openxmlformats.org/markup-compatibility/2006">
+    <mc:Choice xmlns:p159="http://schemas.microsoft.com/office/powerpoint/2015/09/main" Requires="p159">
+      <p:transition>
+        <p159:morph option="byObject"/>
+      </p:transition>
+    </mc:Choice>
+    <mc:Fallback>
+      <p:transition>
+        <p:fade/>
+      </p:transition>
+    </mc:Fallback>
+  </mc:AlternateContent>
   <p:hf hdr="0" ftr="0" dt="0"/>
   <p:txStyles>
     <p:titleStyle>
@@ -6307,189 +6366,22 @@
   <p:clrMapOvr>
     <a:masterClrMapping/>
   </p:clrMapOvr>
+  <mc:AlternateContent xmlns:mc="http://schemas.openxmlformats.org/markup-compatibility/2006">
+    <mc:Choice xmlns:p159="http://schemas.microsoft.com/office/powerpoint/2015/09/main" Requires="p159">
+      <p:transition>
+        <p159:morph option="byObject"/>
+      </p:transition>
+    </mc:Choice>
+    <mc:Fallback>
+      <p:transition>
+        <p:fade/>
+      </p:transition>
+    </mc:Fallback>
+  </mc:AlternateContent>
 </p:sld>
 </file>
 
 <file path=ppt/slides/slide10.xml><?xml version="1.0" encoding="utf-8"?>
-<p:sld xmlns:a="http://schemas.openxmlformats.org/drawingml/2006/main" xmlns:r="http://schemas.openxmlformats.org/officeDocument/2006/relationships" xmlns:p="http://schemas.openxmlformats.org/presentationml/2006/main">
-  <p:cSld>
-    <p:spTree>
-      <p:nvGrpSpPr>
-        <p:cNvPr id="1" name=""/>
-        <p:cNvGrpSpPr/>
-        <p:nvPr/>
-      </p:nvGrpSpPr>
-      <p:grpSpPr>
-        <a:xfrm>
-          <a:off x="0" y="0"/>
-          <a:ext cx="0" cy="0"/>
-          <a:chOff x="0" y="0"/>
-          <a:chExt cx="0" cy="0"/>
-        </a:xfrm>
-      </p:grpSpPr>
-      <p:sp>
-        <p:nvSpPr>
-          <p:cNvPr id="2" name="Titolo 1">
-            <a:extLst>
-              <a:ext uri="{FF2B5EF4-FFF2-40B4-BE49-F238E27FC236}">
-                <a16:creationId xmlns:a16="http://schemas.microsoft.com/office/drawing/2014/main" id="{17399A1C-8FCE-F6C0-588E-EDC67B55EE12}"/>
-              </a:ext>
-            </a:extLst>
-          </p:cNvPr>
-          <p:cNvSpPr>
-            <a:spLocks noGrp="1"/>
-          </p:cNvSpPr>
-          <p:nvPr>
-            <p:ph type="title"/>
-          </p:nvPr>
-        </p:nvSpPr>
-        <p:spPr/>
-        <p:txBody>
-          <a:bodyPr/>
-          <a:lstStyle/>
-          <a:p>
-            <a:pPr algn="ctr"/>
-            <a:r>
-              <a:rPr lang="it-IT" dirty="0"/>
-              <a:t>Schema delle comunicazioni</a:t>
-            </a:r>
-          </a:p>
-        </p:txBody>
-      </p:sp>
-      <p:sp>
-        <p:nvSpPr>
-          <p:cNvPr id="8" name="Segnaposto numero diapositiva 7">
-            <a:extLst>
-              <a:ext uri="{FF2B5EF4-FFF2-40B4-BE49-F238E27FC236}">
-                <a16:creationId xmlns:a16="http://schemas.microsoft.com/office/drawing/2014/main" id="{70136F1F-0F2E-A8D7-878A-1186A6BC8CA4}"/>
-              </a:ext>
-            </a:extLst>
-          </p:cNvPr>
-          <p:cNvSpPr>
-            <a:spLocks noGrp="1"/>
-          </p:cNvSpPr>
-          <p:nvPr>
-            <p:ph type="sldNum" sz="quarter" idx="12"/>
-          </p:nvPr>
-        </p:nvSpPr>
-        <p:spPr/>
-        <p:txBody>
-          <a:bodyPr/>
-          <a:lstStyle/>
-          <a:p>
-            <a:fld id="{3F24ED9F-0AD1-BB4C-9842-01F95E80AFCD}" type="slidenum">
-              <a:rPr lang="it-IT" smtClean="0"/>
-              <a:t>10</a:t>
-            </a:fld>
-            <a:endParaRPr lang="it-IT" dirty="0"/>
-          </a:p>
-        </p:txBody>
-      </p:sp>
-      <p:sp>
-        <p:nvSpPr>
-          <p:cNvPr id="9" name="Rettangolo 8">
-            <a:extLst>
-              <a:ext uri="{FF2B5EF4-FFF2-40B4-BE49-F238E27FC236}">
-                <a16:creationId xmlns:a16="http://schemas.microsoft.com/office/drawing/2014/main" id="{56EF002A-1A82-5F25-F576-39A37581DB3D}"/>
-              </a:ext>
-            </a:extLst>
-          </p:cNvPr>
-          <p:cNvSpPr/>
-          <p:nvPr/>
-        </p:nvSpPr>
-        <p:spPr>
-          <a:xfrm rot="5400000" flipH="1">
-            <a:off x="6073142" y="-3836436"/>
-            <a:ext cx="45719" cy="10515602"/>
-          </a:xfrm>
-          <a:prstGeom prst="rect">
-            <a:avLst/>
-          </a:prstGeom>
-          <a:solidFill>
-            <a:srgbClr val="7030A0"/>
-          </a:solidFill>
-        </p:spPr>
-        <p:txBody>
-          <a:bodyPr vert="horz" lIns="91440" tIns="45720" rIns="91440" bIns="45720" rtlCol="0" anchor="b">
-            <a:normAutofit/>
-          </a:bodyPr>
-          <a:lstStyle/>
-          <a:p>
-            <a:pPr algn="ctr">
-              <a:lnSpc>
-                <a:spcPct val="90000"/>
-              </a:lnSpc>
-              <a:spcBef>
-                <a:spcPct val="0"/>
-              </a:spcBef>
-            </a:pPr>
-            <a:endParaRPr lang="it-IT" sz="6000" dirty="0">
-              <a:ln>
-                <a:solidFill>
-                  <a:schemeClr val="bg1"/>
-                </a:solidFill>
-              </a:ln>
-              <a:solidFill>
-                <a:schemeClr val="bg1"/>
-              </a:solidFill>
-              <a:effectLst>
-                <a:outerShdw blurRad="50800" dist="38100" dir="5400000" algn="t" rotWithShape="0">
-                  <a:prstClr val="black">
-                    <a:alpha val="40000"/>
-                  </a:prstClr>
-                </a:outerShdw>
-              </a:effectLst>
-              <a:latin typeface="+mj-lt"/>
-              <a:ea typeface="+mj-ea"/>
-              <a:cs typeface="+mj-cs"/>
-            </a:endParaRPr>
-          </a:p>
-        </p:txBody>
-      </p:sp>
-      <p:pic>
-        <p:nvPicPr>
-          <p:cNvPr id="11" name="Immagine 10" descr="Immagine che contiene schermata, nero, design&#10;&#10;Descrizione generata automaticamente">
-            <a:extLst>
-              <a:ext uri="{FF2B5EF4-FFF2-40B4-BE49-F238E27FC236}">
-                <a16:creationId xmlns:a16="http://schemas.microsoft.com/office/drawing/2014/main" id="{89E78C9D-A69A-9585-7608-F768912CD2C8}"/>
-              </a:ext>
-            </a:extLst>
-          </p:cNvPr>
-          <p:cNvPicPr>
-            <a:picLocks noChangeAspect="1"/>
-          </p:cNvPicPr>
-          <p:nvPr/>
-        </p:nvPicPr>
-        <p:blipFill>
-          <a:blip r:embed="rId3"/>
-          <a:stretch>
-            <a:fillRect/>
-          </a:stretch>
-        </p:blipFill>
-        <p:spPr>
-          <a:xfrm>
-            <a:off x="1728813" y="1690688"/>
-            <a:ext cx="8734373" cy="3795229"/>
-          </a:xfrm>
-          <a:prstGeom prst="rect">
-            <a:avLst/>
-          </a:prstGeom>
-        </p:spPr>
-      </p:pic>
-    </p:spTree>
-    <p:extLst>
-      <p:ext uri="{BB962C8B-B14F-4D97-AF65-F5344CB8AC3E}">
-        <p14:creationId xmlns:p14="http://schemas.microsoft.com/office/powerpoint/2010/main" val="907361884"/>
-      </p:ext>
-    </p:extLst>
-  </p:cSld>
-  <p:clrMapOvr>
-    <a:masterClrMapping/>
-  </p:clrMapOvr>
-</p:sld>
-</file>
-
-<file path=ppt/slides/slide11.xml><?xml version="1.0" encoding="utf-8"?>
 <p:sld xmlns:a="http://schemas.openxmlformats.org/drawingml/2006/main" xmlns:r="http://schemas.openxmlformats.org/officeDocument/2006/relationships" xmlns:p="http://schemas.openxmlformats.org/presentationml/2006/main">
   <p:cSld>
     <p:spTree>
@@ -6590,14 +6482,14 @@
   <p:clrMapOvr>
     <a:masterClrMapping/>
   </p:clrMapOvr>
-  <mc:AlternateContent xmlns:mc="http://schemas.openxmlformats.org/markup-compatibility/2006" xmlns:p159="http://schemas.microsoft.com/office/powerpoint/2015/09/main">
-    <mc:Choice Requires="p159">
-      <p:transition spd="slow">
+  <mc:AlternateContent xmlns:mc="http://schemas.openxmlformats.org/markup-compatibility/2006">
+    <mc:Choice xmlns:p159="http://schemas.microsoft.com/office/powerpoint/2015/09/main" Requires="p159">
+      <p:transition>
         <p159:morph option="byObject"/>
       </p:transition>
     </mc:Choice>
-    <mc:Fallback xmlns="">
-      <p:transition spd="slow">
+    <mc:Fallback>
+      <p:transition>
         <p:fade/>
       </p:transition>
     </mc:Fallback>
@@ -6605,7 +6497,7 @@
 </p:sld>
 </file>
 
-<file path=ppt/slides/slide12.xml><?xml version="1.0" encoding="utf-8"?>
+<file path=ppt/slides/slide11.xml><?xml version="1.0" encoding="utf-8"?>
 <p:sld xmlns:a="http://schemas.openxmlformats.org/drawingml/2006/main" xmlns:r="http://schemas.openxmlformats.org/officeDocument/2006/relationships" xmlns:p="http://schemas.openxmlformats.org/presentationml/2006/main">
   <p:cSld>
     <p:spTree>
@@ -6674,7 +6566,7 @@
           <a:p>
             <a:fld id="{3F24ED9F-0AD1-BB4C-9842-01F95E80AFCD}" type="slidenum">
               <a:rPr lang="it-IT" smtClean="0"/>
-              <a:t>12</a:t>
+              <a:t>11</a:t>
             </a:fld>
             <a:endParaRPr lang="it-IT" dirty="0"/>
           </a:p>
@@ -6755,7 +6647,7 @@
         </p:nvSpPr>
         <p:spPr>
           <a:xfrm>
-            <a:off x="838197" y="2274838"/>
+            <a:off x="838200" y="2515303"/>
             <a:ext cx="6024719" cy="2585323"/>
           </a:xfrm>
           <a:prstGeom prst="rect">
@@ -6769,7 +6661,7 @@
           </a:bodyPr>
           <a:lstStyle/>
           <a:p>
-            <a:pPr algn="l"/>
+            <a:pPr algn="just"/>
             <a:r>
               <a:rPr lang="it-IT" dirty="0">
                 <a:latin typeface="Century Gothic" panose="020B0502020202020204" pitchFamily="34" charset="0"/>
@@ -6778,7 +6670,7 @@
             </a:r>
           </a:p>
           <a:p>
-            <a:pPr marL="285750" indent="-285750" algn="l">
+            <a:pPr marL="285750" indent="-285750" algn="just">
               <a:buFont typeface="Arial" panose="020B0604020202020204" pitchFamily="34" charset="0"/>
               <a:buChar char="•"/>
             </a:pPr>
@@ -6790,7 +6682,7 @@
             </a:r>
           </a:p>
           <a:p>
-            <a:pPr algn="l"/>
+            <a:pPr algn="just"/>
             <a:r>
               <a:rPr lang="it-IT" dirty="0">
                 <a:latin typeface="Century Gothic" panose="020B0502020202020204" pitchFamily="34" charset="0"/>
@@ -6799,22 +6691,22 @@
             </a:r>
           </a:p>
           <a:p>
-            <a:pPr algn="l"/>
+            <a:pPr algn="just"/>
             <a:r>
               <a:rPr lang="it-IT" dirty="0">
                 <a:latin typeface="Century Gothic" panose="020B0502020202020204" pitchFamily="34" charset="0"/>
               </a:rPr>
-              <a:t>    ad accedere ad un   determinato servizio.</a:t>
-            </a:r>
-          </a:p>
-          <a:p>
-            <a:pPr algn="l"/>
+              <a:t>    ad accedere ad un determinato servizio.</a:t>
+            </a:r>
+          </a:p>
+          <a:p>
+            <a:pPr algn="just"/>
             <a:endParaRPr lang="it-IT" dirty="0">
               <a:latin typeface="Century Gothic" panose="020B0502020202020204" pitchFamily="34" charset="0"/>
             </a:endParaRPr>
           </a:p>
           <a:p>
-            <a:pPr marL="285750" indent="-285750" algn="l">
+            <a:pPr marL="285750" indent="-285750" algn="just">
               <a:buFont typeface="Arial" panose="020B0604020202020204" pitchFamily="34" charset="0"/>
               <a:buChar char="•"/>
             </a:pPr>
@@ -6826,7 +6718,7 @@
             </a:r>
           </a:p>
           <a:p>
-            <a:pPr algn="l"/>
+            <a:pPr algn="just"/>
             <a:r>
               <a:rPr lang="it-IT" dirty="0">
                 <a:latin typeface="Century Gothic" panose="020B0502020202020204" pitchFamily="34" charset="0"/>
@@ -6835,7 +6727,7 @@
             </a:r>
           </a:p>
           <a:p>
-            <a:pPr algn="l"/>
+            <a:pPr algn="just"/>
             <a:r>
               <a:rPr lang="it-IT" dirty="0">
                 <a:latin typeface="Century Gothic" panose="020B0502020202020204" pitchFamily="34" charset="0"/>
@@ -6844,7 +6736,7 @@
             </a:r>
           </a:p>
           <a:p>
-            <a:pPr algn="l"/>
+            <a:pPr algn="just"/>
             <a:r>
               <a:rPr lang="it-IT" dirty="0">
                 <a:latin typeface="Century Gothic" panose="020B0502020202020204" pitchFamily="34" charset="0"/>
@@ -6931,10 +6823,22 @@
   <p:clrMapOvr>
     <a:masterClrMapping/>
   </p:clrMapOvr>
+  <mc:AlternateContent xmlns:mc="http://schemas.openxmlformats.org/markup-compatibility/2006">
+    <mc:Choice xmlns:p159="http://schemas.microsoft.com/office/powerpoint/2015/09/main" Requires="p159">
+      <p:transition>
+        <p159:morph option="byObject"/>
+      </p:transition>
+    </mc:Choice>
+    <mc:Fallback>
+      <p:transition>
+        <p:fade/>
+      </p:transition>
+    </mc:Fallback>
+  </mc:AlternateContent>
 </p:sld>
 </file>
 
-<file path=ppt/slides/slide13.xml><?xml version="1.0" encoding="utf-8"?>
+<file path=ppt/slides/slide12.xml><?xml version="1.0" encoding="utf-8"?>
 <p:sld xmlns:a="http://schemas.openxmlformats.org/drawingml/2006/main" xmlns:r="http://schemas.openxmlformats.org/officeDocument/2006/relationships" xmlns:p="http://schemas.openxmlformats.org/presentationml/2006/main">
   <p:cSld>
     <p:spTree>
@@ -7055,14 +6959,14 @@
   <p:clrMapOvr>
     <a:masterClrMapping/>
   </p:clrMapOvr>
-  <mc:AlternateContent xmlns:mc="http://schemas.openxmlformats.org/markup-compatibility/2006" xmlns:p159="http://schemas.microsoft.com/office/powerpoint/2015/09/main">
-    <mc:Choice Requires="p159">
-      <p:transition spd="slow">
+  <mc:AlternateContent xmlns:mc="http://schemas.openxmlformats.org/markup-compatibility/2006">
+    <mc:Choice xmlns:p159="http://schemas.microsoft.com/office/powerpoint/2015/09/main" Requires="p159">
+      <p:transition>
         <p159:morph option="byObject"/>
       </p:transition>
     </mc:Choice>
-    <mc:Fallback xmlns="">
-      <p:transition spd="slow">
+    <mc:Fallback>
+      <p:transition>
         <p:fade/>
       </p:transition>
     </mc:Fallback>
@@ -7070,7 +6974,7 @@
 </p:sld>
 </file>
 
-<file path=ppt/slides/slide14.xml><?xml version="1.0" encoding="utf-8"?>
+<file path=ppt/slides/slide13.xml><?xml version="1.0" encoding="utf-8"?>
 <p:sld xmlns:a="http://schemas.openxmlformats.org/drawingml/2006/main" xmlns:r="http://schemas.openxmlformats.org/officeDocument/2006/relationships" xmlns:p="http://schemas.openxmlformats.org/presentationml/2006/main">
   <p:cSld>
     <p:spTree>
@@ -7140,7 +7044,7 @@
           <a:p>
             <a:fld id="{3F24ED9F-0AD1-BB4C-9842-01F95E80AFCD}" type="slidenum">
               <a:rPr lang="it-IT" smtClean="0"/>
-              <a:t>14</a:t>
+              <a:t>13</a:t>
             </a:fld>
             <a:endParaRPr lang="it-IT" dirty="0"/>
           </a:p>
@@ -7213,7 +7117,7 @@
         <p:spPr>
           <a:xfrm>
             <a:off x="719648" y="1596317"/>
-            <a:ext cx="4137488" cy="4532620"/>
+            <a:ext cx="6262178" cy="2651760"/>
           </a:xfrm>
           <a:prstGeom prst="rect">
             <a:avLst/>
@@ -7240,6 +7144,7 @@
           <a:bodyPr rtlCol="0" anchor="t"/>
           <a:lstStyle/>
           <a:p>
+            <a:pPr algn="just"/>
             <a:r>
               <a:rPr lang="it-IT" sz="1800" b="0" i="0" u="none" strike="noStrike" baseline="0" dirty="0">
                 <a:latin typeface="+mj-lt"/>
@@ -7248,33 +7153,34 @@
             </a:r>
           </a:p>
           <a:p>
+            <a:pPr algn="just"/>
             <a:endParaRPr lang="it-IT" sz="1800" b="0" i="0" u="none" strike="noStrike" baseline="0" dirty="0">
               <a:latin typeface="+mj-lt"/>
             </a:endParaRPr>
           </a:p>
           <a:p>
+            <a:pPr algn="just"/>
             <a:r>
               <a:rPr lang="it-IT" sz="1800" b="0" i="0" u="none" strike="noStrike" baseline="0" dirty="0">
                 <a:latin typeface="+mj-lt"/>
               </a:rPr>
-              <a:t>Una volta estratto l’indirizzo e-mail si effettua una query all’interno del Database per controllare che l’indirizzo sia presente nella tabella degli utenti abilitati all’utilizzo di un determinato servizio.</a:t>
-            </a:r>
-          </a:p>
-          <a:p>
+              <a:t>Si effettua una query all’interno del Database per controllare che l’indirizzo sia presente nella tabella degli utenti abilitati all’utilizzo del servizio.</a:t>
+            </a:r>
+          </a:p>
+          <a:p>
+            <a:pPr algn="just"/>
             <a:endParaRPr lang="it-IT" sz="1800" b="0" i="0" u="none" strike="noStrike" baseline="0" dirty="0">
               <a:latin typeface="+mj-lt"/>
             </a:endParaRPr>
           </a:p>
           <a:p>
-            <a:r>
-              <a:rPr lang="it-IT" sz="1800" b="0" i="0" u="none" strike="noStrike" baseline="0" dirty="0">
+            <a:pPr algn="just"/>
+            <a:r>
+              <a:rPr lang="it-IT" dirty="0">
                 <a:latin typeface="+mj-lt"/>
               </a:rPr>
-              <a:t>In base al risultato della query si restituisce un codice HTTP come risposta alla richiesta.</a:t>
-            </a:r>
-            <a:endParaRPr lang="it-IT" dirty="0">
-              <a:latin typeface="+mj-lt"/>
-            </a:endParaRPr>
+              <a:t>Si restituisce infine il codice HTTP adatto.</a:t>
+            </a:r>
           </a:p>
         </p:txBody>
       </p:sp>
@@ -7293,14 +7199,14 @@
           <p:nvPr>
             <p:extLst>
               <p:ext uri="{D42A27DB-BD31-4B8C-83A1-F6EECF244321}">
-                <p14:modId xmlns:p14="http://schemas.microsoft.com/office/powerpoint/2010/main" val="1476341637"/>
+                <p14:modId xmlns:p14="http://schemas.microsoft.com/office/powerpoint/2010/main" val="1961916564"/>
               </p:ext>
             </p:extLst>
           </p:nvPr>
         </p:nvGraphicFramePr>
         <p:xfrm>
-          <a:off x="5997677" y="2479659"/>
-          <a:ext cx="4916129" cy="2387600"/>
+          <a:off x="7334865" y="1586543"/>
+          <a:ext cx="4018935" cy="2651760"/>
         </p:xfrm>
         <a:graphic>
           <a:graphicData uri="http://schemas.openxmlformats.org/drawingml/2006/table">
@@ -7309,14 +7215,14 @@
                 <a:tableStyleId>{5C22544A-7EE6-4342-B048-85BDC9FD1C3A}</a:tableStyleId>
               </a:tblPr>
               <a:tblGrid>
-                <a:gridCol w="2458794">
+                <a:gridCol w="2010064">
                   <a:extLst>
                     <a:ext uri="{9D8B030D-6E8A-4147-A177-3AD203B41FA5}">
                       <a16:colId xmlns:a16="http://schemas.microsoft.com/office/drawing/2014/main" val="3191799462"/>
                     </a:ext>
                   </a:extLst>
                 </a:gridCol>
-                <a:gridCol w="2457335">
+                <a:gridCol w="2008871">
                   <a:extLst>
                     <a:ext uri="{9D8B030D-6E8A-4147-A177-3AD203B41FA5}">
                       <a16:colId xmlns:a16="http://schemas.microsoft.com/office/drawing/2014/main" val="971248140"/>
@@ -7324,7 +7230,7 @@
                   </a:extLst>
                 </a:gridCol>
               </a:tblGrid>
-              <a:tr h="0">
+              <a:tr h="352666">
                 <a:tc>
                   <a:txBody>
                     <a:bodyPr/>
@@ -7371,7 +7277,7 @@
                   </a:ext>
                 </a:extLst>
               </a:tr>
-              <a:tr h="370840">
+              <a:tr h="352666">
                 <a:tc>
                   <a:txBody>
                     <a:bodyPr/>
@@ -7410,7 +7316,7 @@
                   </a:ext>
                 </a:extLst>
               </a:tr>
-              <a:tr h="370840">
+              <a:tr h="617166">
                 <a:tc>
                   <a:txBody>
                     <a:bodyPr/>
@@ -7449,7 +7355,7 @@
                   </a:ext>
                 </a:extLst>
               </a:tr>
-              <a:tr h="370840">
+              <a:tr h="617166">
                 <a:tc>
                   <a:txBody>
                     <a:bodyPr/>
@@ -7488,7 +7394,7 @@
                   </a:ext>
                 </a:extLst>
               </a:tr>
-              <a:tr h="370840">
+              <a:tr h="617166">
                 <a:tc>
                   <a:txBody>
                     <a:bodyPr/>
@@ -7531,6 +7437,36 @@
           </a:graphicData>
         </a:graphic>
       </p:graphicFrame>
+      <p:pic>
+        <p:nvPicPr>
+          <p:cNvPr id="4" name="Immagine 3" descr="Immagine che contiene schermata, testo&#10;&#10;Descrizione generata automaticamente">
+            <a:extLst>
+              <a:ext uri="{FF2B5EF4-FFF2-40B4-BE49-F238E27FC236}">
+                <a16:creationId xmlns:a16="http://schemas.microsoft.com/office/drawing/2014/main" id="{1C1FE99D-383A-FA9A-EF05-32093F73828E}"/>
+              </a:ext>
+            </a:extLst>
+          </p:cNvPr>
+          <p:cNvPicPr>
+            <a:picLocks noChangeAspect="1"/>
+          </p:cNvPicPr>
+          <p:nvPr/>
+        </p:nvPicPr>
+        <p:blipFill>
+          <a:blip r:embed="rId3"/>
+          <a:stretch>
+            <a:fillRect/>
+          </a:stretch>
+        </p:blipFill>
+        <p:spPr>
+          <a:xfrm>
+            <a:off x="3066419" y="4390395"/>
+            <a:ext cx="6059162" cy="1965956"/>
+          </a:xfrm>
+          <a:prstGeom prst="rect">
+            <a:avLst/>
+          </a:prstGeom>
+        </p:spPr>
+      </p:pic>
     </p:spTree>
     <p:extLst>
       <p:ext uri="{BB962C8B-B14F-4D97-AF65-F5344CB8AC3E}">
@@ -7541,14 +7477,14 @@
   <p:clrMapOvr>
     <a:masterClrMapping/>
   </p:clrMapOvr>
-  <mc:AlternateContent xmlns:mc="http://schemas.openxmlformats.org/markup-compatibility/2006" xmlns:p159="http://schemas.microsoft.com/office/powerpoint/2015/09/main">
-    <mc:Choice Requires="p159">
-      <p:transition spd="slow">
+  <mc:AlternateContent xmlns:mc="http://schemas.openxmlformats.org/markup-compatibility/2006">
+    <mc:Choice xmlns:p159="http://schemas.microsoft.com/office/powerpoint/2015/09/main" Requires="p159">
+      <p:transition>
         <p159:morph option="byObject"/>
       </p:transition>
     </mc:Choice>
-    <mc:Fallback xmlns="">
-      <p:transition spd="slow">
+    <mc:Fallback>
+      <p:transition>
         <p:fade/>
       </p:transition>
     </mc:Fallback>
@@ -7556,7 +7492,7 @@
 </p:sld>
 </file>
 
-<file path=ppt/slides/slide15.xml><?xml version="1.0" encoding="utf-8"?>
+<file path=ppt/slides/slide14.xml><?xml version="1.0" encoding="utf-8"?>
 <p:sld xmlns:a="http://schemas.openxmlformats.org/drawingml/2006/main" xmlns:r="http://schemas.openxmlformats.org/officeDocument/2006/relationships" xmlns:p="http://schemas.openxmlformats.org/presentationml/2006/main">
   <p:cSld>
     <p:spTree>
@@ -7602,14 +7538,11 @@
               <a:t>La classe </a:t>
             </a:r>
             <a:r>
-              <a:rPr lang="it-IT" dirty="0" err="1">
+              <a:rPr lang="it-IT" dirty="0">
                 <a:latin typeface="Consolas" panose="020B0609020204030204" pitchFamily="49" charset="0"/>
               </a:rPr>
               <a:t>main</a:t>
             </a:r>
-            <a:endParaRPr lang="it-IT" dirty="0">
-              <a:latin typeface="Consolas" panose="020B0609020204030204" pitchFamily="49" charset="0"/>
-            </a:endParaRPr>
           </a:p>
         </p:txBody>
       </p:sp>
@@ -7636,7 +7569,7 @@
           <a:p>
             <a:fld id="{3F24ED9F-0AD1-BB4C-9842-01F95E80AFCD}" type="slidenum">
               <a:rPr lang="it-IT" smtClean="0"/>
-              <a:t>15</a:t>
+              <a:t>14</a:t>
             </a:fld>
             <a:endParaRPr lang="it-IT" dirty="0"/>
           </a:p>
@@ -7708,8 +7641,8 @@
         </p:nvSpPr>
         <p:spPr>
           <a:xfrm>
-            <a:off x="741205" y="1596317"/>
-            <a:ext cx="10280755" cy="1325563"/>
+            <a:off x="838200" y="1596317"/>
+            <a:ext cx="10515600" cy="1325563"/>
           </a:xfrm>
           <a:prstGeom prst="rect">
             <a:avLst/>
@@ -7736,7 +7669,7 @@
           <a:bodyPr rtlCol="0" anchor="t"/>
           <a:lstStyle/>
           <a:p>
-            <a:pPr algn="l"/>
+            <a:pPr algn="just"/>
             <a:r>
               <a:rPr lang="it-IT" sz="1800" b="0" i="0" u="none" strike="noStrike" baseline="0" dirty="0">
                 <a:latin typeface="+mj-lt"/>
@@ -7745,7 +7678,7 @@
             </a:r>
           </a:p>
           <a:p>
-            <a:pPr algn="l"/>
+            <a:pPr algn="just"/>
             <a:r>
               <a:rPr lang="it-IT" sz="1800" b="0" i="0" u="none" strike="noStrike" baseline="0" dirty="0">
                 <a:latin typeface="+mj-lt"/>
@@ -7753,16 +7686,10 @@
               <a:t>Il metodo </a:t>
             </a:r>
             <a:r>
-              <a:rPr lang="it-IT" sz="1800" b="0" i="0" u="none" strike="noStrike" baseline="0" dirty="0" err="1">
-                <a:latin typeface="Consolas" panose="020B0609020204030204" pitchFamily="49" charset="0"/>
-              </a:rPr>
-              <a:t>run</a:t>
-            </a:r>
-            <a:r>
               <a:rPr lang="it-IT" sz="1800" b="0" i="0" u="none" strike="noStrike" baseline="0" dirty="0">
                 <a:latin typeface="Consolas" panose="020B0609020204030204" pitchFamily="49" charset="0"/>
               </a:rPr>
-              <a:t>()</a:t>
+              <a:t>run()</a:t>
             </a:r>
             <a:r>
               <a:rPr lang="it-IT" sz="1800" b="0" i="0" u="none" strike="noStrike" baseline="0" dirty="0">
@@ -7828,14 +7755,14 @@
   <p:clrMapOvr>
     <a:masterClrMapping/>
   </p:clrMapOvr>
-  <mc:AlternateContent xmlns:mc="http://schemas.openxmlformats.org/markup-compatibility/2006" xmlns:p159="http://schemas.microsoft.com/office/powerpoint/2015/09/main">
-    <mc:Choice Requires="p159">
-      <p:transition spd="slow">
+  <mc:AlternateContent xmlns:mc="http://schemas.openxmlformats.org/markup-compatibility/2006">
+    <mc:Choice xmlns:p159="http://schemas.microsoft.com/office/powerpoint/2015/09/main" Requires="p159">
+      <p:transition>
         <p159:morph option="byObject"/>
       </p:transition>
     </mc:Choice>
-    <mc:Fallback xmlns="">
-      <p:transition spd="slow">
+    <mc:Fallback>
+      <p:transition>
         <p:fade/>
       </p:transition>
     </mc:Fallback>
@@ -7843,7 +7770,7 @@
 </p:sld>
 </file>
 
-<file path=ppt/slides/slide16.xml><?xml version="1.0" encoding="utf-8"?>
+<file path=ppt/slides/slide15.xml><?xml version="1.0" encoding="utf-8"?>
 <p:sld xmlns:a="http://schemas.openxmlformats.org/drawingml/2006/main" xmlns:r="http://schemas.openxmlformats.org/officeDocument/2006/relationships" xmlns:p="http://schemas.openxmlformats.org/presentationml/2006/main">
   <p:cSld>
     <p:spTree>
@@ -7920,7 +7847,7 @@
           <a:p>
             <a:fld id="{3F24ED9F-0AD1-BB4C-9842-01F95E80AFCD}" type="slidenum">
               <a:rPr lang="it-IT" smtClean="0"/>
-              <a:t>16</a:t>
+              <a:t>15</a:t>
             </a:fld>
             <a:endParaRPr lang="it-IT" dirty="0"/>
           </a:p>
@@ -8025,7 +7952,19 @@
               <a:rPr lang="it-IT" sz="1800" b="0" i="0" u="none" strike="noStrike" baseline="0" dirty="0">
                 <a:latin typeface="+mj-lt"/>
               </a:rPr>
-              <a:t>Una classe annotata come @Entity indica che questa servirà per la creazione di una tabella all’interno del Database specificato, utilizzando come campi gli attributi della classe.</a:t>
+              <a:t>Una classe annotata come </a:t>
+            </a:r>
+            <a:r>
+              <a:rPr lang="it-IT" sz="1800" b="0" i="0" u="none" strike="noStrike" baseline="0" dirty="0">
+                <a:latin typeface="Consolas" panose="020B0609020204030204" pitchFamily="49" charset="0"/>
+              </a:rPr>
+              <a:t>@Entity </a:t>
+            </a:r>
+            <a:r>
+              <a:rPr lang="it-IT" sz="1800" b="0" i="0" u="none" strike="noStrike" baseline="0" dirty="0">
+                <a:latin typeface="+mj-lt"/>
+              </a:rPr>
+              <a:t>indica che questa servirà per la creazione di una tabella all’interno del Database specificato, utilizzando come campi gli attributi della classe.</a:t>
             </a:r>
           </a:p>
           <a:p>
@@ -8142,14 +8081,14 @@
   <p:clrMapOvr>
     <a:masterClrMapping/>
   </p:clrMapOvr>
-  <mc:AlternateContent xmlns:mc="http://schemas.openxmlformats.org/markup-compatibility/2006" xmlns:p159="http://schemas.microsoft.com/office/powerpoint/2015/09/main">
-    <mc:Choice Requires="p159">
-      <p:transition spd="slow">
+  <mc:AlternateContent xmlns:mc="http://schemas.openxmlformats.org/markup-compatibility/2006">
+    <mc:Choice xmlns:p159="http://schemas.microsoft.com/office/powerpoint/2015/09/main" Requires="p159">
+      <p:transition>
         <p159:morph option="byObject"/>
       </p:transition>
     </mc:Choice>
-    <mc:Fallback xmlns="">
-      <p:transition spd="slow">
+    <mc:Fallback>
+      <p:transition>
         <p:fade/>
       </p:transition>
     </mc:Fallback>
@@ -8157,7 +8096,7 @@
 </p:sld>
 </file>
 
-<file path=ppt/slides/slide17.xml><?xml version="1.0" encoding="utf-8"?>
+<file path=ppt/slides/slide16.xml><?xml version="1.0" encoding="utf-8"?>
 <p:sld xmlns:a="http://schemas.openxmlformats.org/drawingml/2006/main" xmlns:r="http://schemas.openxmlformats.org/officeDocument/2006/relationships" xmlns:p="http://schemas.openxmlformats.org/presentationml/2006/main">
   <p:cSld>
     <p:spTree>
@@ -8234,7 +8173,7 @@
           <a:p>
             <a:fld id="{3F24ED9F-0AD1-BB4C-9842-01F95E80AFCD}" type="slidenum">
               <a:rPr lang="it-IT" smtClean="0"/>
-              <a:t>17</a:t>
+              <a:t>16</a:t>
             </a:fld>
             <a:endParaRPr lang="it-IT" dirty="0"/>
           </a:p>
@@ -8306,7 +8245,7 @@
         </p:nvSpPr>
         <p:spPr>
           <a:xfrm>
-            <a:off x="838198" y="2551837"/>
+            <a:off x="838200" y="2551837"/>
             <a:ext cx="10515601" cy="2031325"/>
           </a:xfrm>
           <a:prstGeom prst="rect">
@@ -8320,6 +8259,7 @@
           </a:bodyPr>
           <a:lstStyle/>
           <a:p>
+            <a:pPr algn="just"/>
             <a:r>
               <a:rPr lang="it-IT" dirty="0">
                 <a:latin typeface="+mj-lt"/>
@@ -8340,6 +8280,7 @@
             </a:r>
           </a:p>
           <a:p>
+            <a:pPr algn="just"/>
             <a:r>
               <a:rPr lang="it-IT" dirty="0">
                 <a:latin typeface="+mj-lt"/>
@@ -8408,11 +8349,13 @@
             </a:r>
           </a:p>
           <a:p>
+            <a:pPr algn="just"/>
             <a:endParaRPr lang="it-IT" dirty="0">
               <a:latin typeface="+mj-lt"/>
             </a:endParaRPr>
           </a:p>
           <a:p>
+            <a:pPr algn="just"/>
             <a:r>
               <a:rPr lang="it-IT" dirty="0">
                 <a:latin typeface="+mj-lt"/>
@@ -8444,14 +8387,14 @@
   <p:clrMapOvr>
     <a:masterClrMapping/>
   </p:clrMapOvr>
-  <mc:AlternateContent xmlns:mc="http://schemas.openxmlformats.org/markup-compatibility/2006" xmlns:p159="http://schemas.microsoft.com/office/powerpoint/2015/09/main">
-    <mc:Choice Requires="p159">
-      <p:transition spd="slow">
+  <mc:AlternateContent xmlns:mc="http://schemas.openxmlformats.org/markup-compatibility/2006">
+    <mc:Choice xmlns:p159="http://schemas.microsoft.com/office/powerpoint/2015/09/main" Requires="p159">
+      <p:transition>
         <p159:morph option="byObject"/>
       </p:transition>
     </mc:Choice>
-    <mc:Fallback xmlns="">
-      <p:transition spd="slow">
+    <mc:Fallback>
+      <p:transition>
         <p:fade/>
       </p:transition>
     </mc:Fallback>
@@ -8459,7 +8402,7 @@
 </p:sld>
 </file>
 
-<file path=ppt/slides/slide18.xml><?xml version="1.0" encoding="utf-8"?>
+<file path=ppt/slides/slide17.xml><?xml version="1.0" encoding="utf-8"?>
 <p:sld xmlns:a="http://schemas.openxmlformats.org/drawingml/2006/main" xmlns:r="http://schemas.openxmlformats.org/officeDocument/2006/relationships" xmlns:p="http://schemas.openxmlformats.org/presentationml/2006/main">
   <p:cSld>
     <p:spTree>
@@ -8536,7 +8479,7 @@
           <a:p>
             <a:fld id="{3F24ED9F-0AD1-BB4C-9842-01F95E80AFCD}" type="slidenum">
               <a:rPr lang="it-IT" smtClean="0"/>
-              <a:t>18</a:t>
+              <a:t>17</a:t>
             </a:fld>
             <a:endParaRPr lang="it-IT" dirty="0"/>
           </a:p>
@@ -8634,14 +8577,150 @@
   <p:clrMapOvr>
     <a:masterClrMapping/>
   </p:clrMapOvr>
-  <mc:AlternateContent xmlns:mc="http://schemas.openxmlformats.org/markup-compatibility/2006" xmlns:p159="http://schemas.microsoft.com/office/powerpoint/2015/09/main">
-    <mc:Choice Requires="p159">
-      <p:transition spd="slow">
+  <mc:AlternateContent xmlns:mc="http://schemas.openxmlformats.org/markup-compatibility/2006">
+    <mc:Choice xmlns:p159="http://schemas.microsoft.com/office/powerpoint/2015/09/main" Requires="p159">
+      <p:transition>
         <p159:morph option="byObject"/>
       </p:transition>
     </mc:Choice>
-    <mc:Fallback xmlns="">
-      <p:transition spd="slow">
+    <mc:Fallback>
+      <p:transition>
+        <p:fade/>
+      </p:transition>
+    </mc:Fallback>
+  </mc:AlternateContent>
+</p:sld>
+</file>
+
+<file path=ppt/slides/slide18.xml><?xml version="1.0" encoding="utf-8"?>
+<p:sld xmlns:a="http://schemas.openxmlformats.org/drawingml/2006/main" xmlns:r="http://schemas.openxmlformats.org/officeDocument/2006/relationships" xmlns:p="http://schemas.openxmlformats.org/presentationml/2006/main">
+  <p:cSld>
+    <p:spTree>
+      <p:nvGrpSpPr>
+        <p:cNvPr id="1" name=""/>
+        <p:cNvGrpSpPr/>
+        <p:nvPr/>
+      </p:nvGrpSpPr>
+      <p:grpSpPr>
+        <a:xfrm>
+          <a:off x="0" y="0"/>
+          <a:ext cx="0" cy="0"/>
+          <a:chOff x="0" y="0"/>
+          <a:chExt cx="0" cy="0"/>
+        </a:xfrm>
+      </p:grpSpPr>
+      <p:sp>
+        <p:nvSpPr>
+          <p:cNvPr id="4" name="Titolo 1">
+            <a:extLst>
+              <a:ext uri="{FF2B5EF4-FFF2-40B4-BE49-F238E27FC236}">
+                <a16:creationId xmlns:a16="http://schemas.microsoft.com/office/drawing/2014/main" id="{A3224411-147C-D930-C92D-559CCA95B0C1}"/>
+              </a:ext>
+            </a:extLst>
+          </p:cNvPr>
+          <p:cNvSpPr txBox="1">
+            <a:spLocks/>
+          </p:cNvSpPr>
+          <p:nvPr/>
+        </p:nvSpPr>
+        <p:spPr>
+          <a:xfrm>
+            <a:off x="1524000" y="2914990"/>
+            <a:ext cx="9144000" cy="1028020"/>
+          </a:xfrm>
+          <a:prstGeom prst="rect">
+            <a:avLst/>
+          </a:prstGeom>
+          <a:solidFill>
+            <a:srgbClr val="FF0000"/>
+          </a:solidFill>
+        </p:spPr>
+        <p:txBody>
+          <a:bodyPr vert="horz" lIns="91440" tIns="45720" rIns="91440" bIns="45720" rtlCol="0" anchor="ctr">
+            <a:normAutofit/>
+          </a:bodyPr>
+          <a:lstStyle>
+            <a:lvl1pPr algn="ctr" defTabSz="914400" rtl="0" eaLnBrk="1" latinLnBrk="0" hangingPunct="1">
+              <a:lnSpc>
+                <a:spcPct val="90000"/>
+              </a:lnSpc>
+              <a:spcBef>
+                <a:spcPct val="0"/>
+              </a:spcBef>
+              <a:buNone/>
+              <a:defRPr sz="6000" kern="1200">
+                <a:solidFill>
+                  <a:schemeClr val="tx1"/>
+                </a:solidFill>
+                <a:latin typeface="+mj-lt"/>
+                <a:ea typeface="+mj-ea"/>
+                <a:cs typeface="+mj-cs"/>
+              </a:defRPr>
+            </a:lvl1pPr>
+          </a:lstStyle>
+          <a:p>
+            <a:r>
+              <a:rPr lang="it-IT" dirty="0">
+                <a:ln>
+                  <a:solidFill>
+                    <a:schemeClr val="bg1"/>
+                  </a:solidFill>
+                </a:ln>
+                <a:solidFill>
+                  <a:schemeClr val="bg1"/>
+                </a:solidFill>
+                <a:effectLst>
+                  <a:outerShdw blurRad="50800" dist="38100" dir="5400000" algn="t" rotWithShape="0">
+                    <a:prstClr val="black">
+                      <a:alpha val="40000"/>
+                    </a:prstClr>
+                  </a:outerShdw>
+                </a:effectLst>
+              </a:rPr>
+              <a:t>PLUGIN </a:t>
+            </a:r>
+            <a:r>
+              <a:rPr lang="it-IT" dirty="0">
+                <a:ln>
+                  <a:solidFill>
+                    <a:schemeClr val="bg1"/>
+                  </a:solidFill>
+                </a:ln>
+                <a:solidFill>
+                  <a:schemeClr val="bg1"/>
+                </a:solidFill>
+                <a:effectLst>
+                  <a:outerShdw blurRad="50800" dist="38100" dir="5400000" algn="t" rotWithShape="0">
+                    <a:prstClr val="black">
+                      <a:alpha val="40000"/>
+                    </a:prstClr>
+                  </a:outerShdw>
+                </a:effectLst>
+                <a:latin typeface="Consolas" panose="020B0609020204030204" pitchFamily="49" charset="0"/>
+              </a:rPr>
+              <a:t>checkemail</a:t>
+            </a:r>
+          </a:p>
+        </p:txBody>
+      </p:sp>
+    </p:spTree>
+    <p:extLst>
+      <p:ext uri="{BB962C8B-B14F-4D97-AF65-F5344CB8AC3E}">
+        <p14:creationId xmlns:p14="http://schemas.microsoft.com/office/powerpoint/2010/main" val="1909142328"/>
+      </p:ext>
+    </p:extLst>
+  </p:cSld>
+  <p:clrMapOvr>
+    <a:masterClrMapping/>
+  </p:clrMapOvr>
+  <mc:AlternateContent xmlns:mc="http://schemas.openxmlformats.org/markup-compatibility/2006">
+    <mc:Choice xmlns:p159="http://schemas.microsoft.com/office/powerpoint/2015/09/main" Requires="p159">
+      <p:transition>
+        <p159:morph option="byObject"/>
+      </p:transition>
+    </mc:Choice>
+    <mc:Fallback>
+      <p:transition>
         <p:fade/>
       </p:transition>
     </mc:Fallback>
@@ -8668,243 +8747,6 @@
       </p:grpSpPr>
       <p:sp>
         <p:nvSpPr>
-          <p:cNvPr id="4" name="Titolo 1">
-            <a:extLst>
-              <a:ext uri="{FF2B5EF4-FFF2-40B4-BE49-F238E27FC236}">
-                <a16:creationId xmlns:a16="http://schemas.microsoft.com/office/drawing/2014/main" id="{A3224411-147C-D930-C92D-559CCA95B0C1}"/>
-              </a:ext>
-            </a:extLst>
-          </p:cNvPr>
-          <p:cNvSpPr txBox="1">
-            <a:spLocks/>
-          </p:cNvSpPr>
-          <p:nvPr/>
-        </p:nvSpPr>
-        <p:spPr>
-          <a:xfrm>
-            <a:off x="1524000" y="2914990"/>
-            <a:ext cx="9144000" cy="1028020"/>
-          </a:xfrm>
-          <a:prstGeom prst="rect">
-            <a:avLst/>
-          </a:prstGeom>
-          <a:solidFill>
-            <a:srgbClr val="FF0000"/>
-          </a:solidFill>
-        </p:spPr>
-        <p:txBody>
-          <a:bodyPr vert="horz" lIns="91440" tIns="45720" rIns="91440" bIns="45720" rtlCol="0" anchor="ctr">
-            <a:normAutofit/>
-          </a:bodyPr>
-          <a:lstStyle>
-            <a:lvl1pPr algn="ctr" defTabSz="914400" rtl="0" eaLnBrk="1" latinLnBrk="0" hangingPunct="1">
-              <a:lnSpc>
-                <a:spcPct val="90000"/>
-              </a:lnSpc>
-              <a:spcBef>
-                <a:spcPct val="0"/>
-              </a:spcBef>
-              <a:buNone/>
-              <a:defRPr sz="6000" kern="1200">
-                <a:solidFill>
-                  <a:schemeClr val="tx1"/>
-                </a:solidFill>
-                <a:latin typeface="+mj-lt"/>
-                <a:ea typeface="+mj-ea"/>
-                <a:cs typeface="+mj-cs"/>
-              </a:defRPr>
-            </a:lvl1pPr>
-          </a:lstStyle>
-          <a:p>
-            <a:r>
-              <a:rPr lang="it-IT" dirty="0">
-                <a:ln>
-                  <a:solidFill>
-                    <a:schemeClr val="bg1"/>
-                  </a:solidFill>
-                </a:ln>
-                <a:solidFill>
-                  <a:schemeClr val="bg1"/>
-                </a:solidFill>
-                <a:effectLst>
-                  <a:outerShdw blurRad="50800" dist="38100" dir="5400000" algn="t" rotWithShape="0">
-                    <a:prstClr val="black">
-                      <a:alpha val="40000"/>
-                    </a:prstClr>
-                  </a:outerShdw>
-                </a:effectLst>
-              </a:rPr>
-              <a:t>PLUGIN </a:t>
-            </a:r>
-            <a:r>
-              <a:rPr lang="it-IT" dirty="0" err="1">
-                <a:ln>
-                  <a:solidFill>
-                    <a:schemeClr val="bg1"/>
-                  </a:solidFill>
-                </a:ln>
-                <a:solidFill>
-                  <a:schemeClr val="bg1"/>
-                </a:solidFill>
-                <a:effectLst>
-                  <a:outerShdw blurRad="50800" dist="38100" dir="5400000" algn="t" rotWithShape="0">
-                    <a:prstClr val="black">
-                      <a:alpha val="40000"/>
-                    </a:prstClr>
-                  </a:outerShdw>
-                </a:effectLst>
-                <a:latin typeface="Consolas" panose="020B0609020204030204" pitchFamily="49" charset="0"/>
-              </a:rPr>
-              <a:t>checkemail</a:t>
-            </a:r>
-            <a:endParaRPr lang="it-IT" dirty="0">
-              <a:ln>
-                <a:solidFill>
-                  <a:schemeClr val="bg1"/>
-                </a:solidFill>
-              </a:ln>
-              <a:solidFill>
-                <a:schemeClr val="bg1"/>
-              </a:solidFill>
-              <a:effectLst>
-                <a:outerShdw blurRad="50800" dist="38100" dir="5400000" algn="t" rotWithShape="0">
-                  <a:prstClr val="black">
-                    <a:alpha val="40000"/>
-                  </a:prstClr>
-                </a:outerShdw>
-              </a:effectLst>
-              <a:latin typeface="Consolas" panose="020B0609020204030204" pitchFamily="49" charset="0"/>
-            </a:endParaRPr>
-          </a:p>
-        </p:txBody>
-      </p:sp>
-    </p:spTree>
-    <p:extLst>
-      <p:ext uri="{BB962C8B-B14F-4D97-AF65-F5344CB8AC3E}">
-        <p14:creationId xmlns:p14="http://schemas.microsoft.com/office/powerpoint/2010/main" val="1909142328"/>
-      </p:ext>
-    </p:extLst>
-  </p:cSld>
-  <p:clrMapOvr>
-    <a:masterClrMapping/>
-  </p:clrMapOvr>
-  <mc:AlternateContent xmlns:mc="http://schemas.openxmlformats.org/markup-compatibility/2006" xmlns:p159="http://schemas.microsoft.com/office/powerpoint/2015/09/main">
-    <mc:Choice Requires="p159">
-      <p:transition spd="slow">
-        <p159:morph option="byObject"/>
-      </p:transition>
-    </mc:Choice>
-    <mc:Fallback xmlns="">
-      <p:transition spd="slow">
-        <p:fade/>
-      </p:transition>
-    </mc:Fallback>
-  </mc:AlternateContent>
-</p:sld>
-</file>
-
-<file path=ppt/slides/slide2.xml><?xml version="1.0" encoding="utf-8"?>
-<p:sld xmlns:a="http://schemas.openxmlformats.org/drawingml/2006/main" xmlns:r="http://schemas.openxmlformats.org/officeDocument/2006/relationships" xmlns:p="http://schemas.openxmlformats.org/presentationml/2006/main">
-  <p:cSld>
-    <p:spTree>
-      <p:nvGrpSpPr>
-        <p:cNvPr id="1" name=""/>
-        <p:cNvGrpSpPr/>
-        <p:nvPr/>
-      </p:nvGrpSpPr>
-      <p:grpSpPr>
-        <a:xfrm>
-          <a:off x="0" y="0"/>
-          <a:ext cx="0" cy="0"/>
-          <a:chOff x="0" y="0"/>
-          <a:chExt cx="0" cy="0"/>
-        </a:xfrm>
-      </p:grpSpPr>
-      <p:sp>
-        <p:nvSpPr>
-          <p:cNvPr id="2" name="Titolo 1">
-            <a:extLst>
-              <a:ext uri="{FF2B5EF4-FFF2-40B4-BE49-F238E27FC236}">
-                <a16:creationId xmlns:a16="http://schemas.microsoft.com/office/drawing/2014/main" id="{160DA25F-9158-EBF8-CE3E-DFEC7B048EAB}"/>
-              </a:ext>
-            </a:extLst>
-          </p:cNvPr>
-          <p:cNvSpPr>
-            <a:spLocks noGrp="1"/>
-          </p:cNvSpPr>
-          <p:nvPr>
-            <p:ph type="ctrTitle"/>
-          </p:nvPr>
-        </p:nvSpPr>
-        <p:spPr>
-          <a:xfrm>
-            <a:off x="1524000" y="2914990"/>
-            <a:ext cx="9144000" cy="1028020"/>
-          </a:xfrm>
-          <a:solidFill>
-            <a:srgbClr val="FFAB91"/>
-          </a:solidFill>
-        </p:spPr>
-        <p:txBody>
-          <a:bodyPr/>
-          <a:lstStyle/>
-          <a:p>
-            <a:r>
-              <a:rPr lang="it-IT" dirty="0">
-                <a:ln>
-                  <a:solidFill>
-                    <a:schemeClr val="bg1"/>
-                  </a:solidFill>
-                </a:ln>
-                <a:solidFill>
-                  <a:schemeClr val="bg1"/>
-                </a:solidFill>
-                <a:effectLst>
-                  <a:outerShdw blurRad="50800" dist="38100" dir="5400000" algn="t" rotWithShape="0">
-                    <a:prstClr val="black">
-                      <a:alpha val="40000"/>
-                    </a:prstClr>
-                  </a:outerShdw>
-                </a:effectLst>
-              </a:rPr>
-              <a:t>MICROSERVIZI</a:t>
-            </a:r>
-          </a:p>
-        </p:txBody>
-      </p:sp>
-    </p:spTree>
-    <p:extLst>
-      <p:ext uri="{BB962C8B-B14F-4D97-AF65-F5344CB8AC3E}">
-        <p14:creationId xmlns:p14="http://schemas.microsoft.com/office/powerpoint/2010/main" val="3325030984"/>
-      </p:ext>
-    </p:extLst>
-  </p:cSld>
-  <p:clrMapOvr>
-    <a:masterClrMapping/>
-  </p:clrMapOvr>
-  <p:transition spd="slow"/>
-</p:sld>
-</file>
-
-<file path=ppt/slides/slide20.xml><?xml version="1.0" encoding="utf-8"?>
-<p:sld xmlns:a="http://schemas.openxmlformats.org/drawingml/2006/main" xmlns:r="http://schemas.openxmlformats.org/officeDocument/2006/relationships" xmlns:p="http://schemas.openxmlformats.org/presentationml/2006/main">
-  <p:cSld>
-    <p:spTree>
-      <p:nvGrpSpPr>
-        <p:cNvPr id="1" name=""/>
-        <p:cNvGrpSpPr/>
-        <p:nvPr/>
-      </p:nvGrpSpPr>
-      <p:grpSpPr>
-        <a:xfrm>
-          <a:off x="0" y="0"/>
-          <a:ext cx="0" cy="0"/>
-          <a:chOff x="0" y="0"/>
-          <a:chExt cx="0" cy="0"/>
-        </a:xfrm>
-      </p:grpSpPr>
-      <p:sp>
-        <p:nvSpPr>
           <p:cNvPr id="2" name="Titolo 1">
             <a:extLst>
               <a:ext uri="{FF2B5EF4-FFF2-40B4-BE49-F238E27FC236}">
@@ -8929,17 +8771,8 @@
               <a:rPr lang="it-IT" dirty="0">
                 <a:latin typeface="Century Gothic" panose="020B0502020202020204" pitchFamily="34" charset="0"/>
               </a:rPr>
-              <a:t>Obiettivi del plugin </a:t>
-            </a:r>
-            <a:r>
-              <a:rPr lang="it-IT" dirty="0" err="1">
-                <a:latin typeface="Century Gothic" panose="020B0502020202020204" pitchFamily="34" charset="0"/>
-              </a:rPr>
-              <a:t>Lua</a:t>
-            </a:r>
-            <a:endParaRPr lang="it-IT" dirty="0">
-              <a:latin typeface="Century Gothic" panose="020B0502020202020204" pitchFamily="34" charset="0"/>
-            </a:endParaRPr>
+              <a:t>Obiettivi del plugin Lua</a:t>
+            </a:r>
           </a:p>
         </p:txBody>
       </p:sp>
@@ -8966,7 +8799,7 @@
           <a:p>
             <a:fld id="{3F24ED9F-0AD1-BB4C-9842-01F95E80AFCD}" type="slidenum">
               <a:rPr lang="it-IT" smtClean="0"/>
-              <a:t>20</a:t>
+              <a:t>19</a:t>
             </a:fld>
             <a:endParaRPr lang="it-IT" dirty="0"/>
           </a:p>
@@ -9094,8 +8927,8 @@
         </p:nvSpPr>
         <p:spPr>
           <a:xfrm>
-            <a:off x="838198" y="1690688"/>
-            <a:ext cx="7334250" cy="1477328"/>
+            <a:off x="838197" y="1690688"/>
+            <a:ext cx="10515603" cy="646331"/>
           </a:xfrm>
           <a:prstGeom prst="rect">
             <a:avLst/>
@@ -9108,94 +8941,24 @@
           </a:bodyPr>
           <a:lstStyle/>
           <a:p>
-            <a:pPr algn="l"/>
+            <a:pPr algn="just"/>
             <a:r>
               <a:rPr lang="it-IT" sz="1800" b="0" i="0" u="none" strike="noStrike" baseline="0" dirty="0">
-                <a:latin typeface="+mj-lt"/>
+                <a:latin typeface="Century Gothic" panose="020B0502020202020204" pitchFamily="34" charset="0"/>
               </a:rPr>
               <a:t>È richiesto il seguente comportamento dal plugin:</a:t>
             </a:r>
           </a:p>
           <a:p>
-            <a:pPr marL="342900" indent="-342900" algn="l">
+            <a:pPr marL="342900" indent="-342900" algn="just">
               <a:buFont typeface="+mj-lt"/>
               <a:buAutoNum type="arabicPeriod"/>
             </a:pPr>
             <a:r>
               <a:rPr lang="it-IT" sz="1800" b="0" i="0" u="none" strike="noStrike" baseline="0" dirty="0">
-                <a:latin typeface="+mj-lt"/>
+                <a:latin typeface="Century Gothic" panose="020B0502020202020204" pitchFamily="34" charset="0"/>
               </a:rPr>
               <a:t>Analizzare il token ricevuto</a:t>
-            </a:r>
-          </a:p>
-          <a:p>
-            <a:pPr marL="342900" indent="-342900" algn="l">
-              <a:buFont typeface="+mj-lt"/>
-              <a:buAutoNum type="arabicPeriod"/>
-            </a:pPr>
-            <a:r>
-              <a:rPr lang="it-IT" sz="1800" b="0" i="0" u="none" strike="noStrike" baseline="0" dirty="0">
-                <a:solidFill>
-                  <a:schemeClr val="bg1">
-                    <a:lumMod val="85000"/>
-                  </a:schemeClr>
-                </a:solidFill>
-                <a:latin typeface="+mj-lt"/>
-              </a:rPr>
-              <a:t>Parse del token</a:t>
-            </a:r>
-          </a:p>
-          <a:p>
-            <a:pPr marL="342900" indent="-342900" algn="l">
-              <a:buFont typeface="+mj-lt"/>
-              <a:buAutoNum type="arabicPeriod"/>
-            </a:pPr>
-            <a:r>
-              <a:rPr lang="it-IT" sz="1800" b="0" i="0" u="none" strike="noStrike" baseline="0" dirty="0">
-                <a:solidFill>
-                  <a:schemeClr val="bg1">
-                    <a:lumMod val="85000"/>
-                  </a:schemeClr>
-                </a:solidFill>
-                <a:latin typeface="+mj-lt"/>
-              </a:rPr>
-              <a:t>Inviare una richiesta HTTP al microservizio </a:t>
-            </a:r>
-            <a:r>
-              <a:rPr lang="it-IT" sz="1800" b="0" i="0" u="none" strike="noStrike" baseline="0" dirty="0" err="1">
-                <a:solidFill>
-                  <a:schemeClr val="bg1">
-                    <a:lumMod val="85000"/>
-                  </a:schemeClr>
-                </a:solidFill>
-                <a:latin typeface="+mj-lt"/>
-              </a:rPr>
-              <a:t>CheckEmail</a:t>
-            </a:r>
-            <a:endParaRPr lang="it-IT" sz="1800" b="0" i="0" u="none" strike="noStrike" baseline="0" dirty="0">
-              <a:solidFill>
-                <a:schemeClr val="bg1">
-                  <a:lumMod val="85000"/>
-                </a:schemeClr>
-              </a:solidFill>
-              <a:latin typeface="+mj-lt"/>
-            </a:endParaRPr>
-          </a:p>
-          <a:p>
-            <a:pPr marL="342900" indent="-342900" algn="l">
-              <a:buFont typeface="+mj-lt"/>
-              <a:buAutoNum type="arabicPeriod"/>
-            </a:pPr>
-            <a:r>
-              <a:rPr lang="it-IT" sz="1800" b="0" i="0" u="none" strike="noStrike" baseline="0" dirty="0">
-                <a:solidFill>
-                  <a:schemeClr val="bg1">
-                    <a:lumMod val="85000"/>
-                  </a:schemeClr>
-                </a:solidFill>
-                <a:latin typeface="+mj-lt"/>
-              </a:rPr>
-              <a:t>Ottenere risposta dal microservizio e inoltrarla al Gateway</a:t>
             </a:r>
             <a:endParaRPr lang="it-IT" dirty="0">
               <a:solidFill>
@@ -9203,7 +8966,7 @@
                   <a:lumMod val="85000"/>
                 </a:schemeClr>
               </a:solidFill>
-              <a:latin typeface="+mj-lt"/>
+              <a:latin typeface="Century Gothic" panose="020B0502020202020204" pitchFamily="34" charset="0"/>
             </a:endParaRPr>
           </a:p>
         </p:txBody>
@@ -9241,21 +9004,21 @@
     </p:spTree>
     <p:extLst>
       <p:ext uri="{BB962C8B-B14F-4D97-AF65-F5344CB8AC3E}">
-        <p14:creationId xmlns:p14="http://schemas.microsoft.com/office/powerpoint/2010/main" val="2974291360"/>
+        <p14:creationId xmlns:p14="http://schemas.microsoft.com/office/powerpoint/2010/main" val="245265353"/>
       </p:ext>
     </p:extLst>
   </p:cSld>
   <p:clrMapOvr>
     <a:masterClrMapping/>
   </p:clrMapOvr>
-  <mc:AlternateContent xmlns:mc="http://schemas.openxmlformats.org/markup-compatibility/2006" xmlns:p159="http://schemas.microsoft.com/office/powerpoint/2015/09/main">
-    <mc:Choice Requires="p159">
-      <p:transition spd="slow">
+  <mc:AlternateContent xmlns:mc="http://schemas.openxmlformats.org/markup-compatibility/2006">
+    <mc:Choice xmlns:p159="http://schemas.microsoft.com/office/powerpoint/2015/09/main" Requires="p159">
+      <p:transition>
         <p159:morph option="byObject"/>
       </p:transition>
     </mc:Choice>
-    <mc:Fallback xmlns="">
-      <p:transition spd="slow">
+    <mc:Fallback>
+      <p:transition>
         <p:fade/>
       </p:transition>
     </mc:Fallback>
@@ -9263,7 +9026,7 @@
 </p:sld>
 </file>
 
-<file path=ppt/slides/slide21.xml><?xml version="1.0" encoding="utf-8"?>
+<file path=ppt/slides/slide2.xml><?xml version="1.0" encoding="utf-8"?>
 <p:sld xmlns:a="http://schemas.openxmlformats.org/drawingml/2006/main" xmlns:r="http://schemas.openxmlformats.org/officeDocument/2006/relationships" xmlns:p="http://schemas.openxmlformats.org/presentationml/2006/main">
   <p:cSld>
     <p:spTree>
@@ -9285,6 +9048,100 @@
           <p:cNvPr id="2" name="Titolo 1">
             <a:extLst>
               <a:ext uri="{FF2B5EF4-FFF2-40B4-BE49-F238E27FC236}">
+                <a16:creationId xmlns:a16="http://schemas.microsoft.com/office/drawing/2014/main" id="{160DA25F-9158-EBF8-CE3E-DFEC7B048EAB}"/>
+              </a:ext>
+            </a:extLst>
+          </p:cNvPr>
+          <p:cNvSpPr>
+            <a:spLocks noGrp="1"/>
+          </p:cNvSpPr>
+          <p:nvPr>
+            <p:ph type="ctrTitle"/>
+          </p:nvPr>
+        </p:nvSpPr>
+        <p:spPr>
+          <a:xfrm>
+            <a:off x="1524000" y="2914990"/>
+            <a:ext cx="9144000" cy="1028020"/>
+          </a:xfrm>
+          <a:solidFill>
+            <a:srgbClr val="FFAB91"/>
+          </a:solidFill>
+        </p:spPr>
+        <p:txBody>
+          <a:bodyPr/>
+          <a:lstStyle/>
+          <a:p>
+            <a:r>
+              <a:rPr lang="it-IT" dirty="0">
+                <a:ln>
+                  <a:solidFill>
+                    <a:schemeClr val="bg1"/>
+                  </a:solidFill>
+                </a:ln>
+                <a:solidFill>
+                  <a:schemeClr val="bg1"/>
+                </a:solidFill>
+                <a:effectLst>
+                  <a:outerShdw blurRad="50800" dist="38100" dir="5400000" algn="t" rotWithShape="0">
+                    <a:prstClr val="black">
+                      <a:alpha val="40000"/>
+                    </a:prstClr>
+                  </a:outerShdw>
+                </a:effectLst>
+              </a:rPr>
+              <a:t>MICROSERVIZI</a:t>
+            </a:r>
+          </a:p>
+        </p:txBody>
+      </p:sp>
+    </p:spTree>
+    <p:extLst>
+      <p:ext uri="{BB962C8B-B14F-4D97-AF65-F5344CB8AC3E}">
+        <p14:creationId xmlns:p14="http://schemas.microsoft.com/office/powerpoint/2010/main" val="3325030984"/>
+      </p:ext>
+    </p:extLst>
+  </p:cSld>
+  <p:clrMapOvr>
+    <a:masterClrMapping/>
+  </p:clrMapOvr>
+  <mc:AlternateContent xmlns:mc="http://schemas.openxmlformats.org/markup-compatibility/2006">
+    <mc:Choice xmlns:p159="http://schemas.microsoft.com/office/powerpoint/2015/09/main" Requires="p159">
+      <p:transition>
+        <p159:morph option="byObject"/>
+      </p:transition>
+    </mc:Choice>
+    <mc:Fallback>
+      <p:transition>
+        <p:fade/>
+      </p:transition>
+    </mc:Fallback>
+  </mc:AlternateContent>
+</p:sld>
+</file>
+
+<file path=ppt/slides/slide20.xml><?xml version="1.0" encoding="utf-8"?>
+<p:sld xmlns:a="http://schemas.openxmlformats.org/drawingml/2006/main" xmlns:r="http://schemas.openxmlformats.org/officeDocument/2006/relationships" xmlns:p="http://schemas.openxmlformats.org/presentationml/2006/main">
+  <p:cSld>
+    <p:spTree>
+      <p:nvGrpSpPr>
+        <p:cNvPr id="1" name=""/>
+        <p:cNvGrpSpPr/>
+        <p:nvPr/>
+      </p:nvGrpSpPr>
+      <p:grpSpPr>
+        <a:xfrm>
+          <a:off x="0" y="0"/>
+          <a:ext cx="0" cy="0"/>
+          <a:chOff x="0" y="0"/>
+          <a:chExt cx="0" cy="0"/>
+        </a:xfrm>
+      </p:grpSpPr>
+      <p:sp>
+        <p:nvSpPr>
+          <p:cNvPr id="2" name="Titolo 1">
+            <a:extLst>
+              <a:ext uri="{FF2B5EF4-FFF2-40B4-BE49-F238E27FC236}">
                 <a16:creationId xmlns:a16="http://schemas.microsoft.com/office/drawing/2014/main" id="{C52A84B7-7A0C-AF76-CB3E-CAC0F7B18247}"/>
               </a:ext>
             </a:extLst>
@@ -9306,17 +9163,8 @@
               <a:rPr lang="it-IT" dirty="0">
                 <a:latin typeface="Century Gothic" panose="020B0502020202020204" pitchFamily="34" charset="0"/>
               </a:rPr>
-              <a:t>Obiettivi del plugin </a:t>
-            </a:r>
-            <a:r>
-              <a:rPr lang="it-IT" dirty="0" err="1">
-                <a:latin typeface="Century Gothic" panose="020B0502020202020204" pitchFamily="34" charset="0"/>
-              </a:rPr>
-              <a:t>Lua</a:t>
-            </a:r>
-            <a:endParaRPr lang="it-IT" dirty="0">
-              <a:latin typeface="Century Gothic" panose="020B0502020202020204" pitchFamily="34" charset="0"/>
-            </a:endParaRPr>
+              <a:t>Obiettivi del plugin Lua</a:t>
+            </a:r>
           </a:p>
         </p:txBody>
       </p:sp>
@@ -9343,7 +9191,7 @@
           <a:p>
             <a:fld id="{3F24ED9F-0AD1-BB4C-9842-01F95E80AFCD}" type="slidenum">
               <a:rPr lang="it-IT" smtClean="0"/>
-              <a:t>21</a:t>
+              <a:t>20</a:t>
             </a:fld>
             <a:endParaRPr lang="it-IT" dirty="0"/>
           </a:p>
@@ -9471,8 +9319,8 @@
         </p:nvSpPr>
         <p:spPr>
           <a:xfrm>
-            <a:off x="838198" y="1690688"/>
-            <a:ext cx="7334250" cy="1477328"/>
+            <a:off x="838197" y="1690688"/>
+            <a:ext cx="10515603" cy="923330"/>
           </a:xfrm>
           <a:prstGeom prst="rect">
             <a:avLst/>
@@ -9485,89 +9333,36 @@
           </a:bodyPr>
           <a:lstStyle/>
           <a:p>
-            <a:pPr algn="l"/>
+            <a:pPr algn="just"/>
             <a:r>
               <a:rPr lang="it-IT" sz="1800" b="0" i="0" u="none" strike="noStrike" baseline="0" dirty="0">
-                <a:latin typeface="+mj-lt"/>
+                <a:latin typeface="Century Gothic" panose="020B0502020202020204" pitchFamily="34" charset="0"/>
               </a:rPr>
               <a:t>È richiesto il seguente comportamento dal plugin:</a:t>
             </a:r>
           </a:p>
           <a:p>
-            <a:pPr marL="342900" indent="-342900" algn="l">
+            <a:pPr marL="342900" indent="-342900" algn="just">
               <a:buFont typeface="+mj-lt"/>
               <a:buAutoNum type="arabicPeriod"/>
             </a:pPr>
             <a:r>
               <a:rPr lang="it-IT" sz="1800" b="0" i="0" u="none" strike="noStrike" baseline="0" dirty="0">
-                <a:latin typeface="+mj-lt"/>
+                <a:latin typeface="Century Gothic" panose="020B0502020202020204" pitchFamily="34" charset="0"/>
               </a:rPr>
               <a:t>Analizzare il token ricevuto</a:t>
             </a:r>
           </a:p>
           <a:p>
-            <a:pPr marL="342900" indent="-342900" algn="l">
+            <a:pPr marL="342900" indent="-342900" algn="just">
               <a:buFont typeface="+mj-lt"/>
               <a:buAutoNum type="arabicPeriod"/>
             </a:pPr>
             <a:r>
               <a:rPr lang="it-IT" sz="1800" b="0" i="0" u="none" strike="noStrike" baseline="0" dirty="0">
-                <a:latin typeface="+mj-lt"/>
+                <a:latin typeface="Century Gothic" panose="020B0502020202020204" pitchFamily="34" charset="0"/>
               </a:rPr>
               <a:t>Parse del token</a:t>
-            </a:r>
-          </a:p>
-          <a:p>
-            <a:pPr marL="342900" indent="-342900" algn="l">
-              <a:buFont typeface="+mj-lt"/>
-              <a:buAutoNum type="arabicPeriod"/>
-            </a:pPr>
-            <a:r>
-              <a:rPr lang="it-IT" sz="1800" b="0" i="0" u="none" strike="noStrike" baseline="0" dirty="0">
-                <a:solidFill>
-                  <a:schemeClr val="bg1">
-                    <a:lumMod val="85000"/>
-                  </a:schemeClr>
-                </a:solidFill>
-                <a:latin typeface="+mj-lt"/>
-              </a:rPr>
-              <a:t>Inviare una richiesta HTTP al microservizio </a:t>
-            </a:r>
-            <a:r>
-              <a:rPr lang="it-IT" sz="1800" b="0" i="0" u="none" strike="noStrike" baseline="0" dirty="0" err="1">
-                <a:solidFill>
-                  <a:schemeClr val="bg1">
-                    <a:lumMod val="85000"/>
-                  </a:schemeClr>
-                </a:solidFill>
-                <a:latin typeface="+mj-lt"/>
-              </a:rPr>
-              <a:t>CheckEmail</a:t>
-            </a:r>
-            <a:endParaRPr lang="it-IT" sz="1800" b="0" i="0" u="none" strike="noStrike" baseline="0" dirty="0">
-              <a:solidFill>
-                <a:schemeClr val="bg1">
-                  <a:lumMod val="85000"/>
-                </a:schemeClr>
-              </a:solidFill>
-              <a:latin typeface="+mj-lt"/>
-            </a:endParaRPr>
-          </a:p>
-          <a:p>
-            <a:pPr marL="342900" indent="-342900" algn="l">
-              <a:buFont typeface="+mj-lt"/>
-              <a:buAutoNum type="arabicPeriod"/>
-            </a:pPr>
-            <a:r>
-              <a:rPr lang="it-IT" sz="1800" b="0" i="0" u="none" strike="noStrike" baseline="0" dirty="0">
-                <a:solidFill>
-                  <a:schemeClr val="bg1">
-                    <a:lumMod val="85000"/>
-                  </a:schemeClr>
-                </a:solidFill>
-                <a:latin typeface="+mj-lt"/>
-              </a:rPr>
-              <a:t>Ottenere risposta dal microservizio e inoltrarla al Gateway</a:t>
             </a:r>
             <a:endParaRPr lang="it-IT" dirty="0">
               <a:solidFill>
@@ -9575,7 +9370,7 @@
                   <a:lumMod val="85000"/>
                 </a:schemeClr>
               </a:solidFill>
-              <a:latin typeface="+mj-lt"/>
+              <a:latin typeface="Century Gothic" panose="020B0502020202020204" pitchFamily="34" charset="0"/>
             </a:endParaRPr>
           </a:p>
         </p:txBody>
@@ -9613,7 +9408,7 @@
     </p:spTree>
     <p:extLst>
       <p:ext uri="{BB962C8B-B14F-4D97-AF65-F5344CB8AC3E}">
-        <p14:creationId xmlns:p14="http://schemas.microsoft.com/office/powerpoint/2010/main" val="304822351"/>
+        <p14:creationId xmlns:p14="http://schemas.microsoft.com/office/powerpoint/2010/main" val="3045212914"/>
       </p:ext>
     </p:extLst>
   </p:cSld>
@@ -9622,12 +9417,12 @@
   </p:clrMapOvr>
   <mc:AlternateContent xmlns:mc="http://schemas.openxmlformats.org/markup-compatibility/2006">
     <mc:Choice xmlns:p159="http://schemas.microsoft.com/office/powerpoint/2015/09/main" Requires="p159">
-      <p:transition spd="slow">
+      <p:transition>
         <p159:morph option="byObject"/>
       </p:transition>
     </mc:Choice>
     <mc:Fallback>
-      <p:transition spd="slow">
+      <p:transition>
         <p:fade/>
       </p:transition>
     </mc:Fallback>
@@ -9635,7 +9430,7 @@
 </p:sld>
 </file>
 
-<file path=ppt/slides/slide22.xml><?xml version="1.0" encoding="utf-8"?>
+<file path=ppt/slides/slide21.xml><?xml version="1.0" encoding="utf-8"?>
 <p:sld xmlns:a="http://schemas.openxmlformats.org/drawingml/2006/main" xmlns:r="http://schemas.openxmlformats.org/officeDocument/2006/relationships" xmlns:p="http://schemas.openxmlformats.org/presentationml/2006/main">
   <p:cSld>
     <p:spTree>
@@ -9678,17 +9473,8 @@
               <a:rPr lang="it-IT" dirty="0">
                 <a:latin typeface="Century Gothic" panose="020B0502020202020204" pitchFamily="34" charset="0"/>
               </a:rPr>
-              <a:t>Obiettivi del plugin </a:t>
-            </a:r>
-            <a:r>
-              <a:rPr lang="it-IT" dirty="0" err="1">
-                <a:latin typeface="Century Gothic" panose="020B0502020202020204" pitchFamily="34" charset="0"/>
-              </a:rPr>
-              <a:t>Lua</a:t>
-            </a:r>
-            <a:endParaRPr lang="it-IT" dirty="0">
-              <a:latin typeface="Century Gothic" panose="020B0502020202020204" pitchFamily="34" charset="0"/>
-            </a:endParaRPr>
+              <a:t>Obiettivi del plugin Lua</a:t>
+            </a:r>
           </a:p>
         </p:txBody>
       </p:sp>
@@ -9715,7 +9501,7 @@
           <a:p>
             <a:fld id="{3F24ED9F-0AD1-BB4C-9842-01F95E80AFCD}" type="slidenum">
               <a:rPr lang="it-IT" smtClean="0"/>
-              <a:t>22</a:t>
+              <a:t>21</a:t>
             </a:fld>
             <a:endParaRPr lang="it-IT" dirty="0"/>
           </a:p>
@@ -9843,8 +9629,8 @@
         </p:nvSpPr>
         <p:spPr>
           <a:xfrm>
-            <a:off x="838198" y="1690688"/>
-            <a:ext cx="7334250" cy="1477328"/>
+            <a:off x="838200" y="1690688"/>
+            <a:ext cx="10515600" cy="1200329"/>
           </a:xfrm>
           <a:prstGeom prst="rect">
             <a:avLst/>
@@ -9857,74 +9643,54 @@
           </a:bodyPr>
           <a:lstStyle/>
           <a:p>
-            <a:pPr algn="l"/>
+            <a:pPr algn="just"/>
             <a:r>
               <a:rPr lang="it-IT" sz="1800" b="0" i="0" u="none" strike="noStrike" baseline="0" dirty="0">
-                <a:latin typeface="+mj-lt"/>
+                <a:latin typeface="Century Gothic" panose="020B0502020202020204" pitchFamily="34" charset="0"/>
               </a:rPr>
               <a:t>È richiesto il seguente comportamento dal plugin:</a:t>
             </a:r>
           </a:p>
           <a:p>
-            <a:pPr marL="342900" indent="-342900" algn="l">
+            <a:pPr marL="342900" indent="-342900" algn="just">
               <a:buFont typeface="+mj-lt"/>
               <a:buAutoNum type="arabicPeriod"/>
             </a:pPr>
             <a:r>
               <a:rPr lang="it-IT" sz="1800" b="0" i="0" u="none" strike="noStrike" baseline="0" dirty="0">
-                <a:latin typeface="+mj-lt"/>
+                <a:latin typeface="Century Gothic" panose="020B0502020202020204" pitchFamily="34" charset="0"/>
               </a:rPr>
               <a:t>Analizzare il token ricevuto</a:t>
             </a:r>
           </a:p>
           <a:p>
-            <a:pPr marL="342900" indent="-342900" algn="l">
+            <a:pPr marL="342900" indent="-342900" algn="just">
               <a:buFont typeface="+mj-lt"/>
               <a:buAutoNum type="arabicPeriod"/>
             </a:pPr>
             <a:r>
               <a:rPr lang="it-IT" sz="1800" b="0" i="0" u="none" strike="noStrike" baseline="0" dirty="0">
-                <a:latin typeface="+mj-lt"/>
+                <a:latin typeface="Century Gothic" panose="020B0502020202020204" pitchFamily="34" charset="0"/>
               </a:rPr>
               <a:t>Parse del token</a:t>
             </a:r>
           </a:p>
           <a:p>
-            <a:pPr marL="342900" indent="-342900" algn="l">
+            <a:pPr marL="342900" indent="-342900" algn="just">
               <a:buFont typeface="+mj-lt"/>
               <a:buAutoNum type="arabicPeriod"/>
             </a:pPr>
             <a:r>
               <a:rPr lang="it-IT" dirty="0">
-                <a:latin typeface="+mj-lt"/>
+                <a:latin typeface="Century Gothic" panose="020B0502020202020204" pitchFamily="34" charset="0"/>
               </a:rPr>
               <a:t>Inviare una richiesta HTTP al microservizio </a:t>
             </a:r>
             <a:r>
               <a:rPr lang="it-IT" dirty="0" err="1">
-                <a:latin typeface="+mj-lt"/>
+                <a:latin typeface="Century Gothic" panose="020B0502020202020204" pitchFamily="34" charset="0"/>
               </a:rPr>
               <a:t>CheckEmail</a:t>
-            </a:r>
-            <a:endParaRPr lang="it-IT" dirty="0">
-              <a:latin typeface="+mj-lt"/>
-            </a:endParaRPr>
-          </a:p>
-          <a:p>
-            <a:pPr marL="342900" indent="-342900" algn="l">
-              <a:buFont typeface="+mj-lt"/>
-              <a:buAutoNum type="arabicPeriod"/>
-            </a:pPr>
-            <a:r>
-              <a:rPr lang="it-IT" sz="1800" b="0" i="0" u="none" strike="noStrike" baseline="0" dirty="0">
-                <a:solidFill>
-                  <a:schemeClr val="bg1">
-                    <a:lumMod val="85000"/>
-                  </a:schemeClr>
-                </a:solidFill>
-                <a:latin typeface="+mj-lt"/>
-              </a:rPr>
-              <a:t>Ottenere risposta dal microservizio e inoltrarla al Gateway</a:t>
             </a:r>
             <a:endParaRPr lang="it-IT" dirty="0">
               <a:solidFill>
@@ -9932,7 +9698,7 @@
                   <a:lumMod val="85000"/>
                 </a:schemeClr>
               </a:solidFill>
-              <a:latin typeface="+mj-lt"/>
+              <a:latin typeface="Century Gothic" panose="020B0502020202020204" pitchFamily="34" charset="0"/>
             </a:endParaRPr>
           </a:p>
         </p:txBody>
@@ -9959,7 +9725,7 @@
         </p:blipFill>
         <p:spPr>
           <a:xfrm>
-            <a:off x="2121825" y="3815747"/>
+            <a:off x="2121825" y="4246461"/>
             <a:ext cx="7948349" cy="754445"/>
           </a:xfrm>
           <a:prstGeom prst="rect">
@@ -9970,7 +9736,7 @@
     </p:spTree>
     <p:extLst>
       <p:ext uri="{BB962C8B-B14F-4D97-AF65-F5344CB8AC3E}">
-        <p14:creationId xmlns:p14="http://schemas.microsoft.com/office/powerpoint/2010/main" val="2101276241"/>
+        <p14:creationId xmlns:p14="http://schemas.microsoft.com/office/powerpoint/2010/main" val="1115435771"/>
       </p:ext>
     </p:extLst>
   </p:cSld>
@@ -9979,12 +9745,12 @@
   </p:clrMapOvr>
   <mc:AlternateContent xmlns:mc="http://schemas.openxmlformats.org/markup-compatibility/2006">
     <mc:Choice xmlns:p159="http://schemas.microsoft.com/office/powerpoint/2015/09/main" Requires="p159">
-      <p:transition spd="slow">
+      <p:transition>
         <p159:morph option="byObject"/>
       </p:transition>
     </mc:Choice>
     <mc:Fallback>
-      <p:transition spd="slow">
+      <p:transition>
         <p:fade/>
       </p:transition>
     </mc:Fallback>
@@ -9992,7 +9758,7 @@
 </p:sld>
 </file>
 
-<file path=ppt/slides/slide23.xml><?xml version="1.0" encoding="utf-8"?>
+<file path=ppt/slides/slide22.xml><?xml version="1.0" encoding="utf-8"?>
 <p:sld xmlns:a="http://schemas.openxmlformats.org/drawingml/2006/main" xmlns:r="http://schemas.openxmlformats.org/officeDocument/2006/relationships" xmlns:p="http://schemas.openxmlformats.org/presentationml/2006/main">
   <p:cSld>
     <p:spTree>
@@ -10035,17 +9801,8 @@
               <a:rPr lang="it-IT" dirty="0">
                 <a:latin typeface="Century Gothic" panose="020B0502020202020204" pitchFamily="34" charset="0"/>
               </a:rPr>
-              <a:t>Obiettivi del plugin </a:t>
-            </a:r>
-            <a:r>
-              <a:rPr lang="it-IT" dirty="0" err="1">
-                <a:latin typeface="Century Gothic" panose="020B0502020202020204" pitchFamily="34" charset="0"/>
-              </a:rPr>
-              <a:t>Lua</a:t>
-            </a:r>
-            <a:endParaRPr lang="it-IT" dirty="0">
-              <a:latin typeface="Century Gothic" panose="020B0502020202020204" pitchFamily="34" charset="0"/>
-            </a:endParaRPr>
+              <a:t>Obiettivi del plugin Lua</a:t>
+            </a:r>
           </a:p>
         </p:txBody>
       </p:sp>
@@ -10072,7 +9829,7 @@
           <a:p>
             <a:fld id="{3F24ED9F-0AD1-BB4C-9842-01F95E80AFCD}" type="slidenum">
               <a:rPr lang="it-IT" smtClean="0"/>
-              <a:t>23</a:t>
+              <a:t>22</a:t>
             </a:fld>
             <a:endParaRPr lang="it-IT" dirty="0"/>
           </a:p>
@@ -10200,8 +9957,8 @@
         </p:nvSpPr>
         <p:spPr>
           <a:xfrm>
-            <a:off x="838198" y="1690688"/>
-            <a:ext cx="7334250" cy="1477328"/>
+            <a:off x="838197" y="1690688"/>
+            <a:ext cx="10515603" cy="1477328"/>
           </a:xfrm>
           <a:prstGeom prst="rect">
             <a:avLst/>
@@ -10214,72 +9971,63 @@
           </a:bodyPr>
           <a:lstStyle/>
           <a:p>
-            <a:pPr algn="l"/>
+            <a:pPr algn="just"/>
             <a:r>
               <a:rPr lang="it-IT" sz="1800" b="0" i="0" u="none" strike="noStrike" baseline="0" dirty="0">
-                <a:latin typeface="+mj-lt"/>
+                <a:latin typeface="Century Gothic" panose="020B0502020202020204" pitchFamily="34" charset="0"/>
               </a:rPr>
               <a:t>È richiesto il seguente comportamento dal plugin:</a:t>
             </a:r>
           </a:p>
           <a:p>
-            <a:pPr marL="342900" indent="-342900" algn="l">
+            <a:pPr marL="342900" indent="-342900" algn="just">
               <a:buFont typeface="+mj-lt"/>
               <a:buAutoNum type="arabicPeriod"/>
             </a:pPr>
             <a:r>
               <a:rPr lang="it-IT" sz="1800" b="0" i="0" u="none" strike="noStrike" baseline="0" dirty="0">
-                <a:latin typeface="+mj-lt"/>
+                <a:latin typeface="Century Gothic" panose="020B0502020202020204" pitchFamily="34" charset="0"/>
               </a:rPr>
               <a:t>Analizzare il token ricevuto</a:t>
             </a:r>
           </a:p>
           <a:p>
-            <a:pPr marL="342900" indent="-342900" algn="l">
+            <a:pPr marL="342900" indent="-342900" algn="just">
               <a:buFont typeface="+mj-lt"/>
               <a:buAutoNum type="arabicPeriod"/>
             </a:pPr>
             <a:r>
               <a:rPr lang="it-IT" sz="1800" b="0" i="0" u="none" strike="noStrike" baseline="0" dirty="0">
-                <a:latin typeface="+mj-lt"/>
+                <a:latin typeface="Century Gothic" panose="020B0502020202020204" pitchFamily="34" charset="0"/>
               </a:rPr>
               <a:t>Parse del token</a:t>
             </a:r>
           </a:p>
           <a:p>
-            <a:pPr marL="342900" indent="-342900" algn="l">
+            <a:pPr marL="342900" indent="-342900" algn="just">
               <a:buFont typeface="+mj-lt"/>
               <a:buAutoNum type="arabicPeriod"/>
             </a:pPr>
             <a:r>
               <a:rPr lang="it-IT" dirty="0">
-                <a:latin typeface="+mj-lt"/>
-              </a:rPr>
-              <a:t>Inviare una richiesta HTTP al microservizio </a:t>
-            </a:r>
-            <a:r>
-              <a:rPr lang="it-IT" dirty="0" err="1">
-                <a:latin typeface="+mj-lt"/>
-              </a:rPr>
-              <a:t>CheckEmail</a:t>
-            </a:r>
-            <a:endParaRPr lang="it-IT" dirty="0">
-              <a:latin typeface="+mj-lt"/>
-            </a:endParaRPr>
-          </a:p>
-          <a:p>
-            <a:pPr marL="342900" indent="-342900" algn="l">
+                <a:latin typeface="Century Gothic" panose="020B0502020202020204" pitchFamily="34" charset="0"/>
+              </a:rPr>
+              <a:t>Inviare una richiesta HTTP al microservizio CheckEmail</a:t>
+            </a:r>
+          </a:p>
+          <a:p>
+            <a:pPr marL="342900" indent="-342900" algn="just">
               <a:buFont typeface="+mj-lt"/>
               <a:buAutoNum type="arabicPeriod"/>
             </a:pPr>
             <a:r>
               <a:rPr lang="it-IT" sz="1800" b="0" i="0" u="none" strike="noStrike" baseline="0" dirty="0">
-                <a:latin typeface="+mj-lt"/>
+                <a:latin typeface="Century Gothic" panose="020B0502020202020204" pitchFamily="34" charset="0"/>
               </a:rPr>
               <a:t>Ottenere risposta dal microservizio e inoltrarla al Gateway</a:t>
             </a:r>
             <a:endParaRPr lang="it-IT" dirty="0">
-              <a:latin typeface="+mj-lt"/>
+              <a:latin typeface="Century Gothic" panose="020B0502020202020204" pitchFamily="34" charset="0"/>
             </a:endParaRPr>
           </a:p>
         </p:txBody>
@@ -10306,7 +10054,7 @@
         </p:blipFill>
         <p:spPr>
           <a:xfrm>
-            <a:off x="3242062" y="3428999"/>
+            <a:off x="3242062" y="3689985"/>
             <a:ext cx="5707875" cy="1996613"/>
           </a:xfrm>
           <a:prstGeom prst="rect">
@@ -10317,7 +10065,7 @@
     </p:spTree>
     <p:extLst>
       <p:ext uri="{BB962C8B-B14F-4D97-AF65-F5344CB8AC3E}">
-        <p14:creationId xmlns:p14="http://schemas.microsoft.com/office/powerpoint/2010/main" val="1291989907"/>
+        <p14:creationId xmlns:p14="http://schemas.microsoft.com/office/powerpoint/2010/main" val="3458617348"/>
       </p:ext>
     </p:extLst>
   </p:cSld>
@@ -10326,12 +10074,145 @@
   </p:clrMapOvr>
   <mc:AlternateContent xmlns:mc="http://schemas.openxmlformats.org/markup-compatibility/2006">
     <mc:Choice xmlns:p159="http://schemas.microsoft.com/office/powerpoint/2015/09/main" Requires="p159">
-      <p:transition spd="slow">
+      <p:transition>
         <p159:morph option="byObject"/>
       </p:transition>
     </mc:Choice>
     <mc:Fallback>
-      <p:transition spd="slow">
+      <p:transition>
+        <p:fade/>
+      </p:transition>
+    </mc:Fallback>
+  </mc:AlternateContent>
+</p:sld>
+</file>
+
+<file path=ppt/slides/slide23.xml><?xml version="1.0" encoding="utf-8"?>
+<p:sld xmlns:a="http://schemas.openxmlformats.org/drawingml/2006/main" xmlns:r="http://schemas.openxmlformats.org/officeDocument/2006/relationships" xmlns:p="http://schemas.openxmlformats.org/presentationml/2006/main">
+  <p:cSld>
+    <p:spTree>
+      <p:nvGrpSpPr>
+        <p:cNvPr id="1" name=""/>
+        <p:cNvGrpSpPr/>
+        <p:nvPr/>
+      </p:nvGrpSpPr>
+      <p:grpSpPr>
+        <a:xfrm>
+          <a:off x="0" y="0"/>
+          <a:ext cx="0" cy="0"/>
+          <a:chOff x="0" y="0"/>
+          <a:chExt cx="0" cy="0"/>
+        </a:xfrm>
+      </p:grpSpPr>
+      <p:sp>
+        <p:nvSpPr>
+          <p:cNvPr id="4" name="Titolo 1">
+            <a:extLst>
+              <a:ext uri="{FF2B5EF4-FFF2-40B4-BE49-F238E27FC236}">
+                <a16:creationId xmlns:a16="http://schemas.microsoft.com/office/drawing/2014/main" id="{A3224411-147C-D930-C92D-559CCA95B0C1}"/>
+              </a:ext>
+            </a:extLst>
+          </p:cNvPr>
+          <p:cNvSpPr txBox="1">
+            <a:spLocks/>
+          </p:cNvSpPr>
+          <p:nvPr/>
+        </p:nvSpPr>
+        <p:spPr>
+          <a:xfrm>
+            <a:off x="1524000" y="2914990"/>
+            <a:ext cx="9144000" cy="1028020"/>
+          </a:xfrm>
+          <a:prstGeom prst="rect">
+            <a:avLst/>
+          </a:prstGeom>
+          <a:solidFill>
+            <a:srgbClr val="002060"/>
+          </a:solidFill>
+        </p:spPr>
+        <p:txBody>
+          <a:bodyPr vert="horz" lIns="91440" tIns="45720" rIns="91440" bIns="45720" rtlCol="0" anchor="ctr">
+            <a:normAutofit/>
+          </a:bodyPr>
+          <a:lstStyle>
+            <a:lvl1pPr algn="ctr" defTabSz="914400" rtl="0" eaLnBrk="1" latinLnBrk="0" hangingPunct="1">
+              <a:lnSpc>
+                <a:spcPct val="90000"/>
+              </a:lnSpc>
+              <a:spcBef>
+                <a:spcPct val="0"/>
+              </a:spcBef>
+              <a:buNone/>
+              <a:defRPr sz="6000" kern="1200">
+                <a:solidFill>
+                  <a:schemeClr val="tx1"/>
+                </a:solidFill>
+                <a:latin typeface="+mj-lt"/>
+                <a:ea typeface="+mj-ea"/>
+                <a:cs typeface="+mj-cs"/>
+              </a:defRPr>
+            </a:lvl1pPr>
+          </a:lstStyle>
+          <a:p>
+            <a:r>
+              <a:rPr lang="it-IT" sz="4000" dirty="0">
+                <a:ln>
+                  <a:solidFill>
+                    <a:schemeClr val="bg1"/>
+                  </a:solidFill>
+                </a:ln>
+                <a:solidFill>
+                  <a:schemeClr val="bg1"/>
+                </a:solidFill>
+                <a:effectLst>
+                  <a:outerShdw blurRad="50800" dist="38100" dir="5400000" algn="t" rotWithShape="0">
+                    <a:prstClr val="black">
+                      <a:alpha val="40000"/>
+                    </a:prstClr>
+                  </a:outerShdw>
+                </a:effectLst>
+              </a:rPr>
+              <a:t>CONFIGURAZIONE KONG GATEWAY</a:t>
+            </a:r>
+            <a:endParaRPr lang="it-IT" sz="4000" dirty="0">
+              <a:ln>
+                <a:solidFill>
+                  <a:schemeClr val="bg1"/>
+                </a:solidFill>
+              </a:ln>
+              <a:solidFill>
+                <a:schemeClr val="bg1"/>
+              </a:solidFill>
+              <a:effectLst>
+                <a:outerShdw blurRad="50800" dist="38100" dir="5400000" algn="t" rotWithShape="0">
+                  <a:prstClr val="black">
+                    <a:alpha val="40000"/>
+                  </a:prstClr>
+                </a:outerShdw>
+              </a:effectLst>
+              <a:latin typeface="Consolas" panose="020B0609020204030204" pitchFamily="49" charset="0"/>
+            </a:endParaRPr>
+          </a:p>
+        </p:txBody>
+      </p:sp>
+    </p:spTree>
+    <p:extLst>
+      <p:ext uri="{BB962C8B-B14F-4D97-AF65-F5344CB8AC3E}">
+        <p14:creationId xmlns:p14="http://schemas.microsoft.com/office/powerpoint/2010/main" val="352910450"/>
+      </p:ext>
+    </p:extLst>
+  </p:cSld>
+  <p:clrMapOvr>
+    <a:masterClrMapping/>
+  </p:clrMapOvr>
+  <mc:AlternateContent xmlns:mc="http://schemas.openxmlformats.org/markup-compatibility/2006">
+    <mc:Choice xmlns:p159="http://schemas.microsoft.com/office/powerpoint/2015/09/main" Requires="p159">
+      <p:transition>
+        <p159:morph option="byObject"/>
+      </p:transition>
+    </mc:Choice>
+    <mc:Fallback>
+      <p:transition>
         <p:fade/>
       </p:transition>
     </mc:Fallback>
@@ -10358,139 +10239,6 @@
       </p:grpSpPr>
       <p:sp>
         <p:nvSpPr>
-          <p:cNvPr id="4" name="Titolo 1">
-            <a:extLst>
-              <a:ext uri="{FF2B5EF4-FFF2-40B4-BE49-F238E27FC236}">
-                <a16:creationId xmlns:a16="http://schemas.microsoft.com/office/drawing/2014/main" id="{A3224411-147C-D930-C92D-559CCA95B0C1}"/>
-              </a:ext>
-            </a:extLst>
-          </p:cNvPr>
-          <p:cNvSpPr txBox="1">
-            <a:spLocks/>
-          </p:cNvSpPr>
-          <p:nvPr/>
-        </p:nvSpPr>
-        <p:spPr>
-          <a:xfrm>
-            <a:off x="1524000" y="2914990"/>
-            <a:ext cx="9144000" cy="1028020"/>
-          </a:xfrm>
-          <a:prstGeom prst="rect">
-            <a:avLst/>
-          </a:prstGeom>
-          <a:solidFill>
-            <a:srgbClr val="002060"/>
-          </a:solidFill>
-        </p:spPr>
-        <p:txBody>
-          <a:bodyPr vert="horz" lIns="91440" tIns="45720" rIns="91440" bIns="45720" rtlCol="0" anchor="ctr">
-            <a:normAutofit/>
-          </a:bodyPr>
-          <a:lstStyle>
-            <a:lvl1pPr algn="ctr" defTabSz="914400" rtl="0" eaLnBrk="1" latinLnBrk="0" hangingPunct="1">
-              <a:lnSpc>
-                <a:spcPct val="90000"/>
-              </a:lnSpc>
-              <a:spcBef>
-                <a:spcPct val="0"/>
-              </a:spcBef>
-              <a:buNone/>
-              <a:defRPr sz="6000" kern="1200">
-                <a:solidFill>
-                  <a:schemeClr val="tx1"/>
-                </a:solidFill>
-                <a:latin typeface="+mj-lt"/>
-                <a:ea typeface="+mj-ea"/>
-                <a:cs typeface="+mj-cs"/>
-              </a:defRPr>
-            </a:lvl1pPr>
-          </a:lstStyle>
-          <a:p>
-            <a:r>
-              <a:rPr lang="it-IT" sz="4000" dirty="0">
-                <a:ln>
-                  <a:solidFill>
-                    <a:schemeClr val="bg1"/>
-                  </a:solidFill>
-                </a:ln>
-                <a:solidFill>
-                  <a:schemeClr val="bg1"/>
-                </a:solidFill>
-                <a:effectLst>
-                  <a:outerShdw blurRad="50800" dist="38100" dir="5400000" algn="t" rotWithShape="0">
-                    <a:prstClr val="black">
-                      <a:alpha val="40000"/>
-                    </a:prstClr>
-                  </a:outerShdw>
-                </a:effectLst>
-              </a:rPr>
-              <a:t>CONFIGURAZIONE KONG GATEWAY</a:t>
-            </a:r>
-            <a:endParaRPr lang="it-IT" sz="4000" dirty="0">
-              <a:ln>
-                <a:solidFill>
-                  <a:schemeClr val="bg1"/>
-                </a:solidFill>
-              </a:ln>
-              <a:solidFill>
-                <a:schemeClr val="bg1"/>
-              </a:solidFill>
-              <a:effectLst>
-                <a:outerShdw blurRad="50800" dist="38100" dir="5400000" algn="t" rotWithShape="0">
-                  <a:prstClr val="black">
-                    <a:alpha val="40000"/>
-                  </a:prstClr>
-                </a:outerShdw>
-              </a:effectLst>
-              <a:latin typeface="Consolas" panose="020B0609020204030204" pitchFamily="49" charset="0"/>
-            </a:endParaRPr>
-          </a:p>
-        </p:txBody>
-      </p:sp>
-    </p:spTree>
-    <p:extLst>
-      <p:ext uri="{BB962C8B-B14F-4D97-AF65-F5344CB8AC3E}">
-        <p14:creationId xmlns:p14="http://schemas.microsoft.com/office/powerpoint/2010/main" val="352910450"/>
-      </p:ext>
-    </p:extLst>
-  </p:cSld>
-  <p:clrMapOvr>
-    <a:masterClrMapping/>
-  </p:clrMapOvr>
-  <mc:AlternateContent xmlns:mc="http://schemas.openxmlformats.org/markup-compatibility/2006" xmlns:p159="http://schemas.microsoft.com/office/powerpoint/2015/09/main">
-    <mc:Choice Requires="p159">
-      <p:transition spd="slow">
-        <p159:morph option="byObject"/>
-      </p:transition>
-    </mc:Choice>
-    <mc:Fallback xmlns="">
-      <p:transition spd="slow">
-        <p:fade/>
-      </p:transition>
-    </mc:Fallback>
-  </mc:AlternateContent>
-</p:sld>
-</file>
-
-<file path=ppt/slides/slide25.xml><?xml version="1.0" encoding="utf-8"?>
-<p:sld xmlns:a="http://schemas.openxmlformats.org/drawingml/2006/main" xmlns:r="http://schemas.openxmlformats.org/officeDocument/2006/relationships" xmlns:p="http://schemas.openxmlformats.org/presentationml/2006/main">
-  <p:cSld>
-    <p:spTree>
-      <p:nvGrpSpPr>
-        <p:cNvPr id="1" name=""/>
-        <p:cNvGrpSpPr/>
-        <p:nvPr/>
-      </p:nvGrpSpPr>
-      <p:grpSpPr>
-        <a:xfrm>
-          <a:off x="0" y="0"/>
-          <a:ext cx="0" cy="0"/>
-          <a:chOff x="0" y="0"/>
-          <a:chExt cx="0" cy="0"/>
-        </a:xfrm>
-      </p:grpSpPr>
-      <p:sp>
-        <p:nvSpPr>
           <p:cNvPr id="2" name="Titolo 1">
             <a:extLst>
               <a:ext uri="{FF2B5EF4-FFF2-40B4-BE49-F238E27FC236}">
@@ -10543,7 +10291,7 @@
           <a:p>
             <a:fld id="{3F24ED9F-0AD1-BB4C-9842-01F95E80AFCD}" type="slidenum">
               <a:rPr lang="it-IT" smtClean="0"/>
-              <a:t>25</a:t>
+              <a:t>24</a:t>
             </a:fld>
             <a:endParaRPr lang="it-IT" dirty="0"/>
           </a:p>
@@ -10652,49 +10400,37 @@
           <a:bodyPr rtlCol="0" anchor="ctr"/>
           <a:lstStyle/>
           <a:p>
-            <a:pPr algn="l"/>
+            <a:pPr algn="just"/>
             <a:r>
               <a:rPr lang="it-IT" sz="1800" b="0" i="0" u="none" strike="noStrike" baseline="0" dirty="0">
                 <a:latin typeface="+mj-lt"/>
               </a:rPr>
-              <a:t>Tutta la configurazione è effettuata tramite lo script </a:t>
-            </a:r>
-            <a:r>
-              <a:rPr lang="it-IT" sz="1800" b="0" i="0" u="none" strike="noStrike" baseline="0" dirty="0" err="1">
-                <a:latin typeface="+mj-lt"/>
-              </a:rPr>
-              <a:t>bash</a:t>
+              <a:t>Tutta la configurazione è effettuata tramite lo script bash </a:t>
+            </a:r>
+            <a:r>
+              <a:rPr lang="it-IT" sz="1800" b="0" i="0" u="none" strike="noStrike" baseline="0" dirty="0">
+                <a:latin typeface="Consolas" panose="020B0609020204030204" pitchFamily="49" charset="0"/>
+              </a:rPr>
+              <a:t>addplugin</a:t>
             </a:r>
             <a:r>
               <a:rPr lang="it-IT" sz="1800" b="0" i="0" u="none" strike="noStrike" baseline="0" dirty="0">
                 <a:latin typeface="+mj-lt"/>
               </a:rPr>
-              <a:t> </a:t>
-            </a:r>
-            <a:r>
-              <a:rPr lang="it-IT" sz="1800" b="0" i="0" u="none" strike="noStrike" baseline="0" dirty="0" err="1">
-                <a:latin typeface="Consolas" panose="020B0609020204030204" pitchFamily="49" charset="0"/>
-              </a:rPr>
-              <a:t>addplugin</a:t>
-            </a:r>
+              <a:t> che</a:t>
+            </a:r>
+          </a:p>
+          <a:p>
+            <a:pPr algn="just"/>
             <a:r>
               <a:rPr lang="it-IT" sz="1800" b="0" i="0" u="none" strike="noStrike" baseline="0" dirty="0">
                 <a:latin typeface="+mj-lt"/>
               </a:rPr>
-              <a:t> che</a:t>
-            </a:r>
-          </a:p>
-          <a:p>
-            <a:pPr algn="l"/>
-            <a:r>
-              <a:rPr lang="it-IT" sz="1800" b="0" i="0" u="none" strike="noStrike" baseline="0" dirty="0">
-                <a:latin typeface="+mj-lt"/>
-              </a:rPr>
               <a:t>ha i seguenti compiti:</a:t>
             </a:r>
           </a:p>
           <a:p>
-            <a:pPr marL="342900" indent="-342900" algn="l">
+            <a:pPr marL="342900" indent="-342900" algn="just">
               <a:buFont typeface="+mj-lt"/>
               <a:buAutoNum type="arabicPeriod"/>
             </a:pPr>
@@ -10706,7 +10442,7 @@
             </a:r>
           </a:p>
           <a:p>
-            <a:pPr marL="342900" indent="-342900" algn="l">
+            <a:pPr marL="342900" indent="-342900" algn="just">
               <a:buFont typeface="+mj-lt"/>
               <a:buAutoNum type="arabicPeriod"/>
             </a:pPr>
@@ -10718,7 +10454,7 @@
             </a:r>
           </a:p>
           <a:p>
-            <a:pPr marL="342900" indent="-342900" algn="l">
+            <a:pPr marL="342900" indent="-342900" algn="just">
               <a:buFont typeface="+mj-lt"/>
               <a:buAutoNum type="arabicPeriod"/>
             </a:pPr>
@@ -10726,11 +10462,11 @@
               <a:rPr lang="it-IT" sz="1800" b="0" i="0" u="none" strike="noStrike" baseline="0" dirty="0">
                 <a:latin typeface="+mj-lt"/>
               </a:rPr>
-              <a:t>Riavviare il container (per consentire la lettura dei file dei plugin caricati)</a:t>
-            </a:r>
-          </a:p>
-          <a:p>
-            <a:pPr marL="342900" indent="-342900" algn="l">
+              <a:t>Riavviare il container</a:t>
+            </a:r>
+          </a:p>
+          <a:p>
+            <a:pPr marL="342900" indent="-342900" algn="just">
               <a:buFont typeface="+mj-lt"/>
               <a:buAutoNum type="arabicPeriod"/>
             </a:pPr>
@@ -10741,7 +10477,7 @@
               <a:t>Eseguire il comando </a:t>
             </a:r>
             <a:r>
-              <a:rPr lang="it-IT" sz="1800" b="0" i="0" u="none" strike="noStrike" baseline="0" dirty="0" err="1">
+              <a:rPr lang="it-IT" sz="1800" b="0" i="0" u="none" strike="noStrike" baseline="0" dirty="0">
                 <a:latin typeface="Consolas" panose="020B0609020204030204" pitchFamily="49" charset="0"/>
               </a:rPr>
               <a:t>curl</a:t>
@@ -10798,14 +10534,14 @@
   <p:clrMapOvr>
     <a:masterClrMapping/>
   </p:clrMapOvr>
-  <mc:AlternateContent xmlns:mc="http://schemas.openxmlformats.org/markup-compatibility/2006" xmlns:p159="http://schemas.microsoft.com/office/powerpoint/2015/09/main">
-    <mc:Choice Requires="p159">
-      <p:transition spd="slow">
+  <mc:AlternateContent xmlns:mc="http://schemas.openxmlformats.org/markup-compatibility/2006">
+    <mc:Choice xmlns:p159="http://schemas.microsoft.com/office/powerpoint/2015/09/main" Requires="p159">
+      <p:transition>
         <p159:morph option="byObject"/>
       </p:transition>
     </mc:Choice>
-    <mc:Fallback xmlns="">
-      <p:transition spd="slow">
+    <mc:Fallback>
+      <p:transition>
         <p:fade/>
       </p:transition>
     </mc:Fallback>
@@ -10813,7 +10549,7 @@
 </p:sld>
 </file>
 
-<file path=ppt/slides/slide26.xml><?xml version="1.0" encoding="utf-8"?>
+<file path=ppt/slides/slide25.xml><?xml version="1.0" encoding="utf-8"?>
 <p:sld xmlns:a="http://schemas.openxmlformats.org/drawingml/2006/main" xmlns:r="http://schemas.openxmlformats.org/officeDocument/2006/relationships" xmlns:p="http://schemas.openxmlformats.org/presentationml/2006/main">
   <p:cSld>
     <p:spTree>
@@ -10965,14 +10701,14 @@
   <p:clrMapOvr>
     <a:masterClrMapping/>
   </p:clrMapOvr>
-  <mc:AlternateContent xmlns:mc="http://schemas.openxmlformats.org/markup-compatibility/2006" xmlns:p159="http://schemas.microsoft.com/office/powerpoint/2015/09/main">
-    <mc:Choice Requires="p159">
-      <p:transition spd="slow">
+  <mc:AlternateContent xmlns:mc="http://schemas.openxmlformats.org/markup-compatibility/2006">
+    <mc:Choice xmlns:p159="http://schemas.microsoft.com/office/powerpoint/2015/09/main" Requires="p159">
+      <p:transition>
         <p159:morph option="byObject"/>
       </p:transition>
     </mc:Choice>
-    <mc:Fallback xmlns="">
-      <p:transition spd="slow">
+    <mc:Fallback>
+      <p:transition>
         <p:fade/>
       </p:transition>
     </mc:Fallback>
@@ -10980,7 +10716,7 @@
 </p:sld>
 </file>
 
-<file path=ppt/slides/slide27.xml><?xml version="1.0" encoding="utf-8"?>
+<file path=ppt/slides/slide26.xml><?xml version="1.0" encoding="utf-8"?>
 <p:sld xmlns:a="http://schemas.openxmlformats.org/drawingml/2006/main" xmlns:r="http://schemas.openxmlformats.org/officeDocument/2006/relationships" xmlns:p="http://schemas.openxmlformats.org/presentationml/2006/main">
   <p:cSld>
     <p:spTree>
@@ -11020,13 +10756,8 @@
           <a:p>
             <a:r>
               <a:rPr lang="it-IT" dirty="0"/>
-              <a:t>Test con </a:t>
-            </a:r>
-            <a:r>
-              <a:rPr lang="it-IT" dirty="0" err="1"/>
-              <a:t>Postman</a:t>
-            </a:r>
-            <a:endParaRPr lang="it-IT" dirty="0"/>
+              <a:t>Test con Postman</a:t>
+            </a:r>
           </a:p>
         </p:txBody>
       </p:sp>
@@ -11053,7 +10784,7 @@
           <a:p>
             <a:fld id="{3F24ED9F-0AD1-BB4C-9842-01F95E80AFCD}" type="slidenum">
               <a:rPr lang="it-IT" smtClean="0"/>
-              <a:t>27</a:t>
+              <a:t>26</a:t>
             </a:fld>
             <a:endParaRPr lang="it-IT" dirty="0"/>
           </a:p>
@@ -11307,16 +11038,10 @@
               <a:buNone/>
             </a:pPr>
             <a:r>
-              <a:rPr lang="it-IT" sz="1800" b="0" i="0" u="none" strike="noStrike" baseline="0" dirty="0" err="1">
-                <a:latin typeface="+mj-lt"/>
-              </a:rPr>
-              <a:t>Postman</a:t>
-            </a:r>
-            <a:r>
               <a:rPr lang="it-IT" sz="1800" b="0" i="0" u="none" strike="noStrike" baseline="0" dirty="0">
                 <a:latin typeface="+mj-lt"/>
               </a:rPr>
-              <a:t> </a:t>
+              <a:t>Postman </a:t>
             </a:r>
             <a:r>
               <a:rPr lang="it-IT" sz="1800" dirty="0">
@@ -11328,19 +11053,7 @@
               <a:rPr lang="it-IT" sz="1800" b="0" i="0" u="none" strike="noStrike" baseline="0" dirty="0">
                 <a:latin typeface="+mj-lt"/>
               </a:rPr>
-              <a:t> una piattaforma API per la creazione, sviluppo e testing di </a:t>
-            </a:r>
-            <a:r>
-              <a:rPr lang="it-IT" sz="1800" b="0" i="0" u="none" strike="noStrike" baseline="0" dirty="0" err="1">
-                <a:latin typeface="+mj-lt"/>
-              </a:rPr>
-              <a:t>APIs</a:t>
-            </a:r>
-            <a:r>
-              <a:rPr lang="it-IT" sz="1800" b="0" i="0" u="none" strike="noStrike" baseline="0" dirty="0">
-                <a:latin typeface="+mj-lt"/>
-              </a:rPr>
-              <a:t>. </a:t>
+              <a:t> una piattaforma API per la creazione, sviluppo e testing di APIs. </a:t>
             </a:r>
           </a:p>
           <a:p>
@@ -11476,14 +11189,14 @@
   <p:clrMapOvr>
     <a:masterClrMapping/>
   </p:clrMapOvr>
-  <mc:AlternateContent xmlns:mc="http://schemas.openxmlformats.org/markup-compatibility/2006" xmlns:p159="http://schemas.microsoft.com/office/powerpoint/2015/09/main">
-    <mc:Choice Requires="p159">
-      <p:transition spd="slow">
+  <mc:AlternateContent xmlns:mc="http://schemas.openxmlformats.org/markup-compatibility/2006">
+    <mc:Choice xmlns:p159="http://schemas.microsoft.com/office/powerpoint/2015/09/main" Requires="p159">
+      <p:transition>
         <p159:morph option="byObject"/>
       </p:transition>
     </mc:Choice>
-    <mc:Fallback xmlns="">
-      <p:transition spd="slow">
+    <mc:Fallback>
+      <p:transition>
         <p:fade/>
       </p:transition>
     </mc:Fallback>
@@ -11491,7 +11204,7 @@
 </p:sld>
 </file>
 
-<file path=ppt/slides/slide28.xml><?xml version="1.0" encoding="utf-8"?>
+<file path=ppt/slides/slide27.xml><?xml version="1.0" encoding="utf-8"?>
 <p:sld xmlns:a="http://schemas.openxmlformats.org/drawingml/2006/main" xmlns:r="http://schemas.openxmlformats.org/officeDocument/2006/relationships" xmlns:p="http://schemas.openxmlformats.org/presentationml/2006/main">
   <p:cSld>
     <p:spTree>
@@ -11560,7 +11273,7 @@
           <a:p>
             <a:fld id="{3F24ED9F-0AD1-BB4C-9842-01F95E80AFCD}" type="slidenum">
               <a:rPr lang="it-IT" smtClean="0"/>
-              <a:t>28</a:t>
+              <a:t>27</a:t>
             </a:fld>
             <a:endParaRPr lang="it-IT" dirty="0"/>
           </a:p>
@@ -11686,14 +11399,14 @@
   <p:clrMapOvr>
     <a:masterClrMapping/>
   </p:clrMapOvr>
-  <mc:AlternateContent xmlns:mc="http://schemas.openxmlformats.org/markup-compatibility/2006" xmlns:p159="http://schemas.microsoft.com/office/powerpoint/2015/09/main">
-    <mc:Choice Requires="p159">
-      <p:transition spd="slow">
+  <mc:AlternateContent xmlns:mc="http://schemas.openxmlformats.org/markup-compatibility/2006">
+    <mc:Choice xmlns:p159="http://schemas.microsoft.com/office/powerpoint/2015/09/main" Requires="p159">
+      <p:transition>
         <p159:morph option="byObject"/>
       </p:transition>
     </mc:Choice>
-    <mc:Fallback xmlns="">
-      <p:transition spd="slow">
+    <mc:Fallback>
+      <p:transition>
         <p:fade/>
       </p:transition>
     </mc:Fallback>
@@ -11701,7 +11414,7 @@
 </p:sld>
 </file>
 
-<file path=ppt/slides/slide29.xml><?xml version="1.0" encoding="utf-8"?>
+<file path=ppt/slides/slide28.xml><?xml version="1.0" encoding="utf-8"?>
 <p:sld xmlns:a="http://schemas.openxmlformats.org/drawingml/2006/main" xmlns:r="http://schemas.openxmlformats.org/officeDocument/2006/relationships" xmlns:p="http://schemas.openxmlformats.org/presentationml/2006/main">
   <p:cSld>
     <p:spTree>
@@ -11742,13 +11455,8 @@
             <a:pPr algn="ctr"/>
             <a:r>
               <a:rPr lang="it-IT" dirty="0"/>
-              <a:t>Risultati – Payment </a:t>
-            </a:r>
-            <a:r>
-              <a:rPr lang="it-IT" dirty="0" err="1"/>
-              <a:t>Required</a:t>
-            </a:r>
-            <a:endParaRPr lang="it-IT" dirty="0"/>
+              <a:t>Risultati – Payment Required</a:t>
+            </a:r>
           </a:p>
         </p:txBody>
       </p:sp>
@@ -11775,7 +11483,7 @@
           <a:p>
             <a:fld id="{3F24ED9F-0AD1-BB4C-9842-01F95E80AFCD}" type="slidenum">
               <a:rPr lang="it-IT" smtClean="0"/>
-              <a:t>29</a:t>
+              <a:t>28</a:t>
             </a:fld>
             <a:endParaRPr lang="it-IT" dirty="0"/>
           </a:p>
@@ -11873,14 +11581,196 @@
   <p:clrMapOvr>
     <a:masterClrMapping/>
   </p:clrMapOvr>
-  <mc:AlternateContent xmlns:mc="http://schemas.openxmlformats.org/markup-compatibility/2006" xmlns:p159="http://schemas.microsoft.com/office/powerpoint/2015/09/main">
-    <mc:Choice Requires="p159">
-      <p:transition spd="slow">
+  <mc:AlternateContent xmlns:mc="http://schemas.openxmlformats.org/markup-compatibility/2006">
+    <mc:Choice xmlns:p159="http://schemas.microsoft.com/office/powerpoint/2015/09/main" Requires="p159">
+      <p:transition>
         <p159:morph option="byObject"/>
       </p:transition>
     </mc:Choice>
-    <mc:Fallback xmlns="">
-      <p:transition spd="slow">
+    <mc:Fallback>
+      <p:transition>
+        <p:fade/>
+      </p:transition>
+    </mc:Fallback>
+  </mc:AlternateContent>
+</p:sld>
+</file>
+
+<file path=ppt/slides/slide29.xml><?xml version="1.0" encoding="utf-8"?>
+<p:sld xmlns:a="http://schemas.openxmlformats.org/drawingml/2006/main" xmlns:r="http://schemas.openxmlformats.org/officeDocument/2006/relationships" xmlns:p="http://schemas.openxmlformats.org/presentationml/2006/main">
+  <p:cSld>
+    <p:spTree>
+      <p:nvGrpSpPr>
+        <p:cNvPr id="1" name=""/>
+        <p:cNvGrpSpPr/>
+        <p:nvPr/>
+      </p:nvGrpSpPr>
+      <p:grpSpPr>
+        <a:xfrm>
+          <a:off x="0" y="0"/>
+          <a:ext cx="0" cy="0"/>
+          <a:chOff x="0" y="0"/>
+          <a:chExt cx="0" cy="0"/>
+        </a:xfrm>
+      </p:grpSpPr>
+      <p:sp>
+        <p:nvSpPr>
+          <p:cNvPr id="2" name="Titolo 1">
+            <a:extLst>
+              <a:ext uri="{FF2B5EF4-FFF2-40B4-BE49-F238E27FC236}">
+                <a16:creationId xmlns:a16="http://schemas.microsoft.com/office/drawing/2014/main" id="{62BB0F74-3363-AF42-709E-E93953B193AF}"/>
+              </a:ext>
+            </a:extLst>
+          </p:cNvPr>
+          <p:cNvSpPr>
+            <a:spLocks noGrp="1"/>
+          </p:cNvSpPr>
+          <p:nvPr>
+            <p:ph type="title"/>
+          </p:nvPr>
+        </p:nvSpPr>
+        <p:spPr/>
+        <p:txBody>
+          <a:bodyPr/>
+          <a:lstStyle/>
+          <a:p>
+            <a:pPr algn="ctr"/>
+            <a:r>
+              <a:rPr lang="it-IT" dirty="0"/>
+              <a:t>Risultati – Unauthorized</a:t>
+            </a:r>
+          </a:p>
+        </p:txBody>
+      </p:sp>
+      <p:sp>
+        <p:nvSpPr>
+          <p:cNvPr id="4" name="Segnaposto numero diapositiva 3">
+            <a:extLst>
+              <a:ext uri="{FF2B5EF4-FFF2-40B4-BE49-F238E27FC236}">
+                <a16:creationId xmlns:a16="http://schemas.microsoft.com/office/drawing/2014/main" id="{91F51550-0E4D-D40C-37FD-648EB0C8F1E3}"/>
+              </a:ext>
+            </a:extLst>
+          </p:cNvPr>
+          <p:cNvSpPr>
+            <a:spLocks noGrp="1"/>
+          </p:cNvSpPr>
+          <p:nvPr>
+            <p:ph type="sldNum" sz="quarter" idx="12"/>
+          </p:nvPr>
+        </p:nvSpPr>
+        <p:spPr/>
+        <p:txBody>
+          <a:bodyPr/>
+          <a:lstStyle/>
+          <a:p>
+            <a:fld id="{3F24ED9F-0AD1-BB4C-9842-01F95E80AFCD}" type="slidenum">
+              <a:rPr lang="it-IT" smtClean="0"/>
+              <a:t>29</a:t>
+            </a:fld>
+            <a:endParaRPr lang="it-IT" dirty="0"/>
+          </a:p>
+        </p:txBody>
+      </p:sp>
+      <p:sp>
+        <p:nvSpPr>
+          <p:cNvPr id="7" name="Rettangolo 6">
+            <a:extLst>
+              <a:ext uri="{FF2B5EF4-FFF2-40B4-BE49-F238E27FC236}">
+                <a16:creationId xmlns:a16="http://schemas.microsoft.com/office/drawing/2014/main" id="{64EC5C47-DA9C-18B0-908F-89D36DBC7216}"/>
+              </a:ext>
+            </a:extLst>
+          </p:cNvPr>
+          <p:cNvSpPr/>
+          <p:nvPr/>
+        </p:nvSpPr>
+        <p:spPr>
+          <a:xfrm rot="5400000" flipH="1">
+            <a:off x="6073140" y="-3836435"/>
+            <a:ext cx="45719" cy="10515602"/>
+          </a:xfrm>
+          <a:prstGeom prst="rect">
+            <a:avLst/>
+          </a:prstGeom>
+          <a:solidFill>
+            <a:srgbClr val="9E9E9E"/>
+          </a:solidFill>
+          <a:ln>
+            <a:noFill/>
+          </a:ln>
+        </p:spPr>
+        <p:style>
+          <a:lnRef idx="2">
+            <a:schemeClr val="accent1">
+              <a:shade val="50000"/>
+            </a:schemeClr>
+          </a:lnRef>
+          <a:fillRef idx="1">
+            <a:schemeClr val="accent1"/>
+          </a:fillRef>
+          <a:effectRef idx="0">
+            <a:schemeClr val="accent1"/>
+          </a:effectRef>
+          <a:fontRef idx="minor">
+            <a:schemeClr val="lt1"/>
+          </a:fontRef>
+        </p:style>
+        <p:txBody>
+          <a:bodyPr rtlCol="0" anchor="ctr"/>
+          <a:lstStyle/>
+          <a:p>
+            <a:pPr algn="ctr"/>
+            <a:endParaRPr lang="it-IT" dirty="0"/>
+          </a:p>
+        </p:txBody>
+      </p:sp>
+      <p:pic>
+        <p:nvPicPr>
+          <p:cNvPr id="6" name="Immagine 5" descr="Immagine che contiene testo, software, Pagina Web, Icona del computer&#10;&#10;Descrizione generata automaticamente">
+            <a:extLst>
+              <a:ext uri="{FF2B5EF4-FFF2-40B4-BE49-F238E27FC236}">
+                <a16:creationId xmlns:a16="http://schemas.microsoft.com/office/drawing/2014/main" id="{B2B2CCBA-6CA8-48AA-1BE2-328639E59E4C}"/>
+              </a:ext>
+            </a:extLst>
+          </p:cNvPr>
+          <p:cNvPicPr>
+            <a:picLocks noChangeAspect="1"/>
+          </p:cNvPicPr>
+          <p:nvPr/>
+        </p:nvPicPr>
+        <p:blipFill>
+          <a:blip r:embed="rId2"/>
+          <a:stretch>
+            <a:fillRect/>
+          </a:stretch>
+        </p:blipFill>
+        <p:spPr>
+          <a:xfrm>
+            <a:off x="1622923" y="2014303"/>
+            <a:ext cx="8946151" cy="3445191"/>
+          </a:xfrm>
+          <a:prstGeom prst="rect">
+            <a:avLst/>
+          </a:prstGeom>
+        </p:spPr>
+      </p:pic>
+    </p:spTree>
+    <p:extLst>
+      <p:ext uri="{BB962C8B-B14F-4D97-AF65-F5344CB8AC3E}">
+        <p14:creationId xmlns:p14="http://schemas.microsoft.com/office/powerpoint/2010/main" val="4122427715"/>
+      </p:ext>
+    </p:extLst>
+  </p:cSld>
+  <p:clrMapOvr>
+    <a:masterClrMapping/>
+  </p:clrMapOvr>
+  <mc:AlternateContent xmlns:mc="http://schemas.openxmlformats.org/markup-compatibility/2006">
+    <mc:Choice xmlns:p159="http://schemas.microsoft.com/office/powerpoint/2015/09/main" Requires="p159">
+      <p:transition>
+        <p159:morph option="byObject"/>
+      </p:transition>
+    </mc:Choice>
+    <mc:Fallback>
+      <p:transition>
         <p:fade/>
       </p:transition>
     </mc:Fallback>
@@ -12191,14 +12081,14 @@
   <p:clrMapOvr>
     <a:masterClrMapping/>
   </p:clrMapOvr>
-  <mc:AlternateContent xmlns:mc="http://schemas.openxmlformats.org/markup-compatibility/2006" xmlns:p159="http://schemas.microsoft.com/office/powerpoint/2015/09/main">
-    <mc:Choice Requires="p159">
-      <p:transition spd="slow">
+  <mc:AlternateContent xmlns:mc="http://schemas.openxmlformats.org/markup-compatibility/2006">
+    <mc:Choice xmlns:p159="http://schemas.microsoft.com/office/powerpoint/2015/09/main" Requires="p159">
+      <p:transition>
         <p159:morph option="byObject"/>
       </p:transition>
     </mc:Choice>
-    <mc:Fallback xmlns="">
-      <p:transition spd="slow">
+    <mc:Fallback>
+      <p:transition>
         <p:fade/>
       </p:transition>
     </mc:Fallback>
@@ -12207,193 +12097,6 @@
 </file>
 
 <file path=ppt/slides/slide30.xml><?xml version="1.0" encoding="utf-8"?>
-<p:sld xmlns:a="http://schemas.openxmlformats.org/drawingml/2006/main" xmlns:r="http://schemas.openxmlformats.org/officeDocument/2006/relationships" xmlns:p="http://schemas.openxmlformats.org/presentationml/2006/main">
-  <p:cSld>
-    <p:spTree>
-      <p:nvGrpSpPr>
-        <p:cNvPr id="1" name=""/>
-        <p:cNvGrpSpPr/>
-        <p:nvPr/>
-      </p:nvGrpSpPr>
-      <p:grpSpPr>
-        <a:xfrm>
-          <a:off x="0" y="0"/>
-          <a:ext cx="0" cy="0"/>
-          <a:chOff x="0" y="0"/>
-          <a:chExt cx="0" cy="0"/>
-        </a:xfrm>
-      </p:grpSpPr>
-      <p:sp>
-        <p:nvSpPr>
-          <p:cNvPr id="2" name="Titolo 1">
-            <a:extLst>
-              <a:ext uri="{FF2B5EF4-FFF2-40B4-BE49-F238E27FC236}">
-                <a16:creationId xmlns:a16="http://schemas.microsoft.com/office/drawing/2014/main" id="{62BB0F74-3363-AF42-709E-E93953B193AF}"/>
-              </a:ext>
-            </a:extLst>
-          </p:cNvPr>
-          <p:cNvSpPr>
-            <a:spLocks noGrp="1"/>
-          </p:cNvSpPr>
-          <p:nvPr>
-            <p:ph type="title"/>
-          </p:nvPr>
-        </p:nvSpPr>
-        <p:spPr/>
-        <p:txBody>
-          <a:bodyPr/>
-          <a:lstStyle/>
-          <a:p>
-            <a:pPr algn="ctr"/>
-            <a:r>
-              <a:rPr lang="it-IT" dirty="0"/>
-              <a:t>Risultati – </a:t>
-            </a:r>
-            <a:r>
-              <a:rPr lang="it-IT" dirty="0" err="1"/>
-              <a:t>Unauthorized</a:t>
-            </a:r>
-            <a:endParaRPr lang="it-IT" dirty="0"/>
-          </a:p>
-        </p:txBody>
-      </p:sp>
-      <p:sp>
-        <p:nvSpPr>
-          <p:cNvPr id="4" name="Segnaposto numero diapositiva 3">
-            <a:extLst>
-              <a:ext uri="{FF2B5EF4-FFF2-40B4-BE49-F238E27FC236}">
-                <a16:creationId xmlns:a16="http://schemas.microsoft.com/office/drawing/2014/main" id="{91F51550-0E4D-D40C-37FD-648EB0C8F1E3}"/>
-              </a:ext>
-            </a:extLst>
-          </p:cNvPr>
-          <p:cNvSpPr>
-            <a:spLocks noGrp="1"/>
-          </p:cNvSpPr>
-          <p:nvPr>
-            <p:ph type="sldNum" sz="quarter" idx="12"/>
-          </p:nvPr>
-        </p:nvSpPr>
-        <p:spPr/>
-        <p:txBody>
-          <a:bodyPr/>
-          <a:lstStyle/>
-          <a:p>
-            <a:fld id="{3F24ED9F-0AD1-BB4C-9842-01F95E80AFCD}" type="slidenum">
-              <a:rPr lang="it-IT" smtClean="0"/>
-              <a:t>30</a:t>
-            </a:fld>
-            <a:endParaRPr lang="it-IT" dirty="0"/>
-          </a:p>
-        </p:txBody>
-      </p:sp>
-      <p:sp>
-        <p:nvSpPr>
-          <p:cNvPr id="7" name="Rettangolo 6">
-            <a:extLst>
-              <a:ext uri="{FF2B5EF4-FFF2-40B4-BE49-F238E27FC236}">
-                <a16:creationId xmlns:a16="http://schemas.microsoft.com/office/drawing/2014/main" id="{64EC5C47-DA9C-18B0-908F-89D36DBC7216}"/>
-              </a:ext>
-            </a:extLst>
-          </p:cNvPr>
-          <p:cNvSpPr/>
-          <p:nvPr/>
-        </p:nvSpPr>
-        <p:spPr>
-          <a:xfrm rot="5400000" flipH="1">
-            <a:off x="6073140" y="-3836435"/>
-            <a:ext cx="45719" cy="10515602"/>
-          </a:xfrm>
-          <a:prstGeom prst="rect">
-            <a:avLst/>
-          </a:prstGeom>
-          <a:solidFill>
-            <a:srgbClr val="9E9E9E"/>
-          </a:solidFill>
-          <a:ln>
-            <a:noFill/>
-          </a:ln>
-        </p:spPr>
-        <p:style>
-          <a:lnRef idx="2">
-            <a:schemeClr val="accent1">
-              <a:shade val="50000"/>
-            </a:schemeClr>
-          </a:lnRef>
-          <a:fillRef idx="1">
-            <a:schemeClr val="accent1"/>
-          </a:fillRef>
-          <a:effectRef idx="0">
-            <a:schemeClr val="accent1"/>
-          </a:effectRef>
-          <a:fontRef idx="minor">
-            <a:schemeClr val="lt1"/>
-          </a:fontRef>
-        </p:style>
-        <p:txBody>
-          <a:bodyPr rtlCol="0" anchor="ctr"/>
-          <a:lstStyle/>
-          <a:p>
-            <a:pPr algn="ctr"/>
-            <a:endParaRPr lang="it-IT" dirty="0"/>
-          </a:p>
-        </p:txBody>
-      </p:sp>
-      <p:pic>
-        <p:nvPicPr>
-          <p:cNvPr id="6" name="Immagine 5" descr="Immagine che contiene testo, software, Pagina Web, Icona del computer&#10;&#10;Descrizione generata automaticamente">
-            <a:extLst>
-              <a:ext uri="{FF2B5EF4-FFF2-40B4-BE49-F238E27FC236}">
-                <a16:creationId xmlns:a16="http://schemas.microsoft.com/office/drawing/2014/main" id="{B2B2CCBA-6CA8-48AA-1BE2-328639E59E4C}"/>
-              </a:ext>
-            </a:extLst>
-          </p:cNvPr>
-          <p:cNvPicPr>
-            <a:picLocks noChangeAspect="1"/>
-          </p:cNvPicPr>
-          <p:nvPr/>
-        </p:nvPicPr>
-        <p:blipFill>
-          <a:blip r:embed="rId2"/>
-          <a:stretch>
-            <a:fillRect/>
-          </a:stretch>
-        </p:blipFill>
-        <p:spPr>
-          <a:xfrm>
-            <a:off x="1622923" y="2014303"/>
-            <a:ext cx="8946151" cy="3445191"/>
-          </a:xfrm>
-          <a:prstGeom prst="rect">
-            <a:avLst/>
-          </a:prstGeom>
-        </p:spPr>
-      </p:pic>
-    </p:spTree>
-    <p:extLst>
-      <p:ext uri="{BB962C8B-B14F-4D97-AF65-F5344CB8AC3E}">
-        <p14:creationId xmlns:p14="http://schemas.microsoft.com/office/powerpoint/2010/main" val="4122427715"/>
-      </p:ext>
-    </p:extLst>
-  </p:cSld>
-  <p:clrMapOvr>
-    <a:masterClrMapping/>
-  </p:clrMapOvr>
-  <mc:AlternateContent xmlns:mc="http://schemas.openxmlformats.org/markup-compatibility/2006" xmlns:p159="http://schemas.microsoft.com/office/powerpoint/2015/09/main">
-    <mc:Choice Requires="p159">
-      <p:transition spd="slow">
-        <p159:morph option="byObject"/>
-      </p:transition>
-    </mc:Choice>
-    <mc:Fallback xmlns="">
-      <p:transition spd="slow">
-        <p:fade/>
-      </p:transition>
-    </mc:Fallback>
-  </mc:AlternateContent>
-</p:sld>
-</file>
-
-<file path=ppt/slides/slide31.xml><?xml version="1.0" encoding="utf-8"?>
 <p:sld xmlns:a="http://schemas.openxmlformats.org/drawingml/2006/main" xmlns:r="http://schemas.openxmlformats.org/officeDocument/2006/relationships" xmlns:p="http://schemas.openxmlformats.org/presentationml/2006/main">
   <p:cSld>
     <p:spTree>
@@ -12545,6 +12248,18 @@
   <p:clrMapOvr>
     <a:masterClrMapping/>
   </p:clrMapOvr>
+  <mc:AlternateContent xmlns:mc="http://schemas.openxmlformats.org/markup-compatibility/2006">
+    <mc:Choice xmlns:p159="http://schemas.microsoft.com/office/powerpoint/2015/09/main" Requires="p159">
+      <p:transition>
+        <p159:morph option="byObject"/>
+      </p:transition>
+    </mc:Choice>
+    <mc:Fallback>
+      <p:transition>
+        <p:fade/>
+      </p:transition>
+    </mc:Fallback>
+  </mc:AlternateContent>
 </p:sld>
 </file>
 
@@ -12596,58 +12311,6 @@
               <a:rPr lang="it-IT" dirty="0"/>
               <a:t>Caratteristiche dei microservizi</a:t>
             </a:r>
-          </a:p>
-        </p:txBody>
-      </p:sp>
-      <p:sp>
-        <p:nvSpPr>
-          <p:cNvPr id="4" name="Esagono orizzontale 3">
-            <a:extLst>
-              <a:ext uri="{FF2B5EF4-FFF2-40B4-BE49-F238E27FC236}">
-                <a16:creationId xmlns:a16="http://schemas.microsoft.com/office/drawing/2014/main" id="{B48771B6-F220-5773-D05E-C72E90A2AAC2}"/>
-              </a:ext>
-            </a:extLst>
-          </p:cNvPr>
-          <p:cNvSpPr/>
-          <p:nvPr/>
-        </p:nvSpPr>
-        <p:spPr>
-          <a:xfrm rot="5400000">
-            <a:off x="2674557" y="2186301"/>
-            <a:ext cx="2210400" cy="2019600"/>
-          </a:xfrm>
-          <a:prstGeom prst="hexagon">
-            <a:avLst/>
-          </a:prstGeom>
-          <a:solidFill>
-            <a:srgbClr val="FF4C00"/>
-          </a:solidFill>
-          <a:ln>
-            <a:noFill/>
-          </a:ln>
-        </p:spPr>
-        <p:style>
-          <a:lnRef idx="2">
-            <a:schemeClr val="accent1">
-              <a:shade val="50000"/>
-            </a:schemeClr>
-          </a:lnRef>
-          <a:fillRef idx="1">
-            <a:schemeClr val="accent1"/>
-          </a:fillRef>
-          <a:effectRef idx="0">
-            <a:schemeClr val="accent1"/>
-          </a:effectRef>
-          <a:fontRef idx="minor">
-            <a:schemeClr val="lt1"/>
-          </a:fontRef>
-        </p:style>
-        <p:txBody>
-          <a:bodyPr vert="vert270" rtlCol="0" anchor="ctr"/>
-          <a:lstStyle/>
-          <a:p>
-            <a:pPr algn="ctr"/>
-            <a:endParaRPr lang="it-IT" dirty="0"/>
           </a:p>
         </p:txBody>
       </p:sp>
@@ -12700,7 +12363,9 @@
           <a:p>
             <a:pPr algn="ctr"/>
             <a:r>
-              <a:rPr lang="it-IT" dirty="0"/>
+              <a:rPr lang="it-IT" dirty="0">
+                <a:latin typeface="+mj-lt"/>
+              </a:rPr>
               <a:t>Resilienza</a:t>
             </a:r>
           </a:p>
@@ -12755,7 +12420,9 @@
           <a:p>
             <a:pPr algn="ctr"/>
             <a:r>
-              <a:rPr lang="it-IT" dirty="0"/>
+              <a:rPr lang="it-IT" dirty="0">
+                <a:latin typeface="+mj-lt"/>
+              </a:rPr>
               <a:t>Scalabilità</a:t>
             </a:r>
           </a:p>
@@ -12810,7 +12477,9 @@
           <a:p>
             <a:pPr algn="ctr"/>
             <a:r>
-              <a:rPr lang="it-IT" dirty="0"/>
+              <a:rPr lang="it-IT" dirty="0">
+                <a:latin typeface="+mj-lt"/>
+              </a:rPr>
               <a:t>Codice riutilizzabile</a:t>
             </a:r>
           </a:p>
@@ -12865,15 +12534,10 @@
           <a:p>
             <a:pPr algn="ctr"/>
             <a:r>
-              <a:rPr lang="it-IT" dirty="0"/>
-              <a:t>Semplicità di</a:t>
-            </a:r>
-          </a:p>
-          <a:p>
-            <a:pPr algn="ctr"/>
-            <a:r>
-              <a:rPr lang="it-IT" dirty="0"/>
-              <a:t>distruzione</a:t>
+              <a:rPr lang="it-IT" sz="1600" dirty="0">
+                <a:latin typeface="+mj-lt"/>
+              </a:rPr>
+              <a:t>Semplicità di distribuzione</a:t>
             </a:r>
           </a:p>
         </p:txBody>
@@ -12993,12 +12657,70 @@
                 <a:solidFill>
                   <a:schemeClr val="lt1"/>
                 </a:solidFill>
+                <a:latin typeface="+mj-lt"/>
               </a:rPr>
               <a:t>Agilità</a:t>
             </a:r>
           </a:p>
           <a:p>
             <a:endParaRPr lang="it-IT" dirty="0"/>
+          </a:p>
+        </p:txBody>
+      </p:sp>
+      <p:sp>
+        <p:nvSpPr>
+          <p:cNvPr id="9" name="Esagono orizzontale 5">
+            <a:extLst>
+              <a:ext uri="{FF2B5EF4-FFF2-40B4-BE49-F238E27FC236}">
+                <a16:creationId xmlns:a16="http://schemas.microsoft.com/office/drawing/2014/main" id="{B012C9E6-D173-3075-C11B-5451BD609B45}"/>
+              </a:ext>
+            </a:extLst>
+          </p:cNvPr>
+          <p:cNvSpPr/>
+          <p:nvPr/>
+        </p:nvSpPr>
+        <p:spPr>
+          <a:xfrm rot="5400000">
+            <a:off x="2674556" y="2186300"/>
+            <a:ext cx="2210400" cy="2019600"/>
+          </a:xfrm>
+          <a:prstGeom prst="hexagon">
+            <a:avLst/>
+          </a:prstGeom>
+          <a:solidFill>
+            <a:srgbClr val="FF4C00"/>
+          </a:solidFill>
+          <a:ln>
+            <a:noFill/>
+          </a:ln>
+        </p:spPr>
+        <p:style>
+          <a:lnRef idx="2">
+            <a:schemeClr val="accent1">
+              <a:shade val="50000"/>
+            </a:schemeClr>
+          </a:lnRef>
+          <a:fillRef idx="1">
+            <a:schemeClr val="accent1"/>
+          </a:fillRef>
+          <a:effectRef idx="0">
+            <a:schemeClr val="accent1"/>
+          </a:effectRef>
+          <a:fontRef idx="minor">
+            <a:schemeClr val="lt1"/>
+          </a:fontRef>
+        </p:style>
+        <p:txBody>
+          <a:bodyPr vert="vert270" rtlCol="0" anchor="ctr"/>
+          <a:lstStyle/>
+          <a:p>
+            <a:pPr algn="ctr"/>
+            <a:r>
+              <a:rPr lang="it-IT" dirty="0">
+                <a:latin typeface="+mj-lt"/>
+              </a:rPr>
+              <a:t>Agilità</a:t>
+            </a:r>
           </a:p>
         </p:txBody>
       </p:sp>
@@ -13012,6 +12734,18 @@
   <p:clrMapOvr>
     <a:masterClrMapping/>
   </p:clrMapOvr>
+  <mc:AlternateContent xmlns:mc="http://schemas.openxmlformats.org/markup-compatibility/2006">
+    <mc:Choice xmlns:p159="http://schemas.microsoft.com/office/powerpoint/2015/09/main" Requires="p159">
+      <p:transition>
+        <p159:morph option="byObject"/>
+      </p:transition>
+    </mc:Choice>
+    <mc:Fallback>
+      <p:transition>
+        <p:fade/>
+      </p:transition>
+    </mc:Fallback>
+  </mc:AlternateContent>
   <p:timing>
     <p:tnLst>
       <p:par>
@@ -13024,9 +12758,6 @@
                     <p:cTn id="3" fill="hold">
                       <p:stCondLst>
                         <p:cond delay="indefinite"/>
-                        <p:cond evt="onBegin" delay="0">
-                          <p:tn val="2"/>
-                        </p:cond>
                       </p:stCondLst>
                       <p:childTnLst>
                         <p:par>
@@ -13036,7 +12767,7 @@
                             </p:stCondLst>
                             <p:childTnLst>
                               <p:par>
-                                <p:cTn id="5" presetID="53" presetClass="entr" presetSubtype="16" fill="hold" grpId="0" nodeType="afterEffect">
+                                <p:cTn id="5" presetID="53" presetClass="entr" presetSubtype="16" fill="hold" grpId="0" nodeType="clickEffect">
                                   <p:stCondLst>
                                     <p:cond delay="0"/>
                                   </p:stCondLst>
@@ -13049,7 +12780,7 @@
                                           </p:stCondLst>
                                         </p:cTn>
                                         <p:tgtEl>
-                                          <p:spTgt spid="4"/>
+                                          <p:spTgt spid="9"/>
                                         </p:tgtEl>
                                         <p:attrNameLst>
                                           <p:attrName>style.visibility</p:attrName>
@@ -13061,9 +12792,9 @@
                                     </p:set>
                                     <p:anim calcmode="lin" valueType="num">
                                       <p:cBhvr>
-                                        <p:cTn id="7" dur="500" fill="hold"/>
+                                        <p:cTn id="7" dur="250" fill="hold"/>
                                         <p:tgtEl>
-                                          <p:spTgt spid="4"/>
+                                          <p:spTgt spid="9"/>
                                         </p:tgtEl>
                                         <p:attrNameLst>
                                           <p:attrName>ppt_w</p:attrName>
@@ -13084,9 +12815,9 @@
                                     </p:anim>
                                     <p:anim calcmode="lin" valueType="num">
                                       <p:cBhvr>
-                                        <p:cTn id="8" dur="500" fill="hold"/>
+                                        <p:cTn id="8" dur="250" fill="hold"/>
                                         <p:tgtEl>
-                                          <p:spTgt spid="4"/>
+                                          <p:spTgt spid="9"/>
                                         </p:tgtEl>
                                         <p:attrNameLst>
                                           <p:attrName>ppt_h</p:attrName>
@@ -13107,90 +12838,9 @@
                                     </p:anim>
                                     <p:animEffect transition="in" filter="fade">
                                       <p:cBhvr>
-                                        <p:cTn id="9" dur="500"/>
+                                        <p:cTn id="9" dur="250"/>
                                         <p:tgtEl>
-                                          <p:spTgt spid="4"/>
-                                        </p:tgtEl>
-                                      </p:cBhvr>
-                                    </p:animEffect>
-                                  </p:childTnLst>
-                                </p:cTn>
-                              </p:par>
-                              <p:par>
-                                <p:cTn id="10" presetID="53" presetClass="entr" presetSubtype="16" fill="hold" grpId="0" nodeType="withEffect">
-                                  <p:stCondLst>
-                                    <p:cond delay="0"/>
-                                  </p:stCondLst>
-                                  <p:childTnLst>
-                                    <p:set>
-                                      <p:cBhvr>
-                                        <p:cTn id="11" dur="1" fill="hold">
-                                          <p:stCondLst>
-                                            <p:cond delay="0"/>
-                                          </p:stCondLst>
-                                        </p:cTn>
-                                        <p:tgtEl>
-                                          <p:spTgt spid="3"/>
-                                        </p:tgtEl>
-                                        <p:attrNameLst>
-                                          <p:attrName>style.visibility</p:attrName>
-                                        </p:attrNameLst>
-                                      </p:cBhvr>
-                                      <p:to>
-                                        <p:strVal val="visible"/>
-                                      </p:to>
-                                    </p:set>
-                                    <p:anim calcmode="lin" valueType="num">
-                                      <p:cBhvr>
-                                        <p:cTn id="12" dur="500" fill="hold"/>
-                                        <p:tgtEl>
-                                          <p:spTgt spid="3"/>
-                                        </p:tgtEl>
-                                        <p:attrNameLst>
-                                          <p:attrName>ppt_w</p:attrName>
-                                        </p:attrNameLst>
-                                      </p:cBhvr>
-                                      <p:tavLst>
-                                        <p:tav tm="0">
-                                          <p:val>
-                                            <p:fltVal val="0"/>
-                                          </p:val>
-                                        </p:tav>
-                                        <p:tav tm="100000">
-                                          <p:val>
-                                            <p:strVal val="#ppt_w"/>
-                                          </p:val>
-                                        </p:tav>
-                                      </p:tavLst>
-                                    </p:anim>
-                                    <p:anim calcmode="lin" valueType="num">
-                                      <p:cBhvr>
-                                        <p:cTn id="13" dur="500" fill="hold"/>
-                                        <p:tgtEl>
-                                          <p:spTgt spid="3"/>
-                                        </p:tgtEl>
-                                        <p:attrNameLst>
-                                          <p:attrName>ppt_h</p:attrName>
-                                        </p:attrNameLst>
-                                      </p:cBhvr>
-                                      <p:tavLst>
-                                        <p:tav tm="0">
-                                          <p:val>
-                                            <p:fltVal val="0"/>
-                                          </p:val>
-                                        </p:tav>
-                                        <p:tav tm="100000">
-                                          <p:val>
-                                            <p:strVal val="#ppt_h"/>
-                                          </p:val>
-                                        </p:tav>
-                                      </p:tavLst>
-                                    </p:anim>
-                                    <p:animEffect transition="in" filter="fade">
-                                      <p:cBhvr>
-                                        <p:cTn id="14" dur="500"/>
-                                        <p:tgtEl>
-                                          <p:spTgt spid="3"/>
+                                          <p:spTgt spid="9"/>
                                         </p:tgtEl>
                                       </p:cBhvr>
                                     </p:animEffect>
@@ -13204,26 +12854,26 @@
                     </p:cTn>
                   </p:par>
                   <p:par>
-                    <p:cTn id="15" fill="hold">
+                    <p:cTn id="10" fill="hold">
                       <p:stCondLst>
                         <p:cond delay="indefinite"/>
                       </p:stCondLst>
                       <p:childTnLst>
                         <p:par>
-                          <p:cTn id="16" fill="hold">
+                          <p:cTn id="11" fill="hold">
                             <p:stCondLst>
                               <p:cond delay="0"/>
                             </p:stCondLst>
                             <p:childTnLst>
                               <p:par>
-                                <p:cTn id="17" presetID="53" presetClass="entr" presetSubtype="16" fill="hold" grpId="0" nodeType="clickEffect">
+                                <p:cTn id="12" presetID="53" presetClass="entr" presetSubtype="16" fill="hold" grpId="0" nodeType="clickEffect">
                                   <p:stCondLst>
                                     <p:cond delay="0"/>
                                   </p:stCondLst>
                                   <p:childTnLst>
                                     <p:set>
                                       <p:cBhvr>
-                                        <p:cTn id="18" dur="1" fill="hold">
+                                        <p:cTn id="13" dur="1" fill="hold">
                                           <p:stCondLst>
                                             <p:cond delay="0"/>
                                           </p:stCondLst>
@@ -13241,7 +12891,7 @@
                                     </p:set>
                                     <p:anim calcmode="lin" valueType="num">
                                       <p:cBhvr>
-                                        <p:cTn id="19" dur="500" fill="hold"/>
+                                        <p:cTn id="14" dur="250" fill="hold"/>
                                         <p:tgtEl>
                                           <p:spTgt spid="5"/>
                                         </p:tgtEl>
@@ -13264,7 +12914,7 @@
                                     </p:anim>
                                     <p:anim calcmode="lin" valueType="num">
                                       <p:cBhvr>
-                                        <p:cTn id="20" dur="500" fill="hold"/>
+                                        <p:cTn id="15" dur="250" fill="hold"/>
                                         <p:tgtEl>
                                           <p:spTgt spid="5"/>
                                         </p:tgtEl>
@@ -13287,7 +12937,7 @@
                                     </p:anim>
                                     <p:animEffect transition="in" filter="fade">
                                       <p:cBhvr>
-                                        <p:cTn id="21" dur="500"/>
+                                        <p:cTn id="16" dur="250"/>
                                         <p:tgtEl>
                                           <p:spTgt spid="5"/>
                                         </p:tgtEl>
@@ -13303,26 +12953,26 @@
                     </p:cTn>
                   </p:par>
                   <p:par>
-                    <p:cTn id="22" fill="hold">
+                    <p:cTn id="17" fill="hold">
                       <p:stCondLst>
                         <p:cond delay="indefinite"/>
                       </p:stCondLst>
                       <p:childTnLst>
                         <p:par>
-                          <p:cTn id="23" fill="hold">
+                          <p:cTn id="18" fill="hold">
                             <p:stCondLst>
                               <p:cond delay="0"/>
                             </p:stCondLst>
                             <p:childTnLst>
                               <p:par>
-                                <p:cTn id="24" presetID="53" presetClass="entr" presetSubtype="16" fill="hold" grpId="0" nodeType="clickEffect">
+                                <p:cTn id="19" presetID="53" presetClass="entr" presetSubtype="16" fill="hold" grpId="0" nodeType="clickEffect">
                                   <p:stCondLst>
                                     <p:cond delay="0"/>
                                   </p:stCondLst>
                                   <p:childTnLst>
                                     <p:set>
                                       <p:cBhvr>
-                                        <p:cTn id="25" dur="1" fill="hold">
+                                        <p:cTn id="20" dur="1" fill="hold">
                                           <p:stCondLst>
                                             <p:cond delay="0"/>
                                           </p:stCondLst>
@@ -13340,7 +12990,7 @@
                                     </p:set>
                                     <p:anim calcmode="lin" valueType="num">
                                       <p:cBhvr>
-                                        <p:cTn id="26" dur="500" fill="hold"/>
+                                        <p:cTn id="21" dur="250" fill="hold"/>
                                         <p:tgtEl>
                                           <p:spTgt spid="6"/>
                                         </p:tgtEl>
@@ -13363,7 +13013,7 @@
                                     </p:anim>
                                     <p:anim calcmode="lin" valueType="num">
                                       <p:cBhvr>
-                                        <p:cTn id="27" dur="500" fill="hold"/>
+                                        <p:cTn id="22" dur="250" fill="hold"/>
                                         <p:tgtEl>
                                           <p:spTgt spid="6"/>
                                         </p:tgtEl>
@@ -13386,7 +13036,7 @@
                                     </p:anim>
                                     <p:animEffect transition="in" filter="fade">
                                       <p:cBhvr>
-                                        <p:cTn id="28" dur="500"/>
+                                        <p:cTn id="23" dur="250"/>
                                         <p:tgtEl>
                                           <p:spTgt spid="6"/>
                                         </p:tgtEl>
@@ -13402,26 +13052,26 @@
                     </p:cTn>
                   </p:par>
                   <p:par>
-                    <p:cTn id="29" fill="hold">
+                    <p:cTn id="24" fill="hold">
                       <p:stCondLst>
                         <p:cond delay="indefinite"/>
                       </p:stCondLst>
                       <p:childTnLst>
                         <p:par>
-                          <p:cTn id="30" fill="hold">
+                          <p:cTn id="25" fill="hold">
                             <p:stCondLst>
                               <p:cond delay="0"/>
                             </p:stCondLst>
                             <p:childTnLst>
                               <p:par>
-                                <p:cTn id="31" presetID="53" presetClass="entr" presetSubtype="16" fill="hold" grpId="0" nodeType="clickEffect">
+                                <p:cTn id="26" presetID="53" presetClass="entr" presetSubtype="16" fill="hold" grpId="0" nodeType="clickEffect">
                                   <p:stCondLst>
                                     <p:cond delay="0"/>
                                   </p:stCondLst>
                                   <p:childTnLst>
                                     <p:set>
                                       <p:cBhvr>
-                                        <p:cTn id="32" dur="1" fill="hold">
+                                        <p:cTn id="27" dur="1" fill="hold">
                                           <p:stCondLst>
                                             <p:cond delay="0"/>
                                           </p:stCondLst>
@@ -13439,7 +13089,7 @@
                                     </p:set>
                                     <p:anim calcmode="lin" valueType="num">
                                       <p:cBhvr>
-                                        <p:cTn id="33" dur="500" fill="hold"/>
+                                        <p:cTn id="28" dur="250" fill="hold"/>
                                         <p:tgtEl>
                                           <p:spTgt spid="7"/>
                                         </p:tgtEl>
@@ -13462,7 +13112,7 @@
                                     </p:anim>
                                     <p:anim calcmode="lin" valueType="num">
                                       <p:cBhvr>
-                                        <p:cTn id="34" dur="500" fill="hold"/>
+                                        <p:cTn id="29" dur="250" fill="hold"/>
                                         <p:tgtEl>
                                           <p:spTgt spid="7"/>
                                         </p:tgtEl>
@@ -13485,7 +13135,7 @@
                                     </p:anim>
                                     <p:animEffect transition="in" filter="fade">
                                       <p:cBhvr>
-                                        <p:cTn id="35" dur="500"/>
+                                        <p:cTn id="30" dur="250"/>
                                         <p:tgtEl>
                                           <p:spTgt spid="7"/>
                                         </p:tgtEl>
@@ -13501,26 +13151,26 @@
                     </p:cTn>
                   </p:par>
                   <p:par>
-                    <p:cTn id="36" fill="hold">
+                    <p:cTn id="31" fill="hold">
                       <p:stCondLst>
                         <p:cond delay="indefinite"/>
                       </p:stCondLst>
                       <p:childTnLst>
                         <p:par>
-                          <p:cTn id="37" fill="hold">
+                          <p:cTn id="32" fill="hold">
                             <p:stCondLst>
                               <p:cond delay="0"/>
                             </p:stCondLst>
                             <p:childTnLst>
                               <p:par>
-                                <p:cTn id="38" presetID="53" presetClass="entr" presetSubtype="16" fill="hold" grpId="0" nodeType="clickEffect">
+                                <p:cTn id="33" presetID="53" presetClass="entr" presetSubtype="16" fill="hold" grpId="0" nodeType="clickEffect">
                                   <p:stCondLst>
                                     <p:cond delay="0"/>
                                   </p:stCondLst>
                                   <p:childTnLst>
                                     <p:set>
                                       <p:cBhvr>
-                                        <p:cTn id="39" dur="1" fill="hold">
+                                        <p:cTn id="34" dur="1" fill="hold">
                                           <p:stCondLst>
                                             <p:cond delay="0"/>
                                           </p:stCondLst>
@@ -13538,7 +13188,7 @@
                                     </p:set>
                                     <p:anim calcmode="lin" valueType="num">
                                       <p:cBhvr>
-                                        <p:cTn id="40" dur="500" fill="hold"/>
+                                        <p:cTn id="35" dur="250" fill="hold"/>
                                         <p:tgtEl>
                                           <p:spTgt spid="8"/>
                                         </p:tgtEl>
@@ -13561,7 +13211,7 @@
                                     </p:anim>
                                     <p:anim calcmode="lin" valueType="num">
                                       <p:cBhvr>
-                                        <p:cTn id="41" dur="500" fill="hold"/>
+                                        <p:cTn id="36" dur="250" fill="hold"/>
                                         <p:tgtEl>
                                           <p:spTgt spid="8"/>
                                         </p:tgtEl>
@@ -13584,7 +13234,7 @@
                                     </p:anim>
                                     <p:animEffect transition="in" filter="fade">
                                       <p:cBhvr>
-                                        <p:cTn id="42" dur="500"/>
+                                        <p:cTn id="37" dur="250"/>
                                         <p:tgtEl>
                                           <p:spTgt spid="8"/>
                                         </p:tgtEl>
@@ -13621,12 +13271,11 @@
       </p:par>
     </p:tnLst>
     <p:bldLst>
-      <p:bldP spid="4" grpId="0" animBg="1"/>
       <p:bldP spid="5" grpId="0" animBg="1"/>
       <p:bldP spid="6" grpId="0" animBg="1"/>
       <p:bldP spid="7" grpId="0" animBg="1"/>
       <p:bldP spid="8" grpId="0" animBg="1"/>
-      <p:bldP spid="3" grpId="0"/>
+      <p:bldP spid="9" grpId="0" animBg="1"/>
     </p:bldLst>
   </p:timing>
 </p:sld>
@@ -13732,14 +13381,14 @@
   <p:clrMapOvr>
     <a:masterClrMapping/>
   </p:clrMapOvr>
-  <mc:AlternateContent xmlns:mc="http://schemas.openxmlformats.org/markup-compatibility/2006" xmlns:p159="http://schemas.microsoft.com/office/powerpoint/2015/09/main">
-    <mc:Choice Requires="p159">
-      <p:transition spd="slow">
+  <mc:AlternateContent xmlns:mc="http://schemas.openxmlformats.org/markup-compatibility/2006">
+    <mc:Choice xmlns:p159="http://schemas.microsoft.com/office/powerpoint/2015/09/main" Requires="p159">
+      <p:transition>
         <p159:morph option="byObject"/>
       </p:transition>
     </mc:Choice>
-    <mc:Fallback xmlns="">
-      <p:transition spd="slow">
+    <mc:Fallback>
+      <p:transition>
         <p:fade/>
       </p:transition>
     </mc:Fallback>
@@ -13811,8 +13460,8 @@
         </p:nvSpPr>
         <p:spPr>
           <a:xfrm>
-            <a:off x="838200" y="1825625"/>
-            <a:ext cx="10665542" cy="1557655"/>
+            <a:off x="838200" y="1539875"/>
+            <a:ext cx="9305925" cy="1557655"/>
           </a:xfrm>
         </p:spPr>
         <p:txBody>
@@ -14006,8 +13655,55 @@
         </p:blipFill>
         <p:spPr bwMode="auto">
           <a:xfrm>
-            <a:off x="5092801" y="3429000"/>
-            <a:ext cx="2006395" cy="649128"/>
+            <a:off x="10144125" y="1902683"/>
+            <a:ext cx="1285875" cy="416019"/>
+          </a:xfrm>
+          <a:prstGeom prst="rect">
+            <a:avLst/>
+          </a:prstGeom>
+          <a:noFill/>
+          <a:extLst>
+            <a:ext uri="{909E8E84-426E-40DD-AFC4-6F175D3DCCD1}">
+              <a14:hiddenFill xmlns:a14="http://schemas.microsoft.com/office/drawing/2010/main">
+                <a:solidFill>
+                  <a:srgbClr val="FFFFFF"/>
+                </a:solidFill>
+              </a14:hiddenFill>
+            </a:ext>
+          </a:extLst>
+        </p:spPr>
+      </p:pic>
+      <p:pic>
+        <p:nvPicPr>
+          <p:cNvPr id="4" name="Picture 2" descr="Kong Gateway - v3.3.x | Kong Docs">
+            <a:extLst>
+              <a:ext uri="{FF2B5EF4-FFF2-40B4-BE49-F238E27FC236}">
+                <a16:creationId xmlns:a16="http://schemas.microsoft.com/office/drawing/2014/main" id="{AA0DBBD8-2593-56F0-B0E0-C335554C7A31}"/>
+              </a:ext>
+            </a:extLst>
+          </p:cNvPr>
+          <p:cNvPicPr>
+            <a:picLocks noChangeAspect="1" noChangeArrowheads="1"/>
+          </p:cNvPicPr>
+          <p:nvPr/>
+        </p:nvPicPr>
+        <p:blipFill>
+          <a:blip r:embed="rId4">
+            <a:extLst>
+              <a:ext uri="{28A0092B-C50C-407E-A947-70E740481C1C}">
+                <a14:useLocalDpi xmlns:a14="http://schemas.microsoft.com/office/drawing/2010/main" val="0"/>
+              </a:ext>
+            </a:extLst>
+          </a:blip>
+          <a:srcRect/>
+          <a:stretch>
+            <a:fillRect/>
+          </a:stretch>
+        </p:blipFill>
+        <p:spPr bwMode="auto">
+          <a:xfrm>
+            <a:off x="1856611" y="2796209"/>
+            <a:ext cx="8478775" cy="3579191"/>
           </a:xfrm>
           <a:prstGeom prst="rect">
             <a:avLst/>
@@ -14034,14 +13730,14 @@
   <p:clrMapOvr>
     <a:masterClrMapping/>
   </p:clrMapOvr>
-  <mc:AlternateContent xmlns:mc="http://schemas.openxmlformats.org/markup-compatibility/2006" xmlns:p159="http://schemas.microsoft.com/office/powerpoint/2015/09/main">
-    <mc:Choice Requires="p159">
-      <p:transition spd="slow">
+  <mc:AlternateContent xmlns:mc="http://schemas.openxmlformats.org/markup-compatibility/2006">
+    <mc:Choice xmlns:p159="http://schemas.microsoft.com/office/powerpoint/2015/09/main" Requires="p159">
+      <p:transition>
         <p159:morph option="byObject"/>
       </p:transition>
     </mc:Choice>
-    <mc:Fallback xmlns="">
-      <p:transition spd="slow">
+    <mc:Fallback>
+      <p:transition>
         <p:fade/>
       </p:transition>
     </mc:Fallback>
@@ -14068,179 +13764,95 @@
       </p:grpSpPr>
       <p:sp>
         <p:nvSpPr>
-          <p:cNvPr id="2" name="Titolo 1">
-            <a:extLst>
-              <a:ext uri="{FF2B5EF4-FFF2-40B4-BE49-F238E27FC236}">
-                <a16:creationId xmlns:a16="http://schemas.microsoft.com/office/drawing/2014/main" id="{2DA4D5FD-48B7-2CA4-4386-405F2C8F1CBC}"/>
-              </a:ext>
-            </a:extLst>
-          </p:cNvPr>
-          <p:cNvSpPr>
-            <a:spLocks noGrp="1"/>
-          </p:cNvSpPr>
-          <p:nvPr>
-            <p:ph type="title"/>
-          </p:nvPr>
-        </p:nvSpPr>
-        <p:spPr/>
-        <p:txBody>
-          <a:bodyPr/>
-          <a:lstStyle/>
-          <a:p>
-            <a:pPr algn="ctr"/>
-            <a:r>
-              <a:rPr lang="it-IT" dirty="0"/>
-              <a:t>Funzionamento di Kong Gateway</a:t>
-            </a:r>
-          </a:p>
-        </p:txBody>
-      </p:sp>
-      <p:sp>
-        <p:nvSpPr>
-          <p:cNvPr id="14" name="Segnaposto numero diapositiva 13">
-            <a:extLst>
-              <a:ext uri="{FF2B5EF4-FFF2-40B4-BE49-F238E27FC236}">
-                <a16:creationId xmlns:a16="http://schemas.microsoft.com/office/drawing/2014/main" id="{25052D25-BC04-AB40-28DF-FC4EA050E05F}"/>
-              </a:ext>
-            </a:extLst>
-          </p:cNvPr>
-          <p:cNvSpPr>
-            <a:spLocks noGrp="1"/>
-          </p:cNvSpPr>
-          <p:nvPr>
-            <p:ph type="sldNum" sz="quarter" idx="12"/>
-          </p:nvPr>
-        </p:nvSpPr>
-        <p:spPr/>
-        <p:txBody>
-          <a:bodyPr/>
-          <a:lstStyle/>
-          <a:p>
-            <a:fld id="{3F24ED9F-0AD1-BB4C-9842-01F95E80AFCD}" type="slidenum">
-              <a:rPr lang="it-IT" smtClean="0"/>
-              <a:t>7</a:t>
-            </a:fld>
-            <a:endParaRPr lang="it-IT" dirty="0"/>
-          </a:p>
-        </p:txBody>
-      </p:sp>
-      <p:sp>
-        <p:nvSpPr>
-          <p:cNvPr id="15" name="Rettangolo 14">
-            <a:extLst>
-              <a:ext uri="{FF2B5EF4-FFF2-40B4-BE49-F238E27FC236}">
-                <a16:creationId xmlns:a16="http://schemas.microsoft.com/office/drawing/2014/main" id="{6B726953-3383-6DDF-895A-B28501C1FB70}"/>
-              </a:ext>
-            </a:extLst>
-          </p:cNvPr>
-          <p:cNvSpPr/>
+          <p:cNvPr id="6" name="Titolo 1">
+            <a:extLst>
+              <a:ext uri="{FF2B5EF4-FFF2-40B4-BE49-F238E27FC236}">
+                <a16:creationId xmlns:a16="http://schemas.microsoft.com/office/drawing/2014/main" id="{B5D012BC-D48F-54B5-C698-111BDFFBB817}"/>
+              </a:ext>
+            </a:extLst>
+          </p:cNvPr>
+          <p:cNvSpPr txBox="1">
+            <a:spLocks/>
+          </p:cNvSpPr>
           <p:nvPr/>
         </p:nvSpPr>
         <p:spPr>
-          <a:xfrm rot="5400000" flipH="1">
-            <a:off x="6073140" y="-3836435"/>
-            <a:ext cx="45719" cy="10515602"/>
+          <a:xfrm>
+            <a:off x="1524000" y="2914990"/>
+            <a:ext cx="9144000" cy="1028020"/>
           </a:xfrm>
           <a:prstGeom prst="rect">
             <a:avLst/>
           </a:prstGeom>
           <a:solidFill>
-            <a:srgbClr val="4DB6AC"/>
+            <a:srgbClr val="7030A0"/>
           </a:solidFill>
-          <a:ln>
-            <a:noFill/>
-          </a:ln>
         </p:spPr>
-        <p:style>
-          <a:lnRef idx="2">
-            <a:schemeClr val="accent1">
-              <a:shade val="50000"/>
-            </a:schemeClr>
-          </a:lnRef>
-          <a:fillRef idx="1">
-            <a:schemeClr val="accent1"/>
-          </a:fillRef>
-          <a:effectRef idx="0">
-            <a:schemeClr val="accent1"/>
-          </a:effectRef>
-          <a:fontRef idx="minor">
-            <a:schemeClr val="lt1"/>
-          </a:fontRef>
-        </p:style>
-        <p:txBody>
-          <a:bodyPr rtlCol="0" anchor="ctr"/>
-          <a:lstStyle/>
-          <a:p>
-            <a:pPr algn="ctr"/>
-            <a:endParaRPr lang="it-IT" dirty="0"/>
-          </a:p>
-        </p:txBody>
-      </p:sp>
-      <p:pic>
-        <p:nvPicPr>
-          <p:cNvPr id="3074" name="Picture 2" descr="Kong Gateway - v3.3.x | Kong Docs">
-            <a:extLst>
-              <a:ext uri="{FF2B5EF4-FFF2-40B4-BE49-F238E27FC236}">
-                <a16:creationId xmlns:a16="http://schemas.microsoft.com/office/drawing/2014/main" id="{DB0AC7F2-1291-5EB1-58B6-CC8738B64E03}"/>
-              </a:ext>
-            </a:extLst>
-          </p:cNvPr>
-          <p:cNvPicPr>
-            <a:picLocks noChangeAspect="1" noChangeArrowheads="1"/>
-          </p:cNvPicPr>
-          <p:nvPr/>
-        </p:nvPicPr>
-        <p:blipFill>
-          <a:blip r:embed="rId3">
-            <a:extLst>
-              <a:ext uri="{28A0092B-C50C-407E-A947-70E740481C1C}">
-                <a14:useLocalDpi xmlns:a14="http://schemas.microsoft.com/office/drawing/2010/main" val="0"/>
-              </a:ext>
-            </a:extLst>
-          </a:blip>
-          <a:srcRect/>
-          <a:stretch>
-            <a:fillRect/>
-          </a:stretch>
-        </p:blipFill>
-        <p:spPr bwMode="auto">
-          <a:xfrm>
-            <a:off x="1101212" y="1690688"/>
-            <a:ext cx="9989574" cy="4216953"/>
-          </a:xfrm>
-          <a:prstGeom prst="rect">
-            <a:avLst/>
-          </a:prstGeom>
-          <a:noFill/>
-          <a:extLst>
-            <a:ext uri="{909E8E84-426E-40DD-AFC4-6F175D3DCCD1}">
-              <a14:hiddenFill xmlns:a14="http://schemas.microsoft.com/office/drawing/2010/main">
+        <p:txBody>
+          <a:bodyPr vert="horz" lIns="91440" tIns="45720" rIns="91440" bIns="45720" rtlCol="0" anchor="b">
+            <a:normAutofit/>
+          </a:bodyPr>
+          <a:lstStyle>
+            <a:lvl1pPr algn="ctr" defTabSz="914400" rtl="0" eaLnBrk="1" latinLnBrk="0" hangingPunct="1">
+              <a:lnSpc>
+                <a:spcPct val="90000"/>
+              </a:lnSpc>
+              <a:spcBef>
+                <a:spcPct val="0"/>
+              </a:spcBef>
+              <a:buNone/>
+              <a:defRPr sz="6000" kern="1200">
                 <a:solidFill>
-                  <a:srgbClr val="FFFFFF"/>
+                  <a:schemeClr val="tx1"/>
                 </a:solidFill>
-              </a14:hiddenFill>
-            </a:ext>
-          </a:extLst>
-        </p:spPr>
-      </p:pic>
+                <a:latin typeface="+mj-lt"/>
+                <a:ea typeface="+mj-ea"/>
+                <a:cs typeface="+mj-cs"/>
+              </a:defRPr>
+            </a:lvl1pPr>
+          </a:lstStyle>
+          <a:p>
+            <a:r>
+              <a:rPr lang="it-IT" dirty="0">
+                <a:ln>
+                  <a:solidFill>
+                    <a:schemeClr val="bg1"/>
+                  </a:solidFill>
+                </a:ln>
+                <a:solidFill>
+                  <a:schemeClr val="bg1"/>
+                </a:solidFill>
+                <a:effectLst>
+                  <a:outerShdw blurRad="50800" dist="38100" dir="5400000" algn="t" rotWithShape="0">
+                    <a:prstClr val="black">
+                      <a:alpha val="40000"/>
+                    </a:prstClr>
+                  </a:outerShdw>
+                </a:effectLst>
+              </a:rPr>
+              <a:t>IL PROGETTO</a:t>
+            </a:r>
+          </a:p>
+        </p:txBody>
+      </p:sp>
     </p:spTree>
     <p:extLst>
       <p:ext uri="{BB962C8B-B14F-4D97-AF65-F5344CB8AC3E}">
-        <p14:creationId xmlns:p14="http://schemas.microsoft.com/office/powerpoint/2010/main" val="2321903613"/>
+        <p14:creationId xmlns:p14="http://schemas.microsoft.com/office/powerpoint/2010/main" val="3060818404"/>
       </p:ext>
     </p:extLst>
   </p:cSld>
   <p:clrMapOvr>
     <a:masterClrMapping/>
   </p:clrMapOvr>
-  <mc:AlternateContent xmlns:mc="http://schemas.openxmlformats.org/markup-compatibility/2006" xmlns:p159="http://schemas.microsoft.com/office/powerpoint/2015/09/main">
-    <mc:Choice Requires="p159">
-      <p:transition spd="slow">
+  <mc:AlternateContent xmlns:mc="http://schemas.openxmlformats.org/markup-compatibility/2006">
+    <mc:Choice xmlns:p159="http://schemas.microsoft.com/office/powerpoint/2015/09/main" Requires="p159">
+      <p:transition>
         <p159:morph option="byObject"/>
       </p:transition>
     </mc:Choice>
-    <mc:Fallback xmlns="">
-      <p:transition spd="slow">
+    <mc:Fallback>
+      <p:transition>
         <p:fade/>
       </p:transition>
     </mc:Fallback>
@@ -14267,121 +13879,6 @@
       </p:grpSpPr>
       <p:sp>
         <p:nvSpPr>
-          <p:cNvPr id="6" name="Titolo 1">
-            <a:extLst>
-              <a:ext uri="{FF2B5EF4-FFF2-40B4-BE49-F238E27FC236}">
-                <a16:creationId xmlns:a16="http://schemas.microsoft.com/office/drawing/2014/main" id="{B5D012BC-D48F-54B5-C698-111BDFFBB817}"/>
-              </a:ext>
-            </a:extLst>
-          </p:cNvPr>
-          <p:cNvSpPr txBox="1">
-            <a:spLocks/>
-          </p:cNvSpPr>
-          <p:nvPr/>
-        </p:nvSpPr>
-        <p:spPr>
-          <a:xfrm>
-            <a:off x="1524000" y="2914990"/>
-            <a:ext cx="9144000" cy="1028020"/>
-          </a:xfrm>
-          <a:prstGeom prst="rect">
-            <a:avLst/>
-          </a:prstGeom>
-          <a:solidFill>
-            <a:srgbClr val="7030A0"/>
-          </a:solidFill>
-        </p:spPr>
-        <p:txBody>
-          <a:bodyPr vert="horz" lIns="91440" tIns="45720" rIns="91440" bIns="45720" rtlCol="0" anchor="b">
-            <a:normAutofit/>
-          </a:bodyPr>
-          <a:lstStyle>
-            <a:lvl1pPr algn="ctr" defTabSz="914400" rtl="0" eaLnBrk="1" latinLnBrk="0" hangingPunct="1">
-              <a:lnSpc>
-                <a:spcPct val="90000"/>
-              </a:lnSpc>
-              <a:spcBef>
-                <a:spcPct val="0"/>
-              </a:spcBef>
-              <a:buNone/>
-              <a:defRPr sz="6000" kern="1200">
-                <a:solidFill>
-                  <a:schemeClr val="tx1"/>
-                </a:solidFill>
-                <a:latin typeface="+mj-lt"/>
-                <a:ea typeface="+mj-ea"/>
-                <a:cs typeface="+mj-cs"/>
-              </a:defRPr>
-            </a:lvl1pPr>
-          </a:lstStyle>
-          <a:p>
-            <a:r>
-              <a:rPr lang="it-IT" dirty="0">
-                <a:ln>
-                  <a:solidFill>
-                    <a:schemeClr val="bg1"/>
-                  </a:solidFill>
-                </a:ln>
-                <a:solidFill>
-                  <a:schemeClr val="bg1"/>
-                </a:solidFill>
-                <a:effectLst>
-                  <a:outerShdw blurRad="50800" dist="38100" dir="5400000" algn="t" rotWithShape="0">
-                    <a:prstClr val="black">
-                      <a:alpha val="40000"/>
-                    </a:prstClr>
-                  </a:outerShdw>
-                </a:effectLst>
-              </a:rPr>
-              <a:t>IL PROGETTO</a:t>
-            </a:r>
-          </a:p>
-        </p:txBody>
-      </p:sp>
-    </p:spTree>
-    <p:extLst>
-      <p:ext uri="{BB962C8B-B14F-4D97-AF65-F5344CB8AC3E}">
-        <p14:creationId xmlns:p14="http://schemas.microsoft.com/office/powerpoint/2010/main" val="3060818404"/>
-      </p:ext>
-    </p:extLst>
-  </p:cSld>
-  <p:clrMapOvr>
-    <a:masterClrMapping/>
-  </p:clrMapOvr>
-  <mc:AlternateContent xmlns:mc="http://schemas.openxmlformats.org/markup-compatibility/2006" xmlns:p159="http://schemas.microsoft.com/office/powerpoint/2015/09/main">
-    <mc:Choice Requires="p159">
-      <p:transition spd="slow">
-        <p159:morph option="byObject"/>
-      </p:transition>
-    </mc:Choice>
-    <mc:Fallback xmlns="">
-      <p:transition spd="slow">
-        <p:fade/>
-      </p:transition>
-    </mc:Fallback>
-  </mc:AlternateContent>
-</p:sld>
-</file>
-
-<file path=ppt/slides/slide9.xml><?xml version="1.0" encoding="utf-8"?>
-<p:sld xmlns:a="http://schemas.openxmlformats.org/drawingml/2006/main" xmlns:r="http://schemas.openxmlformats.org/officeDocument/2006/relationships" xmlns:p="http://schemas.openxmlformats.org/presentationml/2006/main">
-  <p:cSld>
-    <p:spTree>
-      <p:nvGrpSpPr>
-        <p:cNvPr id="1" name=""/>
-        <p:cNvGrpSpPr/>
-        <p:nvPr/>
-      </p:nvGrpSpPr>
-      <p:grpSpPr>
-        <a:xfrm>
-          <a:off x="0" y="0"/>
-          <a:ext cx="0" cy="0"/>
-          <a:chOff x="0" y="0"/>
-          <a:chExt cx="0" cy="0"/>
-        </a:xfrm>
-      </p:grpSpPr>
-      <p:sp>
-        <p:nvSpPr>
           <p:cNvPr id="2" name="Titolo 1">
             <a:extLst>
               <a:ext uri="{FF2B5EF4-FFF2-40B4-BE49-F238E27FC236}">
@@ -14432,7 +13929,7 @@
           <a:p>
             <a:fld id="{3F24ED9F-0AD1-BB4C-9842-01F95E80AFCD}" type="slidenum">
               <a:rPr lang="it-IT" smtClean="0"/>
-              <a:t>9</a:t>
+              <a:t>8</a:t>
             </a:fld>
             <a:endParaRPr lang="it-IT" dirty="0"/>
           </a:p>
@@ -14514,7 +14011,7 @@
         <p:spPr>
           <a:xfrm>
             <a:off x="838197" y="1730017"/>
-            <a:ext cx="10515603" cy="3477875"/>
+            <a:ext cx="10515603" cy="3816429"/>
           </a:xfrm>
           <a:prstGeom prst="rect">
             <a:avLst/>
@@ -14527,24 +14024,49 @@
           </a:bodyPr>
           <a:lstStyle/>
           <a:p>
+            <a:pPr algn="just"/>
             <a:r>
               <a:rPr lang="it-IT" sz="2200" dirty="0">
                 <a:latin typeface="Century Gothic" panose="020B0502020202020204" pitchFamily="34" charset="0"/>
               </a:rPr>
-              <a:t>L’obiettivo è implementare il controllo degli accessi ad una piattaforma generica di un utente, identificato tramite token.</a:t>
-            </a:r>
-          </a:p>
-          <a:p>
+              <a:t>L’obiettivo del progetto è quello di realizzare un software che consenta</a:t>
+            </a:r>
+          </a:p>
+          <a:p>
+            <a:pPr algn="just"/>
+            <a:r>
+              <a:rPr lang="it-IT" sz="2200" dirty="0">
+                <a:latin typeface="Century Gothic" panose="020B0502020202020204" pitchFamily="34" charset="0"/>
+              </a:rPr>
+              <a:t>l’autenticazione di un utente all’interno di una piattaforma generica tramite</a:t>
+            </a:r>
+          </a:p>
+          <a:p>
+            <a:pPr algn="just"/>
+            <a:r>
+              <a:rPr lang="it-IT" sz="2200" dirty="0">
+                <a:latin typeface="Century Gothic" panose="020B0502020202020204" pitchFamily="34" charset="0"/>
+              </a:rPr>
+              <a:t>un token da includere all’interno della richiesta inviata, senza quindi l’utilizzo</a:t>
+            </a:r>
+          </a:p>
+          <a:p>
+            <a:pPr algn="just"/>
+            <a:r>
+              <a:rPr lang="it-IT" sz="2200" dirty="0">
+                <a:latin typeface="Century Gothic" panose="020B0502020202020204" pitchFamily="34" charset="0"/>
+              </a:rPr>
+              <a:t>di password o altri strumenti di autenticazione.</a:t>
+            </a:r>
+          </a:p>
+          <a:p>
+            <a:pPr algn="just"/>
             <a:endParaRPr lang="it-IT" sz="2200" dirty="0">
               <a:latin typeface="Century Gothic" panose="020B0502020202020204" pitchFamily="34" charset="0"/>
             </a:endParaRPr>
           </a:p>
           <a:p>
-            <a:endParaRPr lang="it-IT" sz="2200" dirty="0">
-              <a:latin typeface="Century Gothic" panose="020B0502020202020204" pitchFamily="34" charset="0"/>
-            </a:endParaRPr>
-          </a:p>
-          <a:p>
+            <a:pPr algn="just"/>
             <a:r>
               <a:rPr lang="it-IT" sz="2200" dirty="0">
                 <a:latin typeface="Century Gothic" panose="020B0502020202020204" pitchFamily="34" charset="0"/>
@@ -14553,7 +14075,7 @@
             </a:r>
           </a:p>
           <a:p>
-            <a:pPr marL="285750" indent="-285750">
+            <a:pPr marL="285750" indent="-285750" algn="just">
               <a:buFont typeface="Arial" panose="020B0604020202020204" pitchFamily="34" charset="0"/>
               <a:buChar char="•"/>
             </a:pPr>
@@ -14565,7 +14087,7 @@
             </a:r>
           </a:p>
           <a:p>
-            <a:pPr marL="285750" indent="-285750">
+            <a:pPr marL="285750" indent="-285750" algn="just">
               <a:buFont typeface="Arial" panose="020B0604020202020204" pitchFamily="34" charset="0"/>
               <a:buChar char="•"/>
             </a:pPr>
@@ -14577,7 +14099,7 @@
             </a:r>
           </a:p>
           <a:p>
-            <a:pPr marL="285750" indent="-285750">
+            <a:pPr marL="285750" indent="-285750" algn="just">
               <a:buFont typeface="Arial" panose="020B0604020202020204" pitchFamily="34" charset="0"/>
               <a:buChar char="•"/>
             </a:pPr>
@@ -14589,7 +14111,7 @@
             </a:r>
           </a:p>
           <a:p>
-            <a:pPr marL="285750" indent="-285750">
+            <a:pPr marL="285750" indent="-285750" algn="just">
               <a:buFont typeface="Arial" panose="020B0604020202020204" pitchFamily="34" charset="0"/>
               <a:buChar char="•"/>
             </a:pPr>
@@ -14597,23 +14119,11 @@
               <a:rPr lang="it-IT" sz="2200" dirty="0">
                 <a:latin typeface="Century Gothic" panose="020B0502020202020204" pitchFamily="34" charset="0"/>
               </a:rPr>
-              <a:t>Plugin custom per Kong Gateway in </a:t>
-            </a:r>
-            <a:r>
-              <a:rPr lang="it-IT" sz="2200" dirty="0" err="1">
-                <a:latin typeface="Century Gothic" panose="020B0502020202020204" pitchFamily="34" charset="0"/>
-              </a:rPr>
-              <a:t>Lua</a:t>
-            </a:r>
-            <a:endParaRPr lang="it-IT" sz="2200" dirty="0">
-              <a:latin typeface="Century Gothic" panose="020B0502020202020204" pitchFamily="34" charset="0"/>
-            </a:endParaRPr>
-          </a:p>
-          <a:p>
-            <a:pPr marL="285750" indent="-285750">
-              <a:buFont typeface="Arial" panose="020B0604020202020204" pitchFamily="34" charset="0"/>
-              <a:buChar char="•"/>
-            </a:pPr>
+              <a:t>Plugin custom per Kong Gateway in Lua</a:t>
+            </a:r>
+          </a:p>
+          <a:p>
+            <a:pPr algn="just"/>
             <a:endParaRPr lang="it-IT" sz="2200" dirty="0">
               <a:latin typeface="+mj-lt"/>
             </a:endParaRPr>
@@ -14630,6 +14140,209 @@
   <p:clrMapOvr>
     <a:masterClrMapping/>
   </p:clrMapOvr>
+  <mc:AlternateContent xmlns:mc="http://schemas.openxmlformats.org/markup-compatibility/2006">
+    <mc:Choice xmlns:p159="http://schemas.microsoft.com/office/powerpoint/2015/09/main" Requires="p159">
+      <p:transition>
+        <p159:morph option="byObject"/>
+      </p:transition>
+    </mc:Choice>
+    <mc:Fallback>
+      <p:transition>
+        <p:fade/>
+      </p:transition>
+    </mc:Fallback>
+  </mc:AlternateContent>
+</p:sld>
+</file>
+
+<file path=ppt/slides/slide9.xml><?xml version="1.0" encoding="utf-8"?>
+<p:sld xmlns:a="http://schemas.openxmlformats.org/drawingml/2006/main" xmlns:r="http://schemas.openxmlformats.org/officeDocument/2006/relationships" xmlns:p="http://schemas.openxmlformats.org/presentationml/2006/main">
+  <p:cSld>
+    <p:spTree>
+      <p:nvGrpSpPr>
+        <p:cNvPr id="1" name=""/>
+        <p:cNvGrpSpPr/>
+        <p:nvPr/>
+      </p:nvGrpSpPr>
+      <p:grpSpPr>
+        <a:xfrm>
+          <a:off x="0" y="0"/>
+          <a:ext cx="0" cy="0"/>
+          <a:chOff x="0" y="0"/>
+          <a:chExt cx="0" cy="0"/>
+        </a:xfrm>
+      </p:grpSpPr>
+      <p:sp>
+        <p:nvSpPr>
+          <p:cNvPr id="2" name="Titolo 1">
+            <a:extLst>
+              <a:ext uri="{FF2B5EF4-FFF2-40B4-BE49-F238E27FC236}">
+                <a16:creationId xmlns:a16="http://schemas.microsoft.com/office/drawing/2014/main" id="{17399A1C-8FCE-F6C0-588E-EDC67B55EE12}"/>
+              </a:ext>
+            </a:extLst>
+          </p:cNvPr>
+          <p:cNvSpPr>
+            <a:spLocks noGrp="1"/>
+          </p:cNvSpPr>
+          <p:nvPr>
+            <p:ph type="title"/>
+          </p:nvPr>
+        </p:nvSpPr>
+        <p:spPr/>
+        <p:txBody>
+          <a:bodyPr/>
+          <a:lstStyle/>
+          <a:p>
+            <a:pPr algn="ctr"/>
+            <a:r>
+              <a:rPr lang="it-IT" dirty="0"/>
+              <a:t>Schema delle comunicazioni</a:t>
+            </a:r>
+          </a:p>
+        </p:txBody>
+      </p:sp>
+      <p:sp>
+        <p:nvSpPr>
+          <p:cNvPr id="8" name="Segnaposto numero diapositiva 7">
+            <a:extLst>
+              <a:ext uri="{FF2B5EF4-FFF2-40B4-BE49-F238E27FC236}">
+                <a16:creationId xmlns:a16="http://schemas.microsoft.com/office/drawing/2014/main" id="{70136F1F-0F2E-A8D7-878A-1186A6BC8CA4}"/>
+              </a:ext>
+            </a:extLst>
+          </p:cNvPr>
+          <p:cNvSpPr>
+            <a:spLocks noGrp="1"/>
+          </p:cNvSpPr>
+          <p:nvPr>
+            <p:ph type="sldNum" sz="quarter" idx="12"/>
+          </p:nvPr>
+        </p:nvSpPr>
+        <p:spPr/>
+        <p:txBody>
+          <a:bodyPr/>
+          <a:lstStyle/>
+          <a:p>
+            <a:fld id="{3F24ED9F-0AD1-BB4C-9842-01F95E80AFCD}" type="slidenum">
+              <a:rPr lang="it-IT" smtClean="0"/>
+              <a:t>9</a:t>
+            </a:fld>
+            <a:endParaRPr lang="it-IT" dirty="0"/>
+          </a:p>
+        </p:txBody>
+      </p:sp>
+      <p:sp>
+        <p:nvSpPr>
+          <p:cNvPr id="9" name="Rettangolo 8">
+            <a:extLst>
+              <a:ext uri="{FF2B5EF4-FFF2-40B4-BE49-F238E27FC236}">
+                <a16:creationId xmlns:a16="http://schemas.microsoft.com/office/drawing/2014/main" id="{56EF002A-1A82-5F25-F576-39A37581DB3D}"/>
+              </a:ext>
+            </a:extLst>
+          </p:cNvPr>
+          <p:cNvSpPr/>
+          <p:nvPr/>
+        </p:nvSpPr>
+        <p:spPr>
+          <a:xfrm rot="5400000" flipH="1">
+            <a:off x="6073142" y="-3836436"/>
+            <a:ext cx="45719" cy="10515602"/>
+          </a:xfrm>
+          <a:prstGeom prst="rect">
+            <a:avLst/>
+          </a:prstGeom>
+          <a:solidFill>
+            <a:srgbClr val="7030A0"/>
+          </a:solidFill>
+        </p:spPr>
+        <p:txBody>
+          <a:bodyPr vert="horz" lIns="91440" tIns="45720" rIns="91440" bIns="45720" rtlCol="0" anchor="b">
+            <a:normAutofit/>
+          </a:bodyPr>
+          <a:lstStyle/>
+          <a:p>
+            <a:pPr algn="ctr">
+              <a:lnSpc>
+                <a:spcPct val="90000"/>
+              </a:lnSpc>
+              <a:spcBef>
+                <a:spcPct val="0"/>
+              </a:spcBef>
+            </a:pPr>
+            <a:endParaRPr lang="it-IT" sz="6000" dirty="0">
+              <a:ln>
+                <a:solidFill>
+                  <a:schemeClr val="bg1"/>
+                </a:solidFill>
+              </a:ln>
+              <a:solidFill>
+                <a:schemeClr val="bg1"/>
+              </a:solidFill>
+              <a:effectLst>
+                <a:outerShdw blurRad="50800" dist="38100" dir="5400000" algn="t" rotWithShape="0">
+                  <a:prstClr val="black">
+                    <a:alpha val="40000"/>
+                  </a:prstClr>
+                </a:outerShdw>
+              </a:effectLst>
+              <a:latin typeface="+mj-lt"/>
+              <a:ea typeface="+mj-ea"/>
+              <a:cs typeface="+mj-cs"/>
+            </a:endParaRPr>
+          </a:p>
+        </p:txBody>
+      </p:sp>
+      <p:pic>
+        <p:nvPicPr>
+          <p:cNvPr id="11" name="Immagine 10" descr="Immagine che contiene schermata, nero, design&#10;&#10;Descrizione generata automaticamente">
+            <a:extLst>
+              <a:ext uri="{FF2B5EF4-FFF2-40B4-BE49-F238E27FC236}">
+                <a16:creationId xmlns:a16="http://schemas.microsoft.com/office/drawing/2014/main" id="{89E78C9D-A69A-9585-7608-F768912CD2C8}"/>
+              </a:ext>
+            </a:extLst>
+          </p:cNvPr>
+          <p:cNvPicPr>
+            <a:picLocks noChangeAspect="1"/>
+          </p:cNvPicPr>
+          <p:nvPr/>
+        </p:nvPicPr>
+        <p:blipFill>
+          <a:blip r:embed="rId3"/>
+          <a:stretch>
+            <a:fillRect/>
+          </a:stretch>
+        </p:blipFill>
+        <p:spPr>
+          <a:xfrm>
+            <a:off x="1728813" y="1690688"/>
+            <a:ext cx="8734373" cy="3795229"/>
+          </a:xfrm>
+          <a:prstGeom prst="rect">
+            <a:avLst/>
+          </a:prstGeom>
+        </p:spPr>
+      </p:pic>
+    </p:spTree>
+    <p:extLst>
+      <p:ext uri="{BB962C8B-B14F-4D97-AF65-F5344CB8AC3E}">
+        <p14:creationId xmlns:p14="http://schemas.microsoft.com/office/powerpoint/2010/main" val="907361884"/>
+      </p:ext>
+    </p:extLst>
+  </p:cSld>
+  <p:clrMapOvr>
+    <a:masterClrMapping/>
+  </p:clrMapOvr>
+  <mc:AlternateContent xmlns:mc="http://schemas.openxmlformats.org/markup-compatibility/2006">
+    <mc:Choice xmlns:p159="http://schemas.microsoft.com/office/powerpoint/2015/09/main" Requires="p159">
+      <p:transition>
+        <p159:morph option="byObject"/>
+      </p:transition>
+    </mc:Choice>
+    <mc:Fallback>
+      <p:transition>
+        <p:fade/>
+      </p:transition>
+    </mc:Fallback>
+  </mc:AlternateContent>
 </p:sld>
 </file>
 

--- a/Presentazione/Valerio Desiati - Presentazione Discussione.pptx
+++ b/Presentazione/Valerio Desiati - Presentazione Discussione.pptx
@@ -7012,6 +7012,7 @@
           <a:bodyPr/>
           <a:lstStyle/>
           <a:p>
+            <a:pPr algn="ctr"/>
             <a:r>
               <a:rPr lang="it-IT" dirty="0">
                 <a:latin typeface="Century Gothic" panose="020B0502020202020204" pitchFamily="34" charset="0"/>
@@ -10754,6 +10755,7 @@
           <a:bodyPr/>
           <a:lstStyle/>
           <a:p>
+            <a:pPr algn="ctr"/>
             <a:r>
               <a:rPr lang="it-IT" dirty="0"/>
               <a:t>Test con Postman</a:t>

--- a/Presentazione/Valerio Desiati - Presentazione Discussione.pptx
+++ b/Presentazione/Valerio Desiati - Presentazione Discussione.pptx
@@ -2900,13 +2900,13 @@
   <p:clrMapOvr>
     <a:masterClrMapping/>
   </p:clrMapOvr>
-  <mc:AlternateContent xmlns:mc="http://schemas.openxmlformats.org/markup-compatibility/2006">
-    <mc:Choice xmlns:p159="http://schemas.microsoft.com/office/powerpoint/2015/09/main" Requires="p159">
+  <mc:AlternateContent xmlns:mc="http://schemas.openxmlformats.org/markup-compatibility/2006" xmlns:p159="http://schemas.microsoft.com/office/powerpoint/2015/09/main">
+    <mc:Choice Requires="p159">
       <p:transition>
         <p159:morph option="byObject"/>
       </p:transition>
     </mc:Choice>
-    <mc:Fallback>
+    <mc:Fallback xmlns="">
       <p:transition>
         <p:fade/>
       </p:transition>
@@ -3110,13 +3110,13 @@
   <p:clrMapOvr>
     <a:masterClrMapping/>
   </p:clrMapOvr>
-  <mc:AlternateContent xmlns:mc="http://schemas.openxmlformats.org/markup-compatibility/2006">
-    <mc:Choice xmlns:p159="http://schemas.microsoft.com/office/powerpoint/2015/09/main" Requires="p159">
+  <mc:AlternateContent xmlns:mc="http://schemas.openxmlformats.org/markup-compatibility/2006" xmlns:p159="http://schemas.microsoft.com/office/powerpoint/2015/09/main">
+    <mc:Choice Requires="p159">
       <p:transition>
         <p159:morph option="byObject"/>
       </p:transition>
     </mc:Choice>
-    <mc:Fallback>
+    <mc:Fallback xmlns="">
       <p:transition>
         <p:fade/>
       </p:transition>
@@ -3330,13 +3330,13 @@
   <p:clrMapOvr>
     <a:masterClrMapping/>
   </p:clrMapOvr>
-  <mc:AlternateContent xmlns:mc="http://schemas.openxmlformats.org/markup-compatibility/2006">
-    <mc:Choice xmlns:p159="http://schemas.microsoft.com/office/powerpoint/2015/09/main" Requires="p159">
+  <mc:AlternateContent xmlns:mc="http://schemas.openxmlformats.org/markup-compatibility/2006" xmlns:p159="http://schemas.microsoft.com/office/powerpoint/2015/09/main">
+    <mc:Choice Requires="p159">
       <p:transition>
         <p159:morph option="byObject"/>
       </p:transition>
     </mc:Choice>
-    <mc:Fallback>
+    <mc:Fallback xmlns="">
       <p:transition>
         <p:fade/>
       </p:transition>
@@ -3540,13 +3540,13 @@
   <p:clrMapOvr>
     <a:masterClrMapping/>
   </p:clrMapOvr>
-  <mc:AlternateContent xmlns:mc="http://schemas.openxmlformats.org/markup-compatibility/2006">
-    <mc:Choice xmlns:p159="http://schemas.microsoft.com/office/powerpoint/2015/09/main" Requires="p159">
+  <mc:AlternateContent xmlns:mc="http://schemas.openxmlformats.org/markup-compatibility/2006" xmlns:p159="http://schemas.microsoft.com/office/powerpoint/2015/09/main">
+    <mc:Choice Requires="p159">
       <p:transition>
         <p159:morph option="byObject"/>
       </p:transition>
     </mc:Choice>
-    <mc:Fallback>
+    <mc:Fallback xmlns="">
       <p:transition>
         <p:fade/>
       </p:transition>
@@ -3827,13 +3827,13 @@
   <p:clrMapOvr>
     <a:masterClrMapping/>
   </p:clrMapOvr>
-  <mc:AlternateContent xmlns:mc="http://schemas.openxmlformats.org/markup-compatibility/2006">
-    <mc:Choice xmlns:p159="http://schemas.microsoft.com/office/powerpoint/2015/09/main" Requires="p159">
+  <mc:AlternateContent xmlns:mc="http://schemas.openxmlformats.org/markup-compatibility/2006" xmlns:p159="http://schemas.microsoft.com/office/powerpoint/2015/09/main">
+    <mc:Choice Requires="p159">
       <p:transition>
         <p159:morph option="byObject"/>
       </p:transition>
     </mc:Choice>
-    <mc:Fallback>
+    <mc:Fallback xmlns="">
       <p:transition>
         <p:fade/>
       </p:transition>
@@ -4104,13 +4104,13 @@
   <p:clrMapOvr>
     <a:masterClrMapping/>
   </p:clrMapOvr>
-  <mc:AlternateContent xmlns:mc="http://schemas.openxmlformats.org/markup-compatibility/2006">
-    <mc:Choice xmlns:p159="http://schemas.microsoft.com/office/powerpoint/2015/09/main" Requires="p159">
+  <mc:AlternateContent xmlns:mc="http://schemas.openxmlformats.org/markup-compatibility/2006" xmlns:p159="http://schemas.microsoft.com/office/powerpoint/2015/09/main">
+    <mc:Choice Requires="p159">
       <p:transition>
         <p159:morph option="byObject"/>
       </p:transition>
     </mc:Choice>
-    <mc:Fallback>
+    <mc:Fallback xmlns="">
       <p:transition>
         <p:fade/>
       </p:transition>
@@ -4528,13 +4528,13 @@
   <p:clrMapOvr>
     <a:masterClrMapping/>
   </p:clrMapOvr>
-  <mc:AlternateContent xmlns:mc="http://schemas.openxmlformats.org/markup-compatibility/2006">
-    <mc:Choice xmlns:p159="http://schemas.microsoft.com/office/powerpoint/2015/09/main" Requires="p159">
+  <mc:AlternateContent xmlns:mc="http://schemas.openxmlformats.org/markup-compatibility/2006" xmlns:p159="http://schemas.microsoft.com/office/powerpoint/2015/09/main">
+    <mc:Choice Requires="p159">
       <p:transition>
         <p159:morph option="byObject"/>
       </p:transition>
     </mc:Choice>
-    <mc:Fallback>
+    <mc:Fallback xmlns="">
       <p:transition>
         <p:fade/>
       </p:transition>
@@ -4681,13 +4681,13 @@
   <p:clrMapOvr>
     <a:masterClrMapping/>
   </p:clrMapOvr>
-  <mc:AlternateContent xmlns:mc="http://schemas.openxmlformats.org/markup-compatibility/2006">
-    <mc:Choice xmlns:p159="http://schemas.microsoft.com/office/powerpoint/2015/09/main" Requires="p159">
+  <mc:AlternateContent xmlns:mc="http://schemas.openxmlformats.org/markup-compatibility/2006" xmlns:p159="http://schemas.microsoft.com/office/powerpoint/2015/09/main">
+    <mc:Choice Requires="p159">
       <p:transition>
         <p159:morph option="byObject"/>
       </p:transition>
     </mc:Choice>
-    <mc:Fallback>
+    <mc:Fallback xmlns="">
       <p:transition>
         <p:fade/>
       </p:transition>
@@ -4806,13 +4806,13 @@
   <p:clrMapOvr>
     <a:masterClrMapping/>
   </p:clrMapOvr>
-  <mc:AlternateContent xmlns:mc="http://schemas.openxmlformats.org/markup-compatibility/2006">
-    <mc:Choice xmlns:p159="http://schemas.microsoft.com/office/powerpoint/2015/09/main" Requires="p159">
+  <mc:AlternateContent xmlns:mc="http://schemas.openxmlformats.org/markup-compatibility/2006" xmlns:p159="http://schemas.microsoft.com/office/powerpoint/2015/09/main">
+    <mc:Choice Requires="p159">
       <p:transition>
         <p159:morph option="byObject"/>
       </p:transition>
     </mc:Choice>
-    <mc:Fallback>
+    <mc:Fallback xmlns="">
       <p:transition>
         <p:fade/>
       </p:transition>
@@ -5129,13 +5129,13 @@
   <p:clrMapOvr>
     <a:masterClrMapping/>
   </p:clrMapOvr>
-  <mc:AlternateContent xmlns:mc="http://schemas.openxmlformats.org/markup-compatibility/2006">
-    <mc:Choice xmlns:p159="http://schemas.microsoft.com/office/powerpoint/2015/09/main" Requires="p159">
+  <mc:AlternateContent xmlns:mc="http://schemas.openxmlformats.org/markup-compatibility/2006" xmlns:p159="http://schemas.microsoft.com/office/powerpoint/2015/09/main">
+    <mc:Choice Requires="p159">
       <p:transition>
         <p159:morph option="byObject"/>
       </p:transition>
     </mc:Choice>
-    <mc:Fallback>
+    <mc:Fallback xmlns="">
       <p:transition>
         <p:fade/>
       </p:transition>
@@ -5429,13 +5429,13 @@
   <p:clrMapOvr>
     <a:masterClrMapping/>
   </p:clrMapOvr>
-  <mc:AlternateContent xmlns:mc="http://schemas.openxmlformats.org/markup-compatibility/2006">
-    <mc:Choice xmlns:p159="http://schemas.microsoft.com/office/powerpoint/2015/09/main" Requires="p159">
+  <mc:AlternateContent xmlns:mc="http://schemas.openxmlformats.org/markup-compatibility/2006" xmlns:p159="http://schemas.microsoft.com/office/powerpoint/2015/09/main">
+    <mc:Choice Requires="p159">
       <p:transition>
         <p159:morph option="byObject"/>
       </p:transition>
     </mc:Choice>
-    <mc:Fallback>
+    <mc:Fallback xmlns="">
       <p:transition>
         <p:fade/>
       </p:transition>
@@ -5729,13 +5729,13 @@
     <p:sldLayoutId id="2147483658" r:id="rId10"/>
     <p:sldLayoutId id="2147483659" r:id="rId11"/>
   </p:sldLayoutIdLst>
-  <mc:AlternateContent xmlns:mc="http://schemas.openxmlformats.org/markup-compatibility/2006">
-    <mc:Choice xmlns:p159="http://schemas.microsoft.com/office/powerpoint/2015/09/main" Requires="p159">
+  <mc:AlternateContent xmlns:mc="http://schemas.openxmlformats.org/markup-compatibility/2006" xmlns:p159="http://schemas.microsoft.com/office/powerpoint/2015/09/main">
+    <mc:Choice Requires="p159">
       <p:transition>
         <p159:morph option="byObject"/>
       </p:transition>
     </mc:Choice>
-    <mc:Fallback>
+    <mc:Fallback xmlns="">
       <p:transition>
         <p:fade/>
       </p:transition>
@@ -6056,7 +6056,7 @@
         </p:nvSpPr>
         <p:spPr>
           <a:xfrm>
-            <a:off x="-157316" y="-265471"/>
+            <a:off x="-147484" y="-349446"/>
             <a:ext cx="12339484" cy="7315199"/>
           </a:xfrm>
           <a:prstGeom prst="rect">
@@ -6109,7 +6109,7 @@
         </p:nvSpPr>
         <p:spPr>
           <a:xfrm>
-            <a:off x="1524000" y="2932899"/>
+            <a:off x="1523998" y="2685242"/>
             <a:ext cx="9144000" cy="1847134"/>
           </a:xfrm>
         </p:spPr>
@@ -6193,7 +6193,7 @@
         </p:blipFill>
         <p:spPr>
           <a:xfrm>
-            <a:off x="4080959" y="703346"/>
+            <a:off x="4080959" y="591375"/>
             <a:ext cx="4030080" cy="1526207"/>
           </a:xfrm>
           <a:prstGeom prst="rect">
@@ -6215,8 +6215,8 @@
         </p:nvSpPr>
         <p:spPr>
           <a:xfrm>
-            <a:off x="1100639" y="5508323"/>
-            <a:ext cx="2980320" cy="646331"/>
+            <a:off x="1100639" y="5102010"/>
+            <a:ext cx="2980320" cy="1477328"/>
           </a:xfrm>
           <a:prstGeom prst="rect">
             <a:avLst/>
@@ -6249,6 +6249,51 @@
               </a:rPr>
               <a:t>Prof. Roberto Alfieri</a:t>
             </a:r>
+          </a:p>
+          <a:p>
+            <a:endParaRPr lang="it-IT" dirty="0">
+              <a:solidFill>
+                <a:schemeClr val="bg1"/>
+              </a:solidFill>
+              <a:latin typeface="Century Gothic" panose="020B0502020202020204" pitchFamily="34" charset="0"/>
+            </a:endParaRPr>
+          </a:p>
+          <a:p>
+            <a:r>
+              <a:rPr lang="it-IT" dirty="0">
+                <a:solidFill>
+                  <a:schemeClr val="bg1"/>
+                </a:solidFill>
+                <a:latin typeface="Century Gothic" panose="020B0502020202020204" pitchFamily="34" charset="0"/>
+              </a:rPr>
+              <a:t>Correlatore:</a:t>
+            </a:r>
+          </a:p>
+          <a:p>
+            <a:r>
+              <a:rPr lang="it-IT" dirty="0">
+                <a:solidFill>
+                  <a:schemeClr val="bg1"/>
+                </a:solidFill>
+                <a:latin typeface="Century Gothic" panose="020B0502020202020204" pitchFamily="34" charset="0"/>
+              </a:rPr>
+              <a:t>Gregorio </a:t>
+            </a:r>
+            <a:r>
+              <a:rPr lang="it-IT" dirty="0" err="1">
+                <a:solidFill>
+                  <a:schemeClr val="bg1"/>
+                </a:solidFill>
+                <a:latin typeface="Century Gothic" panose="020B0502020202020204" pitchFamily="34" charset="0"/>
+              </a:rPr>
+              <a:t>Palamà</a:t>
+            </a:r>
+            <a:endParaRPr lang="it-IT" dirty="0">
+              <a:solidFill>
+                <a:schemeClr val="bg1"/>
+              </a:solidFill>
+              <a:latin typeface="Century Gothic" panose="020B0502020202020204" pitchFamily="34" charset="0"/>
+            </a:endParaRPr>
           </a:p>
         </p:txBody>
       </p:sp>
@@ -6366,13 +6411,13 @@
   <p:clrMapOvr>
     <a:masterClrMapping/>
   </p:clrMapOvr>
-  <mc:AlternateContent xmlns:mc="http://schemas.openxmlformats.org/markup-compatibility/2006">
-    <mc:Choice xmlns:p159="http://schemas.microsoft.com/office/powerpoint/2015/09/main" Requires="p159">
+  <mc:AlternateContent xmlns:mc="http://schemas.openxmlformats.org/markup-compatibility/2006" xmlns:p159="http://schemas.microsoft.com/office/powerpoint/2015/09/main">
+    <mc:Choice Requires="p159">
       <p:transition>
         <p159:morph option="byObject"/>
       </p:transition>
     </mc:Choice>
-    <mc:Fallback>
+    <mc:Fallback xmlns="">
       <p:transition>
         <p:fade/>
       </p:transition>
@@ -6482,13 +6527,13 @@
   <p:clrMapOvr>
     <a:masterClrMapping/>
   </p:clrMapOvr>
-  <mc:AlternateContent xmlns:mc="http://schemas.openxmlformats.org/markup-compatibility/2006">
-    <mc:Choice xmlns:p159="http://schemas.microsoft.com/office/powerpoint/2015/09/main" Requires="p159">
+  <mc:AlternateContent xmlns:mc="http://schemas.openxmlformats.org/markup-compatibility/2006" xmlns:p159="http://schemas.microsoft.com/office/powerpoint/2015/09/main">
+    <mc:Choice Requires="p159">
       <p:transition>
         <p159:morph option="byObject"/>
       </p:transition>
     </mc:Choice>
-    <mc:Fallback>
+    <mc:Fallback xmlns="">
       <p:transition>
         <p:fade/>
       </p:transition>
@@ -6823,13 +6868,13 @@
   <p:clrMapOvr>
     <a:masterClrMapping/>
   </p:clrMapOvr>
-  <mc:AlternateContent xmlns:mc="http://schemas.openxmlformats.org/markup-compatibility/2006">
-    <mc:Choice xmlns:p159="http://schemas.microsoft.com/office/powerpoint/2015/09/main" Requires="p159">
+  <mc:AlternateContent xmlns:mc="http://schemas.openxmlformats.org/markup-compatibility/2006" xmlns:p159="http://schemas.microsoft.com/office/powerpoint/2015/09/main">
+    <mc:Choice Requires="p159">
       <p:transition>
         <p159:morph option="byObject"/>
       </p:transition>
     </mc:Choice>
-    <mc:Fallback>
+    <mc:Fallback xmlns="">
       <p:transition>
         <p:fade/>
       </p:transition>
@@ -6959,13 +7004,13 @@
   <p:clrMapOvr>
     <a:masterClrMapping/>
   </p:clrMapOvr>
-  <mc:AlternateContent xmlns:mc="http://schemas.openxmlformats.org/markup-compatibility/2006">
-    <mc:Choice xmlns:p159="http://schemas.microsoft.com/office/powerpoint/2015/09/main" Requires="p159">
+  <mc:AlternateContent xmlns:mc="http://schemas.openxmlformats.org/markup-compatibility/2006" xmlns:p159="http://schemas.microsoft.com/office/powerpoint/2015/09/main">
+    <mc:Choice Requires="p159">
       <p:transition>
         <p159:morph option="byObject"/>
       </p:transition>
     </mc:Choice>
-    <mc:Fallback>
+    <mc:Fallback xmlns="">
       <p:transition>
         <p:fade/>
       </p:transition>
@@ -7478,13 +7523,13 @@
   <p:clrMapOvr>
     <a:masterClrMapping/>
   </p:clrMapOvr>
-  <mc:AlternateContent xmlns:mc="http://schemas.openxmlformats.org/markup-compatibility/2006">
-    <mc:Choice xmlns:p159="http://schemas.microsoft.com/office/powerpoint/2015/09/main" Requires="p159">
+  <mc:AlternateContent xmlns:mc="http://schemas.openxmlformats.org/markup-compatibility/2006" xmlns:p159="http://schemas.microsoft.com/office/powerpoint/2015/09/main">
+    <mc:Choice Requires="p159">
       <p:transition>
         <p159:morph option="byObject"/>
       </p:transition>
     </mc:Choice>
-    <mc:Fallback>
+    <mc:Fallback xmlns="">
       <p:transition>
         <p:fade/>
       </p:transition>
@@ -7756,13 +7801,13 @@
   <p:clrMapOvr>
     <a:masterClrMapping/>
   </p:clrMapOvr>
-  <mc:AlternateContent xmlns:mc="http://schemas.openxmlformats.org/markup-compatibility/2006">
-    <mc:Choice xmlns:p159="http://schemas.microsoft.com/office/powerpoint/2015/09/main" Requires="p159">
+  <mc:AlternateContent xmlns:mc="http://schemas.openxmlformats.org/markup-compatibility/2006" xmlns:p159="http://schemas.microsoft.com/office/powerpoint/2015/09/main">
+    <mc:Choice Requires="p159">
       <p:transition>
         <p159:morph option="byObject"/>
       </p:transition>
     </mc:Choice>
-    <mc:Fallback>
+    <mc:Fallback xmlns="">
       <p:transition>
         <p:fade/>
       </p:transition>
@@ -8082,13 +8127,13 @@
   <p:clrMapOvr>
     <a:masterClrMapping/>
   </p:clrMapOvr>
-  <mc:AlternateContent xmlns:mc="http://schemas.openxmlformats.org/markup-compatibility/2006">
-    <mc:Choice xmlns:p159="http://schemas.microsoft.com/office/powerpoint/2015/09/main" Requires="p159">
+  <mc:AlternateContent xmlns:mc="http://schemas.openxmlformats.org/markup-compatibility/2006" xmlns:p159="http://schemas.microsoft.com/office/powerpoint/2015/09/main">
+    <mc:Choice Requires="p159">
       <p:transition>
         <p159:morph option="byObject"/>
       </p:transition>
     </mc:Choice>
-    <mc:Fallback>
+    <mc:Fallback xmlns="">
       <p:transition>
         <p:fade/>
       </p:transition>
@@ -8388,13 +8433,13 @@
   <p:clrMapOvr>
     <a:masterClrMapping/>
   </p:clrMapOvr>
-  <mc:AlternateContent xmlns:mc="http://schemas.openxmlformats.org/markup-compatibility/2006">
-    <mc:Choice xmlns:p159="http://schemas.microsoft.com/office/powerpoint/2015/09/main" Requires="p159">
+  <mc:AlternateContent xmlns:mc="http://schemas.openxmlformats.org/markup-compatibility/2006" xmlns:p159="http://schemas.microsoft.com/office/powerpoint/2015/09/main">
+    <mc:Choice Requires="p159">
       <p:transition>
         <p159:morph option="byObject"/>
       </p:transition>
     </mc:Choice>
-    <mc:Fallback>
+    <mc:Fallback xmlns="">
       <p:transition>
         <p:fade/>
       </p:transition>
@@ -8578,13 +8623,13 @@
   <p:clrMapOvr>
     <a:masterClrMapping/>
   </p:clrMapOvr>
-  <mc:AlternateContent xmlns:mc="http://schemas.openxmlformats.org/markup-compatibility/2006">
-    <mc:Choice xmlns:p159="http://schemas.microsoft.com/office/powerpoint/2015/09/main" Requires="p159">
+  <mc:AlternateContent xmlns:mc="http://schemas.openxmlformats.org/markup-compatibility/2006" xmlns:p159="http://schemas.microsoft.com/office/powerpoint/2015/09/main">
+    <mc:Choice Requires="p159">
       <p:transition>
         <p159:morph option="byObject"/>
       </p:transition>
     </mc:Choice>
-    <mc:Fallback>
+    <mc:Fallback xmlns="">
       <p:transition>
         <p:fade/>
       </p:transition>
@@ -8714,13 +8759,13 @@
   <p:clrMapOvr>
     <a:masterClrMapping/>
   </p:clrMapOvr>
-  <mc:AlternateContent xmlns:mc="http://schemas.openxmlformats.org/markup-compatibility/2006">
-    <mc:Choice xmlns:p159="http://schemas.microsoft.com/office/powerpoint/2015/09/main" Requires="p159">
+  <mc:AlternateContent xmlns:mc="http://schemas.openxmlformats.org/markup-compatibility/2006" xmlns:p159="http://schemas.microsoft.com/office/powerpoint/2015/09/main">
+    <mc:Choice Requires="p159">
       <p:transition>
         <p159:morph option="byObject"/>
       </p:transition>
     </mc:Choice>
-    <mc:Fallback>
+    <mc:Fallback xmlns="">
       <p:transition>
         <p:fade/>
       </p:transition>
@@ -9012,13 +9057,13 @@
   <p:clrMapOvr>
     <a:masterClrMapping/>
   </p:clrMapOvr>
-  <mc:AlternateContent xmlns:mc="http://schemas.openxmlformats.org/markup-compatibility/2006">
-    <mc:Choice xmlns:p159="http://schemas.microsoft.com/office/powerpoint/2015/09/main" Requires="p159">
+  <mc:AlternateContent xmlns:mc="http://schemas.openxmlformats.org/markup-compatibility/2006" xmlns:p159="http://schemas.microsoft.com/office/powerpoint/2015/09/main">
+    <mc:Choice Requires="p159">
       <p:transition>
         <p159:morph option="byObject"/>
       </p:transition>
     </mc:Choice>
-    <mc:Fallback>
+    <mc:Fallback xmlns="">
       <p:transition>
         <p:fade/>
       </p:transition>
@@ -9106,13 +9151,13 @@
   <p:clrMapOvr>
     <a:masterClrMapping/>
   </p:clrMapOvr>
-  <mc:AlternateContent xmlns:mc="http://schemas.openxmlformats.org/markup-compatibility/2006">
-    <mc:Choice xmlns:p159="http://schemas.microsoft.com/office/powerpoint/2015/09/main" Requires="p159">
+  <mc:AlternateContent xmlns:mc="http://schemas.openxmlformats.org/markup-compatibility/2006" xmlns:p159="http://schemas.microsoft.com/office/powerpoint/2015/09/main">
+    <mc:Choice Requires="p159">
       <p:transition>
         <p159:morph option="byObject"/>
       </p:transition>
     </mc:Choice>
-    <mc:Fallback>
+    <mc:Fallback xmlns="">
       <p:transition>
         <p:fade/>
       </p:transition>
@@ -9416,13 +9461,13 @@
   <p:clrMapOvr>
     <a:masterClrMapping/>
   </p:clrMapOvr>
-  <mc:AlternateContent xmlns:mc="http://schemas.openxmlformats.org/markup-compatibility/2006">
-    <mc:Choice xmlns:p159="http://schemas.microsoft.com/office/powerpoint/2015/09/main" Requires="p159">
+  <mc:AlternateContent xmlns:mc="http://schemas.openxmlformats.org/markup-compatibility/2006" xmlns:p159="http://schemas.microsoft.com/office/powerpoint/2015/09/main">
+    <mc:Choice Requires="p159">
       <p:transition>
         <p159:morph option="byObject"/>
       </p:transition>
     </mc:Choice>
-    <mc:Fallback>
+    <mc:Fallback xmlns="">
       <p:transition>
         <p:fade/>
       </p:transition>
@@ -9744,13 +9789,13 @@
   <p:clrMapOvr>
     <a:masterClrMapping/>
   </p:clrMapOvr>
-  <mc:AlternateContent xmlns:mc="http://schemas.openxmlformats.org/markup-compatibility/2006">
-    <mc:Choice xmlns:p159="http://schemas.microsoft.com/office/powerpoint/2015/09/main" Requires="p159">
+  <mc:AlternateContent xmlns:mc="http://schemas.openxmlformats.org/markup-compatibility/2006" xmlns:p159="http://schemas.microsoft.com/office/powerpoint/2015/09/main">
+    <mc:Choice Requires="p159">
       <p:transition>
         <p159:morph option="byObject"/>
       </p:transition>
     </mc:Choice>
-    <mc:Fallback>
+    <mc:Fallback xmlns="">
       <p:transition>
         <p:fade/>
       </p:transition>
@@ -10073,13 +10118,13 @@
   <p:clrMapOvr>
     <a:masterClrMapping/>
   </p:clrMapOvr>
-  <mc:AlternateContent xmlns:mc="http://schemas.openxmlformats.org/markup-compatibility/2006">
-    <mc:Choice xmlns:p159="http://schemas.microsoft.com/office/powerpoint/2015/09/main" Requires="p159">
+  <mc:AlternateContent xmlns:mc="http://schemas.openxmlformats.org/markup-compatibility/2006" xmlns:p159="http://schemas.microsoft.com/office/powerpoint/2015/09/main">
+    <mc:Choice Requires="p159">
       <p:transition>
         <p159:morph option="byObject"/>
       </p:transition>
     </mc:Choice>
-    <mc:Fallback>
+    <mc:Fallback xmlns="">
       <p:transition>
         <p:fade/>
       </p:transition>
@@ -10206,13 +10251,13 @@
   <p:clrMapOvr>
     <a:masterClrMapping/>
   </p:clrMapOvr>
-  <mc:AlternateContent xmlns:mc="http://schemas.openxmlformats.org/markup-compatibility/2006">
-    <mc:Choice xmlns:p159="http://schemas.microsoft.com/office/powerpoint/2015/09/main" Requires="p159">
+  <mc:AlternateContent xmlns:mc="http://schemas.openxmlformats.org/markup-compatibility/2006" xmlns:p159="http://schemas.microsoft.com/office/powerpoint/2015/09/main">
+    <mc:Choice Requires="p159">
       <p:transition>
         <p159:morph option="byObject"/>
       </p:transition>
     </mc:Choice>
-    <mc:Fallback>
+    <mc:Fallback xmlns="">
       <p:transition>
         <p:fade/>
       </p:transition>
@@ -10535,13 +10580,13 @@
   <p:clrMapOvr>
     <a:masterClrMapping/>
   </p:clrMapOvr>
-  <mc:AlternateContent xmlns:mc="http://schemas.openxmlformats.org/markup-compatibility/2006">
-    <mc:Choice xmlns:p159="http://schemas.microsoft.com/office/powerpoint/2015/09/main" Requires="p159">
+  <mc:AlternateContent xmlns:mc="http://schemas.openxmlformats.org/markup-compatibility/2006" xmlns:p159="http://schemas.microsoft.com/office/powerpoint/2015/09/main">
+    <mc:Choice Requires="p159">
       <p:transition>
         <p159:morph option="byObject"/>
       </p:transition>
     </mc:Choice>
-    <mc:Fallback>
+    <mc:Fallback xmlns="">
       <p:transition>
         <p:fade/>
       </p:transition>
@@ -10702,13 +10747,13 @@
   <p:clrMapOvr>
     <a:masterClrMapping/>
   </p:clrMapOvr>
-  <mc:AlternateContent xmlns:mc="http://schemas.openxmlformats.org/markup-compatibility/2006">
-    <mc:Choice xmlns:p159="http://schemas.microsoft.com/office/powerpoint/2015/09/main" Requires="p159">
+  <mc:AlternateContent xmlns:mc="http://schemas.openxmlformats.org/markup-compatibility/2006" xmlns:p159="http://schemas.microsoft.com/office/powerpoint/2015/09/main">
+    <mc:Choice Requires="p159">
       <p:transition>
         <p159:morph option="byObject"/>
       </p:transition>
     </mc:Choice>
-    <mc:Fallback>
+    <mc:Fallback xmlns="">
       <p:transition>
         <p:fade/>
       </p:transition>
@@ -11191,13 +11236,13 @@
   <p:clrMapOvr>
     <a:masterClrMapping/>
   </p:clrMapOvr>
-  <mc:AlternateContent xmlns:mc="http://schemas.openxmlformats.org/markup-compatibility/2006">
-    <mc:Choice xmlns:p159="http://schemas.microsoft.com/office/powerpoint/2015/09/main" Requires="p159">
+  <mc:AlternateContent xmlns:mc="http://schemas.openxmlformats.org/markup-compatibility/2006" xmlns:p159="http://schemas.microsoft.com/office/powerpoint/2015/09/main">
+    <mc:Choice Requires="p159">
       <p:transition>
         <p159:morph option="byObject"/>
       </p:transition>
     </mc:Choice>
-    <mc:Fallback>
+    <mc:Fallback xmlns="">
       <p:transition>
         <p:fade/>
       </p:transition>
@@ -11401,13 +11446,13 @@
   <p:clrMapOvr>
     <a:masterClrMapping/>
   </p:clrMapOvr>
-  <mc:AlternateContent xmlns:mc="http://schemas.openxmlformats.org/markup-compatibility/2006">
-    <mc:Choice xmlns:p159="http://schemas.microsoft.com/office/powerpoint/2015/09/main" Requires="p159">
+  <mc:AlternateContent xmlns:mc="http://schemas.openxmlformats.org/markup-compatibility/2006" xmlns:p159="http://schemas.microsoft.com/office/powerpoint/2015/09/main">
+    <mc:Choice Requires="p159">
       <p:transition>
         <p159:morph option="byObject"/>
       </p:transition>
     </mc:Choice>
-    <mc:Fallback>
+    <mc:Fallback xmlns="">
       <p:transition>
         <p:fade/>
       </p:transition>
@@ -11583,13 +11628,13 @@
   <p:clrMapOvr>
     <a:masterClrMapping/>
   </p:clrMapOvr>
-  <mc:AlternateContent xmlns:mc="http://schemas.openxmlformats.org/markup-compatibility/2006">
-    <mc:Choice xmlns:p159="http://schemas.microsoft.com/office/powerpoint/2015/09/main" Requires="p159">
+  <mc:AlternateContent xmlns:mc="http://schemas.openxmlformats.org/markup-compatibility/2006" xmlns:p159="http://schemas.microsoft.com/office/powerpoint/2015/09/main">
+    <mc:Choice Requires="p159">
       <p:transition>
         <p159:morph option="byObject"/>
       </p:transition>
     </mc:Choice>
-    <mc:Fallback>
+    <mc:Fallback xmlns="">
       <p:transition>
         <p:fade/>
       </p:transition>
@@ -11765,13 +11810,13 @@
   <p:clrMapOvr>
     <a:masterClrMapping/>
   </p:clrMapOvr>
-  <mc:AlternateContent xmlns:mc="http://schemas.openxmlformats.org/markup-compatibility/2006">
-    <mc:Choice xmlns:p159="http://schemas.microsoft.com/office/powerpoint/2015/09/main" Requires="p159">
+  <mc:AlternateContent xmlns:mc="http://schemas.openxmlformats.org/markup-compatibility/2006" xmlns:p159="http://schemas.microsoft.com/office/powerpoint/2015/09/main">
+    <mc:Choice Requires="p159">
       <p:transition>
         <p159:morph option="byObject"/>
       </p:transition>
     </mc:Choice>
-    <mc:Fallback>
+    <mc:Fallback xmlns="">
       <p:transition>
         <p:fade/>
       </p:transition>
@@ -12083,13 +12128,13 @@
   <p:clrMapOvr>
     <a:masterClrMapping/>
   </p:clrMapOvr>
-  <mc:AlternateContent xmlns:mc="http://schemas.openxmlformats.org/markup-compatibility/2006">
-    <mc:Choice xmlns:p159="http://schemas.microsoft.com/office/powerpoint/2015/09/main" Requires="p159">
+  <mc:AlternateContent xmlns:mc="http://schemas.openxmlformats.org/markup-compatibility/2006" xmlns:p159="http://schemas.microsoft.com/office/powerpoint/2015/09/main">
+    <mc:Choice Requires="p159">
       <p:transition>
         <p159:morph option="byObject"/>
       </p:transition>
     </mc:Choice>
-    <mc:Fallback>
+    <mc:Fallback xmlns="">
       <p:transition>
         <p:fade/>
       </p:transition>
@@ -12250,13 +12295,13 @@
   <p:clrMapOvr>
     <a:masterClrMapping/>
   </p:clrMapOvr>
-  <mc:AlternateContent xmlns:mc="http://schemas.openxmlformats.org/markup-compatibility/2006">
-    <mc:Choice xmlns:p159="http://schemas.microsoft.com/office/powerpoint/2015/09/main" Requires="p159">
+  <mc:AlternateContent xmlns:mc="http://schemas.openxmlformats.org/markup-compatibility/2006" xmlns:p159="http://schemas.microsoft.com/office/powerpoint/2015/09/main">
+    <mc:Choice Requires="p159">
       <p:transition>
         <p159:morph option="byObject"/>
       </p:transition>
     </mc:Choice>
-    <mc:Fallback>
+    <mc:Fallback xmlns="">
       <p:transition>
         <p:fade/>
       </p:transition>
@@ -12736,13 +12781,13 @@
   <p:clrMapOvr>
     <a:masterClrMapping/>
   </p:clrMapOvr>
-  <mc:AlternateContent xmlns:mc="http://schemas.openxmlformats.org/markup-compatibility/2006">
-    <mc:Choice xmlns:p159="http://schemas.microsoft.com/office/powerpoint/2015/09/main" Requires="p159">
+  <mc:AlternateContent xmlns:mc="http://schemas.openxmlformats.org/markup-compatibility/2006" xmlns:p159="http://schemas.microsoft.com/office/powerpoint/2015/09/main">
+    <mc:Choice Requires="p159">
       <p:transition>
         <p159:morph option="byObject"/>
       </p:transition>
     </mc:Choice>
-    <mc:Fallback>
+    <mc:Fallback xmlns="">
       <p:transition>
         <p:fade/>
       </p:transition>
@@ -13383,13 +13428,13 @@
   <p:clrMapOvr>
     <a:masterClrMapping/>
   </p:clrMapOvr>
-  <mc:AlternateContent xmlns:mc="http://schemas.openxmlformats.org/markup-compatibility/2006">
-    <mc:Choice xmlns:p159="http://schemas.microsoft.com/office/powerpoint/2015/09/main" Requires="p159">
+  <mc:AlternateContent xmlns:mc="http://schemas.openxmlformats.org/markup-compatibility/2006" xmlns:p159="http://schemas.microsoft.com/office/powerpoint/2015/09/main">
+    <mc:Choice Requires="p159">
       <p:transition>
         <p159:morph option="byObject"/>
       </p:transition>
     </mc:Choice>
-    <mc:Fallback>
+    <mc:Fallback xmlns="">
       <p:transition>
         <p:fade/>
       </p:transition>
@@ -13732,13 +13777,13 @@
   <p:clrMapOvr>
     <a:masterClrMapping/>
   </p:clrMapOvr>
-  <mc:AlternateContent xmlns:mc="http://schemas.openxmlformats.org/markup-compatibility/2006">
-    <mc:Choice xmlns:p159="http://schemas.microsoft.com/office/powerpoint/2015/09/main" Requires="p159">
+  <mc:AlternateContent xmlns:mc="http://schemas.openxmlformats.org/markup-compatibility/2006" xmlns:p159="http://schemas.microsoft.com/office/powerpoint/2015/09/main">
+    <mc:Choice Requires="p159">
       <p:transition>
         <p159:morph option="byObject"/>
       </p:transition>
     </mc:Choice>
-    <mc:Fallback>
+    <mc:Fallback xmlns="">
       <p:transition>
         <p:fade/>
       </p:transition>
@@ -13847,13 +13892,13 @@
   <p:clrMapOvr>
     <a:masterClrMapping/>
   </p:clrMapOvr>
-  <mc:AlternateContent xmlns:mc="http://schemas.openxmlformats.org/markup-compatibility/2006">
-    <mc:Choice xmlns:p159="http://schemas.microsoft.com/office/powerpoint/2015/09/main" Requires="p159">
+  <mc:AlternateContent xmlns:mc="http://schemas.openxmlformats.org/markup-compatibility/2006" xmlns:p159="http://schemas.microsoft.com/office/powerpoint/2015/09/main">
+    <mc:Choice Requires="p159">
       <p:transition>
         <p159:morph option="byObject"/>
       </p:transition>
     </mc:Choice>
-    <mc:Fallback>
+    <mc:Fallback xmlns="">
       <p:transition>
         <p:fade/>
       </p:transition>
@@ -14142,13 +14187,13 @@
   <p:clrMapOvr>
     <a:masterClrMapping/>
   </p:clrMapOvr>
-  <mc:AlternateContent xmlns:mc="http://schemas.openxmlformats.org/markup-compatibility/2006">
-    <mc:Choice xmlns:p159="http://schemas.microsoft.com/office/powerpoint/2015/09/main" Requires="p159">
+  <mc:AlternateContent xmlns:mc="http://schemas.openxmlformats.org/markup-compatibility/2006" xmlns:p159="http://schemas.microsoft.com/office/powerpoint/2015/09/main">
+    <mc:Choice Requires="p159">
       <p:transition>
         <p159:morph option="byObject"/>
       </p:transition>
     </mc:Choice>
-    <mc:Fallback>
+    <mc:Fallback xmlns="">
       <p:transition>
         <p:fade/>
       </p:transition>
@@ -14333,13 +14378,13 @@
   <p:clrMapOvr>
     <a:masterClrMapping/>
   </p:clrMapOvr>
-  <mc:AlternateContent xmlns:mc="http://schemas.openxmlformats.org/markup-compatibility/2006">
-    <mc:Choice xmlns:p159="http://schemas.microsoft.com/office/powerpoint/2015/09/main" Requires="p159">
+  <mc:AlternateContent xmlns:mc="http://schemas.openxmlformats.org/markup-compatibility/2006" xmlns:p159="http://schemas.microsoft.com/office/powerpoint/2015/09/main">
+    <mc:Choice Requires="p159">
       <p:transition>
         <p159:morph option="byObject"/>
       </p:transition>
     </mc:Choice>
-    <mc:Fallback>
+    <mc:Fallback xmlns="">
       <p:transition>
         <p:fade/>
       </p:transition>

--- a/Presentazione/Valerio Desiati - Presentazione Discussione.pptx
+++ b/Presentazione/Valerio Desiati - Presentazione Discussione.pptx
@@ -232,7 +232,7 @@
           <a:p>
             <a:fld id="{5F7409E6-EED8-8745-B232-DBEF601ABB7A}" type="datetimeFigureOut">
               <a:rPr lang="it-IT" smtClean="0"/>
-              <a:t>20/06/2023</a:t>
+              <a:t>24/06/2023</a:t>
             </a:fld>
             <a:endParaRPr lang="it-IT" dirty="0"/>
           </a:p>
@@ -2830,7 +2830,7 @@
           <a:p>
             <a:fld id="{FECD8529-05FA-4643-B720-2EA2E48117F4}" type="datetime1">
               <a:rPr lang="it-IT" smtClean="0"/>
-              <a:t>20/06/2023</a:t>
+              <a:t>24/06/2023</a:t>
             </a:fld>
             <a:endParaRPr lang="it-IT" dirty="0"/>
           </a:p>
@@ -3040,7 +3040,7 @@
           <a:p>
             <a:fld id="{63EFCFB1-60F0-5744-8F82-405AFE408E7C}" type="datetime1">
               <a:rPr lang="it-IT" smtClean="0"/>
-              <a:t>20/06/2023</a:t>
+              <a:t>24/06/2023</a:t>
             </a:fld>
             <a:endParaRPr lang="it-IT" dirty="0"/>
           </a:p>
@@ -3260,7 +3260,7 @@
           <a:p>
             <a:fld id="{D594D1BC-4595-374D-9A6C-D62313477D45}" type="datetime1">
               <a:rPr lang="it-IT" smtClean="0"/>
-              <a:t>20/06/2023</a:t>
+              <a:t>24/06/2023</a:t>
             </a:fld>
             <a:endParaRPr lang="it-IT" dirty="0"/>
           </a:p>
@@ -3470,7 +3470,7 @@
           <a:p>
             <a:fld id="{2A3556A1-1290-7E41-9698-BDF32A4643C7}" type="datetime1">
               <a:rPr lang="it-IT" smtClean="0"/>
-              <a:t>20/06/2023</a:t>
+              <a:t>24/06/2023</a:t>
             </a:fld>
             <a:endParaRPr lang="it-IT" dirty="0"/>
           </a:p>
@@ -3757,7 +3757,7 @@
           <a:p>
             <a:fld id="{453D6EF6-EAEF-8441-A1C8-FA5BA58DF336}" type="datetime1">
               <a:rPr lang="it-IT" smtClean="0"/>
-              <a:t>20/06/2023</a:t>
+              <a:t>24/06/2023</a:t>
             </a:fld>
             <a:endParaRPr lang="it-IT" dirty="0"/>
           </a:p>
@@ -4034,7 +4034,7 @@
           <a:p>
             <a:fld id="{67B081B3-A9A3-824B-9262-F74A31FB76DC}" type="datetime1">
               <a:rPr lang="it-IT" smtClean="0"/>
-              <a:t>20/06/2023</a:t>
+              <a:t>24/06/2023</a:t>
             </a:fld>
             <a:endParaRPr lang="it-IT" dirty="0"/>
           </a:p>
@@ -4458,7 +4458,7 @@
           <a:p>
             <a:fld id="{6C96453B-2FA4-E342-8E1A-84A1A9B3F75F}" type="datetime1">
               <a:rPr lang="it-IT" smtClean="0"/>
-              <a:t>20/06/2023</a:t>
+              <a:t>24/06/2023</a:t>
             </a:fld>
             <a:endParaRPr lang="it-IT" dirty="0"/>
           </a:p>
@@ -4611,7 +4611,7 @@
           <a:p>
             <a:fld id="{1E4DD496-A03C-3C45-92F3-E74BF400C225}" type="datetime1">
               <a:rPr lang="it-IT" smtClean="0"/>
-              <a:t>20/06/2023</a:t>
+              <a:t>24/06/2023</a:t>
             </a:fld>
             <a:endParaRPr lang="it-IT" dirty="0"/>
           </a:p>
@@ -4736,7 +4736,7 @@
           <a:p>
             <a:fld id="{BDEC223D-F6F9-4F4D-87AE-7A5837ED6E77}" type="datetime1">
               <a:rPr lang="it-IT" smtClean="0"/>
-              <a:t>20/06/2023</a:t>
+              <a:t>24/06/2023</a:t>
             </a:fld>
             <a:endParaRPr lang="it-IT" dirty="0"/>
           </a:p>
@@ -5059,7 +5059,7 @@
           <a:p>
             <a:fld id="{EBF8F1EF-51D2-B64E-B375-F598E0F15E07}" type="datetime1">
               <a:rPr lang="it-IT" smtClean="0"/>
-              <a:t>20/06/2023</a:t>
+              <a:t>24/06/2023</a:t>
             </a:fld>
             <a:endParaRPr lang="it-IT" dirty="0"/>
           </a:p>
@@ -5359,7 +5359,7 @@
           <a:p>
             <a:fld id="{DE207030-58F3-FC44-91BB-2B4E4798FE1E}" type="datetime1">
               <a:rPr lang="it-IT" smtClean="0"/>
-              <a:t>20/06/2023</a:t>
+              <a:t>24/06/2023</a:t>
             </a:fld>
             <a:endParaRPr lang="it-IT" dirty="0"/>
           </a:p>
@@ -5612,7 +5612,7 @@
           <a:p>
             <a:fld id="{DA6E310D-410C-F94A-9E6B-1D0924BCDA6B}" type="datetime1">
               <a:rPr lang="it-IT" smtClean="0"/>
-              <a:t>20/06/2023</a:t>
+              <a:t>24/06/2023</a:t>
             </a:fld>
             <a:endParaRPr lang="it-IT" dirty="0"/>
           </a:p>
@@ -14340,10 +14340,10 @@
       </p:sp>
       <p:pic>
         <p:nvPicPr>
-          <p:cNvPr id="11" name="Immagine 10" descr="Immagine che contiene schermata, nero, design&#10;&#10;Descrizione generata automaticamente">
-            <a:extLst>
-              <a:ext uri="{FF2B5EF4-FFF2-40B4-BE49-F238E27FC236}">
-                <a16:creationId xmlns:a16="http://schemas.microsoft.com/office/drawing/2014/main" id="{89E78C9D-A69A-9585-7608-F768912CD2C8}"/>
+          <p:cNvPr id="3" name="Immagine 2" descr="Immagine che contiene testo, schermata, diagramma, linea&#10;&#10;Descrizione generata automaticamente">
+            <a:extLst>
+              <a:ext uri="{FF2B5EF4-FFF2-40B4-BE49-F238E27FC236}">
+                <a16:creationId xmlns:a16="http://schemas.microsoft.com/office/drawing/2014/main" id="{9BCAAF34-25B8-4E68-CA15-FB2245CBA236}"/>
               </a:ext>
             </a:extLst>
           </p:cNvPr>
@@ -14360,8 +14360,8 @@
         </p:blipFill>
         <p:spPr>
           <a:xfrm>
-            <a:off x="1728813" y="1690688"/>
-            <a:ext cx="8734373" cy="3795229"/>
+            <a:off x="1654082" y="1690688"/>
+            <a:ext cx="8883835" cy="3903169"/>
           </a:xfrm>
           <a:prstGeom prst="rect">
             <a:avLst/>

--- a/Presentazione/Valerio Desiati - Presentazione Discussione.pptx
+++ b/Presentazione/Valerio Desiati - Presentazione Discussione.pptx
@@ -5,39 +5,29 @@
     <p:sldMasterId id="2147483648" r:id="rId1"/>
   </p:sldMasterIdLst>
   <p:notesMasterIdLst>
-    <p:notesMasterId r:id="rId32"/>
+    <p:notesMasterId r:id="rId22"/>
   </p:notesMasterIdLst>
   <p:sldIdLst>
     <p:sldId id="256" r:id="rId2"/>
-    <p:sldId id="295" r:id="rId3"/>
-    <p:sldId id="311" r:id="rId4"/>
-    <p:sldId id="320" r:id="rId5"/>
-    <p:sldId id="292" r:id="rId6"/>
-    <p:sldId id="298" r:id="rId7"/>
-    <p:sldId id="321" r:id="rId8"/>
-    <p:sldId id="283" r:id="rId9"/>
-    <p:sldId id="300" r:id="rId10"/>
-    <p:sldId id="294" r:id="rId11"/>
-    <p:sldId id="323" r:id="rId12"/>
-    <p:sldId id="322" r:id="rId13"/>
-    <p:sldId id="257" r:id="rId14"/>
-    <p:sldId id="333" r:id="rId15"/>
-    <p:sldId id="334" r:id="rId16"/>
-    <p:sldId id="335" r:id="rId17"/>
-    <p:sldId id="336" r:id="rId18"/>
-    <p:sldId id="324" r:id="rId19"/>
-    <p:sldId id="340" r:id="rId20"/>
-    <p:sldId id="341" r:id="rId21"/>
-    <p:sldId id="342" r:id="rId22"/>
-    <p:sldId id="343" r:id="rId23"/>
-    <p:sldId id="327" r:id="rId24"/>
-    <p:sldId id="328" r:id="rId25"/>
-    <p:sldId id="326" r:id="rId26"/>
-    <p:sldId id="304" r:id="rId27"/>
-    <p:sldId id="330" r:id="rId28"/>
-    <p:sldId id="331" r:id="rId29"/>
-    <p:sldId id="332" r:id="rId30"/>
-    <p:sldId id="325" r:id="rId31"/>
+    <p:sldId id="311" r:id="rId3"/>
+    <p:sldId id="320" r:id="rId4"/>
+    <p:sldId id="298" r:id="rId5"/>
+    <p:sldId id="283" r:id="rId6"/>
+    <p:sldId id="300" r:id="rId7"/>
+    <p:sldId id="323" r:id="rId8"/>
+    <p:sldId id="257" r:id="rId9"/>
+    <p:sldId id="333" r:id="rId10"/>
+    <p:sldId id="334" r:id="rId11"/>
+    <p:sldId id="336" r:id="rId12"/>
+    <p:sldId id="340" r:id="rId13"/>
+    <p:sldId id="341" r:id="rId14"/>
+    <p:sldId id="342" r:id="rId15"/>
+    <p:sldId id="343" r:id="rId16"/>
+    <p:sldId id="328" r:id="rId17"/>
+    <p:sldId id="330" r:id="rId18"/>
+    <p:sldId id="331" r:id="rId19"/>
+    <p:sldId id="332" r:id="rId20"/>
+    <p:sldId id="325" r:id="rId21"/>
   </p:sldIdLst>
   <p:sldSz cx="12192000" cy="6858000"/>
   <p:notesSz cx="6858000" cy="9144000"/>
@@ -232,7 +222,7 @@
           <a:p>
             <a:fld id="{5F7409E6-EED8-8745-B232-DBEF601ABB7A}" type="datetimeFigureOut">
               <a:rPr lang="it-IT" smtClean="0"/>
-              <a:t>24/06/2023</a:t>
+              <a:t>27/06/2023</a:t>
             </a:fld>
             <a:endParaRPr lang="it-IT" dirty="0"/>
           </a:p>
@@ -657,7 +647,7 @@
     </p:spTree>
     <p:extLst>
       <p:ext uri="{BB962C8B-B14F-4D97-AF65-F5344CB8AC3E}">
-        <p14:creationId xmlns:p14="http://schemas.microsoft.com/office/powerpoint/2010/main" val="3219719255"/>
+        <p14:creationId xmlns:p14="http://schemas.microsoft.com/office/powerpoint/2010/main" val="810854072"/>
       </p:ext>
     </p:extLst>
   </p:cSld>
@@ -711,6 +701,123 @@
           <a:bodyPr/>
           <a:lstStyle/>
           <a:p>
+            <a:pPr algn="just"/>
+            <a:r>
+              <a:rPr lang="it-IT" dirty="0">
+                <a:latin typeface="+mj-lt"/>
+              </a:rPr>
+              <a:t>Una classe annotata come </a:t>
+            </a:r>
+            <a:r>
+              <a:rPr lang="it-IT" dirty="0">
+                <a:latin typeface="Consolas" panose="020B0609020204030204" pitchFamily="49" charset="0"/>
+              </a:rPr>
+              <a:t>@RestController</a:t>
+            </a:r>
+            <a:r>
+              <a:rPr lang="it-IT" dirty="0">
+                <a:latin typeface="+mj-lt"/>
+              </a:rPr>
+              <a:t> è utilizzata per la gestione di richieste HTTP.</a:t>
+            </a:r>
+          </a:p>
+          <a:p>
+            <a:pPr algn="just"/>
+            <a:r>
+              <a:rPr lang="it-IT" dirty="0">
+                <a:latin typeface="+mj-lt"/>
+              </a:rPr>
+              <a:t>I metodi che possono essere utilizzati con questa tipologia di Controller sono </a:t>
+            </a:r>
+            <a:r>
+              <a:rPr lang="it-IT" dirty="0">
+                <a:latin typeface="Consolas" panose="020B0609020204030204" pitchFamily="49" charset="0"/>
+              </a:rPr>
+              <a:t>@RequestMapping</a:t>
+            </a:r>
+            <a:r>
+              <a:rPr lang="it-IT" dirty="0">
+                <a:latin typeface="+mj-lt"/>
+              </a:rPr>
+              <a:t>, </a:t>
+            </a:r>
+            <a:r>
+              <a:rPr lang="it-IT" dirty="0">
+                <a:latin typeface="Consolas" panose="020B0609020204030204" pitchFamily="49" charset="0"/>
+              </a:rPr>
+              <a:t>@GetMapping</a:t>
+            </a:r>
+            <a:r>
+              <a:rPr lang="it-IT" dirty="0">
+                <a:latin typeface="+mj-lt"/>
+              </a:rPr>
+              <a:t>, </a:t>
+            </a:r>
+            <a:r>
+              <a:rPr lang="it-IT" dirty="0">
+                <a:latin typeface="Consolas" panose="020B0609020204030204" pitchFamily="49" charset="0"/>
+              </a:rPr>
+              <a:t>@PostMapping</a:t>
+            </a:r>
+            <a:r>
+              <a:rPr lang="it-IT" dirty="0">
+                <a:latin typeface="+mj-lt"/>
+              </a:rPr>
+              <a:t>, </a:t>
+            </a:r>
+            <a:r>
+              <a:rPr lang="it-IT" dirty="0">
+                <a:latin typeface="Consolas" panose="020B0609020204030204" pitchFamily="49" charset="0"/>
+              </a:rPr>
+              <a:t>@PutMapping</a:t>
+            </a:r>
+            <a:r>
+              <a:rPr lang="it-IT" dirty="0">
+                <a:latin typeface="+mj-lt"/>
+              </a:rPr>
+              <a:t>, </a:t>
+            </a:r>
+            <a:r>
+              <a:rPr lang="it-IT" dirty="0">
+                <a:latin typeface="Consolas" panose="020B0609020204030204" pitchFamily="49" charset="0"/>
+              </a:rPr>
+              <a:t>@DeleteMapping </a:t>
+            </a:r>
+            <a:r>
+              <a:rPr lang="it-IT" dirty="0">
+                <a:latin typeface="+mj-lt"/>
+              </a:rPr>
+              <a:t>ecc., si devono sempre specificare l’URL e il tipo di richiesta da gestire.</a:t>
+            </a:r>
+          </a:p>
+          <a:p>
+            <a:pPr algn="just"/>
+            <a:endParaRPr lang="it-IT" dirty="0">
+              <a:latin typeface="+mj-lt"/>
+            </a:endParaRPr>
+          </a:p>
+          <a:p>
+            <a:pPr algn="just"/>
+            <a:r>
+              <a:rPr lang="it-IT" dirty="0">
+                <a:latin typeface="+mj-lt"/>
+              </a:rPr>
+              <a:t>In un’architettura REST le risorse sono rappresentate in modo da essere compatibili con le operazioni </a:t>
+            </a:r>
+            <a:r>
+              <a:rPr lang="it-IT" b="1" dirty="0">
+                <a:latin typeface="+mj-lt"/>
+              </a:rPr>
+              <a:t>CRUD</a:t>
+            </a:r>
+            <a:r>
+              <a:rPr lang="it-IT" dirty="0">
+                <a:latin typeface="+mj-lt"/>
+              </a:rPr>
+              <a:t> (Create, Read, Update, Delete).</a:t>
+            </a:r>
+          </a:p>
+          <a:p>
             <a:endParaRPr lang="it-IT" dirty="0"/>
           </a:p>
         </p:txBody>
@@ -741,7 +848,7 @@
     </p:spTree>
     <p:extLst>
       <p:ext uri="{BB962C8B-B14F-4D97-AF65-F5344CB8AC3E}">
-        <p14:creationId xmlns:p14="http://schemas.microsoft.com/office/powerpoint/2010/main" val="1379262800"/>
+        <p14:creationId xmlns:p14="http://schemas.microsoft.com/office/powerpoint/2010/main" val="3019642967"/>
       </p:ext>
     </p:extLst>
   </p:cSld>
@@ -825,7 +932,7 @@
     </p:spTree>
     <p:extLst>
       <p:ext uri="{BB962C8B-B14F-4D97-AF65-F5344CB8AC3E}">
-        <p14:creationId xmlns:p14="http://schemas.microsoft.com/office/powerpoint/2010/main" val="620015635"/>
+        <p14:creationId xmlns:p14="http://schemas.microsoft.com/office/powerpoint/2010/main" val="2742640439"/>
       </p:ext>
     </p:extLst>
   </p:cSld>
@@ -909,7 +1016,7 @@
     </p:spTree>
     <p:extLst>
       <p:ext uri="{BB962C8B-B14F-4D97-AF65-F5344CB8AC3E}">
-        <p14:creationId xmlns:p14="http://schemas.microsoft.com/office/powerpoint/2010/main" val="2954105688"/>
+        <p14:creationId xmlns:p14="http://schemas.microsoft.com/office/powerpoint/2010/main" val="195886760"/>
       </p:ext>
     </p:extLst>
   </p:cSld>
@@ -993,7 +1100,7 @@
     </p:spTree>
     <p:extLst>
       <p:ext uri="{BB962C8B-B14F-4D97-AF65-F5344CB8AC3E}">
-        <p14:creationId xmlns:p14="http://schemas.microsoft.com/office/powerpoint/2010/main" val="3707488486"/>
+        <p14:creationId xmlns:p14="http://schemas.microsoft.com/office/powerpoint/2010/main" val="3559657501"/>
       </p:ext>
     </p:extLst>
   </p:cSld>
@@ -1077,7 +1184,7 @@
     </p:spTree>
     <p:extLst>
       <p:ext uri="{BB962C8B-B14F-4D97-AF65-F5344CB8AC3E}">
-        <p14:creationId xmlns:p14="http://schemas.microsoft.com/office/powerpoint/2010/main" val="810854072"/>
+        <p14:creationId xmlns:p14="http://schemas.microsoft.com/office/powerpoint/2010/main" val="1103938170"/>
       </p:ext>
     </p:extLst>
   </p:cSld>
@@ -1161,7 +1268,7 @@
     </p:spTree>
     <p:extLst>
       <p:ext uri="{BB962C8B-B14F-4D97-AF65-F5344CB8AC3E}">
-        <p14:creationId xmlns:p14="http://schemas.microsoft.com/office/powerpoint/2010/main" val="3862764196"/>
+        <p14:creationId xmlns:p14="http://schemas.microsoft.com/office/powerpoint/2010/main" val="3265085799"/>
       </p:ext>
     </p:extLst>
   </p:cSld>
@@ -1215,6 +1322,138 @@
           <a:bodyPr/>
           <a:lstStyle/>
           <a:p>
+            <a:pPr marL="0" indent="0" algn="l">
+              <a:buNone/>
+            </a:pPr>
+            <a:r>
+              <a:rPr lang="it-IT" sz="1200" b="0" i="0" u="none" strike="noStrike" baseline="0" dirty="0" err="1">
+                <a:latin typeface="+mj-lt"/>
+              </a:rPr>
+              <a:t>Postman</a:t>
+            </a:r>
+            <a:r>
+              <a:rPr lang="it-IT" sz="1200" b="0" i="0" u="none" strike="noStrike" baseline="0" dirty="0">
+                <a:latin typeface="+mj-lt"/>
+              </a:rPr>
+              <a:t> </a:t>
+            </a:r>
+            <a:r>
+              <a:rPr lang="it-IT" sz="1200" dirty="0">
+                <a:latin typeface="+mj-lt"/>
+              </a:rPr>
+              <a:t>è</a:t>
+            </a:r>
+            <a:r>
+              <a:rPr lang="it-IT" sz="1200" b="0" i="0" u="none" strike="noStrike" baseline="0" dirty="0">
+                <a:latin typeface="+mj-lt"/>
+              </a:rPr>
+              <a:t> una piattaforma API per la creazione, sviluppo e testing di </a:t>
+            </a:r>
+            <a:r>
+              <a:rPr lang="it-IT" sz="1200" b="0" i="0" u="none" strike="noStrike" baseline="0" dirty="0" err="1">
+                <a:latin typeface="+mj-lt"/>
+              </a:rPr>
+              <a:t>APIs</a:t>
+            </a:r>
+            <a:r>
+              <a:rPr lang="it-IT" sz="1200" b="0" i="0" u="none" strike="noStrike" baseline="0" dirty="0">
+                <a:latin typeface="+mj-lt"/>
+              </a:rPr>
+              <a:t>. </a:t>
+            </a:r>
+          </a:p>
+          <a:p>
+            <a:pPr marL="0" indent="0" algn="l">
+              <a:buNone/>
+            </a:pPr>
+            <a:r>
+              <a:rPr lang="it-IT" sz="1200" dirty="0">
+                <a:latin typeface="+mj-lt"/>
+              </a:rPr>
+              <a:t>È</a:t>
+            </a:r>
+            <a:r>
+              <a:rPr lang="it-IT" sz="1200" b="0" i="0" u="none" strike="noStrike" baseline="0" dirty="0">
+                <a:latin typeface="+mj-lt"/>
+              </a:rPr>
+              <a:t> stato utilizzato per la fase di testing dato che permette di effettuare delle </a:t>
+            </a:r>
+            <a:r>
+              <a:rPr lang="it-IT" sz="1200" b="1" i="0" u="none" strike="noStrike" baseline="0" dirty="0">
+                <a:latin typeface="+mj-lt"/>
+              </a:rPr>
+              <a:t>richieste HTTP/S</a:t>
+            </a:r>
+            <a:r>
+              <a:rPr lang="it-IT" sz="1200" b="0" i="0" u="none" strike="noStrike" baseline="0" dirty="0">
+                <a:latin typeface="+mj-lt"/>
+              </a:rPr>
+              <a:t>, offrendo la possibilit</a:t>
+            </a:r>
+            <a:r>
+              <a:rPr lang="it-IT" sz="1200" dirty="0">
+                <a:latin typeface="+mj-lt"/>
+              </a:rPr>
+              <a:t>à</a:t>
+            </a:r>
+            <a:r>
+              <a:rPr lang="it-IT" sz="1200" b="0" i="0" u="none" strike="noStrike" baseline="0" dirty="0">
+                <a:latin typeface="+mj-lt"/>
+              </a:rPr>
+              <a:t> di </a:t>
+            </a:r>
+            <a:r>
+              <a:rPr lang="it-IT" sz="1200" b="1" i="0" u="none" strike="noStrike" baseline="0" dirty="0">
+                <a:latin typeface="+mj-lt"/>
+              </a:rPr>
+              <a:t>configurare il body </a:t>
+            </a:r>
+            <a:r>
+              <a:rPr lang="it-IT" sz="1200" b="0" i="0" u="none" strike="noStrike" baseline="0" dirty="0">
+                <a:latin typeface="+mj-lt"/>
+              </a:rPr>
+              <a:t>della stessa e di ricevere la risposta.</a:t>
+            </a:r>
+          </a:p>
+          <a:p>
+            <a:pPr marL="0" indent="0" algn="l">
+              <a:buNone/>
+            </a:pPr>
+            <a:r>
+              <a:rPr lang="it-IT" sz="1200" b="0" i="0" u="none" strike="noStrike" baseline="0" dirty="0">
+                <a:latin typeface="+mj-lt"/>
+              </a:rPr>
+              <a:t>Il software risulta molto intuitivo, si seleziona il metodo di richiesta (</a:t>
+            </a:r>
+            <a:r>
+              <a:rPr lang="it-IT" sz="1200" b="0" i="0" u="none" strike="noStrike" baseline="0" dirty="0">
+                <a:latin typeface="Consolas" panose="020B0609020204030204" pitchFamily="49" charset="0"/>
+              </a:rPr>
+              <a:t>HTTP GET</a:t>
+            </a:r>
+            <a:r>
+              <a:rPr lang="it-IT" sz="1200" b="0" i="0" u="none" strike="noStrike" baseline="0" dirty="0">
+                <a:latin typeface="+mj-lt"/>
+              </a:rPr>
+              <a:t>), si inserisce l’URL e, se necessario, si configurano i campi della richiesta, in questo caso si aggiunge al body della richiesta il </a:t>
+            </a:r>
+            <a:r>
+              <a:rPr lang="it-IT" sz="1200" b="1" i="0" u="none" strike="noStrike" baseline="0" dirty="0">
+                <a:latin typeface="+mj-lt"/>
+              </a:rPr>
+              <a:t>token JWT</a:t>
+            </a:r>
+            <a:r>
+              <a:rPr lang="it-IT" sz="1200" b="0" i="0" u="none" strike="noStrike" baseline="0" dirty="0">
+                <a:latin typeface="+mj-lt"/>
+              </a:rPr>
+              <a:t>.</a:t>
+            </a:r>
+            <a:endParaRPr lang="it-IT" dirty="0">
+              <a:latin typeface="+mj-lt"/>
+            </a:endParaRPr>
+          </a:p>
+          <a:p>
             <a:endParaRPr lang="it-IT" dirty="0"/>
           </a:p>
         </p:txBody>
@@ -1245,7 +1484,7 @@
     </p:spTree>
     <p:extLst>
       <p:ext uri="{BB962C8B-B14F-4D97-AF65-F5344CB8AC3E}">
-        <p14:creationId xmlns:p14="http://schemas.microsoft.com/office/powerpoint/2010/main" val="3019642967"/>
+        <p14:creationId xmlns:p14="http://schemas.microsoft.com/office/powerpoint/2010/main" val="68833884"/>
       </p:ext>
     </p:extLst>
   </p:cSld>
@@ -1320,7 +1559,7 @@
           <a:p>
             <a:fld id="{4C1F9E36-1FE2-5648-8A6D-D903E424B1AF}" type="slidenum">
               <a:rPr lang="it-IT" smtClean="0"/>
-              <a:t>18</a:t>
+              <a:t>20</a:t>
             </a:fld>
             <a:endParaRPr lang="it-IT" dirty="0"/>
           </a:p>
@@ -1329,91 +1568,7 @@
     </p:spTree>
     <p:extLst>
       <p:ext uri="{BB962C8B-B14F-4D97-AF65-F5344CB8AC3E}">
-        <p14:creationId xmlns:p14="http://schemas.microsoft.com/office/powerpoint/2010/main" val="2163639335"/>
-      </p:ext>
-    </p:extLst>
-  </p:cSld>
-  <p:clrMapOvr>
-    <a:masterClrMapping/>
-  </p:clrMapOvr>
-</p:notes>
-</file>
-
-<file path=ppt/notesSlides/notesSlide19.xml><?xml version="1.0" encoding="utf-8"?>
-<p:notes xmlns:a="http://schemas.openxmlformats.org/drawingml/2006/main" xmlns:r="http://schemas.openxmlformats.org/officeDocument/2006/relationships" xmlns:p="http://schemas.openxmlformats.org/presentationml/2006/main">
-  <p:cSld>
-    <p:spTree>
-      <p:nvGrpSpPr>
-        <p:cNvPr id="1" name=""/>
-        <p:cNvGrpSpPr/>
-        <p:nvPr/>
-      </p:nvGrpSpPr>
-      <p:grpSpPr>
-        <a:xfrm>
-          <a:off x="0" y="0"/>
-          <a:ext cx="0" cy="0"/>
-          <a:chOff x="0" y="0"/>
-          <a:chExt cx="0" cy="0"/>
-        </a:xfrm>
-      </p:grpSpPr>
-      <p:sp>
-        <p:nvSpPr>
-          <p:cNvPr id="2" name="Segnaposto immagine diapositiva 1"/>
-          <p:cNvSpPr>
-            <a:spLocks noGrp="1" noRot="1" noChangeAspect="1"/>
-          </p:cNvSpPr>
-          <p:nvPr>
-            <p:ph type="sldImg"/>
-          </p:nvPr>
-        </p:nvSpPr>
-        <p:spPr/>
-      </p:sp>
-      <p:sp>
-        <p:nvSpPr>
-          <p:cNvPr id="3" name="Segnaposto note 2"/>
-          <p:cNvSpPr>
-            <a:spLocks noGrp="1"/>
-          </p:cNvSpPr>
-          <p:nvPr>
-            <p:ph type="body" idx="1"/>
-          </p:nvPr>
-        </p:nvSpPr>
-        <p:spPr/>
-        <p:txBody>
-          <a:bodyPr/>
-          <a:lstStyle/>
-          <a:p>
-            <a:endParaRPr lang="it-IT" dirty="0"/>
-          </a:p>
-        </p:txBody>
-      </p:sp>
-      <p:sp>
-        <p:nvSpPr>
-          <p:cNvPr id="4" name="Segnaposto numero diapositiva 3"/>
-          <p:cNvSpPr>
-            <a:spLocks noGrp="1"/>
-          </p:cNvSpPr>
-          <p:nvPr>
-            <p:ph type="sldNum" sz="quarter" idx="5"/>
-          </p:nvPr>
-        </p:nvSpPr>
-        <p:spPr/>
-        <p:txBody>
-          <a:bodyPr/>
-          <a:lstStyle/>
-          <a:p>
-            <a:fld id="{4C1F9E36-1FE2-5648-8A6D-D903E424B1AF}" type="slidenum">
-              <a:rPr lang="it-IT" smtClean="0"/>
-              <a:t>19</a:t>
-            </a:fld>
-            <a:endParaRPr lang="it-IT" dirty="0"/>
-          </a:p>
-        </p:txBody>
-      </p:sp>
-    </p:spTree>
-    <p:extLst>
-      <p:ext uri="{BB962C8B-B14F-4D97-AF65-F5344CB8AC3E}">
-        <p14:creationId xmlns:p14="http://schemas.microsoft.com/office/powerpoint/2010/main" val="2742640439"/>
+        <p14:creationId xmlns:p14="http://schemas.microsoft.com/office/powerpoint/2010/main" val="1312652474"/>
       </p:ext>
     </p:extLst>
   </p:cSld>
@@ -1467,6 +1622,10 @@
           <a:bodyPr/>
           <a:lstStyle/>
           <a:p>
+            <a:r>
+              <a:rPr lang="it-IT" dirty="0" err="1"/>
+              <a:t>aaaaaaaaaaaaaaaaaaaaa</a:t>
+            </a:r>
             <a:endParaRPr lang="it-IT" dirty="0"/>
           </a:p>
         </p:txBody>
@@ -1497,595 +1656,7 @@
     </p:spTree>
     <p:extLst>
       <p:ext uri="{BB962C8B-B14F-4D97-AF65-F5344CB8AC3E}">
-        <p14:creationId xmlns:p14="http://schemas.microsoft.com/office/powerpoint/2010/main" val="4283028692"/>
-      </p:ext>
-    </p:extLst>
-  </p:cSld>
-  <p:clrMapOvr>
-    <a:masterClrMapping/>
-  </p:clrMapOvr>
-</p:notes>
-</file>
-
-<file path=ppt/notesSlides/notesSlide20.xml><?xml version="1.0" encoding="utf-8"?>
-<p:notes xmlns:a="http://schemas.openxmlformats.org/drawingml/2006/main" xmlns:r="http://schemas.openxmlformats.org/officeDocument/2006/relationships" xmlns:p="http://schemas.openxmlformats.org/presentationml/2006/main">
-  <p:cSld>
-    <p:spTree>
-      <p:nvGrpSpPr>
-        <p:cNvPr id="1" name=""/>
-        <p:cNvGrpSpPr/>
-        <p:nvPr/>
-      </p:nvGrpSpPr>
-      <p:grpSpPr>
-        <a:xfrm>
-          <a:off x="0" y="0"/>
-          <a:ext cx="0" cy="0"/>
-          <a:chOff x="0" y="0"/>
-          <a:chExt cx="0" cy="0"/>
-        </a:xfrm>
-      </p:grpSpPr>
-      <p:sp>
-        <p:nvSpPr>
-          <p:cNvPr id="2" name="Segnaposto immagine diapositiva 1"/>
-          <p:cNvSpPr>
-            <a:spLocks noGrp="1" noRot="1" noChangeAspect="1"/>
-          </p:cNvSpPr>
-          <p:nvPr>
-            <p:ph type="sldImg"/>
-          </p:nvPr>
-        </p:nvSpPr>
-        <p:spPr/>
-      </p:sp>
-      <p:sp>
-        <p:nvSpPr>
-          <p:cNvPr id="3" name="Segnaposto note 2"/>
-          <p:cNvSpPr>
-            <a:spLocks noGrp="1"/>
-          </p:cNvSpPr>
-          <p:nvPr>
-            <p:ph type="body" idx="1"/>
-          </p:nvPr>
-        </p:nvSpPr>
-        <p:spPr/>
-        <p:txBody>
-          <a:bodyPr/>
-          <a:lstStyle/>
-          <a:p>
-            <a:endParaRPr lang="it-IT" dirty="0"/>
-          </a:p>
-        </p:txBody>
-      </p:sp>
-      <p:sp>
-        <p:nvSpPr>
-          <p:cNvPr id="4" name="Segnaposto numero diapositiva 3"/>
-          <p:cNvSpPr>
-            <a:spLocks noGrp="1"/>
-          </p:cNvSpPr>
-          <p:nvPr>
-            <p:ph type="sldNum" sz="quarter" idx="5"/>
-          </p:nvPr>
-        </p:nvSpPr>
-        <p:spPr/>
-        <p:txBody>
-          <a:bodyPr/>
-          <a:lstStyle/>
-          <a:p>
-            <a:fld id="{4C1F9E36-1FE2-5648-8A6D-D903E424B1AF}" type="slidenum">
-              <a:rPr lang="it-IT" smtClean="0"/>
-              <a:t>20</a:t>
-            </a:fld>
-            <a:endParaRPr lang="it-IT" dirty="0"/>
-          </a:p>
-        </p:txBody>
-      </p:sp>
-    </p:spTree>
-    <p:extLst>
-      <p:ext uri="{BB962C8B-B14F-4D97-AF65-F5344CB8AC3E}">
-        <p14:creationId xmlns:p14="http://schemas.microsoft.com/office/powerpoint/2010/main" val="195886760"/>
-      </p:ext>
-    </p:extLst>
-  </p:cSld>
-  <p:clrMapOvr>
-    <a:masterClrMapping/>
-  </p:clrMapOvr>
-</p:notes>
-</file>
-
-<file path=ppt/notesSlides/notesSlide21.xml><?xml version="1.0" encoding="utf-8"?>
-<p:notes xmlns:a="http://schemas.openxmlformats.org/drawingml/2006/main" xmlns:r="http://schemas.openxmlformats.org/officeDocument/2006/relationships" xmlns:p="http://schemas.openxmlformats.org/presentationml/2006/main">
-  <p:cSld>
-    <p:spTree>
-      <p:nvGrpSpPr>
-        <p:cNvPr id="1" name=""/>
-        <p:cNvGrpSpPr/>
-        <p:nvPr/>
-      </p:nvGrpSpPr>
-      <p:grpSpPr>
-        <a:xfrm>
-          <a:off x="0" y="0"/>
-          <a:ext cx="0" cy="0"/>
-          <a:chOff x="0" y="0"/>
-          <a:chExt cx="0" cy="0"/>
-        </a:xfrm>
-      </p:grpSpPr>
-      <p:sp>
-        <p:nvSpPr>
-          <p:cNvPr id="2" name="Segnaposto immagine diapositiva 1"/>
-          <p:cNvSpPr>
-            <a:spLocks noGrp="1" noRot="1" noChangeAspect="1"/>
-          </p:cNvSpPr>
-          <p:nvPr>
-            <p:ph type="sldImg"/>
-          </p:nvPr>
-        </p:nvSpPr>
-        <p:spPr/>
-      </p:sp>
-      <p:sp>
-        <p:nvSpPr>
-          <p:cNvPr id="3" name="Segnaposto note 2"/>
-          <p:cNvSpPr>
-            <a:spLocks noGrp="1"/>
-          </p:cNvSpPr>
-          <p:nvPr>
-            <p:ph type="body" idx="1"/>
-          </p:nvPr>
-        </p:nvSpPr>
-        <p:spPr/>
-        <p:txBody>
-          <a:bodyPr/>
-          <a:lstStyle/>
-          <a:p>
-            <a:endParaRPr lang="it-IT" dirty="0"/>
-          </a:p>
-        </p:txBody>
-      </p:sp>
-      <p:sp>
-        <p:nvSpPr>
-          <p:cNvPr id="4" name="Segnaposto numero diapositiva 3"/>
-          <p:cNvSpPr>
-            <a:spLocks noGrp="1"/>
-          </p:cNvSpPr>
-          <p:nvPr>
-            <p:ph type="sldNum" sz="quarter" idx="5"/>
-          </p:nvPr>
-        </p:nvSpPr>
-        <p:spPr/>
-        <p:txBody>
-          <a:bodyPr/>
-          <a:lstStyle/>
-          <a:p>
-            <a:fld id="{4C1F9E36-1FE2-5648-8A6D-D903E424B1AF}" type="slidenum">
-              <a:rPr lang="it-IT" smtClean="0"/>
-              <a:t>21</a:t>
-            </a:fld>
-            <a:endParaRPr lang="it-IT" dirty="0"/>
-          </a:p>
-        </p:txBody>
-      </p:sp>
-    </p:spTree>
-    <p:extLst>
-      <p:ext uri="{BB962C8B-B14F-4D97-AF65-F5344CB8AC3E}">
-        <p14:creationId xmlns:p14="http://schemas.microsoft.com/office/powerpoint/2010/main" val="3559657501"/>
-      </p:ext>
-    </p:extLst>
-  </p:cSld>
-  <p:clrMapOvr>
-    <a:masterClrMapping/>
-  </p:clrMapOvr>
-</p:notes>
-</file>
-
-<file path=ppt/notesSlides/notesSlide22.xml><?xml version="1.0" encoding="utf-8"?>
-<p:notes xmlns:a="http://schemas.openxmlformats.org/drawingml/2006/main" xmlns:r="http://schemas.openxmlformats.org/officeDocument/2006/relationships" xmlns:p="http://schemas.openxmlformats.org/presentationml/2006/main">
-  <p:cSld>
-    <p:spTree>
-      <p:nvGrpSpPr>
-        <p:cNvPr id="1" name=""/>
-        <p:cNvGrpSpPr/>
-        <p:nvPr/>
-      </p:nvGrpSpPr>
-      <p:grpSpPr>
-        <a:xfrm>
-          <a:off x="0" y="0"/>
-          <a:ext cx="0" cy="0"/>
-          <a:chOff x="0" y="0"/>
-          <a:chExt cx="0" cy="0"/>
-        </a:xfrm>
-      </p:grpSpPr>
-      <p:sp>
-        <p:nvSpPr>
-          <p:cNvPr id="2" name="Segnaposto immagine diapositiva 1"/>
-          <p:cNvSpPr>
-            <a:spLocks noGrp="1" noRot="1" noChangeAspect="1"/>
-          </p:cNvSpPr>
-          <p:nvPr>
-            <p:ph type="sldImg"/>
-          </p:nvPr>
-        </p:nvSpPr>
-        <p:spPr/>
-      </p:sp>
-      <p:sp>
-        <p:nvSpPr>
-          <p:cNvPr id="3" name="Segnaposto note 2"/>
-          <p:cNvSpPr>
-            <a:spLocks noGrp="1"/>
-          </p:cNvSpPr>
-          <p:nvPr>
-            <p:ph type="body" idx="1"/>
-          </p:nvPr>
-        </p:nvSpPr>
-        <p:spPr/>
-        <p:txBody>
-          <a:bodyPr/>
-          <a:lstStyle/>
-          <a:p>
-            <a:endParaRPr lang="it-IT" dirty="0"/>
-          </a:p>
-        </p:txBody>
-      </p:sp>
-      <p:sp>
-        <p:nvSpPr>
-          <p:cNvPr id="4" name="Segnaposto numero diapositiva 3"/>
-          <p:cNvSpPr>
-            <a:spLocks noGrp="1"/>
-          </p:cNvSpPr>
-          <p:nvPr>
-            <p:ph type="sldNum" sz="quarter" idx="5"/>
-          </p:nvPr>
-        </p:nvSpPr>
-        <p:spPr/>
-        <p:txBody>
-          <a:bodyPr/>
-          <a:lstStyle/>
-          <a:p>
-            <a:fld id="{4C1F9E36-1FE2-5648-8A6D-D903E424B1AF}" type="slidenum">
-              <a:rPr lang="it-IT" smtClean="0"/>
-              <a:t>22</a:t>
-            </a:fld>
-            <a:endParaRPr lang="it-IT" dirty="0"/>
-          </a:p>
-        </p:txBody>
-      </p:sp>
-    </p:spTree>
-    <p:extLst>
-      <p:ext uri="{BB962C8B-B14F-4D97-AF65-F5344CB8AC3E}">
-        <p14:creationId xmlns:p14="http://schemas.microsoft.com/office/powerpoint/2010/main" val="1103938170"/>
-      </p:ext>
-    </p:extLst>
-  </p:cSld>
-  <p:clrMapOvr>
-    <a:masterClrMapping/>
-  </p:clrMapOvr>
-</p:notes>
-</file>
-
-<file path=ppt/notesSlides/notesSlide23.xml><?xml version="1.0" encoding="utf-8"?>
-<p:notes xmlns:a="http://schemas.openxmlformats.org/drawingml/2006/main" xmlns:r="http://schemas.openxmlformats.org/officeDocument/2006/relationships" xmlns:p="http://schemas.openxmlformats.org/presentationml/2006/main">
-  <p:cSld>
-    <p:spTree>
-      <p:nvGrpSpPr>
-        <p:cNvPr id="1" name=""/>
-        <p:cNvGrpSpPr/>
-        <p:nvPr/>
-      </p:nvGrpSpPr>
-      <p:grpSpPr>
-        <a:xfrm>
-          <a:off x="0" y="0"/>
-          <a:ext cx="0" cy="0"/>
-          <a:chOff x="0" y="0"/>
-          <a:chExt cx="0" cy="0"/>
-        </a:xfrm>
-      </p:grpSpPr>
-      <p:sp>
-        <p:nvSpPr>
-          <p:cNvPr id="2" name="Segnaposto immagine diapositiva 1"/>
-          <p:cNvSpPr>
-            <a:spLocks noGrp="1" noRot="1" noChangeAspect="1"/>
-          </p:cNvSpPr>
-          <p:nvPr>
-            <p:ph type="sldImg"/>
-          </p:nvPr>
-        </p:nvSpPr>
-        <p:spPr/>
-      </p:sp>
-      <p:sp>
-        <p:nvSpPr>
-          <p:cNvPr id="3" name="Segnaposto note 2"/>
-          <p:cNvSpPr>
-            <a:spLocks noGrp="1"/>
-          </p:cNvSpPr>
-          <p:nvPr>
-            <p:ph type="body" idx="1"/>
-          </p:nvPr>
-        </p:nvSpPr>
-        <p:spPr/>
-        <p:txBody>
-          <a:bodyPr/>
-          <a:lstStyle/>
-          <a:p>
-            <a:endParaRPr lang="it-IT" dirty="0"/>
-          </a:p>
-        </p:txBody>
-      </p:sp>
-      <p:sp>
-        <p:nvSpPr>
-          <p:cNvPr id="4" name="Segnaposto numero diapositiva 3"/>
-          <p:cNvSpPr>
-            <a:spLocks noGrp="1"/>
-          </p:cNvSpPr>
-          <p:nvPr>
-            <p:ph type="sldNum" sz="quarter" idx="5"/>
-          </p:nvPr>
-        </p:nvSpPr>
-        <p:spPr/>
-        <p:txBody>
-          <a:bodyPr/>
-          <a:lstStyle/>
-          <a:p>
-            <a:fld id="{4C1F9E36-1FE2-5648-8A6D-D903E424B1AF}" type="slidenum">
-              <a:rPr lang="it-IT" smtClean="0"/>
-              <a:t>23</a:t>
-            </a:fld>
-            <a:endParaRPr lang="it-IT" dirty="0"/>
-          </a:p>
-        </p:txBody>
-      </p:sp>
-    </p:spTree>
-    <p:extLst>
-      <p:ext uri="{BB962C8B-B14F-4D97-AF65-F5344CB8AC3E}">
-        <p14:creationId xmlns:p14="http://schemas.microsoft.com/office/powerpoint/2010/main" val="3472760610"/>
-      </p:ext>
-    </p:extLst>
-  </p:cSld>
-  <p:clrMapOvr>
-    <a:masterClrMapping/>
-  </p:clrMapOvr>
-</p:notes>
-</file>
-
-<file path=ppt/notesSlides/notesSlide24.xml><?xml version="1.0" encoding="utf-8"?>
-<p:notes xmlns:a="http://schemas.openxmlformats.org/drawingml/2006/main" xmlns:r="http://schemas.openxmlformats.org/officeDocument/2006/relationships" xmlns:p="http://schemas.openxmlformats.org/presentationml/2006/main">
-  <p:cSld>
-    <p:spTree>
-      <p:nvGrpSpPr>
-        <p:cNvPr id="1" name=""/>
-        <p:cNvGrpSpPr/>
-        <p:nvPr/>
-      </p:nvGrpSpPr>
-      <p:grpSpPr>
-        <a:xfrm>
-          <a:off x="0" y="0"/>
-          <a:ext cx="0" cy="0"/>
-          <a:chOff x="0" y="0"/>
-          <a:chExt cx="0" cy="0"/>
-        </a:xfrm>
-      </p:grpSpPr>
-      <p:sp>
-        <p:nvSpPr>
-          <p:cNvPr id="2" name="Segnaposto immagine diapositiva 1"/>
-          <p:cNvSpPr>
-            <a:spLocks noGrp="1" noRot="1" noChangeAspect="1"/>
-          </p:cNvSpPr>
-          <p:nvPr>
-            <p:ph type="sldImg"/>
-          </p:nvPr>
-        </p:nvSpPr>
-        <p:spPr/>
-      </p:sp>
-      <p:sp>
-        <p:nvSpPr>
-          <p:cNvPr id="3" name="Segnaposto note 2"/>
-          <p:cNvSpPr>
-            <a:spLocks noGrp="1"/>
-          </p:cNvSpPr>
-          <p:nvPr>
-            <p:ph type="body" idx="1"/>
-          </p:nvPr>
-        </p:nvSpPr>
-        <p:spPr/>
-        <p:txBody>
-          <a:bodyPr/>
-          <a:lstStyle/>
-          <a:p>
-            <a:endParaRPr lang="it-IT" dirty="0"/>
-          </a:p>
-        </p:txBody>
-      </p:sp>
-      <p:sp>
-        <p:nvSpPr>
-          <p:cNvPr id="4" name="Segnaposto numero diapositiva 3"/>
-          <p:cNvSpPr>
-            <a:spLocks noGrp="1"/>
-          </p:cNvSpPr>
-          <p:nvPr>
-            <p:ph type="sldNum" sz="quarter" idx="5"/>
-          </p:nvPr>
-        </p:nvSpPr>
-        <p:spPr/>
-        <p:txBody>
-          <a:bodyPr/>
-          <a:lstStyle/>
-          <a:p>
-            <a:fld id="{4C1F9E36-1FE2-5648-8A6D-D903E424B1AF}" type="slidenum">
-              <a:rPr lang="it-IT" smtClean="0"/>
-              <a:t>24</a:t>
-            </a:fld>
-            <a:endParaRPr lang="it-IT" dirty="0"/>
-          </a:p>
-        </p:txBody>
-      </p:sp>
-    </p:spTree>
-    <p:extLst>
-      <p:ext uri="{BB962C8B-B14F-4D97-AF65-F5344CB8AC3E}">
-        <p14:creationId xmlns:p14="http://schemas.microsoft.com/office/powerpoint/2010/main" val="3265085799"/>
-      </p:ext>
-    </p:extLst>
-  </p:cSld>
-  <p:clrMapOvr>
-    <a:masterClrMapping/>
-  </p:clrMapOvr>
-</p:notes>
-</file>
-
-<file path=ppt/notesSlides/notesSlide25.xml><?xml version="1.0" encoding="utf-8"?>
-<p:notes xmlns:a="http://schemas.openxmlformats.org/drawingml/2006/main" xmlns:r="http://schemas.openxmlformats.org/officeDocument/2006/relationships" xmlns:p="http://schemas.openxmlformats.org/presentationml/2006/main">
-  <p:cSld>
-    <p:spTree>
-      <p:nvGrpSpPr>
-        <p:cNvPr id="1" name=""/>
-        <p:cNvGrpSpPr/>
-        <p:nvPr/>
-      </p:nvGrpSpPr>
-      <p:grpSpPr>
-        <a:xfrm>
-          <a:off x="0" y="0"/>
-          <a:ext cx="0" cy="0"/>
-          <a:chOff x="0" y="0"/>
-          <a:chExt cx="0" cy="0"/>
-        </a:xfrm>
-      </p:grpSpPr>
-      <p:sp>
-        <p:nvSpPr>
-          <p:cNvPr id="2" name="Segnaposto immagine diapositiva 1"/>
-          <p:cNvSpPr>
-            <a:spLocks noGrp="1" noRot="1" noChangeAspect="1"/>
-          </p:cNvSpPr>
-          <p:nvPr>
-            <p:ph type="sldImg"/>
-          </p:nvPr>
-        </p:nvSpPr>
-        <p:spPr/>
-      </p:sp>
-      <p:sp>
-        <p:nvSpPr>
-          <p:cNvPr id="3" name="Segnaposto note 2"/>
-          <p:cNvSpPr>
-            <a:spLocks noGrp="1"/>
-          </p:cNvSpPr>
-          <p:nvPr>
-            <p:ph type="body" idx="1"/>
-          </p:nvPr>
-        </p:nvSpPr>
-        <p:spPr/>
-        <p:txBody>
-          <a:bodyPr/>
-          <a:lstStyle/>
-          <a:p>
-            <a:endParaRPr lang="it-IT" dirty="0"/>
-          </a:p>
-        </p:txBody>
-      </p:sp>
-      <p:sp>
-        <p:nvSpPr>
-          <p:cNvPr id="4" name="Segnaposto numero diapositiva 3"/>
-          <p:cNvSpPr>
-            <a:spLocks noGrp="1"/>
-          </p:cNvSpPr>
-          <p:nvPr>
-            <p:ph type="sldNum" sz="quarter" idx="5"/>
-          </p:nvPr>
-        </p:nvSpPr>
-        <p:spPr/>
-        <p:txBody>
-          <a:bodyPr/>
-          <a:lstStyle/>
-          <a:p>
-            <a:fld id="{4C1F9E36-1FE2-5648-8A6D-D903E424B1AF}" type="slidenum">
-              <a:rPr lang="it-IT" smtClean="0"/>
-              <a:t>25</a:t>
-            </a:fld>
-            <a:endParaRPr lang="it-IT" dirty="0"/>
-          </a:p>
-        </p:txBody>
-      </p:sp>
-    </p:spTree>
-    <p:extLst>
-      <p:ext uri="{BB962C8B-B14F-4D97-AF65-F5344CB8AC3E}">
-        <p14:creationId xmlns:p14="http://schemas.microsoft.com/office/powerpoint/2010/main" val="3829759184"/>
-      </p:ext>
-    </p:extLst>
-  </p:cSld>
-  <p:clrMapOvr>
-    <a:masterClrMapping/>
-  </p:clrMapOvr>
-</p:notes>
-</file>
-
-<file path=ppt/notesSlides/notesSlide26.xml><?xml version="1.0" encoding="utf-8"?>
-<p:notes xmlns:a="http://schemas.openxmlformats.org/drawingml/2006/main" xmlns:r="http://schemas.openxmlformats.org/officeDocument/2006/relationships" xmlns:p="http://schemas.openxmlformats.org/presentationml/2006/main">
-  <p:cSld>
-    <p:spTree>
-      <p:nvGrpSpPr>
-        <p:cNvPr id="1" name=""/>
-        <p:cNvGrpSpPr/>
-        <p:nvPr/>
-      </p:nvGrpSpPr>
-      <p:grpSpPr>
-        <a:xfrm>
-          <a:off x="0" y="0"/>
-          <a:ext cx="0" cy="0"/>
-          <a:chOff x="0" y="0"/>
-          <a:chExt cx="0" cy="0"/>
-        </a:xfrm>
-      </p:grpSpPr>
-      <p:sp>
-        <p:nvSpPr>
-          <p:cNvPr id="2" name="Segnaposto immagine diapositiva 1"/>
-          <p:cNvSpPr>
-            <a:spLocks noGrp="1" noRot="1" noChangeAspect="1"/>
-          </p:cNvSpPr>
-          <p:nvPr>
-            <p:ph type="sldImg"/>
-          </p:nvPr>
-        </p:nvSpPr>
-        <p:spPr/>
-      </p:sp>
-      <p:sp>
-        <p:nvSpPr>
-          <p:cNvPr id="3" name="Segnaposto note 2"/>
-          <p:cNvSpPr>
-            <a:spLocks noGrp="1"/>
-          </p:cNvSpPr>
-          <p:nvPr>
-            <p:ph type="body" idx="1"/>
-          </p:nvPr>
-        </p:nvSpPr>
-        <p:spPr/>
-        <p:txBody>
-          <a:bodyPr/>
-          <a:lstStyle/>
-          <a:p>
-            <a:endParaRPr lang="it-IT" dirty="0"/>
-          </a:p>
-        </p:txBody>
-      </p:sp>
-      <p:sp>
-        <p:nvSpPr>
-          <p:cNvPr id="4" name="Segnaposto numero diapositiva 3"/>
-          <p:cNvSpPr>
-            <a:spLocks noGrp="1"/>
-          </p:cNvSpPr>
-          <p:nvPr>
-            <p:ph type="sldNum" sz="quarter" idx="5"/>
-          </p:nvPr>
-        </p:nvSpPr>
-        <p:spPr/>
-        <p:txBody>
-          <a:bodyPr/>
-          <a:lstStyle/>
-          <a:p>
-            <a:fld id="{4C1F9E36-1FE2-5648-8A6D-D903E424B1AF}" type="slidenum">
-              <a:rPr lang="it-IT" smtClean="0"/>
-              <a:t>30</a:t>
-            </a:fld>
-            <a:endParaRPr lang="it-IT" dirty="0"/>
-          </a:p>
-        </p:txBody>
-      </p:sp>
-    </p:spTree>
-    <p:extLst>
-      <p:ext uri="{BB962C8B-B14F-4D97-AF65-F5344CB8AC3E}">
-        <p14:creationId xmlns:p14="http://schemas.microsoft.com/office/powerpoint/2010/main" val="1312652474"/>
+        <p14:creationId xmlns:p14="http://schemas.microsoft.com/office/powerpoint/2010/main" val="2152357706"/>
       </p:ext>
     </p:extLst>
   </p:cSld>
@@ -2169,7 +1740,7 @@
     </p:spTree>
     <p:extLst>
       <p:ext uri="{BB962C8B-B14F-4D97-AF65-F5344CB8AC3E}">
-        <p14:creationId xmlns:p14="http://schemas.microsoft.com/office/powerpoint/2010/main" val="2152357706"/>
+        <p14:creationId xmlns:p14="http://schemas.microsoft.com/office/powerpoint/2010/main" val="525104671"/>
       </p:ext>
     </p:extLst>
   </p:cSld>
@@ -2253,7 +1824,7 @@
     </p:spTree>
     <p:extLst>
       <p:ext uri="{BB962C8B-B14F-4D97-AF65-F5344CB8AC3E}">
-        <p14:creationId xmlns:p14="http://schemas.microsoft.com/office/powerpoint/2010/main" val="525104671"/>
+        <p14:creationId xmlns:p14="http://schemas.microsoft.com/office/powerpoint/2010/main" val="3455623686"/>
       </p:ext>
     </p:extLst>
   </p:cSld>
@@ -2337,7 +1908,7 @@
     </p:spTree>
     <p:extLst>
       <p:ext uri="{BB962C8B-B14F-4D97-AF65-F5344CB8AC3E}">
-        <p14:creationId xmlns:p14="http://schemas.microsoft.com/office/powerpoint/2010/main" val="4196550080"/>
+        <p14:creationId xmlns:p14="http://schemas.microsoft.com/office/powerpoint/2010/main" val="3953867288"/>
       </p:ext>
     </p:extLst>
   </p:cSld>
@@ -2421,7 +1992,7 @@
     </p:spTree>
     <p:extLst>
       <p:ext uri="{BB962C8B-B14F-4D97-AF65-F5344CB8AC3E}">
-        <p14:creationId xmlns:p14="http://schemas.microsoft.com/office/powerpoint/2010/main" val="3455623686"/>
+        <p14:creationId xmlns:p14="http://schemas.microsoft.com/office/powerpoint/2010/main" val="795852460"/>
       </p:ext>
     </p:extLst>
   </p:cSld>
@@ -2505,7 +2076,7 @@
     </p:spTree>
     <p:extLst>
       <p:ext uri="{BB962C8B-B14F-4D97-AF65-F5344CB8AC3E}">
-        <p14:creationId xmlns:p14="http://schemas.microsoft.com/office/powerpoint/2010/main" val="1166679850"/>
+        <p14:creationId xmlns:p14="http://schemas.microsoft.com/office/powerpoint/2010/main" val="1379262800"/>
       </p:ext>
     </p:extLst>
   </p:cSld>
@@ -2589,7 +2160,7 @@
     </p:spTree>
     <p:extLst>
       <p:ext uri="{BB962C8B-B14F-4D97-AF65-F5344CB8AC3E}">
-        <p14:creationId xmlns:p14="http://schemas.microsoft.com/office/powerpoint/2010/main" val="3953867288"/>
+        <p14:creationId xmlns:p14="http://schemas.microsoft.com/office/powerpoint/2010/main" val="2954105688"/>
       </p:ext>
     </p:extLst>
   </p:cSld>
@@ -2673,7 +2244,7 @@
     </p:spTree>
     <p:extLst>
       <p:ext uri="{BB962C8B-B14F-4D97-AF65-F5344CB8AC3E}">
-        <p14:creationId xmlns:p14="http://schemas.microsoft.com/office/powerpoint/2010/main" val="795852460"/>
+        <p14:creationId xmlns:p14="http://schemas.microsoft.com/office/powerpoint/2010/main" val="3707488486"/>
       </p:ext>
     </p:extLst>
   </p:cSld>
@@ -2830,7 +2401,7 @@
           <a:p>
             <a:fld id="{FECD8529-05FA-4643-B720-2EA2E48117F4}" type="datetime1">
               <a:rPr lang="it-IT" smtClean="0"/>
-              <a:t>24/06/2023</a:t>
+              <a:t>27/06/2023</a:t>
             </a:fld>
             <a:endParaRPr lang="it-IT" dirty="0"/>
           </a:p>
@@ -3040,7 +2611,7 @@
           <a:p>
             <a:fld id="{63EFCFB1-60F0-5744-8F82-405AFE408E7C}" type="datetime1">
               <a:rPr lang="it-IT" smtClean="0"/>
-              <a:t>24/06/2023</a:t>
+              <a:t>27/06/2023</a:t>
             </a:fld>
             <a:endParaRPr lang="it-IT" dirty="0"/>
           </a:p>
@@ -3260,7 +2831,7 @@
           <a:p>
             <a:fld id="{D594D1BC-4595-374D-9A6C-D62313477D45}" type="datetime1">
               <a:rPr lang="it-IT" smtClean="0"/>
-              <a:t>24/06/2023</a:t>
+              <a:t>27/06/2023</a:t>
             </a:fld>
             <a:endParaRPr lang="it-IT" dirty="0"/>
           </a:p>
@@ -3470,7 +3041,7 @@
           <a:p>
             <a:fld id="{2A3556A1-1290-7E41-9698-BDF32A4643C7}" type="datetime1">
               <a:rPr lang="it-IT" smtClean="0"/>
-              <a:t>24/06/2023</a:t>
+              <a:t>27/06/2023</a:t>
             </a:fld>
             <a:endParaRPr lang="it-IT" dirty="0"/>
           </a:p>
@@ -3757,7 +3328,7 @@
           <a:p>
             <a:fld id="{453D6EF6-EAEF-8441-A1C8-FA5BA58DF336}" type="datetime1">
               <a:rPr lang="it-IT" smtClean="0"/>
-              <a:t>24/06/2023</a:t>
+              <a:t>27/06/2023</a:t>
             </a:fld>
             <a:endParaRPr lang="it-IT" dirty="0"/>
           </a:p>
@@ -4034,7 +3605,7 @@
           <a:p>
             <a:fld id="{67B081B3-A9A3-824B-9262-F74A31FB76DC}" type="datetime1">
               <a:rPr lang="it-IT" smtClean="0"/>
-              <a:t>24/06/2023</a:t>
+              <a:t>27/06/2023</a:t>
             </a:fld>
             <a:endParaRPr lang="it-IT" dirty="0"/>
           </a:p>
@@ -4458,7 +4029,7 @@
           <a:p>
             <a:fld id="{6C96453B-2FA4-E342-8E1A-84A1A9B3F75F}" type="datetime1">
               <a:rPr lang="it-IT" smtClean="0"/>
-              <a:t>24/06/2023</a:t>
+              <a:t>27/06/2023</a:t>
             </a:fld>
             <a:endParaRPr lang="it-IT" dirty="0"/>
           </a:p>
@@ -4611,7 +4182,7 @@
           <a:p>
             <a:fld id="{1E4DD496-A03C-3C45-92F3-E74BF400C225}" type="datetime1">
               <a:rPr lang="it-IT" smtClean="0"/>
-              <a:t>24/06/2023</a:t>
+              <a:t>27/06/2023</a:t>
             </a:fld>
             <a:endParaRPr lang="it-IT" dirty="0"/>
           </a:p>
@@ -4736,7 +4307,7 @@
           <a:p>
             <a:fld id="{BDEC223D-F6F9-4F4D-87AE-7A5837ED6E77}" type="datetime1">
               <a:rPr lang="it-IT" smtClean="0"/>
-              <a:t>24/06/2023</a:t>
+              <a:t>27/06/2023</a:t>
             </a:fld>
             <a:endParaRPr lang="it-IT" dirty="0"/>
           </a:p>
@@ -5059,7 +4630,7 @@
           <a:p>
             <a:fld id="{EBF8F1EF-51D2-B64E-B375-F598E0F15E07}" type="datetime1">
               <a:rPr lang="it-IT" smtClean="0"/>
-              <a:t>24/06/2023</a:t>
+              <a:t>27/06/2023</a:t>
             </a:fld>
             <a:endParaRPr lang="it-IT" dirty="0"/>
           </a:p>
@@ -5359,7 +4930,7 @@
           <a:p>
             <a:fld id="{DE207030-58F3-FC44-91BB-2B4E4798FE1E}" type="datetime1">
               <a:rPr lang="it-IT" smtClean="0"/>
-              <a:t>24/06/2023</a:t>
+              <a:t>27/06/2023</a:t>
             </a:fld>
             <a:endParaRPr lang="it-IT" dirty="0"/>
           </a:p>
@@ -5612,7 +5183,7 @@
           <a:p>
             <a:fld id="{DA6E310D-410C-F94A-9E6B-1D0924BCDA6B}" type="datetime1">
               <a:rPr lang="it-IT" smtClean="0"/>
-              <a:t>24/06/2023</a:t>
+              <a:t>27/06/2023</a:t>
             </a:fld>
             <a:endParaRPr lang="it-IT" dirty="0"/>
           </a:p>
@@ -6445,82 +6016,223 @@
       </p:grpSpPr>
       <p:sp>
         <p:nvSpPr>
-          <p:cNvPr id="4" name="Titolo 1">
-            <a:extLst>
-              <a:ext uri="{FF2B5EF4-FFF2-40B4-BE49-F238E27FC236}">
-                <a16:creationId xmlns:a16="http://schemas.microsoft.com/office/drawing/2014/main" id="{A3224411-147C-D930-C92D-559CCA95B0C1}"/>
-              </a:ext>
-            </a:extLst>
-          </p:cNvPr>
-          <p:cNvSpPr txBox="1">
-            <a:spLocks/>
-          </p:cNvSpPr>
+          <p:cNvPr id="2" name="Titolo 1">
+            <a:extLst>
+              <a:ext uri="{FF2B5EF4-FFF2-40B4-BE49-F238E27FC236}">
+                <a16:creationId xmlns:a16="http://schemas.microsoft.com/office/drawing/2014/main" id="{C52A84B7-7A0C-AF76-CB3E-CAC0F7B18247}"/>
+              </a:ext>
+            </a:extLst>
+          </p:cNvPr>
+          <p:cNvSpPr>
+            <a:spLocks noGrp="1"/>
+          </p:cNvSpPr>
+          <p:nvPr>
+            <p:ph type="title"/>
+          </p:nvPr>
+        </p:nvSpPr>
+        <p:spPr/>
+        <p:txBody>
+          <a:bodyPr/>
+          <a:lstStyle/>
+          <a:p>
+            <a:pPr algn="ctr"/>
+            <a:r>
+              <a:rPr lang="it-IT" dirty="0">
+                <a:latin typeface="Century Gothic" panose="020B0502020202020204" pitchFamily="34" charset="0"/>
+              </a:rPr>
+              <a:t>Le classi </a:t>
+            </a:r>
+            <a:r>
+              <a:rPr lang="it-IT" dirty="0">
+                <a:latin typeface="Consolas" panose="020B0609020204030204" pitchFamily="49" charset="0"/>
+              </a:rPr>
+              <a:t>@Entity</a:t>
+            </a:r>
+          </a:p>
+        </p:txBody>
+      </p:sp>
+      <p:sp>
+        <p:nvSpPr>
+          <p:cNvPr id="10" name="Segnaposto numero diapositiva 9">
+            <a:extLst>
+              <a:ext uri="{FF2B5EF4-FFF2-40B4-BE49-F238E27FC236}">
+                <a16:creationId xmlns:a16="http://schemas.microsoft.com/office/drawing/2014/main" id="{063A5202-1C0C-814D-E781-009F8BC52CFC}"/>
+              </a:ext>
+            </a:extLst>
+          </p:cNvPr>
+          <p:cNvSpPr>
+            <a:spLocks noGrp="1"/>
+          </p:cNvSpPr>
+          <p:nvPr>
+            <p:ph type="sldNum" sz="quarter" idx="12"/>
+          </p:nvPr>
+        </p:nvSpPr>
+        <p:spPr/>
+        <p:txBody>
+          <a:bodyPr/>
+          <a:lstStyle/>
+          <a:p>
+            <a:fld id="{3F24ED9F-0AD1-BB4C-9842-01F95E80AFCD}" type="slidenum">
+              <a:rPr lang="it-IT" smtClean="0"/>
+              <a:t>10</a:t>
+            </a:fld>
+            <a:endParaRPr lang="it-IT" dirty="0"/>
+          </a:p>
+        </p:txBody>
+      </p:sp>
+      <p:sp>
+        <p:nvSpPr>
+          <p:cNvPr id="12" name="Rettangolo 11">
+            <a:extLst>
+              <a:ext uri="{FF2B5EF4-FFF2-40B4-BE49-F238E27FC236}">
+                <a16:creationId xmlns:a16="http://schemas.microsoft.com/office/drawing/2014/main" id="{16114131-5C77-D323-91F2-4E977519BCC3}"/>
+              </a:ext>
+            </a:extLst>
+          </p:cNvPr>
+          <p:cNvSpPr/>
           <p:nvPr/>
         </p:nvSpPr>
         <p:spPr>
-          <a:xfrm>
-            <a:off x="1524000" y="2914990"/>
-            <a:ext cx="9144000" cy="1028020"/>
+          <a:xfrm rot="5400000" flipH="1">
+            <a:off x="6073140" y="-3836435"/>
+            <a:ext cx="45719" cy="10515602"/>
           </a:xfrm>
           <a:prstGeom prst="rect">
             <a:avLst/>
           </a:prstGeom>
           <a:solidFill>
-            <a:srgbClr val="92D050"/>
+            <a:srgbClr val="0080E0"/>
           </a:solidFill>
+          <a:ln>
+            <a:noFill/>
+          </a:ln>
         </p:spPr>
-        <p:txBody>
-          <a:bodyPr vert="horz" lIns="91440" tIns="45720" rIns="91440" bIns="45720" rtlCol="0" anchor="ctr">
-            <a:normAutofit/>
-          </a:bodyPr>
-          <a:lstStyle>
-            <a:lvl1pPr algn="ctr" defTabSz="914400" rtl="0" eaLnBrk="1" latinLnBrk="0" hangingPunct="1">
-              <a:lnSpc>
-                <a:spcPct val="90000"/>
-              </a:lnSpc>
-              <a:spcBef>
-                <a:spcPct val="0"/>
-              </a:spcBef>
-              <a:buNone/>
-              <a:defRPr sz="6000" kern="1200">
-                <a:solidFill>
-                  <a:schemeClr val="tx1"/>
-                </a:solidFill>
+        <p:style>
+          <a:lnRef idx="2">
+            <a:schemeClr val="accent1">
+              <a:shade val="50000"/>
+            </a:schemeClr>
+          </a:lnRef>
+          <a:fillRef idx="1">
+            <a:schemeClr val="accent1"/>
+          </a:fillRef>
+          <a:effectRef idx="0">
+            <a:schemeClr val="accent1"/>
+          </a:effectRef>
+          <a:fontRef idx="minor">
+            <a:schemeClr val="lt1"/>
+          </a:fontRef>
+        </p:style>
+        <p:txBody>
+          <a:bodyPr rtlCol="0" anchor="ctr"/>
+          <a:lstStyle/>
+          <a:p>
+            <a:pPr algn="ctr"/>
+            <a:endParaRPr lang="it-IT" dirty="0"/>
+          </a:p>
+        </p:txBody>
+      </p:sp>
+      <p:sp>
+        <p:nvSpPr>
+          <p:cNvPr id="8" name="Rettangolo 7">
+            <a:extLst>
+              <a:ext uri="{FF2B5EF4-FFF2-40B4-BE49-F238E27FC236}">
+                <a16:creationId xmlns:a16="http://schemas.microsoft.com/office/drawing/2014/main" id="{5E58F222-329C-C851-CF7F-26BD0E84C622}"/>
+              </a:ext>
+            </a:extLst>
+          </p:cNvPr>
+          <p:cNvSpPr/>
+          <p:nvPr/>
+        </p:nvSpPr>
+        <p:spPr>
+          <a:xfrm>
+            <a:off x="756514" y="3181010"/>
+            <a:ext cx="5000834" cy="1475321"/>
+          </a:xfrm>
+          <a:prstGeom prst="rect">
+            <a:avLst/>
+          </a:prstGeom>
+          <a:ln>
+            <a:noFill/>
+          </a:ln>
+        </p:spPr>
+        <p:style>
+          <a:lnRef idx="2">
+            <a:schemeClr val="accent6"/>
+          </a:lnRef>
+          <a:fillRef idx="1">
+            <a:schemeClr val="lt1"/>
+          </a:fillRef>
+          <a:effectRef idx="0">
+            <a:schemeClr val="accent6"/>
+          </a:effectRef>
+          <a:fontRef idx="minor">
+            <a:schemeClr val="dk1"/>
+          </a:fontRef>
+        </p:style>
+        <p:txBody>
+          <a:bodyPr rtlCol="0" anchor="t"/>
+          <a:lstStyle/>
+          <a:p>
+            <a:pPr algn="l"/>
+            <a:r>
+              <a:rPr lang="it-IT" sz="1800" b="0" i="0" u="none" strike="noStrike" baseline="0" dirty="0">
                 <a:latin typeface="+mj-lt"/>
-                <a:ea typeface="+mj-ea"/>
-                <a:cs typeface="+mj-cs"/>
-              </a:defRPr>
-            </a:lvl1pPr>
-          </a:lstStyle>
-          <a:p>
-            <a:r>
-              <a:rPr lang="it-IT" dirty="0">
-                <a:ln>
-                  <a:solidFill>
-                    <a:schemeClr val="bg1"/>
-                  </a:solidFill>
-                </a:ln>
-                <a:solidFill>
-                  <a:schemeClr val="bg1"/>
-                </a:solidFill>
-                <a:effectLst>
-                  <a:outerShdw blurRad="50800" dist="38100" dir="5400000" algn="t" rotWithShape="0">
-                    <a:prstClr val="black">
-                      <a:alpha val="40000"/>
-                    </a:prstClr>
-                  </a:outerShdw>
-                </a:effectLst>
+              </a:rPr>
+              <a:t>Una classe annotata come </a:t>
+            </a:r>
+            <a:r>
+              <a:rPr lang="it-IT" sz="1800" b="0" i="0" u="none" strike="noStrike" baseline="0" dirty="0">
                 <a:latin typeface="Consolas" panose="020B0609020204030204" pitchFamily="49" charset="0"/>
               </a:rPr>
-              <a:t>DATABASE</a:t>
-            </a:r>
-          </a:p>
-        </p:txBody>
-      </p:sp>
+              <a:t>@Entity </a:t>
+            </a:r>
+            <a:r>
+              <a:rPr lang="it-IT" sz="1800" b="0" i="0" u="none" strike="noStrike" baseline="0" dirty="0">
+                <a:latin typeface="+mj-lt"/>
+              </a:rPr>
+              <a:t>indica che questa servirà per la creazione di una tabella all’interno del Database, utilizzando come campi gli attributi della classe.</a:t>
+            </a:r>
+            <a:endParaRPr lang="it-IT" dirty="0">
+              <a:latin typeface="+mj-lt"/>
+            </a:endParaRPr>
+          </a:p>
+        </p:txBody>
+      </p:sp>
+      <p:pic>
+        <p:nvPicPr>
+          <p:cNvPr id="5" name="Immagine 4">
+            <a:extLst>
+              <a:ext uri="{FF2B5EF4-FFF2-40B4-BE49-F238E27FC236}">
+                <a16:creationId xmlns:a16="http://schemas.microsoft.com/office/drawing/2014/main" id="{31E9ECE9-BF68-3E8E-2944-F11F11D7D76A}"/>
+              </a:ext>
+            </a:extLst>
+          </p:cNvPr>
+          <p:cNvPicPr>
+            <a:picLocks noChangeAspect="1"/>
+          </p:cNvPicPr>
+          <p:nvPr/>
+        </p:nvPicPr>
+        <p:blipFill>
+          <a:blip r:embed="rId3"/>
+          <a:stretch>
+            <a:fillRect/>
+          </a:stretch>
+        </p:blipFill>
+        <p:spPr>
+          <a:xfrm>
+            <a:off x="5757348" y="1643018"/>
+            <a:ext cx="5675847" cy="4551303"/>
+          </a:xfrm>
+          <a:prstGeom prst="rect">
+            <a:avLst/>
+          </a:prstGeom>
+        </p:spPr>
+      </p:pic>
     </p:spTree>
     <p:extLst>
       <p:ext uri="{BB962C8B-B14F-4D97-AF65-F5344CB8AC3E}">
-        <p14:creationId xmlns:p14="http://schemas.microsoft.com/office/powerpoint/2010/main" val="207365344"/>
+        <p14:creationId xmlns:p14="http://schemas.microsoft.com/office/powerpoint/2010/main" val="526267268"/>
       </p:ext>
     </p:extLst>
   </p:cSld>
@@ -6564,7 +6276,7 @@
           <p:cNvPr id="2" name="Titolo 1">
             <a:extLst>
               <a:ext uri="{FF2B5EF4-FFF2-40B4-BE49-F238E27FC236}">
-                <a16:creationId xmlns:a16="http://schemas.microsoft.com/office/drawing/2014/main" id="{17399A1C-8FCE-F6C0-588E-EDC67B55EE12}"/>
+                <a16:creationId xmlns:a16="http://schemas.microsoft.com/office/drawing/2014/main" id="{C52A84B7-7A0C-AF76-CB3E-CAC0F7B18247}"/>
               </a:ext>
             </a:extLst>
           </p:cNvPr>
@@ -6582,18 +6294,26 @@
           <a:p>
             <a:pPr algn="ctr"/>
             <a:r>
-              <a:rPr lang="it-IT" dirty="0"/>
-              <a:t>Struttura del Database PostgreSQL</a:t>
-            </a:r>
-          </a:p>
-        </p:txBody>
-      </p:sp>
-      <p:sp>
-        <p:nvSpPr>
-          <p:cNvPr id="8" name="Segnaposto numero diapositiva 7">
-            <a:extLst>
-              <a:ext uri="{FF2B5EF4-FFF2-40B4-BE49-F238E27FC236}">
-                <a16:creationId xmlns:a16="http://schemas.microsoft.com/office/drawing/2014/main" id="{70136F1F-0F2E-A8D7-878A-1186A6BC8CA4}"/>
+              <a:rPr lang="it-IT" dirty="0">
+                <a:latin typeface="Century Gothic" panose="020B0502020202020204" pitchFamily="34" charset="0"/>
+              </a:rPr>
+              <a:t>La classe </a:t>
+            </a:r>
+            <a:r>
+              <a:rPr lang="it-IT" dirty="0">
+                <a:latin typeface="Consolas" panose="020B0609020204030204" pitchFamily="49" charset="0"/>
+              </a:rPr>
+              <a:t>JoinController.java</a:t>
+            </a:r>
+          </a:p>
+        </p:txBody>
+      </p:sp>
+      <p:sp>
+        <p:nvSpPr>
+          <p:cNvPr id="10" name="Segnaposto numero diapositiva 9">
+            <a:extLst>
+              <a:ext uri="{FF2B5EF4-FFF2-40B4-BE49-F238E27FC236}">
+                <a16:creationId xmlns:a16="http://schemas.microsoft.com/office/drawing/2014/main" id="{063A5202-1C0C-814D-E781-009F8BC52CFC}"/>
               </a:ext>
             </a:extLst>
           </p:cNvPr>
@@ -6617,186 +6337,12 @@
           </a:p>
         </p:txBody>
       </p:sp>
-      <p:sp>
-        <p:nvSpPr>
-          <p:cNvPr id="9" name="Rettangolo 8">
-            <a:extLst>
-              <a:ext uri="{FF2B5EF4-FFF2-40B4-BE49-F238E27FC236}">
-                <a16:creationId xmlns:a16="http://schemas.microsoft.com/office/drawing/2014/main" id="{56EF002A-1A82-5F25-F576-39A37581DB3D}"/>
-              </a:ext>
-            </a:extLst>
-          </p:cNvPr>
-          <p:cNvSpPr/>
-          <p:nvPr/>
-        </p:nvSpPr>
-        <p:spPr>
-          <a:xfrm rot="5400000" flipH="1">
-            <a:off x="6073142" y="-3836436"/>
-            <a:ext cx="45719" cy="10515602"/>
-          </a:xfrm>
-          <a:prstGeom prst="rect">
-            <a:avLst/>
-          </a:prstGeom>
-          <a:solidFill>
-            <a:srgbClr val="92D050"/>
-          </a:solidFill>
-        </p:spPr>
-        <p:txBody>
-          <a:bodyPr vert="horz" lIns="91440" tIns="45720" rIns="91440" bIns="45720" rtlCol="0" anchor="ctr">
-            <a:normAutofit/>
-          </a:bodyPr>
-          <a:lstStyle/>
-          <a:p>
-            <a:pPr algn="ctr">
-              <a:lnSpc>
-                <a:spcPct val="90000"/>
-              </a:lnSpc>
-              <a:spcBef>
-                <a:spcPct val="0"/>
-              </a:spcBef>
-            </a:pPr>
-            <a:endParaRPr lang="it-IT" sz="6000" dirty="0">
-              <a:ln>
-                <a:solidFill>
-                  <a:schemeClr val="bg1"/>
-                </a:solidFill>
-              </a:ln>
-              <a:solidFill>
-                <a:schemeClr val="bg1"/>
-              </a:solidFill>
-              <a:effectLst>
-                <a:outerShdw blurRad="50800" dist="38100" dir="5400000" algn="t" rotWithShape="0">
-                  <a:prstClr val="black">
-                    <a:alpha val="40000"/>
-                  </a:prstClr>
-                </a:outerShdw>
-              </a:effectLst>
-              <a:latin typeface="Consolas" panose="020B0609020204030204" pitchFamily="49" charset="0"/>
-              <a:ea typeface="+mj-ea"/>
-              <a:cs typeface="+mj-cs"/>
-            </a:endParaRPr>
-          </a:p>
-        </p:txBody>
-      </p:sp>
-      <p:sp>
-        <p:nvSpPr>
-          <p:cNvPr id="3" name="CasellaDiTesto 2">
-            <a:extLst>
-              <a:ext uri="{FF2B5EF4-FFF2-40B4-BE49-F238E27FC236}">
-                <a16:creationId xmlns:a16="http://schemas.microsoft.com/office/drawing/2014/main" id="{CABA7291-60D2-8589-C67F-84F7613B7C75}"/>
-              </a:ext>
-            </a:extLst>
-          </p:cNvPr>
-          <p:cNvSpPr txBox="1"/>
-          <p:nvPr/>
-        </p:nvSpPr>
-        <p:spPr>
-          <a:xfrm>
-            <a:off x="838200" y="2515303"/>
-            <a:ext cx="6024719" cy="2585323"/>
-          </a:xfrm>
-          <a:prstGeom prst="rect">
-            <a:avLst/>
-          </a:prstGeom>
-          <a:noFill/>
-        </p:spPr>
-        <p:txBody>
-          <a:bodyPr wrap="square" rtlCol="0">
-            <a:spAutoFit/>
-          </a:bodyPr>
-          <a:lstStyle/>
-          <a:p>
-            <a:pPr algn="just"/>
-            <a:r>
-              <a:rPr lang="it-IT" dirty="0">
-                <a:latin typeface="Century Gothic" panose="020B0502020202020204" pitchFamily="34" charset="0"/>
-              </a:rPr>
-              <a:t>Contiene due tabelle:</a:t>
-            </a:r>
-          </a:p>
-          <a:p>
-            <a:pPr marL="285750" indent="-285750" algn="just">
-              <a:buFont typeface="Arial" panose="020B0604020202020204" pitchFamily="34" charset="0"/>
-              <a:buChar char="•"/>
-            </a:pPr>
-            <a:r>
-              <a:rPr lang="it-IT" dirty="0">
-                <a:latin typeface="Consolas" panose="020B0609020204030204" pitchFamily="49" charset="0"/>
-              </a:rPr>
-              <a:t>users</a:t>
-            </a:r>
-          </a:p>
-          <a:p>
-            <a:pPr algn="just"/>
-            <a:r>
-              <a:rPr lang="it-IT" dirty="0">
-                <a:latin typeface="Century Gothic" panose="020B0502020202020204" pitchFamily="34" charset="0"/>
-              </a:rPr>
-              <a:t>    Contiene le informazioni di tutti gli utenti abilitati </a:t>
-            </a:r>
-          </a:p>
-          <a:p>
-            <a:pPr algn="just"/>
-            <a:r>
-              <a:rPr lang="it-IT" dirty="0">
-                <a:latin typeface="Century Gothic" panose="020B0502020202020204" pitchFamily="34" charset="0"/>
-              </a:rPr>
-              <a:t>    ad accedere ad un determinato servizio.</a:t>
-            </a:r>
-          </a:p>
-          <a:p>
-            <a:pPr algn="just"/>
-            <a:endParaRPr lang="it-IT" dirty="0">
-              <a:latin typeface="Century Gothic" panose="020B0502020202020204" pitchFamily="34" charset="0"/>
-            </a:endParaRPr>
-          </a:p>
-          <a:p>
-            <a:pPr marL="285750" indent="-285750" algn="just">
-              <a:buFont typeface="Arial" panose="020B0604020202020204" pitchFamily="34" charset="0"/>
-              <a:buChar char="•"/>
-            </a:pPr>
-            <a:r>
-              <a:rPr lang="it-IT" dirty="0">
-                <a:latin typeface="Consolas" panose="020B0609020204030204" pitchFamily="49" charset="0"/>
-              </a:rPr>
-              <a:t>email</a:t>
-            </a:r>
-          </a:p>
-          <a:p>
-            <a:pPr algn="just"/>
-            <a:r>
-              <a:rPr lang="it-IT" dirty="0">
-                <a:latin typeface="Century Gothic" panose="020B0502020202020204" pitchFamily="34" charset="0"/>
-              </a:rPr>
-              <a:t>    Contiene gli indirizzi e-mail di tutti gli utenti della </a:t>
-            </a:r>
-          </a:p>
-          <a:p>
-            <a:pPr algn="just"/>
-            <a:r>
-              <a:rPr lang="it-IT" dirty="0">
-                <a:latin typeface="Century Gothic" panose="020B0502020202020204" pitchFamily="34" charset="0"/>
-              </a:rPr>
-              <a:t>    piattaforma, quindi non è garantito che tutti  </a:t>
-            </a:r>
-          </a:p>
-          <a:p>
-            <a:pPr algn="just"/>
-            <a:r>
-              <a:rPr lang="it-IT" dirty="0">
-                <a:latin typeface="Century Gothic" panose="020B0502020202020204" pitchFamily="34" charset="0"/>
-              </a:rPr>
-              <a:t>    avranno accesso a tutti i servizi.</a:t>
-            </a:r>
-          </a:p>
-        </p:txBody>
-      </p:sp>
       <p:pic>
         <p:nvPicPr>
-          <p:cNvPr id="7" name="Immagine 6" descr="Immagine che contiene schermata, testo, Carattere, linea&#10;&#10;Descrizione generata automaticamente">
-            <a:extLst>
-              <a:ext uri="{FF2B5EF4-FFF2-40B4-BE49-F238E27FC236}">
-                <a16:creationId xmlns:a16="http://schemas.microsoft.com/office/drawing/2014/main" id="{06B637D0-0F9D-BACD-F6A3-3FA06BB8EC11}"/>
+          <p:cNvPr id="6" name="Immagine 5">
+            <a:extLst>
+              <a:ext uri="{FF2B5EF4-FFF2-40B4-BE49-F238E27FC236}">
+                <a16:creationId xmlns:a16="http://schemas.microsoft.com/office/drawing/2014/main" id="{8E73092B-63A3-BEB3-9067-788834B8E480}"/>
               </a:ext>
             </a:extLst>
           </p:cNvPr>
@@ -6813,8 +6359,8 @@
         </p:blipFill>
         <p:spPr>
           <a:xfrm>
-            <a:off x="8146652" y="1987064"/>
-            <a:ext cx="2641796" cy="2883872"/>
+            <a:off x="1312057" y="1690688"/>
+            <a:ext cx="9567884" cy="4025184"/>
           </a:xfrm>
           <a:prstGeom prst="rect">
             <a:avLst/>
@@ -6823,45 +6369,60 @@
       </p:pic>
       <p:sp>
         <p:nvSpPr>
-          <p:cNvPr id="10" name="CasellaDiTesto 9">
-            <a:extLst>
-              <a:ext uri="{FF2B5EF4-FFF2-40B4-BE49-F238E27FC236}">
-                <a16:creationId xmlns:a16="http://schemas.microsoft.com/office/drawing/2014/main" id="{63903AAD-D9BB-5B83-740B-12A2C62021CD}"/>
-              </a:ext>
-            </a:extLst>
-          </p:cNvPr>
-          <p:cNvSpPr txBox="1"/>
+          <p:cNvPr id="3" name="Rettangolo 2">
+            <a:extLst>
+              <a:ext uri="{FF2B5EF4-FFF2-40B4-BE49-F238E27FC236}">
+                <a16:creationId xmlns:a16="http://schemas.microsoft.com/office/drawing/2014/main" id="{5644E8E4-7241-610B-F4C9-75DC933F4435}"/>
+              </a:ext>
+            </a:extLst>
+          </p:cNvPr>
+          <p:cNvSpPr/>
           <p:nvPr/>
         </p:nvSpPr>
         <p:spPr>
-          <a:xfrm>
-            <a:off x="7581297" y="5076423"/>
-            <a:ext cx="3772506" cy="307777"/>
+          <a:xfrm rot="5400000" flipH="1">
+            <a:off x="6073140" y="-3836435"/>
+            <a:ext cx="45719" cy="10515602"/>
           </a:xfrm>
           <a:prstGeom prst="rect">
             <a:avLst/>
           </a:prstGeom>
-          <a:noFill/>
+          <a:solidFill>
+            <a:srgbClr val="0080E0"/>
+          </a:solidFill>
+          <a:ln>
+            <a:noFill/>
+          </a:ln>
         </p:spPr>
-        <p:txBody>
-          <a:bodyPr wrap="square" rtlCol="0">
-            <a:spAutoFit/>
-          </a:bodyPr>
-          <a:lstStyle/>
-          <a:p>
-            <a:r>
-              <a:rPr lang="it-IT" sz="1400" dirty="0">
-                <a:latin typeface="Century Gothic" panose="020B0502020202020204" pitchFamily="34" charset="0"/>
-              </a:rPr>
-              <a:t>Modello Entità –  Relazione del Database</a:t>
-            </a:r>
+        <p:style>
+          <a:lnRef idx="2">
+            <a:schemeClr val="accent1">
+              <a:shade val="50000"/>
+            </a:schemeClr>
+          </a:lnRef>
+          <a:fillRef idx="1">
+            <a:schemeClr val="accent1"/>
+          </a:fillRef>
+          <a:effectRef idx="0">
+            <a:schemeClr val="accent1"/>
+          </a:effectRef>
+          <a:fontRef idx="minor">
+            <a:schemeClr val="lt1"/>
+          </a:fontRef>
+        </p:style>
+        <p:txBody>
+          <a:bodyPr rtlCol="0" anchor="ctr"/>
+          <a:lstStyle/>
+          <a:p>
+            <a:pPr algn="ctr"/>
+            <a:endParaRPr lang="it-IT" dirty="0"/>
           </a:p>
         </p:txBody>
       </p:sp>
     </p:spTree>
     <p:extLst>
       <p:ext uri="{BB962C8B-B14F-4D97-AF65-F5344CB8AC3E}">
-        <p14:creationId xmlns:p14="http://schemas.microsoft.com/office/powerpoint/2010/main" val="3911749720"/>
+        <p14:creationId xmlns:p14="http://schemas.microsoft.com/office/powerpoint/2010/main" val="3609852211"/>
       </p:ext>
     </p:extLst>
   </p:cSld>
@@ -6902,102 +6463,264 @@
       </p:grpSpPr>
       <p:sp>
         <p:nvSpPr>
-          <p:cNvPr id="4" name="Titolo 1">
-            <a:extLst>
-              <a:ext uri="{FF2B5EF4-FFF2-40B4-BE49-F238E27FC236}">
-                <a16:creationId xmlns:a16="http://schemas.microsoft.com/office/drawing/2014/main" id="{A3224411-147C-D930-C92D-559CCA95B0C1}"/>
-              </a:ext>
-            </a:extLst>
-          </p:cNvPr>
-          <p:cNvSpPr txBox="1">
-            <a:spLocks/>
-          </p:cNvSpPr>
+          <p:cNvPr id="2" name="Titolo 1">
+            <a:extLst>
+              <a:ext uri="{FF2B5EF4-FFF2-40B4-BE49-F238E27FC236}">
+                <a16:creationId xmlns:a16="http://schemas.microsoft.com/office/drawing/2014/main" id="{C52A84B7-7A0C-AF76-CB3E-CAC0F7B18247}"/>
+              </a:ext>
+            </a:extLst>
+          </p:cNvPr>
+          <p:cNvSpPr>
+            <a:spLocks noGrp="1"/>
+          </p:cNvSpPr>
+          <p:nvPr>
+            <p:ph type="title"/>
+          </p:nvPr>
+        </p:nvSpPr>
+        <p:spPr/>
+        <p:txBody>
+          <a:bodyPr/>
+          <a:lstStyle/>
+          <a:p>
+            <a:pPr algn="ctr"/>
+            <a:r>
+              <a:rPr lang="it-IT" dirty="0">
+                <a:latin typeface="Century Gothic" panose="020B0502020202020204" pitchFamily="34" charset="0"/>
+              </a:rPr>
+              <a:t>Obiettivi del plugin Lua</a:t>
+            </a:r>
+          </a:p>
+        </p:txBody>
+      </p:sp>
+      <p:sp>
+        <p:nvSpPr>
+          <p:cNvPr id="10" name="Segnaposto numero diapositiva 9">
+            <a:extLst>
+              <a:ext uri="{FF2B5EF4-FFF2-40B4-BE49-F238E27FC236}">
+                <a16:creationId xmlns:a16="http://schemas.microsoft.com/office/drawing/2014/main" id="{063A5202-1C0C-814D-E781-009F8BC52CFC}"/>
+              </a:ext>
+            </a:extLst>
+          </p:cNvPr>
+          <p:cNvSpPr>
+            <a:spLocks noGrp="1"/>
+          </p:cNvSpPr>
+          <p:nvPr>
+            <p:ph type="sldNum" sz="quarter" idx="12"/>
+          </p:nvPr>
+        </p:nvSpPr>
+        <p:spPr/>
+        <p:txBody>
+          <a:bodyPr/>
+          <a:lstStyle/>
+          <a:p>
+            <a:fld id="{3F24ED9F-0AD1-BB4C-9842-01F95E80AFCD}" type="slidenum">
+              <a:rPr lang="it-IT" smtClean="0"/>
+              <a:t>12</a:t>
+            </a:fld>
+            <a:endParaRPr lang="it-IT" dirty="0"/>
+          </a:p>
+        </p:txBody>
+      </p:sp>
+      <p:sp>
+        <p:nvSpPr>
+          <p:cNvPr id="8" name="Rettangolo 7">
+            <a:extLst>
+              <a:ext uri="{FF2B5EF4-FFF2-40B4-BE49-F238E27FC236}">
+                <a16:creationId xmlns:a16="http://schemas.microsoft.com/office/drawing/2014/main" id="{5E58F222-329C-C851-CF7F-26BD0E84C622}"/>
+              </a:ext>
+            </a:extLst>
+          </p:cNvPr>
+          <p:cNvSpPr/>
           <p:nvPr/>
         </p:nvSpPr>
         <p:spPr>
           <a:xfrm>
-            <a:off x="1524000" y="2914990"/>
-            <a:ext cx="9144000" cy="1028020"/>
+            <a:off x="719647" y="1596317"/>
+            <a:ext cx="6889821" cy="1811896"/>
+          </a:xfrm>
+          <a:prstGeom prst="rect">
+            <a:avLst/>
+          </a:prstGeom>
+          <a:ln>
+            <a:noFill/>
+          </a:ln>
+        </p:spPr>
+        <p:style>
+          <a:lnRef idx="2">
+            <a:schemeClr val="accent6"/>
+          </a:lnRef>
+          <a:fillRef idx="1">
+            <a:schemeClr val="lt1"/>
+          </a:fillRef>
+          <a:effectRef idx="0">
+            <a:schemeClr val="accent6"/>
+          </a:effectRef>
+          <a:fontRef idx="minor">
+            <a:schemeClr val="dk1"/>
+          </a:fontRef>
+        </p:style>
+        <p:txBody>
+          <a:bodyPr rtlCol="0" anchor="ctr"/>
+          <a:lstStyle/>
+          <a:p>
+            <a:pPr algn="ctr"/>
+            <a:endParaRPr lang="it-IT" dirty="0"/>
+          </a:p>
+        </p:txBody>
+      </p:sp>
+      <p:sp>
+        <p:nvSpPr>
+          <p:cNvPr id="4" name="CasellaDiTesto 3">
+            <a:extLst>
+              <a:ext uri="{FF2B5EF4-FFF2-40B4-BE49-F238E27FC236}">
+                <a16:creationId xmlns:a16="http://schemas.microsoft.com/office/drawing/2014/main" id="{0D002019-1B39-8FB7-0753-EF320662377A}"/>
+              </a:ext>
+            </a:extLst>
+          </p:cNvPr>
+          <p:cNvSpPr txBox="1"/>
+          <p:nvPr/>
+        </p:nvSpPr>
+        <p:spPr>
+          <a:xfrm>
+            <a:off x="838197" y="1690688"/>
+            <a:ext cx="10515603" cy="646331"/>
+          </a:xfrm>
+          <a:prstGeom prst="rect">
+            <a:avLst/>
+          </a:prstGeom>
+          <a:noFill/>
+        </p:spPr>
+        <p:txBody>
+          <a:bodyPr wrap="square">
+            <a:spAutoFit/>
+          </a:bodyPr>
+          <a:lstStyle/>
+          <a:p>
+            <a:pPr algn="just"/>
+            <a:r>
+              <a:rPr lang="it-IT" sz="1800" b="0" i="0" u="none" strike="noStrike" baseline="0" dirty="0">
+                <a:latin typeface="Century Gothic" panose="020B0502020202020204" pitchFamily="34" charset="0"/>
+              </a:rPr>
+              <a:t>È richiesto il seguente comportamento dal plugin:</a:t>
+            </a:r>
+          </a:p>
+          <a:p>
+            <a:pPr marL="342900" indent="-342900" algn="just">
+              <a:buFont typeface="+mj-lt"/>
+              <a:buAutoNum type="arabicPeriod"/>
+            </a:pPr>
+            <a:r>
+              <a:rPr lang="it-IT" sz="1800" b="0" i="0" u="none" strike="noStrike" baseline="0" dirty="0">
+                <a:latin typeface="Century Gothic" panose="020B0502020202020204" pitchFamily="34" charset="0"/>
+              </a:rPr>
+              <a:t>Analizzare il token ricevuto</a:t>
+            </a:r>
+            <a:endParaRPr lang="it-IT" dirty="0">
+              <a:solidFill>
+                <a:schemeClr val="bg1">
+                  <a:lumMod val="85000"/>
+                </a:schemeClr>
+              </a:solidFill>
+              <a:latin typeface="Century Gothic" panose="020B0502020202020204" pitchFamily="34" charset="0"/>
+            </a:endParaRPr>
+          </a:p>
+        </p:txBody>
+      </p:sp>
+      <p:pic>
+        <p:nvPicPr>
+          <p:cNvPr id="6" name="Immagine 5">
+            <a:extLst>
+              <a:ext uri="{FF2B5EF4-FFF2-40B4-BE49-F238E27FC236}">
+                <a16:creationId xmlns:a16="http://schemas.microsoft.com/office/drawing/2014/main" id="{21BAB7EF-77A5-B54F-57A9-801B04A62BD2}"/>
+              </a:ext>
+            </a:extLst>
+          </p:cNvPr>
+          <p:cNvPicPr>
+            <a:picLocks noChangeAspect="1"/>
+          </p:cNvPicPr>
+          <p:nvPr/>
+        </p:nvPicPr>
+        <p:blipFill>
+          <a:blip r:embed="rId3"/>
+          <a:stretch>
+            <a:fillRect/>
+          </a:stretch>
+        </p:blipFill>
+        <p:spPr>
+          <a:xfrm>
+            <a:off x="3352561" y="3449788"/>
+            <a:ext cx="5486875" cy="1524132"/>
+          </a:xfrm>
+          <a:prstGeom prst="rect">
+            <a:avLst/>
+          </a:prstGeom>
+        </p:spPr>
+      </p:pic>
+      <p:sp>
+        <p:nvSpPr>
+          <p:cNvPr id="3" name="Rettangolo 2">
+            <a:extLst>
+              <a:ext uri="{FF2B5EF4-FFF2-40B4-BE49-F238E27FC236}">
+                <a16:creationId xmlns:a16="http://schemas.microsoft.com/office/drawing/2014/main" id="{8FDDD386-AEBF-8DD3-7D6C-8337C6D9F45F}"/>
+              </a:ext>
+            </a:extLst>
+          </p:cNvPr>
+          <p:cNvSpPr/>
+          <p:nvPr/>
+        </p:nvSpPr>
+        <p:spPr>
+          <a:xfrm rot="5400000" flipH="1">
+            <a:off x="6073140" y="-3836435"/>
+            <a:ext cx="45719" cy="10515602"/>
           </a:xfrm>
           <a:prstGeom prst="rect">
             <a:avLst/>
           </a:prstGeom>
           <a:solidFill>
-            <a:srgbClr val="0080E0"/>
+            <a:srgbClr val="FF0000"/>
           </a:solidFill>
         </p:spPr>
         <p:txBody>
           <a:bodyPr vert="horz" lIns="91440" tIns="45720" rIns="91440" bIns="45720" rtlCol="0" anchor="ctr">
-            <a:normAutofit fontScale="85000" lnSpcReduction="10000"/>
+            <a:normAutofit/>
           </a:bodyPr>
-          <a:lstStyle>
-            <a:lvl1pPr algn="ctr" defTabSz="914400" rtl="0" eaLnBrk="1" latinLnBrk="0" hangingPunct="1">
+          <a:lstStyle/>
+          <a:p>
+            <a:pPr algn="ctr">
               <a:lnSpc>
                 <a:spcPct val="90000"/>
               </a:lnSpc>
               <a:spcBef>
                 <a:spcPct val="0"/>
               </a:spcBef>
-              <a:buNone/>
-              <a:defRPr sz="6000" kern="1200">
-                <a:solidFill>
-                  <a:schemeClr val="tx1"/>
-                </a:solidFill>
-                <a:latin typeface="+mj-lt"/>
-                <a:ea typeface="+mj-ea"/>
-                <a:cs typeface="+mj-cs"/>
-              </a:defRPr>
-            </a:lvl1pPr>
-          </a:lstStyle>
-          <a:p>
-            <a:r>
-              <a:rPr lang="it-IT" dirty="0">
-                <a:ln>
-                  <a:solidFill>
-                    <a:schemeClr val="bg1"/>
-                  </a:solidFill>
-                </a:ln>
+            </a:pPr>
+            <a:endParaRPr lang="it-IT" sz="6000" dirty="0">
+              <a:ln>
                 <a:solidFill>
                   <a:schemeClr val="bg1"/>
                 </a:solidFill>
-                <a:effectLst>
-                  <a:outerShdw blurRad="50800" dist="38100" dir="5400000" algn="t" rotWithShape="0">
-                    <a:prstClr val="black">
-                      <a:alpha val="40000"/>
-                    </a:prstClr>
-                  </a:outerShdw>
-                </a:effectLst>
-              </a:rPr>
-              <a:t>MICROSERVIZIO </a:t>
-            </a:r>
-            <a:r>
-              <a:rPr lang="it-IT" dirty="0">
-                <a:ln>
-                  <a:solidFill>
-                    <a:schemeClr val="bg1"/>
-                  </a:solidFill>
-                </a:ln>
-                <a:solidFill>
-                  <a:schemeClr val="bg1"/>
-                </a:solidFill>
-                <a:effectLst>
-                  <a:outerShdw blurRad="50800" dist="38100" dir="5400000" algn="t" rotWithShape="0">
-                    <a:prstClr val="black">
-                      <a:alpha val="40000"/>
-                    </a:prstClr>
-                  </a:outerShdw>
-                </a:effectLst>
-                <a:latin typeface="Consolas" panose="020B0609020204030204" pitchFamily="49" charset="0"/>
-              </a:rPr>
-              <a:t>CheckEmail</a:t>
-            </a:r>
+              </a:ln>
+              <a:solidFill>
+                <a:schemeClr val="bg1"/>
+              </a:solidFill>
+              <a:effectLst>
+                <a:outerShdw blurRad="50800" dist="38100" dir="5400000" algn="t" rotWithShape="0">
+                  <a:prstClr val="black">
+                    <a:alpha val="40000"/>
+                  </a:prstClr>
+                </a:outerShdw>
+              </a:effectLst>
+              <a:latin typeface="+mj-lt"/>
+              <a:ea typeface="+mj-ea"/>
+              <a:cs typeface="+mj-cs"/>
+            </a:endParaRPr>
           </a:p>
         </p:txBody>
       </p:sp>
     </p:spTree>
     <p:extLst>
       <p:ext uri="{BB962C8B-B14F-4D97-AF65-F5344CB8AC3E}">
-        <p14:creationId xmlns:p14="http://schemas.microsoft.com/office/powerpoint/2010/main" val="4225128819"/>
+        <p14:creationId xmlns:p14="http://schemas.microsoft.com/office/powerpoint/2010/main" val="245265353"/>
       </p:ext>
     </p:extLst>
   </p:cSld>
@@ -7062,7 +6785,7 @@
               <a:rPr lang="it-IT" dirty="0">
                 <a:latin typeface="Century Gothic" panose="020B0502020202020204" pitchFamily="34" charset="0"/>
               </a:rPr>
-              <a:t>Obiettivi del microservizio</a:t>
+              <a:t>Obiettivi del plugin Lua</a:t>
             </a:r>
           </a:p>
         </p:txBody>
@@ -7091,1761 +6814,6 @@
             <a:fld id="{3F24ED9F-0AD1-BB4C-9842-01F95E80AFCD}" type="slidenum">
               <a:rPr lang="it-IT" smtClean="0"/>
               <a:t>13</a:t>
-            </a:fld>
-            <a:endParaRPr lang="it-IT" dirty="0"/>
-          </a:p>
-        </p:txBody>
-      </p:sp>
-      <p:sp>
-        <p:nvSpPr>
-          <p:cNvPr id="12" name="Rettangolo 11">
-            <a:extLst>
-              <a:ext uri="{FF2B5EF4-FFF2-40B4-BE49-F238E27FC236}">
-                <a16:creationId xmlns:a16="http://schemas.microsoft.com/office/drawing/2014/main" id="{16114131-5C77-D323-91F2-4E977519BCC3}"/>
-              </a:ext>
-            </a:extLst>
-          </p:cNvPr>
-          <p:cNvSpPr/>
-          <p:nvPr/>
-        </p:nvSpPr>
-        <p:spPr>
-          <a:xfrm rot="5400000" flipH="1">
-            <a:off x="6073140" y="-3836435"/>
-            <a:ext cx="45719" cy="10515602"/>
-          </a:xfrm>
-          <a:prstGeom prst="rect">
-            <a:avLst/>
-          </a:prstGeom>
-          <a:solidFill>
-            <a:srgbClr val="0080E0"/>
-          </a:solidFill>
-          <a:ln>
-            <a:noFill/>
-          </a:ln>
-        </p:spPr>
-        <p:style>
-          <a:lnRef idx="2">
-            <a:schemeClr val="accent1">
-              <a:shade val="50000"/>
-            </a:schemeClr>
-          </a:lnRef>
-          <a:fillRef idx="1">
-            <a:schemeClr val="accent1"/>
-          </a:fillRef>
-          <a:effectRef idx="0">
-            <a:schemeClr val="accent1"/>
-          </a:effectRef>
-          <a:fontRef idx="minor">
-            <a:schemeClr val="lt1"/>
-          </a:fontRef>
-        </p:style>
-        <p:txBody>
-          <a:bodyPr rtlCol="0" anchor="ctr"/>
-          <a:lstStyle/>
-          <a:p>
-            <a:pPr algn="ctr"/>
-            <a:endParaRPr lang="it-IT" dirty="0"/>
-          </a:p>
-        </p:txBody>
-      </p:sp>
-      <p:sp>
-        <p:nvSpPr>
-          <p:cNvPr id="8" name="Rettangolo 7">
-            <a:extLst>
-              <a:ext uri="{FF2B5EF4-FFF2-40B4-BE49-F238E27FC236}">
-                <a16:creationId xmlns:a16="http://schemas.microsoft.com/office/drawing/2014/main" id="{5E58F222-329C-C851-CF7F-26BD0E84C622}"/>
-              </a:ext>
-            </a:extLst>
-          </p:cNvPr>
-          <p:cNvSpPr/>
-          <p:nvPr/>
-        </p:nvSpPr>
-        <p:spPr>
-          <a:xfrm>
-            <a:off x="719648" y="1596317"/>
-            <a:ext cx="6262178" cy="2651760"/>
-          </a:xfrm>
-          <a:prstGeom prst="rect">
-            <a:avLst/>
-          </a:prstGeom>
-          <a:ln>
-            <a:noFill/>
-          </a:ln>
-        </p:spPr>
-        <p:style>
-          <a:lnRef idx="2">
-            <a:schemeClr val="accent6"/>
-          </a:lnRef>
-          <a:fillRef idx="1">
-            <a:schemeClr val="lt1"/>
-          </a:fillRef>
-          <a:effectRef idx="0">
-            <a:schemeClr val="accent6"/>
-          </a:effectRef>
-          <a:fontRef idx="minor">
-            <a:schemeClr val="dk1"/>
-          </a:fontRef>
-        </p:style>
-        <p:txBody>
-          <a:bodyPr rtlCol="0" anchor="t"/>
-          <a:lstStyle/>
-          <a:p>
-            <a:pPr algn="just"/>
-            <a:r>
-              <a:rPr lang="it-IT" sz="1800" b="0" i="0" u="none" strike="noStrike" baseline="0" dirty="0">
-                <a:latin typeface="+mj-lt"/>
-              </a:rPr>
-              <a:t>Lo scopo principale del microservizio è quello di ricevere una richiesta HTTP con all’interno del body un indirizzo e-mail.</a:t>
-            </a:r>
-          </a:p>
-          <a:p>
-            <a:pPr algn="just"/>
-            <a:endParaRPr lang="it-IT" sz="1800" b="0" i="0" u="none" strike="noStrike" baseline="0" dirty="0">
-              <a:latin typeface="+mj-lt"/>
-            </a:endParaRPr>
-          </a:p>
-          <a:p>
-            <a:pPr algn="just"/>
-            <a:r>
-              <a:rPr lang="it-IT" sz="1800" b="0" i="0" u="none" strike="noStrike" baseline="0" dirty="0">
-                <a:latin typeface="+mj-lt"/>
-              </a:rPr>
-              <a:t>Si effettua una query all’interno del Database per controllare che l’indirizzo sia presente nella tabella degli utenti abilitati all’utilizzo del servizio.</a:t>
-            </a:r>
-          </a:p>
-          <a:p>
-            <a:pPr algn="just"/>
-            <a:endParaRPr lang="it-IT" sz="1800" b="0" i="0" u="none" strike="noStrike" baseline="0" dirty="0">
-              <a:latin typeface="+mj-lt"/>
-            </a:endParaRPr>
-          </a:p>
-          <a:p>
-            <a:pPr algn="just"/>
-            <a:r>
-              <a:rPr lang="it-IT" dirty="0">
-                <a:latin typeface="+mj-lt"/>
-              </a:rPr>
-              <a:t>Si restituisce infine il codice HTTP adatto.</a:t>
-            </a:r>
-          </a:p>
-        </p:txBody>
-      </p:sp>
-      <p:graphicFrame>
-        <p:nvGraphicFramePr>
-          <p:cNvPr id="17" name="Tabella 17">
-            <a:extLst>
-              <a:ext uri="{FF2B5EF4-FFF2-40B4-BE49-F238E27FC236}">
-                <a16:creationId xmlns:a16="http://schemas.microsoft.com/office/drawing/2014/main" id="{1163CE27-E5A1-77F4-0604-B8CB4F2AD2F9}"/>
-              </a:ext>
-            </a:extLst>
-          </p:cNvPr>
-          <p:cNvGraphicFramePr>
-            <a:graphicFrameLocks noGrp="1"/>
-          </p:cNvGraphicFramePr>
-          <p:nvPr>
-            <p:extLst>
-              <p:ext uri="{D42A27DB-BD31-4B8C-83A1-F6EECF244321}">
-                <p14:modId xmlns:p14="http://schemas.microsoft.com/office/powerpoint/2010/main" val="1961916564"/>
-              </p:ext>
-            </p:extLst>
-          </p:nvPr>
-        </p:nvGraphicFramePr>
-        <p:xfrm>
-          <a:off x="7334865" y="1586543"/>
-          <a:ext cx="4018935" cy="2651760"/>
-        </p:xfrm>
-        <a:graphic>
-          <a:graphicData uri="http://schemas.openxmlformats.org/drawingml/2006/table">
-            <a:tbl>
-              <a:tblPr firstRow="1" bandRow="1">
-                <a:tableStyleId>{5C22544A-7EE6-4342-B048-85BDC9FD1C3A}</a:tableStyleId>
-              </a:tblPr>
-              <a:tblGrid>
-                <a:gridCol w="2010064">
-                  <a:extLst>
-                    <a:ext uri="{9D8B030D-6E8A-4147-A177-3AD203B41FA5}">
-                      <a16:colId xmlns:a16="http://schemas.microsoft.com/office/drawing/2014/main" val="3191799462"/>
-                    </a:ext>
-                  </a:extLst>
-                </a:gridCol>
-                <a:gridCol w="2008871">
-                  <a:extLst>
-                    <a:ext uri="{9D8B030D-6E8A-4147-A177-3AD203B41FA5}">
-                      <a16:colId xmlns:a16="http://schemas.microsoft.com/office/drawing/2014/main" val="971248140"/>
-                    </a:ext>
-                  </a:extLst>
-                </a:gridCol>
-              </a:tblGrid>
-              <a:tr h="352666">
-                <a:tc>
-                  <a:txBody>
-                    <a:bodyPr/>
-                    <a:lstStyle/>
-                    <a:p>
-                      <a:pPr algn="ctr"/>
-                      <a:r>
-                        <a:rPr lang="it-IT" dirty="0">
-                          <a:latin typeface="+mj-lt"/>
-                        </a:rPr>
-                        <a:t>Codice HTTP</a:t>
-                      </a:r>
-                    </a:p>
-                  </a:txBody>
-                  <a:tcPr anchor="ctr">
-                    <a:solidFill>
-                      <a:srgbClr val="0080E0"/>
-                    </a:solidFill>
-                  </a:tcPr>
-                </a:tc>
-                <a:tc>
-                  <a:txBody>
-                    <a:bodyPr/>
-                    <a:lstStyle/>
-                    <a:p>
-                      <a:pPr algn="ctr"/>
-                      <a:r>
-                        <a:rPr lang="it-IT" dirty="0">
-                          <a:latin typeface="+mj-lt"/>
-                        </a:rPr>
-                        <a:t>Significato</a:t>
-                      </a:r>
-                    </a:p>
-                  </a:txBody>
-                  <a:tcPr anchor="ctr">
-                    <a:solidFill>
-                      <a:srgbClr val="0080E0"/>
-                    </a:solidFill>
-                  </a:tcPr>
-                </a:tc>
-                <a:extLst>
-                  <a:ext uri="{0D108BD9-81ED-4DB2-BD59-A6C34878D82A}">
-                    <a16:rowId xmlns:a16="http://schemas.microsoft.com/office/drawing/2014/main" val="1667613711"/>
-                  </a:ext>
-                </a:extLst>
-              </a:tr>
-              <a:tr h="352666">
-                <a:tc>
-                  <a:txBody>
-                    <a:bodyPr/>
-                    <a:lstStyle/>
-                    <a:p>
-                      <a:pPr algn="ctr"/>
-                      <a:r>
-                        <a:rPr lang="it-IT" dirty="0">
-                          <a:latin typeface="+mj-lt"/>
-                        </a:rPr>
-                        <a:t>200</a:t>
-                      </a:r>
-                    </a:p>
-                  </a:txBody>
-                  <a:tcPr anchor="ctr"/>
-                </a:tc>
-                <a:tc>
-                  <a:txBody>
-                    <a:bodyPr/>
-                    <a:lstStyle/>
-                    <a:p>
-                      <a:pPr algn="ctr"/>
-                      <a:r>
-                        <a:rPr lang="it-IT" dirty="0">
-                          <a:latin typeface="+mj-lt"/>
-                        </a:rPr>
-                        <a:t>OK</a:t>
-                      </a:r>
-                    </a:p>
-                  </a:txBody>
-                  <a:tcPr anchor="ctr"/>
-                </a:tc>
-                <a:extLst>
-                  <a:ext uri="{0D108BD9-81ED-4DB2-BD59-A6C34878D82A}">
-                    <a16:rowId xmlns:a16="http://schemas.microsoft.com/office/drawing/2014/main" val="3040995244"/>
-                  </a:ext>
-                </a:extLst>
-              </a:tr>
-              <a:tr h="617166">
-                <a:tc>
-                  <a:txBody>
-                    <a:bodyPr/>
-                    <a:lstStyle/>
-                    <a:p>
-                      <a:pPr algn="ctr"/>
-                      <a:r>
-                        <a:rPr lang="it-IT" dirty="0">
-                          <a:latin typeface="+mj-lt"/>
-                        </a:rPr>
-                        <a:t>402</a:t>
-                      </a:r>
-                    </a:p>
-                  </a:txBody>
-                  <a:tcPr anchor="ctr"/>
-                </a:tc>
-                <a:tc>
-                  <a:txBody>
-                    <a:bodyPr/>
-                    <a:lstStyle/>
-                    <a:p>
-                      <a:pPr algn="ctr"/>
-                      <a:r>
-                        <a:rPr lang="it-IT" dirty="0">
-                          <a:latin typeface="+mj-lt"/>
-                        </a:rPr>
-                        <a:t>PAYMENT REQUIRED</a:t>
-                      </a:r>
-                    </a:p>
-                  </a:txBody>
-                  <a:tcPr anchor="ctr"/>
-                </a:tc>
-                <a:extLst>
-                  <a:ext uri="{0D108BD9-81ED-4DB2-BD59-A6C34878D82A}">
-                    <a16:rowId xmlns:a16="http://schemas.microsoft.com/office/drawing/2014/main" val="3409640210"/>
-                  </a:ext>
-                </a:extLst>
-              </a:tr>
-              <a:tr h="617166">
-                <a:tc>
-                  <a:txBody>
-                    <a:bodyPr/>
-                    <a:lstStyle/>
-                    <a:p>
-                      <a:pPr algn="ctr"/>
-                      <a:r>
-                        <a:rPr lang="it-IT" dirty="0">
-                          <a:latin typeface="+mj-lt"/>
-                        </a:rPr>
-                        <a:t>500</a:t>
-                      </a:r>
-                    </a:p>
-                  </a:txBody>
-                  <a:tcPr anchor="ctr"/>
-                </a:tc>
-                <a:tc>
-                  <a:txBody>
-                    <a:bodyPr/>
-                    <a:lstStyle/>
-                    <a:p>
-                      <a:pPr algn="ctr"/>
-                      <a:r>
-                        <a:rPr lang="it-IT" dirty="0">
-                          <a:latin typeface="+mj-lt"/>
-                        </a:rPr>
-                        <a:t>INTERNAL SERVER ERROR</a:t>
-                      </a:r>
-                    </a:p>
-                  </a:txBody>
-                  <a:tcPr anchor="ctr"/>
-                </a:tc>
-                <a:extLst>
-                  <a:ext uri="{0D108BD9-81ED-4DB2-BD59-A6C34878D82A}">
-                    <a16:rowId xmlns:a16="http://schemas.microsoft.com/office/drawing/2014/main" val="2303201476"/>
-                  </a:ext>
-                </a:extLst>
-              </a:tr>
-              <a:tr h="617166">
-                <a:tc>
-                  <a:txBody>
-                    <a:bodyPr/>
-                    <a:lstStyle/>
-                    <a:p>
-                      <a:pPr algn="ctr"/>
-                      <a:r>
-                        <a:rPr lang="it-IT" dirty="0">
-                          <a:latin typeface="+mj-lt"/>
-                        </a:rPr>
-                        <a:t>503</a:t>
-                      </a:r>
-                    </a:p>
-                  </a:txBody>
-                  <a:tcPr anchor="ctr"/>
-                </a:tc>
-                <a:tc>
-                  <a:txBody>
-                    <a:bodyPr/>
-                    <a:lstStyle/>
-                    <a:p>
-                      <a:pPr algn="ctr"/>
-                      <a:r>
-                        <a:rPr lang="it-IT" dirty="0">
-                          <a:latin typeface="+mj-lt"/>
-                        </a:rPr>
-                        <a:t>SERVICE UNAVAILABLE</a:t>
-                      </a:r>
-                    </a:p>
-                  </a:txBody>
-                  <a:tcPr anchor="ctr"/>
-                </a:tc>
-                <a:extLst>
-                  <a:ext uri="{0D108BD9-81ED-4DB2-BD59-A6C34878D82A}">
-                    <a16:rowId xmlns:a16="http://schemas.microsoft.com/office/drawing/2014/main" val="2723899129"/>
-                  </a:ext>
-                </a:extLst>
-              </a:tr>
-            </a:tbl>
-          </a:graphicData>
-        </a:graphic>
-      </p:graphicFrame>
-      <p:pic>
-        <p:nvPicPr>
-          <p:cNvPr id="4" name="Immagine 3" descr="Immagine che contiene schermata, testo&#10;&#10;Descrizione generata automaticamente">
-            <a:extLst>
-              <a:ext uri="{FF2B5EF4-FFF2-40B4-BE49-F238E27FC236}">
-                <a16:creationId xmlns:a16="http://schemas.microsoft.com/office/drawing/2014/main" id="{1C1FE99D-383A-FA9A-EF05-32093F73828E}"/>
-              </a:ext>
-            </a:extLst>
-          </p:cNvPr>
-          <p:cNvPicPr>
-            <a:picLocks noChangeAspect="1"/>
-          </p:cNvPicPr>
-          <p:nvPr/>
-        </p:nvPicPr>
-        <p:blipFill>
-          <a:blip r:embed="rId3"/>
-          <a:stretch>
-            <a:fillRect/>
-          </a:stretch>
-        </p:blipFill>
-        <p:spPr>
-          <a:xfrm>
-            <a:off x="3066419" y="4390395"/>
-            <a:ext cx="6059162" cy="1965956"/>
-          </a:xfrm>
-          <a:prstGeom prst="rect">
-            <a:avLst/>
-          </a:prstGeom>
-        </p:spPr>
-      </p:pic>
-    </p:spTree>
-    <p:extLst>
-      <p:ext uri="{BB962C8B-B14F-4D97-AF65-F5344CB8AC3E}">
-        <p14:creationId xmlns:p14="http://schemas.microsoft.com/office/powerpoint/2010/main" val="3622242407"/>
-      </p:ext>
-    </p:extLst>
-  </p:cSld>
-  <p:clrMapOvr>
-    <a:masterClrMapping/>
-  </p:clrMapOvr>
-  <mc:AlternateContent xmlns:mc="http://schemas.openxmlformats.org/markup-compatibility/2006" xmlns:p159="http://schemas.microsoft.com/office/powerpoint/2015/09/main">
-    <mc:Choice Requires="p159">
-      <p:transition>
-        <p159:morph option="byObject"/>
-      </p:transition>
-    </mc:Choice>
-    <mc:Fallback xmlns="">
-      <p:transition>
-        <p:fade/>
-      </p:transition>
-    </mc:Fallback>
-  </mc:AlternateContent>
-</p:sld>
-</file>
-
-<file path=ppt/slides/slide14.xml><?xml version="1.0" encoding="utf-8"?>
-<p:sld xmlns:a="http://schemas.openxmlformats.org/drawingml/2006/main" xmlns:r="http://schemas.openxmlformats.org/officeDocument/2006/relationships" xmlns:p="http://schemas.openxmlformats.org/presentationml/2006/main">
-  <p:cSld>
-    <p:spTree>
-      <p:nvGrpSpPr>
-        <p:cNvPr id="1" name=""/>
-        <p:cNvGrpSpPr/>
-        <p:nvPr/>
-      </p:nvGrpSpPr>
-      <p:grpSpPr>
-        <a:xfrm>
-          <a:off x="0" y="0"/>
-          <a:ext cx="0" cy="0"/>
-          <a:chOff x="0" y="0"/>
-          <a:chExt cx="0" cy="0"/>
-        </a:xfrm>
-      </p:grpSpPr>
-      <p:sp>
-        <p:nvSpPr>
-          <p:cNvPr id="2" name="Titolo 1">
-            <a:extLst>
-              <a:ext uri="{FF2B5EF4-FFF2-40B4-BE49-F238E27FC236}">
-                <a16:creationId xmlns:a16="http://schemas.microsoft.com/office/drawing/2014/main" id="{C52A84B7-7A0C-AF76-CB3E-CAC0F7B18247}"/>
-              </a:ext>
-            </a:extLst>
-          </p:cNvPr>
-          <p:cNvSpPr>
-            <a:spLocks noGrp="1"/>
-          </p:cNvSpPr>
-          <p:nvPr>
-            <p:ph type="title"/>
-          </p:nvPr>
-        </p:nvSpPr>
-        <p:spPr/>
-        <p:txBody>
-          <a:bodyPr/>
-          <a:lstStyle/>
-          <a:p>
-            <a:pPr algn="ctr"/>
-            <a:r>
-              <a:rPr lang="it-IT" dirty="0">
-                <a:latin typeface="Century Gothic" panose="020B0502020202020204" pitchFamily="34" charset="0"/>
-              </a:rPr>
-              <a:t>La classe </a:t>
-            </a:r>
-            <a:r>
-              <a:rPr lang="it-IT" dirty="0">
-                <a:latin typeface="Consolas" panose="020B0609020204030204" pitchFamily="49" charset="0"/>
-              </a:rPr>
-              <a:t>main</a:t>
-            </a:r>
-          </a:p>
-        </p:txBody>
-      </p:sp>
-      <p:sp>
-        <p:nvSpPr>
-          <p:cNvPr id="10" name="Segnaposto numero diapositiva 9">
-            <a:extLst>
-              <a:ext uri="{FF2B5EF4-FFF2-40B4-BE49-F238E27FC236}">
-                <a16:creationId xmlns:a16="http://schemas.microsoft.com/office/drawing/2014/main" id="{063A5202-1C0C-814D-E781-009F8BC52CFC}"/>
-              </a:ext>
-            </a:extLst>
-          </p:cNvPr>
-          <p:cNvSpPr>
-            <a:spLocks noGrp="1"/>
-          </p:cNvSpPr>
-          <p:nvPr>
-            <p:ph type="sldNum" sz="quarter" idx="12"/>
-          </p:nvPr>
-        </p:nvSpPr>
-        <p:spPr/>
-        <p:txBody>
-          <a:bodyPr/>
-          <a:lstStyle/>
-          <a:p>
-            <a:fld id="{3F24ED9F-0AD1-BB4C-9842-01F95E80AFCD}" type="slidenum">
-              <a:rPr lang="it-IT" smtClean="0"/>
-              <a:t>14</a:t>
-            </a:fld>
-            <a:endParaRPr lang="it-IT" dirty="0"/>
-          </a:p>
-        </p:txBody>
-      </p:sp>
-      <p:sp>
-        <p:nvSpPr>
-          <p:cNvPr id="12" name="Rettangolo 11">
-            <a:extLst>
-              <a:ext uri="{FF2B5EF4-FFF2-40B4-BE49-F238E27FC236}">
-                <a16:creationId xmlns:a16="http://schemas.microsoft.com/office/drawing/2014/main" id="{16114131-5C77-D323-91F2-4E977519BCC3}"/>
-              </a:ext>
-            </a:extLst>
-          </p:cNvPr>
-          <p:cNvSpPr/>
-          <p:nvPr/>
-        </p:nvSpPr>
-        <p:spPr>
-          <a:xfrm rot="5400000" flipH="1">
-            <a:off x="6073140" y="-3836435"/>
-            <a:ext cx="45719" cy="10515602"/>
-          </a:xfrm>
-          <a:prstGeom prst="rect">
-            <a:avLst/>
-          </a:prstGeom>
-          <a:solidFill>
-            <a:srgbClr val="0080E0"/>
-          </a:solidFill>
-          <a:ln>
-            <a:noFill/>
-          </a:ln>
-        </p:spPr>
-        <p:style>
-          <a:lnRef idx="2">
-            <a:schemeClr val="accent1">
-              <a:shade val="50000"/>
-            </a:schemeClr>
-          </a:lnRef>
-          <a:fillRef idx="1">
-            <a:schemeClr val="accent1"/>
-          </a:fillRef>
-          <a:effectRef idx="0">
-            <a:schemeClr val="accent1"/>
-          </a:effectRef>
-          <a:fontRef idx="minor">
-            <a:schemeClr val="lt1"/>
-          </a:fontRef>
-        </p:style>
-        <p:txBody>
-          <a:bodyPr rtlCol="0" anchor="ctr"/>
-          <a:lstStyle/>
-          <a:p>
-            <a:pPr algn="ctr"/>
-            <a:endParaRPr lang="it-IT" dirty="0"/>
-          </a:p>
-        </p:txBody>
-      </p:sp>
-      <p:sp>
-        <p:nvSpPr>
-          <p:cNvPr id="8" name="Rettangolo 7">
-            <a:extLst>
-              <a:ext uri="{FF2B5EF4-FFF2-40B4-BE49-F238E27FC236}">
-                <a16:creationId xmlns:a16="http://schemas.microsoft.com/office/drawing/2014/main" id="{5E58F222-329C-C851-CF7F-26BD0E84C622}"/>
-              </a:ext>
-            </a:extLst>
-          </p:cNvPr>
-          <p:cNvSpPr/>
-          <p:nvPr/>
-        </p:nvSpPr>
-        <p:spPr>
-          <a:xfrm>
-            <a:off x="838200" y="1596317"/>
-            <a:ext cx="10515600" cy="1325563"/>
-          </a:xfrm>
-          <a:prstGeom prst="rect">
-            <a:avLst/>
-          </a:prstGeom>
-          <a:ln>
-            <a:noFill/>
-          </a:ln>
-        </p:spPr>
-        <p:style>
-          <a:lnRef idx="2">
-            <a:schemeClr val="accent6"/>
-          </a:lnRef>
-          <a:fillRef idx="1">
-            <a:schemeClr val="lt1"/>
-          </a:fillRef>
-          <a:effectRef idx="0">
-            <a:schemeClr val="accent6"/>
-          </a:effectRef>
-          <a:fontRef idx="minor">
-            <a:schemeClr val="dk1"/>
-          </a:fontRef>
-        </p:style>
-        <p:txBody>
-          <a:bodyPr rtlCol="0" anchor="t"/>
-          <a:lstStyle/>
-          <a:p>
-            <a:pPr algn="just"/>
-            <a:r>
-              <a:rPr lang="it-IT" sz="1800" b="0" i="0" u="none" strike="noStrike" baseline="0" dirty="0">
-                <a:latin typeface="+mj-lt"/>
-              </a:rPr>
-              <a:t>La classe principale del progetto è composta da un solo comando, che si occupa di avviare l’applicazione.</a:t>
-            </a:r>
-          </a:p>
-          <a:p>
-            <a:pPr algn="just"/>
-            <a:r>
-              <a:rPr lang="it-IT" sz="1800" b="0" i="0" u="none" strike="noStrike" baseline="0" dirty="0">
-                <a:latin typeface="+mj-lt"/>
-              </a:rPr>
-              <a:t>Il metodo </a:t>
-            </a:r>
-            <a:r>
-              <a:rPr lang="it-IT" sz="1800" b="0" i="0" u="none" strike="noStrike" baseline="0" dirty="0">
-                <a:latin typeface="Consolas" panose="020B0609020204030204" pitchFamily="49" charset="0"/>
-              </a:rPr>
-              <a:t>run()</a:t>
-            </a:r>
-            <a:r>
-              <a:rPr lang="it-IT" sz="1800" b="0" i="0" u="none" strike="noStrike" baseline="0" dirty="0">
-                <a:latin typeface="+mj-lt"/>
-              </a:rPr>
-              <a:t> </a:t>
-            </a:r>
-            <a:r>
-              <a:rPr lang="it-IT" dirty="0">
-                <a:latin typeface="+mj-lt"/>
-              </a:rPr>
-              <a:t>è </a:t>
-            </a:r>
-            <a:r>
-              <a:rPr lang="it-IT" sz="1800" b="0" i="0" u="none" strike="noStrike" baseline="0" dirty="0">
-                <a:latin typeface="+mj-lt"/>
-              </a:rPr>
-              <a:t>il metodo principale di Spring Framework, serve ad avviare tutti i processi necessari per l’esecuzione dell’applicazione.</a:t>
-            </a:r>
-            <a:endParaRPr lang="it-IT" dirty="0">
-              <a:latin typeface="+mj-lt"/>
-            </a:endParaRPr>
-          </a:p>
-        </p:txBody>
-      </p:sp>
-      <p:pic>
-        <p:nvPicPr>
-          <p:cNvPr id="4" name="Immagine 3">
-            <a:extLst>
-              <a:ext uri="{FF2B5EF4-FFF2-40B4-BE49-F238E27FC236}">
-                <a16:creationId xmlns:a16="http://schemas.microsoft.com/office/drawing/2014/main" id="{40A6DCB2-728E-71F2-A9A6-C51479C3963A}"/>
-              </a:ext>
-            </a:extLst>
-          </p:cNvPr>
-          <p:cNvPicPr>
-            <a:picLocks noChangeAspect="1"/>
-          </p:cNvPicPr>
-          <p:nvPr/>
-        </p:nvPicPr>
-        <p:blipFill>
-          <a:blip r:embed="rId3"/>
-          <a:stretch>
-            <a:fillRect/>
-          </a:stretch>
-        </p:blipFill>
-        <p:spPr>
-          <a:xfrm>
-            <a:off x="2666702" y="2921880"/>
-            <a:ext cx="6858594" cy="2888230"/>
-          </a:xfrm>
-          <a:prstGeom prst="rect">
-            <a:avLst/>
-          </a:prstGeom>
-        </p:spPr>
-      </p:pic>
-    </p:spTree>
-    <p:extLst>
-      <p:ext uri="{BB962C8B-B14F-4D97-AF65-F5344CB8AC3E}">
-        <p14:creationId xmlns:p14="http://schemas.microsoft.com/office/powerpoint/2010/main" val="1013925589"/>
-      </p:ext>
-    </p:extLst>
-  </p:cSld>
-  <p:clrMapOvr>
-    <a:masterClrMapping/>
-  </p:clrMapOvr>
-  <mc:AlternateContent xmlns:mc="http://schemas.openxmlformats.org/markup-compatibility/2006" xmlns:p159="http://schemas.microsoft.com/office/powerpoint/2015/09/main">
-    <mc:Choice Requires="p159">
-      <p:transition>
-        <p159:morph option="byObject"/>
-      </p:transition>
-    </mc:Choice>
-    <mc:Fallback xmlns="">
-      <p:transition>
-        <p:fade/>
-      </p:transition>
-    </mc:Fallback>
-  </mc:AlternateContent>
-</p:sld>
-</file>
-
-<file path=ppt/slides/slide15.xml><?xml version="1.0" encoding="utf-8"?>
-<p:sld xmlns:a="http://schemas.openxmlformats.org/drawingml/2006/main" xmlns:r="http://schemas.openxmlformats.org/officeDocument/2006/relationships" xmlns:p="http://schemas.openxmlformats.org/presentationml/2006/main">
-  <p:cSld>
-    <p:spTree>
-      <p:nvGrpSpPr>
-        <p:cNvPr id="1" name=""/>
-        <p:cNvGrpSpPr/>
-        <p:nvPr/>
-      </p:nvGrpSpPr>
-      <p:grpSpPr>
-        <a:xfrm>
-          <a:off x="0" y="0"/>
-          <a:ext cx="0" cy="0"/>
-          <a:chOff x="0" y="0"/>
-          <a:chExt cx="0" cy="0"/>
-        </a:xfrm>
-      </p:grpSpPr>
-      <p:sp>
-        <p:nvSpPr>
-          <p:cNvPr id="2" name="Titolo 1">
-            <a:extLst>
-              <a:ext uri="{FF2B5EF4-FFF2-40B4-BE49-F238E27FC236}">
-                <a16:creationId xmlns:a16="http://schemas.microsoft.com/office/drawing/2014/main" id="{C52A84B7-7A0C-AF76-CB3E-CAC0F7B18247}"/>
-              </a:ext>
-            </a:extLst>
-          </p:cNvPr>
-          <p:cNvSpPr>
-            <a:spLocks noGrp="1"/>
-          </p:cNvSpPr>
-          <p:nvPr>
-            <p:ph type="title"/>
-          </p:nvPr>
-        </p:nvSpPr>
-        <p:spPr/>
-        <p:txBody>
-          <a:bodyPr/>
-          <a:lstStyle/>
-          <a:p>
-            <a:pPr algn="ctr"/>
-            <a:r>
-              <a:rPr lang="it-IT" dirty="0">
-                <a:latin typeface="Century Gothic" panose="020B0502020202020204" pitchFamily="34" charset="0"/>
-              </a:rPr>
-              <a:t>Le classi </a:t>
-            </a:r>
-            <a:r>
-              <a:rPr lang="it-IT" dirty="0">
-                <a:latin typeface="Consolas" panose="020B0609020204030204" pitchFamily="49" charset="0"/>
-              </a:rPr>
-              <a:t>@Entity</a:t>
-            </a:r>
-          </a:p>
-        </p:txBody>
-      </p:sp>
-      <p:sp>
-        <p:nvSpPr>
-          <p:cNvPr id="10" name="Segnaposto numero diapositiva 9">
-            <a:extLst>
-              <a:ext uri="{FF2B5EF4-FFF2-40B4-BE49-F238E27FC236}">
-                <a16:creationId xmlns:a16="http://schemas.microsoft.com/office/drawing/2014/main" id="{063A5202-1C0C-814D-E781-009F8BC52CFC}"/>
-              </a:ext>
-            </a:extLst>
-          </p:cNvPr>
-          <p:cNvSpPr>
-            <a:spLocks noGrp="1"/>
-          </p:cNvSpPr>
-          <p:nvPr>
-            <p:ph type="sldNum" sz="quarter" idx="12"/>
-          </p:nvPr>
-        </p:nvSpPr>
-        <p:spPr/>
-        <p:txBody>
-          <a:bodyPr/>
-          <a:lstStyle/>
-          <a:p>
-            <a:fld id="{3F24ED9F-0AD1-BB4C-9842-01F95E80AFCD}" type="slidenum">
-              <a:rPr lang="it-IT" smtClean="0"/>
-              <a:t>15</a:t>
-            </a:fld>
-            <a:endParaRPr lang="it-IT" dirty="0"/>
-          </a:p>
-        </p:txBody>
-      </p:sp>
-      <p:sp>
-        <p:nvSpPr>
-          <p:cNvPr id="12" name="Rettangolo 11">
-            <a:extLst>
-              <a:ext uri="{FF2B5EF4-FFF2-40B4-BE49-F238E27FC236}">
-                <a16:creationId xmlns:a16="http://schemas.microsoft.com/office/drawing/2014/main" id="{16114131-5C77-D323-91F2-4E977519BCC3}"/>
-              </a:ext>
-            </a:extLst>
-          </p:cNvPr>
-          <p:cNvSpPr/>
-          <p:nvPr/>
-        </p:nvSpPr>
-        <p:spPr>
-          <a:xfrm rot="5400000" flipH="1">
-            <a:off x="6073140" y="-3836435"/>
-            <a:ext cx="45719" cy="10515602"/>
-          </a:xfrm>
-          <a:prstGeom prst="rect">
-            <a:avLst/>
-          </a:prstGeom>
-          <a:solidFill>
-            <a:srgbClr val="0080E0"/>
-          </a:solidFill>
-          <a:ln>
-            <a:noFill/>
-          </a:ln>
-        </p:spPr>
-        <p:style>
-          <a:lnRef idx="2">
-            <a:schemeClr val="accent1">
-              <a:shade val="50000"/>
-            </a:schemeClr>
-          </a:lnRef>
-          <a:fillRef idx="1">
-            <a:schemeClr val="accent1"/>
-          </a:fillRef>
-          <a:effectRef idx="0">
-            <a:schemeClr val="accent1"/>
-          </a:effectRef>
-          <a:fontRef idx="minor">
-            <a:schemeClr val="lt1"/>
-          </a:fontRef>
-        </p:style>
-        <p:txBody>
-          <a:bodyPr rtlCol="0" anchor="ctr"/>
-          <a:lstStyle/>
-          <a:p>
-            <a:pPr algn="ctr"/>
-            <a:endParaRPr lang="it-IT" dirty="0"/>
-          </a:p>
-        </p:txBody>
-      </p:sp>
-      <p:sp>
-        <p:nvSpPr>
-          <p:cNvPr id="8" name="Rettangolo 7">
-            <a:extLst>
-              <a:ext uri="{FF2B5EF4-FFF2-40B4-BE49-F238E27FC236}">
-                <a16:creationId xmlns:a16="http://schemas.microsoft.com/office/drawing/2014/main" id="{5E58F222-329C-C851-CF7F-26BD0E84C622}"/>
-              </a:ext>
-            </a:extLst>
-          </p:cNvPr>
-          <p:cNvSpPr/>
-          <p:nvPr/>
-        </p:nvSpPr>
-        <p:spPr>
-          <a:xfrm>
-            <a:off x="741205" y="1596317"/>
-            <a:ext cx="5000834" cy="4598006"/>
-          </a:xfrm>
-          <a:prstGeom prst="rect">
-            <a:avLst/>
-          </a:prstGeom>
-          <a:ln>
-            <a:noFill/>
-          </a:ln>
-        </p:spPr>
-        <p:style>
-          <a:lnRef idx="2">
-            <a:schemeClr val="accent6"/>
-          </a:lnRef>
-          <a:fillRef idx="1">
-            <a:schemeClr val="lt1"/>
-          </a:fillRef>
-          <a:effectRef idx="0">
-            <a:schemeClr val="accent6"/>
-          </a:effectRef>
-          <a:fontRef idx="minor">
-            <a:schemeClr val="dk1"/>
-          </a:fontRef>
-        </p:style>
-        <p:txBody>
-          <a:bodyPr rtlCol="0" anchor="t"/>
-          <a:lstStyle/>
-          <a:p>
-            <a:pPr algn="l"/>
-            <a:r>
-              <a:rPr lang="it-IT" sz="1800" b="0" i="0" u="none" strike="noStrike" baseline="0" dirty="0">
-                <a:latin typeface="+mj-lt"/>
-              </a:rPr>
-              <a:t>Una classe annotata come </a:t>
-            </a:r>
-            <a:r>
-              <a:rPr lang="it-IT" sz="1800" b="0" i="0" u="none" strike="noStrike" baseline="0" dirty="0">
-                <a:latin typeface="Consolas" panose="020B0609020204030204" pitchFamily="49" charset="0"/>
-              </a:rPr>
-              <a:t>@Entity </a:t>
-            </a:r>
-            <a:r>
-              <a:rPr lang="it-IT" sz="1800" b="0" i="0" u="none" strike="noStrike" baseline="0" dirty="0">
-                <a:latin typeface="+mj-lt"/>
-              </a:rPr>
-              <a:t>indica che questa servirà per la creazione di una tabella all’interno del Database specificato, utilizzando come campi gli attributi della classe.</a:t>
-            </a:r>
-          </a:p>
-          <a:p>
-            <a:pPr algn="l"/>
-            <a:r>
-              <a:rPr lang="it-IT" sz="1800" b="0" i="0" u="none" strike="noStrike" baseline="0" dirty="0">
-                <a:latin typeface="+mj-lt"/>
-              </a:rPr>
-              <a:t>Si noti come ad una normale classe Java siano aggiunte solo le annotazioni Spring:</a:t>
-            </a:r>
-          </a:p>
-          <a:p>
-            <a:pPr algn="l"/>
-            <a:endParaRPr lang="it-IT" sz="1800" b="0" i="0" u="none" strike="noStrike" baseline="0" dirty="0">
-              <a:latin typeface="+mj-lt"/>
-            </a:endParaRPr>
-          </a:p>
-          <a:p>
-            <a:pPr marL="285750" indent="-285750" algn="l">
-              <a:buFont typeface="Arial" panose="020B0604020202020204" pitchFamily="34" charset="0"/>
-              <a:buChar char="•"/>
-            </a:pPr>
-            <a:r>
-              <a:rPr lang="it-IT" sz="1800" b="0" i="0" u="none" strike="noStrike" baseline="0" dirty="0">
-                <a:latin typeface="Consolas" panose="020B0609020204030204" pitchFamily="49" charset="0"/>
-              </a:rPr>
-              <a:t>@Id </a:t>
-            </a:r>
-            <a:r>
-              <a:rPr lang="it-IT" sz="1800" b="0" i="0" u="none" strike="noStrike" baseline="0" dirty="0">
-                <a:latin typeface="+mj-lt"/>
-              </a:rPr>
-              <a:t>e </a:t>
-            </a:r>
-            <a:r>
-              <a:rPr lang="it-IT" sz="1800" b="0" i="0" u="none" strike="noStrike" baseline="0" dirty="0">
-                <a:latin typeface="Consolas" panose="020B0609020204030204" pitchFamily="49" charset="0"/>
-              </a:rPr>
-              <a:t>@GeneratedValue()</a:t>
-            </a:r>
-            <a:r>
-              <a:rPr lang="it-IT" sz="1800" b="0" i="0" u="none" strike="noStrike" baseline="0" dirty="0">
-                <a:latin typeface="+mj-lt"/>
-              </a:rPr>
-              <a:t> per definire l’attributo come id autogenerato</a:t>
-            </a:r>
-          </a:p>
-          <a:p>
-            <a:pPr algn="l"/>
-            <a:endParaRPr lang="it-IT" sz="1800" b="0" i="0" u="none" strike="noStrike" baseline="0" dirty="0">
-              <a:latin typeface="+mj-lt"/>
-            </a:endParaRPr>
-          </a:p>
-          <a:p>
-            <a:pPr marL="285750" indent="-285750" algn="l">
-              <a:buFont typeface="Arial" panose="020B0604020202020204" pitchFamily="34" charset="0"/>
-              <a:buChar char="•"/>
-            </a:pPr>
-            <a:r>
-              <a:rPr lang="it-IT" dirty="0">
-                <a:latin typeface="Consolas" panose="020B0609020204030204" pitchFamily="49" charset="0"/>
-              </a:rPr>
-              <a:t>@Column()</a:t>
-            </a:r>
-            <a:r>
-              <a:rPr lang="it-IT" sz="1800" b="0" i="0" u="none" strike="noStrike" baseline="0" dirty="0">
-                <a:latin typeface="+mj-lt"/>
-              </a:rPr>
-              <a:t> per definire il nome di un campo (colonna) della tabella ed eventuali altre proprietà</a:t>
-            </a:r>
-            <a:endParaRPr lang="it-IT" dirty="0">
-              <a:latin typeface="+mj-lt"/>
-            </a:endParaRPr>
-          </a:p>
-        </p:txBody>
-      </p:sp>
-      <p:pic>
-        <p:nvPicPr>
-          <p:cNvPr id="5" name="Immagine 4">
-            <a:extLst>
-              <a:ext uri="{FF2B5EF4-FFF2-40B4-BE49-F238E27FC236}">
-                <a16:creationId xmlns:a16="http://schemas.microsoft.com/office/drawing/2014/main" id="{31E9ECE9-BF68-3E8E-2944-F11F11D7D76A}"/>
-              </a:ext>
-            </a:extLst>
-          </p:cNvPr>
-          <p:cNvPicPr>
-            <a:picLocks noChangeAspect="1"/>
-          </p:cNvPicPr>
-          <p:nvPr/>
-        </p:nvPicPr>
-        <p:blipFill>
-          <a:blip r:embed="rId3"/>
-          <a:stretch>
-            <a:fillRect/>
-          </a:stretch>
-        </p:blipFill>
-        <p:spPr>
-          <a:xfrm>
-            <a:off x="5675662" y="1643020"/>
-            <a:ext cx="5675847" cy="4551303"/>
-          </a:xfrm>
-          <a:prstGeom prst="rect">
-            <a:avLst/>
-          </a:prstGeom>
-        </p:spPr>
-      </p:pic>
-    </p:spTree>
-    <p:extLst>
-      <p:ext uri="{BB962C8B-B14F-4D97-AF65-F5344CB8AC3E}">
-        <p14:creationId xmlns:p14="http://schemas.microsoft.com/office/powerpoint/2010/main" val="526267268"/>
-      </p:ext>
-    </p:extLst>
-  </p:cSld>
-  <p:clrMapOvr>
-    <a:masterClrMapping/>
-  </p:clrMapOvr>
-  <mc:AlternateContent xmlns:mc="http://schemas.openxmlformats.org/markup-compatibility/2006" xmlns:p159="http://schemas.microsoft.com/office/powerpoint/2015/09/main">
-    <mc:Choice Requires="p159">
-      <p:transition>
-        <p159:morph option="byObject"/>
-      </p:transition>
-    </mc:Choice>
-    <mc:Fallback xmlns="">
-      <p:transition>
-        <p:fade/>
-      </p:transition>
-    </mc:Fallback>
-  </mc:AlternateContent>
-</p:sld>
-</file>
-
-<file path=ppt/slides/slide16.xml><?xml version="1.0" encoding="utf-8"?>
-<p:sld xmlns:a="http://schemas.openxmlformats.org/drawingml/2006/main" xmlns:r="http://schemas.openxmlformats.org/officeDocument/2006/relationships" xmlns:p="http://schemas.openxmlformats.org/presentationml/2006/main">
-  <p:cSld>
-    <p:spTree>
-      <p:nvGrpSpPr>
-        <p:cNvPr id="1" name=""/>
-        <p:cNvGrpSpPr/>
-        <p:nvPr/>
-      </p:nvGrpSpPr>
-      <p:grpSpPr>
-        <a:xfrm>
-          <a:off x="0" y="0"/>
-          <a:ext cx="0" cy="0"/>
-          <a:chOff x="0" y="0"/>
-          <a:chExt cx="0" cy="0"/>
-        </a:xfrm>
-      </p:grpSpPr>
-      <p:sp>
-        <p:nvSpPr>
-          <p:cNvPr id="2" name="Titolo 1">
-            <a:extLst>
-              <a:ext uri="{FF2B5EF4-FFF2-40B4-BE49-F238E27FC236}">
-                <a16:creationId xmlns:a16="http://schemas.microsoft.com/office/drawing/2014/main" id="{C52A84B7-7A0C-AF76-CB3E-CAC0F7B18247}"/>
-              </a:ext>
-            </a:extLst>
-          </p:cNvPr>
-          <p:cNvSpPr>
-            <a:spLocks noGrp="1"/>
-          </p:cNvSpPr>
-          <p:nvPr>
-            <p:ph type="title"/>
-          </p:nvPr>
-        </p:nvSpPr>
-        <p:spPr/>
-        <p:txBody>
-          <a:bodyPr/>
-          <a:lstStyle/>
-          <a:p>
-            <a:pPr algn="ctr"/>
-            <a:r>
-              <a:rPr lang="it-IT" dirty="0">
-                <a:latin typeface="Century Gothic" panose="020B0502020202020204" pitchFamily="34" charset="0"/>
-              </a:rPr>
-              <a:t>Le classi </a:t>
-            </a:r>
-            <a:r>
-              <a:rPr lang="it-IT" dirty="0">
-                <a:latin typeface="Consolas" panose="020B0609020204030204" pitchFamily="49" charset="0"/>
-              </a:rPr>
-              <a:t>@Controller</a:t>
-            </a:r>
-          </a:p>
-        </p:txBody>
-      </p:sp>
-      <p:sp>
-        <p:nvSpPr>
-          <p:cNvPr id="10" name="Segnaposto numero diapositiva 9">
-            <a:extLst>
-              <a:ext uri="{FF2B5EF4-FFF2-40B4-BE49-F238E27FC236}">
-                <a16:creationId xmlns:a16="http://schemas.microsoft.com/office/drawing/2014/main" id="{063A5202-1C0C-814D-E781-009F8BC52CFC}"/>
-              </a:ext>
-            </a:extLst>
-          </p:cNvPr>
-          <p:cNvSpPr>
-            <a:spLocks noGrp="1"/>
-          </p:cNvSpPr>
-          <p:nvPr>
-            <p:ph type="sldNum" sz="quarter" idx="12"/>
-          </p:nvPr>
-        </p:nvSpPr>
-        <p:spPr/>
-        <p:txBody>
-          <a:bodyPr/>
-          <a:lstStyle/>
-          <a:p>
-            <a:fld id="{3F24ED9F-0AD1-BB4C-9842-01F95E80AFCD}" type="slidenum">
-              <a:rPr lang="it-IT" smtClean="0"/>
-              <a:t>16</a:t>
-            </a:fld>
-            <a:endParaRPr lang="it-IT" dirty="0"/>
-          </a:p>
-        </p:txBody>
-      </p:sp>
-      <p:sp>
-        <p:nvSpPr>
-          <p:cNvPr id="12" name="Rettangolo 11">
-            <a:extLst>
-              <a:ext uri="{FF2B5EF4-FFF2-40B4-BE49-F238E27FC236}">
-                <a16:creationId xmlns:a16="http://schemas.microsoft.com/office/drawing/2014/main" id="{16114131-5C77-D323-91F2-4E977519BCC3}"/>
-              </a:ext>
-            </a:extLst>
-          </p:cNvPr>
-          <p:cNvSpPr/>
-          <p:nvPr/>
-        </p:nvSpPr>
-        <p:spPr>
-          <a:xfrm rot="5400000" flipH="1">
-            <a:off x="6073140" y="-3836435"/>
-            <a:ext cx="45719" cy="10515602"/>
-          </a:xfrm>
-          <a:prstGeom prst="rect">
-            <a:avLst/>
-          </a:prstGeom>
-          <a:solidFill>
-            <a:srgbClr val="0080E0"/>
-          </a:solidFill>
-          <a:ln>
-            <a:noFill/>
-          </a:ln>
-        </p:spPr>
-        <p:style>
-          <a:lnRef idx="2">
-            <a:schemeClr val="accent1">
-              <a:shade val="50000"/>
-            </a:schemeClr>
-          </a:lnRef>
-          <a:fillRef idx="1">
-            <a:schemeClr val="accent1"/>
-          </a:fillRef>
-          <a:effectRef idx="0">
-            <a:schemeClr val="accent1"/>
-          </a:effectRef>
-          <a:fontRef idx="minor">
-            <a:schemeClr val="lt1"/>
-          </a:fontRef>
-        </p:style>
-        <p:txBody>
-          <a:bodyPr rtlCol="0" anchor="ctr"/>
-          <a:lstStyle/>
-          <a:p>
-            <a:pPr algn="ctr"/>
-            <a:endParaRPr lang="it-IT" dirty="0"/>
-          </a:p>
-        </p:txBody>
-      </p:sp>
-      <p:sp>
-        <p:nvSpPr>
-          <p:cNvPr id="16" name="CasellaDiTesto 15">
-            <a:extLst>
-              <a:ext uri="{FF2B5EF4-FFF2-40B4-BE49-F238E27FC236}">
-                <a16:creationId xmlns:a16="http://schemas.microsoft.com/office/drawing/2014/main" id="{699A673E-A5FE-8171-D898-6D88584096F3}"/>
-              </a:ext>
-            </a:extLst>
-          </p:cNvPr>
-          <p:cNvSpPr txBox="1"/>
-          <p:nvPr/>
-        </p:nvSpPr>
-        <p:spPr>
-          <a:xfrm>
-            <a:off x="838200" y="2551837"/>
-            <a:ext cx="10515601" cy="2031325"/>
-          </a:xfrm>
-          <a:prstGeom prst="rect">
-            <a:avLst/>
-          </a:prstGeom>
-          <a:noFill/>
-        </p:spPr>
-        <p:txBody>
-          <a:bodyPr wrap="square">
-            <a:spAutoFit/>
-          </a:bodyPr>
-          <a:lstStyle/>
-          <a:p>
-            <a:pPr algn="just"/>
-            <a:r>
-              <a:rPr lang="it-IT" dirty="0">
-                <a:latin typeface="+mj-lt"/>
-              </a:rPr>
-              <a:t>Una classe annotata come </a:t>
-            </a:r>
-            <a:r>
-              <a:rPr lang="it-IT" dirty="0">
-                <a:latin typeface="Consolas" panose="020B0609020204030204" pitchFamily="49" charset="0"/>
-              </a:rPr>
-              <a:t>@RestController</a:t>
-            </a:r>
-            <a:r>
-              <a:rPr lang="it-IT" dirty="0">
-                <a:latin typeface="+mj-lt"/>
-              </a:rPr>
-              <a:t> è utilizzata per la gestione di richieste HTTP.</a:t>
-            </a:r>
-          </a:p>
-          <a:p>
-            <a:pPr algn="just"/>
-            <a:r>
-              <a:rPr lang="it-IT" dirty="0">
-                <a:latin typeface="+mj-lt"/>
-              </a:rPr>
-              <a:t>I metodi che possono essere utilizzati con questa tipologia di Controller sono </a:t>
-            </a:r>
-            <a:r>
-              <a:rPr lang="it-IT" dirty="0">
-                <a:latin typeface="Consolas" panose="020B0609020204030204" pitchFamily="49" charset="0"/>
-              </a:rPr>
-              <a:t>@RequestMapping</a:t>
-            </a:r>
-            <a:r>
-              <a:rPr lang="it-IT" dirty="0">
-                <a:latin typeface="+mj-lt"/>
-              </a:rPr>
-              <a:t>, </a:t>
-            </a:r>
-            <a:r>
-              <a:rPr lang="it-IT" dirty="0">
-                <a:latin typeface="Consolas" panose="020B0609020204030204" pitchFamily="49" charset="0"/>
-              </a:rPr>
-              <a:t>@GetMapping</a:t>
-            </a:r>
-            <a:r>
-              <a:rPr lang="it-IT" dirty="0">
-                <a:latin typeface="+mj-lt"/>
-              </a:rPr>
-              <a:t>, </a:t>
-            </a:r>
-            <a:r>
-              <a:rPr lang="it-IT" dirty="0">
-                <a:latin typeface="Consolas" panose="020B0609020204030204" pitchFamily="49" charset="0"/>
-              </a:rPr>
-              <a:t>@PostMapping</a:t>
-            </a:r>
-            <a:r>
-              <a:rPr lang="it-IT" dirty="0">
-                <a:latin typeface="+mj-lt"/>
-              </a:rPr>
-              <a:t>, </a:t>
-            </a:r>
-            <a:r>
-              <a:rPr lang="it-IT" dirty="0">
-                <a:latin typeface="Consolas" panose="020B0609020204030204" pitchFamily="49" charset="0"/>
-              </a:rPr>
-              <a:t>@PutMapping</a:t>
-            </a:r>
-            <a:r>
-              <a:rPr lang="it-IT" dirty="0">
-                <a:latin typeface="+mj-lt"/>
-              </a:rPr>
-              <a:t>, </a:t>
-            </a:r>
-            <a:r>
-              <a:rPr lang="it-IT" dirty="0">
-                <a:latin typeface="Consolas" panose="020B0609020204030204" pitchFamily="49" charset="0"/>
-              </a:rPr>
-              <a:t>@DeleteMapping </a:t>
-            </a:r>
-            <a:r>
-              <a:rPr lang="it-IT" dirty="0">
-                <a:latin typeface="+mj-lt"/>
-              </a:rPr>
-              <a:t>ecc., si devono sempre specificare l’URL e il tipo di richiesta da gestire.</a:t>
-            </a:r>
-          </a:p>
-          <a:p>
-            <a:pPr algn="just"/>
-            <a:endParaRPr lang="it-IT" dirty="0">
-              <a:latin typeface="+mj-lt"/>
-            </a:endParaRPr>
-          </a:p>
-          <a:p>
-            <a:pPr algn="just"/>
-            <a:r>
-              <a:rPr lang="it-IT" dirty="0">
-                <a:latin typeface="+mj-lt"/>
-              </a:rPr>
-              <a:t>In un’architettura REST le risorse sono rappresentate in modo da essere compatibili con le operazioni </a:t>
-            </a:r>
-            <a:r>
-              <a:rPr lang="it-IT" b="1" dirty="0">
-                <a:latin typeface="+mj-lt"/>
-              </a:rPr>
-              <a:t>CRUD</a:t>
-            </a:r>
-            <a:r>
-              <a:rPr lang="it-IT" dirty="0">
-                <a:latin typeface="+mj-lt"/>
-              </a:rPr>
-              <a:t> (Create, Read, Update, Delete).</a:t>
-            </a:r>
-          </a:p>
-        </p:txBody>
-      </p:sp>
-    </p:spTree>
-    <p:extLst>
-      <p:ext uri="{BB962C8B-B14F-4D97-AF65-F5344CB8AC3E}">
-        <p14:creationId xmlns:p14="http://schemas.microsoft.com/office/powerpoint/2010/main" val="2386887324"/>
-      </p:ext>
-    </p:extLst>
-  </p:cSld>
-  <p:clrMapOvr>
-    <a:masterClrMapping/>
-  </p:clrMapOvr>
-  <mc:AlternateContent xmlns:mc="http://schemas.openxmlformats.org/markup-compatibility/2006" xmlns:p159="http://schemas.microsoft.com/office/powerpoint/2015/09/main">
-    <mc:Choice Requires="p159">
-      <p:transition>
-        <p159:morph option="byObject"/>
-      </p:transition>
-    </mc:Choice>
-    <mc:Fallback xmlns="">
-      <p:transition>
-        <p:fade/>
-      </p:transition>
-    </mc:Fallback>
-  </mc:AlternateContent>
-</p:sld>
-</file>
-
-<file path=ppt/slides/slide17.xml><?xml version="1.0" encoding="utf-8"?>
-<p:sld xmlns:a="http://schemas.openxmlformats.org/drawingml/2006/main" xmlns:r="http://schemas.openxmlformats.org/officeDocument/2006/relationships" xmlns:p="http://schemas.openxmlformats.org/presentationml/2006/main">
-  <p:cSld>
-    <p:spTree>
-      <p:nvGrpSpPr>
-        <p:cNvPr id="1" name=""/>
-        <p:cNvGrpSpPr/>
-        <p:nvPr/>
-      </p:nvGrpSpPr>
-      <p:grpSpPr>
-        <a:xfrm>
-          <a:off x="0" y="0"/>
-          <a:ext cx="0" cy="0"/>
-          <a:chOff x="0" y="0"/>
-          <a:chExt cx="0" cy="0"/>
-        </a:xfrm>
-      </p:grpSpPr>
-      <p:sp>
-        <p:nvSpPr>
-          <p:cNvPr id="2" name="Titolo 1">
-            <a:extLst>
-              <a:ext uri="{FF2B5EF4-FFF2-40B4-BE49-F238E27FC236}">
-                <a16:creationId xmlns:a16="http://schemas.microsoft.com/office/drawing/2014/main" id="{C52A84B7-7A0C-AF76-CB3E-CAC0F7B18247}"/>
-              </a:ext>
-            </a:extLst>
-          </p:cNvPr>
-          <p:cNvSpPr>
-            <a:spLocks noGrp="1"/>
-          </p:cNvSpPr>
-          <p:nvPr>
-            <p:ph type="title"/>
-          </p:nvPr>
-        </p:nvSpPr>
-        <p:spPr/>
-        <p:txBody>
-          <a:bodyPr/>
-          <a:lstStyle/>
-          <a:p>
-            <a:pPr algn="ctr"/>
-            <a:r>
-              <a:rPr lang="it-IT" dirty="0">
-                <a:latin typeface="Century Gothic" panose="020B0502020202020204" pitchFamily="34" charset="0"/>
-              </a:rPr>
-              <a:t>La classe </a:t>
-            </a:r>
-            <a:r>
-              <a:rPr lang="it-IT" dirty="0">
-                <a:latin typeface="Consolas" panose="020B0609020204030204" pitchFamily="49" charset="0"/>
-              </a:rPr>
-              <a:t>JoinController.java</a:t>
-            </a:r>
-          </a:p>
-        </p:txBody>
-      </p:sp>
-      <p:sp>
-        <p:nvSpPr>
-          <p:cNvPr id="10" name="Segnaposto numero diapositiva 9">
-            <a:extLst>
-              <a:ext uri="{FF2B5EF4-FFF2-40B4-BE49-F238E27FC236}">
-                <a16:creationId xmlns:a16="http://schemas.microsoft.com/office/drawing/2014/main" id="{063A5202-1C0C-814D-E781-009F8BC52CFC}"/>
-              </a:ext>
-            </a:extLst>
-          </p:cNvPr>
-          <p:cNvSpPr>
-            <a:spLocks noGrp="1"/>
-          </p:cNvSpPr>
-          <p:nvPr>
-            <p:ph type="sldNum" sz="quarter" idx="12"/>
-          </p:nvPr>
-        </p:nvSpPr>
-        <p:spPr/>
-        <p:txBody>
-          <a:bodyPr/>
-          <a:lstStyle/>
-          <a:p>
-            <a:fld id="{3F24ED9F-0AD1-BB4C-9842-01F95E80AFCD}" type="slidenum">
-              <a:rPr lang="it-IT" smtClean="0"/>
-              <a:t>17</a:t>
-            </a:fld>
-            <a:endParaRPr lang="it-IT" dirty="0"/>
-          </a:p>
-        </p:txBody>
-      </p:sp>
-      <p:sp>
-        <p:nvSpPr>
-          <p:cNvPr id="12" name="Rettangolo 11">
-            <a:extLst>
-              <a:ext uri="{FF2B5EF4-FFF2-40B4-BE49-F238E27FC236}">
-                <a16:creationId xmlns:a16="http://schemas.microsoft.com/office/drawing/2014/main" id="{16114131-5C77-D323-91F2-4E977519BCC3}"/>
-              </a:ext>
-            </a:extLst>
-          </p:cNvPr>
-          <p:cNvSpPr/>
-          <p:nvPr/>
-        </p:nvSpPr>
-        <p:spPr>
-          <a:xfrm rot="5400000" flipH="1">
-            <a:off x="6073140" y="-3836435"/>
-            <a:ext cx="45719" cy="10515602"/>
-          </a:xfrm>
-          <a:prstGeom prst="rect">
-            <a:avLst/>
-          </a:prstGeom>
-          <a:solidFill>
-            <a:srgbClr val="0080E0"/>
-          </a:solidFill>
-          <a:ln>
-            <a:noFill/>
-          </a:ln>
-        </p:spPr>
-        <p:style>
-          <a:lnRef idx="2">
-            <a:schemeClr val="accent1">
-              <a:shade val="50000"/>
-            </a:schemeClr>
-          </a:lnRef>
-          <a:fillRef idx="1">
-            <a:schemeClr val="accent1"/>
-          </a:fillRef>
-          <a:effectRef idx="0">
-            <a:schemeClr val="accent1"/>
-          </a:effectRef>
-          <a:fontRef idx="minor">
-            <a:schemeClr val="lt1"/>
-          </a:fontRef>
-        </p:style>
-        <p:txBody>
-          <a:bodyPr rtlCol="0" anchor="ctr"/>
-          <a:lstStyle/>
-          <a:p>
-            <a:pPr algn="ctr"/>
-            <a:endParaRPr lang="it-IT" dirty="0"/>
-          </a:p>
-        </p:txBody>
-      </p:sp>
-      <p:pic>
-        <p:nvPicPr>
-          <p:cNvPr id="6" name="Immagine 5">
-            <a:extLst>
-              <a:ext uri="{FF2B5EF4-FFF2-40B4-BE49-F238E27FC236}">
-                <a16:creationId xmlns:a16="http://schemas.microsoft.com/office/drawing/2014/main" id="{8E73092B-63A3-BEB3-9067-788834B8E480}"/>
-              </a:ext>
-            </a:extLst>
-          </p:cNvPr>
-          <p:cNvPicPr>
-            <a:picLocks noChangeAspect="1"/>
-          </p:cNvPicPr>
-          <p:nvPr/>
-        </p:nvPicPr>
-        <p:blipFill>
-          <a:blip r:embed="rId3"/>
-          <a:stretch>
-            <a:fillRect/>
-          </a:stretch>
-        </p:blipFill>
-        <p:spPr>
-          <a:xfrm>
-            <a:off x="1312057" y="1690688"/>
-            <a:ext cx="9567884" cy="4025184"/>
-          </a:xfrm>
-          <a:prstGeom prst="rect">
-            <a:avLst/>
-          </a:prstGeom>
-        </p:spPr>
-      </p:pic>
-    </p:spTree>
-    <p:extLst>
-      <p:ext uri="{BB962C8B-B14F-4D97-AF65-F5344CB8AC3E}">
-        <p14:creationId xmlns:p14="http://schemas.microsoft.com/office/powerpoint/2010/main" val="3609852211"/>
-      </p:ext>
-    </p:extLst>
-  </p:cSld>
-  <p:clrMapOvr>
-    <a:masterClrMapping/>
-  </p:clrMapOvr>
-  <mc:AlternateContent xmlns:mc="http://schemas.openxmlformats.org/markup-compatibility/2006" xmlns:p159="http://schemas.microsoft.com/office/powerpoint/2015/09/main">
-    <mc:Choice Requires="p159">
-      <p:transition>
-        <p159:morph option="byObject"/>
-      </p:transition>
-    </mc:Choice>
-    <mc:Fallback xmlns="">
-      <p:transition>
-        <p:fade/>
-      </p:transition>
-    </mc:Fallback>
-  </mc:AlternateContent>
-</p:sld>
-</file>
-
-<file path=ppt/slides/slide18.xml><?xml version="1.0" encoding="utf-8"?>
-<p:sld xmlns:a="http://schemas.openxmlformats.org/drawingml/2006/main" xmlns:r="http://schemas.openxmlformats.org/officeDocument/2006/relationships" xmlns:p="http://schemas.openxmlformats.org/presentationml/2006/main">
-  <p:cSld>
-    <p:spTree>
-      <p:nvGrpSpPr>
-        <p:cNvPr id="1" name=""/>
-        <p:cNvGrpSpPr/>
-        <p:nvPr/>
-      </p:nvGrpSpPr>
-      <p:grpSpPr>
-        <a:xfrm>
-          <a:off x="0" y="0"/>
-          <a:ext cx="0" cy="0"/>
-          <a:chOff x="0" y="0"/>
-          <a:chExt cx="0" cy="0"/>
-        </a:xfrm>
-      </p:grpSpPr>
-      <p:sp>
-        <p:nvSpPr>
-          <p:cNvPr id="4" name="Titolo 1">
-            <a:extLst>
-              <a:ext uri="{FF2B5EF4-FFF2-40B4-BE49-F238E27FC236}">
-                <a16:creationId xmlns:a16="http://schemas.microsoft.com/office/drawing/2014/main" id="{A3224411-147C-D930-C92D-559CCA95B0C1}"/>
-              </a:ext>
-            </a:extLst>
-          </p:cNvPr>
-          <p:cNvSpPr txBox="1">
-            <a:spLocks/>
-          </p:cNvSpPr>
-          <p:nvPr/>
-        </p:nvSpPr>
-        <p:spPr>
-          <a:xfrm>
-            <a:off x="1524000" y="2914990"/>
-            <a:ext cx="9144000" cy="1028020"/>
-          </a:xfrm>
-          <a:prstGeom prst="rect">
-            <a:avLst/>
-          </a:prstGeom>
-          <a:solidFill>
-            <a:srgbClr val="FF0000"/>
-          </a:solidFill>
-        </p:spPr>
-        <p:txBody>
-          <a:bodyPr vert="horz" lIns="91440" tIns="45720" rIns="91440" bIns="45720" rtlCol="0" anchor="ctr">
-            <a:normAutofit/>
-          </a:bodyPr>
-          <a:lstStyle>
-            <a:lvl1pPr algn="ctr" defTabSz="914400" rtl="0" eaLnBrk="1" latinLnBrk="0" hangingPunct="1">
-              <a:lnSpc>
-                <a:spcPct val="90000"/>
-              </a:lnSpc>
-              <a:spcBef>
-                <a:spcPct val="0"/>
-              </a:spcBef>
-              <a:buNone/>
-              <a:defRPr sz="6000" kern="1200">
-                <a:solidFill>
-                  <a:schemeClr val="tx1"/>
-                </a:solidFill>
-                <a:latin typeface="+mj-lt"/>
-                <a:ea typeface="+mj-ea"/>
-                <a:cs typeface="+mj-cs"/>
-              </a:defRPr>
-            </a:lvl1pPr>
-          </a:lstStyle>
-          <a:p>
-            <a:r>
-              <a:rPr lang="it-IT" dirty="0">
-                <a:ln>
-                  <a:solidFill>
-                    <a:schemeClr val="bg1"/>
-                  </a:solidFill>
-                </a:ln>
-                <a:solidFill>
-                  <a:schemeClr val="bg1"/>
-                </a:solidFill>
-                <a:effectLst>
-                  <a:outerShdw blurRad="50800" dist="38100" dir="5400000" algn="t" rotWithShape="0">
-                    <a:prstClr val="black">
-                      <a:alpha val="40000"/>
-                    </a:prstClr>
-                  </a:outerShdw>
-                </a:effectLst>
-              </a:rPr>
-              <a:t>PLUGIN </a:t>
-            </a:r>
-            <a:r>
-              <a:rPr lang="it-IT" dirty="0">
-                <a:ln>
-                  <a:solidFill>
-                    <a:schemeClr val="bg1"/>
-                  </a:solidFill>
-                </a:ln>
-                <a:solidFill>
-                  <a:schemeClr val="bg1"/>
-                </a:solidFill>
-                <a:effectLst>
-                  <a:outerShdw blurRad="50800" dist="38100" dir="5400000" algn="t" rotWithShape="0">
-                    <a:prstClr val="black">
-                      <a:alpha val="40000"/>
-                    </a:prstClr>
-                  </a:outerShdw>
-                </a:effectLst>
-                <a:latin typeface="Consolas" panose="020B0609020204030204" pitchFamily="49" charset="0"/>
-              </a:rPr>
-              <a:t>checkemail</a:t>
-            </a:r>
-          </a:p>
-        </p:txBody>
-      </p:sp>
-    </p:spTree>
-    <p:extLst>
-      <p:ext uri="{BB962C8B-B14F-4D97-AF65-F5344CB8AC3E}">
-        <p14:creationId xmlns:p14="http://schemas.microsoft.com/office/powerpoint/2010/main" val="1909142328"/>
-      </p:ext>
-    </p:extLst>
-  </p:cSld>
-  <p:clrMapOvr>
-    <a:masterClrMapping/>
-  </p:clrMapOvr>
-  <mc:AlternateContent xmlns:mc="http://schemas.openxmlformats.org/markup-compatibility/2006" xmlns:p159="http://schemas.microsoft.com/office/powerpoint/2015/09/main">
-    <mc:Choice Requires="p159">
-      <p:transition>
-        <p159:morph option="byObject"/>
-      </p:transition>
-    </mc:Choice>
-    <mc:Fallback xmlns="">
-      <p:transition>
-        <p:fade/>
-      </p:transition>
-    </mc:Fallback>
-  </mc:AlternateContent>
-</p:sld>
-</file>
-
-<file path=ppt/slides/slide19.xml><?xml version="1.0" encoding="utf-8"?>
-<p:sld xmlns:a="http://schemas.openxmlformats.org/drawingml/2006/main" xmlns:r="http://schemas.openxmlformats.org/officeDocument/2006/relationships" xmlns:p="http://schemas.openxmlformats.org/presentationml/2006/main">
-  <p:cSld>
-    <p:spTree>
-      <p:nvGrpSpPr>
-        <p:cNvPr id="1" name=""/>
-        <p:cNvGrpSpPr/>
-        <p:nvPr/>
-      </p:nvGrpSpPr>
-      <p:grpSpPr>
-        <a:xfrm>
-          <a:off x="0" y="0"/>
-          <a:ext cx="0" cy="0"/>
-          <a:chOff x="0" y="0"/>
-          <a:chExt cx="0" cy="0"/>
-        </a:xfrm>
-      </p:grpSpPr>
-      <p:sp>
-        <p:nvSpPr>
-          <p:cNvPr id="2" name="Titolo 1">
-            <a:extLst>
-              <a:ext uri="{FF2B5EF4-FFF2-40B4-BE49-F238E27FC236}">
-                <a16:creationId xmlns:a16="http://schemas.microsoft.com/office/drawing/2014/main" id="{C52A84B7-7A0C-AF76-CB3E-CAC0F7B18247}"/>
-              </a:ext>
-            </a:extLst>
-          </p:cNvPr>
-          <p:cNvSpPr>
-            <a:spLocks noGrp="1"/>
-          </p:cNvSpPr>
-          <p:nvPr>
-            <p:ph type="title"/>
-          </p:nvPr>
-        </p:nvSpPr>
-        <p:spPr/>
-        <p:txBody>
-          <a:bodyPr/>
-          <a:lstStyle/>
-          <a:p>
-            <a:pPr algn="ctr"/>
-            <a:r>
-              <a:rPr lang="it-IT" dirty="0">
-                <a:latin typeface="Century Gothic" panose="020B0502020202020204" pitchFamily="34" charset="0"/>
-              </a:rPr>
-              <a:t>Obiettivi del plugin Lua</a:t>
-            </a:r>
-          </a:p>
-        </p:txBody>
-      </p:sp>
-      <p:sp>
-        <p:nvSpPr>
-          <p:cNvPr id="10" name="Segnaposto numero diapositiva 9">
-            <a:extLst>
-              <a:ext uri="{FF2B5EF4-FFF2-40B4-BE49-F238E27FC236}">
-                <a16:creationId xmlns:a16="http://schemas.microsoft.com/office/drawing/2014/main" id="{063A5202-1C0C-814D-E781-009F8BC52CFC}"/>
-              </a:ext>
-            </a:extLst>
-          </p:cNvPr>
-          <p:cNvSpPr>
-            <a:spLocks noGrp="1"/>
-          </p:cNvSpPr>
-          <p:nvPr>
-            <p:ph type="sldNum" sz="quarter" idx="12"/>
-          </p:nvPr>
-        </p:nvSpPr>
-        <p:spPr/>
-        <p:txBody>
-          <a:bodyPr/>
-          <a:lstStyle/>
-          <a:p>
-            <a:fld id="{3F24ED9F-0AD1-BB4C-9842-01F95E80AFCD}" type="slidenum">
-              <a:rPr lang="it-IT" smtClean="0"/>
-              <a:t>19</a:t>
             </a:fld>
             <a:endParaRPr lang="it-IT" dirty="0"/>
           </a:p>
@@ -8896,399 +6864,7 @@
                 </a:solidFill>
               </a:ln>
               <a:solidFill>
-                <a:schemeClr val="bg1"/>
-              </a:solidFill>
-              <a:effectLst>
-                <a:outerShdw blurRad="50800" dist="38100" dir="5400000" algn="t" rotWithShape="0">
-                  <a:prstClr val="black">
-                    <a:alpha val="40000"/>
-                  </a:prstClr>
-                </a:outerShdw>
-              </a:effectLst>
-              <a:latin typeface="+mj-lt"/>
-              <a:ea typeface="+mj-ea"/>
-              <a:cs typeface="+mj-cs"/>
-            </a:endParaRPr>
-          </a:p>
-        </p:txBody>
-      </p:sp>
-      <p:sp>
-        <p:nvSpPr>
-          <p:cNvPr id="8" name="Rettangolo 7">
-            <a:extLst>
-              <a:ext uri="{FF2B5EF4-FFF2-40B4-BE49-F238E27FC236}">
-                <a16:creationId xmlns:a16="http://schemas.microsoft.com/office/drawing/2014/main" id="{5E58F222-329C-C851-CF7F-26BD0E84C622}"/>
-              </a:ext>
-            </a:extLst>
-          </p:cNvPr>
-          <p:cNvSpPr/>
-          <p:nvPr/>
-        </p:nvSpPr>
-        <p:spPr>
-          <a:xfrm>
-            <a:off x="719647" y="1596317"/>
-            <a:ext cx="6889821" cy="1811896"/>
-          </a:xfrm>
-          <a:prstGeom prst="rect">
-            <a:avLst/>
-          </a:prstGeom>
-          <a:ln>
-            <a:noFill/>
-          </a:ln>
-        </p:spPr>
-        <p:style>
-          <a:lnRef idx="2">
-            <a:schemeClr val="accent6"/>
-          </a:lnRef>
-          <a:fillRef idx="1">
-            <a:schemeClr val="lt1"/>
-          </a:fillRef>
-          <a:effectRef idx="0">
-            <a:schemeClr val="accent6"/>
-          </a:effectRef>
-          <a:fontRef idx="minor">
-            <a:schemeClr val="dk1"/>
-          </a:fontRef>
-        </p:style>
-        <p:txBody>
-          <a:bodyPr rtlCol="0" anchor="ctr"/>
-          <a:lstStyle/>
-          <a:p>
-            <a:pPr algn="ctr"/>
-            <a:endParaRPr lang="it-IT" dirty="0"/>
-          </a:p>
-        </p:txBody>
-      </p:sp>
-      <p:sp>
-        <p:nvSpPr>
-          <p:cNvPr id="4" name="CasellaDiTesto 3">
-            <a:extLst>
-              <a:ext uri="{FF2B5EF4-FFF2-40B4-BE49-F238E27FC236}">
-                <a16:creationId xmlns:a16="http://schemas.microsoft.com/office/drawing/2014/main" id="{0D002019-1B39-8FB7-0753-EF320662377A}"/>
-              </a:ext>
-            </a:extLst>
-          </p:cNvPr>
-          <p:cNvSpPr txBox="1"/>
-          <p:nvPr/>
-        </p:nvSpPr>
-        <p:spPr>
-          <a:xfrm>
-            <a:off x="838197" y="1690688"/>
-            <a:ext cx="10515603" cy="646331"/>
-          </a:xfrm>
-          <a:prstGeom prst="rect">
-            <a:avLst/>
-          </a:prstGeom>
-          <a:noFill/>
-        </p:spPr>
-        <p:txBody>
-          <a:bodyPr wrap="square">
-            <a:spAutoFit/>
-          </a:bodyPr>
-          <a:lstStyle/>
-          <a:p>
-            <a:pPr algn="just"/>
-            <a:r>
-              <a:rPr lang="it-IT" sz="1800" b="0" i="0" u="none" strike="noStrike" baseline="0" dirty="0">
-                <a:latin typeface="Century Gothic" panose="020B0502020202020204" pitchFamily="34" charset="0"/>
-              </a:rPr>
-              <a:t>È richiesto il seguente comportamento dal plugin:</a:t>
-            </a:r>
-          </a:p>
-          <a:p>
-            <a:pPr marL="342900" indent="-342900" algn="just">
-              <a:buFont typeface="+mj-lt"/>
-              <a:buAutoNum type="arabicPeriod"/>
-            </a:pPr>
-            <a:r>
-              <a:rPr lang="it-IT" sz="1800" b="0" i="0" u="none" strike="noStrike" baseline="0" dirty="0">
-                <a:latin typeface="Century Gothic" panose="020B0502020202020204" pitchFamily="34" charset="0"/>
-              </a:rPr>
-              <a:t>Analizzare il token ricevuto</a:t>
-            </a:r>
-            <a:endParaRPr lang="it-IT" dirty="0">
-              <a:solidFill>
-                <a:schemeClr val="bg1">
-                  <a:lumMod val="85000"/>
-                </a:schemeClr>
-              </a:solidFill>
-              <a:latin typeface="Century Gothic" panose="020B0502020202020204" pitchFamily="34" charset="0"/>
-            </a:endParaRPr>
-          </a:p>
-        </p:txBody>
-      </p:sp>
-      <p:pic>
-        <p:nvPicPr>
-          <p:cNvPr id="6" name="Immagine 5">
-            <a:extLst>
-              <a:ext uri="{FF2B5EF4-FFF2-40B4-BE49-F238E27FC236}">
-                <a16:creationId xmlns:a16="http://schemas.microsoft.com/office/drawing/2014/main" id="{21BAB7EF-77A5-B54F-57A9-801B04A62BD2}"/>
-              </a:ext>
-            </a:extLst>
-          </p:cNvPr>
-          <p:cNvPicPr>
-            <a:picLocks noChangeAspect="1"/>
-          </p:cNvPicPr>
-          <p:nvPr/>
-        </p:nvPicPr>
-        <p:blipFill>
-          <a:blip r:embed="rId3"/>
-          <a:stretch>
-            <a:fillRect/>
-          </a:stretch>
-        </p:blipFill>
-        <p:spPr>
-          <a:xfrm>
-            <a:off x="3352561" y="3935362"/>
-            <a:ext cx="5486875" cy="1524132"/>
-          </a:xfrm>
-          <a:prstGeom prst="rect">
-            <a:avLst/>
-          </a:prstGeom>
-        </p:spPr>
-      </p:pic>
-    </p:spTree>
-    <p:extLst>
-      <p:ext uri="{BB962C8B-B14F-4D97-AF65-F5344CB8AC3E}">
-        <p14:creationId xmlns:p14="http://schemas.microsoft.com/office/powerpoint/2010/main" val="245265353"/>
-      </p:ext>
-    </p:extLst>
-  </p:cSld>
-  <p:clrMapOvr>
-    <a:masterClrMapping/>
-  </p:clrMapOvr>
-  <mc:AlternateContent xmlns:mc="http://schemas.openxmlformats.org/markup-compatibility/2006" xmlns:p159="http://schemas.microsoft.com/office/powerpoint/2015/09/main">
-    <mc:Choice Requires="p159">
-      <p:transition>
-        <p159:morph option="byObject"/>
-      </p:transition>
-    </mc:Choice>
-    <mc:Fallback xmlns="">
-      <p:transition>
-        <p:fade/>
-      </p:transition>
-    </mc:Fallback>
-  </mc:AlternateContent>
-</p:sld>
-</file>
-
-<file path=ppt/slides/slide2.xml><?xml version="1.0" encoding="utf-8"?>
-<p:sld xmlns:a="http://schemas.openxmlformats.org/drawingml/2006/main" xmlns:r="http://schemas.openxmlformats.org/officeDocument/2006/relationships" xmlns:p="http://schemas.openxmlformats.org/presentationml/2006/main">
-  <p:cSld>
-    <p:spTree>
-      <p:nvGrpSpPr>
-        <p:cNvPr id="1" name=""/>
-        <p:cNvGrpSpPr/>
-        <p:nvPr/>
-      </p:nvGrpSpPr>
-      <p:grpSpPr>
-        <a:xfrm>
-          <a:off x="0" y="0"/>
-          <a:ext cx="0" cy="0"/>
-          <a:chOff x="0" y="0"/>
-          <a:chExt cx="0" cy="0"/>
-        </a:xfrm>
-      </p:grpSpPr>
-      <p:sp>
-        <p:nvSpPr>
-          <p:cNvPr id="2" name="Titolo 1">
-            <a:extLst>
-              <a:ext uri="{FF2B5EF4-FFF2-40B4-BE49-F238E27FC236}">
-                <a16:creationId xmlns:a16="http://schemas.microsoft.com/office/drawing/2014/main" id="{160DA25F-9158-EBF8-CE3E-DFEC7B048EAB}"/>
-              </a:ext>
-            </a:extLst>
-          </p:cNvPr>
-          <p:cNvSpPr>
-            <a:spLocks noGrp="1"/>
-          </p:cNvSpPr>
-          <p:nvPr>
-            <p:ph type="ctrTitle"/>
-          </p:nvPr>
-        </p:nvSpPr>
-        <p:spPr>
-          <a:xfrm>
-            <a:off x="1524000" y="2914990"/>
-            <a:ext cx="9144000" cy="1028020"/>
-          </a:xfrm>
-          <a:solidFill>
-            <a:srgbClr val="FFAB91"/>
-          </a:solidFill>
-        </p:spPr>
-        <p:txBody>
-          <a:bodyPr/>
-          <a:lstStyle/>
-          <a:p>
-            <a:r>
-              <a:rPr lang="it-IT" dirty="0">
-                <a:ln>
-                  <a:solidFill>
-                    <a:schemeClr val="bg1"/>
-                  </a:solidFill>
-                </a:ln>
-                <a:solidFill>
-                  <a:schemeClr val="bg1"/>
-                </a:solidFill>
-                <a:effectLst>
-                  <a:outerShdw blurRad="50800" dist="38100" dir="5400000" algn="t" rotWithShape="0">
-                    <a:prstClr val="black">
-                      <a:alpha val="40000"/>
-                    </a:prstClr>
-                  </a:outerShdw>
-                </a:effectLst>
-              </a:rPr>
-              <a:t>MICROSERVIZI</a:t>
-            </a:r>
-          </a:p>
-        </p:txBody>
-      </p:sp>
-    </p:spTree>
-    <p:extLst>
-      <p:ext uri="{BB962C8B-B14F-4D97-AF65-F5344CB8AC3E}">
-        <p14:creationId xmlns:p14="http://schemas.microsoft.com/office/powerpoint/2010/main" val="3325030984"/>
-      </p:ext>
-    </p:extLst>
-  </p:cSld>
-  <p:clrMapOvr>
-    <a:masterClrMapping/>
-  </p:clrMapOvr>
-  <mc:AlternateContent xmlns:mc="http://schemas.openxmlformats.org/markup-compatibility/2006" xmlns:p159="http://schemas.microsoft.com/office/powerpoint/2015/09/main">
-    <mc:Choice Requires="p159">
-      <p:transition>
-        <p159:morph option="byObject"/>
-      </p:transition>
-    </mc:Choice>
-    <mc:Fallback xmlns="">
-      <p:transition>
-        <p:fade/>
-      </p:transition>
-    </mc:Fallback>
-  </mc:AlternateContent>
-</p:sld>
-</file>
-
-<file path=ppt/slides/slide20.xml><?xml version="1.0" encoding="utf-8"?>
-<p:sld xmlns:a="http://schemas.openxmlformats.org/drawingml/2006/main" xmlns:r="http://schemas.openxmlformats.org/officeDocument/2006/relationships" xmlns:p="http://schemas.openxmlformats.org/presentationml/2006/main">
-  <p:cSld>
-    <p:spTree>
-      <p:nvGrpSpPr>
-        <p:cNvPr id="1" name=""/>
-        <p:cNvGrpSpPr/>
-        <p:nvPr/>
-      </p:nvGrpSpPr>
-      <p:grpSpPr>
-        <a:xfrm>
-          <a:off x="0" y="0"/>
-          <a:ext cx="0" cy="0"/>
-          <a:chOff x="0" y="0"/>
-          <a:chExt cx="0" cy="0"/>
-        </a:xfrm>
-      </p:grpSpPr>
-      <p:sp>
-        <p:nvSpPr>
-          <p:cNvPr id="2" name="Titolo 1">
-            <a:extLst>
-              <a:ext uri="{FF2B5EF4-FFF2-40B4-BE49-F238E27FC236}">
-                <a16:creationId xmlns:a16="http://schemas.microsoft.com/office/drawing/2014/main" id="{C52A84B7-7A0C-AF76-CB3E-CAC0F7B18247}"/>
-              </a:ext>
-            </a:extLst>
-          </p:cNvPr>
-          <p:cNvSpPr>
-            <a:spLocks noGrp="1"/>
-          </p:cNvSpPr>
-          <p:nvPr>
-            <p:ph type="title"/>
-          </p:nvPr>
-        </p:nvSpPr>
-        <p:spPr/>
-        <p:txBody>
-          <a:bodyPr/>
-          <a:lstStyle/>
-          <a:p>
-            <a:pPr algn="ctr"/>
-            <a:r>
-              <a:rPr lang="it-IT" dirty="0">
-                <a:latin typeface="Century Gothic" panose="020B0502020202020204" pitchFamily="34" charset="0"/>
-              </a:rPr>
-              <a:t>Obiettivi del plugin Lua</a:t>
-            </a:r>
-          </a:p>
-        </p:txBody>
-      </p:sp>
-      <p:sp>
-        <p:nvSpPr>
-          <p:cNvPr id="10" name="Segnaposto numero diapositiva 9">
-            <a:extLst>
-              <a:ext uri="{FF2B5EF4-FFF2-40B4-BE49-F238E27FC236}">
-                <a16:creationId xmlns:a16="http://schemas.microsoft.com/office/drawing/2014/main" id="{063A5202-1C0C-814D-E781-009F8BC52CFC}"/>
-              </a:ext>
-            </a:extLst>
-          </p:cNvPr>
-          <p:cNvSpPr>
-            <a:spLocks noGrp="1"/>
-          </p:cNvSpPr>
-          <p:nvPr>
-            <p:ph type="sldNum" sz="quarter" idx="12"/>
-          </p:nvPr>
-        </p:nvSpPr>
-        <p:spPr/>
-        <p:txBody>
-          <a:bodyPr/>
-          <a:lstStyle/>
-          <a:p>
-            <a:fld id="{3F24ED9F-0AD1-BB4C-9842-01F95E80AFCD}" type="slidenum">
-              <a:rPr lang="it-IT" smtClean="0"/>
-              <a:t>20</a:t>
-            </a:fld>
-            <a:endParaRPr lang="it-IT" dirty="0"/>
-          </a:p>
-        </p:txBody>
-      </p:sp>
-      <p:sp>
-        <p:nvSpPr>
-          <p:cNvPr id="12" name="Rettangolo 11">
-            <a:extLst>
-              <a:ext uri="{FF2B5EF4-FFF2-40B4-BE49-F238E27FC236}">
-                <a16:creationId xmlns:a16="http://schemas.microsoft.com/office/drawing/2014/main" id="{16114131-5C77-D323-91F2-4E977519BCC3}"/>
-              </a:ext>
-            </a:extLst>
-          </p:cNvPr>
-          <p:cNvSpPr/>
-          <p:nvPr/>
-        </p:nvSpPr>
-        <p:spPr>
-          <a:xfrm rot="5400000" flipH="1">
-            <a:off x="6073140" y="-3836435"/>
-            <a:ext cx="45719" cy="10515602"/>
-          </a:xfrm>
-          <a:prstGeom prst="rect">
-            <a:avLst/>
-          </a:prstGeom>
-          <a:solidFill>
-            <a:srgbClr val="FF0000"/>
-          </a:solidFill>
-        </p:spPr>
-        <p:txBody>
-          <a:bodyPr vert="horz" lIns="91440" tIns="45720" rIns="91440" bIns="45720" rtlCol="0" anchor="ctr">
-            <a:normAutofit/>
-          </a:bodyPr>
-          <a:lstStyle/>
-          <a:p>
-            <a:pPr algn="ctr">
-              <a:lnSpc>
-                <a:spcPct val="90000"/>
-              </a:lnSpc>
-              <a:spcBef>
-                <a:spcPct val="0"/>
-              </a:spcBef>
-            </a:pPr>
-            <a:endParaRPr lang="it-IT" sz="6000" dirty="0">
-              <a:ln>
-                <a:solidFill>
-                  <a:schemeClr val="bg1"/>
-                </a:solidFill>
-              </a:ln>
-              <a:solidFill>
-                <a:schemeClr val="bg1"/>
+                <a:srgbClr val="FF0000"/>
               </a:solidFill>
               <a:effectLst>
                 <a:outerShdw blurRad="50800" dist="38100" dir="5400000" algn="t" rotWithShape="0">
@@ -9476,7 +7052,7 @@
 </p:sld>
 </file>
 
-<file path=ppt/slides/slide21.xml><?xml version="1.0" encoding="utf-8"?>
+<file path=ppt/slides/slide14.xml><?xml version="1.0" encoding="utf-8"?>
 <p:sld xmlns:a="http://schemas.openxmlformats.org/drawingml/2006/main" xmlns:r="http://schemas.openxmlformats.org/officeDocument/2006/relationships" xmlns:p="http://schemas.openxmlformats.org/presentationml/2006/main">
   <p:cSld>
     <p:spTree>
@@ -9547,7 +7123,7 @@
           <a:p>
             <a:fld id="{3F24ED9F-0AD1-BB4C-9842-01F95E80AFCD}" type="slidenum">
               <a:rPr lang="it-IT" smtClean="0"/>
-              <a:t>21</a:t>
+              <a:t>14</a:t>
             </a:fld>
             <a:endParaRPr lang="it-IT" dirty="0"/>
           </a:p>
@@ -9771,7 +7347,7 @@
         </p:blipFill>
         <p:spPr>
           <a:xfrm>
-            <a:off x="2121825" y="4246461"/>
+            <a:off x="2121824" y="3654675"/>
             <a:ext cx="7948349" cy="754445"/>
           </a:xfrm>
           <a:prstGeom prst="rect">
@@ -9804,7 +7380,7 @@
 </p:sld>
 </file>
 
-<file path=ppt/slides/slide22.xml><?xml version="1.0" encoding="utf-8"?>
+<file path=ppt/slides/slide15.xml><?xml version="1.0" encoding="utf-8"?>
 <p:sld xmlns:a="http://schemas.openxmlformats.org/drawingml/2006/main" xmlns:r="http://schemas.openxmlformats.org/officeDocument/2006/relationships" xmlns:p="http://schemas.openxmlformats.org/presentationml/2006/main">
   <p:cSld>
     <p:spTree>
@@ -9875,7 +7451,7 @@
           <a:p>
             <a:fld id="{3F24ED9F-0AD1-BB4C-9842-01F95E80AFCD}" type="slidenum">
               <a:rPr lang="it-IT" smtClean="0"/>
-              <a:t>22</a:t>
+              <a:t>15</a:t>
             </a:fld>
             <a:endParaRPr lang="it-IT" dirty="0"/>
           </a:p>
@@ -10100,7 +7676,7 @@
         </p:blipFill>
         <p:spPr>
           <a:xfrm>
-            <a:off x="3242062" y="3689985"/>
+            <a:off x="3242062" y="3502584"/>
             <a:ext cx="5707875" cy="1996613"/>
           </a:xfrm>
           <a:prstGeom prst="rect">
@@ -10133,7 +7709,7 @@
 </p:sld>
 </file>
 
-<file path=ppt/slides/slide23.xml><?xml version="1.0" encoding="utf-8"?>
+<file path=ppt/slides/slide16.xml><?xml version="1.0" encoding="utf-8"?>
 <p:sld xmlns:a="http://schemas.openxmlformats.org/drawingml/2006/main" xmlns:r="http://schemas.openxmlformats.org/officeDocument/2006/relationships" xmlns:p="http://schemas.openxmlformats.org/presentationml/2006/main">
   <p:cSld>
     <p:spTree>
@@ -10152,139 +7728,6 @@
       </p:grpSpPr>
       <p:sp>
         <p:nvSpPr>
-          <p:cNvPr id="4" name="Titolo 1">
-            <a:extLst>
-              <a:ext uri="{FF2B5EF4-FFF2-40B4-BE49-F238E27FC236}">
-                <a16:creationId xmlns:a16="http://schemas.microsoft.com/office/drawing/2014/main" id="{A3224411-147C-D930-C92D-559CCA95B0C1}"/>
-              </a:ext>
-            </a:extLst>
-          </p:cNvPr>
-          <p:cNvSpPr txBox="1">
-            <a:spLocks/>
-          </p:cNvSpPr>
-          <p:nvPr/>
-        </p:nvSpPr>
-        <p:spPr>
-          <a:xfrm>
-            <a:off x="1524000" y="2914990"/>
-            <a:ext cx="9144000" cy="1028020"/>
-          </a:xfrm>
-          <a:prstGeom prst="rect">
-            <a:avLst/>
-          </a:prstGeom>
-          <a:solidFill>
-            <a:srgbClr val="002060"/>
-          </a:solidFill>
-        </p:spPr>
-        <p:txBody>
-          <a:bodyPr vert="horz" lIns="91440" tIns="45720" rIns="91440" bIns="45720" rtlCol="0" anchor="ctr">
-            <a:normAutofit/>
-          </a:bodyPr>
-          <a:lstStyle>
-            <a:lvl1pPr algn="ctr" defTabSz="914400" rtl="0" eaLnBrk="1" latinLnBrk="0" hangingPunct="1">
-              <a:lnSpc>
-                <a:spcPct val="90000"/>
-              </a:lnSpc>
-              <a:spcBef>
-                <a:spcPct val="0"/>
-              </a:spcBef>
-              <a:buNone/>
-              <a:defRPr sz="6000" kern="1200">
-                <a:solidFill>
-                  <a:schemeClr val="tx1"/>
-                </a:solidFill>
-                <a:latin typeface="+mj-lt"/>
-                <a:ea typeface="+mj-ea"/>
-                <a:cs typeface="+mj-cs"/>
-              </a:defRPr>
-            </a:lvl1pPr>
-          </a:lstStyle>
-          <a:p>
-            <a:r>
-              <a:rPr lang="it-IT" sz="4000" dirty="0">
-                <a:ln>
-                  <a:solidFill>
-                    <a:schemeClr val="bg1"/>
-                  </a:solidFill>
-                </a:ln>
-                <a:solidFill>
-                  <a:schemeClr val="bg1"/>
-                </a:solidFill>
-                <a:effectLst>
-                  <a:outerShdw blurRad="50800" dist="38100" dir="5400000" algn="t" rotWithShape="0">
-                    <a:prstClr val="black">
-                      <a:alpha val="40000"/>
-                    </a:prstClr>
-                  </a:outerShdw>
-                </a:effectLst>
-              </a:rPr>
-              <a:t>CONFIGURAZIONE KONG GATEWAY</a:t>
-            </a:r>
-            <a:endParaRPr lang="it-IT" sz="4000" dirty="0">
-              <a:ln>
-                <a:solidFill>
-                  <a:schemeClr val="bg1"/>
-                </a:solidFill>
-              </a:ln>
-              <a:solidFill>
-                <a:schemeClr val="bg1"/>
-              </a:solidFill>
-              <a:effectLst>
-                <a:outerShdw blurRad="50800" dist="38100" dir="5400000" algn="t" rotWithShape="0">
-                  <a:prstClr val="black">
-                    <a:alpha val="40000"/>
-                  </a:prstClr>
-                </a:outerShdw>
-              </a:effectLst>
-              <a:latin typeface="Consolas" panose="020B0609020204030204" pitchFamily="49" charset="0"/>
-            </a:endParaRPr>
-          </a:p>
-        </p:txBody>
-      </p:sp>
-    </p:spTree>
-    <p:extLst>
-      <p:ext uri="{BB962C8B-B14F-4D97-AF65-F5344CB8AC3E}">
-        <p14:creationId xmlns:p14="http://schemas.microsoft.com/office/powerpoint/2010/main" val="352910450"/>
-      </p:ext>
-    </p:extLst>
-  </p:cSld>
-  <p:clrMapOvr>
-    <a:masterClrMapping/>
-  </p:clrMapOvr>
-  <mc:AlternateContent xmlns:mc="http://schemas.openxmlformats.org/markup-compatibility/2006" xmlns:p159="http://schemas.microsoft.com/office/powerpoint/2015/09/main">
-    <mc:Choice Requires="p159">
-      <p:transition>
-        <p159:morph option="byObject"/>
-      </p:transition>
-    </mc:Choice>
-    <mc:Fallback xmlns="">
-      <p:transition>
-        <p:fade/>
-      </p:transition>
-    </mc:Fallback>
-  </mc:AlternateContent>
-</p:sld>
-</file>
-
-<file path=ppt/slides/slide24.xml><?xml version="1.0" encoding="utf-8"?>
-<p:sld xmlns:a="http://schemas.openxmlformats.org/drawingml/2006/main" xmlns:r="http://schemas.openxmlformats.org/officeDocument/2006/relationships" xmlns:p="http://schemas.openxmlformats.org/presentationml/2006/main">
-  <p:cSld>
-    <p:spTree>
-      <p:nvGrpSpPr>
-        <p:cNvPr id="1" name=""/>
-        <p:cNvGrpSpPr/>
-        <p:nvPr/>
-      </p:nvGrpSpPr>
-      <p:grpSpPr>
-        <a:xfrm>
-          <a:off x="0" y="0"/>
-          <a:ext cx="0" cy="0"/>
-          <a:chOff x="0" y="0"/>
-          <a:chExt cx="0" cy="0"/>
-        </a:xfrm>
-      </p:grpSpPr>
-      <p:sp>
-        <p:nvSpPr>
           <p:cNvPr id="2" name="Titolo 1">
             <a:extLst>
               <a:ext uri="{FF2B5EF4-FFF2-40B4-BE49-F238E27FC236}">
@@ -10337,7 +7780,7 @@
           <a:p>
             <a:fld id="{3F24ED9F-0AD1-BB4C-9842-01F95E80AFCD}" type="slidenum">
               <a:rPr lang="it-IT" smtClean="0"/>
-              <a:t>24</a:t>
+              <a:t>16</a:t>
             </a:fld>
             <a:endParaRPr lang="it-IT" dirty="0"/>
           </a:p>
@@ -10418,8 +7861,8 @@
         </p:nvSpPr>
         <p:spPr>
           <a:xfrm>
-            <a:off x="838199" y="1596317"/>
-            <a:ext cx="10515601" cy="2318458"/>
+            <a:off x="838199" y="1690688"/>
+            <a:ext cx="10515601" cy="1832683"/>
           </a:xfrm>
           <a:prstGeom prst="rect">
             <a:avLst/>
@@ -10454,7 +7897,7 @@
               <a:t>Tutta la configurazione è effettuata tramite lo script bash </a:t>
             </a:r>
             <a:r>
-              <a:rPr lang="it-IT" sz="1800" b="0" i="0" u="none" strike="noStrike" baseline="0" dirty="0">
+              <a:rPr lang="it-IT" sz="1800" b="0" i="0" u="none" strike="noStrike" baseline="0" dirty="0" err="1">
                 <a:latin typeface="Consolas" panose="020B0609020204030204" pitchFamily="49" charset="0"/>
               </a:rPr>
               <a:t>addplugin</a:t>
@@ -10463,16 +7906,7 @@
               <a:rPr lang="it-IT" sz="1800" b="0" i="0" u="none" strike="noStrike" baseline="0" dirty="0">
                 <a:latin typeface="+mj-lt"/>
               </a:rPr>
-              <a:t> che</a:t>
-            </a:r>
-          </a:p>
-          <a:p>
-            <a:pPr algn="just"/>
-            <a:r>
-              <a:rPr lang="it-IT" sz="1800" b="0" i="0" u="none" strike="noStrike" baseline="0" dirty="0">
-                <a:latin typeface="+mj-lt"/>
-              </a:rPr>
-              <a:t>ha i seguenti compiti:</a:t>
+              <a:t> che:</a:t>
             </a:r>
           </a:p>
           <a:p>
@@ -10484,7 +7918,7 @@
               <a:rPr lang="it-IT" sz="1800" b="0" i="0" u="none" strike="noStrike" baseline="0" dirty="0">
                 <a:latin typeface="+mj-lt"/>
               </a:rPr>
-              <a:t>Avviare il container</a:t>
+              <a:t>Avvia il container</a:t>
             </a:r>
           </a:p>
           <a:p>
@@ -10496,7 +7930,7 @@
               <a:rPr lang="it-IT" sz="1800" b="0" i="0" u="none" strike="noStrike" baseline="0" dirty="0">
                 <a:latin typeface="+mj-lt"/>
               </a:rPr>
-              <a:t>Copiare al suo interno i file relativi ai plugin custom</a:t>
+              <a:t>Copia al suo interno i file relativi ai plugin custom</a:t>
             </a:r>
           </a:p>
           <a:p>
@@ -10508,7 +7942,7 @@
               <a:rPr lang="it-IT" sz="1800" b="0" i="0" u="none" strike="noStrike" baseline="0" dirty="0">
                 <a:latin typeface="+mj-lt"/>
               </a:rPr>
-              <a:t>Riavviare il container</a:t>
+              <a:t>Riavvia il container</a:t>
             </a:r>
           </a:p>
           <a:p>
@@ -10520,7 +7954,7 @@
               <a:rPr lang="it-IT" sz="1800" b="0" i="0" u="none" strike="noStrike" baseline="0" dirty="0">
                 <a:latin typeface="+mj-lt"/>
               </a:rPr>
-              <a:t>Eseguire il comando </a:t>
+              <a:t>Esegue il comando </a:t>
             </a:r>
             <a:r>
               <a:rPr lang="it-IT" sz="1800" b="0" i="0" u="none" strike="noStrike" baseline="0" dirty="0">
@@ -10532,7 +7966,7 @@
               <a:rPr lang="it-IT" sz="1800" b="0" i="0" u="none" strike="noStrike" baseline="0" dirty="0">
                 <a:latin typeface="+mj-lt"/>
               </a:rPr>
-              <a:t> per tutti i file JSON presenti relativi a tutte le altre configurazioni necessarie</a:t>
+              <a:t> per tutti i file JSON relativi alle configurazioni necessarie</a:t>
             </a:r>
             <a:endParaRPr lang="it-IT" dirty="0">
               <a:latin typeface="+mj-lt"/>
@@ -10562,7 +7996,7 @@
         </p:blipFill>
         <p:spPr>
           <a:xfrm>
-            <a:off x="2247565" y="4040426"/>
+            <a:off x="2247565" y="3769833"/>
             <a:ext cx="7696867" cy="1806097"/>
           </a:xfrm>
           <a:prstGeom prst="rect">
@@ -10595,7 +8029,7 @@
 </p:sld>
 </file>
 
-<file path=ppt/slides/slide25.xml><?xml version="1.0" encoding="utf-8"?>
+<file path=ppt/slides/slide17.xml><?xml version="1.0" encoding="utf-8"?>
 <p:sld xmlns:a="http://schemas.openxmlformats.org/drawingml/2006/main" xmlns:r="http://schemas.openxmlformats.org/officeDocument/2006/relationships" xmlns:p="http://schemas.openxmlformats.org/presentationml/2006/main">
   <p:cSld>
     <p:spTree>
@@ -10614,173 +8048,6 @@
       </p:grpSpPr>
       <p:sp>
         <p:nvSpPr>
-          <p:cNvPr id="4" name="Titolo 1">
-            <a:extLst>
-              <a:ext uri="{FF2B5EF4-FFF2-40B4-BE49-F238E27FC236}">
-                <a16:creationId xmlns:a16="http://schemas.microsoft.com/office/drawing/2014/main" id="{A3224411-147C-D930-C92D-559CCA95B0C1}"/>
-              </a:ext>
-            </a:extLst>
-          </p:cNvPr>
-          <p:cNvSpPr txBox="1">
-            <a:spLocks/>
-          </p:cNvSpPr>
-          <p:nvPr/>
-        </p:nvSpPr>
-        <p:spPr>
-          <a:xfrm>
-            <a:off x="1524000" y="2914990"/>
-            <a:ext cx="9144000" cy="1028020"/>
-          </a:xfrm>
-          <a:prstGeom prst="rect">
-            <a:avLst/>
-          </a:prstGeom>
-          <a:solidFill>
-            <a:srgbClr val="9E9E9E"/>
-          </a:solidFill>
-          <a:ln>
-            <a:noFill/>
-          </a:ln>
-        </p:spPr>
-        <p:style>
-          <a:lnRef idx="2">
-            <a:schemeClr val="accent1">
-              <a:shade val="50000"/>
-            </a:schemeClr>
-          </a:lnRef>
-          <a:fillRef idx="1">
-            <a:schemeClr val="accent1"/>
-          </a:fillRef>
-          <a:effectRef idx="0">
-            <a:schemeClr val="accent1"/>
-          </a:effectRef>
-          <a:fontRef idx="minor">
-            <a:schemeClr val="lt1"/>
-          </a:fontRef>
-        </p:style>
-        <p:txBody>
-          <a:bodyPr rtlCol="0" anchor="ctr"/>
-          <a:lstStyle>
-            <a:defPPr>
-              <a:defRPr lang="it-IT"/>
-            </a:defPPr>
-            <a:lvl1pPr algn="ctr">
-              <a:defRPr>
-                <a:solidFill>
-                  <a:schemeClr val="lt1"/>
-                </a:solidFill>
-              </a:defRPr>
-            </a:lvl1pPr>
-            <a:lvl2pPr>
-              <a:defRPr>
-                <a:solidFill>
-                  <a:schemeClr val="lt1"/>
-                </a:solidFill>
-              </a:defRPr>
-            </a:lvl2pPr>
-            <a:lvl3pPr>
-              <a:defRPr>
-                <a:solidFill>
-                  <a:schemeClr val="lt1"/>
-                </a:solidFill>
-              </a:defRPr>
-            </a:lvl3pPr>
-            <a:lvl4pPr>
-              <a:defRPr>
-                <a:solidFill>
-                  <a:schemeClr val="lt1"/>
-                </a:solidFill>
-              </a:defRPr>
-            </a:lvl4pPr>
-            <a:lvl5pPr>
-              <a:defRPr>
-                <a:solidFill>
-                  <a:schemeClr val="lt1"/>
-                </a:solidFill>
-              </a:defRPr>
-            </a:lvl5pPr>
-            <a:lvl6pPr>
-              <a:defRPr>
-                <a:solidFill>
-                  <a:schemeClr val="lt1"/>
-                </a:solidFill>
-              </a:defRPr>
-            </a:lvl6pPr>
-            <a:lvl7pPr>
-              <a:defRPr>
-                <a:solidFill>
-                  <a:schemeClr val="lt1"/>
-                </a:solidFill>
-              </a:defRPr>
-            </a:lvl7pPr>
-            <a:lvl8pPr>
-              <a:defRPr>
-                <a:solidFill>
-                  <a:schemeClr val="lt1"/>
-                </a:solidFill>
-              </a:defRPr>
-            </a:lvl8pPr>
-            <a:lvl9pPr>
-              <a:defRPr>
-                <a:solidFill>
-                  <a:schemeClr val="lt1"/>
-                </a:solidFill>
-              </a:defRPr>
-            </a:lvl9pPr>
-          </a:lstStyle>
-          <a:p>
-            <a:r>
-              <a:rPr lang="it-IT" sz="6000" dirty="0">
-                <a:latin typeface="+mj-lt"/>
-              </a:rPr>
-              <a:t>TESTING</a:t>
-            </a:r>
-          </a:p>
-        </p:txBody>
-      </p:sp>
-    </p:spTree>
-    <p:extLst>
-      <p:ext uri="{BB962C8B-B14F-4D97-AF65-F5344CB8AC3E}">
-        <p14:creationId xmlns:p14="http://schemas.microsoft.com/office/powerpoint/2010/main" val="3930112896"/>
-      </p:ext>
-    </p:extLst>
-  </p:cSld>
-  <p:clrMapOvr>
-    <a:masterClrMapping/>
-  </p:clrMapOvr>
-  <mc:AlternateContent xmlns:mc="http://schemas.openxmlformats.org/markup-compatibility/2006" xmlns:p159="http://schemas.microsoft.com/office/powerpoint/2015/09/main">
-    <mc:Choice Requires="p159">
-      <p:transition>
-        <p159:morph option="byObject"/>
-      </p:transition>
-    </mc:Choice>
-    <mc:Fallback xmlns="">
-      <p:transition>
-        <p:fade/>
-      </p:transition>
-    </mc:Fallback>
-  </mc:AlternateContent>
-</p:sld>
-</file>
-
-<file path=ppt/slides/slide26.xml><?xml version="1.0" encoding="utf-8"?>
-<p:sld xmlns:a="http://schemas.openxmlformats.org/drawingml/2006/main" xmlns:r="http://schemas.openxmlformats.org/officeDocument/2006/relationships" xmlns:p="http://schemas.openxmlformats.org/presentationml/2006/main">
-  <p:cSld>
-    <p:spTree>
-      <p:nvGrpSpPr>
-        <p:cNvPr id="1" name=""/>
-        <p:cNvGrpSpPr/>
-        <p:nvPr/>
-      </p:nvGrpSpPr>
-      <p:grpSpPr>
-        <a:xfrm>
-          <a:off x="0" y="0"/>
-          <a:ext cx="0" cy="0"/>
-          <a:chOff x="0" y="0"/>
-          <a:chExt cx="0" cy="0"/>
-        </a:xfrm>
-      </p:grpSpPr>
-      <p:sp>
-        <p:nvSpPr>
           <p:cNvPr id="2" name="Titolo 1">
             <a:extLst>
               <a:ext uri="{FF2B5EF4-FFF2-40B4-BE49-F238E27FC236}">
@@ -10803,7 +8070,7 @@
             <a:pPr algn="ctr"/>
             <a:r>
               <a:rPr lang="it-IT" dirty="0"/>
-              <a:t>Test con Postman</a:t>
+              <a:t>Risultati – OK</a:t>
             </a:r>
           </a:p>
         </p:txBody>
@@ -10831,7 +8098,7 @@
           <a:p>
             <a:fld id="{3F24ED9F-0AD1-BB4C-9842-01F95E80AFCD}" type="slidenum">
               <a:rPr lang="it-IT" smtClean="0"/>
-              <a:t>26</a:t>
+              <a:t>17</a:t>
             </a:fld>
             <a:endParaRPr lang="it-IT" dirty="0"/>
           </a:p>
@@ -10889,495 +8156,6 @@
           </a:p>
         </p:txBody>
       </p:sp>
-      <p:sp>
-        <p:nvSpPr>
-          <p:cNvPr id="3" name="Segnaposto contenuto 2">
-            <a:extLst>
-              <a:ext uri="{FF2B5EF4-FFF2-40B4-BE49-F238E27FC236}">
-                <a16:creationId xmlns:a16="http://schemas.microsoft.com/office/drawing/2014/main" id="{B23ABF12-C3AB-E4EC-1CC8-D7D2C0AEA5FE}"/>
-              </a:ext>
-            </a:extLst>
-          </p:cNvPr>
-          <p:cNvSpPr txBox="1">
-            <a:spLocks/>
-          </p:cNvSpPr>
-          <p:nvPr/>
-        </p:nvSpPr>
-        <p:spPr>
-          <a:xfrm>
-            <a:off x="838198" y="2028598"/>
-            <a:ext cx="6193971" cy="3170918"/>
-          </a:xfrm>
-          <a:prstGeom prst="rect">
-            <a:avLst/>
-          </a:prstGeom>
-        </p:spPr>
-        <p:txBody>
-          <a:bodyPr vert="horz" lIns="91440" tIns="45720" rIns="91440" bIns="45720" rtlCol="0">
-            <a:normAutofit/>
-          </a:bodyPr>
-          <a:lstStyle>
-            <a:lvl1pPr marL="228600" indent="-228600" algn="l" defTabSz="914400" rtl="0" eaLnBrk="1" latinLnBrk="0" hangingPunct="1">
-              <a:lnSpc>
-                <a:spcPct val="90000"/>
-              </a:lnSpc>
-              <a:spcBef>
-                <a:spcPts val="1000"/>
-              </a:spcBef>
-              <a:buFont typeface="Arial" panose="020B0604020202020204" pitchFamily="34" charset="0"/>
-              <a:buChar char="•"/>
-              <a:defRPr sz="2800" kern="1200">
-                <a:solidFill>
-                  <a:schemeClr val="tx1"/>
-                </a:solidFill>
-                <a:latin typeface="+mn-lt"/>
-                <a:ea typeface="+mn-ea"/>
-                <a:cs typeface="+mn-cs"/>
-              </a:defRPr>
-            </a:lvl1pPr>
-            <a:lvl2pPr marL="685800" indent="-228600" algn="l" defTabSz="914400" rtl="0" eaLnBrk="1" latinLnBrk="0" hangingPunct="1">
-              <a:lnSpc>
-                <a:spcPct val="90000"/>
-              </a:lnSpc>
-              <a:spcBef>
-                <a:spcPts val="500"/>
-              </a:spcBef>
-              <a:buFont typeface="Arial" panose="020B0604020202020204" pitchFamily="34" charset="0"/>
-              <a:buChar char="•"/>
-              <a:defRPr sz="2400" kern="1200">
-                <a:solidFill>
-                  <a:schemeClr val="tx1"/>
-                </a:solidFill>
-                <a:latin typeface="+mn-lt"/>
-                <a:ea typeface="+mn-ea"/>
-                <a:cs typeface="+mn-cs"/>
-              </a:defRPr>
-            </a:lvl2pPr>
-            <a:lvl3pPr marL="1143000" indent="-228600" algn="l" defTabSz="914400" rtl="0" eaLnBrk="1" latinLnBrk="0" hangingPunct="1">
-              <a:lnSpc>
-                <a:spcPct val="90000"/>
-              </a:lnSpc>
-              <a:spcBef>
-                <a:spcPts val="500"/>
-              </a:spcBef>
-              <a:buFont typeface="Arial" panose="020B0604020202020204" pitchFamily="34" charset="0"/>
-              <a:buChar char="•"/>
-              <a:defRPr sz="2000" kern="1200">
-                <a:solidFill>
-                  <a:schemeClr val="tx1"/>
-                </a:solidFill>
-                <a:latin typeface="+mn-lt"/>
-                <a:ea typeface="+mn-ea"/>
-                <a:cs typeface="+mn-cs"/>
-              </a:defRPr>
-            </a:lvl3pPr>
-            <a:lvl4pPr marL="1600200" indent="-228600" algn="l" defTabSz="914400" rtl="0" eaLnBrk="1" latinLnBrk="0" hangingPunct="1">
-              <a:lnSpc>
-                <a:spcPct val="90000"/>
-              </a:lnSpc>
-              <a:spcBef>
-                <a:spcPts val="500"/>
-              </a:spcBef>
-              <a:buFont typeface="Arial" panose="020B0604020202020204" pitchFamily="34" charset="0"/>
-              <a:buChar char="•"/>
-              <a:defRPr sz="1800" kern="1200">
-                <a:solidFill>
-                  <a:schemeClr val="tx1"/>
-                </a:solidFill>
-                <a:latin typeface="+mn-lt"/>
-                <a:ea typeface="+mn-ea"/>
-                <a:cs typeface="+mn-cs"/>
-              </a:defRPr>
-            </a:lvl4pPr>
-            <a:lvl5pPr marL="2057400" indent="-228600" algn="l" defTabSz="914400" rtl="0" eaLnBrk="1" latinLnBrk="0" hangingPunct="1">
-              <a:lnSpc>
-                <a:spcPct val="90000"/>
-              </a:lnSpc>
-              <a:spcBef>
-                <a:spcPts val="500"/>
-              </a:spcBef>
-              <a:buFont typeface="Arial" panose="020B0604020202020204" pitchFamily="34" charset="0"/>
-              <a:buChar char="•"/>
-              <a:defRPr sz="1800" kern="1200">
-                <a:solidFill>
-                  <a:schemeClr val="tx1"/>
-                </a:solidFill>
-                <a:latin typeface="+mn-lt"/>
-                <a:ea typeface="+mn-ea"/>
-                <a:cs typeface="+mn-cs"/>
-              </a:defRPr>
-            </a:lvl5pPr>
-            <a:lvl6pPr marL="2514600" indent="-228600" algn="l" defTabSz="914400" rtl="0" eaLnBrk="1" latinLnBrk="0" hangingPunct="1">
-              <a:lnSpc>
-                <a:spcPct val="90000"/>
-              </a:lnSpc>
-              <a:spcBef>
-                <a:spcPts val="500"/>
-              </a:spcBef>
-              <a:buFont typeface="Arial" panose="020B0604020202020204" pitchFamily="34" charset="0"/>
-              <a:buChar char="•"/>
-              <a:defRPr sz="1800" kern="1200">
-                <a:solidFill>
-                  <a:schemeClr val="tx1"/>
-                </a:solidFill>
-                <a:latin typeface="+mn-lt"/>
-                <a:ea typeface="+mn-ea"/>
-                <a:cs typeface="+mn-cs"/>
-              </a:defRPr>
-            </a:lvl6pPr>
-            <a:lvl7pPr marL="2971800" indent="-228600" algn="l" defTabSz="914400" rtl="0" eaLnBrk="1" latinLnBrk="0" hangingPunct="1">
-              <a:lnSpc>
-                <a:spcPct val="90000"/>
-              </a:lnSpc>
-              <a:spcBef>
-                <a:spcPts val="500"/>
-              </a:spcBef>
-              <a:buFont typeface="Arial" panose="020B0604020202020204" pitchFamily="34" charset="0"/>
-              <a:buChar char="•"/>
-              <a:defRPr sz="1800" kern="1200">
-                <a:solidFill>
-                  <a:schemeClr val="tx1"/>
-                </a:solidFill>
-                <a:latin typeface="+mn-lt"/>
-                <a:ea typeface="+mn-ea"/>
-                <a:cs typeface="+mn-cs"/>
-              </a:defRPr>
-            </a:lvl7pPr>
-            <a:lvl8pPr marL="3429000" indent="-228600" algn="l" defTabSz="914400" rtl="0" eaLnBrk="1" latinLnBrk="0" hangingPunct="1">
-              <a:lnSpc>
-                <a:spcPct val="90000"/>
-              </a:lnSpc>
-              <a:spcBef>
-                <a:spcPts val="500"/>
-              </a:spcBef>
-              <a:buFont typeface="Arial" panose="020B0604020202020204" pitchFamily="34" charset="0"/>
-              <a:buChar char="•"/>
-              <a:defRPr sz="1800" kern="1200">
-                <a:solidFill>
-                  <a:schemeClr val="tx1"/>
-                </a:solidFill>
-                <a:latin typeface="+mn-lt"/>
-                <a:ea typeface="+mn-ea"/>
-                <a:cs typeface="+mn-cs"/>
-              </a:defRPr>
-            </a:lvl8pPr>
-            <a:lvl9pPr marL="3886200" indent="-228600" algn="l" defTabSz="914400" rtl="0" eaLnBrk="1" latinLnBrk="0" hangingPunct="1">
-              <a:lnSpc>
-                <a:spcPct val="90000"/>
-              </a:lnSpc>
-              <a:spcBef>
-                <a:spcPts val="500"/>
-              </a:spcBef>
-              <a:buFont typeface="Arial" panose="020B0604020202020204" pitchFamily="34" charset="0"/>
-              <a:buChar char="•"/>
-              <a:defRPr sz="1800" kern="1200">
-                <a:solidFill>
-                  <a:schemeClr val="tx1"/>
-                </a:solidFill>
-                <a:latin typeface="+mn-lt"/>
-                <a:ea typeface="+mn-ea"/>
-                <a:cs typeface="+mn-cs"/>
-              </a:defRPr>
-            </a:lvl9pPr>
-          </a:lstStyle>
-          <a:p>
-            <a:pPr marL="0" indent="0" algn="l">
-              <a:buNone/>
-            </a:pPr>
-            <a:r>
-              <a:rPr lang="it-IT" sz="1800" b="0" i="0" u="none" strike="noStrike" baseline="0" dirty="0">
-                <a:latin typeface="+mj-lt"/>
-              </a:rPr>
-              <a:t>Postman </a:t>
-            </a:r>
-            <a:r>
-              <a:rPr lang="it-IT" sz="1800" dirty="0">
-                <a:latin typeface="+mj-lt"/>
-              </a:rPr>
-              <a:t>è</a:t>
-            </a:r>
-            <a:r>
-              <a:rPr lang="it-IT" sz="1800" b="0" i="0" u="none" strike="noStrike" baseline="0" dirty="0">
-                <a:latin typeface="+mj-lt"/>
-              </a:rPr>
-              <a:t> una piattaforma API per la creazione, sviluppo e testing di APIs. </a:t>
-            </a:r>
-          </a:p>
-          <a:p>
-            <a:pPr marL="0" indent="0" algn="l">
-              <a:buNone/>
-            </a:pPr>
-            <a:r>
-              <a:rPr lang="it-IT" sz="1800" dirty="0">
-                <a:latin typeface="+mj-lt"/>
-              </a:rPr>
-              <a:t>È</a:t>
-            </a:r>
-            <a:r>
-              <a:rPr lang="it-IT" sz="1800" b="0" i="0" u="none" strike="noStrike" baseline="0" dirty="0">
-                <a:latin typeface="+mj-lt"/>
-              </a:rPr>
-              <a:t> stato utilizzato per la fase di testing dato che permette di effettuare delle </a:t>
-            </a:r>
-            <a:r>
-              <a:rPr lang="it-IT" sz="1800" b="1" i="0" u="none" strike="noStrike" baseline="0" dirty="0">
-                <a:latin typeface="+mj-lt"/>
-              </a:rPr>
-              <a:t>richieste HTTP/S</a:t>
-            </a:r>
-            <a:r>
-              <a:rPr lang="it-IT" sz="1800" b="0" i="0" u="none" strike="noStrike" baseline="0" dirty="0">
-                <a:latin typeface="+mj-lt"/>
-              </a:rPr>
-              <a:t>, offrendo la possibilit</a:t>
-            </a:r>
-            <a:r>
-              <a:rPr lang="it-IT" sz="1800" dirty="0">
-                <a:latin typeface="+mj-lt"/>
-              </a:rPr>
-              <a:t>à</a:t>
-            </a:r>
-            <a:r>
-              <a:rPr lang="it-IT" sz="1800" b="0" i="0" u="none" strike="noStrike" baseline="0" dirty="0">
-                <a:latin typeface="+mj-lt"/>
-              </a:rPr>
-              <a:t> di </a:t>
-            </a:r>
-            <a:r>
-              <a:rPr lang="it-IT" sz="1800" b="1" i="0" u="none" strike="noStrike" baseline="0" dirty="0">
-                <a:latin typeface="+mj-lt"/>
-              </a:rPr>
-              <a:t>configurare il body </a:t>
-            </a:r>
-            <a:r>
-              <a:rPr lang="it-IT" sz="1800" b="0" i="0" u="none" strike="noStrike" baseline="0" dirty="0">
-                <a:latin typeface="+mj-lt"/>
-              </a:rPr>
-              <a:t>della stessa e di ricevere la risposta.</a:t>
-            </a:r>
-          </a:p>
-          <a:p>
-            <a:pPr marL="0" indent="0" algn="l">
-              <a:buNone/>
-            </a:pPr>
-            <a:r>
-              <a:rPr lang="it-IT" sz="1800" b="0" i="0" u="none" strike="noStrike" baseline="0" dirty="0">
-                <a:latin typeface="+mj-lt"/>
-              </a:rPr>
-              <a:t>Il software risulta molto intuitivo, si seleziona il metodo di richiesta (</a:t>
-            </a:r>
-            <a:r>
-              <a:rPr lang="it-IT" sz="1800" b="0" i="0" u="none" strike="noStrike" baseline="0" dirty="0">
-                <a:latin typeface="Consolas" panose="020B0609020204030204" pitchFamily="49" charset="0"/>
-              </a:rPr>
-              <a:t>HTTP GET</a:t>
-            </a:r>
-            <a:r>
-              <a:rPr lang="it-IT" sz="1800" b="0" i="0" u="none" strike="noStrike" baseline="0" dirty="0">
-                <a:latin typeface="+mj-lt"/>
-              </a:rPr>
-              <a:t>), si inserisce l’URL e, se necessario, si configurano i campi della richiesta, in questo caso si aggiunge al body della richiesta il </a:t>
-            </a:r>
-            <a:r>
-              <a:rPr lang="it-IT" sz="1800" b="1" i="0" u="none" strike="noStrike" baseline="0" dirty="0">
-                <a:latin typeface="+mj-lt"/>
-              </a:rPr>
-              <a:t>token JWT</a:t>
-            </a:r>
-            <a:r>
-              <a:rPr lang="it-IT" sz="1800" b="0" i="0" u="none" strike="noStrike" baseline="0" dirty="0">
-                <a:latin typeface="+mj-lt"/>
-              </a:rPr>
-              <a:t>.</a:t>
-            </a:r>
-            <a:endParaRPr lang="it-IT" dirty="0">
-              <a:latin typeface="+mj-lt"/>
-            </a:endParaRPr>
-          </a:p>
-        </p:txBody>
-      </p:sp>
-      <p:pic>
-        <p:nvPicPr>
-          <p:cNvPr id="10" name="Immagine 9" descr="Immagine che contiene logo, Elementi grafici, Carattere, design&#10;&#10;Descrizione generata automaticamente">
-            <a:extLst>
-              <a:ext uri="{FF2B5EF4-FFF2-40B4-BE49-F238E27FC236}">
-                <a16:creationId xmlns:a16="http://schemas.microsoft.com/office/drawing/2014/main" id="{9D3CD825-612C-5F29-5DE9-C26A58B4DED1}"/>
-              </a:ext>
-            </a:extLst>
-          </p:cNvPr>
-          <p:cNvPicPr>
-            <a:picLocks noChangeAspect="1"/>
-          </p:cNvPicPr>
-          <p:nvPr/>
-        </p:nvPicPr>
-        <p:blipFill>
-          <a:blip r:embed="rId2"/>
-          <a:stretch>
-            <a:fillRect/>
-          </a:stretch>
-        </p:blipFill>
-        <p:spPr>
-          <a:xfrm>
-            <a:off x="8610600" y="2527469"/>
-            <a:ext cx="2005510" cy="1803061"/>
-          </a:xfrm>
-          <a:prstGeom prst="rect">
-            <a:avLst/>
-          </a:prstGeom>
-        </p:spPr>
-      </p:pic>
-    </p:spTree>
-    <p:extLst>
-      <p:ext uri="{BB962C8B-B14F-4D97-AF65-F5344CB8AC3E}">
-        <p14:creationId xmlns:p14="http://schemas.microsoft.com/office/powerpoint/2010/main" val="3409353532"/>
-      </p:ext>
-    </p:extLst>
-  </p:cSld>
-  <p:clrMapOvr>
-    <a:masterClrMapping/>
-  </p:clrMapOvr>
-  <mc:AlternateContent xmlns:mc="http://schemas.openxmlformats.org/markup-compatibility/2006" xmlns:p159="http://schemas.microsoft.com/office/powerpoint/2015/09/main">
-    <mc:Choice Requires="p159">
-      <p:transition>
-        <p159:morph option="byObject"/>
-      </p:transition>
-    </mc:Choice>
-    <mc:Fallback xmlns="">
-      <p:transition>
-        <p:fade/>
-      </p:transition>
-    </mc:Fallback>
-  </mc:AlternateContent>
-</p:sld>
-</file>
-
-<file path=ppt/slides/slide27.xml><?xml version="1.0" encoding="utf-8"?>
-<p:sld xmlns:a="http://schemas.openxmlformats.org/drawingml/2006/main" xmlns:r="http://schemas.openxmlformats.org/officeDocument/2006/relationships" xmlns:p="http://schemas.openxmlformats.org/presentationml/2006/main">
-  <p:cSld>
-    <p:spTree>
-      <p:nvGrpSpPr>
-        <p:cNvPr id="1" name=""/>
-        <p:cNvGrpSpPr/>
-        <p:nvPr/>
-      </p:nvGrpSpPr>
-      <p:grpSpPr>
-        <a:xfrm>
-          <a:off x="0" y="0"/>
-          <a:ext cx="0" cy="0"/>
-          <a:chOff x="0" y="0"/>
-          <a:chExt cx="0" cy="0"/>
-        </a:xfrm>
-      </p:grpSpPr>
-      <p:sp>
-        <p:nvSpPr>
-          <p:cNvPr id="2" name="Titolo 1">
-            <a:extLst>
-              <a:ext uri="{FF2B5EF4-FFF2-40B4-BE49-F238E27FC236}">
-                <a16:creationId xmlns:a16="http://schemas.microsoft.com/office/drawing/2014/main" id="{62BB0F74-3363-AF42-709E-E93953B193AF}"/>
-              </a:ext>
-            </a:extLst>
-          </p:cNvPr>
-          <p:cNvSpPr>
-            <a:spLocks noGrp="1"/>
-          </p:cNvSpPr>
-          <p:nvPr>
-            <p:ph type="title"/>
-          </p:nvPr>
-        </p:nvSpPr>
-        <p:spPr/>
-        <p:txBody>
-          <a:bodyPr/>
-          <a:lstStyle/>
-          <a:p>
-            <a:pPr algn="ctr"/>
-            <a:r>
-              <a:rPr lang="it-IT" dirty="0"/>
-              <a:t>Risultati – OK</a:t>
-            </a:r>
-          </a:p>
-        </p:txBody>
-      </p:sp>
-      <p:sp>
-        <p:nvSpPr>
-          <p:cNvPr id="4" name="Segnaposto numero diapositiva 3">
-            <a:extLst>
-              <a:ext uri="{FF2B5EF4-FFF2-40B4-BE49-F238E27FC236}">
-                <a16:creationId xmlns:a16="http://schemas.microsoft.com/office/drawing/2014/main" id="{91F51550-0E4D-D40C-37FD-648EB0C8F1E3}"/>
-              </a:ext>
-            </a:extLst>
-          </p:cNvPr>
-          <p:cNvSpPr>
-            <a:spLocks noGrp="1"/>
-          </p:cNvSpPr>
-          <p:nvPr>
-            <p:ph type="sldNum" sz="quarter" idx="12"/>
-          </p:nvPr>
-        </p:nvSpPr>
-        <p:spPr/>
-        <p:txBody>
-          <a:bodyPr/>
-          <a:lstStyle/>
-          <a:p>
-            <a:fld id="{3F24ED9F-0AD1-BB4C-9842-01F95E80AFCD}" type="slidenum">
-              <a:rPr lang="it-IT" smtClean="0"/>
-              <a:t>27</a:t>
-            </a:fld>
-            <a:endParaRPr lang="it-IT" dirty="0"/>
-          </a:p>
-        </p:txBody>
-      </p:sp>
-      <p:sp>
-        <p:nvSpPr>
-          <p:cNvPr id="7" name="Rettangolo 6">
-            <a:extLst>
-              <a:ext uri="{FF2B5EF4-FFF2-40B4-BE49-F238E27FC236}">
-                <a16:creationId xmlns:a16="http://schemas.microsoft.com/office/drawing/2014/main" id="{64EC5C47-DA9C-18B0-908F-89D36DBC7216}"/>
-              </a:ext>
-            </a:extLst>
-          </p:cNvPr>
-          <p:cNvSpPr/>
-          <p:nvPr/>
-        </p:nvSpPr>
-        <p:spPr>
-          <a:xfrm rot="5400000" flipH="1">
-            <a:off x="6073140" y="-3836435"/>
-            <a:ext cx="45719" cy="10515602"/>
-          </a:xfrm>
-          <a:prstGeom prst="rect">
-            <a:avLst/>
-          </a:prstGeom>
-          <a:solidFill>
-            <a:srgbClr val="9E9E9E"/>
-          </a:solidFill>
-          <a:ln>
-            <a:noFill/>
-          </a:ln>
-        </p:spPr>
-        <p:style>
-          <a:lnRef idx="2">
-            <a:schemeClr val="accent1">
-              <a:shade val="50000"/>
-            </a:schemeClr>
-          </a:lnRef>
-          <a:fillRef idx="1">
-            <a:schemeClr val="accent1"/>
-          </a:fillRef>
-          <a:effectRef idx="0">
-            <a:schemeClr val="accent1"/>
-          </a:effectRef>
-          <a:fontRef idx="minor">
-            <a:schemeClr val="lt1"/>
-          </a:fontRef>
-        </p:style>
-        <p:txBody>
-          <a:bodyPr rtlCol="0" anchor="ctr"/>
-          <a:lstStyle/>
-          <a:p>
-            <a:pPr algn="ctr"/>
-            <a:endParaRPr lang="it-IT" dirty="0"/>
-          </a:p>
-        </p:txBody>
-      </p:sp>
       <p:pic>
         <p:nvPicPr>
           <p:cNvPr id="9" name="Immagine 8" descr="Immagine che contiene testo, software, Pagina Web, Carattere&#10;&#10;Descrizione generata automaticamente">
@@ -11393,7 +8171,7 @@
           <p:nvPr/>
         </p:nvPicPr>
         <p:blipFill rotWithShape="1">
-          <a:blip r:embed="rId2"/>
+          <a:blip r:embed="rId3"/>
           <a:srcRect t="1422"/>
           <a:stretch/>
         </p:blipFill>
@@ -11422,7 +8200,7 @@
           <p:nvPr/>
         </p:nvPicPr>
         <p:blipFill rotWithShape="1">
-          <a:blip r:embed="rId2"/>
+          <a:blip r:embed="rId3"/>
           <a:srcRect t="1422"/>
           <a:stretch/>
         </p:blipFill>
@@ -11461,7 +8239,7 @@
 </p:sld>
 </file>
 
-<file path=ppt/slides/slide28.xml><?xml version="1.0" encoding="utf-8"?>
+<file path=ppt/slides/slide18.xml><?xml version="1.0" encoding="utf-8"?>
 <p:sld xmlns:a="http://schemas.openxmlformats.org/drawingml/2006/main" xmlns:r="http://schemas.openxmlformats.org/officeDocument/2006/relationships" xmlns:p="http://schemas.openxmlformats.org/presentationml/2006/main">
   <p:cSld>
     <p:spTree>
@@ -11530,7 +8308,7 @@
           <a:p>
             <a:fld id="{3F24ED9F-0AD1-BB4C-9842-01F95E80AFCD}" type="slidenum">
               <a:rPr lang="it-IT" smtClean="0"/>
-              <a:t>28</a:t>
+              <a:t>18</a:t>
             </a:fld>
             <a:endParaRPr lang="it-IT" dirty="0"/>
           </a:p>
@@ -11643,7 +8421,7 @@
 </p:sld>
 </file>
 
-<file path=ppt/slides/slide29.xml><?xml version="1.0" encoding="utf-8"?>
+<file path=ppt/slides/slide19.xml><?xml version="1.0" encoding="utf-8"?>
 <p:sld xmlns:a="http://schemas.openxmlformats.org/drawingml/2006/main" xmlns:r="http://schemas.openxmlformats.org/officeDocument/2006/relationships" xmlns:p="http://schemas.openxmlformats.org/presentationml/2006/main">
   <p:cSld>
     <p:spTree>
@@ -11712,7 +8490,7 @@
           <a:p>
             <a:fld id="{3F24ED9F-0AD1-BB4C-9842-01F95E80AFCD}" type="slidenum">
               <a:rPr lang="it-IT" smtClean="0"/>
-              <a:t>29</a:t>
+              <a:t>19</a:t>
             </a:fld>
             <a:endParaRPr lang="it-IT" dirty="0"/>
           </a:p>
@@ -11825,7 +8603,7 @@
 </p:sld>
 </file>
 
-<file path=ppt/slides/slide3.xml><?xml version="1.0" encoding="utf-8"?>
+<file path=ppt/slides/slide2.xml><?xml version="1.0" encoding="utf-8"?>
 <p:sld xmlns:a="http://schemas.openxmlformats.org/drawingml/2006/main" xmlns:r="http://schemas.openxmlformats.org/officeDocument/2006/relationships" xmlns:p="http://schemas.openxmlformats.org/presentationml/2006/main">
   <p:cSld>
     <p:spTree>
@@ -11894,7 +8672,7 @@
           <a:p>
             <a:fld id="{3F24ED9F-0AD1-BB4C-9842-01F95E80AFCD}" type="slidenum">
               <a:rPr lang="it-IT" smtClean="0"/>
-              <a:t>3</a:t>
+              <a:t>2</a:t>
             </a:fld>
             <a:endParaRPr lang="it-IT" dirty="0"/>
           </a:p>
@@ -11967,7 +8745,7 @@
         <p:spPr>
           <a:xfrm>
             <a:off x="838197" y="1673667"/>
-            <a:ext cx="10515599" cy="1323439"/>
+            <a:ext cx="10515599" cy="1015663"/>
           </a:xfrm>
           <a:prstGeom prst="rect">
             <a:avLst/>
@@ -11980,7 +8758,6 @@
           </a:bodyPr>
           <a:lstStyle/>
           <a:p>
-            <a:pPr algn="l"/>
             <a:r>
               <a:rPr lang="it-IT" sz="2000" dirty="0">
                 <a:latin typeface="Century Gothic" panose="020B0502020202020204" pitchFamily="34" charset="0"/>
@@ -11997,7 +8774,7 @@
               <a:rPr lang="it-IT" sz="2000" dirty="0">
                 <a:latin typeface="Century Gothic" panose="020B0502020202020204" pitchFamily="34" charset="0"/>
               </a:rPr>
-              <a:t>da realizzare nelle sue funzioni (</a:t>
+              <a:t>da realizzare nei suoi </a:t>
             </a:r>
             <a:r>
               <a:rPr lang="it-IT" sz="2000" b="1" dirty="0">
@@ -12009,28 +8786,27 @@
               <a:rPr lang="it-IT" sz="2000" dirty="0">
                 <a:latin typeface="Century Gothic" panose="020B0502020202020204" pitchFamily="34" charset="0"/>
               </a:rPr>
-              <a:t>) di base.</a:t>
-            </a:r>
-          </a:p>
-          <a:p>
-            <a:pPr algn="l"/>
+              <a:t> di base.</a:t>
+            </a:r>
+          </a:p>
+          <a:p>
             <a:r>
               <a:rPr lang="it-IT" sz="2000" dirty="0">
                 <a:latin typeface="Century Gothic" panose="020B0502020202020204" pitchFamily="34" charset="0"/>
               </a:rPr>
-              <a:t>Ogni servizio può essere compilato e distribuito in modo </a:t>
+              <a:t>Ogni servizio è </a:t>
             </a:r>
             <a:r>
               <a:rPr lang="it-IT" sz="2000" b="1" dirty="0">
                 <a:latin typeface="Century Gothic" panose="020B0502020202020204" pitchFamily="34" charset="0"/>
               </a:rPr>
-              <a:t>indipendente</a:t>
+              <a:t>indipendente </a:t>
             </a:r>
             <a:r>
               <a:rPr lang="it-IT" sz="2000" dirty="0">
                 <a:latin typeface="Century Gothic" panose="020B0502020202020204" pitchFamily="34" charset="0"/>
               </a:rPr>
-              <a:t>; quindi i singoli servizi possono funzionare o non funzionare senza compromettere gli altri.</a:t>
+              <a:t>da tutti gli altri.</a:t>
             </a:r>
           </a:p>
         </p:txBody>
@@ -12143,7 +8919,7 @@
 </p:sld>
 </file>
 
-<file path=ppt/slides/slide30.xml><?xml version="1.0" encoding="utf-8"?>
+<file path=ppt/slides/slide20.xml><?xml version="1.0" encoding="utf-8"?>
 <p:sld xmlns:a="http://schemas.openxmlformats.org/drawingml/2006/main" xmlns:r="http://schemas.openxmlformats.org/officeDocument/2006/relationships" xmlns:p="http://schemas.openxmlformats.org/presentationml/2006/main">
   <p:cSld>
     <p:spTree>
@@ -12310,7 +9086,7 @@
 </p:sld>
 </file>
 
-<file path=ppt/slides/slide4.xml><?xml version="1.0" encoding="utf-8"?>
+<file path=ppt/slides/slide3.xml><?xml version="1.0" encoding="utf-8"?>
 <p:sld xmlns:a="http://schemas.openxmlformats.org/drawingml/2006/main" xmlns:r="http://schemas.openxmlformats.org/officeDocument/2006/relationships" xmlns:p="http://schemas.openxmlformats.org/presentationml/2006/main">
   <p:cSld>
     <p:spTree>
@@ -12612,7 +9388,7 @@
           <a:p>
             <a:fld id="{3F24ED9F-0AD1-BB4C-9842-01F95E80AFCD}" type="slidenum">
               <a:rPr lang="it-IT" smtClean="0"/>
-              <a:t>4</a:t>
+              <a:t>3</a:t>
             </a:fld>
             <a:endParaRPr lang="it-IT" dirty="0"/>
           </a:p>
@@ -13328,7 +10104,7 @@
 </p:sld>
 </file>
 
-<file path=ppt/slides/slide5.xml><?xml version="1.0" encoding="utf-8"?>
+<file path=ppt/slides/slide4.xml><?xml version="1.0" encoding="utf-8"?>
 <p:sld xmlns:a="http://schemas.openxmlformats.org/drawingml/2006/main" xmlns:r="http://schemas.openxmlformats.org/officeDocument/2006/relationships" xmlns:p="http://schemas.openxmlformats.org/presentationml/2006/main">
   <p:cSld>
     <p:spTree>
@@ -13347,121 +10123,6 @@
       </p:grpSpPr>
       <p:sp>
         <p:nvSpPr>
-          <p:cNvPr id="6" name="Titolo 1">
-            <a:extLst>
-              <a:ext uri="{FF2B5EF4-FFF2-40B4-BE49-F238E27FC236}">
-                <a16:creationId xmlns:a16="http://schemas.microsoft.com/office/drawing/2014/main" id="{B5D012BC-D48F-54B5-C698-111BDFFBB817}"/>
-              </a:ext>
-            </a:extLst>
-          </p:cNvPr>
-          <p:cNvSpPr txBox="1">
-            <a:spLocks/>
-          </p:cNvSpPr>
-          <p:nvPr/>
-        </p:nvSpPr>
-        <p:spPr>
-          <a:xfrm>
-            <a:off x="1524000" y="2914990"/>
-            <a:ext cx="9144000" cy="1028020"/>
-          </a:xfrm>
-          <a:prstGeom prst="rect">
-            <a:avLst/>
-          </a:prstGeom>
-          <a:solidFill>
-            <a:srgbClr val="4DB6AC"/>
-          </a:solidFill>
-        </p:spPr>
-        <p:txBody>
-          <a:bodyPr vert="horz" lIns="91440" tIns="45720" rIns="91440" bIns="45720" rtlCol="0" anchor="b">
-            <a:normAutofit/>
-          </a:bodyPr>
-          <a:lstStyle>
-            <a:lvl1pPr algn="ctr" defTabSz="914400" rtl="0" eaLnBrk="1" latinLnBrk="0" hangingPunct="1">
-              <a:lnSpc>
-                <a:spcPct val="90000"/>
-              </a:lnSpc>
-              <a:spcBef>
-                <a:spcPct val="0"/>
-              </a:spcBef>
-              <a:buNone/>
-              <a:defRPr sz="6000" kern="1200">
-                <a:solidFill>
-                  <a:schemeClr val="tx1"/>
-                </a:solidFill>
-                <a:latin typeface="+mj-lt"/>
-                <a:ea typeface="+mj-ea"/>
-                <a:cs typeface="+mj-cs"/>
-              </a:defRPr>
-            </a:lvl1pPr>
-          </a:lstStyle>
-          <a:p>
-            <a:r>
-              <a:rPr lang="it-IT" dirty="0">
-                <a:ln>
-                  <a:solidFill>
-                    <a:schemeClr val="bg1"/>
-                  </a:solidFill>
-                </a:ln>
-                <a:solidFill>
-                  <a:schemeClr val="bg1"/>
-                </a:solidFill>
-                <a:effectLst>
-                  <a:outerShdw blurRad="50800" dist="38100" dir="5400000" algn="t" rotWithShape="0">
-                    <a:prstClr val="black">
-                      <a:alpha val="40000"/>
-                    </a:prstClr>
-                  </a:outerShdw>
-                </a:effectLst>
-              </a:rPr>
-              <a:t>KONG GATEWAY</a:t>
-            </a:r>
-          </a:p>
-        </p:txBody>
-      </p:sp>
-    </p:spTree>
-    <p:extLst>
-      <p:ext uri="{BB962C8B-B14F-4D97-AF65-F5344CB8AC3E}">
-        <p14:creationId xmlns:p14="http://schemas.microsoft.com/office/powerpoint/2010/main" val="1550384156"/>
-      </p:ext>
-    </p:extLst>
-  </p:cSld>
-  <p:clrMapOvr>
-    <a:masterClrMapping/>
-  </p:clrMapOvr>
-  <mc:AlternateContent xmlns:mc="http://schemas.openxmlformats.org/markup-compatibility/2006" xmlns:p159="http://schemas.microsoft.com/office/powerpoint/2015/09/main">
-    <mc:Choice Requires="p159">
-      <p:transition>
-        <p159:morph option="byObject"/>
-      </p:transition>
-    </mc:Choice>
-    <mc:Fallback xmlns="">
-      <p:transition>
-        <p:fade/>
-      </p:transition>
-    </mc:Fallback>
-  </mc:AlternateContent>
-</p:sld>
-</file>
-
-<file path=ppt/slides/slide6.xml><?xml version="1.0" encoding="utf-8"?>
-<p:sld xmlns:a="http://schemas.openxmlformats.org/drawingml/2006/main" xmlns:r="http://schemas.openxmlformats.org/officeDocument/2006/relationships" xmlns:p="http://schemas.openxmlformats.org/presentationml/2006/main">
-  <p:cSld>
-    <p:spTree>
-      <p:nvGrpSpPr>
-        <p:cNvPr id="1" name=""/>
-        <p:cNvGrpSpPr/>
-        <p:nvPr/>
-      </p:nvGrpSpPr>
-      <p:grpSpPr>
-        <a:xfrm>
-          <a:off x="0" y="0"/>
-          <a:ext cx="0" cy="0"/>
-          <a:chOff x="0" y="0"/>
-          <a:chExt cx="0" cy="0"/>
-        </a:xfrm>
-      </p:grpSpPr>
-      <p:sp>
-        <p:nvSpPr>
           <p:cNvPr id="2" name="Titolo 1">
             <a:extLst>
               <a:ext uri="{FF2B5EF4-FFF2-40B4-BE49-F238E27FC236}">
@@ -13517,7 +10178,7 @@
           </a:bodyPr>
           <a:lstStyle/>
           <a:p>
-            <a:pPr marL="0" indent="0">
+            <a:pPr marL="0" indent="0" algn="just">
               <a:spcBef>
                 <a:spcPts val="0"/>
               </a:spcBef>
@@ -13527,7 +10188,7 @@
               <a:rPr lang="it-IT" sz="2200" dirty="0">
                 <a:latin typeface="Century Gothic" panose="020B0502020202020204" pitchFamily="34" charset="0"/>
               </a:rPr>
-              <a:t>Kong Gateway è un API gateway cloud-native che si interpone tra un client e un back – end per la </a:t>
+              <a:t>Kong Gateway è un API gateway cloud-native per la </a:t>
             </a:r>
             <a:r>
               <a:rPr lang="it-IT" sz="2200" b="1" dirty="0">
@@ -13615,7 +10276,7 @@
           <a:p>
             <a:fld id="{3F24ED9F-0AD1-BB4C-9842-01F95E80AFCD}" type="slidenum">
               <a:rPr lang="it-IT" smtClean="0"/>
-              <a:t>6</a:t>
+              <a:t>4</a:t>
             </a:fld>
             <a:endParaRPr lang="it-IT" dirty="0"/>
           </a:p>
@@ -13792,6 +10453,489 @@
 </p:sld>
 </file>
 
+<file path=ppt/slides/slide5.xml><?xml version="1.0" encoding="utf-8"?>
+<p:sld xmlns:a="http://schemas.openxmlformats.org/drawingml/2006/main" xmlns:r="http://schemas.openxmlformats.org/officeDocument/2006/relationships" xmlns:p="http://schemas.openxmlformats.org/presentationml/2006/main">
+  <p:cSld>
+    <p:spTree>
+      <p:nvGrpSpPr>
+        <p:cNvPr id="1" name=""/>
+        <p:cNvGrpSpPr/>
+        <p:nvPr/>
+      </p:nvGrpSpPr>
+      <p:grpSpPr>
+        <a:xfrm>
+          <a:off x="0" y="0"/>
+          <a:ext cx="0" cy="0"/>
+          <a:chOff x="0" y="0"/>
+          <a:chExt cx="0" cy="0"/>
+        </a:xfrm>
+      </p:grpSpPr>
+      <p:sp>
+        <p:nvSpPr>
+          <p:cNvPr id="2" name="Titolo 1">
+            <a:extLst>
+              <a:ext uri="{FF2B5EF4-FFF2-40B4-BE49-F238E27FC236}">
+                <a16:creationId xmlns:a16="http://schemas.microsoft.com/office/drawing/2014/main" id="{64409F65-FF41-2A21-DFC3-F12CBA3C21BD}"/>
+              </a:ext>
+            </a:extLst>
+          </p:cNvPr>
+          <p:cNvSpPr>
+            <a:spLocks noGrp="1"/>
+          </p:cNvSpPr>
+          <p:nvPr>
+            <p:ph type="title"/>
+          </p:nvPr>
+        </p:nvSpPr>
+        <p:spPr/>
+        <p:txBody>
+          <a:bodyPr/>
+          <a:lstStyle/>
+          <a:p>
+            <a:pPr algn="ctr"/>
+            <a:r>
+              <a:rPr lang="it-IT" dirty="0"/>
+              <a:t>Scopo del progetto</a:t>
+            </a:r>
+          </a:p>
+        </p:txBody>
+      </p:sp>
+      <p:sp>
+        <p:nvSpPr>
+          <p:cNvPr id="13" name="Segnaposto numero diapositiva 12">
+            <a:extLst>
+              <a:ext uri="{FF2B5EF4-FFF2-40B4-BE49-F238E27FC236}">
+                <a16:creationId xmlns:a16="http://schemas.microsoft.com/office/drawing/2014/main" id="{11B66F73-D13F-D3EF-6C68-A53B1BA8B15F}"/>
+              </a:ext>
+            </a:extLst>
+          </p:cNvPr>
+          <p:cNvSpPr>
+            <a:spLocks noGrp="1"/>
+          </p:cNvSpPr>
+          <p:nvPr>
+            <p:ph type="sldNum" sz="quarter" idx="12"/>
+          </p:nvPr>
+        </p:nvSpPr>
+        <p:spPr/>
+        <p:txBody>
+          <a:bodyPr/>
+          <a:lstStyle/>
+          <a:p>
+            <a:fld id="{3F24ED9F-0AD1-BB4C-9842-01F95E80AFCD}" type="slidenum">
+              <a:rPr lang="it-IT" smtClean="0"/>
+              <a:t>5</a:t>
+            </a:fld>
+            <a:endParaRPr lang="it-IT" dirty="0"/>
+          </a:p>
+        </p:txBody>
+      </p:sp>
+      <p:sp>
+        <p:nvSpPr>
+          <p:cNvPr id="14" name="Rettangolo 13">
+            <a:extLst>
+              <a:ext uri="{FF2B5EF4-FFF2-40B4-BE49-F238E27FC236}">
+                <a16:creationId xmlns:a16="http://schemas.microsoft.com/office/drawing/2014/main" id="{70CA7634-A978-90CE-22A8-72CEE6245240}"/>
+              </a:ext>
+            </a:extLst>
+          </p:cNvPr>
+          <p:cNvSpPr/>
+          <p:nvPr/>
+        </p:nvSpPr>
+        <p:spPr>
+          <a:xfrm rot="5400000" flipH="1">
+            <a:off x="6073140" y="-3836435"/>
+            <a:ext cx="45719" cy="10515602"/>
+          </a:xfrm>
+          <a:prstGeom prst="rect">
+            <a:avLst/>
+          </a:prstGeom>
+          <a:solidFill>
+            <a:srgbClr val="7030A0"/>
+          </a:solidFill>
+        </p:spPr>
+        <p:txBody>
+          <a:bodyPr vert="horz" lIns="91440" tIns="45720" rIns="91440" bIns="45720" rtlCol="0" anchor="b">
+            <a:normAutofit/>
+          </a:bodyPr>
+          <a:lstStyle/>
+          <a:p>
+            <a:pPr algn="ctr">
+              <a:lnSpc>
+                <a:spcPct val="90000"/>
+              </a:lnSpc>
+              <a:spcBef>
+                <a:spcPct val="0"/>
+              </a:spcBef>
+            </a:pPr>
+            <a:endParaRPr lang="it-IT" sz="6000" dirty="0">
+              <a:ln>
+                <a:solidFill>
+                  <a:schemeClr val="bg1"/>
+                </a:solidFill>
+              </a:ln>
+              <a:solidFill>
+                <a:schemeClr val="bg1"/>
+              </a:solidFill>
+              <a:effectLst>
+                <a:outerShdw blurRad="50800" dist="38100" dir="5400000" algn="t" rotWithShape="0">
+                  <a:prstClr val="black">
+                    <a:alpha val="40000"/>
+                  </a:prstClr>
+                </a:outerShdw>
+              </a:effectLst>
+              <a:latin typeface="+mj-lt"/>
+              <a:ea typeface="+mj-ea"/>
+              <a:cs typeface="+mj-cs"/>
+            </a:endParaRPr>
+          </a:p>
+        </p:txBody>
+      </p:sp>
+      <p:sp>
+        <p:nvSpPr>
+          <p:cNvPr id="15" name="CasellaDiTesto 14">
+            <a:extLst>
+              <a:ext uri="{FF2B5EF4-FFF2-40B4-BE49-F238E27FC236}">
+                <a16:creationId xmlns:a16="http://schemas.microsoft.com/office/drawing/2014/main" id="{01B2919E-EA26-2D28-E3BF-EFAB7B9215FC}"/>
+              </a:ext>
+            </a:extLst>
+          </p:cNvPr>
+          <p:cNvSpPr txBox="1"/>
+          <p:nvPr/>
+        </p:nvSpPr>
+        <p:spPr>
+          <a:xfrm>
+            <a:off x="838197" y="1730017"/>
+            <a:ext cx="10515603" cy="3477875"/>
+          </a:xfrm>
+          <a:prstGeom prst="rect">
+            <a:avLst/>
+          </a:prstGeom>
+          <a:noFill/>
+        </p:spPr>
+        <p:txBody>
+          <a:bodyPr wrap="square" rtlCol="0">
+            <a:spAutoFit/>
+          </a:bodyPr>
+          <a:lstStyle/>
+          <a:p>
+            <a:pPr algn="just"/>
+            <a:r>
+              <a:rPr lang="it-IT" sz="2200" dirty="0">
+                <a:latin typeface="Century Gothic" panose="020B0502020202020204" pitchFamily="34" charset="0"/>
+              </a:rPr>
+              <a:t>L’obiettivo è realizzare un software che consenta ad un utente di </a:t>
+            </a:r>
+            <a:r>
+              <a:rPr lang="it-IT" sz="2200" b="1" dirty="0">
+                <a:latin typeface="Century Gothic" panose="020B0502020202020204" pitchFamily="34" charset="0"/>
+              </a:rPr>
+              <a:t>autenticarsi</a:t>
+            </a:r>
+            <a:r>
+              <a:rPr lang="it-IT" sz="2200" dirty="0">
+                <a:latin typeface="Century Gothic" panose="020B0502020202020204" pitchFamily="34" charset="0"/>
+              </a:rPr>
+              <a:t> all’interno di una piattaforma tramite un </a:t>
+            </a:r>
+            <a:r>
+              <a:rPr lang="it-IT" sz="2200" b="1" dirty="0">
+                <a:latin typeface="Century Gothic" panose="020B0502020202020204" pitchFamily="34" charset="0"/>
+              </a:rPr>
+              <a:t>token</a:t>
+            </a:r>
+            <a:r>
+              <a:rPr lang="it-IT" sz="2200" dirty="0">
+                <a:latin typeface="Century Gothic" panose="020B0502020202020204" pitchFamily="34" charset="0"/>
+              </a:rPr>
+              <a:t>, senza quindi l’utilizzo di password.</a:t>
+            </a:r>
+          </a:p>
+          <a:p>
+            <a:pPr algn="just"/>
+            <a:endParaRPr lang="it-IT" sz="2200" dirty="0">
+              <a:latin typeface="Century Gothic" panose="020B0502020202020204" pitchFamily="34" charset="0"/>
+            </a:endParaRPr>
+          </a:p>
+          <a:p>
+            <a:pPr algn="just"/>
+            <a:r>
+              <a:rPr lang="it-IT" sz="2200" dirty="0">
+                <a:latin typeface="Century Gothic" panose="020B0502020202020204" pitchFamily="34" charset="0"/>
+              </a:rPr>
+              <a:t>Il progetto è strutturato in 4 macro – componenti:</a:t>
+            </a:r>
+          </a:p>
+          <a:p>
+            <a:pPr marL="742950" lvl="1" indent="-285750" algn="just">
+              <a:buFont typeface="Arial" panose="020B0604020202020204" pitchFamily="34" charset="0"/>
+              <a:buChar char="•"/>
+            </a:pPr>
+            <a:r>
+              <a:rPr lang="it-IT" sz="2200" dirty="0">
+                <a:latin typeface="Century Gothic" panose="020B0502020202020204" pitchFamily="34" charset="0"/>
+              </a:rPr>
+              <a:t>Database</a:t>
+            </a:r>
+          </a:p>
+          <a:p>
+            <a:pPr marL="742950" lvl="1" indent="-285750" algn="just">
+              <a:buFont typeface="Arial" panose="020B0604020202020204" pitchFamily="34" charset="0"/>
+              <a:buChar char="•"/>
+            </a:pPr>
+            <a:r>
+              <a:rPr lang="it-IT" sz="2200" dirty="0">
+                <a:latin typeface="Century Gothic" panose="020B0502020202020204" pitchFamily="34" charset="0"/>
+              </a:rPr>
+              <a:t>Microservizio in Java utilizzando Spring Framework</a:t>
+            </a:r>
+          </a:p>
+          <a:p>
+            <a:pPr marL="742950" lvl="1" indent="-285750" algn="just">
+              <a:buFont typeface="Arial" panose="020B0604020202020204" pitchFamily="34" charset="0"/>
+              <a:buChar char="•"/>
+            </a:pPr>
+            <a:r>
+              <a:rPr lang="it-IT" sz="2200" dirty="0">
+                <a:latin typeface="Century Gothic" panose="020B0502020202020204" pitchFamily="34" charset="0"/>
+              </a:rPr>
+              <a:t>Kong Gateway</a:t>
+            </a:r>
+          </a:p>
+          <a:p>
+            <a:pPr marL="742950" lvl="1" indent="-285750" algn="just">
+              <a:buFont typeface="Arial" panose="020B0604020202020204" pitchFamily="34" charset="0"/>
+              <a:buChar char="•"/>
+            </a:pPr>
+            <a:r>
+              <a:rPr lang="it-IT" sz="2200" dirty="0">
+                <a:latin typeface="Century Gothic" panose="020B0502020202020204" pitchFamily="34" charset="0"/>
+              </a:rPr>
+              <a:t>Plugin custom per Kong Gateway in Lua</a:t>
+            </a:r>
+          </a:p>
+          <a:p>
+            <a:pPr algn="just"/>
+            <a:endParaRPr lang="it-IT" sz="2200" dirty="0">
+              <a:latin typeface="+mj-lt"/>
+            </a:endParaRPr>
+          </a:p>
+        </p:txBody>
+      </p:sp>
+    </p:spTree>
+    <p:extLst>
+      <p:ext uri="{BB962C8B-B14F-4D97-AF65-F5344CB8AC3E}">
+        <p14:creationId xmlns:p14="http://schemas.microsoft.com/office/powerpoint/2010/main" val="4289612361"/>
+      </p:ext>
+    </p:extLst>
+  </p:cSld>
+  <p:clrMapOvr>
+    <a:masterClrMapping/>
+  </p:clrMapOvr>
+  <mc:AlternateContent xmlns:mc="http://schemas.openxmlformats.org/markup-compatibility/2006" xmlns:p159="http://schemas.microsoft.com/office/powerpoint/2015/09/main">
+    <mc:Choice Requires="p159">
+      <p:transition>
+        <p159:morph option="byObject"/>
+      </p:transition>
+    </mc:Choice>
+    <mc:Fallback xmlns="">
+      <p:transition>
+        <p:fade/>
+      </p:transition>
+    </mc:Fallback>
+  </mc:AlternateContent>
+</p:sld>
+</file>
+
+<file path=ppt/slides/slide6.xml><?xml version="1.0" encoding="utf-8"?>
+<p:sld xmlns:a="http://schemas.openxmlformats.org/drawingml/2006/main" xmlns:r="http://schemas.openxmlformats.org/officeDocument/2006/relationships" xmlns:p="http://schemas.openxmlformats.org/presentationml/2006/main">
+  <p:cSld>
+    <p:spTree>
+      <p:nvGrpSpPr>
+        <p:cNvPr id="1" name=""/>
+        <p:cNvGrpSpPr/>
+        <p:nvPr/>
+      </p:nvGrpSpPr>
+      <p:grpSpPr>
+        <a:xfrm>
+          <a:off x="0" y="0"/>
+          <a:ext cx="0" cy="0"/>
+          <a:chOff x="0" y="0"/>
+          <a:chExt cx="0" cy="0"/>
+        </a:xfrm>
+      </p:grpSpPr>
+      <p:sp>
+        <p:nvSpPr>
+          <p:cNvPr id="2" name="Titolo 1">
+            <a:extLst>
+              <a:ext uri="{FF2B5EF4-FFF2-40B4-BE49-F238E27FC236}">
+                <a16:creationId xmlns:a16="http://schemas.microsoft.com/office/drawing/2014/main" id="{17399A1C-8FCE-F6C0-588E-EDC67B55EE12}"/>
+              </a:ext>
+            </a:extLst>
+          </p:cNvPr>
+          <p:cNvSpPr>
+            <a:spLocks noGrp="1"/>
+          </p:cNvSpPr>
+          <p:nvPr>
+            <p:ph type="title"/>
+          </p:nvPr>
+        </p:nvSpPr>
+        <p:spPr/>
+        <p:txBody>
+          <a:bodyPr/>
+          <a:lstStyle/>
+          <a:p>
+            <a:pPr algn="ctr"/>
+            <a:r>
+              <a:rPr lang="it-IT" dirty="0"/>
+              <a:t>Schema delle comunicazioni</a:t>
+            </a:r>
+          </a:p>
+        </p:txBody>
+      </p:sp>
+      <p:sp>
+        <p:nvSpPr>
+          <p:cNvPr id="8" name="Segnaposto numero diapositiva 7">
+            <a:extLst>
+              <a:ext uri="{FF2B5EF4-FFF2-40B4-BE49-F238E27FC236}">
+                <a16:creationId xmlns:a16="http://schemas.microsoft.com/office/drawing/2014/main" id="{70136F1F-0F2E-A8D7-878A-1186A6BC8CA4}"/>
+              </a:ext>
+            </a:extLst>
+          </p:cNvPr>
+          <p:cNvSpPr>
+            <a:spLocks noGrp="1"/>
+          </p:cNvSpPr>
+          <p:nvPr>
+            <p:ph type="sldNum" sz="quarter" idx="12"/>
+          </p:nvPr>
+        </p:nvSpPr>
+        <p:spPr/>
+        <p:txBody>
+          <a:bodyPr/>
+          <a:lstStyle/>
+          <a:p>
+            <a:fld id="{3F24ED9F-0AD1-BB4C-9842-01F95E80AFCD}" type="slidenum">
+              <a:rPr lang="it-IT" smtClean="0"/>
+              <a:t>6</a:t>
+            </a:fld>
+            <a:endParaRPr lang="it-IT" dirty="0"/>
+          </a:p>
+        </p:txBody>
+      </p:sp>
+      <p:sp>
+        <p:nvSpPr>
+          <p:cNvPr id="9" name="Rettangolo 8">
+            <a:extLst>
+              <a:ext uri="{FF2B5EF4-FFF2-40B4-BE49-F238E27FC236}">
+                <a16:creationId xmlns:a16="http://schemas.microsoft.com/office/drawing/2014/main" id="{56EF002A-1A82-5F25-F576-39A37581DB3D}"/>
+              </a:ext>
+            </a:extLst>
+          </p:cNvPr>
+          <p:cNvSpPr/>
+          <p:nvPr/>
+        </p:nvSpPr>
+        <p:spPr>
+          <a:xfrm rot="5400000" flipH="1">
+            <a:off x="6073142" y="-3836436"/>
+            <a:ext cx="45719" cy="10515602"/>
+          </a:xfrm>
+          <a:prstGeom prst="rect">
+            <a:avLst/>
+          </a:prstGeom>
+          <a:solidFill>
+            <a:srgbClr val="7030A0"/>
+          </a:solidFill>
+        </p:spPr>
+        <p:txBody>
+          <a:bodyPr vert="horz" lIns="91440" tIns="45720" rIns="91440" bIns="45720" rtlCol="0" anchor="b">
+            <a:normAutofit/>
+          </a:bodyPr>
+          <a:lstStyle/>
+          <a:p>
+            <a:pPr algn="ctr">
+              <a:lnSpc>
+                <a:spcPct val="90000"/>
+              </a:lnSpc>
+              <a:spcBef>
+                <a:spcPct val="0"/>
+              </a:spcBef>
+            </a:pPr>
+            <a:endParaRPr lang="it-IT" sz="6000" dirty="0">
+              <a:ln>
+                <a:solidFill>
+                  <a:schemeClr val="bg1"/>
+                </a:solidFill>
+              </a:ln>
+              <a:solidFill>
+                <a:schemeClr val="bg1"/>
+              </a:solidFill>
+              <a:effectLst>
+                <a:outerShdw blurRad="50800" dist="38100" dir="5400000" algn="t" rotWithShape="0">
+                  <a:prstClr val="black">
+                    <a:alpha val="40000"/>
+                  </a:prstClr>
+                </a:outerShdw>
+              </a:effectLst>
+              <a:latin typeface="+mj-lt"/>
+              <a:ea typeface="+mj-ea"/>
+              <a:cs typeface="+mj-cs"/>
+            </a:endParaRPr>
+          </a:p>
+        </p:txBody>
+      </p:sp>
+      <p:pic>
+        <p:nvPicPr>
+          <p:cNvPr id="10" name="Immagine 9" descr="Immagine che contiene testo, schermata, diagramma, linea&#10;&#10;Descrizione generata automaticamente">
+            <a:extLst>
+              <a:ext uri="{FF2B5EF4-FFF2-40B4-BE49-F238E27FC236}">
+                <a16:creationId xmlns:a16="http://schemas.microsoft.com/office/drawing/2014/main" id="{E718DD97-CE22-C953-13C4-BAC9582DCF38}"/>
+              </a:ext>
+            </a:extLst>
+          </p:cNvPr>
+          <p:cNvPicPr>
+            <a:picLocks noChangeAspect="1"/>
+          </p:cNvPicPr>
+          <p:nvPr/>
+        </p:nvPicPr>
+        <p:blipFill>
+          <a:blip r:embed="rId3"/>
+          <a:stretch>
+            <a:fillRect/>
+          </a:stretch>
+        </p:blipFill>
+        <p:spPr>
+          <a:xfrm>
+            <a:off x="1654082" y="1690688"/>
+            <a:ext cx="8883835" cy="3903169"/>
+          </a:xfrm>
+          <a:prstGeom prst="rect">
+            <a:avLst/>
+          </a:prstGeom>
+        </p:spPr>
+      </p:pic>
+    </p:spTree>
+    <p:extLst>
+      <p:ext uri="{BB962C8B-B14F-4D97-AF65-F5344CB8AC3E}">
+        <p14:creationId xmlns:p14="http://schemas.microsoft.com/office/powerpoint/2010/main" val="907361884"/>
+      </p:ext>
+    </p:extLst>
+  </p:cSld>
+  <p:clrMapOvr>
+    <a:masterClrMapping/>
+  </p:clrMapOvr>
+  <mc:AlternateContent xmlns:mc="http://schemas.openxmlformats.org/markup-compatibility/2006" xmlns:p159="http://schemas.microsoft.com/office/powerpoint/2015/09/main">
+    <mc:Choice Requires="p159">
+      <p:transition>
+        <p159:morph option="byObject"/>
+      </p:transition>
+    </mc:Choice>
+    <mc:Fallback xmlns="">
+      <p:transition>
+        <p:fade/>
+      </p:transition>
+    </mc:Fallback>
+  </mc:AlternateContent>
+</p:sld>
+</file>
+
 <file path=ppt/slides/slide7.xml><?xml version="1.0" encoding="utf-8"?>
 <p:sld xmlns:a="http://schemas.openxmlformats.org/drawingml/2006/main" xmlns:r="http://schemas.openxmlformats.org/officeDocument/2006/relationships" xmlns:p="http://schemas.openxmlformats.org/presentationml/2006/main">
   <p:cSld>
@@ -13811,73 +10955,335 @@
       </p:grpSpPr>
       <p:sp>
         <p:nvSpPr>
-          <p:cNvPr id="6" name="Titolo 1">
-            <a:extLst>
-              <a:ext uri="{FF2B5EF4-FFF2-40B4-BE49-F238E27FC236}">
-                <a16:creationId xmlns:a16="http://schemas.microsoft.com/office/drawing/2014/main" id="{B5D012BC-D48F-54B5-C698-111BDFFBB817}"/>
-              </a:ext>
-            </a:extLst>
-          </p:cNvPr>
-          <p:cNvSpPr txBox="1">
-            <a:spLocks/>
-          </p:cNvSpPr>
+          <p:cNvPr id="2" name="Titolo 1">
+            <a:extLst>
+              <a:ext uri="{FF2B5EF4-FFF2-40B4-BE49-F238E27FC236}">
+                <a16:creationId xmlns:a16="http://schemas.microsoft.com/office/drawing/2014/main" id="{17399A1C-8FCE-F6C0-588E-EDC67B55EE12}"/>
+              </a:ext>
+            </a:extLst>
+          </p:cNvPr>
+          <p:cNvSpPr>
+            <a:spLocks noGrp="1"/>
+          </p:cNvSpPr>
+          <p:nvPr>
+            <p:ph type="title"/>
+          </p:nvPr>
+        </p:nvSpPr>
+        <p:spPr/>
+        <p:txBody>
+          <a:bodyPr/>
+          <a:lstStyle/>
+          <a:p>
+            <a:pPr algn="ctr"/>
+            <a:r>
+              <a:rPr lang="it-IT" dirty="0"/>
+              <a:t>Struttura del Database PostgreSQL</a:t>
+            </a:r>
+          </a:p>
+        </p:txBody>
+      </p:sp>
+      <p:sp>
+        <p:nvSpPr>
+          <p:cNvPr id="8" name="Segnaposto numero diapositiva 7">
+            <a:extLst>
+              <a:ext uri="{FF2B5EF4-FFF2-40B4-BE49-F238E27FC236}">
+                <a16:creationId xmlns:a16="http://schemas.microsoft.com/office/drawing/2014/main" id="{70136F1F-0F2E-A8D7-878A-1186A6BC8CA4}"/>
+              </a:ext>
+            </a:extLst>
+          </p:cNvPr>
+          <p:cNvSpPr>
+            <a:spLocks noGrp="1"/>
+          </p:cNvSpPr>
+          <p:nvPr>
+            <p:ph type="sldNum" sz="quarter" idx="12"/>
+          </p:nvPr>
+        </p:nvSpPr>
+        <p:spPr/>
+        <p:txBody>
+          <a:bodyPr/>
+          <a:lstStyle/>
+          <a:p>
+            <a:fld id="{3F24ED9F-0AD1-BB4C-9842-01F95E80AFCD}" type="slidenum">
+              <a:rPr lang="it-IT" smtClean="0"/>
+              <a:t>7</a:t>
+            </a:fld>
+            <a:endParaRPr lang="it-IT" dirty="0"/>
+          </a:p>
+        </p:txBody>
+      </p:sp>
+      <p:sp>
+        <p:nvSpPr>
+          <p:cNvPr id="9" name="Rettangolo 8">
+            <a:extLst>
+              <a:ext uri="{FF2B5EF4-FFF2-40B4-BE49-F238E27FC236}">
+                <a16:creationId xmlns:a16="http://schemas.microsoft.com/office/drawing/2014/main" id="{56EF002A-1A82-5F25-F576-39A37581DB3D}"/>
+              </a:ext>
+            </a:extLst>
+          </p:cNvPr>
+          <p:cNvSpPr/>
           <p:nvPr/>
         </p:nvSpPr>
         <p:spPr>
-          <a:xfrm>
-            <a:off x="1524000" y="2914990"/>
-            <a:ext cx="9144000" cy="1028020"/>
+          <a:xfrm rot="5400000" flipH="1">
+            <a:off x="6073142" y="-3836436"/>
+            <a:ext cx="45719" cy="10515602"/>
           </a:xfrm>
           <a:prstGeom prst="rect">
             <a:avLst/>
           </a:prstGeom>
           <a:solidFill>
-            <a:srgbClr val="7030A0"/>
+            <a:srgbClr val="92D050"/>
           </a:solidFill>
         </p:spPr>
         <p:txBody>
-          <a:bodyPr vert="horz" lIns="91440" tIns="45720" rIns="91440" bIns="45720" rtlCol="0" anchor="b">
+          <a:bodyPr vert="horz" lIns="91440" tIns="45720" rIns="91440" bIns="45720" rtlCol="0" anchor="ctr">
             <a:normAutofit/>
           </a:bodyPr>
-          <a:lstStyle>
-            <a:lvl1pPr algn="ctr" defTabSz="914400" rtl="0" eaLnBrk="1" latinLnBrk="0" hangingPunct="1">
+          <a:lstStyle/>
+          <a:p>
+            <a:pPr algn="ctr">
               <a:lnSpc>
                 <a:spcPct val="90000"/>
               </a:lnSpc>
               <a:spcBef>
                 <a:spcPct val="0"/>
               </a:spcBef>
-              <a:buNone/>
-              <a:defRPr sz="6000" kern="1200">
-                <a:solidFill>
-                  <a:schemeClr val="tx1"/>
-                </a:solidFill>
-                <a:latin typeface="+mj-lt"/>
-                <a:ea typeface="+mj-ea"/>
-                <a:cs typeface="+mj-cs"/>
-              </a:defRPr>
-            </a:lvl1pPr>
-          </a:lstStyle>
-          <a:p>
-            <a:r>
-              <a:rPr lang="it-IT" dirty="0">
-                <a:ln>
-                  <a:solidFill>
-                    <a:schemeClr val="bg1"/>
-                  </a:solidFill>
-                </a:ln>
+            </a:pPr>
+            <a:endParaRPr lang="it-IT" sz="6000" dirty="0">
+              <a:ln>
                 <a:solidFill>
                   <a:schemeClr val="bg1"/>
                 </a:solidFill>
-                <a:effectLst>
-                  <a:outerShdw blurRad="50800" dist="38100" dir="5400000" algn="t" rotWithShape="0">
-                    <a:prstClr val="black">
-                      <a:alpha val="40000"/>
-                    </a:prstClr>
-                  </a:outerShdw>
-                </a:effectLst>
-              </a:rPr>
-              <a:t>IL PROGETTO</a:t>
+              </a:ln>
+              <a:solidFill>
+                <a:schemeClr val="bg1"/>
+              </a:solidFill>
+              <a:effectLst>
+                <a:outerShdw blurRad="50800" dist="38100" dir="5400000" algn="t" rotWithShape="0">
+                  <a:prstClr val="black">
+                    <a:alpha val="40000"/>
+                  </a:prstClr>
+                </a:outerShdw>
+              </a:effectLst>
+              <a:latin typeface="Consolas" panose="020B0609020204030204" pitchFamily="49" charset="0"/>
+              <a:ea typeface="+mj-ea"/>
+              <a:cs typeface="+mj-cs"/>
+            </a:endParaRPr>
+          </a:p>
+        </p:txBody>
+      </p:sp>
+      <p:sp>
+        <p:nvSpPr>
+          <p:cNvPr id="3" name="CasellaDiTesto 2">
+            <a:extLst>
+              <a:ext uri="{FF2B5EF4-FFF2-40B4-BE49-F238E27FC236}">
+                <a16:creationId xmlns:a16="http://schemas.microsoft.com/office/drawing/2014/main" id="{CABA7291-60D2-8589-C67F-84F7613B7C75}"/>
+              </a:ext>
+            </a:extLst>
+          </p:cNvPr>
+          <p:cNvSpPr txBox="1"/>
+          <p:nvPr/>
+        </p:nvSpPr>
+        <p:spPr>
+          <a:xfrm>
+            <a:off x="838200" y="2515303"/>
+            <a:ext cx="6024719" cy="2585323"/>
+          </a:xfrm>
+          <a:prstGeom prst="rect">
+            <a:avLst/>
+          </a:prstGeom>
+          <a:noFill/>
+        </p:spPr>
+        <p:txBody>
+          <a:bodyPr wrap="square" rtlCol="0">
+            <a:spAutoFit/>
+          </a:bodyPr>
+          <a:lstStyle/>
+          <a:p>
+            <a:pPr algn="just"/>
+            <a:r>
+              <a:rPr lang="it-IT" dirty="0">
+                <a:latin typeface="Century Gothic" panose="020B0502020202020204" pitchFamily="34" charset="0"/>
+              </a:rPr>
+              <a:t>Contiene </a:t>
+            </a:r>
+            <a:r>
+              <a:rPr lang="it-IT" b="1" dirty="0">
+                <a:latin typeface="Century Gothic" panose="020B0502020202020204" pitchFamily="34" charset="0"/>
+              </a:rPr>
+              <a:t>due</a:t>
+            </a:r>
+            <a:r>
+              <a:rPr lang="it-IT" dirty="0">
+                <a:latin typeface="Century Gothic" panose="020B0502020202020204" pitchFamily="34" charset="0"/>
+              </a:rPr>
+              <a:t> tabelle:</a:t>
+            </a:r>
+          </a:p>
+          <a:p>
+            <a:pPr marL="285750" indent="-285750" algn="just">
+              <a:buFont typeface="Arial" panose="020B0604020202020204" pitchFamily="34" charset="0"/>
+              <a:buChar char="•"/>
+            </a:pPr>
+            <a:r>
+              <a:rPr lang="it-IT" dirty="0">
+                <a:latin typeface="Consolas" panose="020B0609020204030204" pitchFamily="49" charset="0"/>
+              </a:rPr>
+              <a:t>users</a:t>
+            </a:r>
+          </a:p>
+          <a:p>
+            <a:pPr algn="just"/>
+            <a:r>
+              <a:rPr lang="it-IT" dirty="0">
+                <a:latin typeface="Century Gothic" panose="020B0502020202020204" pitchFamily="34" charset="0"/>
+              </a:rPr>
+              <a:t>    Contiene le informazioni di tutti gli utenti </a:t>
+            </a:r>
+            <a:r>
+              <a:rPr lang="it-IT" b="1" dirty="0">
+                <a:latin typeface="Century Gothic" panose="020B0502020202020204" pitchFamily="34" charset="0"/>
+              </a:rPr>
+              <a:t>abilitati</a:t>
+            </a:r>
+            <a:r>
+              <a:rPr lang="it-IT" dirty="0">
+                <a:latin typeface="Century Gothic" panose="020B0502020202020204" pitchFamily="34" charset="0"/>
+              </a:rPr>
+              <a:t> </a:t>
+            </a:r>
+          </a:p>
+          <a:p>
+            <a:pPr algn="just"/>
+            <a:r>
+              <a:rPr lang="it-IT" dirty="0">
+                <a:latin typeface="Century Gothic" panose="020B0502020202020204" pitchFamily="34" charset="0"/>
+              </a:rPr>
+              <a:t>    ad accedere ad un determinato servizio.</a:t>
+            </a:r>
+          </a:p>
+          <a:p>
+            <a:pPr algn="just"/>
+            <a:endParaRPr lang="it-IT" dirty="0">
+              <a:latin typeface="Century Gothic" panose="020B0502020202020204" pitchFamily="34" charset="0"/>
+            </a:endParaRPr>
+          </a:p>
+          <a:p>
+            <a:pPr marL="285750" indent="-285750" algn="just">
+              <a:buFont typeface="Arial" panose="020B0604020202020204" pitchFamily="34" charset="0"/>
+              <a:buChar char="•"/>
+            </a:pPr>
+            <a:r>
+              <a:rPr lang="it-IT" dirty="0">
+                <a:latin typeface="Consolas" panose="020B0609020204030204" pitchFamily="49" charset="0"/>
+              </a:rPr>
+              <a:t>email</a:t>
+            </a:r>
+          </a:p>
+          <a:p>
+            <a:pPr algn="just"/>
+            <a:r>
+              <a:rPr lang="it-IT" dirty="0">
+                <a:latin typeface="Century Gothic" panose="020B0502020202020204" pitchFamily="34" charset="0"/>
+              </a:rPr>
+              <a:t>    Contiene gli indirizzi e-mail di tutti gli utenti della </a:t>
+            </a:r>
+          </a:p>
+          <a:p>
+            <a:pPr algn="just"/>
+            <a:r>
+              <a:rPr lang="it-IT" dirty="0">
+                <a:latin typeface="Century Gothic" panose="020B0502020202020204" pitchFamily="34" charset="0"/>
+              </a:rPr>
+              <a:t>    piattaforma, quindi </a:t>
+            </a:r>
+            <a:r>
+              <a:rPr lang="it-IT" b="1" dirty="0">
+                <a:latin typeface="Century Gothic" panose="020B0502020202020204" pitchFamily="34" charset="0"/>
+              </a:rPr>
+              <a:t>non è garantito </a:t>
+            </a:r>
+            <a:r>
+              <a:rPr lang="it-IT" dirty="0">
+                <a:latin typeface="Century Gothic" panose="020B0502020202020204" pitchFamily="34" charset="0"/>
+              </a:rPr>
+              <a:t>che tutti  </a:t>
+            </a:r>
+          </a:p>
+          <a:p>
+            <a:pPr algn="just"/>
+            <a:r>
+              <a:rPr lang="it-IT" dirty="0">
+                <a:latin typeface="Century Gothic" panose="020B0502020202020204" pitchFamily="34" charset="0"/>
+              </a:rPr>
+              <a:t>    avranno accesso a tutti i servizi.</a:t>
+            </a:r>
+          </a:p>
+        </p:txBody>
+      </p:sp>
+      <p:pic>
+        <p:nvPicPr>
+          <p:cNvPr id="7" name="Immagine 6" descr="Immagine che contiene schermata, testo, Carattere, linea&#10;&#10;Descrizione generata automaticamente">
+            <a:extLst>
+              <a:ext uri="{FF2B5EF4-FFF2-40B4-BE49-F238E27FC236}">
+                <a16:creationId xmlns:a16="http://schemas.microsoft.com/office/drawing/2014/main" id="{06B637D0-0F9D-BACD-F6A3-3FA06BB8EC11}"/>
+              </a:ext>
+            </a:extLst>
+          </p:cNvPr>
+          <p:cNvPicPr>
+            <a:picLocks noChangeAspect="1"/>
+          </p:cNvPicPr>
+          <p:nvPr/>
+        </p:nvPicPr>
+        <p:blipFill>
+          <a:blip r:embed="rId3"/>
+          <a:stretch>
+            <a:fillRect/>
+          </a:stretch>
+        </p:blipFill>
+        <p:spPr>
+          <a:xfrm>
+            <a:off x="8146652" y="1987064"/>
+            <a:ext cx="2641796" cy="2883872"/>
+          </a:xfrm>
+          <a:prstGeom prst="rect">
+            <a:avLst/>
+          </a:prstGeom>
+        </p:spPr>
+      </p:pic>
+      <p:sp>
+        <p:nvSpPr>
+          <p:cNvPr id="10" name="CasellaDiTesto 9">
+            <a:extLst>
+              <a:ext uri="{FF2B5EF4-FFF2-40B4-BE49-F238E27FC236}">
+                <a16:creationId xmlns:a16="http://schemas.microsoft.com/office/drawing/2014/main" id="{63903AAD-D9BB-5B83-740B-12A2C62021CD}"/>
+              </a:ext>
+            </a:extLst>
+          </p:cNvPr>
+          <p:cNvSpPr txBox="1"/>
+          <p:nvPr/>
+        </p:nvSpPr>
+        <p:spPr>
+          <a:xfrm>
+            <a:off x="7581297" y="5076423"/>
+            <a:ext cx="3772506" cy="307777"/>
+          </a:xfrm>
+          <a:prstGeom prst="rect">
+            <a:avLst/>
+          </a:prstGeom>
+          <a:noFill/>
+        </p:spPr>
+        <p:txBody>
+          <a:bodyPr wrap="square" rtlCol="0">
+            <a:spAutoFit/>
+          </a:bodyPr>
+          <a:lstStyle/>
+          <a:p>
+            <a:r>
+              <a:rPr lang="it-IT" sz="1400" dirty="0">
+                <a:latin typeface="Century Gothic" panose="020B0502020202020204" pitchFamily="34" charset="0"/>
+              </a:rPr>
+              <a:t>Modello Entità –  Relazione del Database</a:t>
             </a:r>
           </a:p>
         </p:txBody>
@@ -13885,7 +11291,7 @@
     </p:spTree>
     <p:extLst>
       <p:ext uri="{BB962C8B-B14F-4D97-AF65-F5344CB8AC3E}">
-        <p14:creationId xmlns:p14="http://schemas.microsoft.com/office/powerpoint/2010/main" val="3060818404"/>
+        <p14:creationId xmlns:p14="http://schemas.microsoft.com/office/powerpoint/2010/main" val="3911749720"/>
       </p:ext>
     </p:extLst>
   </p:cSld>
@@ -13929,7 +11335,7 @@
           <p:cNvPr id="2" name="Titolo 1">
             <a:extLst>
               <a:ext uri="{FF2B5EF4-FFF2-40B4-BE49-F238E27FC236}">
-                <a16:creationId xmlns:a16="http://schemas.microsoft.com/office/drawing/2014/main" id="{64409F65-FF41-2A21-DFC3-F12CBA3C21BD}"/>
+                <a16:creationId xmlns:a16="http://schemas.microsoft.com/office/drawing/2014/main" id="{C52A84B7-7A0C-AF76-CB3E-CAC0F7B18247}"/>
               </a:ext>
             </a:extLst>
           </p:cNvPr>
@@ -13947,18 +11353,20 @@
           <a:p>
             <a:pPr algn="ctr"/>
             <a:r>
-              <a:rPr lang="it-IT" dirty="0"/>
-              <a:t>Scopo del progetto</a:t>
-            </a:r>
-          </a:p>
-        </p:txBody>
-      </p:sp>
-      <p:sp>
-        <p:nvSpPr>
-          <p:cNvPr id="13" name="Segnaposto numero diapositiva 12">
-            <a:extLst>
-              <a:ext uri="{FF2B5EF4-FFF2-40B4-BE49-F238E27FC236}">
-                <a16:creationId xmlns:a16="http://schemas.microsoft.com/office/drawing/2014/main" id="{11B66F73-D13F-D3EF-6C68-A53B1BA8B15F}"/>
+              <a:rPr lang="it-IT" dirty="0">
+                <a:latin typeface="Century Gothic" panose="020B0502020202020204" pitchFamily="34" charset="0"/>
+              </a:rPr>
+              <a:t>Obiettivi del microservizio</a:t>
+            </a:r>
+          </a:p>
+        </p:txBody>
+      </p:sp>
+      <p:sp>
+        <p:nvSpPr>
+          <p:cNvPr id="10" name="Segnaposto numero diapositiva 9">
+            <a:extLst>
+              <a:ext uri="{FF2B5EF4-FFF2-40B4-BE49-F238E27FC236}">
+                <a16:creationId xmlns:a16="http://schemas.microsoft.com/office/drawing/2014/main" id="{063A5202-1C0C-814D-E781-009F8BC52CFC}"/>
               </a:ext>
             </a:extLst>
           </p:cNvPr>
@@ -13984,10 +11392,10 @@
       </p:sp>
       <p:sp>
         <p:nvSpPr>
-          <p:cNvPr id="14" name="Rettangolo 13">
-            <a:extLst>
-              <a:ext uri="{FF2B5EF4-FFF2-40B4-BE49-F238E27FC236}">
-                <a16:creationId xmlns:a16="http://schemas.microsoft.com/office/drawing/2014/main" id="{70CA7634-A978-90CE-22A8-72CEE6245240}"/>
+          <p:cNvPr id="12" name="Rettangolo 11">
+            <a:extLst>
+              <a:ext uri="{FF2B5EF4-FFF2-40B4-BE49-F238E27FC236}">
+                <a16:creationId xmlns:a16="http://schemas.microsoft.com/office/drawing/2014/main" id="{16114131-5C77-D323-91F2-4E977519BCC3}"/>
               </a:ext>
             </a:extLst>
           </p:cNvPr>
@@ -14003,184 +11411,418 @@
             <a:avLst/>
           </a:prstGeom>
           <a:solidFill>
-            <a:srgbClr val="7030A0"/>
+            <a:srgbClr val="0080E0"/>
           </a:solidFill>
+          <a:ln>
+            <a:noFill/>
+          </a:ln>
         </p:spPr>
-        <p:txBody>
-          <a:bodyPr vert="horz" lIns="91440" tIns="45720" rIns="91440" bIns="45720" rtlCol="0" anchor="b">
-            <a:normAutofit/>
-          </a:bodyPr>
-          <a:lstStyle/>
-          <a:p>
-            <a:pPr algn="ctr">
-              <a:lnSpc>
-                <a:spcPct val="90000"/>
-              </a:lnSpc>
-              <a:spcBef>
-                <a:spcPct val="0"/>
-              </a:spcBef>
-            </a:pPr>
-            <a:endParaRPr lang="it-IT" sz="6000" dirty="0">
-              <a:ln>
-                <a:solidFill>
-                  <a:schemeClr val="bg1"/>
-                </a:solidFill>
-              </a:ln>
-              <a:solidFill>
-                <a:schemeClr val="bg1"/>
-              </a:solidFill>
-              <a:effectLst>
-                <a:outerShdw blurRad="50800" dist="38100" dir="5400000" algn="t" rotWithShape="0">
-                  <a:prstClr val="black">
-                    <a:alpha val="40000"/>
-                  </a:prstClr>
-                </a:outerShdw>
-              </a:effectLst>
-              <a:latin typeface="+mj-lt"/>
-              <a:ea typeface="+mj-ea"/>
-              <a:cs typeface="+mj-cs"/>
-            </a:endParaRPr>
-          </a:p>
-        </p:txBody>
-      </p:sp>
-      <p:sp>
-        <p:nvSpPr>
-          <p:cNvPr id="15" name="CasellaDiTesto 14">
-            <a:extLst>
-              <a:ext uri="{FF2B5EF4-FFF2-40B4-BE49-F238E27FC236}">
-                <a16:creationId xmlns:a16="http://schemas.microsoft.com/office/drawing/2014/main" id="{01B2919E-EA26-2D28-E3BF-EFAB7B9215FC}"/>
-              </a:ext>
-            </a:extLst>
-          </p:cNvPr>
-          <p:cNvSpPr txBox="1"/>
+        <p:style>
+          <a:lnRef idx="2">
+            <a:schemeClr val="accent1">
+              <a:shade val="50000"/>
+            </a:schemeClr>
+          </a:lnRef>
+          <a:fillRef idx="1">
+            <a:schemeClr val="accent1"/>
+          </a:fillRef>
+          <a:effectRef idx="0">
+            <a:schemeClr val="accent1"/>
+          </a:effectRef>
+          <a:fontRef idx="minor">
+            <a:schemeClr val="lt1"/>
+          </a:fontRef>
+        </p:style>
+        <p:txBody>
+          <a:bodyPr rtlCol="0" anchor="ctr"/>
+          <a:lstStyle/>
+          <a:p>
+            <a:pPr algn="ctr"/>
+            <a:endParaRPr lang="it-IT" dirty="0"/>
+          </a:p>
+        </p:txBody>
+      </p:sp>
+      <p:sp>
+        <p:nvSpPr>
+          <p:cNvPr id="8" name="Rettangolo 7">
+            <a:extLst>
+              <a:ext uri="{FF2B5EF4-FFF2-40B4-BE49-F238E27FC236}">
+                <a16:creationId xmlns:a16="http://schemas.microsoft.com/office/drawing/2014/main" id="{5E58F222-329C-C851-CF7F-26BD0E84C622}"/>
+              </a:ext>
+            </a:extLst>
+          </p:cNvPr>
+          <p:cNvSpPr/>
           <p:nvPr/>
         </p:nvSpPr>
         <p:spPr>
           <a:xfrm>
-            <a:off x="838197" y="1730017"/>
-            <a:ext cx="10515603" cy="3816429"/>
+            <a:off x="719648" y="1596317"/>
+            <a:ext cx="6262178" cy="2267490"/>
           </a:xfrm>
           <a:prstGeom prst="rect">
             <a:avLst/>
           </a:prstGeom>
-          <a:noFill/>
+          <a:ln>
+            <a:noFill/>
+          </a:ln>
         </p:spPr>
-        <p:txBody>
-          <a:bodyPr wrap="square" rtlCol="0">
-            <a:spAutoFit/>
-          </a:bodyPr>
+        <p:style>
+          <a:lnRef idx="2">
+            <a:schemeClr val="accent6"/>
+          </a:lnRef>
+          <a:fillRef idx="1">
+            <a:schemeClr val="lt1"/>
+          </a:fillRef>
+          <a:effectRef idx="0">
+            <a:schemeClr val="accent6"/>
+          </a:effectRef>
+          <a:fontRef idx="minor">
+            <a:schemeClr val="dk1"/>
+          </a:fontRef>
+        </p:style>
+        <p:txBody>
+          <a:bodyPr rtlCol="0" anchor="t"/>
           <a:lstStyle/>
           <a:p>
             <a:pPr algn="just"/>
             <a:r>
-              <a:rPr lang="it-IT" sz="2200" dirty="0">
-                <a:latin typeface="Century Gothic" panose="020B0502020202020204" pitchFamily="34" charset="0"/>
-              </a:rPr>
-              <a:t>L’obiettivo del progetto è quello di realizzare un software che consenta</a:t>
+              <a:rPr lang="it-IT" sz="1800" b="0" i="0" u="none" strike="noStrike" baseline="0" dirty="0">
+                <a:latin typeface="+mj-lt"/>
+              </a:rPr>
+              <a:t>Lo scopo del microservizio è quello di ricevere una richiesta HTTP con all’interno del body un indirizzo e-mail.</a:t>
             </a:r>
           </a:p>
           <a:p>
             <a:pPr algn="just"/>
-            <a:r>
-              <a:rPr lang="it-IT" sz="2200" dirty="0">
-                <a:latin typeface="Century Gothic" panose="020B0502020202020204" pitchFamily="34" charset="0"/>
-              </a:rPr>
-              <a:t>l’autenticazione di un utente all’interno di una piattaforma generica tramite</a:t>
-            </a:r>
-          </a:p>
-          <a:p>
-            <a:pPr algn="just"/>
-            <a:r>
-              <a:rPr lang="it-IT" sz="2200" dirty="0">
-                <a:latin typeface="Century Gothic" panose="020B0502020202020204" pitchFamily="34" charset="0"/>
-              </a:rPr>
-              <a:t>un token da includere all’interno della richiesta inviata, senza quindi l’utilizzo</a:t>
-            </a:r>
-          </a:p>
-          <a:p>
-            <a:pPr algn="just"/>
-            <a:r>
-              <a:rPr lang="it-IT" sz="2200" dirty="0">
-                <a:latin typeface="Century Gothic" panose="020B0502020202020204" pitchFamily="34" charset="0"/>
-              </a:rPr>
-              <a:t>di password o altri strumenti di autenticazione.</a:t>
-            </a:r>
-          </a:p>
-          <a:p>
-            <a:pPr algn="just"/>
-            <a:endParaRPr lang="it-IT" sz="2200" dirty="0">
-              <a:latin typeface="Century Gothic" panose="020B0502020202020204" pitchFamily="34" charset="0"/>
-            </a:endParaRPr>
-          </a:p>
-          <a:p>
-            <a:pPr algn="just"/>
-            <a:r>
-              <a:rPr lang="it-IT" sz="2200" dirty="0">
-                <a:latin typeface="Century Gothic" panose="020B0502020202020204" pitchFamily="34" charset="0"/>
-              </a:rPr>
-              <a:t>Il progetto è strutturato in 4 macro – componenti:</a:t>
-            </a:r>
-          </a:p>
-          <a:p>
-            <a:pPr marL="285750" indent="-285750" algn="just">
-              <a:buFont typeface="Arial" panose="020B0604020202020204" pitchFamily="34" charset="0"/>
-              <a:buChar char="•"/>
-            </a:pPr>
-            <a:r>
-              <a:rPr lang="it-IT" sz="2200" dirty="0">
-                <a:latin typeface="Century Gothic" panose="020B0502020202020204" pitchFamily="34" charset="0"/>
-              </a:rPr>
-              <a:t>Database</a:t>
-            </a:r>
-          </a:p>
-          <a:p>
-            <a:pPr marL="285750" indent="-285750" algn="just">
-              <a:buFont typeface="Arial" panose="020B0604020202020204" pitchFamily="34" charset="0"/>
-              <a:buChar char="•"/>
-            </a:pPr>
-            <a:r>
-              <a:rPr lang="it-IT" sz="2200" dirty="0">
-                <a:latin typeface="Century Gothic" panose="020B0502020202020204" pitchFamily="34" charset="0"/>
-              </a:rPr>
-              <a:t>Microservizio in Java utilizzando Spring Framework</a:t>
-            </a:r>
-          </a:p>
-          <a:p>
-            <a:pPr marL="285750" indent="-285750" algn="just">
-              <a:buFont typeface="Arial" panose="020B0604020202020204" pitchFamily="34" charset="0"/>
-              <a:buChar char="•"/>
-            </a:pPr>
-            <a:r>
-              <a:rPr lang="it-IT" sz="2200" dirty="0">
-                <a:latin typeface="Century Gothic" panose="020B0502020202020204" pitchFamily="34" charset="0"/>
-              </a:rPr>
-              <a:t>Kong Gateway</a:t>
-            </a:r>
-          </a:p>
-          <a:p>
-            <a:pPr marL="285750" indent="-285750" algn="just">
-              <a:buFont typeface="Arial" panose="020B0604020202020204" pitchFamily="34" charset="0"/>
-              <a:buChar char="•"/>
-            </a:pPr>
-            <a:r>
-              <a:rPr lang="it-IT" sz="2200" dirty="0">
-                <a:latin typeface="Century Gothic" panose="020B0502020202020204" pitchFamily="34" charset="0"/>
-              </a:rPr>
-              <a:t>Plugin custom per Kong Gateway in Lua</a:t>
-            </a:r>
-          </a:p>
-          <a:p>
-            <a:pPr algn="just"/>
-            <a:endParaRPr lang="it-IT" sz="2200" dirty="0">
+            <a:endParaRPr lang="it-IT" sz="1800" b="0" i="0" u="none" strike="noStrike" baseline="0" dirty="0">
               <a:latin typeface="+mj-lt"/>
             </a:endParaRPr>
           </a:p>
-        </p:txBody>
-      </p:sp>
+          <a:p>
+            <a:pPr algn="just"/>
+            <a:r>
+              <a:rPr lang="it-IT" sz="1800" b="0" i="0" u="none" strike="noStrike" baseline="0" dirty="0">
+                <a:latin typeface="+mj-lt"/>
+              </a:rPr>
+              <a:t>Si effettua una query nel Database per controllare che l’indirizzo sia  abilitato all’utilizzo del servizio.</a:t>
+            </a:r>
+          </a:p>
+          <a:p>
+            <a:pPr algn="just"/>
+            <a:endParaRPr lang="it-IT" sz="1800" b="0" i="0" u="none" strike="noStrike" baseline="0" dirty="0">
+              <a:latin typeface="+mj-lt"/>
+            </a:endParaRPr>
+          </a:p>
+          <a:p>
+            <a:pPr algn="just"/>
+            <a:r>
+              <a:rPr lang="it-IT" dirty="0">
+                <a:latin typeface="+mj-lt"/>
+              </a:rPr>
+              <a:t>Si restituisce infine il </a:t>
+            </a:r>
+            <a:r>
+              <a:rPr lang="it-IT" b="1" dirty="0">
+                <a:latin typeface="+mj-lt"/>
+              </a:rPr>
+              <a:t>codice HTTP </a:t>
+            </a:r>
+            <a:r>
+              <a:rPr lang="it-IT" dirty="0">
+                <a:latin typeface="+mj-lt"/>
+              </a:rPr>
+              <a:t>adatto.</a:t>
+            </a:r>
+          </a:p>
+        </p:txBody>
+      </p:sp>
+      <p:graphicFrame>
+        <p:nvGraphicFramePr>
+          <p:cNvPr id="17" name="Tabella 17">
+            <a:extLst>
+              <a:ext uri="{FF2B5EF4-FFF2-40B4-BE49-F238E27FC236}">
+                <a16:creationId xmlns:a16="http://schemas.microsoft.com/office/drawing/2014/main" id="{1163CE27-E5A1-77F4-0604-B8CB4F2AD2F9}"/>
+              </a:ext>
+            </a:extLst>
+          </p:cNvPr>
+          <p:cNvGraphicFramePr>
+            <a:graphicFrameLocks noGrp="1"/>
+          </p:cNvGraphicFramePr>
+          <p:nvPr>
+            <p:extLst>
+              <p:ext uri="{D42A27DB-BD31-4B8C-83A1-F6EECF244321}">
+                <p14:modId xmlns:p14="http://schemas.microsoft.com/office/powerpoint/2010/main" val="1961916564"/>
+              </p:ext>
+            </p:extLst>
+          </p:nvPr>
+        </p:nvGraphicFramePr>
+        <p:xfrm>
+          <a:off x="7334865" y="1586543"/>
+          <a:ext cx="4018935" cy="2651760"/>
+        </p:xfrm>
+        <a:graphic>
+          <a:graphicData uri="http://schemas.openxmlformats.org/drawingml/2006/table">
+            <a:tbl>
+              <a:tblPr firstRow="1" bandRow="1">
+                <a:tableStyleId>{5C22544A-7EE6-4342-B048-85BDC9FD1C3A}</a:tableStyleId>
+              </a:tblPr>
+              <a:tblGrid>
+                <a:gridCol w="2010064">
+                  <a:extLst>
+                    <a:ext uri="{9D8B030D-6E8A-4147-A177-3AD203B41FA5}">
+                      <a16:colId xmlns:a16="http://schemas.microsoft.com/office/drawing/2014/main" val="3191799462"/>
+                    </a:ext>
+                  </a:extLst>
+                </a:gridCol>
+                <a:gridCol w="2008871">
+                  <a:extLst>
+                    <a:ext uri="{9D8B030D-6E8A-4147-A177-3AD203B41FA5}">
+                      <a16:colId xmlns:a16="http://schemas.microsoft.com/office/drawing/2014/main" val="971248140"/>
+                    </a:ext>
+                  </a:extLst>
+                </a:gridCol>
+              </a:tblGrid>
+              <a:tr h="352666">
+                <a:tc>
+                  <a:txBody>
+                    <a:bodyPr/>
+                    <a:lstStyle/>
+                    <a:p>
+                      <a:pPr algn="ctr"/>
+                      <a:r>
+                        <a:rPr lang="it-IT" dirty="0">
+                          <a:latin typeface="+mj-lt"/>
+                        </a:rPr>
+                        <a:t>Codice HTTP</a:t>
+                      </a:r>
+                    </a:p>
+                  </a:txBody>
+                  <a:tcPr anchor="ctr">
+                    <a:solidFill>
+                      <a:srgbClr val="0080E0"/>
+                    </a:solidFill>
+                  </a:tcPr>
+                </a:tc>
+                <a:tc>
+                  <a:txBody>
+                    <a:bodyPr/>
+                    <a:lstStyle/>
+                    <a:p>
+                      <a:pPr algn="ctr"/>
+                      <a:r>
+                        <a:rPr lang="it-IT" dirty="0">
+                          <a:latin typeface="+mj-lt"/>
+                        </a:rPr>
+                        <a:t>Significato</a:t>
+                      </a:r>
+                    </a:p>
+                  </a:txBody>
+                  <a:tcPr anchor="ctr">
+                    <a:solidFill>
+                      <a:srgbClr val="0080E0"/>
+                    </a:solidFill>
+                  </a:tcPr>
+                </a:tc>
+                <a:extLst>
+                  <a:ext uri="{0D108BD9-81ED-4DB2-BD59-A6C34878D82A}">
+                    <a16:rowId xmlns:a16="http://schemas.microsoft.com/office/drawing/2014/main" val="1667613711"/>
+                  </a:ext>
+                </a:extLst>
+              </a:tr>
+              <a:tr h="352666">
+                <a:tc>
+                  <a:txBody>
+                    <a:bodyPr/>
+                    <a:lstStyle/>
+                    <a:p>
+                      <a:pPr algn="ctr"/>
+                      <a:r>
+                        <a:rPr lang="it-IT" dirty="0">
+                          <a:latin typeface="+mj-lt"/>
+                        </a:rPr>
+                        <a:t>200</a:t>
+                      </a:r>
+                    </a:p>
+                  </a:txBody>
+                  <a:tcPr anchor="ctr"/>
+                </a:tc>
+                <a:tc>
+                  <a:txBody>
+                    <a:bodyPr/>
+                    <a:lstStyle/>
+                    <a:p>
+                      <a:pPr algn="ctr"/>
+                      <a:r>
+                        <a:rPr lang="it-IT" dirty="0">
+                          <a:latin typeface="+mj-lt"/>
+                        </a:rPr>
+                        <a:t>OK</a:t>
+                      </a:r>
+                    </a:p>
+                  </a:txBody>
+                  <a:tcPr anchor="ctr"/>
+                </a:tc>
+                <a:extLst>
+                  <a:ext uri="{0D108BD9-81ED-4DB2-BD59-A6C34878D82A}">
+                    <a16:rowId xmlns:a16="http://schemas.microsoft.com/office/drawing/2014/main" val="3040995244"/>
+                  </a:ext>
+                </a:extLst>
+              </a:tr>
+              <a:tr h="617166">
+                <a:tc>
+                  <a:txBody>
+                    <a:bodyPr/>
+                    <a:lstStyle/>
+                    <a:p>
+                      <a:pPr algn="ctr"/>
+                      <a:r>
+                        <a:rPr lang="it-IT" dirty="0">
+                          <a:latin typeface="+mj-lt"/>
+                        </a:rPr>
+                        <a:t>402</a:t>
+                      </a:r>
+                    </a:p>
+                  </a:txBody>
+                  <a:tcPr anchor="ctr"/>
+                </a:tc>
+                <a:tc>
+                  <a:txBody>
+                    <a:bodyPr/>
+                    <a:lstStyle/>
+                    <a:p>
+                      <a:pPr algn="ctr"/>
+                      <a:r>
+                        <a:rPr lang="it-IT" dirty="0">
+                          <a:latin typeface="+mj-lt"/>
+                        </a:rPr>
+                        <a:t>PAYMENT REQUIRED</a:t>
+                      </a:r>
+                    </a:p>
+                  </a:txBody>
+                  <a:tcPr anchor="ctr"/>
+                </a:tc>
+                <a:extLst>
+                  <a:ext uri="{0D108BD9-81ED-4DB2-BD59-A6C34878D82A}">
+                    <a16:rowId xmlns:a16="http://schemas.microsoft.com/office/drawing/2014/main" val="3409640210"/>
+                  </a:ext>
+                </a:extLst>
+              </a:tr>
+              <a:tr h="617166">
+                <a:tc>
+                  <a:txBody>
+                    <a:bodyPr/>
+                    <a:lstStyle/>
+                    <a:p>
+                      <a:pPr algn="ctr"/>
+                      <a:r>
+                        <a:rPr lang="it-IT" dirty="0">
+                          <a:latin typeface="+mj-lt"/>
+                        </a:rPr>
+                        <a:t>500</a:t>
+                      </a:r>
+                    </a:p>
+                  </a:txBody>
+                  <a:tcPr anchor="ctr"/>
+                </a:tc>
+                <a:tc>
+                  <a:txBody>
+                    <a:bodyPr/>
+                    <a:lstStyle/>
+                    <a:p>
+                      <a:pPr algn="ctr"/>
+                      <a:r>
+                        <a:rPr lang="it-IT" dirty="0">
+                          <a:latin typeface="+mj-lt"/>
+                        </a:rPr>
+                        <a:t>INTERNAL SERVER ERROR</a:t>
+                      </a:r>
+                    </a:p>
+                  </a:txBody>
+                  <a:tcPr anchor="ctr"/>
+                </a:tc>
+                <a:extLst>
+                  <a:ext uri="{0D108BD9-81ED-4DB2-BD59-A6C34878D82A}">
+                    <a16:rowId xmlns:a16="http://schemas.microsoft.com/office/drawing/2014/main" val="2303201476"/>
+                  </a:ext>
+                </a:extLst>
+              </a:tr>
+              <a:tr h="617166">
+                <a:tc>
+                  <a:txBody>
+                    <a:bodyPr/>
+                    <a:lstStyle/>
+                    <a:p>
+                      <a:pPr algn="ctr"/>
+                      <a:r>
+                        <a:rPr lang="it-IT" dirty="0">
+                          <a:latin typeface="+mj-lt"/>
+                        </a:rPr>
+                        <a:t>503</a:t>
+                      </a:r>
+                    </a:p>
+                  </a:txBody>
+                  <a:tcPr anchor="ctr"/>
+                </a:tc>
+                <a:tc>
+                  <a:txBody>
+                    <a:bodyPr/>
+                    <a:lstStyle/>
+                    <a:p>
+                      <a:pPr algn="ctr"/>
+                      <a:r>
+                        <a:rPr lang="it-IT" dirty="0">
+                          <a:latin typeface="+mj-lt"/>
+                        </a:rPr>
+                        <a:t>SERVICE UNAVAILABLE</a:t>
+                      </a:r>
+                    </a:p>
+                  </a:txBody>
+                  <a:tcPr anchor="ctr"/>
+                </a:tc>
+                <a:extLst>
+                  <a:ext uri="{0D108BD9-81ED-4DB2-BD59-A6C34878D82A}">
+                    <a16:rowId xmlns:a16="http://schemas.microsoft.com/office/drawing/2014/main" val="2723899129"/>
+                  </a:ext>
+                </a:extLst>
+              </a:tr>
+            </a:tbl>
+          </a:graphicData>
+        </a:graphic>
+      </p:graphicFrame>
+      <p:pic>
+        <p:nvPicPr>
+          <p:cNvPr id="4" name="Immagine 3" descr="Immagine che contiene schermata, testo&#10;&#10;Descrizione generata automaticamente">
+            <a:extLst>
+              <a:ext uri="{FF2B5EF4-FFF2-40B4-BE49-F238E27FC236}">
+                <a16:creationId xmlns:a16="http://schemas.microsoft.com/office/drawing/2014/main" id="{1C1FE99D-383A-FA9A-EF05-32093F73828E}"/>
+              </a:ext>
+            </a:extLst>
+          </p:cNvPr>
+          <p:cNvPicPr>
+            <a:picLocks noChangeAspect="1"/>
+          </p:cNvPicPr>
+          <p:nvPr/>
+        </p:nvPicPr>
+        <p:blipFill>
+          <a:blip r:embed="rId3"/>
+          <a:stretch>
+            <a:fillRect/>
+          </a:stretch>
+        </p:blipFill>
+        <p:spPr>
+          <a:xfrm>
+            <a:off x="3066419" y="4390395"/>
+            <a:ext cx="6059162" cy="1965956"/>
+          </a:xfrm>
+          <a:prstGeom prst="rect">
+            <a:avLst/>
+          </a:prstGeom>
+        </p:spPr>
+      </p:pic>
     </p:spTree>
     <p:extLst>
       <p:ext uri="{BB962C8B-B14F-4D97-AF65-F5344CB8AC3E}">
-        <p14:creationId xmlns:p14="http://schemas.microsoft.com/office/powerpoint/2010/main" val="4289612361"/>
+        <p14:creationId xmlns:p14="http://schemas.microsoft.com/office/powerpoint/2010/main" val="3622242407"/>
       </p:ext>
     </p:extLst>
   </p:cSld>
@@ -14224,7 +11866,7 @@
           <p:cNvPr id="2" name="Titolo 1">
             <a:extLst>
               <a:ext uri="{FF2B5EF4-FFF2-40B4-BE49-F238E27FC236}">
-                <a16:creationId xmlns:a16="http://schemas.microsoft.com/office/drawing/2014/main" id="{17399A1C-8FCE-F6C0-588E-EDC67B55EE12}"/>
+                <a16:creationId xmlns:a16="http://schemas.microsoft.com/office/drawing/2014/main" id="{C52A84B7-7A0C-AF76-CB3E-CAC0F7B18247}"/>
               </a:ext>
             </a:extLst>
           </p:cNvPr>
@@ -14242,18 +11884,26 @@
           <a:p>
             <a:pPr algn="ctr"/>
             <a:r>
-              <a:rPr lang="it-IT" dirty="0"/>
-              <a:t>Schema delle comunicazioni</a:t>
-            </a:r>
-          </a:p>
-        </p:txBody>
-      </p:sp>
-      <p:sp>
-        <p:nvSpPr>
-          <p:cNvPr id="8" name="Segnaposto numero diapositiva 7">
-            <a:extLst>
-              <a:ext uri="{FF2B5EF4-FFF2-40B4-BE49-F238E27FC236}">
-                <a16:creationId xmlns:a16="http://schemas.microsoft.com/office/drawing/2014/main" id="{70136F1F-0F2E-A8D7-878A-1186A6BC8CA4}"/>
+              <a:rPr lang="it-IT" dirty="0">
+                <a:latin typeface="Century Gothic" panose="020B0502020202020204" pitchFamily="34" charset="0"/>
+              </a:rPr>
+              <a:t>La classe </a:t>
+            </a:r>
+            <a:r>
+              <a:rPr lang="it-IT" dirty="0">
+                <a:latin typeface="Consolas" panose="020B0609020204030204" pitchFamily="49" charset="0"/>
+              </a:rPr>
+              <a:t>main</a:t>
+            </a:r>
+          </a:p>
+        </p:txBody>
+      </p:sp>
+      <p:sp>
+        <p:nvSpPr>
+          <p:cNvPr id="10" name="Segnaposto numero diapositiva 9">
+            <a:extLst>
+              <a:ext uri="{FF2B5EF4-FFF2-40B4-BE49-F238E27FC236}">
+                <a16:creationId xmlns:a16="http://schemas.microsoft.com/office/drawing/2014/main" id="{063A5202-1C0C-814D-E781-009F8BC52CFC}"/>
               </a:ext>
             </a:extLst>
           </p:cNvPr>
@@ -14279,10 +11929,10 @@
       </p:sp>
       <p:sp>
         <p:nvSpPr>
-          <p:cNvPr id="9" name="Rettangolo 8">
-            <a:extLst>
-              <a:ext uri="{FF2B5EF4-FFF2-40B4-BE49-F238E27FC236}">
-                <a16:creationId xmlns:a16="http://schemas.microsoft.com/office/drawing/2014/main" id="{56EF002A-1A82-5F25-F576-39A37581DB3D}"/>
+          <p:cNvPr id="12" name="Rettangolo 11">
+            <a:extLst>
+              <a:ext uri="{FF2B5EF4-FFF2-40B4-BE49-F238E27FC236}">
+                <a16:creationId xmlns:a16="http://schemas.microsoft.com/office/drawing/2014/main" id="{16114131-5C77-D323-91F2-4E977519BCC3}"/>
               </a:ext>
             </a:extLst>
           </p:cNvPr>
@@ -14291,59 +11941,129 @@
         </p:nvSpPr>
         <p:spPr>
           <a:xfrm rot="5400000" flipH="1">
-            <a:off x="6073142" y="-3836436"/>
+            <a:off x="6073140" y="-3836435"/>
             <a:ext cx="45719" cy="10515602"/>
           </a:xfrm>
           <a:prstGeom prst="rect">
             <a:avLst/>
           </a:prstGeom>
           <a:solidFill>
-            <a:srgbClr val="7030A0"/>
+            <a:srgbClr val="0080E0"/>
           </a:solidFill>
+          <a:ln>
+            <a:noFill/>
+          </a:ln>
         </p:spPr>
-        <p:txBody>
-          <a:bodyPr vert="horz" lIns="91440" tIns="45720" rIns="91440" bIns="45720" rtlCol="0" anchor="b">
-            <a:normAutofit/>
-          </a:bodyPr>
-          <a:lstStyle/>
-          <a:p>
-            <a:pPr algn="ctr">
-              <a:lnSpc>
-                <a:spcPct val="90000"/>
-              </a:lnSpc>
-              <a:spcBef>
-                <a:spcPct val="0"/>
-              </a:spcBef>
-            </a:pPr>
-            <a:endParaRPr lang="it-IT" sz="6000" dirty="0">
-              <a:ln>
-                <a:solidFill>
-                  <a:schemeClr val="bg1"/>
-                </a:solidFill>
-              </a:ln>
-              <a:solidFill>
-                <a:schemeClr val="bg1"/>
-              </a:solidFill>
-              <a:effectLst>
-                <a:outerShdw blurRad="50800" dist="38100" dir="5400000" algn="t" rotWithShape="0">
-                  <a:prstClr val="black">
-                    <a:alpha val="40000"/>
-                  </a:prstClr>
-                </a:outerShdw>
-              </a:effectLst>
+        <p:style>
+          <a:lnRef idx="2">
+            <a:schemeClr val="accent1">
+              <a:shade val="50000"/>
+            </a:schemeClr>
+          </a:lnRef>
+          <a:fillRef idx="1">
+            <a:schemeClr val="accent1"/>
+          </a:fillRef>
+          <a:effectRef idx="0">
+            <a:schemeClr val="accent1"/>
+          </a:effectRef>
+          <a:fontRef idx="minor">
+            <a:schemeClr val="lt1"/>
+          </a:fontRef>
+        </p:style>
+        <p:txBody>
+          <a:bodyPr rtlCol="0" anchor="ctr"/>
+          <a:lstStyle/>
+          <a:p>
+            <a:pPr algn="ctr"/>
+            <a:endParaRPr lang="it-IT" dirty="0"/>
+          </a:p>
+        </p:txBody>
+      </p:sp>
+      <p:sp>
+        <p:nvSpPr>
+          <p:cNvPr id="8" name="Rettangolo 7">
+            <a:extLst>
+              <a:ext uri="{FF2B5EF4-FFF2-40B4-BE49-F238E27FC236}">
+                <a16:creationId xmlns:a16="http://schemas.microsoft.com/office/drawing/2014/main" id="{5E58F222-329C-C851-CF7F-26BD0E84C622}"/>
+              </a:ext>
+            </a:extLst>
+          </p:cNvPr>
+          <p:cNvSpPr/>
+          <p:nvPr/>
+        </p:nvSpPr>
+        <p:spPr>
+          <a:xfrm>
+            <a:off x="838201" y="1736389"/>
+            <a:ext cx="10515600" cy="779323"/>
+          </a:xfrm>
+          <a:prstGeom prst="rect">
+            <a:avLst/>
+          </a:prstGeom>
+          <a:ln>
+            <a:noFill/>
+          </a:ln>
+        </p:spPr>
+        <p:style>
+          <a:lnRef idx="2">
+            <a:schemeClr val="accent6"/>
+          </a:lnRef>
+          <a:fillRef idx="1">
+            <a:schemeClr val="lt1"/>
+          </a:fillRef>
+          <a:effectRef idx="0">
+            <a:schemeClr val="accent6"/>
+          </a:effectRef>
+          <a:fontRef idx="minor">
+            <a:schemeClr val="dk1"/>
+          </a:fontRef>
+        </p:style>
+        <p:txBody>
+          <a:bodyPr rtlCol="0" anchor="t"/>
+          <a:lstStyle/>
+          <a:p>
+            <a:pPr algn="just"/>
+            <a:r>
+              <a:rPr lang="it-IT" sz="1800" b="0" i="0" u="none" strike="noStrike" baseline="0" dirty="0">
+                <a:latin typeface="+mj-lt"/>
+              </a:rPr>
+              <a:t>La classe principale del progetto esegue il metodo </a:t>
+            </a:r>
+            <a:r>
+              <a:rPr lang="it-IT" sz="1800" b="0" i="0" u="none" strike="noStrike" baseline="0" dirty="0" err="1">
+                <a:latin typeface="Consolas" panose="020B0609020204030204" pitchFamily="49" charset="0"/>
+              </a:rPr>
+              <a:t>run</a:t>
+            </a:r>
+            <a:r>
+              <a:rPr lang="it-IT" sz="1800" b="0" i="0" u="none" strike="noStrike" baseline="0" dirty="0">
+                <a:latin typeface="Consolas" panose="020B0609020204030204" pitchFamily="49" charset="0"/>
+              </a:rPr>
+              <a:t>()</a:t>
+            </a:r>
+            <a:r>
+              <a:rPr lang="it-IT" dirty="0">
+                <a:latin typeface="+mj-lt"/>
+              </a:rPr>
+              <a:t>, che avvia </a:t>
+            </a:r>
+            <a:r>
+              <a:rPr lang="it-IT" sz="1800" b="0" i="0" u="none" strike="noStrike" baseline="0" dirty="0">
+                <a:latin typeface="+mj-lt"/>
+              </a:rPr>
+              <a:t>tutti i processi necessari per l’esecuzione dell’applicazione.</a:t>
+            </a:r>
+            <a:endParaRPr lang="it-IT" dirty="0">
               <a:latin typeface="+mj-lt"/>
-              <a:ea typeface="+mj-ea"/>
-              <a:cs typeface="+mj-cs"/>
             </a:endParaRPr>
           </a:p>
         </p:txBody>
       </p:sp>
       <p:pic>
         <p:nvPicPr>
-          <p:cNvPr id="3" name="Immagine 2" descr="Immagine che contiene testo, schermata, diagramma, linea&#10;&#10;Descrizione generata automaticamente">
-            <a:extLst>
-              <a:ext uri="{FF2B5EF4-FFF2-40B4-BE49-F238E27FC236}">
-                <a16:creationId xmlns:a16="http://schemas.microsoft.com/office/drawing/2014/main" id="{9BCAAF34-25B8-4E68-CA15-FB2245CBA236}"/>
+          <p:cNvPr id="4" name="Immagine 3">
+            <a:extLst>
+              <a:ext uri="{FF2B5EF4-FFF2-40B4-BE49-F238E27FC236}">
+                <a16:creationId xmlns:a16="http://schemas.microsoft.com/office/drawing/2014/main" id="{40A6DCB2-728E-71F2-A9A6-C51479C3963A}"/>
               </a:ext>
             </a:extLst>
           </p:cNvPr>
@@ -14360,8 +12080,8 @@
         </p:blipFill>
         <p:spPr>
           <a:xfrm>
-            <a:off x="1654082" y="1690688"/>
-            <a:ext cx="8883835" cy="3903169"/>
+            <a:off x="2666702" y="2921880"/>
+            <a:ext cx="6858594" cy="2888230"/>
           </a:xfrm>
           <a:prstGeom prst="rect">
             <a:avLst/>
@@ -14371,7 +12091,7 @@
     </p:spTree>
     <p:extLst>
       <p:ext uri="{BB962C8B-B14F-4D97-AF65-F5344CB8AC3E}">
-        <p14:creationId xmlns:p14="http://schemas.microsoft.com/office/powerpoint/2010/main" val="907361884"/>
+        <p14:creationId xmlns:p14="http://schemas.microsoft.com/office/powerpoint/2010/main" val="1013925589"/>
       </p:ext>
     </p:extLst>
   </p:cSld>

--- a/Presentazione/Valerio Desiati - Presentazione Discussione.pptx
+++ b/Presentazione/Valerio Desiati - Presentazione Discussione.pptx
@@ -5,7 +5,7 @@
     <p:sldMasterId id="2147483648" r:id="rId1"/>
   </p:sldMasterIdLst>
   <p:notesMasterIdLst>
-    <p:notesMasterId r:id="rId22"/>
+    <p:notesMasterId r:id="rId23"/>
   </p:notesMasterIdLst>
   <p:sldIdLst>
     <p:sldId id="256" r:id="rId2"/>
@@ -27,7 +27,8 @@
     <p:sldId id="330" r:id="rId18"/>
     <p:sldId id="331" r:id="rId19"/>
     <p:sldId id="332" r:id="rId20"/>
-    <p:sldId id="325" r:id="rId21"/>
+    <p:sldId id="344" r:id="rId21"/>
+    <p:sldId id="325" r:id="rId22"/>
   </p:sldIdLst>
   <p:sldSz cx="12192000" cy="6858000"/>
   <p:notesSz cx="6858000" cy="9144000"/>
@@ -1559,7 +1560,7 @@
           <a:p>
             <a:fld id="{4C1F9E36-1FE2-5648-8A6D-D903E424B1AF}" type="slidenum">
               <a:rPr lang="it-IT" smtClean="0"/>
-              <a:t>20</a:t>
+              <a:t>21</a:t>
             </a:fld>
             <a:endParaRPr lang="it-IT" dirty="0"/>
           </a:p>
@@ -8920,6 +8921,234 @@
 </file>
 
 <file path=ppt/slides/slide20.xml><?xml version="1.0" encoding="utf-8"?>
+<p:sld xmlns:a="http://schemas.openxmlformats.org/drawingml/2006/main" xmlns:r="http://schemas.openxmlformats.org/officeDocument/2006/relationships" xmlns:p="http://schemas.openxmlformats.org/presentationml/2006/main">
+  <p:cSld>
+    <p:spTree>
+      <p:nvGrpSpPr>
+        <p:cNvPr id="1" name=""/>
+        <p:cNvGrpSpPr/>
+        <p:nvPr/>
+      </p:nvGrpSpPr>
+      <p:grpSpPr>
+        <a:xfrm>
+          <a:off x="0" y="0"/>
+          <a:ext cx="0" cy="0"/>
+          <a:chOff x="0" y="0"/>
+          <a:chExt cx="0" cy="0"/>
+        </a:xfrm>
+      </p:grpSpPr>
+      <p:sp>
+        <p:nvSpPr>
+          <p:cNvPr id="2" name="Titolo 1">
+            <a:extLst>
+              <a:ext uri="{FF2B5EF4-FFF2-40B4-BE49-F238E27FC236}">
+                <a16:creationId xmlns:a16="http://schemas.microsoft.com/office/drawing/2014/main" id="{62BB0F74-3363-AF42-709E-E93953B193AF}"/>
+              </a:ext>
+            </a:extLst>
+          </p:cNvPr>
+          <p:cNvSpPr>
+            <a:spLocks noGrp="1"/>
+          </p:cNvSpPr>
+          <p:nvPr>
+            <p:ph type="title"/>
+          </p:nvPr>
+        </p:nvSpPr>
+        <p:spPr/>
+        <p:txBody>
+          <a:bodyPr/>
+          <a:lstStyle/>
+          <a:p>
+            <a:pPr algn="ctr"/>
+            <a:r>
+              <a:rPr lang="it-IT" dirty="0"/>
+              <a:t>Sviluppi futuri</a:t>
+            </a:r>
+          </a:p>
+        </p:txBody>
+      </p:sp>
+      <p:sp>
+        <p:nvSpPr>
+          <p:cNvPr id="4" name="Segnaposto numero diapositiva 3">
+            <a:extLst>
+              <a:ext uri="{FF2B5EF4-FFF2-40B4-BE49-F238E27FC236}">
+                <a16:creationId xmlns:a16="http://schemas.microsoft.com/office/drawing/2014/main" id="{91F51550-0E4D-D40C-37FD-648EB0C8F1E3}"/>
+              </a:ext>
+            </a:extLst>
+          </p:cNvPr>
+          <p:cNvSpPr>
+            <a:spLocks noGrp="1"/>
+          </p:cNvSpPr>
+          <p:nvPr>
+            <p:ph type="sldNum" sz="quarter" idx="12"/>
+          </p:nvPr>
+        </p:nvSpPr>
+        <p:spPr/>
+        <p:txBody>
+          <a:bodyPr/>
+          <a:lstStyle/>
+          <a:p>
+            <a:fld id="{3F24ED9F-0AD1-BB4C-9842-01F95E80AFCD}" type="slidenum">
+              <a:rPr lang="it-IT" smtClean="0"/>
+              <a:t>20</a:t>
+            </a:fld>
+            <a:endParaRPr lang="it-IT" dirty="0"/>
+          </a:p>
+        </p:txBody>
+      </p:sp>
+      <p:sp>
+        <p:nvSpPr>
+          <p:cNvPr id="7" name="Rettangolo 6">
+            <a:extLst>
+              <a:ext uri="{FF2B5EF4-FFF2-40B4-BE49-F238E27FC236}">
+                <a16:creationId xmlns:a16="http://schemas.microsoft.com/office/drawing/2014/main" id="{64EC5C47-DA9C-18B0-908F-89D36DBC7216}"/>
+              </a:ext>
+            </a:extLst>
+          </p:cNvPr>
+          <p:cNvSpPr/>
+          <p:nvPr/>
+        </p:nvSpPr>
+        <p:spPr>
+          <a:xfrm rot="5400000" flipH="1">
+            <a:off x="6073140" y="-3836435"/>
+            <a:ext cx="45719" cy="10515602"/>
+          </a:xfrm>
+          <a:prstGeom prst="rect">
+            <a:avLst/>
+          </a:prstGeom>
+          <a:solidFill>
+            <a:srgbClr val="00B050"/>
+          </a:solidFill>
+          <a:ln>
+            <a:noFill/>
+          </a:ln>
+        </p:spPr>
+        <p:style>
+          <a:lnRef idx="2">
+            <a:schemeClr val="accent1">
+              <a:shade val="50000"/>
+            </a:schemeClr>
+          </a:lnRef>
+          <a:fillRef idx="1">
+            <a:schemeClr val="accent1"/>
+          </a:fillRef>
+          <a:effectRef idx="0">
+            <a:schemeClr val="accent1"/>
+          </a:effectRef>
+          <a:fontRef idx="minor">
+            <a:schemeClr val="lt1"/>
+          </a:fontRef>
+        </p:style>
+        <p:txBody>
+          <a:bodyPr rtlCol="0" anchor="ctr"/>
+          <a:lstStyle/>
+          <a:p>
+            <a:pPr algn="ctr"/>
+            <a:endParaRPr lang="it-IT" dirty="0"/>
+          </a:p>
+        </p:txBody>
+      </p:sp>
+      <p:sp>
+        <p:nvSpPr>
+          <p:cNvPr id="3" name="Rettangolo 2">
+            <a:extLst>
+              <a:ext uri="{FF2B5EF4-FFF2-40B4-BE49-F238E27FC236}">
+                <a16:creationId xmlns:a16="http://schemas.microsoft.com/office/drawing/2014/main" id="{C09DBC23-25F4-1DA4-3E99-40E9C14750D8}"/>
+              </a:ext>
+            </a:extLst>
+          </p:cNvPr>
+          <p:cNvSpPr/>
+          <p:nvPr/>
+        </p:nvSpPr>
+        <p:spPr>
+          <a:xfrm>
+            <a:off x="838200" y="2190835"/>
+            <a:ext cx="10515601" cy="1832683"/>
+          </a:xfrm>
+          <a:prstGeom prst="rect">
+            <a:avLst/>
+          </a:prstGeom>
+          <a:ln>
+            <a:noFill/>
+          </a:ln>
+        </p:spPr>
+        <p:style>
+          <a:lnRef idx="2">
+            <a:schemeClr val="accent6"/>
+          </a:lnRef>
+          <a:fillRef idx="1">
+            <a:schemeClr val="lt1"/>
+          </a:fillRef>
+          <a:effectRef idx="0">
+            <a:schemeClr val="accent6"/>
+          </a:effectRef>
+          <a:fontRef idx="minor">
+            <a:schemeClr val="dk1"/>
+          </a:fontRef>
+        </p:style>
+        <p:txBody>
+          <a:bodyPr rtlCol="0" anchor="ctr"/>
+          <a:lstStyle/>
+          <a:p>
+            <a:pPr marL="342900" indent="-342900" algn="just">
+              <a:buFont typeface="+mj-lt"/>
+              <a:buAutoNum type="arabicPeriod"/>
+            </a:pPr>
+            <a:r>
+              <a:rPr lang="it-IT" sz="2000" dirty="0">
+                <a:latin typeface="+mj-lt"/>
+              </a:rPr>
+              <a:t>Miglioramento delle specifiche della Virtual Machine su Microsoft Azure</a:t>
+            </a:r>
+          </a:p>
+          <a:p>
+            <a:pPr marL="342900" indent="-342900" algn="just">
+              <a:buFont typeface="+mj-lt"/>
+              <a:buAutoNum type="arabicPeriod"/>
+            </a:pPr>
+            <a:endParaRPr lang="it-IT" sz="2000" dirty="0">
+              <a:latin typeface="+mj-lt"/>
+            </a:endParaRPr>
+          </a:p>
+          <a:p>
+            <a:pPr marL="342900" indent="-342900" algn="just">
+              <a:buFont typeface="+mj-lt"/>
+              <a:buAutoNum type="arabicPeriod"/>
+            </a:pPr>
+            <a:r>
+              <a:rPr lang="it-IT" sz="2000" dirty="0">
+                <a:latin typeface="+mj-lt"/>
+              </a:rPr>
+              <a:t>Implementazione di un Database più ampio e ottimizzato</a:t>
+            </a:r>
+          </a:p>
+        </p:txBody>
+      </p:sp>
+    </p:spTree>
+    <p:extLst>
+      <p:ext uri="{BB962C8B-B14F-4D97-AF65-F5344CB8AC3E}">
+        <p14:creationId xmlns:p14="http://schemas.microsoft.com/office/powerpoint/2010/main" val="7309514"/>
+      </p:ext>
+    </p:extLst>
+  </p:cSld>
+  <p:clrMapOvr>
+    <a:masterClrMapping/>
+  </p:clrMapOvr>
+  <mc:AlternateContent xmlns:mc="http://schemas.openxmlformats.org/markup-compatibility/2006">
+    <mc:Choice xmlns:p159="http://schemas.microsoft.com/office/powerpoint/2015/09/main" Requires="p159">
+      <p:transition>
+        <p159:morph option="byObject"/>
+      </p:transition>
+    </mc:Choice>
+    <mc:Fallback>
+      <p:transition>
+        <p:fade/>
+      </p:transition>
+    </mc:Fallback>
+  </mc:AlternateContent>
+</p:sld>
+</file>
+
+<file path=ppt/slides/slide21.xml><?xml version="1.0" encoding="utf-8"?>
 <p:sld xmlns:a="http://schemas.openxmlformats.org/drawingml/2006/main" xmlns:r="http://schemas.openxmlformats.org/officeDocument/2006/relationships" xmlns:p="http://schemas.openxmlformats.org/presentationml/2006/main">
   <p:cSld>
     <p:spTree>
